--- a/Final Project Documentation/CSC521.pptx
+++ b/Final Project Documentation/CSC521.pptx
@@ -5,20 +5,21 @@
     <p:sldMasterId id="2147483678" r:id="rId1"/>
   </p:sldMasterIdLst>
   <p:notesMasterIdLst>
-    <p:notesMasterId r:id="rId13"/>
+    <p:notesMasterId r:id="rId14"/>
   </p:notesMasterIdLst>
   <p:sldIdLst>
     <p:sldId id="276" r:id="rId2"/>
     <p:sldId id="268" r:id="rId3"/>
     <p:sldId id="259" r:id="rId4"/>
-    <p:sldId id="281" r:id="rId5"/>
-    <p:sldId id="260" r:id="rId6"/>
-    <p:sldId id="291" r:id="rId7"/>
-    <p:sldId id="261" r:id="rId8"/>
-    <p:sldId id="274" r:id="rId9"/>
-    <p:sldId id="265" r:id="rId10"/>
-    <p:sldId id="264" r:id="rId11"/>
-    <p:sldId id="290" r:id="rId12"/>
+    <p:sldId id="260" r:id="rId5"/>
+    <p:sldId id="291" r:id="rId6"/>
+    <p:sldId id="261" r:id="rId7"/>
+    <p:sldId id="265" r:id="rId8"/>
+    <p:sldId id="264" r:id="rId9"/>
+    <p:sldId id="290" r:id="rId10"/>
+    <p:sldId id="295" r:id="rId11"/>
+    <p:sldId id="293" r:id="rId12"/>
+    <p:sldId id="294" r:id="rId13"/>
   </p:sldIdLst>
   <p:sldSz cx="12192000" cy="6858000"/>
   <p:notesSz cx="6858000" cy="9144000"/>
@@ -409,324 +410,6 @@
 </p:notes>
 </file>
 
-<file path=ppt/notesSlides/notesSlide10.xml><?xml version="1.0" encoding="utf-8"?>
-<p:notes xmlns:a="http://schemas.openxmlformats.org/drawingml/2006/main" xmlns:r="http://schemas.openxmlformats.org/officeDocument/2006/relationships" xmlns:p="http://schemas.openxmlformats.org/presentationml/2006/main">
-  <p:cSld>
-    <p:spTree>
-      <p:nvGrpSpPr>
-        <p:cNvPr id="1" name=""/>
-        <p:cNvGrpSpPr/>
-        <p:nvPr/>
-      </p:nvGrpSpPr>
-      <p:grpSpPr>
-        <a:xfrm>
-          <a:off x="0" y="0"/>
-          <a:ext cx="0" cy="0"/>
-          <a:chOff x="0" y="0"/>
-          <a:chExt cx="0" cy="0"/>
-        </a:xfrm>
-      </p:grpSpPr>
-      <p:sp>
-        <p:nvSpPr>
-          <p:cNvPr id="2" name="Slide Image Placeholder 1"/>
-          <p:cNvSpPr>
-            <a:spLocks noGrp="1" noRot="1" noChangeAspect="1"/>
-          </p:cNvSpPr>
-          <p:nvPr>
-            <p:ph type="sldImg"/>
-          </p:nvPr>
-        </p:nvSpPr>
-        <p:spPr>
-          <a:xfrm>
-            <a:off x="685800" y="1143000"/>
-            <a:ext cx="5486400" cy="3086100"/>
-          </a:xfrm>
-          <a:prstGeom prst="rect">
-            <a:avLst/>
-          </a:prstGeom>
-          <a:noFill/>
-          <a:ln w="12700">
-            <a:solidFill>
-              <a:prstClr val="black"/>
-            </a:solidFill>
-          </a:ln>
-        </p:spPr>
-      </p:sp>
-      <p:sp>
-        <p:nvSpPr>
-          <p:cNvPr id="3" name="Notes Placeholder 2"/>
-          <p:cNvSpPr>
-            <a:spLocks noGrp="1"/>
-          </p:cNvSpPr>
-          <p:nvPr>
-            <p:ph type="body" idx="1"/>
-          </p:nvPr>
-        </p:nvSpPr>
-        <p:spPr>
-          <a:xfrm>
-            <a:off x="685800" y="4400550"/>
-            <a:ext cx="5486400" cy="3600450"/>
-          </a:xfrm>
-          <a:prstGeom prst="rect">
-            <a:avLst/>
-          </a:prstGeom>
-        </p:spPr>
-        <p:txBody>
-          <a:bodyPr/>
-          <a:lstStyle/>
-          <a:p>
-            <a:r>
-              <a:rPr lang="en-US" dirty="0" smtClean="0"/>
-              <a:t>We </a:t>
-            </a:r>
-            <a:r>
-              <a:rPr lang="en-US" dirty="0"/>
-              <a:t>assigned specification 20% because we felt it was one of the most important parts of our project and considering we all took the software engineering track we were able to understand its importance.</a:t>
-            </a:r>
-          </a:p>
-          <a:p>
-            <a:endParaRPr lang="en-US" dirty="0">
-              <a:solidFill>
-                <a:srgbClr val="FF0000"/>
-              </a:solidFill>
-              <a:latin typeface="Times New Roman"/>
-              <a:cs typeface="Times New Roman"/>
-            </a:endParaRPr>
-          </a:p>
-          <a:p>
-            <a:r>
-              <a:rPr lang="en-US" dirty="0"/>
-              <a:t>&lt;Next/&gt;</a:t>
-            </a:r>
-          </a:p>
-          <a:p>
-            <a:r>
-              <a:rPr lang="en-US" dirty="0"/>
-              <a:t>Following up with analysis we assigned it a slightly smaller number because we didn’t feel it was as important as specifications but at the same time we felt pulling out our classes and having a good understanding of the functional flow was important for scalability and maintainability in later workflows.</a:t>
-            </a:r>
-          </a:p>
-          <a:p>
-            <a:endParaRPr lang="en-US" dirty="0">
-              <a:latin typeface="Times New Roman"/>
-              <a:cs typeface="Times New Roman"/>
-            </a:endParaRPr>
-          </a:p>
-          <a:p>
-            <a:r>
-              <a:rPr lang="en-US" dirty="0"/>
-              <a:t>&lt;Next/&gt;</a:t>
-            </a:r>
-          </a:p>
-          <a:p>
-            <a:r>
-              <a:rPr lang="en-US" dirty="0"/>
-              <a:t>Design was given the same level of effort as analysis because at this point we will have already spent </a:t>
-            </a:r>
-            <a:r>
-              <a:rPr lang="en-US" dirty="0" smtClean="0"/>
-              <a:t>half of</a:t>
-            </a:r>
-            <a:r>
-              <a:rPr lang="en-US" baseline="0" dirty="0" smtClean="0"/>
-              <a:t> our</a:t>
-            </a:r>
-            <a:r>
-              <a:rPr lang="en-US" dirty="0" smtClean="0"/>
-              <a:t> </a:t>
-            </a:r>
-            <a:r>
-              <a:rPr lang="en-US" dirty="0"/>
-              <a:t>time on </a:t>
-            </a:r>
-            <a:r>
-              <a:rPr lang="en-US" dirty="0" smtClean="0"/>
-              <a:t>planning, </a:t>
-            </a:r>
-            <a:r>
-              <a:rPr lang="en-US" dirty="0"/>
-              <a:t>so continuing to make sure we keep on track and work on our design before implementation seemed appropriate. </a:t>
-            </a:r>
-          </a:p>
-          <a:p>
-            <a:endParaRPr lang="en-US" dirty="0">
-              <a:latin typeface="Times New Roman"/>
-              <a:cs typeface="Times New Roman"/>
-            </a:endParaRPr>
-          </a:p>
-          <a:p>
-            <a:r>
-              <a:rPr lang="en-US" dirty="0"/>
-              <a:t>&lt;Next/&gt;</a:t>
-            </a:r>
-          </a:p>
-          <a:p>
-            <a:r>
-              <a:rPr lang="en-US" dirty="0"/>
-              <a:t>Implementation came in at 30%. Although the largest individual assignment, we have still assigned the majority of the project to planning.</a:t>
-            </a:r>
-          </a:p>
-          <a:p>
-            <a:endParaRPr lang="en-US" dirty="0">
-              <a:latin typeface="Times New Roman"/>
-              <a:cs typeface="Times New Roman"/>
-            </a:endParaRPr>
-          </a:p>
-          <a:p>
-            <a:r>
-              <a:rPr lang="en-US" dirty="0"/>
-              <a:t>&lt;Next/&gt;</a:t>
-            </a:r>
-          </a:p>
-          <a:p>
-            <a:r>
-              <a:rPr lang="en-US" dirty="0"/>
-              <a:t>Documentation </a:t>
-            </a:r>
-            <a:r>
-              <a:rPr lang="en-US" dirty="0" smtClean="0"/>
-              <a:t>has earned </a:t>
-            </a:r>
-            <a:r>
-              <a:rPr lang="en-US" dirty="0"/>
-              <a:t>it's self 10% because as a real world software experience we understand that in order for a group to function properly, we can’t be wasting our time trying to understand what our colleague’s code is supposed to do.</a:t>
-            </a:r>
-          </a:p>
-          <a:p>
-            <a:endParaRPr lang="en-US" dirty="0">
-              <a:latin typeface="Times New Roman"/>
-              <a:cs typeface="Times New Roman"/>
-            </a:endParaRPr>
-          </a:p>
-          <a:p>
-            <a:r>
-              <a:rPr lang="en-US" dirty="0"/>
-              <a:t>&lt;Next/&gt;</a:t>
-            </a:r>
-          </a:p>
-          <a:p>
-            <a:r>
-              <a:rPr lang="en-US" dirty="0"/>
-              <a:t>And finally we have assigned our presentation 10% because our goal is to not just to deliver a piece of software but deliver a quality and engaging product presentation. </a:t>
-            </a:r>
-          </a:p>
-        </p:txBody>
-      </p:sp>
-    </p:spTree>
-    <p:extLst>
-      <p:ext uri="{BB962C8B-B14F-4D97-AF65-F5344CB8AC3E}">
-        <p14:creationId xmlns:p14="http://schemas.microsoft.com/office/powerpoint/2010/main" val="3049396755"/>
-      </p:ext>
-    </p:extLst>
-  </p:cSld>
-  <p:clrMapOvr>
-    <a:masterClrMapping/>
-  </p:clrMapOvr>
-</p:notes>
-</file>
-
-<file path=ppt/notesSlides/notesSlide11.xml><?xml version="1.0" encoding="utf-8"?>
-<p:notes xmlns:a="http://schemas.openxmlformats.org/drawingml/2006/main" xmlns:r="http://schemas.openxmlformats.org/officeDocument/2006/relationships" xmlns:p="http://schemas.openxmlformats.org/presentationml/2006/main">
-  <p:cSld>
-    <p:spTree>
-      <p:nvGrpSpPr>
-        <p:cNvPr id="1" name=""/>
-        <p:cNvGrpSpPr/>
-        <p:nvPr/>
-      </p:nvGrpSpPr>
-      <p:grpSpPr>
-        <a:xfrm>
-          <a:off x="0" y="0"/>
-          <a:ext cx="0" cy="0"/>
-          <a:chOff x="0" y="0"/>
-          <a:chExt cx="0" cy="0"/>
-        </a:xfrm>
-      </p:grpSpPr>
-      <p:sp>
-        <p:nvSpPr>
-          <p:cNvPr id="2" name="Slide Image Placeholder 1"/>
-          <p:cNvSpPr>
-            <a:spLocks noGrp="1" noRot="1" noChangeAspect="1"/>
-          </p:cNvSpPr>
-          <p:nvPr>
-            <p:ph type="sldImg"/>
-          </p:nvPr>
-        </p:nvSpPr>
-        <p:spPr>
-          <a:xfrm>
-            <a:off x="685800" y="1143000"/>
-            <a:ext cx="5486400" cy="3086100"/>
-          </a:xfrm>
-          <a:prstGeom prst="rect">
-            <a:avLst/>
-          </a:prstGeom>
-          <a:noFill/>
-          <a:ln w="12700">
-            <a:solidFill>
-              <a:prstClr val="black"/>
-            </a:solidFill>
-          </a:ln>
-        </p:spPr>
-      </p:sp>
-      <p:sp>
-        <p:nvSpPr>
-          <p:cNvPr id="3" name="Notes Placeholder 2"/>
-          <p:cNvSpPr>
-            <a:spLocks noGrp="1"/>
-          </p:cNvSpPr>
-          <p:nvPr>
-            <p:ph type="body" idx="1"/>
-          </p:nvPr>
-        </p:nvSpPr>
-        <p:spPr>
-          <a:xfrm>
-            <a:off x="685800" y="4400550"/>
-            <a:ext cx="5486400" cy="3600450"/>
-          </a:xfrm>
-          <a:prstGeom prst="rect">
-            <a:avLst/>
-          </a:prstGeom>
-        </p:spPr>
-        <p:txBody>
-          <a:bodyPr/>
-          <a:lstStyle/>
-          <a:p>
-            <a:r>
-              <a:rPr lang="en-US" sz="1200" kern="1200" dirty="0" smtClean="0">
-                <a:solidFill>
-                  <a:schemeClr val="tx1"/>
-                </a:solidFill>
-                <a:effectLst/>
-                <a:latin typeface="+mn-lt"/>
-                <a:ea typeface="+mn-ea"/>
-                <a:cs typeface="+mn-cs"/>
-              </a:rPr>
-              <a:t>We would like to thank you for your time, and this brings us to the conclusion of our presentation. Do we have any questions?</a:t>
-            </a:r>
-            <a:endParaRPr lang="en-US" sz="1200" kern="1200" dirty="0">
-              <a:solidFill>
-                <a:schemeClr val="tx1"/>
-              </a:solidFill>
-              <a:effectLst/>
-              <a:latin typeface="+mn-lt"/>
-              <a:ea typeface="+mn-ea"/>
-              <a:cs typeface="+mn-cs"/>
-            </a:endParaRPr>
-          </a:p>
-        </p:txBody>
-      </p:sp>
-    </p:spTree>
-    <p:extLst>
-      <p:ext uri="{BB962C8B-B14F-4D97-AF65-F5344CB8AC3E}">
-        <p14:creationId xmlns:p14="http://schemas.microsoft.com/office/powerpoint/2010/main" val="971011799"/>
-      </p:ext>
-    </p:extLst>
-  </p:cSld>
-  <p:clrMapOvr>
-    <a:masterClrMapping/>
-  </p:clrMapOvr>
-</p:notes>
-</file>
-
 <file path=ppt/notesSlides/notesSlide2.xml><?xml version="1.0" encoding="utf-8"?>
 <p:notes xmlns:a="http://schemas.openxmlformats.org/drawingml/2006/main" xmlns:r="http://schemas.openxmlformats.org/officeDocument/2006/relationships" xmlns:p="http://schemas.openxmlformats.org/presentationml/2006/main">
   <p:cSld>
@@ -1150,25 +833,166 @@
           <a:p>
             <a:r>
               <a:rPr lang="en-US" dirty="0">
-                <a:cs typeface="Calibri"/>
+                <a:solidFill>
+                  <a:srgbClr val="FF0000"/>
+                </a:solidFill>
               </a:rPr>
-              <a:t>Now I would like to address the problem we are try to solve here, and this is a problem that I personally have with my ADHD and I know many others have. </a:t>
-            </a:r>
-            <a:br>
+              <a:t>As I </a:t>
+            </a:r>
+            <a:r>
+              <a:rPr lang="en-US" dirty="0" smtClean="0">
+                <a:solidFill>
+                  <a:srgbClr val="FF0000"/>
+                </a:solidFill>
+              </a:rPr>
+              <a:t>had said </a:t>
+            </a:r>
+            <a:r>
               <a:rPr lang="en-US" dirty="0">
-                <a:cs typeface="Calibri"/>
+                <a:solidFill>
+                  <a:srgbClr val="FF0000"/>
+                </a:solidFill>
               </a:rPr>
-            </a:br>
-            <a:endParaRPr lang="en-US" dirty="0">
-              <a:cs typeface="Calibri"/>
-            </a:endParaRPr>
+              <a:t>previously a personal objective for me was to learn the .NET Stack</a:t>
+            </a:r>
+          </a:p>
+          <a:p>
+            <a:r>
+              <a:rPr lang="en-US" dirty="0">
+                <a:solidFill>
+                  <a:srgbClr val="FF0000"/>
+                </a:solidFill>
+              </a:rPr>
+              <a:t>&lt;Next&gt;</a:t>
+            </a:r>
+            <a:r>
+              <a:rPr lang="en-US" dirty="0"/>
+              <a:t> </a:t>
+            </a:r>
+          </a:p>
+          <a:p>
+            <a:r>
+              <a:rPr lang="en-US" dirty="0"/>
+              <a:t>and as you can see we list C#, Visual Studio, and .NET</a:t>
+            </a:r>
+          </a:p>
+          <a:p>
+            <a:r>
+              <a:rPr lang="en-US" dirty="0"/>
+              <a:t>&lt;Next&gt;</a:t>
+            </a:r>
+          </a:p>
+          <a:p>
+            <a:r>
+              <a:rPr lang="en-US" dirty="0"/>
+              <a:t>for the front end we plan on </a:t>
+            </a:r>
+            <a:r>
+              <a:rPr lang="en-US" dirty="0" smtClean="0"/>
+              <a:t>using JavaScript </a:t>
+            </a:r>
+            <a:r>
+              <a:rPr lang="en-US" dirty="0"/>
+              <a:t>and </a:t>
+            </a:r>
+            <a:r>
+              <a:rPr lang="en-US" dirty="0" smtClean="0"/>
+              <a:t>JQuery for </a:t>
+            </a:r>
+            <a:r>
+              <a:rPr lang="en-US" dirty="0"/>
+              <a:t>visually appealing </a:t>
+            </a:r>
+            <a:r>
+              <a:rPr lang="en-US" dirty="0" smtClean="0"/>
+              <a:t>dynamic web  </a:t>
+            </a:r>
+            <a:r>
+              <a:rPr lang="en-US" dirty="0"/>
+              <a:t>pages, </a:t>
+            </a:r>
+          </a:p>
+          <a:p>
+            <a:r>
+              <a:rPr lang="en-US" dirty="0"/>
+              <a:t>&lt;Next&gt;</a:t>
+            </a:r>
+          </a:p>
+          <a:p>
+            <a:r>
+              <a:rPr lang="en-US" dirty="0"/>
+              <a:t>our backend following the Microsoft stack will be SQL Server, </a:t>
+            </a:r>
+          </a:p>
+          <a:p>
+            <a:r>
+              <a:rPr lang="en-US" dirty="0"/>
+              <a:t>&lt;Next&gt;</a:t>
+            </a:r>
+          </a:p>
+          <a:p>
+            <a:r>
+              <a:rPr lang="en-US" dirty="0"/>
+              <a:t>and last for design we plan on using Dreamweaver for well laid out pages</a:t>
+            </a:r>
+            <a:r>
+              <a:rPr lang="en-US" dirty="0" smtClean="0"/>
+              <a:t>.</a:t>
+            </a:r>
+          </a:p>
+          <a:p>
+            <a:r>
+              <a:rPr lang="en-US" sz="1200" kern="1200" dirty="0" smtClean="0">
+                <a:solidFill>
+                  <a:schemeClr val="tx1"/>
+                </a:solidFill>
+                <a:effectLst/>
+                <a:latin typeface="+mn-lt"/>
+                <a:ea typeface="+mn-ea"/>
+                <a:cs typeface="+mn-cs"/>
+              </a:rPr>
+              <a:t>&lt;Next&gt;</a:t>
+            </a:r>
+          </a:p>
+          <a:p>
+            <a:r>
+              <a:rPr lang="en-US" sz="1200" kern="1200" dirty="0" smtClean="0">
+                <a:solidFill>
+                  <a:schemeClr val="tx1"/>
+                </a:solidFill>
+                <a:effectLst/>
+                <a:latin typeface="+mn-lt"/>
+                <a:ea typeface="+mn-ea"/>
+                <a:cs typeface="+mn-cs"/>
+              </a:rPr>
+              <a:t>Oh and lets not forgot Pizza and Google</a:t>
+            </a:r>
+            <a:endParaRPr lang="en-US" dirty="0" smtClean="0"/>
+          </a:p>
+          <a:p>
+            <a:r>
+              <a:rPr lang="en-US" dirty="0" smtClean="0"/>
+              <a:t>&lt;/Devin</a:t>
+            </a:r>
+            <a:r>
+              <a:rPr lang="en-US" baseline="0" dirty="0" smtClean="0"/>
+              <a:t> Tools List, 14&gt;</a:t>
+            </a:r>
+            <a:endParaRPr lang="en-US" dirty="0" smtClean="0"/>
+          </a:p>
+          <a:p>
+            <a:r>
+              <a:rPr lang="en-US" dirty="0" smtClean="0"/>
+              <a:t>Beth</a:t>
+            </a:r>
+            <a:endParaRPr lang="en-US" dirty="0"/>
           </a:p>
         </p:txBody>
       </p:sp>
     </p:spTree>
     <p:extLst>
       <p:ext uri="{BB962C8B-B14F-4D97-AF65-F5344CB8AC3E}">
-        <p14:creationId xmlns:p14="http://schemas.microsoft.com/office/powerpoint/2010/main" val="3712678389"/>
+        <p14:creationId xmlns:p14="http://schemas.microsoft.com/office/powerpoint/2010/main" val="3861109423"/>
       </p:ext>
     </p:extLst>
   </p:cSld>
@@ -1405,7 +1229,7 @@
     </p:spTree>
     <p:extLst>
       <p:ext uri="{BB962C8B-B14F-4D97-AF65-F5344CB8AC3E}">
-        <p14:creationId xmlns:p14="http://schemas.microsoft.com/office/powerpoint/2010/main" val="3861109423"/>
+        <p14:creationId xmlns:p14="http://schemas.microsoft.com/office/powerpoint/2010/main" val="3145266825"/>
       </p:ext>
     </p:extLst>
   </p:cSld>
@@ -1482,167 +1306,93 @@
           <a:lstStyle/>
           <a:p>
             <a:r>
-              <a:rPr lang="en-US" dirty="0">
-                <a:solidFill>
-                  <a:srgbClr val="FF0000"/>
-                </a:solidFill>
+              <a:rPr lang="en-US">
+                <a:cs typeface="Calibri"/>
               </a:rPr>
-              <a:t>As I </a:t>
-            </a:r>
-            <a:r>
-              <a:rPr lang="en-US" dirty="0" smtClean="0">
-                <a:solidFill>
-                  <a:srgbClr val="FF0000"/>
-                </a:solidFill>
+              <a:t>workflow chart - </a:t>
+            </a:r>
+            <a:r>
+              <a:rPr lang="en-US" sz="1100">
+                <a:cs typeface="Calibri"/>
               </a:rPr>
-              <a:t>had said </a:t>
-            </a:r>
-            <a:r>
-              <a:rPr lang="en-US" dirty="0">
-                <a:solidFill>
-                  <a:srgbClr val="FF0000"/>
-                </a:solidFill>
+              <a:t>This work has been released into the </a:t>
+            </a:r>
+            <a:r>
+              <a:rPr lang="en-US" sz="1100" b="1">
+                <a:cs typeface="Calibri"/>
+                <a:hlinkClick r:id="rId3" tooltip="w:en:public domain"/>
               </a:rPr>
-              <a:t>previously a personal objective for me was to learn the .NET Stack</a:t>
-            </a:r>
-          </a:p>
-          <a:p>
-            <a:r>
-              <a:rPr lang="en-US" dirty="0">
-                <a:solidFill>
-                  <a:srgbClr val="FF0000"/>
-                </a:solidFill>
+              <a:t>public domain</a:t>
+            </a:r>
+            <a:r>
+              <a:rPr lang="en-US" sz="1100">
+                <a:cs typeface="Calibri"/>
               </a:rPr>
-              <a:t>&lt;Next&gt;</a:t>
-            </a:r>
-            <a:r>
-              <a:rPr lang="en-US" dirty="0"/>
-              <a:t> </a:t>
-            </a:r>
-          </a:p>
-          <a:p>
-            <a:r>
-              <a:rPr lang="en-US" dirty="0"/>
-              <a:t>and as you can see we list C#, Visual Studio, and .NET</a:t>
-            </a:r>
-          </a:p>
-          <a:p>
-            <a:r>
-              <a:rPr lang="en-US" dirty="0"/>
-              <a:t>&lt;Next&gt;</a:t>
-            </a:r>
-          </a:p>
-          <a:p>
-            <a:r>
-              <a:rPr lang="en-US" dirty="0"/>
-              <a:t>for the front end we plan on </a:t>
-            </a:r>
-            <a:r>
-              <a:rPr lang="en-US" dirty="0" smtClean="0"/>
-              <a:t>using JavaScript </a:t>
-            </a:r>
-            <a:r>
-              <a:rPr lang="en-US" dirty="0"/>
-              <a:t>and </a:t>
-            </a:r>
-            <a:r>
-              <a:rPr lang="en-US" dirty="0" smtClean="0"/>
-              <a:t>JQuery for </a:t>
-            </a:r>
-            <a:r>
-              <a:rPr lang="en-US" dirty="0"/>
-              <a:t>visually appealing </a:t>
-            </a:r>
-            <a:r>
-              <a:rPr lang="en-US" dirty="0" smtClean="0"/>
-              <a:t>dynamic web  </a:t>
-            </a:r>
-            <a:r>
-              <a:rPr lang="en-US" dirty="0"/>
-              <a:t>pages, </a:t>
-            </a:r>
-          </a:p>
-          <a:p>
-            <a:r>
-              <a:rPr lang="en-US" dirty="0"/>
-              <a:t>&lt;Next&gt;</a:t>
-            </a:r>
-          </a:p>
-          <a:p>
-            <a:r>
-              <a:rPr lang="en-US" dirty="0"/>
-              <a:t>our backend following the Microsoft stack will be SQL Server, </a:t>
-            </a:r>
-          </a:p>
-          <a:p>
-            <a:r>
-              <a:rPr lang="en-US" dirty="0"/>
-              <a:t>&lt;Next&gt;</a:t>
-            </a:r>
-          </a:p>
-          <a:p>
-            <a:r>
-              <a:rPr lang="en-US" dirty="0"/>
-              <a:t>and last for design we plan on using Dreamweaver for well laid out pages</a:t>
-            </a:r>
-            <a:r>
-              <a:rPr lang="en-US" dirty="0" smtClean="0"/>
-              <a:t>.</a:t>
-            </a:r>
-          </a:p>
-          <a:p>
-            <a:r>
-              <a:rPr lang="en-US" sz="1200" kern="1200" dirty="0" smtClean="0">
-                <a:solidFill>
-                  <a:schemeClr val="tx1"/>
-                </a:solidFill>
-                <a:effectLst/>
-                <a:latin typeface="+mn-lt"/>
-                <a:ea typeface="+mn-ea"/>
-                <a:cs typeface="+mn-cs"/>
+              <a:t> by its author, </a:t>
+            </a:r>
+            <a:r>
+              <a:rPr lang="en-US" sz="1100" b="1">
+                <a:cs typeface="Calibri"/>
+                <a:hlinkClick r:id="rId4" tooltip="Projectcode:User:Dutchguilder (page does not exist)"/>
               </a:rPr>
-              <a:t>&lt;Next&gt;</a:t>
-            </a:r>
-          </a:p>
-          <a:p>
-            <a:r>
-              <a:rPr lang="en-US" sz="1200" kern="1200" dirty="0" smtClean="0">
-                <a:solidFill>
-                  <a:schemeClr val="tx1"/>
-                </a:solidFill>
-                <a:effectLst/>
-                <a:latin typeface="+mn-lt"/>
-                <a:ea typeface="+mn-ea"/>
-                <a:cs typeface="+mn-cs"/>
+              <a:t>Dutchguilder</a:t>
+            </a:r>
+            <a:r>
+              <a:rPr lang="en-US" sz="1100" b="1">
+                <a:cs typeface="Calibri"/>
               </a:rPr>
-              <a:t>Oh and lets not forgot Pizza and Google</a:t>
-            </a:r>
-            <a:endParaRPr lang="en-US" dirty="0" smtClean="0"/>
-          </a:p>
-          <a:p>
-            <a:r>
-              <a:rPr lang="en-US" dirty="0" smtClean="0"/>
-              <a:t>&lt;/Devin</a:t>
-            </a:r>
-            <a:r>
-              <a:rPr lang="en-US" baseline="0" dirty="0" smtClean="0"/>
-              <a:t> Tools List, 14&gt;</a:t>
-            </a:r>
-            <a:endParaRPr lang="en-US" dirty="0" smtClean="0"/>
-          </a:p>
-          <a:p>
-            <a:r>
-              <a:rPr lang="en-US" dirty="0" smtClean="0"/>
-              <a:t>Beth</a:t>
-            </a:r>
-            <a:endParaRPr lang="en-US" dirty="0"/>
+              <a:t> at the </a:t>
+            </a:r>
+            <a:r>
+              <a:rPr lang="en-US" sz="1100" b="1">
+                <a:cs typeface="Calibri"/>
+                <a:hlinkClick r:id="rId5" tooltip="Projectcode: (page does not exist)"/>
+              </a:rPr>
+              <a:t>projectname</a:t>
+            </a:r>
+            <a:r>
+              <a:rPr lang="en-US" sz="1100" b="1">
+                <a:cs typeface="Calibri"/>
+              </a:rPr>
+              <a:t> project</a:t>
+            </a:r>
+            <a:r>
+              <a:rPr lang="en-US" sz="1100">
+                <a:cs typeface="Calibri"/>
+              </a:rPr>
+              <a:t>. This applies worldwide.</a:t>
+            </a:r>
+          </a:p>
+          <a:p>
+            <a:r>
+              <a:rPr lang="en-US">
+                <a:cs typeface="Calibri"/>
+              </a:rPr>
+              <a:t>2 week sprints</a:t>
+            </a:r>
+          </a:p>
+          <a:p>
+            <a:r>
+              <a:rPr lang="en-US">
+                <a:cs typeface="Calibri"/>
+              </a:rPr>
+              <a:t/>
+            </a:r>
+            <a:br>
+              <a:rPr lang="en-US">
+                <a:cs typeface="Calibri"/>
+              </a:rPr>
+            </a:br>
+            <a:endParaRPr lang="en-US">
+              <a:cs typeface="Calibri"/>
+            </a:endParaRPr>
           </a:p>
         </p:txBody>
       </p:sp>
     </p:spTree>
     <p:extLst>
       <p:ext uri="{BB962C8B-B14F-4D97-AF65-F5344CB8AC3E}">
-        <p14:creationId xmlns:p14="http://schemas.microsoft.com/office/powerpoint/2010/main" val="3145266825"/>
+        <p14:creationId xmlns:p14="http://schemas.microsoft.com/office/powerpoint/2010/main" val="170960815"/>
       </p:ext>
     </p:extLst>
   </p:cSld>
@@ -1722,58 +1472,7 @@
               <a:rPr lang="en-US">
                 <a:cs typeface="Calibri"/>
               </a:rPr>
-              <a:t>workflow chart - </a:t>
-            </a:r>
-            <a:r>
-              <a:rPr lang="en-US" sz="1100">
-                <a:cs typeface="Calibri"/>
-              </a:rPr>
-              <a:t>This work has been released into the </a:t>
-            </a:r>
-            <a:r>
-              <a:rPr lang="en-US" sz="1100" b="1">
-                <a:cs typeface="Calibri"/>
-                <a:hlinkClick r:id="rId3" tooltip="w:en:public domain"/>
-              </a:rPr>
-              <a:t>public domain</a:t>
-            </a:r>
-            <a:r>
-              <a:rPr lang="en-US" sz="1100">
-                <a:cs typeface="Calibri"/>
-              </a:rPr>
-              <a:t> by its author, </a:t>
-            </a:r>
-            <a:r>
-              <a:rPr lang="en-US" sz="1100" b="1">
-                <a:cs typeface="Calibri"/>
-                <a:hlinkClick r:id="rId4" tooltip="Projectcode:User:Dutchguilder (page does not exist)"/>
-              </a:rPr>
-              <a:t>Dutchguilder</a:t>
-            </a:r>
-            <a:r>
-              <a:rPr lang="en-US" sz="1100" b="1">
-                <a:cs typeface="Calibri"/>
-              </a:rPr>
-              <a:t> at the </a:t>
-            </a:r>
-            <a:r>
-              <a:rPr lang="en-US" sz="1100" b="1">
-                <a:cs typeface="Calibri"/>
-                <a:hlinkClick r:id="rId5" tooltip="Projectcode: (page does not exist)"/>
-              </a:rPr>
-              <a:t>projectname</a:t>
-            </a:r>
-            <a:r>
-              <a:rPr lang="en-US" sz="1100" b="1">
-                <a:cs typeface="Calibri"/>
-              </a:rPr>
-              <a:t> project</a:t>
-            </a:r>
-            <a:r>
-              <a:rPr lang="en-US" sz="1100">
-                <a:cs typeface="Calibri"/>
-              </a:rPr>
-              <a:t>. This applies worldwide.</a:t>
+              <a:t>website</a:t>
             </a:r>
           </a:p>
           <a:p>
@@ -1781,7 +1480,23 @@
               <a:rPr lang="en-US">
                 <a:cs typeface="Calibri"/>
               </a:rPr>
-              <a:t>2 week sprints</a:t>
+              <a:t>functionality</a:t>
+            </a:r>
+          </a:p>
+          <a:p>
+            <a:r>
+              <a:rPr lang="en-US">
+                <a:cs typeface="Calibri"/>
+              </a:rPr>
+              <a:t>From Beth:</a:t>
+            </a:r>
+          </a:p>
+          <a:p>
+            <a:r>
+              <a:rPr lang="en-US">
+                <a:cs typeface="Calibri"/>
+              </a:rPr>
+              <a:t>If you explain at the beginning that there are uncertainties and show how there is a range of time that you expect these things to be done in, then when you reevaluate you should be more certain and have a better view of how long it's going to take so that the time range should be more narrow.  We need to acknowledge during the presentation that the first couple of sprints are experimental and will have a better feel of what we can acomplish. </a:t>
             </a:r>
           </a:p>
           <a:p>
@@ -1805,7 +1520,7 @@
     </p:spTree>
     <p:extLst>
       <p:ext uri="{BB962C8B-B14F-4D97-AF65-F5344CB8AC3E}">
-        <p14:creationId xmlns:p14="http://schemas.microsoft.com/office/powerpoint/2010/main" val="170960815"/>
+        <p14:creationId xmlns:p14="http://schemas.microsoft.com/office/powerpoint/2010/main" val="2858488278"/>
       </p:ext>
     </p:extLst>
   </p:cSld>
@@ -1882,295 +1597,145 @@
           <a:lstStyle/>
           <a:p>
             <a:r>
-              <a:rPr lang="en-US" sz="2504">
-                <a:solidFill>
-                  <a:srgbClr val="000000"/>
-                </a:solidFill>
-                <a:latin typeface="Calibri"/>
-              </a:rPr>
-              <a:t/>
-            </a:r>
-            <a:br>
-              <a:rPr lang="en-US" sz="2504">
-                <a:solidFill>
-                  <a:srgbClr val="000000"/>
-                </a:solidFill>
-                <a:latin typeface="Calibri"/>
-              </a:rPr>
-            </a:br>
-            <a:endParaRPr lang="en-US" sz="2504">
+              <a:rPr lang="en-US" dirty="0" smtClean="0"/>
+              <a:t>We </a:t>
+            </a:r>
+            <a:r>
+              <a:rPr lang="en-US" dirty="0"/>
+              <a:t>assigned specification 20% because we felt it was one of the most important parts of our project and considering we all took the software engineering track we were able to understand its importance.</a:t>
+            </a:r>
+          </a:p>
+          <a:p>
+            <a:endParaRPr lang="en-US" dirty="0">
               <a:solidFill>
-                <a:srgbClr val="000000"/>
+                <a:srgbClr val="FF0000"/>
               </a:solidFill>
-              <a:latin typeface="Calibri"/>
+              <a:latin typeface="Times New Roman"/>
+              <a:cs typeface="Times New Roman"/>
             </a:endParaRPr>
           </a:p>
           <a:p>
             <a:r>
-              <a:rPr lang="en-US" sz="2504">
-                <a:solidFill>
-                  <a:srgbClr val="000000"/>
-                </a:solidFill>
-                <a:latin typeface="Calibri"/>
-              </a:rPr>
-              <a:t>Sprint 2</a:t>
-            </a:r>
-          </a:p>
-          <a:p>
-            <a:r>
-              <a:rPr lang="en-US" sz="2504">
-                <a:solidFill>
-                  <a:srgbClr val="000000"/>
-                </a:solidFill>
-                <a:latin typeface="Calibri"/>
-              </a:rPr>
-              <a:t>Wish List (abstract)</a:t>
-            </a:r>
-          </a:p>
-          <a:p>
-            <a:r>
-              <a:rPr lang="en-US" sz="2504">
-                <a:solidFill>
-                  <a:srgbClr val="000000"/>
-                </a:solidFill>
-                <a:latin typeface="Calibri"/>
-              </a:rPr>
-              <a:t>Narrowing Project Scope (to come up with a feature set)</a:t>
-            </a:r>
-          </a:p>
-          <a:p>
-            <a:r>
-              <a:rPr lang="en-US" sz="2504">
-                <a:solidFill>
-                  <a:srgbClr val="000000"/>
-                </a:solidFill>
-                <a:latin typeface="Calibri"/>
-              </a:rPr>
-              <a:t>Evaluate Feature Set</a:t>
-            </a:r>
-          </a:p>
-          <a:p>
-            <a:r>
-              <a:rPr lang="en-US" sz="2504">
-                <a:solidFill>
-                  <a:srgbClr val="000000"/>
-                </a:solidFill>
-                <a:latin typeface="Calibri"/>
-              </a:rPr>
-              <a:t>Identify Core Feature List</a:t>
-            </a:r>
-          </a:p>
-          <a:p>
-            <a:pPr lvl="1"/>
-            <a:r>
-              <a:rPr lang="en-US" sz="2504">
-                <a:solidFill>
-                  <a:srgbClr val="000000"/>
-                </a:solidFill>
-                <a:latin typeface="Calibri"/>
-              </a:rPr>
-              <a:t>Front End</a:t>
-            </a:r>
-          </a:p>
-          <a:p>
-            <a:pPr lvl="1"/>
-            <a:r>
-              <a:rPr lang="en-US" sz="2504">
-                <a:solidFill>
-                  <a:srgbClr val="000000"/>
-                </a:solidFill>
-                <a:latin typeface="Calibri"/>
-              </a:rPr>
-              <a:t>Band End</a:t>
-            </a:r>
-          </a:p>
-          <a:p>
-            <a:pPr lvl="1"/>
-            <a:r>
-              <a:rPr lang="en-US" sz="2504">
-                <a:solidFill>
-                  <a:srgbClr val="000000"/>
-                </a:solidFill>
-                <a:latin typeface="Calibri"/>
-              </a:rPr>
-              <a:t>Data Base</a:t>
-            </a:r>
-          </a:p>
-          <a:p>
-            <a:pPr lvl="1"/>
-            <a:r>
-              <a:rPr lang="en-US" sz="2504">
-                <a:solidFill>
-                  <a:srgbClr val="000000"/>
-                </a:solidFill>
-                <a:latin typeface="Calibri"/>
-              </a:rPr>
-              <a:t/>
-            </a:r>
-            <a:br>
-              <a:rPr lang="en-US" sz="2504">
-                <a:solidFill>
-                  <a:srgbClr val="000000"/>
-                </a:solidFill>
-                <a:latin typeface="Calibri"/>
-              </a:rPr>
-            </a:br>
-            <a:endParaRPr lang="en-US" sz="2504">
-              <a:solidFill>
-                <a:srgbClr val="000000"/>
-              </a:solidFill>
-              <a:latin typeface="Calibri"/>
+              <a:rPr lang="en-US" dirty="0"/>
+              <a:t>&lt;Next/&gt;</a:t>
+            </a:r>
+          </a:p>
+          <a:p>
+            <a:r>
+              <a:rPr lang="en-US" dirty="0"/>
+              <a:t>Following up with analysis we assigned it a slightly smaller number because we didn’t feel it was as important as specifications but at the same time we felt pulling out our classes and having a good understanding of the functional flow was important for scalability and maintainability in later workflows.</a:t>
+            </a:r>
+          </a:p>
+          <a:p>
+            <a:endParaRPr lang="en-US" dirty="0">
+              <a:latin typeface="Times New Roman"/>
+              <a:cs typeface="Times New Roman"/>
             </a:endParaRPr>
           </a:p>
           <a:p>
-            <a:pPr lvl="1"/>
-            <a:r>
-              <a:rPr lang="en-US" sz="2504">
-                <a:solidFill>
-                  <a:srgbClr val="000000"/>
-                </a:solidFill>
-                <a:latin typeface="Calibri"/>
-              </a:rPr>
-              <a:t>Feature wish list</a:t>
-            </a:r>
-          </a:p>
-          <a:p>
-            <a:pPr lvl="1"/>
-            <a:r>
-              <a:rPr lang="en-US" sz="2504">
-                <a:solidFill>
-                  <a:srgbClr val="000000"/>
-                </a:solidFill>
-                <a:latin typeface="Calibri"/>
-              </a:rPr>
-              <a:t>core (required functionality)</a:t>
-            </a:r>
-          </a:p>
-          <a:p>
-            <a:pPr lvl="1"/>
-            <a:r>
-              <a:rPr lang="en-US" sz="2504">
-                <a:solidFill>
-                  <a:srgbClr val="000000"/>
-                </a:solidFill>
-                <a:latin typeface="Calibri"/>
-              </a:rPr>
-              <a:t>Secondary (Import additions to the feature list)</a:t>
-            </a:r>
-          </a:p>
-          <a:p>
-            <a:pPr lvl="1"/>
-            <a:r>
-              <a:rPr lang="en-US" sz="2504">
-                <a:solidFill>
-                  <a:srgbClr val="000000"/>
-                </a:solidFill>
-                <a:latin typeface="Calibri"/>
-              </a:rPr>
-              <a:t>Supplemental (Nice to have, would be fun)</a:t>
-            </a:r>
-          </a:p>
-          <a:p>
-            <a:pPr lvl="1"/>
-            <a:r>
-              <a:rPr lang="en-US" sz="2504">
-                <a:solidFill>
-                  <a:srgbClr val="000000"/>
-                </a:solidFill>
-                <a:latin typeface="Calibri"/>
-              </a:rPr>
-              <a:t/>
-            </a:r>
-            <a:br>
-              <a:rPr lang="en-US" sz="2504">
-                <a:solidFill>
-                  <a:srgbClr val="000000"/>
-                </a:solidFill>
-                <a:latin typeface="Calibri"/>
-              </a:rPr>
-            </a:br>
-            <a:endParaRPr lang="en-US" sz="2504">
-              <a:solidFill>
-                <a:srgbClr val="000000"/>
-              </a:solidFill>
-              <a:latin typeface="Calibri"/>
+            <a:r>
+              <a:rPr lang="en-US" dirty="0"/>
+              <a:t>&lt;Next/&gt;</a:t>
+            </a:r>
+          </a:p>
+          <a:p>
+            <a:r>
+              <a:rPr lang="en-US" dirty="0"/>
+              <a:t>Design was given the same level of effort as analysis because at this point we will have already spent </a:t>
+            </a:r>
+            <a:r>
+              <a:rPr lang="en-US" dirty="0" smtClean="0"/>
+              <a:t>half of</a:t>
+            </a:r>
+            <a:r>
+              <a:rPr lang="en-US" baseline="0" dirty="0" smtClean="0"/>
+              <a:t> our</a:t>
+            </a:r>
+            <a:r>
+              <a:rPr lang="en-US" dirty="0" smtClean="0"/>
+              <a:t> </a:t>
+            </a:r>
+            <a:r>
+              <a:rPr lang="en-US" dirty="0"/>
+              <a:t>time on </a:t>
+            </a:r>
+            <a:r>
+              <a:rPr lang="en-US" dirty="0" smtClean="0"/>
+              <a:t>planning, </a:t>
+            </a:r>
+            <a:r>
+              <a:rPr lang="en-US" dirty="0"/>
+              <a:t>so continuing to make sure we keep on track and work on our design before implementation seemed appropriate. </a:t>
+            </a:r>
+          </a:p>
+          <a:p>
+            <a:endParaRPr lang="en-US" dirty="0">
+              <a:latin typeface="Times New Roman"/>
+              <a:cs typeface="Times New Roman"/>
             </a:endParaRPr>
           </a:p>
           <a:p>
-            <a:pPr lvl="1"/>
-            <a:r>
-              <a:rPr lang="en-US" sz="2504">
-                <a:solidFill>
-                  <a:srgbClr val="000000"/>
-                </a:solidFill>
-                <a:latin typeface="Calibri"/>
-              </a:rPr>
-              <a:t/>
-            </a:r>
-            <a:br>
-              <a:rPr lang="en-US" sz="2504">
-                <a:solidFill>
-                  <a:srgbClr val="000000"/>
-                </a:solidFill>
-                <a:latin typeface="Calibri"/>
-              </a:rPr>
-            </a:br>
-            <a:endParaRPr lang="en-US" sz="2504">
-              <a:solidFill>
-                <a:srgbClr val="000000"/>
-              </a:solidFill>
-              <a:latin typeface="Calibri"/>
+            <a:r>
+              <a:rPr lang="en-US" dirty="0"/>
+              <a:t>&lt;Next/&gt;</a:t>
+            </a:r>
+          </a:p>
+          <a:p>
+            <a:r>
+              <a:rPr lang="en-US" dirty="0"/>
+              <a:t>Implementation came in at 30%. Although the largest individual assignment, we have still assigned the majority of the project to planning.</a:t>
+            </a:r>
+          </a:p>
+          <a:p>
+            <a:endParaRPr lang="en-US" dirty="0">
+              <a:latin typeface="Times New Roman"/>
+              <a:cs typeface="Times New Roman"/>
             </a:endParaRPr>
           </a:p>
           <a:p>
-            <a:pPr lvl="1"/>
-            <a:r>
-              <a:rPr lang="en-US" sz="2504">
-                <a:solidFill>
-                  <a:srgbClr val="000000"/>
-                </a:solidFill>
-                <a:latin typeface="Calibri"/>
-              </a:rPr>
-              <a:t/>
-            </a:r>
-            <a:br>
-              <a:rPr lang="en-US" sz="2504">
-                <a:solidFill>
-                  <a:srgbClr val="000000"/>
-                </a:solidFill>
-                <a:latin typeface="Calibri"/>
-              </a:rPr>
-            </a:br>
-            <a:r>
-              <a:rPr lang="en-US" sz="2504">
-                <a:solidFill>
-                  <a:srgbClr val="000000"/>
-                </a:solidFill>
-                <a:latin typeface="Calibri"/>
-              </a:rPr>
-              <a:t>Pressed for time but wanted to include this in somewhere.</a:t>
-            </a:r>
-            <a:br>
-              <a:rPr lang="en-US" sz="2504">
-                <a:solidFill>
-                  <a:srgbClr val="000000"/>
-                </a:solidFill>
-                <a:latin typeface="Calibri"/>
-              </a:rPr>
-            </a:br>
-            <a:endParaRPr lang="en-US" sz="2504">
-              <a:solidFill>
-                <a:srgbClr val="000000"/>
-              </a:solidFill>
-              <a:latin typeface="Calibri"/>
+            <a:r>
+              <a:rPr lang="en-US" dirty="0"/>
+              <a:t>&lt;Next/&gt;</a:t>
+            </a:r>
+          </a:p>
+          <a:p>
+            <a:r>
+              <a:rPr lang="en-US" dirty="0"/>
+              <a:t>Documentation </a:t>
+            </a:r>
+            <a:r>
+              <a:rPr lang="en-US" dirty="0" smtClean="0"/>
+              <a:t>has earned </a:t>
+            </a:r>
+            <a:r>
+              <a:rPr lang="en-US" dirty="0"/>
+              <a:t>it's self 10% because as a real world software experience we understand that in order for a group to function properly, we can’t be wasting our time trying to understand what our colleague’s code is supposed to do.</a:t>
+            </a:r>
+          </a:p>
+          <a:p>
+            <a:endParaRPr lang="en-US" dirty="0">
+              <a:latin typeface="Times New Roman"/>
+              <a:cs typeface="Times New Roman"/>
             </a:endParaRPr>
+          </a:p>
+          <a:p>
+            <a:r>
+              <a:rPr lang="en-US" dirty="0"/>
+              <a:t>&lt;Next/&gt;</a:t>
+            </a:r>
+          </a:p>
+          <a:p>
+            <a:r>
+              <a:rPr lang="en-US" dirty="0"/>
+              <a:t>And finally we have assigned our presentation 10% because our goal is to not just to deliver a piece of software but deliver a quality and engaging product presentation. </a:t>
+            </a:r>
           </a:p>
         </p:txBody>
       </p:sp>
     </p:spTree>
     <p:extLst>
       <p:ext uri="{BB962C8B-B14F-4D97-AF65-F5344CB8AC3E}">
-        <p14:creationId xmlns:p14="http://schemas.microsoft.com/office/powerpoint/2010/main" val="3036455043"/>
+        <p14:creationId xmlns:p14="http://schemas.microsoft.com/office/powerpoint/2010/main" val="3049396755"/>
       </p:ext>
     </p:extLst>
   </p:cSld>
@@ -2247,50 +1812,25 @@
           <a:lstStyle/>
           <a:p>
             <a:r>
-              <a:rPr lang="en-US">
-                <a:cs typeface="Calibri"/>
+              <a:rPr lang="en-US" sz="1200" kern="1200" dirty="0" smtClean="0">
+                <a:solidFill>
+                  <a:schemeClr val="tx1"/>
+                </a:solidFill>
+                <a:effectLst/>
+                <a:latin typeface="+mn-lt"/>
+                <a:ea typeface="+mn-ea"/>
+                <a:cs typeface="+mn-cs"/>
               </a:rPr>
-              <a:t>website</a:t>
-            </a:r>
-          </a:p>
-          <a:p>
-            <a:r>
-              <a:rPr lang="en-US">
-                <a:cs typeface="Calibri"/>
-              </a:rPr>
-              <a:t>functionality</a:t>
-            </a:r>
-          </a:p>
-          <a:p>
-            <a:r>
-              <a:rPr lang="en-US">
-                <a:cs typeface="Calibri"/>
-              </a:rPr>
-              <a:t>From Beth:</a:t>
-            </a:r>
-          </a:p>
-          <a:p>
-            <a:r>
-              <a:rPr lang="en-US">
-                <a:cs typeface="Calibri"/>
-              </a:rPr>
-              <a:t>If you explain at the beginning that there are uncertainties and show how there is a range of time that you expect these things to be done in, then when you reevaluate you should be more certain and have a better view of how long it's going to take so that the time range should be more narrow.  We need to acknowledge during the presentation that the first couple of sprints are experimental and will have a better feel of what we can acomplish. </a:t>
-            </a:r>
-          </a:p>
-          <a:p>
-            <a:r>
-              <a:rPr lang="en-US">
-                <a:cs typeface="Calibri"/>
-              </a:rPr>
-              <a:t/>
-            </a:r>
-            <a:br>
-              <a:rPr lang="en-US">
-                <a:cs typeface="Calibri"/>
-              </a:rPr>
-            </a:br>
-            <a:endParaRPr lang="en-US">
-              <a:cs typeface="Calibri"/>
+              <a:t>We would like to thank you for your time, and this brings us to the conclusion of our presentation. Do we have any questions?</a:t>
+            </a:r>
+            <a:endParaRPr lang="en-US" sz="1200" kern="1200" dirty="0">
+              <a:solidFill>
+                <a:schemeClr val="tx1"/>
+              </a:solidFill>
+              <a:effectLst/>
+              <a:latin typeface="+mn-lt"/>
+              <a:ea typeface="+mn-ea"/>
+              <a:cs typeface="+mn-cs"/>
             </a:endParaRPr>
           </a:p>
         </p:txBody>
@@ -2298,7 +1838,7 @@
     </p:spTree>
     <p:extLst>
       <p:ext uri="{BB962C8B-B14F-4D97-AF65-F5344CB8AC3E}">
-        <p14:creationId xmlns:p14="http://schemas.microsoft.com/office/powerpoint/2010/main" val="2858488278"/>
+        <p14:creationId xmlns:p14="http://schemas.microsoft.com/office/powerpoint/2010/main" val="971011799"/>
       </p:ext>
     </p:extLst>
   </p:cSld>
@@ -3030,7 +2570,7 @@
           <a:p>
             <a:fld id="{F1FA7AC5-6045-4418-8E60-F48788734473}" type="datetimeFigureOut">
               <a:rPr lang="en-US" smtClean="0"/>
-              <a:t>4/26/2014</a:t>
+              <a:t>4/28/2014</a:t>
             </a:fld>
             <a:endParaRPr lang="en-US"/>
           </a:p>
@@ -3281,7 +2821,7 @@
           <a:p>
             <a:fld id="{F1FA7AC5-6045-4418-8E60-F48788734473}" type="datetimeFigureOut">
               <a:rPr lang="en-US" smtClean="0"/>
-              <a:t>4/26/2014</a:t>
+              <a:t>4/28/2014</a:t>
             </a:fld>
             <a:endParaRPr lang="en-US"/>
           </a:p>
@@ -3595,7 +3135,7 @@
           <a:p>
             <a:fld id="{F1FA7AC5-6045-4418-8E60-F48788734473}" type="datetimeFigureOut">
               <a:rPr lang="en-US" smtClean="0"/>
-              <a:t>4/26/2014</a:t>
+              <a:t>4/28/2014</a:t>
             </a:fld>
             <a:endParaRPr lang="en-US"/>
           </a:p>
@@ -3936,7 +3476,7 @@
           <a:p>
             <a:fld id="{F1FA7AC5-6045-4418-8E60-F48788734473}" type="datetimeFigureOut">
               <a:rPr lang="en-US" smtClean="0"/>
-              <a:t>4/26/2014</a:t>
+              <a:t>4/28/2014</a:t>
             </a:fld>
             <a:endParaRPr lang="en-US"/>
           </a:p>
@@ -4250,7 +3790,7 @@
           <a:p>
             <a:fld id="{F1FA7AC5-6045-4418-8E60-F48788734473}" type="datetimeFigureOut">
               <a:rPr lang="en-US" smtClean="0"/>
-              <a:t>4/26/2014</a:t>
+              <a:t>4/28/2014</a:t>
             </a:fld>
             <a:endParaRPr lang="en-US"/>
           </a:p>
@@ -4643,7 +4183,7 @@
           <a:p>
             <a:fld id="{F1FA7AC5-6045-4418-8E60-F48788734473}" type="datetimeFigureOut">
               <a:rPr lang="en-US" smtClean="0"/>
-              <a:t>4/26/2014</a:t>
+              <a:t>4/28/2014</a:t>
             </a:fld>
             <a:endParaRPr lang="en-US"/>
           </a:p>
@@ -4813,7 +4353,7 @@
           <a:p>
             <a:fld id="{F1FA7AC5-6045-4418-8E60-F48788734473}" type="datetimeFigureOut">
               <a:rPr lang="en-US" smtClean="0"/>
-              <a:t>4/26/2014</a:t>
+              <a:t>4/28/2014</a:t>
             </a:fld>
             <a:endParaRPr lang="en-US"/>
           </a:p>
@@ -4993,7 +4533,7 @@
           <a:p>
             <a:fld id="{F1FA7AC5-6045-4418-8E60-F48788734473}" type="datetimeFigureOut">
               <a:rPr lang="en-US" smtClean="0"/>
-              <a:t>4/26/2014</a:t>
+              <a:t>4/28/2014</a:t>
             </a:fld>
             <a:endParaRPr lang="en-US"/>
           </a:p>
@@ -5776,7 +5316,7 @@
           <a:p>
             <a:fld id="{F1FA7AC5-6045-4418-8E60-F48788734473}" type="datetimeFigureOut">
               <a:rPr lang="en-US" smtClean="0"/>
-              <a:t>4/26/2014</a:t>
+              <a:t>4/28/2014</a:t>
             </a:fld>
             <a:endParaRPr lang="en-US"/>
           </a:p>
@@ -6016,7 +5556,7 @@
           <a:p>
             <a:fld id="{F1FA7AC5-6045-4418-8E60-F48788734473}" type="datetimeFigureOut">
               <a:rPr lang="en-US" smtClean="0"/>
-              <a:t>4/26/2014</a:t>
+              <a:t>4/28/2014</a:t>
             </a:fld>
             <a:endParaRPr lang="en-US"/>
           </a:p>
@@ -6263,7 +5803,7 @@
           <a:p>
             <a:fld id="{F1FA7AC5-6045-4418-8E60-F48788734473}" type="datetimeFigureOut">
               <a:rPr lang="en-US" smtClean="0"/>
-              <a:t>4/26/2014</a:t>
+              <a:t>4/28/2014</a:t>
             </a:fld>
             <a:endParaRPr lang="en-US"/>
           </a:p>
@@ -6495,7 +6035,7 @@
           <a:p>
             <a:fld id="{F1FA7AC5-6045-4418-8E60-F48788734473}" type="datetimeFigureOut">
               <a:rPr lang="en-US" smtClean="0"/>
-              <a:t>4/26/2014</a:t>
+              <a:t>4/28/2014</a:t>
             </a:fld>
             <a:endParaRPr lang="en-US"/>
           </a:p>
@@ -6869,7 +6409,7 @@
           <a:p>
             <a:fld id="{F1FA7AC5-6045-4418-8E60-F48788734473}" type="datetimeFigureOut">
               <a:rPr lang="en-US" smtClean="0"/>
-              <a:t>4/26/2014</a:t>
+              <a:t>4/28/2014</a:t>
             </a:fld>
             <a:endParaRPr lang="en-US"/>
           </a:p>
@@ -6992,7 +6532,7 @@
           <a:p>
             <a:fld id="{F1FA7AC5-6045-4418-8E60-F48788734473}" type="datetimeFigureOut">
               <a:rPr lang="en-US" smtClean="0"/>
-              <a:t>4/26/2014</a:t>
+              <a:t>4/28/2014</a:t>
             </a:fld>
             <a:endParaRPr lang="en-US"/>
           </a:p>
@@ -7087,7 +6627,7 @@
           <a:p>
             <a:fld id="{F1FA7AC5-6045-4418-8E60-F48788734473}" type="datetimeFigureOut">
               <a:rPr lang="en-US" smtClean="0"/>
-              <a:t>4/26/2014</a:t>
+              <a:t>4/28/2014</a:t>
             </a:fld>
             <a:endParaRPr lang="en-US"/>
           </a:p>
@@ -7342,7 +6882,7 @@
           <a:p>
             <a:fld id="{F1FA7AC5-6045-4418-8E60-F48788734473}" type="datetimeFigureOut">
               <a:rPr lang="en-US" smtClean="0"/>
-              <a:t>4/26/2014</a:t>
+              <a:t>4/28/2014</a:t>
             </a:fld>
             <a:endParaRPr lang="en-US"/>
           </a:p>
@@ -7605,7 +7145,7 @@
           <a:p>
             <a:fld id="{F1FA7AC5-6045-4418-8E60-F48788734473}" type="datetimeFigureOut">
               <a:rPr lang="en-US" smtClean="0"/>
-              <a:t>4/26/2014</a:t>
+              <a:t>4/28/2014</a:t>
             </a:fld>
             <a:endParaRPr lang="en-US"/>
           </a:p>
@@ -8348,7 +7888,7 @@
           <a:p>
             <a:fld id="{F1FA7AC5-6045-4418-8E60-F48788734473}" type="datetimeFigureOut">
               <a:rPr lang="en-US" smtClean="0"/>
-              <a:t>4/26/2014</a:t>
+              <a:t>4/28/2014</a:t>
             </a:fld>
             <a:endParaRPr lang="en-US"/>
           </a:p>
@@ -9469,1137 +9009,1197 @@
             <p:ph type="title"/>
           </p:nvPr>
         </p:nvSpPr>
-        <p:spPr/>
-        <p:txBody>
-          <a:bodyPr/>
-          <a:lstStyle/>
-          <a:p>
-            <a:r>
-              <a:rPr lang="en-US" dirty="0"/>
-              <a:t>Grading Scheme</a:t>
-            </a:r>
-          </a:p>
-        </p:txBody>
-      </p:sp>
-      <p:sp>
-        <p:nvSpPr>
-          <p:cNvPr id="3" name="Content Placeholder 2"/>
-          <p:cNvSpPr>
-            <a:spLocks noGrp="1"/>
-          </p:cNvSpPr>
-          <p:nvPr>
-            <p:ph idx="1"/>
-          </p:nvPr>
-        </p:nvSpPr>
         <p:spPr>
           <a:xfrm>
-            <a:off x="790769" y="1509637"/>
-            <a:ext cx="10515600" cy="4351338"/>
+            <a:off x="677334" y="609600"/>
+            <a:ext cx="8596668" cy="774357"/>
           </a:xfrm>
         </p:spPr>
         <p:txBody>
           <a:bodyPr/>
           <a:lstStyle/>
           <a:p>
-            <a:pPr marL="0" indent="0">
-              <a:buNone/>
-            </a:pPr>
-            <a:endParaRPr lang="en-US" dirty="0">
-              <a:solidFill>
-                <a:srgbClr val="000000"/>
-              </a:solidFill>
-              <a:latin typeface="Calibri"/>
-              <a:cs typeface="Calibri"/>
-            </a:endParaRPr>
+            <a:r>
+              <a:rPr lang="en-US" dirty="0" smtClean="0"/>
+              <a:t>Backlog</a:t>
+            </a:r>
+            <a:endParaRPr lang="en-US" dirty="0"/>
           </a:p>
         </p:txBody>
       </p:sp>
-      <p:pic>
-        <p:nvPicPr>
-          <p:cNvPr id="4" name="Picture 3"/>
-          <p:cNvPicPr>
-            <a:picLocks noChangeAspect="1"/>
-          </p:cNvPicPr>
-          <p:nvPr/>
-        </p:nvPicPr>
-        <p:blipFill>
-          <a:blip r:embed="rId3"/>
-          <a:stretch>
-            <a:fillRect/>
-          </a:stretch>
-        </p:blipFill>
-        <p:spPr>
-          <a:xfrm>
-            <a:off x="7089852" y="2285120"/>
-            <a:ext cx="1749312" cy="316989"/>
-          </a:xfrm>
-          <a:prstGeom prst="rect">
-            <a:avLst/>
-          </a:prstGeom>
-        </p:spPr>
-      </p:pic>
-      <p:pic>
-        <p:nvPicPr>
-          <p:cNvPr id="7" name="Picture 6"/>
-          <p:cNvPicPr>
-            <a:picLocks noChangeAspect="1"/>
-          </p:cNvPicPr>
-          <p:nvPr/>
-        </p:nvPicPr>
-        <p:blipFill>
-          <a:blip r:embed="rId4"/>
-          <a:stretch>
-            <a:fillRect/>
-          </a:stretch>
-        </p:blipFill>
-        <p:spPr>
-          <a:xfrm>
-            <a:off x="7081062" y="2547745"/>
-            <a:ext cx="1498187" cy="357974"/>
-          </a:xfrm>
-          <a:prstGeom prst="rect">
-            <a:avLst/>
-          </a:prstGeom>
-        </p:spPr>
-      </p:pic>
-      <p:pic>
-        <p:nvPicPr>
-          <p:cNvPr id="9" name="Picture 8"/>
-          <p:cNvPicPr>
-            <a:picLocks noChangeAspect="1"/>
-          </p:cNvPicPr>
-          <p:nvPr/>
-        </p:nvPicPr>
-        <p:blipFill>
-          <a:blip r:embed="rId5"/>
-          <a:stretch>
-            <a:fillRect/>
-          </a:stretch>
-        </p:blipFill>
-        <p:spPr>
-          <a:xfrm>
-            <a:off x="7098107" y="2832073"/>
-            <a:ext cx="1410168" cy="424420"/>
-          </a:xfrm>
-          <a:prstGeom prst="rect">
-            <a:avLst/>
-          </a:prstGeom>
-        </p:spPr>
-      </p:pic>
-      <p:pic>
-        <p:nvPicPr>
-          <p:cNvPr id="10" name="Picture 9"/>
-          <p:cNvPicPr>
-            <a:picLocks noChangeAspect="1"/>
-          </p:cNvPicPr>
-          <p:nvPr/>
-        </p:nvPicPr>
-        <p:blipFill>
-          <a:blip r:embed="rId6"/>
-          <a:stretch>
-            <a:fillRect/>
-          </a:stretch>
-        </p:blipFill>
-        <p:spPr>
-          <a:xfrm>
-            <a:off x="7120171" y="3164788"/>
-            <a:ext cx="2066847" cy="397964"/>
-          </a:xfrm>
-          <a:prstGeom prst="rect">
-            <a:avLst/>
-          </a:prstGeom>
-        </p:spPr>
-      </p:pic>
-      <p:pic>
-        <p:nvPicPr>
-          <p:cNvPr id="11" name="Picture 10"/>
-          <p:cNvPicPr>
-            <a:picLocks noChangeAspect="1"/>
-          </p:cNvPicPr>
-          <p:nvPr/>
-        </p:nvPicPr>
-        <p:blipFill>
-          <a:blip r:embed="rId7"/>
-          <a:stretch>
-            <a:fillRect/>
-          </a:stretch>
-        </p:blipFill>
-        <p:spPr>
-          <a:xfrm>
-            <a:off x="7098106" y="3468399"/>
-            <a:ext cx="1932683" cy="372132"/>
-          </a:xfrm>
-          <a:prstGeom prst="rect">
-            <a:avLst/>
-          </a:prstGeom>
-        </p:spPr>
-      </p:pic>
-      <p:pic>
-        <p:nvPicPr>
-          <p:cNvPr id="12" name="Picture 11"/>
-          <p:cNvPicPr>
-            <a:picLocks noChangeAspect="1"/>
-          </p:cNvPicPr>
-          <p:nvPr/>
-        </p:nvPicPr>
-        <p:blipFill>
-          <a:blip r:embed="rId8"/>
-          <a:stretch>
-            <a:fillRect/>
-          </a:stretch>
-        </p:blipFill>
-        <p:spPr>
-          <a:xfrm>
-            <a:off x="7089852" y="3785872"/>
-            <a:ext cx="1866603" cy="370673"/>
-          </a:xfrm>
-          <a:prstGeom prst="rect">
-            <a:avLst/>
-          </a:prstGeom>
-        </p:spPr>
-      </p:pic>
-      <p:pic>
-        <p:nvPicPr>
-          <p:cNvPr id="13" name="Picture 12"/>
-          <p:cNvPicPr>
-            <a:picLocks noChangeAspect="1"/>
-          </p:cNvPicPr>
-          <p:nvPr/>
-        </p:nvPicPr>
-        <p:blipFill>
-          <a:blip r:embed="rId9"/>
-          <a:stretch>
-            <a:fillRect/>
-          </a:stretch>
-        </p:blipFill>
-        <p:spPr>
-          <a:xfrm>
-            <a:off x="1229545" y="1908868"/>
-            <a:ext cx="5442404" cy="3219450"/>
-          </a:xfrm>
-          <a:prstGeom prst="rect">
-            <a:avLst/>
-          </a:prstGeom>
-        </p:spPr>
-      </p:pic>
-      <p:sp>
-        <p:nvSpPr>
-          <p:cNvPr id="5" name="Rectangle 4"/>
-          <p:cNvSpPr/>
-          <p:nvPr/>
-        </p:nvSpPr>
-        <p:spPr>
-          <a:xfrm>
-            <a:off x="4138889" y="2138748"/>
-            <a:ext cx="1509681" cy="461665"/>
-          </a:xfrm>
-          <a:prstGeom prst="rect">
-            <a:avLst/>
-          </a:prstGeom>
-          <a:noFill/>
-        </p:spPr>
-        <p:txBody>
-          <a:bodyPr wrap="square" lIns="91440" tIns="45720" rIns="91440" bIns="45720">
-            <a:spAutoFit/>
-          </a:bodyPr>
-          <a:lstStyle/>
-          <a:p>
-            <a:pPr algn="ctr"/>
-            <a:r>
-              <a:rPr lang="en-US" sz="2400" b="0" cap="none" spc="0" dirty="0" smtClean="0">
-                <a:ln w="0"/>
-                <a:solidFill>
-                  <a:schemeClr val="tx1"/>
-                </a:solidFill>
-                <a:effectLst>
-                  <a:outerShdw blurRad="38100" dist="19050" dir="2700000" algn="tl" rotWithShape="0">
-                    <a:schemeClr val="dk1">
-                      <a:alpha val="40000"/>
-                    </a:schemeClr>
-                  </a:outerShdw>
-                </a:effectLst>
-              </a:rPr>
-              <a:t>20%</a:t>
-            </a:r>
-            <a:endParaRPr lang="en-US" sz="2400" b="0" cap="none" spc="0" dirty="0">
-              <a:ln w="0"/>
-              <a:solidFill>
-                <a:schemeClr val="tx1"/>
-              </a:solidFill>
-              <a:effectLst>
-                <a:outerShdw blurRad="38100" dist="19050" dir="2700000" algn="tl" rotWithShape="0">
-                  <a:schemeClr val="dk1">
-                    <a:alpha val="40000"/>
-                  </a:schemeClr>
-                </a:outerShdw>
-              </a:effectLst>
-            </a:endParaRPr>
-          </a:p>
-        </p:txBody>
-      </p:sp>
-      <p:sp>
-        <p:nvSpPr>
-          <p:cNvPr id="6" name="Rectangle 5"/>
-          <p:cNvSpPr/>
-          <p:nvPr/>
-        </p:nvSpPr>
-        <p:spPr>
-          <a:xfrm>
-            <a:off x="5426645" y="2912698"/>
-            <a:ext cx="692167" cy="461665"/>
-          </a:xfrm>
-          <a:prstGeom prst="rect">
-            <a:avLst/>
-          </a:prstGeom>
-          <a:noFill/>
-        </p:spPr>
-        <p:txBody>
-          <a:bodyPr wrap="none" lIns="91440" tIns="45720" rIns="91440" bIns="45720">
-            <a:spAutoFit/>
-          </a:bodyPr>
-          <a:lstStyle/>
-          <a:p>
-            <a:pPr algn="ctr"/>
-            <a:r>
-              <a:rPr lang="en-US" sz="2400" b="0" cap="none" spc="0" dirty="0" smtClean="0">
-                <a:ln w="0"/>
-                <a:solidFill>
-                  <a:schemeClr val="tx1"/>
-                </a:solidFill>
-                <a:effectLst>
-                  <a:outerShdw blurRad="38100" dist="19050" dir="2700000" algn="tl" rotWithShape="0">
-                    <a:schemeClr val="dk1">
-                      <a:alpha val="40000"/>
-                    </a:schemeClr>
-                  </a:outerShdw>
-                </a:effectLst>
-              </a:rPr>
-              <a:t>15%</a:t>
-            </a:r>
-            <a:endParaRPr lang="en-US" sz="2400" b="0" cap="none" spc="0" dirty="0">
-              <a:ln w="0"/>
-              <a:solidFill>
-                <a:schemeClr val="tx1"/>
-              </a:solidFill>
-              <a:effectLst>
-                <a:outerShdw blurRad="38100" dist="19050" dir="2700000" algn="tl" rotWithShape="0">
-                  <a:schemeClr val="dk1">
-                    <a:alpha val="40000"/>
-                  </a:schemeClr>
-                </a:outerShdw>
-              </a:effectLst>
-            </a:endParaRPr>
-          </a:p>
-        </p:txBody>
-      </p:sp>
-      <p:sp>
-        <p:nvSpPr>
-          <p:cNvPr id="8" name="Rectangle 7"/>
-          <p:cNvSpPr/>
-          <p:nvPr/>
-        </p:nvSpPr>
-        <p:spPr>
-          <a:xfrm>
-            <a:off x="4418531" y="3518593"/>
-            <a:ext cx="692167" cy="461665"/>
-          </a:xfrm>
-          <a:prstGeom prst="rect">
-            <a:avLst/>
-          </a:prstGeom>
-          <a:noFill/>
-        </p:spPr>
-        <p:txBody>
-          <a:bodyPr wrap="none" lIns="91440" tIns="45720" rIns="91440" bIns="45720">
-            <a:spAutoFit/>
-          </a:bodyPr>
-          <a:lstStyle/>
-          <a:p>
-            <a:pPr algn="ctr"/>
-            <a:r>
-              <a:rPr lang="en-US" sz="2400" b="0" cap="none" spc="0" dirty="0" smtClean="0">
-                <a:ln w="0"/>
-                <a:solidFill>
-                  <a:schemeClr val="tx1"/>
-                </a:solidFill>
-                <a:effectLst>
-                  <a:outerShdw blurRad="38100" dist="19050" dir="2700000" algn="tl" rotWithShape="0">
-                    <a:schemeClr val="dk1">
-                      <a:alpha val="40000"/>
-                    </a:schemeClr>
-                  </a:outerShdw>
-                </a:effectLst>
-              </a:rPr>
-              <a:t>15%</a:t>
-            </a:r>
-            <a:endParaRPr lang="en-US" sz="2400" b="0" cap="none" spc="0" dirty="0">
-              <a:ln w="0"/>
-              <a:solidFill>
-                <a:schemeClr val="tx1"/>
-              </a:solidFill>
-              <a:effectLst>
-                <a:outerShdw blurRad="38100" dist="19050" dir="2700000" algn="tl" rotWithShape="0">
-                  <a:schemeClr val="dk1">
-                    <a:alpha val="40000"/>
-                  </a:schemeClr>
-                </a:outerShdw>
-              </a:effectLst>
-            </a:endParaRPr>
-          </a:p>
-        </p:txBody>
-      </p:sp>
-      <p:sp>
-        <p:nvSpPr>
-          <p:cNvPr id="14" name="Rectangle 13"/>
-          <p:cNvSpPr/>
-          <p:nvPr/>
-        </p:nvSpPr>
-        <p:spPr>
-          <a:xfrm>
-            <a:off x="2414738" y="3167134"/>
-            <a:ext cx="692167" cy="461665"/>
-          </a:xfrm>
-          <a:prstGeom prst="rect">
-            <a:avLst/>
-          </a:prstGeom>
-          <a:noFill/>
-        </p:spPr>
-        <p:txBody>
-          <a:bodyPr wrap="none" lIns="91440" tIns="45720" rIns="91440" bIns="45720">
-            <a:spAutoFit/>
-          </a:bodyPr>
-          <a:lstStyle/>
-          <a:p>
-            <a:pPr algn="ctr"/>
-            <a:r>
-              <a:rPr lang="en-US" sz="2400" b="0" cap="none" spc="0" dirty="0" smtClean="0">
-                <a:ln w="0"/>
-                <a:solidFill>
-                  <a:schemeClr val="tx1"/>
-                </a:solidFill>
-                <a:effectLst>
-                  <a:outerShdw blurRad="38100" dist="19050" dir="2700000" algn="tl" rotWithShape="0">
-                    <a:schemeClr val="dk1">
-                      <a:alpha val="40000"/>
-                    </a:schemeClr>
-                  </a:outerShdw>
-                </a:effectLst>
-              </a:rPr>
-              <a:t>30%</a:t>
-            </a:r>
-            <a:endParaRPr lang="en-US" sz="2400" b="0" cap="none" spc="0" dirty="0">
-              <a:ln w="0"/>
-              <a:solidFill>
-                <a:schemeClr val="tx1"/>
-              </a:solidFill>
-              <a:effectLst>
-                <a:outerShdw blurRad="38100" dist="19050" dir="2700000" algn="tl" rotWithShape="0">
-                  <a:schemeClr val="dk1">
-                    <a:alpha val="40000"/>
-                  </a:schemeClr>
-                </a:outerShdw>
-              </a:effectLst>
-            </a:endParaRPr>
-          </a:p>
-        </p:txBody>
-      </p:sp>
-      <p:sp>
-        <p:nvSpPr>
-          <p:cNvPr id="15" name="Rectangle 14"/>
-          <p:cNvSpPr/>
-          <p:nvPr/>
-        </p:nvSpPr>
-        <p:spPr>
-          <a:xfrm>
-            <a:off x="2254173" y="2275169"/>
-            <a:ext cx="692167" cy="461665"/>
-          </a:xfrm>
-          <a:prstGeom prst="rect">
-            <a:avLst/>
-          </a:prstGeom>
-          <a:noFill/>
-        </p:spPr>
-        <p:txBody>
-          <a:bodyPr wrap="none" lIns="91440" tIns="45720" rIns="91440" bIns="45720">
-            <a:spAutoFit/>
-          </a:bodyPr>
-          <a:lstStyle/>
-          <a:p>
-            <a:pPr algn="ctr"/>
-            <a:r>
-              <a:rPr lang="en-US" sz="2400" b="0" cap="none" spc="0" dirty="0" smtClean="0">
-                <a:ln w="0"/>
-                <a:solidFill>
-                  <a:schemeClr val="tx1"/>
-                </a:solidFill>
-                <a:effectLst>
-                  <a:outerShdw blurRad="38100" dist="19050" dir="2700000" algn="tl" rotWithShape="0">
-                    <a:schemeClr val="dk1">
-                      <a:alpha val="40000"/>
-                    </a:schemeClr>
-                  </a:outerShdw>
-                </a:effectLst>
-              </a:rPr>
-              <a:t>10%</a:t>
-            </a:r>
-            <a:endParaRPr lang="en-US" sz="2400" b="0" cap="none" spc="0" dirty="0">
-              <a:ln w="0"/>
-              <a:solidFill>
-                <a:schemeClr val="tx1"/>
-              </a:solidFill>
-              <a:effectLst>
-                <a:outerShdw blurRad="38100" dist="19050" dir="2700000" algn="tl" rotWithShape="0">
-                  <a:schemeClr val="dk1">
-                    <a:alpha val="40000"/>
-                  </a:schemeClr>
-                </a:outerShdw>
-              </a:effectLst>
-            </a:endParaRPr>
-          </a:p>
-        </p:txBody>
-      </p:sp>
-      <p:sp>
-        <p:nvSpPr>
-          <p:cNvPr id="16" name="Rectangle 15"/>
-          <p:cNvSpPr/>
-          <p:nvPr/>
-        </p:nvSpPr>
-        <p:spPr>
-          <a:xfrm>
-            <a:off x="3166330" y="2017900"/>
-            <a:ext cx="692167" cy="461665"/>
-          </a:xfrm>
-          <a:prstGeom prst="rect">
-            <a:avLst/>
-          </a:prstGeom>
-          <a:noFill/>
-        </p:spPr>
-        <p:txBody>
-          <a:bodyPr wrap="none" lIns="91440" tIns="45720" rIns="91440" bIns="45720">
-            <a:spAutoFit/>
-          </a:bodyPr>
-          <a:lstStyle/>
-          <a:p>
-            <a:pPr algn="ctr"/>
-            <a:r>
-              <a:rPr lang="en-US" sz="2400" b="0" cap="none" spc="0" dirty="0" smtClean="0">
-                <a:ln w="0"/>
-                <a:solidFill>
-                  <a:schemeClr val="tx1"/>
-                </a:solidFill>
-                <a:effectLst>
-                  <a:outerShdw blurRad="38100" dist="19050" dir="2700000" algn="tl" rotWithShape="0">
-                    <a:schemeClr val="dk1">
-                      <a:alpha val="40000"/>
-                    </a:schemeClr>
-                  </a:outerShdw>
-                </a:effectLst>
-              </a:rPr>
-              <a:t>10%</a:t>
-            </a:r>
-            <a:endParaRPr lang="en-US" sz="2400" b="0" cap="none" spc="0" dirty="0">
-              <a:ln w="0"/>
-              <a:solidFill>
-                <a:schemeClr val="tx1"/>
-              </a:solidFill>
-              <a:effectLst>
-                <a:outerShdw blurRad="38100" dist="19050" dir="2700000" algn="tl" rotWithShape="0">
-                  <a:schemeClr val="dk1">
-                    <a:alpha val="40000"/>
-                  </a:schemeClr>
-                </a:outerShdw>
-              </a:effectLst>
-            </a:endParaRPr>
-          </a:p>
-        </p:txBody>
-      </p:sp>
+      <p:graphicFrame>
+        <p:nvGraphicFramePr>
+          <p:cNvPr id="6" name="Content Placeholder 5"/>
+          <p:cNvGraphicFramePr>
+            <a:graphicFrameLocks noGrp="1"/>
+          </p:cNvGraphicFramePr>
+          <p:nvPr>
+            <p:ph idx="1"/>
+            <p:extLst>
+              <p:ext uri="{D42A27DB-BD31-4B8C-83A1-F6EECF244321}">
+                <p14:modId xmlns:p14="http://schemas.microsoft.com/office/powerpoint/2010/main" val="68954587"/>
+              </p:ext>
+            </p:extLst>
+          </p:nvPr>
+        </p:nvGraphicFramePr>
+        <p:xfrm>
+          <a:off x="677863" y="1384300"/>
+          <a:ext cx="8596311" cy="4848987"/>
+        </p:xfrm>
+        <a:graphic>
+          <a:graphicData uri="http://schemas.openxmlformats.org/drawingml/2006/table">
+            <a:tbl>
+              <a:tblPr firstRow="1" bandRow="1">
+                <a:tableStyleId>{5C22544A-7EE6-4342-B048-85BDC9FD1C3A}</a:tableStyleId>
+              </a:tblPr>
+              <a:tblGrid>
+                <a:gridCol w="2865437"/>
+                <a:gridCol w="2865437"/>
+                <a:gridCol w="2865437"/>
+              </a:tblGrid>
+              <a:tr h="370840">
+                <a:tc>
+                  <a:txBody>
+                    <a:bodyPr/>
+                    <a:lstStyle/>
+                    <a:p>
+                      <a:endParaRPr lang="en-US" dirty="0"/>
+                    </a:p>
+                  </a:txBody>
+                  <a:tcPr/>
+                </a:tc>
+                <a:tc>
+                  <a:txBody>
+                    <a:bodyPr/>
+                    <a:lstStyle/>
+                    <a:p>
+                      <a:endParaRPr lang="en-US"/>
+                    </a:p>
+                  </a:txBody>
+                  <a:tcPr/>
+                </a:tc>
+                <a:tc>
+                  <a:txBody>
+                    <a:bodyPr/>
+                    <a:lstStyle/>
+                    <a:p>
+                      <a:endParaRPr lang="en-US"/>
+                    </a:p>
+                  </a:txBody>
+                  <a:tcPr/>
+                </a:tc>
+              </a:tr>
+              <a:tr h="370840">
+                <a:tc>
+                  <a:txBody>
+                    <a:bodyPr/>
+                    <a:lstStyle/>
+                    <a:p>
+                      <a:pPr marL="0" marR="0">
+                        <a:lnSpc>
+                          <a:spcPct val="107000"/>
+                        </a:lnSpc>
+                        <a:spcBef>
+                          <a:spcPts val="0"/>
+                        </a:spcBef>
+                        <a:spcAft>
+                          <a:spcPts val="0"/>
+                        </a:spcAft>
+                      </a:pPr>
+                      <a:r>
+                        <a:rPr lang="en-US" sz="1200" dirty="0">
+                          <a:effectLst/>
+                          <a:latin typeface="Arial" panose="020B0604020202020204" pitchFamily="34" charset="0"/>
+                          <a:ea typeface="Times New Roman" panose="02020603050405020304" pitchFamily="18" charset="0"/>
+                          <a:cs typeface="Times New Roman" panose="02020603050405020304" pitchFamily="18" charset="0"/>
+                        </a:rPr>
+                        <a:t>project search box</a:t>
+                      </a:r>
+                      <a:endParaRPr lang="en-US" sz="1100" dirty="0">
+                        <a:effectLst/>
+                        <a:latin typeface="Calibri" panose="020F0502020204030204" pitchFamily="34" charset="0"/>
+                        <a:ea typeface="Calibri" panose="020F0502020204030204" pitchFamily="34" charset="0"/>
+                        <a:cs typeface="Times New Roman" panose="02020603050405020304" pitchFamily="18" charset="0"/>
+                      </a:endParaRPr>
+                    </a:p>
+                  </a:txBody>
+                  <a:tcPr marL="45720" marR="45720" marT="18415" marB="18415"/>
+                </a:tc>
+                <a:tc>
+                  <a:txBody>
+                    <a:bodyPr/>
+                    <a:lstStyle/>
+                    <a:p>
+                      <a:pPr marL="0" marR="0">
+                        <a:lnSpc>
+                          <a:spcPct val="107000"/>
+                        </a:lnSpc>
+                        <a:spcBef>
+                          <a:spcPts val="0"/>
+                        </a:spcBef>
+                        <a:spcAft>
+                          <a:spcPts val="0"/>
+                        </a:spcAft>
+                      </a:pPr>
+                      <a:r>
+                        <a:rPr lang="en-US" sz="1200" dirty="0">
+                          <a:effectLst/>
+                          <a:latin typeface="Arial" panose="020B0604020202020204" pitchFamily="34" charset="0"/>
+                          <a:ea typeface="Times New Roman" panose="02020603050405020304" pitchFamily="18" charset="0"/>
+                          <a:cs typeface="Times New Roman" panose="02020603050405020304" pitchFamily="18" charset="0"/>
+                        </a:rPr>
+                        <a:t>Humorous 404 page...you are not in </a:t>
+                      </a:r>
+                      <a:r>
+                        <a:rPr lang="en-US" sz="1200" dirty="0" err="1">
+                          <a:effectLst/>
+                          <a:latin typeface="Arial" panose="020B0604020202020204" pitchFamily="34" charset="0"/>
+                          <a:ea typeface="Times New Roman" panose="02020603050405020304" pitchFamily="18" charset="0"/>
+                          <a:cs typeface="Times New Roman" panose="02020603050405020304" pitchFamily="18" charset="0"/>
+                        </a:rPr>
+                        <a:t>github</a:t>
+                      </a:r>
+                      <a:r>
+                        <a:rPr lang="en-US" sz="1200" dirty="0">
+                          <a:effectLst/>
+                          <a:latin typeface="Arial" panose="020B0604020202020204" pitchFamily="34" charset="0"/>
+                          <a:ea typeface="Times New Roman" panose="02020603050405020304" pitchFamily="18" charset="0"/>
+                          <a:cs typeface="Times New Roman" panose="02020603050405020304" pitchFamily="18" charset="0"/>
+                        </a:rPr>
+                        <a:t> anymore Dorothy</a:t>
+                      </a:r>
+                      <a:endParaRPr lang="en-US" sz="1100" dirty="0">
+                        <a:effectLst/>
+                        <a:latin typeface="Calibri" panose="020F0502020204030204" pitchFamily="34" charset="0"/>
+                        <a:ea typeface="Calibri" panose="020F0502020204030204" pitchFamily="34" charset="0"/>
+                        <a:cs typeface="Times New Roman" panose="02020603050405020304" pitchFamily="18" charset="0"/>
+                      </a:endParaRPr>
+                    </a:p>
+                  </a:txBody>
+                  <a:tcPr marL="45720" marR="45720" marT="18415" marB="18415"/>
+                </a:tc>
+                <a:tc>
+                  <a:txBody>
+                    <a:bodyPr/>
+                    <a:lstStyle/>
+                    <a:p>
+                      <a:pPr marL="0" marR="0">
+                        <a:lnSpc>
+                          <a:spcPct val="107000"/>
+                        </a:lnSpc>
+                        <a:spcBef>
+                          <a:spcPts val="0"/>
+                        </a:spcBef>
+                        <a:spcAft>
+                          <a:spcPts val="0"/>
+                        </a:spcAft>
+                      </a:pPr>
+                      <a:r>
+                        <a:rPr lang="en-US" sz="1200" dirty="0">
+                          <a:effectLst/>
+                          <a:latin typeface="Arial" panose="020B0604020202020204" pitchFamily="34" charset="0"/>
+                          <a:ea typeface="Times New Roman" panose="02020603050405020304" pitchFamily="18" charset="0"/>
+                          <a:cs typeface="Times New Roman" panose="02020603050405020304" pitchFamily="18" charset="0"/>
+                        </a:rPr>
+                        <a:t>if still logged in, redirect to tree view</a:t>
+                      </a:r>
+                      <a:endParaRPr lang="en-US" sz="1100" dirty="0">
+                        <a:effectLst/>
+                        <a:latin typeface="Calibri" panose="020F0502020204030204" pitchFamily="34" charset="0"/>
+                        <a:ea typeface="Calibri" panose="020F0502020204030204" pitchFamily="34" charset="0"/>
+                        <a:cs typeface="Times New Roman" panose="02020603050405020304" pitchFamily="18" charset="0"/>
+                      </a:endParaRPr>
+                    </a:p>
+                  </a:txBody>
+                  <a:tcPr marL="45720" marR="45720" marT="18415" marB="18415"/>
+                </a:tc>
+              </a:tr>
+              <a:tr h="370840">
+                <a:tc>
+                  <a:txBody>
+                    <a:bodyPr/>
+                    <a:lstStyle/>
+                    <a:p>
+                      <a:pPr marL="0" marR="0">
+                        <a:lnSpc>
+                          <a:spcPct val="107000"/>
+                        </a:lnSpc>
+                        <a:spcBef>
+                          <a:spcPts val="0"/>
+                        </a:spcBef>
+                        <a:spcAft>
+                          <a:spcPts val="0"/>
+                        </a:spcAft>
+                      </a:pPr>
+                      <a:r>
+                        <a:rPr lang="en-US" sz="1200">
+                          <a:effectLst/>
+                          <a:latin typeface="Arial" panose="020B0604020202020204" pitchFamily="34" charset="0"/>
+                          <a:ea typeface="Times New Roman" panose="02020603050405020304" pitchFamily="18" charset="0"/>
+                          <a:cs typeface="Times New Roman" panose="02020603050405020304" pitchFamily="18" charset="0"/>
+                        </a:rPr>
+                        <a:t>zoom in, zoom out project search, think ggogle maps, i know the street the house is on...</a:t>
+                      </a:r>
+                      <a:endParaRPr lang="en-US" sz="1100">
+                        <a:effectLst/>
+                        <a:latin typeface="Calibri" panose="020F0502020204030204" pitchFamily="34" charset="0"/>
+                        <a:ea typeface="Calibri" panose="020F0502020204030204" pitchFamily="34" charset="0"/>
+                        <a:cs typeface="Times New Roman" panose="02020603050405020304" pitchFamily="18" charset="0"/>
+                      </a:endParaRPr>
+                    </a:p>
+                  </a:txBody>
+                  <a:tcPr marL="45720" marR="45720" marT="18415" marB="18415"/>
+                </a:tc>
+                <a:tc>
+                  <a:txBody>
+                    <a:bodyPr/>
+                    <a:lstStyle/>
+                    <a:p>
+                      <a:pPr marL="0" marR="0">
+                        <a:lnSpc>
+                          <a:spcPct val="107000"/>
+                        </a:lnSpc>
+                        <a:spcBef>
+                          <a:spcPts val="0"/>
+                        </a:spcBef>
+                        <a:spcAft>
+                          <a:spcPts val="0"/>
+                        </a:spcAft>
+                      </a:pPr>
+                      <a:r>
+                        <a:rPr lang="en-US" sz="1200">
+                          <a:effectLst/>
+                          <a:latin typeface="Arial" panose="020B0604020202020204" pitchFamily="34" charset="0"/>
+                          <a:ea typeface="Times New Roman" panose="02020603050405020304" pitchFamily="18" charset="0"/>
+                          <a:cs typeface="Times New Roman" panose="02020603050405020304" pitchFamily="18" charset="0"/>
+                        </a:rPr>
+                        <a:t>Create Unit Tests</a:t>
+                      </a:r>
+                      <a:endParaRPr lang="en-US" sz="1100">
+                        <a:effectLst/>
+                        <a:latin typeface="Calibri" panose="020F0502020204030204" pitchFamily="34" charset="0"/>
+                        <a:ea typeface="Calibri" panose="020F0502020204030204" pitchFamily="34" charset="0"/>
+                        <a:cs typeface="Times New Roman" panose="02020603050405020304" pitchFamily="18" charset="0"/>
+                      </a:endParaRPr>
+                    </a:p>
+                  </a:txBody>
+                  <a:tcPr marL="45720" marR="45720" marT="18415" marB="18415"/>
+                </a:tc>
+                <a:tc>
+                  <a:txBody>
+                    <a:bodyPr/>
+                    <a:lstStyle/>
+                    <a:p>
+                      <a:pPr marL="0" marR="0">
+                        <a:lnSpc>
+                          <a:spcPct val="107000"/>
+                        </a:lnSpc>
+                        <a:spcBef>
+                          <a:spcPts val="0"/>
+                        </a:spcBef>
+                        <a:spcAft>
+                          <a:spcPts val="0"/>
+                        </a:spcAft>
+                      </a:pPr>
+                      <a:r>
+                        <a:rPr lang="en-US" sz="1200">
+                          <a:effectLst/>
+                          <a:latin typeface="Arial" panose="020B0604020202020204" pitchFamily="34" charset="0"/>
+                          <a:ea typeface="Times New Roman" panose="02020603050405020304" pitchFamily="18" charset="0"/>
+                          <a:cs typeface="Times New Roman" panose="02020603050405020304" pitchFamily="18" charset="0"/>
+                        </a:rPr>
+                        <a:t>Clean up access modifiers.....</a:t>
+                      </a:r>
+                      <a:endParaRPr lang="en-US" sz="1100">
+                        <a:effectLst/>
+                        <a:latin typeface="Calibri" panose="020F0502020204030204" pitchFamily="34" charset="0"/>
+                        <a:ea typeface="Calibri" panose="020F0502020204030204" pitchFamily="34" charset="0"/>
+                        <a:cs typeface="Times New Roman" panose="02020603050405020304" pitchFamily="18" charset="0"/>
+                      </a:endParaRPr>
+                    </a:p>
+                  </a:txBody>
+                  <a:tcPr marL="45720" marR="45720" marT="18415" marB="18415"/>
+                </a:tc>
+              </a:tr>
+              <a:tr h="370840">
+                <a:tc>
+                  <a:txBody>
+                    <a:bodyPr/>
+                    <a:lstStyle/>
+                    <a:p>
+                      <a:pPr marL="0" marR="0">
+                        <a:lnSpc>
+                          <a:spcPct val="107000"/>
+                        </a:lnSpc>
+                        <a:spcBef>
+                          <a:spcPts val="0"/>
+                        </a:spcBef>
+                        <a:spcAft>
+                          <a:spcPts val="0"/>
+                        </a:spcAft>
+                      </a:pPr>
+                      <a:r>
+                        <a:rPr lang="en-US" sz="1200">
+                          <a:effectLst/>
+                          <a:latin typeface="Arial" panose="020B0604020202020204" pitchFamily="34" charset="0"/>
+                          <a:ea typeface="Times New Roman" panose="02020603050405020304" pitchFamily="18" charset="0"/>
+                          <a:cs typeface="Times New Roman" panose="02020603050405020304" pitchFamily="18" charset="0"/>
+                        </a:rPr>
+                        <a:t>more information in explore area, sample projects</a:t>
+                      </a:r>
+                      <a:endParaRPr lang="en-US" sz="1100">
+                        <a:effectLst/>
+                        <a:latin typeface="Calibri" panose="020F0502020204030204" pitchFamily="34" charset="0"/>
+                        <a:ea typeface="Calibri" panose="020F0502020204030204" pitchFamily="34" charset="0"/>
+                        <a:cs typeface="Times New Roman" panose="02020603050405020304" pitchFamily="18" charset="0"/>
+                      </a:endParaRPr>
+                    </a:p>
+                  </a:txBody>
+                  <a:tcPr marL="45720" marR="45720" marT="18415" marB="18415"/>
+                </a:tc>
+                <a:tc>
+                  <a:txBody>
+                    <a:bodyPr/>
+                    <a:lstStyle/>
+                    <a:p>
+                      <a:pPr marL="0" marR="0">
+                        <a:lnSpc>
+                          <a:spcPct val="107000"/>
+                        </a:lnSpc>
+                        <a:spcBef>
+                          <a:spcPts val="0"/>
+                        </a:spcBef>
+                        <a:spcAft>
+                          <a:spcPts val="0"/>
+                        </a:spcAft>
+                      </a:pPr>
+                      <a:r>
+                        <a:rPr lang="en-US" sz="1200">
+                          <a:effectLst/>
+                          <a:latin typeface="Arial" panose="020B0604020202020204" pitchFamily="34" charset="0"/>
+                          <a:ea typeface="Times New Roman" panose="02020603050405020304" pitchFamily="18" charset="0"/>
+                          <a:cs typeface="Times New Roman" panose="02020603050405020304" pitchFamily="18" charset="0"/>
+                        </a:rPr>
+                        <a:t>Schedule and tree view displays ' as #39</a:t>
+                      </a:r>
+                      <a:endParaRPr lang="en-US" sz="1100">
+                        <a:effectLst/>
+                        <a:latin typeface="Calibri" panose="020F0502020204030204" pitchFamily="34" charset="0"/>
+                        <a:ea typeface="Calibri" panose="020F0502020204030204" pitchFamily="34" charset="0"/>
+                        <a:cs typeface="Times New Roman" panose="02020603050405020304" pitchFamily="18" charset="0"/>
+                      </a:endParaRPr>
+                    </a:p>
+                  </a:txBody>
+                  <a:tcPr marL="45720" marR="45720" marT="18415" marB="18415"/>
+                </a:tc>
+                <a:tc>
+                  <a:txBody>
+                    <a:bodyPr/>
+                    <a:lstStyle/>
+                    <a:p>
+                      <a:pPr marL="0" marR="0">
+                        <a:lnSpc>
+                          <a:spcPct val="107000"/>
+                        </a:lnSpc>
+                        <a:spcBef>
+                          <a:spcPts val="0"/>
+                        </a:spcBef>
+                        <a:spcAft>
+                          <a:spcPts val="0"/>
+                        </a:spcAft>
+                      </a:pPr>
+                      <a:r>
+                        <a:rPr lang="en-US" sz="1200">
+                          <a:effectLst/>
+                          <a:latin typeface="Arial" panose="020B0604020202020204" pitchFamily="34" charset="0"/>
+                          <a:ea typeface="Times New Roman" panose="02020603050405020304" pitchFamily="18" charset="0"/>
+                          <a:cs typeface="Times New Roman" panose="02020603050405020304" pitchFamily="18" charset="0"/>
+                        </a:rPr>
+                        <a:t>Edit View show set dates, don't show date format</a:t>
+                      </a:r>
+                      <a:endParaRPr lang="en-US" sz="1100">
+                        <a:effectLst/>
+                        <a:latin typeface="Calibri" panose="020F0502020204030204" pitchFamily="34" charset="0"/>
+                        <a:ea typeface="Calibri" panose="020F0502020204030204" pitchFamily="34" charset="0"/>
+                        <a:cs typeface="Times New Roman" panose="02020603050405020304" pitchFamily="18" charset="0"/>
+                      </a:endParaRPr>
+                    </a:p>
+                  </a:txBody>
+                  <a:tcPr marL="45720" marR="45720" marT="18415" marB="18415"/>
+                </a:tc>
+              </a:tr>
+              <a:tr h="370840">
+                <a:tc>
+                  <a:txBody>
+                    <a:bodyPr/>
+                    <a:lstStyle/>
+                    <a:p>
+                      <a:pPr marL="0" marR="0">
+                        <a:lnSpc>
+                          <a:spcPct val="107000"/>
+                        </a:lnSpc>
+                        <a:spcBef>
+                          <a:spcPts val="0"/>
+                        </a:spcBef>
+                        <a:spcAft>
+                          <a:spcPts val="0"/>
+                        </a:spcAft>
+                      </a:pPr>
+                      <a:r>
+                        <a:rPr lang="en-US" sz="1200">
+                          <a:effectLst/>
+                          <a:latin typeface="Arial" panose="020B0604020202020204" pitchFamily="34" charset="0"/>
+                          <a:ea typeface="Times New Roman" panose="02020603050405020304" pitchFamily="18" charset="0"/>
+                          <a:cs typeface="Times New Roman" panose="02020603050405020304" pitchFamily="18" charset="0"/>
+                        </a:rPr>
+                        <a:t>Public repository to share projects with other users</a:t>
+                      </a:r>
+                      <a:endParaRPr lang="en-US" sz="1100">
+                        <a:effectLst/>
+                        <a:latin typeface="Calibri" panose="020F0502020204030204" pitchFamily="34" charset="0"/>
+                        <a:ea typeface="Calibri" panose="020F0502020204030204" pitchFamily="34" charset="0"/>
+                        <a:cs typeface="Times New Roman" panose="02020603050405020304" pitchFamily="18" charset="0"/>
+                      </a:endParaRPr>
+                    </a:p>
+                  </a:txBody>
+                  <a:tcPr marL="45720" marR="45720" marT="18415" marB="18415"/>
+                </a:tc>
+                <a:tc>
+                  <a:txBody>
+                    <a:bodyPr/>
+                    <a:lstStyle/>
+                    <a:p>
+                      <a:pPr marL="0" marR="0">
+                        <a:lnSpc>
+                          <a:spcPct val="107000"/>
+                        </a:lnSpc>
+                        <a:spcBef>
+                          <a:spcPts val="0"/>
+                        </a:spcBef>
+                        <a:spcAft>
+                          <a:spcPts val="0"/>
+                        </a:spcAft>
+                      </a:pPr>
+                      <a:r>
+                        <a:rPr lang="en-US" sz="1200">
+                          <a:effectLst/>
+                          <a:latin typeface="Arial" panose="020B0604020202020204" pitchFamily="34" charset="0"/>
+                          <a:ea typeface="Times New Roman" panose="02020603050405020304" pitchFamily="18" charset="0"/>
+                          <a:cs typeface="Times New Roman" panose="02020603050405020304" pitchFamily="18" charset="0"/>
+                        </a:rPr>
+                        <a:t>Create users and data for demo</a:t>
+                      </a:r>
+                      <a:endParaRPr lang="en-US" sz="1100">
+                        <a:effectLst/>
+                        <a:latin typeface="Calibri" panose="020F0502020204030204" pitchFamily="34" charset="0"/>
+                        <a:ea typeface="Calibri" panose="020F0502020204030204" pitchFamily="34" charset="0"/>
+                        <a:cs typeface="Times New Roman" panose="02020603050405020304" pitchFamily="18" charset="0"/>
+                      </a:endParaRPr>
+                    </a:p>
+                  </a:txBody>
+                  <a:tcPr marL="45720" marR="45720" marT="18415" marB="18415"/>
+                </a:tc>
+                <a:tc>
+                  <a:txBody>
+                    <a:bodyPr/>
+                    <a:lstStyle/>
+                    <a:p>
+                      <a:pPr marL="0" marR="0">
+                        <a:lnSpc>
+                          <a:spcPct val="107000"/>
+                        </a:lnSpc>
+                        <a:spcBef>
+                          <a:spcPts val="0"/>
+                        </a:spcBef>
+                        <a:spcAft>
+                          <a:spcPts val="0"/>
+                        </a:spcAft>
+                      </a:pPr>
+                      <a:r>
+                        <a:rPr lang="en-US" sz="1200">
+                          <a:effectLst/>
+                          <a:latin typeface="Arial" panose="020B0604020202020204" pitchFamily="34" charset="0"/>
+                          <a:ea typeface="Times New Roman" panose="02020603050405020304" pitchFamily="18" charset="0"/>
+                          <a:cs typeface="Times New Roman" panose="02020603050405020304" pitchFamily="18" charset="0"/>
+                        </a:rPr>
+                        <a:t>Change Planit.Core from an Application to a Library</a:t>
+                      </a:r>
+                      <a:endParaRPr lang="en-US" sz="1100">
+                        <a:effectLst/>
+                        <a:latin typeface="Calibri" panose="020F0502020204030204" pitchFamily="34" charset="0"/>
+                        <a:ea typeface="Calibri" panose="020F0502020204030204" pitchFamily="34" charset="0"/>
+                        <a:cs typeface="Times New Roman" panose="02020603050405020304" pitchFamily="18" charset="0"/>
+                      </a:endParaRPr>
+                    </a:p>
+                  </a:txBody>
+                  <a:tcPr marL="45720" marR="45720" marT="18415" marB="18415"/>
+                </a:tc>
+              </a:tr>
+              <a:tr h="370840">
+                <a:tc>
+                  <a:txBody>
+                    <a:bodyPr/>
+                    <a:lstStyle/>
+                    <a:p>
+                      <a:pPr marL="0" marR="0">
+                        <a:lnSpc>
+                          <a:spcPct val="107000"/>
+                        </a:lnSpc>
+                        <a:spcBef>
+                          <a:spcPts val="0"/>
+                        </a:spcBef>
+                        <a:spcAft>
+                          <a:spcPts val="0"/>
+                        </a:spcAft>
+                      </a:pPr>
+                      <a:r>
+                        <a:rPr lang="en-US" sz="1200">
+                          <a:effectLst/>
+                          <a:latin typeface="Arial" panose="020B0604020202020204" pitchFamily="34" charset="0"/>
+                          <a:ea typeface="Times New Roman" panose="02020603050405020304" pitchFamily="18" charset="0"/>
+                          <a:cs typeface="Times New Roman" panose="02020603050405020304" pitchFamily="18" charset="0"/>
+                        </a:rPr>
+                        <a:t>space for project in process pictures, notes</a:t>
+                      </a:r>
+                      <a:endParaRPr lang="en-US" sz="1100">
+                        <a:effectLst/>
+                        <a:latin typeface="Calibri" panose="020F0502020204030204" pitchFamily="34" charset="0"/>
+                        <a:ea typeface="Calibri" panose="020F0502020204030204" pitchFamily="34" charset="0"/>
+                        <a:cs typeface="Times New Roman" panose="02020603050405020304" pitchFamily="18" charset="0"/>
+                      </a:endParaRPr>
+                    </a:p>
+                  </a:txBody>
+                  <a:tcPr marL="45720" marR="45720" marT="18415" marB="18415"/>
+                </a:tc>
+                <a:tc>
+                  <a:txBody>
+                    <a:bodyPr/>
+                    <a:lstStyle/>
+                    <a:p>
+                      <a:pPr marL="0" marR="0">
+                        <a:lnSpc>
+                          <a:spcPct val="107000"/>
+                        </a:lnSpc>
+                        <a:spcBef>
+                          <a:spcPts val="0"/>
+                        </a:spcBef>
+                        <a:spcAft>
+                          <a:spcPts val="0"/>
+                        </a:spcAft>
+                      </a:pPr>
+                      <a:r>
+                        <a:rPr lang="en-US" sz="1200">
+                          <a:effectLst/>
+                          <a:latin typeface="Arial" panose="020B0604020202020204" pitchFamily="34" charset="0"/>
+                          <a:ea typeface="Times New Roman" panose="02020603050405020304" pitchFamily="18" charset="0"/>
+                          <a:cs typeface="Times New Roman" panose="02020603050405020304" pitchFamily="18" charset="0"/>
+                        </a:rPr>
+                        <a:t>Data Validation Rules</a:t>
+                      </a:r>
+                      <a:endParaRPr lang="en-US" sz="1100">
+                        <a:effectLst/>
+                        <a:latin typeface="Calibri" panose="020F0502020204030204" pitchFamily="34" charset="0"/>
+                        <a:ea typeface="Calibri" panose="020F0502020204030204" pitchFamily="34" charset="0"/>
+                        <a:cs typeface="Times New Roman" panose="02020603050405020304" pitchFamily="18" charset="0"/>
+                      </a:endParaRPr>
+                    </a:p>
+                  </a:txBody>
+                  <a:tcPr marL="45720" marR="45720" marT="18415" marB="18415"/>
+                </a:tc>
+                <a:tc>
+                  <a:txBody>
+                    <a:bodyPr/>
+                    <a:lstStyle/>
+                    <a:p>
+                      <a:pPr marL="0" marR="0">
+                        <a:lnSpc>
+                          <a:spcPct val="107000"/>
+                        </a:lnSpc>
+                        <a:spcBef>
+                          <a:spcPts val="0"/>
+                        </a:spcBef>
+                        <a:spcAft>
+                          <a:spcPts val="0"/>
+                        </a:spcAft>
+                      </a:pPr>
+                      <a:r>
+                        <a:rPr lang="en-US" sz="1200">
+                          <a:effectLst/>
+                          <a:latin typeface="Arial" panose="020B0604020202020204" pitchFamily="34" charset="0"/>
+                          <a:ea typeface="Times New Roman" panose="02020603050405020304" pitchFamily="18" charset="0"/>
+                          <a:cs typeface="Times New Roman" panose="02020603050405020304" pitchFamily="18" charset="0"/>
+                        </a:rPr>
+                        <a:t>DueDate/StartDate default to 12AM Make improvements</a:t>
+                      </a:r>
+                      <a:endParaRPr lang="en-US" sz="1100">
+                        <a:effectLst/>
+                        <a:latin typeface="Calibri" panose="020F0502020204030204" pitchFamily="34" charset="0"/>
+                        <a:ea typeface="Calibri" panose="020F0502020204030204" pitchFamily="34" charset="0"/>
+                        <a:cs typeface="Times New Roman" panose="02020603050405020304" pitchFamily="18" charset="0"/>
+                      </a:endParaRPr>
+                    </a:p>
+                  </a:txBody>
+                  <a:tcPr marL="45720" marR="45720" marT="18415" marB="18415"/>
+                </a:tc>
+              </a:tr>
+              <a:tr h="370840">
+                <a:tc>
+                  <a:txBody>
+                    <a:bodyPr/>
+                    <a:lstStyle/>
+                    <a:p>
+                      <a:pPr marL="0" marR="0">
+                        <a:lnSpc>
+                          <a:spcPct val="107000"/>
+                        </a:lnSpc>
+                        <a:spcBef>
+                          <a:spcPts val="0"/>
+                        </a:spcBef>
+                        <a:spcAft>
+                          <a:spcPts val="0"/>
+                        </a:spcAft>
+                      </a:pPr>
+                      <a:r>
+                        <a:rPr lang="en-US" sz="1200">
+                          <a:effectLst/>
+                          <a:latin typeface="Arial" panose="020B0604020202020204" pitchFamily="34" charset="0"/>
+                          <a:ea typeface="Times New Roman" panose="02020603050405020304" pitchFamily="18" charset="0"/>
+                          <a:cs typeface="Times New Roman" panose="02020603050405020304" pitchFamily="18" charset="0"/>
+                        </a:rPr>
+                        <a:t>Share completion on facebook</a:t>
+                      </a:r>
+                      <a:endParaRPr lang="en-US" sz="1100">
+                        <a:effectLst/>
+                        <a:latin typeface="Calibri" panose="020F0502020204030204" pitchFamily="34" charset="0"/>
+                        <a:ea typeface="Calibri" panose="020F0502020204030204" pitchFamily="34" charset="0"/>
+                        <a:cs typeface="Times New Roman" panose="02020603050405020304" pitchFamily="18" charset="0"/>
+                      </a:endParaRPr>
+                    </a:p>
+                  </a:txBody>
+                  <a:tcPr marL="45720" marR="45720" marT="18415" marB="18415"/>
+                </a:tc>
+                <a:tc>
+                  <a:txBody>
+                    <a:bodyPr/>
+                    <a:lstStyle/>
+                    <a:p>
+                      <a:pPr marL="0" marR="0">
+                        <a:lnSpc>
+                          <a:spcPct val="107000"/>
+                        </a:lnSpc>
+                        <a:spcBef>
+                          <a:spcPts val="0"/>
+                        </a:spcBef>
+                        <a:spcAft>
+                          <a:spcPts val="0"/>
+                        </a:spcAft>
+                      </a:pPr>
+                      <a:r>
+                        <a:rPr lang="en-US" sz="1200">
+                          <a:effectLst/>
+                          <a:latin typeface="Arial" panose="020B0604020202020204" pitchFamily="34" charset="0"/>
+                          <a:ea typeface="Times New Roman" panose="02020603050405020304" pitchFamily="18" charset="0"/>
+                          <a:cs typeface="Times New Roman" panose="02020603050405020304" pitchFamily="18" charset="0"/>
+                        </a:rPr>
+                        <a:t>Put restrictions on root, can't edit or complete, etc</a:t>
+                      </a:r>
+                      <a:endParaRPr lang="en-US" sz="1100">
+                        <a:effectLst/>
+                        <a:latin typeface="Calibri" panose="020F0502020204030204" pitchFamily="34" charset="0"/>
+                        <a:ea typeface="Calibri" panose="020F0502020204030204" pitchFamily="34" charset="0"/>
+                        <a:cs typeface="Times New Roman" panose="02020603050405020304" pitchFamily="18" charset="0"/>
+                      </a:endParaRPr>
+                    </a:p>
+                  </a:txBody>
+                  <a:tcPr marL="45720" marR="45720" marT="18415" marB="18415"/>
+                </a:tc>
+                <a:tc>
+                  <a:txBody>
+                    <a:bodyPr/>
+                    <a:lstStyle/>
+                    <a:p>
+                      <a:pPr marL="0" marR="0">
+                        <a:lnSpc>
+                          <a:spcPct val="107000"/>
+                        </a:lnSpc>
+                        <a:spcBef>
+                          <a:spcPts val="0"/>
+                        </a:spcBef>
+                        <a:spcAft>
+                          <a:spcPts val="0"/>
+                        </a:spcAft>
+                      </a:pPr>
+                      <a:r>
+                        <a:rPr lang="en-US" sz="1200">
+                          <a:effectLst/>
+                          <a:latin typeface="Arial" panose="020B0604020202020204" pitchFamily="34" charset="0"/>
+                          <a:ea typeface="Times New Roman" panose="02020603050405020304" pitchFamily="18" charset="0"/>
+                          <a:cs typeface="Times New Roman" panose="02020603050405020304" pitchFamily="18" charset="0"/>
+                        </a:rPr>
+                        <a:t>Add horizontal scrolling to Outline view</a:t>
+                      </a:r>
+                      <a:endParaRPr lang="en-US" sz="1100">
+                        <a:effectLst/>
+                        <a:latin typeface="Calibri" panose="020F0502020204030204" pitchFamily="34" charset="0"/>
+                        <a:ea typeface="Calibri" panose="020F0502020204030204" pitchFamily="34" charset="0"/>
+                        <a:cs typeface="Times New Roman" panose="02020603050405020304" pitchFamily="18" charset="0"/>
+                      </a:endParaRPr>
+                    </a:p>
+                  </a:txBody>
+                  <a:tcPr marL="45720" marR="45720" marT="18415" marB="18415"/>
+                </a:tc>
+              </a:tr>
+              <a:tr h="370840">
+                <a:tc>
+                  <a:txBody>
+                    <a:bodyPr/>
+                    <a:lstStyle/>
+                    <a:p>
+                      <a:pPr marL="0" marR="0">
+                        <a:lnSpc>
+                          <a:spcPct val="107000"/>
+                        </a:lnSpc>
+                        <a:spcBef>
+                          <a:spcPts val="0"/>
+                        </a:spcBef>
+                        <a:spcAft>
+                          <a:spcPts val="0"/>
+                        </a:spcAft>
+                      </a:pPr>
+                      <a:r>
+                        <a:rPr lang="en-US" sz="1200">
+                          <a:effectLst/>
+                          <a:latin typeface="Arial" panose="020B0604020202020204" pitchFamily="34" charset="0"/>
+                          <a:ea typeface="Times New Roman" panose="02020603050405020304" pitchFamily="18" charset="0"/>
+                          <a:cs typeface="Times New Roman" panose="02020603050405020304" pitchFamily="18" charset="0"/>
+                        </a:rPr>
+                        <a:t>Oauth facebook, google etc</a:t>
+                      </a:r>
+                      <a:endParaRPr lang="en-US" sz="1100">
+                        <a:effectLst/>
+                        <a:latin typeface="Calibri" panose="020F0502020204030204" pitchFamily="34" charset="0"/>
+                        <a:ea typeface="Calibri" panose="020F0502020204030204" pitchFamily="34" charset="0"/>
+                        <a:cs typeface="Times New Roman" panose="02020603050405020304" pitchFamily="18" charset="0"/>
+                      </a:endParaRPr>
+                    </a:p>
+                  </a:txBody>
+                  <a:tcPr marL="45720" marR="45720" marT="18415" marB="18415"/>
+                </a:tc>
+                <a:tc>
+                  <a:txBody>
+                    <a:bodyPr/>
+                    <a:lstStyle/>
+                    <a:p>
+                      <a:pPr marL="0" marR="0">
+                        <a:lnSpc>
+                          <a:spcPct val="107000"/>
+                        </a:lnSpc>
+                        <a:spcBef>
+                          <a:spcPts val="0"/>
+                        </a:spcBef>
+                        <a:spcAft>
+                          <a:spcPts val="0"/>
+                        </a:spcAft>
+                      </a:pPr>
+                      <a:r>
+                        <a:rPr lang="en-US" sz="1200">
+                          <a:effectLst/>
+                          <a:latin typeface="Arial" panose="020B0604020202020204" pitchFamily="34" charset="0"/>
+                          <a:ea typeface="Times New Roman" panose="02020603050405020304" pitchFamily="18" charset="0"/>
+                          <a:cs typeface="Times New Roman" panose="02020603050405020304" pitchFamily="18" charset="0"/>
+                        </a:rPr>
+                        <a:t>Make Glyphicons in tree/outline/task consistent</a:t>
+                      </a:r>
+                      <a:endParaRPr lang="en-US" sz="1100">
+                        <a:effectLst/>
+                        <a:latin typeface="Calibri" panose="020F0502020204030204" pitchFamily="34" charset="0"/>
+                        <a:ea typeface="Calibri" panose="020F0502020204030204" pitchFamily="34" charset="0"/>
+                        <a:cs typeface="Times New Roman" panose="02020603050405020304" pitchFamily="18" charset="0"/>
+                      </a:endParaRPr>
+                    </a:p>
+                  </a:txBody>
+                  <a:tcPr marL="45720" marR="45720" marT="18415" marB="18415"/>
+                </a:tc>
+                <a:tc>
+                  <a:txBody>
+                    <a:bodyPr/>
+                    <a:lstStyle/>
+                    <a:p>
+                      <a:pPr marL="0" marR="0">
+                        <a:lnSpc>
+                          <a:spcPct val="107000"/>
+                        </a:lnSpc>
+                        <a:spcBef>
+                          <a:spcPts val="0"/>
+                        </a:spcBef>
+                        <a:spcAft>
+                          <a:spcPts val="0"/>
+                        </a:spcAft>
+                      </a:pPr>
+                      <a:r>
+                        <a:rPr lang="en-US" sz="1200">
+                          <a:effectLst/>
+                          <a:latin typeface="Arial" panose="020B0604020202020204" pitchFamily="34" charset="0"/>
+                          <a:ea typeface="Times New Roman" panose="02020603050405020304" pitchFamily="18" charset="0"/>
+                          <a:cs typeface="Times New Roman" panose="02020603050405020304" pitchFamily="18" charset="0"/>
+                        </a:rPr>
+                        <a:t>Dispose Method on projectcontrller is commented out</a:t>
+                      </a:r>
+                      <a:endParaRPr lang="en-US" sz="1100">
+                        <a:effectLst/>
+                        <a:latin typeface="Calibri" panose="020F0502020204030204" pitchFamily="34" charset="0"/>
+                        <a:ea typeface="Calibri" panose="020F0502020204030204" pitchFamily="34" charset="0"/>
+                        <a:cs typeface="Times New Roman" panose="02020603050405020304" pitchFamily="18" charset="0"/>
+                      </a:endParaRPr>
+                    </a:p>
+                  </a:txBody>
+                  <a:tcPr marL="45720" marR="45720" marT="18415" marB="18415"/>
+                </a:tc>
+              </a:tr>
+              <a:tr h="370840">
+                <a:tc>
+                  <a:txBody>
+                    <a:bodyPr/>
+                    <a:lstStyle/>
+                    <a:p>
+                      <a:pPr marL="0" marR="0">
+                        <a:lnSpc>
+                          <a:spcPct val="107000"/>
+                        </a:lnSpc>
+                        <a:spcBef>
+                          <a:spcPts val="0"/>
+                        </a:spcBef>
+                        <a:spcAft>
+                          <a:spcPts val="0"/>
+                        </a:spcAft>
+                      </a:pPr>
+                      <a:r>
+                        <a:rPr lang="en-US" sz="1200">
+                          <a:effectLst/>
+                          <a:latin typeface="Arial" panose="020B0604020202020204" pitchFamily="34" charset="0"/>
+                          <a:ea typeface="Times New Roman" panose="02020603050405020304" pitchFamily="18" charset="0"/>
+                          <a:cs typeface="Times New Roman" panose="02020603050405020304" pitchFamily="18" charset="0"/>
+                        </a:rPr>
+                        <a:t>When task is completed, fireworks, congratulations...</a:t>
+                      </a:r>
+                      <a:endParaRPr lang="en-US" sz="1100">
+                        <a:effectLst/>
+                        <a:latin typeface="Calibri" panose="020F0502020204030204" pitchFamily="34" charset="0"/>
+                        <a:ea typeface="Calibri" panose="020F0502020204030204" pitchFamily="34" charset="0"/>
+                        <a:cs typeface="Times New Roman" panose="02020603050405020304" pitchFamily="18" charset="0"/>
+                      </a:endParaRPr>
+                    </a:p>
+                  </a:txBody>
+                  <a:tcPr marL="45720" marR="45720" marT="18415" marB="18415"/>
+                </a:tc>
+                <a:tc>
+                  <a:txBody>
+                    <a:bodyPr/>
+                    <a:lstStyle/>
+                    <a:p>
+                      <a:pPr marL="0" marR="0">
+                        <a:lnSpc>
+                          <a:spcPct val="107000"/>
+                        </a:lnSpc>
+                        <a:spcBef>
+                          <a:spcPts val="0"/>
+                        </a:spcBef>
+                        <a:spcAft>
+                          <a:spcPts val="0"/>
+                        </a:spcAft>
+                      </a:pPr>
+                      <a:r>
+                        <a:rPr lang="en-US" sz="1200">
+                          <a:effectLst/>
+                          <a:latin typeface="Arial" panose="020B0604020202020204" pitchFamily="34" charset="0"/>
+                          <a:ea typeface="Times New Roman" panose="02020603050405020304" pitchFamily="18" charset="0"/>
+                          <a:cs typeface="Times New Roman" panose="02020603050405020304" pitchFamily="18" charset="0"/>
+                        </a:rPr>
+                        <a:t>Improve Root default values</a:t>
+                      </a:r>
+                      <a:endParaRPr lang="en-US" sz="1100">
+                        <a:effectLst/>
+                        <a:latin typeface="Calibri" panose="020F0502020204030204" pitchFamily="34" charset="0"/>
+                        <a:ea typeface="Calibri" panose="020F0502020204030204" pitchFamily="34" charset="0"/>
+                        <a:cs typeface="Times New Roman" panose="02020603050405020304" pitchFamily="18" charset="0"/>
+                      </a:endParaRPr>
+                    </a:p>
+                  </a:txBody>
+                  <a:tcPr marL="45720" marR="45720" marT="18415" marB="18415"/>
+                </a:tc>
+                <a:tc>
+                  <a:txBody>
+                    <a:bodyPr/>
+                    <a:lstStyle/>
+                    <a:p>
+                      <a:pPr marL="0" marR="0">
+                        <a:lnSpc>
+                          <a:spcPct val="107000"/>
+                        </a:lnSpc>
+                        <a:spcBef>
+                          <a:spcPts val="0"/>
+                        </a:spcBef>
+                        <a:spcAft>
+                          <a:spcPts val="0"/>
+                        </a:spcAft>
+                      </a:pPr>
+                      <a:r>
+                        <a:rPr lang="en-US" sz="1200">
+                          <a:effectLst/>
+                          <a:latin typeface="Arial" panose="020B0604020202020204" pitchFamily="34" charset="0"/>
+                          <a:ea typeface="Times New Roman" panose="02020603050405020304" pitchFamily="18" charset="0"/>
+                          <a:cs typeface="Times New Roman" panose="02020603050405020304" pitchFamily="18" charset="0"/>
+                        </a:rPr>
+                        <a:t>Tree view javascript has maximumId = 500...don't know what this does.</a:t>
+                      </a:r>
+                      <a:endParaRPr lang="en-US" sz="1100">
+                        <a:effectLst/>
+                        <a:latin typeface="Calibri" panose="020F0502020204030204" pitchFamily="34" charset="0"/>
+                        <a:ea typeface="Calibri" panose="020F0502020204030204" pitchFamily="34" charset="0"/>
+                        <a:cs typeface="Times New Roman" panose="02020603050405020304" pitchFamily="18" charset="0"/>
+                      </a:endParaRPr>
+                    </a:p>
+                  </a:txBody>
+                  <a:tcPr marL="45720" marR="45720" marT="18415" marB="18415"/>
+                </a:tc>
+              </a:tr>
+              <a:tr h="370840">
+                <a:tc>
+                  <a:txBody>
+                    <a:bodyPr/>
+                    <a:lstStyle/>
+                    <a:p>
+                      <a:pPr marL="0" marR="0">
+                        <a:lnSpc>
+                          <a:spcPct val="107000"/>
+                        </a:lnSpc>
+                        <a:spcBef>
+                          <a:spcPts val="0"/>
+                        </a:spcBef>
+                        <a:spcAft>
+                          <a:spcPts val="0"/>
+                        </a:spcAft>
+                      </a:pPr>
+                      <a:r>
+                        <a:rPr lang="en-US" sz="1200">
+                          <a:effectLst/>
+                          <a:latin typeface="Arial" panose="020B0604020202020204" pitchFamily="34" charset="0"/>
+                          <a:ea typeface="Times New Roman" panose="02020603050405020304" pitchFamily="18" charset="0"/>
+                          <a:cs typeface="Times New Roman" panose="02020603050405020304" pitchFamily="18" charset="0"/>
+                        </a:rPr>
+                        <a:t>better tree navigation, grab drag and drop</a:t>
+                      </a:r>
+                      <a:endParaRPr lang="en-US" sz="1100">
+                        <a:effectLst/>
+                        <a:latin typeface="Calibri" panose="020F0502020204030204" pitchFamily="34" charset="0"/>
+                        <a:ea typeface="Calibri" panose="020F0502020204030204" pitchFamily="34" charset="0"/>
+                        <a:cs typeface="Times New Roman" panose="02020603050405020304" pitchFamily="18" charset="0"/>
+                      </a:endParaRPr>
+                    </a:p>
+                  </a:txBody>
+                  <a:tcPr marL="45720" marR="45720" marT="18415" marB="18415"/>
+                </a:tc>
+                <a:tc>
+                  <a:txBody>
+                    <a:bodyPr/>
+                    <a:lstStyle/>
+                    <a:p>
+                      <a:pPr marL="0" marR="0">
+                        <a:lnSpc>
+                          <a:spcPct val="107000"/>
+                        </a:lnSpc>
+                        <a:spcBef>
+                          <a:spcPts val="0"/>
+                        </a:spcBef>
+                        <a:spcAft>
+                          <a:spcPts val="0"/>
+                        </a:spcAft>
+                      </a:pPr>
+                      <a:r>
+                        <a:rPr lang="en-US" sz="1200">
+                          <a:effectLst/>
+                          <a:latin typeface="Arial" panose="020B0604020202020204" pitchFamily="34" charset="0"/>
+                          <a:ea typeface="Times New Roman" panose="02020603050405020304" pitchFamily="18" charset="0"/>
+                          <a:cs typeface="Times New Roman" panose="02020603050405020304" pitchFamily="18" charset="0"/>
+                        </a:rPr>
+                        <a:t>Add edit to tree view</a:t>
+                      </a:r>
+                      <a:endParaRPr lang="en-US" sz="1100">
+                        <a:effectLst/>
+                        <a:latin typeface="Calibri" panose="020F0502020204030204" pitchFamily="34" charset="0"/>
+                        <a:ea typeface="Calibri" panose="020F0502020204030204" pitchFamily="34" charset="0"/>
+                        <a:cs typeface="Times New Roman" panose="02020603050405020304" pitchFamily="18" charset="0"/>
+                      </a:endParaRPr>
+                    </a:p>
+                  </a:txBody>
+                  <a:tcPr marL="45720" marR="45720" marT="18415" marB="18415"/>
+                </a:tc>
+                <a:tc>
+                  <a:txBody>
+                    <a:bodyPr/>
+                    <a:lstStyle/>
+                    <a:p>
+                      <a:pPr marL="0" marR="0">
+                        <a:lnSpc>
+                          <a:spcPct val="107000"/>
+                        </a:lnSpc>
+                        <a:spcBef>
+                          <a:spcPts val="0"/>
+                        </a:spcBef>
+                        <a:spcAft>
+                          <a:spcPts val="0"/>
+                        </a:spcAft>
+                      </a:pPr>
+                      <a:r>
+                        <a:rPr lang="en-US" sz="1200">
+                          <a:effectLst/>
+                          <a:latin typeface="Arial" panose="020B0604020202020204" pitchFamily="34" charset="0"/>
+                          <a:ea typeface="Times New Roman" panose="02020603050405020304" pitchFamily="18" charset="0"/>
+                          <a:cs typeface="Times New Roman" panose="02020603050405020304" pitchFamily="18" charset="0"/>
+                        </a:rPr>
+                        <a:t>Project ID count has jumped...is there a max and how do we reset</a:t>
+                      </a:r>
+                      <a:endParaRPr lang="en-US" sz="1100">
+                        <a:effectLst/>
+                        <a:latin typeface="Calibri" panose="020F0502020204030204" pitchFamily="34" charset="0"/>
+                        <a:ea typeface="Calibri" panose="020F0502020204030204" pitchFamily="34" charset="0"/>
+                        <a:cs typeface="Times New Roman" panose="02020603050405020304" pitchFamily="18" charset="0"/>
+                      </a:endParaRPr>
+                    </a:p>
+                  </a:txBody>
+                  <a:tcPr marL="45720" marR="45720" marT="18415" marB="18415"/>
+                </a:tc>
+              </a:tr>
+              <a:tr h="370840">
+                <a:tc>
+                  <a:txBody>
+                    <a:bodyPr/>
+                    <a:lstStyle/>
+                    <a:p>
+                      <a:pPr marL="0" marR="0">
+                        <a:lnSpc>
+                          <a:spcPct val="107000"/>
+                        </a:lnSpc>
+                        <a:spcBef>
+                          <a:spcPts val="0"/>
+                        </a:spcBef>
+                        <a:spcAft>
+                          <a:spcPts val="0"/>
+                        </a:spcAft>
+                      </a:pPr>
+                      <a:r>
+                        <a:rPr lang="en-US" sz="1200" dirty="0">
+                          <a:effectLst/>
+                          <a:latin typeface="Arial" panose="020B0604020202020204" pitchFamily="34" charset="0"/>
+                          <a:ea typeface="Times New Roman" panose="02020603050405020304" pitchFamily="18" charset="0"/>
+                          <a:cs typeface="Times New Roman" panose="02020603050405020304" pitchFamily="18" charset="0"/>
+                        </a:rPr>
+                        <a:t>Project hours invested. So far we only have calendar time</a:t>
+                      </a:r>
+                      <a:endParaRPr lang="en-US" sz="1100" dirty="0">
+                        <a:effectLst/>
+                        <a:latin typeface="Calibri" panose="020F0502020204030204" pitchFamily="34" charset="0"/>
+                        <a:ea typeface="Calibri" panose="020F0502020204030204" pitchFamily="34" charset="0"/>
+                        <a:cs typeface="Times New Roman" panose="02020603050405020304" pitchFamily="18" charset="0"/>
+                      </a:endParaRPr>
+                    </a:p>
+                  </a:txBody>
+                  <a:tcPr marL="45720" marR="45720" marT="18415" marB="18415"/>
+                </a:tc>
+                <a:tc>
+                  <a:txBody>
+                    <a:bodyPr/>
+                    <a:lstStyle/>
+                    <a:p>
+                      <a:pPr marL="0" marR="0">
+                        <a:lnSpc>
+                          <a:spcPct val="107000"/>
+                        </a:lnSpc>
+                        <a:spcBef>
+                          <a:spcPts val="0"/>
+                        </a:spcBef>
+                        <a:spcAft>
+                          <a:spcPts val="0"/>
+                        </a:spcAft>
+                      </a:pPr>
+                      <a:r>
+                        <a:rPr lang="en-US" sz="1200" dirty="0">
+                          <a:effectLst/>
+                          <a:latin typeface="Arial" panose="020B0604020202020204" pitchFamily="34" charset="0"/>
+                          <a:ea typeface="Times New Roman" panose="02020603050405020304" pitchFamily="18" charset="0"/>
+                          <a:cs typeface="Times New Roman" panose="02020603050405020304" pitchFamily="18" charset="0"/>
+                        </a:rPr>
+                        <a:t>Make completed projects View.</a:t>
+                      </a:r>
+                      <a:endParaRPr lang="en-US" sz="1100" dirty="0">
+                        <a:effectLst/>
+                        <a:latin typeface="Calibri" panose="020F0502020204030204" pitchFamily="34" charset="0"/>
+                        <a:ea typeface="Calibri" panose="020F0502020204030204" pitchFamily="34" charset="0"/>
+                        <a:cs typeface="Times New Roman" panose="02020603050405020304" pitchFamily="18" charset="0"/>
+                      </a:endParaRPr>
+                    </a:p>
+                  </a:txBody>
+                  <a:tcPr marL="45720" marR="45720" marT="18415" marB="18415"/>
+                </a:tc>
+                <a:tc>
+                  <a:txBody>
+                    <a:bodyPr/>
+                    <a:lstStyle/>
+                    <a:p>
+                      <a:pPr marL="0" marR="0">
+                        <a:lnSpc>
+                          <a:spcPct val="107000"/>
+                        </a:lnSpc>
+                        <a:spcBef>
+                          <a:spcPts val="0"/>
+                        </a:spcBef>
+                        <a:spcAft>
+                          <a:spcPts val="0"/>
+                        </a:spcAft>
+                      </a:pPr>
+                      <a:r>
+                        <a:rPr lang="en-US" sz="1200" dirty="0">
+                          <a:effectLst/>
+                          <a:latin typeface="Arial" panose="020B0604020202020204" pitchFamily="34" charset="0"/>
+                          <a:ea typeface="Times New Roman" panose="02020603050405020304" pitchFamily="18" charset="0"/>
+                          <a:cs typeface="Times New Roman" panose="02020603050405020304" pitchFamily="18" charset="0"/>
+                        </a:rPr>
+                        <a:t>Organize, Bundle, Minify </a:t>
+                      </a:r>
+                      <a:r>
+                        <a:rPr lang="en-US" sz="1200" dirty="0" err="1">
+                          <a:effectLst/>
+                          <a:latin typeface="Arial" panose="020B0604020202020204" pitchFamily="34" charset="0"/>
+                          <a:ea typeface="Times New Roman" panose="02020603050405020304" pitchFamily="18" charset="0"/>
+                          <a:cs typeface="Times New Roman" panose="02020603050405020304" pitchFamily="18" charset="0"/>
+                        </a:rPr>
+                        <a:t>Javascript</a:t>
+                      </a:r>
+                      <a:endParaRPr lang="en-US" sz="1100" dirty="0">
+                        <a:effectLst/>
+                        <a:latin typeface="Calibri" panose="020F0502020204030204" pitchFamily="34" charset="0"/>
+                        <a:ea typeface="Calibri" panose="020F0502020204030204" pitchFamily="34" charset="0"/>
+                        <a:cs typeface="Times New Roman" panose="02020603050405020304" pitchFamily="18" charset="0"/>
+                      </a:endParaRPr>
+                    </a:p>
+                  </a:txBody>
+                  <a:tcPr marL="45720" marR="45720" marT="18415" marB="18415"/>
+                </a:tc>
+              </a:tr>
+            </a:tbl>
+          </a:graphicData>
+        </a:graphic>
+      </p:graphicFrame>
     </p:spTree>
     <p:extLst>
       <p:ext uri="{BB962C8B-B14F-4D97-AF65-F5344CB8AC3E}">
-        <p14:creationId xmlns:p14="http://schemas.microsoft.com/office/powerpoint/2010/main" val="1315062242"/>
+        <p14:creationId xmlns:p14="http://schemas.microsoft.com/office/powerpoint/2010/main" val="4221975140"/>
       </p:ext>
     </p:extLst>
   </p:cSld>
   <p:clrMapOvr>
     <a:masterClrMapping/>
   </p:clrMapOvr>
-  <p:timing>
-    <p:tnLst>
-      <p:par>
-        <p:cTn id="1" dur="indefinite" restart="never" nodeType="tmRoot">
-          <p:childTnLst>
-            <p:seq concurrent="1" nextAc="seek">
-              <p:cTn id="2" dur="indefinite" nodeType="mainSeq">
-                <p:childTnLst>
-                  <p:par>
-                    <p:cTn id="3" fill="hold">
-                      <p:stCondLst>
-                        <p:cond delay="indefinite"/>
-                        <p:cond evt="onBegin" delay="0">
-                          <p:tn val="2"/>
-                        </p:cond>
-                      </p:stCondLst>
-                      <p:childTnLst>
-                        <p:par>
-                          <p:cTn id="4" fill="hold">
-                            <p:stCondLst>
-                              <p:cond delay="0"/>
-                            </p:stCondLst>
-                            <p:childTnLst>
-                              <p:par>
-                                <p:cTn id="5" presetID="10" presetClass="entr" presetSubtype="0" fill="hold" grpId="0" nodeType="afterEffect">
-                                  <p:stCondLst>
-                                    <p:cond delay="500"/>
-                                  </p:stCondLst>
-                                  <p:childTnLst>
-                                    <p:set>
-                                      <p:cBhvr>
-                                        <p:cTn id="6" dur="1" fill="hold">
-                                          <p:stCondLst>
-                                            <p:cond delay="0"/>
-                                          </p:stCondLst>
-                                        </p:cTn>
-                                        <p:tgtEl>
-                                          <p:spTgt spid="5"/>
-                                        </p:tgtEl>
-                                        <p:attrNameLst>
-                                          <p:attrName>style.visibility</p:attrName>
-                                        </p:attrNameLst>
-                                      </p:cBhvr>
-                                      <p:to>
-                                        <p:strVal val="visible"/>
-                                      </p:to>
-                                    </p:set>
-                                    <p:animEffect transition="in" filter="fade">
-                                      <p:cBhvr>
-                                        <p:cTn id="7" dur="500"/>
-                                        <p:tgtEl>
-                                          <p:spTgt spid="5"/>
-                                        </p:tgtEl>
-                                      </p:cBhvr>
-                                    </p:animEffect>
-                                  </p:childTnLst>
-                                </p:cTn>
-                              </p:par>
-                            </p:childTnLst>
-                          </p:cTn>
-                        </p:par>
-                        <p:par>
-                          <p:cTn id="8" fill="hold">
-                            <p:stCondLst>
-                              <p:cond delay="1000"/>
-                            </p:stCondLst>
-                            <p:childTnLst>
-                              <p:par>
-                                <p:cTn id="9" presetID="10" presetClass="entr" presetSubtype="0" fill="hold" nodeType="afterEffect">
-                                  <p:stCondLst>
-                                    <p:cond delay="0"/>
-                                  </p:stCondLst>
-                                  <p:childTnLst>
-                                    <p:set>
-                                      <p:cBhvr>
-                                        <p:cTn id="10" dur="1" fill="hold">
-                                          <p:stCondLst>
-                                            <p:cond delay="0"/>
-                                          </p:stCondLst>
-                                        </p:cTn>
-                                        <p:tgtEl>
-                                          <p:spTgt spid="4"/>
-                                        </p:tgtEl>
-                                        <p:attrNameLst>
-                                          <p:attrName>style.visibility</p:attrName>
-                                        </p:attrNameLst>
-                                      </p:cBhvr>
-                                      <p:to>
-                                        <p:strVal val="visible"/>
-                                      </p:to>
-                                    </p:set>
-                                    <p:animEffect transition="in" filter="fade">
-                                      <p:cBhvr>
-                                        <p:cTn id="11" dur="250"/>
-                                        <p:tgtEl>
-                                          <p:spTgt spid="4"/>
-                                        </p:tgtEl>
-                                      </p:cBhvr>
-                                    </p:animEffect>
-                                  </p:childTnLst>
-                                </p:cTn>
-                              </p:par>
-                            </p:childTnLst>
-                          </p:cTn>
-                        </p:par>
-                      </p:childTnLst>
-                    </p:cTn>
-                  </p:par>
-                  <p:par>
-                    <p:cTn id="12" fill="hold">
-                      <p:stCondLst>
-                        <p:cond delay="indefinite"/>
-                      </p:stCondLst>
-                      <p:childTnLst>
-                        <p:par>
-                          <p:cTn id="13" fill="hold">
-                            <p:stCondLst>
-                              <p:cond delay="0"/>
-                            </p:stCondLst>
-                            <p:childTnLst>
-                              <p:par>
-                                <p:cTn id="14" presetID="10" presetClass="entr" presetSubtype="0" fill="hold" nodeType="clickEffect">
-                                  <p:stCondLst>
-                                    <p:cond delay="0"/>
-                                  </p:stCondLst>
-                                  <p:childTnLst>
-                                    <p:set>
-                                      <p:cBhvr>
-                                        <p:cTn id="15" dur="1" fill="hold">
-                                          <p:stCondLst>
-                                            <p:cond delay="0"/>
-                                          </p:stCondLst>
-                                        </p:cTn>
-                                        <p:tgtEl>
-                                          <p:spTgt spid="7"/>
-                                        </p:tgtEl>
-                                        <p:attrNameLst>
-                                          <p:attrName>style.visibility</p:attrName>
-                                        </p:attrNameLst>
-                                      </p:cBhvr>
-                                      <p:to>
-                                        <p:strVal val="visible"/>
-                                      </p:to>
-                                    </p:set>
-                                    <p:animEffect transition="in" filter="fade">
-                                      <p:cBhvr>
-                                        <p:cTn id="16" dur="500"/>
-                                        <p:tgtEl>
-                                          <p:spTgt spid="7"/>
-                                        </p:tgtEl>
-                                      </p:cBhvr>
-                                    </p:animEffect>
-                                  </p:childTnLst>
-                                </p:cTn>
-                              </p:par>
-                              <p:par>
-                                <p:cTn id="17" presetID="10" presetClass="entr" presetSubtype="0" fill="hold" grpId="0" nodeType="withEffect">
-                                  <p:stCondLst>
-                                    <p:cond delay="0"/>
-                                  </p:stCondLst>
-                                  <p:childTnLst>
-                                    <p:set>
-                                      <p:cBhvr>
-                                        <p:cTn id="18" dur="1" fill="hold">
-                                          <p:stCondLst>
-                                            <p:cond delay="0"/>
-                                          </p:stCondLst>
-                                        </p:cTn>
-                                        <p:tgtEl>
-                                          <p:spTgt spid="6"/>
-                                        </p:tgtEl>
-                                        <p:attrNameLst>
-                                          <p:attrName>style.visibility</p:attrName>
-                                        </p:attrNameLst>
-                                      </p:cBhvr>
-                                      <p:to>
-                                        <p:strVal val="visible"/>
-                                      </p:to>
-                                    </p:set>
-                                    <p:animEffect transition="in" filter="fade">
-                                      <p:cBhvr>
-                                        <p:cTn id="19" dur="500"/>
-                                        <p:tgtEl>
-                                          <p:spTgt spid="6"/>
-                                        </p:tgtEl>
-                                      </p:cBhvr>
-                                    </p:animEffect>
-                                  </p:childTnLst>
-                                </p:cTn>
-                              </p:par>
-                            </p:childTnLst>
-                          </p:cTn>
-                        </p:par>
-                      </p:childTnLst>
-                    </p:cTn>
-                  </p:par>
-                  <p:par>
-                    <p:cTn id="20" fill="hold">
-                      <p:stCondLst>
-                        <p:cond delay="indefinite"/>
-                      </p:stCondLst>
-                      <p:childTnLst>
-                        <p:par>
-                          <p:cTn id="21" fill="hold">
-                            <p:stCondLst>
-                              <p:cond delay="0"/>
-                            </p:stCondLst>
-                            <p:childTnLst>
-                              <p:par>
-                                <p:cTn id="22" presetID="10" presetClass="entr" presetSubtype="0" fill="hold" nodeType="clickEffect">
-                                  <p:stCondLst>
-                                    <p:cond delay="0"/>
-                                  </p:stCondLst>
-                                  <p:childTnLst>
-                                    <p:set>
-                                      <p:cBhvr>
-                                        <p:cTn id="23" dur="1" fill="hold">
-                                          <p:stCondLst>
-                                            <p:cond delay="0"/>
-                                          </p:stCondLst>
-                                        </p:cTn>
-                                        <p:tgtEl>
-                                          <p:spTgt spid="9"/>
-                                        </p:tgtEl>
-                                        <p:attrNameLst>
-                                          <p:attrName>style.visibility</p:attrName>
-                                        </p:attrNameLst>
-                                      </p:cBhvr>
-                                      <p:to>
-                                        <p:strVal val="visible"/>
-                                      </p:to>
-                                    </p:set>
-                                    <p:animEffect transition="in" filter="fade">
-                                      <p:cBhvr>
-                                        <p:cTn id="24" dur="500"/>
-                                        <p:tgtEl>
-                                          <p:spTgt spid="9"/>
-                                        </p:tgtEl>
-                                      </p:cBhvr>
-                                    </p:animEffect>
-                                  </p:childTnLst>
-                                </p:cTn>
-                              </p:par>
-                              <p:par>
-                                <p:cTn id="25" presetID="10" presetClass="entr" presetSubtype="0" fill="hold" grpId="0" nodeType="withEffect">
-                                  <p:stCondLst>
-                                    <p:cond delay="0"/>
-                                  </p:stCondLst>
-                                  <p:childTnLst>
-                                    <p:set>
-                                      <p:cBhvr>
-                                        <p:cTn id="26" dur="1" fill="hold">
-                                          <p:stCondLst>
-                                            <p:cond delay="0"/>
-                                          </p:stCondLst>
-                                        </p:cTn>
-                                        <p:tgtEl>
-                                          <p:spTgt spid="8"/>
-                                        </p:tgtEl>
-                                        <p:attrNameLst>
-                                          <p:attrName>style.visibility</p:attrName>
-                                        </p:attrNameLst>
-                                      </p:cBhvr>
-                                      <p:to>
-                                        <p:strVal val="visible"/>
-                                      </p:to>
-                                    </p:set>
-                                    <p:animEffect transition="in" filter="fade">
-                                      <p:cBhvr>
-                                        <p:cTn id="27" dur="500"/>
-                                        <p:tgtEl>
-                                          <p:spTgt spid="8"/>
-                                        </p:tgtEl>
-                                      </p:cBhvr>
-                                    </p:animEffect>
-                                  </p:childTnLst>
-                                </p:cTn>
-                              </p:par>
-                            </p:childTnLst>
-                          </p:cTn>
-                        </p:par>
-                      </p:childTnLst>
-                    </p:cTn>
-                  </p:par>
-                  <p:par>
-                    <p:cTn id="28" fill="hold">
-                      <p:stCondLst>
-                        <p:cond delay="indefinite"/>
-                      </p:stCondLst>
-                      <p:childTnLst>
-                        <p:par>
-                          <p:cTn id="29" fill="hold">
-                            <p:stCondLst>
-                              <p:cond delay="0"/>
-                            </p:stCondLst>
-                            <p:childTnLst>
-                              <p:par>
-                                <p:cTn id="30" presetID="10" presetClass="entr" presetSubtype="0" fill="hold" nodeType="clickEffect">
-                                  <p:stCondLst>
-                                    <p:cond delay="0"/>
-                                  </p:stCondLst>
-                                  <p:childTnLst>
-                                    <p:set>
-                                      <p:cBhvr>
-                                        <p:cTn id="31" dur="1" fill="hold">
-                                          <p:stCondLst>
-                                            <p:cond delay="0"/>
-                                          </p:stCondLst>
-                                        </p:cTn>
-                                        <p:tgtEl>
-                                          <p:spTgt spid="10"/>
-                                        </p:tgtEl>
-                                        <p:attrNameLst>
-                                          <p:attrName>style.visibility</p:attrName>
-                                        </p:attrNameLst>
-                                      </p:cBhvr>
-                                      <p:to>
-                                        <p:strVal val="visible"/>
-                                      </p:to>
-                                    </p:set>
-                                    <p:animEffect transition="in" filter="fade">
-                                      <p:cBhvr>
-                                        <p:cTn id="32" dur="500"/>
-                                        <p:tgtEl>
-                                          <p:spTgt spid="10"/>
-                                        </p:tgtEl>
-                                      </p:cBhvr>
-                                    </p:animEffect>
-                                  </p:childTnLst>
-                                </p:cTn>
-                              </p:par>
-                              <p:par>
-                                <p:cTn id="33" presetID="10" presetClass="entr" presetSubtype="0" fill="hold" grpId="0" nodeType="withEffect">
-                                  <p:stCondLst>
-                                    <p:cond delay="0"/>
-                                  </p:stCondLst>
-                                  <p:childTnLst>
-                                    <p:set>
-                                      <p:cBhvr>
-                                        <p:cTn id="34" dur="1" fill="hold">
-                                          <p:stCondLst>
-                                            <p:cond delay="0"/>
-                                          </p:stCondLst>
-                                        </p:cTn>
-                                        <p:tgtEl>
-                                          <p:spTgt spid="14"/>
-                                        </p:tgtEl>
-                                        <p:attrNameLst>
-                                          <p:attrName>style.visibility</p:attrName>
-                                        </p:attrNameLst>
-                                      </p:cBhvr>
-                                      <p:to>
-                                        <p:strVal val="visible"/>
-                                      </p:to>
-                                    </p:set>
-                                    <p:animEffect transition="in" filter="fade">
-                                      <p:cBhvr>
-                                        <p:cTn id="35" dur="500"/>
-                                        <p:tgtEl>
-                                          <p:spTgt spid="14"/>
-                                        </p:tgtEl>
-                                      </p:cBhvr>
-                                    </p:animEffect>
-                                  </p:childTnLst>
-                                </p:cTn>
-                              </p:par>
-                            </p:childTnLst>
-                          </p:cTn>
-                        </p:par>
-                      </p:childTnLst>
-                    </p:cTn>
-                  </p:par>
-                  <p:par>
-                    <p:cTn id="36" fill="hold">
-                      <p:stCondLst>
-                        <p:cond delay="indefinite"/>
-                      </p:stCondLst>
-                      <p:childTnLst>
-                        <p:par>
-                          <p:cTn id="37" fill="hold">
-                            <p:stCondLst>
-                              <p:cond delay="0"/>
-                            </p:stCondLst>
-                            <p:childTnLst>
-                              <p:par>
-                                <p:cTn id="38" presetID="10" presetClass="entr" presetSubtype="0" fill="hold" nodeType="clickEffect">
-                                  <p:stCondLst>
-                                    <p:cond delay="0"/>
-                                  </p:stCondLst>
-                                  <p:childTnLst>
-                                    <p:set>
-                                      <p:cBhvr>
-                                        <p:cTn id="39" dur="1" fill="hold">
-                                          <p:stCondLst>
-                                            <p:cond delay="0"/>
-                                          </p:stCondLst>
-                                        </p:cTn>
-                                        <p:tgtEl>
-                                          <p:spTgt spid="11"/>
-                                        </p:tgtEl>
-                                        <p:attrNameLst>
-                                          <p:attrName>style.visibility</p:attrName>
-                                        </p:attrNameLst>
-                                      </p:cBhvr>
-                                      <p:to>
-                                        <p:strVal val="visible"/>
-                                      </p:to>
-                                    </p:set>
-                                    <p:animEffect transition="in" filter="fade">
-                                      <p:cBhvr>
-                                        <p:cTn id="40" dur="500"/>
-                                        <p:tgtEl>
-                                          <p:spTgt spid="11"/>
-                                        </p:tgtEl>
-                                      </p:cBhvr>
-                                    </p:animEffect>
-                                  </p:childTnLst>
-                                </p:cTn>
-                              </p:par>
-                              <p:par>
-                                <p:cTn id="41" presetID="10" presetClass="entr" presetSubtype="0" fill="hold" grpId="0" nodeType="withEffect">
-                                  <p:stCondLst>
-                                    <p:cond delay="0"/>
-                                  </p:stCondLst>
-                                  <p:childTnLst>
-                                    <p:set>
-                                      <p:cBhvr>
-                                        <p:cTn id="42" dur="1" fill="hold">
-                                          <p:stCondLst>
-                                            <p:cond delay="0"/>
-                                          </p:stCondLst>
-                                        </p:cTn>
-                                        <p:tgtEl>
-                                          <p:spTgt spid="15"/>
-                                        </p:tgtEl>
-                                        <p:attrNameLst>
-                                          <p:attrName>style.visibility</p:attrName>
-                                        </p:attrNameLst>
-                                      </p:cBhvr>
-                                      <p:to>
-                                        <p:strVal val="visible"/>
-                                      </p:to>
-                                    </p:set>
-                                    <p:animEffect transition="in" filter="fade">
-                                      <p:cBhvr>
-                                        <p:cTn id="43" dur="500"/>
-                                        <p:tgtEl>
-                                          <p:spTgt spid="15"/>
-                                        </p:tgtEl>
-                                      </p:cBhvr>
-                                    </p:animEffect>
-                                  </p:childTnLst>
-                                </p:cTn>
-                              </p:par>
-                            </p:childTnLst>
-                          </p:cTn>
-                        </p:par>
-                      </p:childTnLst>
-                    </p:cTn>
-                  </p:par>
-                  <p:par>
-                    <p:cTn id="44" fill="hold">
-                      <p:stCondLst>
-                        <p:cond delay="indefinite"/>
-                      </p:stCondLst>
-                      <p:childTnLst>
-                        <p:par>
-                          <p:cTn id="45" fill="hold">
-                            <p:stCondLst>
-                              <p:cond delay="0"/>
-                            </p:stCondLst>
-                            <p:childTnLst>
-                              <p:par>
-                                <p:cTn id="46" presetID="10" presetClass="entr" presetSubtype="0" fill="hold" nodeType="clickEffect">
-                                  <p:stCondLst>
-                                    <p:cond delay="0"/>
-                                  </p:stCondLst>
-                                  <p:childTnLst>
-                                    <p:set>
-                                      <p:cBhvr>
-                                        <p:cTn id="47" dur="1" fill="hold">
-                                          <p:stCondLst>
-                                            <p:cond delay="0"/>
-                                          </p:stCondLst>
-                                        </p:cTn>
-                                        <p:tgtEl>
-                                          <p:spTgt spid="12"/>
-                                        </p:tgtEl>
-                                        <p:attrNameLst>
-                                          <p:attrName>style.visibility</p:attrName>
-                                        </p:attrNameLst>
-                                      </p:cBhvr>
-                                      <p:to>
-                                        <p:strVal val="visible"/>
-                                      </p:to>
-                                    </p:set>
-                                    <p:animEffect transition="in" filter="fade">
-                                      <p:cBhvr>
-                                        <p:cTn id="48" dur="500"/>
-                                        <p:tgtEl>
-                                          <p:spTgt spid="12"/>
-                                        </p:tgtEl>
-                                      </p:cBhvr>
-                                    </p:animEffect>
-                                  </p:childTnLst>
-                                </p:cTn>
-                              </p:par>
-                              <p:par>
-                                <p:cTn id="49" presetID="10" presetClass="entr" presetSubtype="0" fill="hold" grpId="0" nodeType="withEffect">
-                                  <p:stCondLst>
-                                    <p:cond delay="0"/>
-                                  </p:stCondLst>
-                                  <p:childTnLst>
-                                    <p:set>
-                                      <p:cBhvr>
-                                        <p:cTn id="50" dur="1" fill="hold">
-                                          <p:stCondLst>
-                                            <p:cond delay="0"/>
-                                          </p:stCondLst>
-                                        </p:cTn>
-                                        <p:tgtEl>
-                                          <p:spTgt spid="16"/>
-                                        </p:tgtEl>
-                                        <p:attrNameLst>
-                                          <p:attrName>style.visibility</p:attrName>
-                                        </p:attrNameLst>
-                                      </p:cBhvr>
-                                      <p:to>
-                                        <p:strVal val="visible"/>
-                                      </p:to>
-                                    </p:set>
-                                    <p:animEffect transition="in" filter="fade">
-                                      <p:cBhvr>
-                                        <p:cTn id="51" dur="500"/>
-                                        <p:tgtEl>
-                                          <p:spTgt spid="16"/>
-                                        </p:tgtEl>
-                                      </p:cBhvr>
-                                    </p:animEffect>
-                                  </p:childTnLst>
-                                </p:cTn>
-                              </p:par>
-                            </p:childTnLst>
-                          </p:cTn>
-                        </p:par>
-                      </p:childTnLst>
-                    </p:cTn>
-                  </p:par>
-                </p:childTnLst>
-              </p:cTn>
-              <p:prevCondLst>
-                <p:cond evt="onPrev" delay="0">
-                  <p:tgtEl>
-                    <p:sldTgt/>
-                  </p:tgtEl>
-                </p:cond>
-              </p:prevCondLst>
-              <p:nextCondLst>
-                <p:cond evt="onNext" delay="0">
-                  <p:tgtEl>
-                    <p:sldTgt/>
-                  </p:tgtEl>
-                </p:cond>
-              </p:nextCondLst>
-            </p:seq>
-          </p:childTnLst>
-        </p:cTn>
-      </p:par>
-    </p:tnLst>
-    <p:bldLst>
-      <p:bldP spid="5" grpId="0"/>
-      <p:bldP spid="6" grpId="0"/>
-      <p:bldP spid="8" grpId="0"/>
-      <p:bldP spid="14" grpId="0"/>
-      <p:bldP spid="15" grpId="0"/>
-      <p:bldP spid="16" grpId="0"/>
-    </p:bldLst>
-  </p:timing>
 </p:sld>
 </file>
 
@@ -10627,109 +10227,163 @@
             <a:spLocks noGrp="1"/>
           </p:cNvSpPr>
           <p:nvPr>
-            <p:ph type="ctrTitle"/>
+            <p:ph type="title"/>
           </p:nvPr>
         </p:nvSpPr>
-        <p:spPr>
-          <a:xfrm>
-            <a:off x="1298046" y="1911287"/>
-            <a:ext cx="7766936" cy="1646302"/>
-          </a:xfrm>
-        </p:spPr>
+        <p:spPr/>
         <p:txBody>
-          <a:bodyPr>
-            <a:normAutofit/>
-          </a:bodyPr>
+          <a:bodyPr/>
           <a:lstStyle/>
           <a:p>
-            <a:pPr algn="ctr"/>
-            <a:r>
-              <a:rPr lang="en-US" sz="7200" dirty="0" smtClean="0">
-                <a:latin typeface="Big Caslon"/>
-                <a:cs typeface="Big Caslon"/>
-              </a:rPr>
-              <a:t>Plan</a:t>
-            </a:r>
-            <a:r>
-              <a:rPr lang="en-US" sz="7200" i="1" dirty="0" smtClean="0">
-                <a:solidFill>
-                  <a:srgbClr val="7F7F7F"/>
-                </a:solidFill>
-                <a:latin typeface="Big Caslon"/>
-                <a:cs typeface="Big Caslon"/>
-              </a:rPr>
-              <a:t>it</a:t>
-            </a:r>
-            <a:r>
-              <a:rPr lang="en-US" sz="7200" dirty="0" smtClean="0">
-                <a:solidFill>
-                  <a:srgbClr val="7F7F7F"/>
-                </a:solidFill>
-                <a:latin typeface="Big Caslon"/>
-                <a:cs typeface="Big Caslon"/>
-              </a:rPr>
-              <a:t>!</a:t>
-            </a:r>
-            <a:endParaRPr lang="en-US" sz="7200" dirty="0">
-              <a:solidFill>
-                <a:srgbClr val="7F7F7F"/>
-              </a:solidFill>
-              <a:latin typeface="Big Caslon"/>
-              <a:cs typeface="Big Caslon"/>
-            </a:endParaRPr>
+            <a:endParaRPr lang="en-US"/>
           </a:p>
         </p:txBody>
       </p:sp>
-      <p:sp>
-        <p:nvSpPr>
-          <p:cNvPr id="6" name="Rectangle 5"/>
-          <p:cNvSpPr/>
-          <p:nvPr/>
-        </p:nvSpPr>
-        <p:spPr>
+      <p:pic>
+        <p:nvPicPr>
+          <p:cNvPr id="1026" name="Picture 2" descr="http://dotnetoffice.files.wordpress.com/2012/01/dotnetframework.png"/>
+          <p:cNvPicPr>
+            <a:picLocks noGrp="1" noChangeAspect="1" noChangeArrowheads="1"/>
+          </p:cNvPicPr>
+          <p:nvPr>
+            <p:ph idx="1"/>
+          </p:nvPr>
+        </p:nvPicPr>
+        <p:blipFill>
+          <a:blip r:embed="rId2">
+            <a:extLst>
+              <a:ext uri="{28A0092B-C50C-407E-A947-70E740481C1C}">
+                <a14:useLocalDpi xmlns:a14="http://schemas.microsoft.com/office/drawing/2010/main" val="0"/>
+              </a:ext>
+            </a:extLst>
+          </a:blip>
+          <a:srcRect/>
+          <a:stretch>
+            <a:fillRect/>
+          </a:stretch>
+        </p:blipFill>
+        <p:spPr bwMode="auto">
           <a:xfrm>
-            <a:off x="3919267" y="3393071"/>
-            <a:ext cx="2405850" cy="400110"/>
+            <a:off x="3035300" y="2160588"/>
+            <a:ext cx="3881437" cy="3881437"/>
           </a:xfrm>
           <a:prstGeom prst="rect">
             <a:avLst/>
           </a:prstGeom>
+          <a:noFill/>
+          <a:extLst>
+            <a:ext uri="{909E8E84-426E-40DD-AFC4-6F175D3DCCD1}">
+              <a14:hiddenFill xmlns:a14="http://schemas.microsoft.com/office/drawing/2010/main">
+                <a:solidFill>
+                  <a:srgbClr val="FFFFFF"/>
+                </a:solidFill>
+              </a14:hiddenFill>
+            </a:ext>
+          </a:extLst>
         </p:spPr>
-        <p:txBody>
-          <a:bodyPr wrap="none">
-            <a:spAutoFit/>
-          </a:bodyPr>
-          <a:lstStyle/>
-          <a:p>
-            <a:pPr algn="ctr"/>
-            <a:r>
-              <a:rPr lang="en-US" sz="2000" dirty="0">
-                <a:solidFill>
-                  <a:srgbClr val="70AD47"/>
-                </a:solidFill>
-              </a:rPr>
-              <a:t>We’re Here to Help</a:t>
-            </a:r>
-          </a:p>
-        </p:txBody>
-      </p:sp>
+      </p:pic>
     </p:spTree>
     <p:extLst>
       <p:ext uri="{BB962C8B-B14F-4D97-AF65-F5344CB8AC3E}">
-        <p14:creationId xmlns:p14="http://schemas.microsoft.com/office/powerpoint/2010/main" val="2624175973"/>
+        <p14:creationId xmlns:p14="http://schemas.microsoft.com/office/powerpoint/2010/main" val="3437912808"/>
       </p:ext>
     </p:extLst>
   </p:cSld>
   <p:clrMapOvr>
     <a:masterClrMapping/>
   </p:clrMapOvr>
-  <p:timing>
-    <p:tnLst>
-      <p:par>
-        <p:cTn id="1" dur="indefinite" restart="never" nodeType="tmRoot"/>
-      </p:par>
-    </p:tnLst>
-  </p:timing>
+</p:sld>
+</file>
+
+<file path=ppt/slides/slide12.xml><?xml version="1.0" encoding="utf-8"?>
+<p:sld xmlns:a="http://schemas.openxmlformats.org/drawingml/2006/main" xmlns:r="http://schemas.openxmlformats.org/officeDocument/2006/relationships" xmlns:p="http://schemas.openxmlformats.org/presentationml/2006/main">
+  <p:cSld>
+    <p:spTree>
+      <p:nvGrpSpPr>
+        <p:cNvPr id="1" name=""/>
+        <p:cNvGrpSpPr/>
+        <p:nvPr/>
+      </p:nvGrpSpPr>
+      <p:grpSpPr>
+        <a:xfrm>
+          <a:off x="0" y="0"/>
+          <a:ext cx="0" cy="0"/>
+          <a:chOff x="0" y="0"/>
+          <a:chExt cx="0" cy="0"/>
+        </a:xfrm>
+      </p:grpSpPr>
+      <p:sp>
+        <p:nvSpPr>
+          <p:cNvPr id="2" name="Title 1"/>
+          <p:cNvSpPr>
+            <a:spLocks noGrp="1"/>
+          </p:cNvSpPr>
+          <p:nvPr>
+            <p:ph type="title"/>
+          </p:nvPr>
+        </p:nvSpPr>
+        <p:spPr/>
+        <p:txBody>
+          <a:bodyPr/>
+          <a:lstStyle/>
+          <a:p>
+            <a:endParaRPr lang="en-US"/>
+          </a:p>
+        </p:txBody>
+      </p:sp>
+      <p:pic>
+        <p:nvPicPr>
+          <p:cNvPr id="2050" name="Picture 2" descr="http://www.hanselman.com/blog/content/binary/Windows-Live-Writer/Better-Web-Forms_DFB3/image_7.png"/>
+          <p:cNvPicPr>
+            <a:picLocks noGrp="1" noChangeAspect="1" noChangeArrowheads="1"/>
+          </p:cNvPicPr>
+          <p:nvPr>
+            <p:ph idx="1"/>
+          </p:nvPr>
+        </p:nvPicPr>
+        <p:blipFill>
+          <a:blip r:embed="rId2">
+            <a:extLst>
+              <a:ext uri="{28A0092B-C50C-407E-A947-70E740481C1C}">
+                <a14:useLocalDpi xmlns:a14="http://schemas.microsoft.com/office/drawing/2010/main" val="0"/>
+              </a:ext>
+            </a:extLst>
+          </a:blip>
+          <a:srcRect/>
+          <a:stretch>
+            <a:fillRect/>
+          </a:stretch>
+        </p:blipFill>
+        <p:spPr bwMode="auto">
+          <a:xfrm>
+            <a:off x="1789906" y="2248694"/>
+            <a:ext cx="6372225" cy="3705225"/>
+          </a:xfrm>
+          <a:prstGeom prst="rect">
+            <a:avLst/>
+          </a:prstGeom>
+          <a:noFill/>
+          <a:extLst>
+            <a:ext uri="{909E8E84-426E-40DD-AFC4-6F175D3DCCD1}">
+              <a14:hiddenFill xmlns:a14="http://schemas.microsoft.com/office/drawing/2010/main">
+                <a:solidFill>
+                  <a:srgbClr val="FFFFFF"/>
+                </a:solidFill>
+              </a14:hiddenFill>
+            </a:ext>
+          </a:extLst>
+        </p:spPr>
+      </p:pic>
+    </p:spTree>
+    <p:extLst>
+      <p:ext uri="{BB962C8B-B14F-4D97-AF65-F5344CB8AC3E}">
+        <p14:creationId xmlns:p14="http://schemas.microsoft.com/office/powerpoint/2010/main" val="2032094144"/>
+      </p:ext>
+    </p:extLst>
+  </p:cSld>
+  <p:clrMapOvr>
+    <a:masterClrMapping/>
+  </p:clrMapOvr>
 </p:sld>
 </file>
 
@@ -11784,149 +11438,6 @@
 </file>
 
 <file path=ppt/slides/slide4.xml><?xml version="1.0" encoding="utf-8"?>
-<p:sld xmlns:a="http://schemas.openxmlformats.org/drawingml/2006/main" xmlns:r="http://schemas.openxmlformats.org/officeDocument/2006/relationships" xmlns:p="http://schemas.openxmlformats.org/presentationml/2006/main">
-  <p:cSld>
-    <p:spTree>
-      <p:nvGrpSpPr>
-        <p:cNvPr id="1" name=""/>
-        <p:cNvGrpSpPr/>
-        <p:nvPr/>
-      </p:nvGrpSpPr>
-      <p:grpSpPr>
-        <a:xfrm>
-          <a:off x="0" y="0"/>
-          <a:ext cx="0" cy="0"/>
-          <a:chOff x="0" y="0"/>
-          <a:chExt cx="0" cy="0"/>
-        </a:xfrm>
-      </p:grpSpPr>
-      <p:sp>
-        <p:nvSpPr>
-          <p:cNvPr id="3" name="TextBox 2"/>
-          <p:cNvSpPr txBox="1"/>
-          <p:nvPr/>
-        </p:nvSpPr>
-        <p:spPr>
-          <a:xfrm>
-            <a:off x="2340771" y="612845"/>
-            <a:ext cx="6033454" cy="5045677"/>
-          </a:xfrm>
-          <a:prstGeom prst="rect">
-            <a:avLst/>
-          </a:prstGeom>
-        </p:spPr>
-        <p:txBody>
-          <a:bodyPr rtlCol="0">
-            <a:spAutoFit/>
-          </a:bodyPr>
-          <a:lstStyle/>
-          <a:p>
-            <a:pPr algn="ctr"/>
-            <a:endParaRPr lang="en-US" sz="3600" dirty="0">
-              <a:cs typeface="Calibri"/>
-            </a:endParaRPr>
-          </a:p>
-          <a:p>
-            <a:pPr algn="ctr"/>
-            <a:r>
-              <a:rPr lang="en-US" sz="3600" dirty="0">
-                <a:cs typeface="Calibri"/>
-              </a:rPr>
-              <a:t>Objectives</a:t>
-            </a:r>
-          </a:p>
-          <a:p>
-            <a:pPr algn="ctr"/>
-            <a:r>
-              <a:rPr lang="en-US" sz="3600" dirty="0">
-                <a:solidFill>
-                  <a:srgbClr val="70AD47"/>
-                </a:solidFill>
-                <a:cs typeface="Calibri"/>
-              </a:rPr>
-              <a:t>Problem Specification</a:t>
-            </a:r>
-          </a:p>
-          <a:p>
-            <a:pPr algn="ctr"/>
-            <a:r>
-              <a:rPr lang="en-US" sz="3600" dirty="0">
-                <a:solidFill>
-                  <a:srgbClr val="0C0C0C"/>
-                </a:solidFill>
-                <a:cs typeface="Calibri"/>
-              </a:rPr>
-              <a:t>Solution Process/Design</a:t>
-            </a:r>
-          </a:p>
-          <a:p>
-            <a:pPr algn="ctr"/>
-            <a:r>
-              <a:rPr lang="en-US" sz="3600" dirty="0">
-                <a:cs typeface="Calibri"/>
-              </a:rPr>
-              <a:t>Tools List</a:t>
-            </a:r>
-          </a:p>
-          <a:p>
-            <a:pPr algn="ctr"/>
-            <a:r>
-              <a:rPr lang="en-US" sz="3600" dirty="0">
-                <a:cs typeface="Calibri"/>
-              </a:rPr>
-              <a:t>Time Schedule</a:t>
-            </a:r>
-          </a:p>
-          <a:p>
-            <a:pPr algn="ctr"/>
-            <a:r>
-              <a:rPr lang="en-US" sz="3600" dirty="0">
-                <a:cs typeface="Calibri"/>
-              </a:rPr>
-              <a:t>List of Deliverables</a:t>
-            </a:r>
-          </a:p>
-          <a:p>
-            <a:pPr algn="ctr"/>
-            <a:r>
-              <a:rPr lang="en-US" sz="3600" dirty="0">
-                <a:cs typeface="Calibri"/>
-              </a:rPr>
-              <a:t>Grading Scheme</a:t>
-            </a:r>
-          </a:p>
-          <a:p>
-            <a:endParaRPr lang="en-US" sz="3388" dirty="0">
-              <a:solidFill>
-                <a:srgbClr val="000000"/>
-              </a:solidFill>
-              <a:latin typeface="Trebuchet MS"/>
-              <a:cs typeface="Calibri"/>
-            </a:endParaRPr>
-          </a:p>
-        </p:txBody>
-      </p:sp>
-    </p:spTree>
-    <p:extLst>
-      <p:ext uri="{BB962C8B-B14F-4D97-AF65-F5344CB8AC3E}">
-        <p14:creationId xmlns:p14="http://schemas.microsoft.com/office/powerpoint/2010/main" val="1972932664"/>
-      </p:ext>
-    </p:extLst>
-  </p:cSld>
-  <p:clrMapOvr>
-    <a:masterClrMapping/>
-  </p:clrMapOvr>
-  <p:timing>
-    <p:tnLst>
-      <p:par>
-        <p:cTn id="1" dur="indefinite" restart="never" nodeType="tmRoot"/>
-      </p:par>
-    </p:tnLst>
-  </p:timing>
-</p:sld>
-</file>
-
-<file path=ppt/slides/slide5.xml><?xml version="1.0" encoding="utf-8"?>
 <p:sld xmlns:a="http://schemas.openxmlformats.org/drawingml/2006/main" xmlns:r="http://schemas.openxmlformats.org/officeDocument/2006/relationships" xmlns:p="http://schemas.openxmlformats.org/presentationml/2006/main">
   <p:cSld>
     <p:spTree>
@@ -12962,7 +12473,7 @@
 </p:sld>
 </file>
 
-<file path=ppt/slides/slide6.xml><?xml version="1.0" encoding="utf-8"?>
+<file path=ppt/slides/slide5.xml><?xml version="1.0" encoding="utf-8"?>
 <p:sld xmlns:a="http://schemas.openxmlformats.org/drawingml/2006/main" xmlns:r="http://schemas.openxmlformats.org/officeDocument/2006/relationships" xmlns:p="http://schemas.openxmlformats.org/presentationml/2006/main">
   <p:cSld>
     <p:spTree>
@@ -14157,7 +13668,7 @@
 </p:sld>
 </file>
 
-<file path=ppt/slides/slide7.xml><?xml version="1.0" encoding="utf-8"?>
+<file path=ppt/slides/slide6.xml><?xml version="1.0" encoding="utf-8"?>
 <p:sld xmlns:a="http://schemas.openxmlformats.org/drawingml/2006/main" xmlns:r="http://schemas.openxmlformats.org/officeDocument/2006/relationships" xmlns:p="http://schemas.openxmlformats.org/presentationml/2006/main">
   <p:cSld>
     <p:spTree>
@@ -14239,947 +13750,7 @@
 </p:sld>
 </file>
 
-<file path=ppt/slides/slide8.xml><?xml version="1.0" encoding="utf-8"?>
-<p:sld xmlns:a="http://schemas.openxmlformats.org/drawingml/2006/main" xmlns:r="http://schemas.openxmlformats.org/officeDocument/2006/relationships" xmlns:p="http://schemas.openxmlformats.org/presentationml/2006/main">
-  <p:cSld>
-    <p:spTree>
-      <p:nvGrpSpPr>
-        <p:cNvPr id="1" name=""/>
-        <p:cNvGrpSpPr/>
-        <p:nvPr/>
-      </p:nvGrpSpPr>
-      <p:grpSpPr>
-        <a:xfrm>
-          <a:off x="0" y="0"/>
-          <a:ext cx="0" cy="0"/>
-          <a:chOff x="0" y="0"/>
-          <a:chExt cx="0" cy="0"/>
-        </a:xfrm>
-      </p:grpSpPr>
-      <p:sp>
-        <p:nvSpPr>
-          <p:cNvPr id="2" name="Title 1"/>
-          <p:cNvSpPr>
-            <a:spLocks noGrp="1"/>
-          </p:cNvSpPr>
-          <p:nvPr>
-            <p:ph type="title"/>
-          </p:nvPr>
-        </p:nvSpPr>
-        <p:spPr>
-          <a:xfrm>
-            <a:off x="606918" y="462466"/>
-            <a:ext cx="8596668" cy="1320800"/>
-          </a:xfrm>
-        </p:spPr>
-        <p:txBody>
-          <a:bodyPr/>
-          <a:lstStyle/>
-          <a:p>
-            <a:r>
-              <a:rPr lang="en-US"/>
-              <a:t>6 - 2 Week Sprints</a:t>
-            </a:r>
-          </a:p>
-        </p:txBody>
-      </p:sp>
-      <p:graphicFrame>
-        <p:nvGraphicFramePr>
-          <p:cNvPr id="6" name="Content Placeholder 5"/>
-          <p:cNvGraphicFramePr>
-            <a:graphicFrameLocks noGrp="1"/>
-          </p:cNvGraphicFramePr>
-          <p:nvPr>
-            <p:ph sz="half" idx="1"/>
-            <p:extLst>
-              <p:ext uri="{D42A27DB-BD31-4B8C-83A1-F6EECF244321}">
-                <p14:modId xmlns:p14="http://schemas.microsoft.com/office/powerpoint/2010/main" val="2356826726"/>
-              </p:ext>
-            </p:extLst>
-          </p:nvPr>
-        </p:nvGraphicFramePr>
-        <p:xfrm>
-          <a:off x="1840316" y="1121448"/>
-          <a:ext cx="6012841" cy="5333025"/>
-        </p:xfrm>
-        <a:graphic>
-          <a:graphicData uri="http://schemas.openxmlformats.org/drawingml/2006/table">
-            <a:tbl>
-              <a:tblPr firstRow="1" firstCol="1" bandRow="1">
-                <a:tableStyleId>{5C22544A-7EE6-4342-B048-85BDC9FD1C3A}</a:tableStyleId>
-              </a:tblPr>
-              <a:tblGrid>
-                <a:gridCol w="856641">
-                  <a:extLst>
-                    <a:ext uri="{9D8B030D-6E8A-4147-A177-3AD203B41FA5}">
-                      <a16:colId xmlns:a16="http://schemas.microsoft.com/office/drawing/2014/main" xmlns="" val="1667148043"/>
-                    </a:ext>
-                  </a:extLst>
-                </a:gridCol>
-                <a:gridCol w="5156200">
-                  <a:extLst>
-                    <a:ext uri="{9D8B030D-6E8A-4147-A177-3AD203B41FA5}">
-                      <a16:colId xmlns:a16="http://schemas.microsoft.com/office/drawing/2014/main" xmlns="" val="3002196032"/>
-                    </a:ext>
-                  </a:extLst>
-                </a:gridCol>
-              </a:tblGrid>
-              <a:tr h="215170">
-                <a:tc>
-                  <a:txBody>
-                    <a:bodyPr/>
-                    <a:lstStyle/>
-                    <a:p>
-                      <a:pPr marL="0" marR="0">
-                        <a:spcBef>
-                          <a:spcPts val="0"/>
-                        </a:spcBef>
-                        <a:spcAft>
-                          <a:spcPts val="0"/>
-                        </a:spcAft>
-                      </a:pPr>
-                      <a:r>
-                        <a:rPr lang="en-US" sz="1800" dirty="0">
-                          <a:effectLst/>
-                        </a:rPr>
-                        <a:t>Sprint</a:t>
-                      </a:r>
-                      <a:endParaRPr lang="en-US" sz="1800" dirty="0">
-                        <a:effectLst/>
-                        <a:latin typeface="Calibri" panose="020F0502020204030204" pitchFamily="34" charset="0"/>
-                        <a:ea typeface="Calibri" panose="020F0502020204030204" pitchFamily="34" charset="0"/>
-                        <a:cs typeface="Times New Roman" panose="02020603050405020304" pitchFamily="18" charset="0"/>
-                      </a:endParaRPr>
-                    </a:p>
-                  </a:txBody>
-                  <a:tcPr marL="68580" marR="68580" marT="0" marB="0">
-                    <a:solidFill>
-                      <a:srgbClr val="70AD47"/>
-                    </a:solidFill>
-                  </a:tcPr>
-                </a:tc>
-                <a:tc>
-                  <a:txBody>
-                    <a:bodyPr/>
-                    <a:lstStyle/>
-                    <a:p>
-                      <a:pPr marL="0" marR="0">
-                        <a:spcBef>
-                          <a:spcPts val="0"/>
-                        </a:spcBef>
-                        <a:spcAft>
-                          <a:spcPts val="0"/>
-                        </a:spcAft>
-                      </a:pPr>
-                      <a:r>
-                        <a:rPr lang="en-US" sz="1800" dirty="0">
-                          <a:effectLst/>
-                        </a:rPr>
-                        <a:t>Description</a:t>
-                      </a:r>
-                      <a:endParaRPr lang="en-US" sz="1800" dirty="0">
-                        <a:effectLst/>
-                        <a:latin typeface="Calibri" panose="020F0502020204030204" pitchFamily="34" charset="0"/>
-                        <a:ea typeface="Calibri" panose="020F0502020204030204" pitchFamily="34" charset="0"/>
-                        <a:cs typeface="Times New Roman" panose="02020603050405020304" pitchFamily="18" charset="0"/>
-                      </a:endParaRPr>
-                    </a:p>
-                  </a:txBody>
-                  <a:tcPr marL="68580" marR="68580" marT="0" marB="0">
-                    <a:solidFill>
-                      <a:srgbClr val="70AD47"/>
-                    </a:solidFill>
-                  </a:tcPr>
-                </a:tc>
-                <a:extLst>
-                  <a:ext uri="{0D108BD9-81ED-4DB2-BD59-A6C34878D82A}">
-                    <a16:rowId xmlns:a16="http://schemas.microsoft.com/office/drawing/2014/main" xmlns="" val="1952219665"/>
-                  </a:ext>
-                </a:extLst>
-              </a:tr>
-              <a:tr h="1711890">
-                <a:tc>
-                  <a:txBody>
-                    <a:bodyPr/>
-                    <a:lstStyle/>
-                    <a:p>
-                      <a:pPr marL="0" marR="0">
-                        <a:spcBef>
-                          <a:spcPts val="0"/>
-                        </a:spcBef>
-                        <a:spcAft>
-                          <a:spcPts val="0"/>
-                        </a:spcAft>
-                      </a:pPr>
-                      <a:r>
-                        <a:rPr lang="en-US" sz="1800" dirty="0">
-                          <a:effectLst/>
-                        </a:rPr>
-                        <a:t>S1</a:t>
-                      </a:r>
-                      <a:endParaRPr lang="en-US" sz="1800" dirty="0">
-                        <a:effectLst/>
-                        <a:latin typeface="Calibri" panose="020F0502020204030204" pitchFamily="34" charset="0"/>
-                        <a:ea typeface="Calibri" panose="020F0502020204030204" pitchFamily="34" charset="0"/>
-                        <a:cs typeface="Times New Roman" panose="02020603050405020304" pitchFamily="18" charset="0"/>
-                      </a:endParaRPr>
-                    </a:p>
-                  </a:txBody>
-                  <a:tcPr marL="68580" marR="68580" marT="0" marB="0">
-                    <a:solidFill>
-                      <a:srgbClr val="70AD47"/>
-                    </a:solidFill>
-                  </a:tcPr>
-                </a:tc>
-                <a:tc>
-                  <a:txBody>
-                    <a:bodyPr/>
-                    <a:lstStyle/>
-                    <a:p>
-                      <a:pPr marL="0" marR="0">
-                        <a:spcBef>
-                          <a:spcPts val="0"/>
-                        </a:spcBef>
-                        <a:spcAft>
-                          <a:spcPts val="0"/>
-                        </a:spcAft>
-                      </a:pPr>
-                      <a:r>
-                        <a:rPr lang="en-US" sz="1800" dirty="0">
-                          <a:effectLst/>
-                        </a:rPr>
-                        <a:t>Specifications 1</a:t>
-                      </a:r>
-                      <a:r>
-                        <a:rPr lang="en-US" sz="1800" baseline="30000" dirty="0">
-                          <a:effectLst/>
-                        </a:rPr>
-                        <a:t>st</a:t>
-                      </a:r>
-                      <a:r>
-                        <a:rPr lang="en-US" sz="1800" dirty="0">
-                          <a:effectLst/>
-                        </a:rPr>
-                        <a:t> iteration </a:t>
-                      </a:r>
-                    </a:p>
-                    <a:p>
-                      <a:pPr marL="457200" marR="0">
-                        <a:spcBef>
-                          <a:spcPts val="0"/>
-                        </a:spcBef>
-                        <a:spcAft>
-                          <a:spcPts val="0"/>
-                        </a:spcAft>
-                      </a:pPr>
-                      <a:r>
-                        <a:rPr lang="en-US" sz="1800" dirty="0">
-                          <a:effectLst/>
-                        </a:rPr>
-                        <a:t>Feature Wish List</a:t>
-                      </a:r>
-                    </a:p>
-                    <a:p>
-                      <a:pPr marL="914400" marR="0">
-                        <a:spcBef>
-                          <a:spcPts val="0"/>
-                        </a:spcBef>
-                        <a:spcAft>
-                          <a:spcPts val="0"/>
-                        </a:spcAft>
-                      </a:pPr>
-                      <a:r>
-                        <a:rPr lang="en-US" sz="1800" dirty="0">
-                          <a:effectLst/>
-                        </a:rPr>
-                        <a:t>Core</a:t>
-                      </a:r>
-                    </a:p>
-                    <a:p>
-                      <a:pPr marL="914400" marR="0">
-                        <a:spcBef>
-                          <a:spcPts val="0"/>
-                        </a:spcBef>
-                        <a:spcAft>
-                          <a:spcPts val="0"/>
-                        </a:spcAft>
-                      </a:pPr>
-                      <a:r>
-                        <a:rPr lang="en-US" sz="1800" dirty="0">
-                          <a:effectLst/>
-                        </a:rPr>
-                        <a:t>Secondary</a:t>
-                      </a:r>
-                    </a:p>
-                    <a:p>
-                      <a:pPr marL="914400" marR="0">
-                        <a:spcBef>
-                          <a:spcPts val="0"/>
-                        </a:spcBef>
-                        <a:spcAft>
-                          <a:spcPts val="0"/>
-                        </a:spcAft>
-                      </a:pPr>
-                      <a:r>
-                        <a:rPr lang="en-US" sz="1800" dirty="0">
-                          <a:effectLst/>
-                        </a:rPr>
-                        <a:t>Supplemental</a:t>
-                      </a:r>
-                    </a:p>
-                    <a:p>
-                      <a:pPr marL="457200" marR="0">
-                        <a:spcBef>
-                          <a:spcPts val="0"/>
-                        </a:spcBef>
-                        <a:spcAft>
-                          <a:spcPts val="0"/>
-                        </a:spcAft>
-                      </a:pPr>
-                      <a:r>
-                        <a:rPr lang="en-US" sz="1800" dirty="0">
-                          <a:effectLst/>
-                        </a:rPr>
-                        <a:t>Deliverable - Draft official specifications document </a:t>
-                      </a:r>
-                      <a:endParaRPr lang="en-US" sz="1800" dirty="0">
-                        <a:effectLst/>
-                        <a:latin typeface="Calibri" panose="020F0502020204030204" pitchFamily="34" charset="0"/>
-                        <a:ea typeface="Calibri" panose="020F0502020204030204" pitchFamily="34" charset="0"/>
-                        <a:cs typeface="Times New Roman" panose="02020603050405020304" pitchFamily="18" charset="0"/>
-                      </a:endParaRPr>
-                    </a:p>
-                  </a:txBody>
-                  <a:tcPr marL="68580" marR="68580" marT="0" marB="0">
-                    <a:solidFill>
-                      <a:srgbClr val="C5E0B4"/>
-                    </a:solidFill>
-                  </a:tcPr>
-                </a:tc>
-                <a:extLst>
-                  <a:ext uri="{0D108BD9-81ED-4DB2-BD59-A6C34878D82A}">
-                    <a16:rowId xmlns:a16="http://schemas.microsoft.com/office/drawing/2014/main" xmlns="" val="3976415141"/>
-                  </a:ext>
-                </a:extLst>
-              </a:tr>
-              <a:tr h="570629">
-                <a:tc>
-                  <a:txBody>
-                    <a:bodyPr/>
-                    <a:lstStyle/>
-                    <a:p>
-                      <a:pPr marL="0" marR="0">
-                        <a:spcBef>
-                          <a:spcPts val="0"/>
-                        </a:spcBef>
-                        <a:spcAft>
-                          <a:spcPts val="0"/>
-                        </a:spcAft>
-                      </a:pPr>
-                      <a:r>
-                        <a:rPr lang="en-US" sz="1800" dirty="0">
-                          <a:effectLst/>
-                        </a:rPr>
-                        <a:t>S2</a:t>
-                      </a:r>
-                      <a:endParaRPr lang="en-US" sz="1800" dirty="0">
-                        <a:effectLst/>
-                        <a:latin typeface="Calibri" panose="020F0502020204030204" pitchFamily="34" charset="0"/>
-                        <a:ea typeface="Calibri" panose="020F0502020204030204" pitchFamily="34" charset="0"/>
-                        <a:cs typeface="Times New Roman" panose="02020603050405020304" pitchFamily="18" charset="0"/>
-                      </a:endParaRPr>
-                    </a:p>
-                  </a:txBody>
-                  <a:tcPr marL="68580" marR="68580" marT="0" marB="0">
-                    <a:solidFill>
-                      <a:srgbClr val="70AD47"/>
-                    </a:solidFill>
-                  </a:tcPr>
-                </a:tc>
-                <a:tc>
-                  <a:txBody>
-                    <a:bodyPr/>
-                    <a:lstStyle/>
-                    <a:p>
-                      <a:pPr marL="0" marR="0">
-                        <a:spcBef>
-                          <a:spcPts val="0"/>
-                        </a:spcBef>
-                        <a:spcAft>
-                          <a:spcPts val="0"/>
-                        </a:spcAft>
-                      </a:pPr>
-                      <a:r>
-                        <a:rPr lang="en-US" sz="1800" dirty="0">
-                          <a:effectLst/>
-                        </a:rPr>
-                        <a:t>Analysis 1</a:t>
-                      </a:r>
-                      <a:r>
-                        <a:rPr lang="en-US" sz="1800" baseline="30000" dirty="0">
-                          <a:effectLst/>
-                        </a:rPr>
-                        <a:t>st</a:t>
-                      </a:r>
-                      <a:r>
-                        <a:rPr lang="en-US" sz="1800" dirty="0">
-                          <a:effectLst/>
-                        </a:rPr>
-                        <a:t> </a:t>
-                      </a:r>
-                    </a:p>
-                    <a:p>
-                      <a:pPr marL="0" marR="0">
-                        <a:spcBef>
-                          <a:spcPts val="0"/>
-                        </a:spcBef>
-                        <a:spcAft>
-                          <a:spcPts val="0"/>
-                        </a:spcAft>
-                      </a:pPr>
-                      <a:r>
-                        <a:rPr lang="en-US" sz="1800" dirty="0">
-                          <a:effectLst/>
-                        </a:rPr>
-                        <a:t>Specifications 2</a:t>
-                      </a:r>
-                      <a:r>
-                        <a:rPr lang="en-US" sz="1800" baseline="30000" dirty="0">
-                          <a:effectLst/>
-                        </a:rPr>
-                        <a:t>nd</a:t>
-                      </a:r>
-                      <a:r>
-                        <a:rPr lang="en-US" sz="1800" dirty="0">
-                          <a:effectLst/>
-                        </a:rPr>
-                        <a:t> iteration </a:t>
-                      </a:r>
-                      <a:endParaRPr lang="en-US" sz="1800" dirty="0">
-                        <a:effectLst/>
-                        <a:latin typeface="Calibri" panose="020F0502020204030204" pitchFamily="34" charset="0"/>
-                        <a:ea typeface="Calibri" panose="020F0502020204030204" pitchFamily="34" charset="0"/>
-                        <a:cs typeface="Times New Roman" panose="02020603050405020304" pitchFamily="18" charset="0"/>
-                      </a:endParaRPr>
-                    </a:p>
-                  </a:txBody>
-                  <a:tcPr marL="68580" marR="68580" marT="0" marB="0">
-                    <a:solidFill>
-                      <a:srgbClr val="E2F0D9"/>
-                    </a:solidFill>
-                  </a:tcPr>
-                </a:tc>
-                <a:extLst>
-                  <a:ext uri="{0D108BD9-81ED-4DB2-BD59-A6C34878D82A}">
-                    <a16:rowId xmlns:a16="http://schemas.microsoft.com/office/drawing/2014/main" xmlns="" val="3140566392"/>
-                  </a:ext>
-                </a:extLst>
-              </a:tr>
-              <a:tr h="855946">
-                <a:tc>
-                  <a:txBody>
-                    <a:bodyPr/>
-                    <a:lstStyle/>
-                    <a:p>
-                      <a:pPr marL="0" marR="0">
-                        <a:spcBef>
-                          <a:spcPts val="0"/>
-                        </a:spcBef>
-                        <a:spcAft>
-                          <a:spcPts val="0"/>
-                        </a:spcAft>
-                      </a:pPr>
-                      <a:r>
-                        <a:rPr lang="en-US" sz="1800" dirty="0">
-                          <a:effectLst/>
-                        </a:rPr>
-                        <a:t>S3</a:t>
-                      </a:r>
-                      <a:endParaRPr lang="en-US" sz="1800" dirty="0">
-                        <a:effectLst/>
-                        <a:latin typeface="Calibri" panose="020F0502020204030204" pitchFamily="34" charset="0"/>
-                        <a:ea typeface="Calibri" panose="020F0502020204030204" pitchFamily="34" charset="0"/>
-                        <a:cs typeface="Times New Roman" panose="02020603050405020304" pitchFamily="18" charset="0"/>
-                      </a:endParaRPr>
-                    </a:p>
-                  </a:txBody>
-                  <a:tcPr marL="68580" marR="68580" marT="0" marB="0">
-                    <a:solidFill>
-                      <a:srgbClr val="70AD47"/>
-                    </a:solidFill>
-                  </a:tcPr>
-                </a:tc>
-                <a:tc>
-                  <a:txBody>
-                    <a:bodyPr/>
-                    <a:lstStyle/>
-                    <a:p>
-                      <a:pPr marL="0" marR="0">
-                        <a:spcBef>
-                          <a:spcPts val="0"/>
-                        </a:spcBef>
-                        <a:spcAft>
-                          <a:spcPts val="0"/>
-                        </a:spcAft>
-                      </a:pPr>
-                      <a:r>
-                        <a:rPr lang="en-US" sz="1800" dirty="0">
-                          <a:effectLst/>
-                        </a:rPr>
-                        <a:t>Design 1</a:t>
-                      </a:r>
-                      <a:r>
-                        <a:rPr lang="en-US" sz="1800" baseline="30000" dirty="0">
-                          <a:effectLst/>
-                        </a:rPr>
-                        <a:t>st</a:t>
-                      </a:r>
-                      <a:r>
-                        <a:rPr lang="en-US" sz="1800" dirty="0">
-                          <a:effectLst/>
-                        </a:rPr>
-                        <a:t>  </a:t>
-                      </a:r>
-                    </a:p>
-                    <a:p>
-                      <a:pPr marL="0" marR="0">
-                        <a:spcBef>
-                          <a:spcPts val="0"/>
-                        </a:spcBef>
-                        <a:spcAft>
-                          <a:spcPts val="0"/>
-                        </a:spcAft>
-                      </a:pPr>
-                      <a:r>
-                        <a:rPr lang="en-US" sz="1800" dirty="0">
-                          <a:effectLst/>
-                        </a:rPr>
-                        <a:t>Specifications 3</a:t>
-                      </a:r>
-                      <a:r>
-                        <a:rPr lang="en-US" sz="1800" baseline="30000" dirty="0">
-                          <a:effectLst/>
-                        </a:rPr>
-                        <a:t>rd</a:t>
-                      </a:r>
-                      <a:r>
-                        <a:rPr lang="en-US" sz="1800" dirty="0">
-                          <a:effectLst/>
-                        </a:rPr>
-                        <a:t> </a:t>
-                      </a:r>
-                    </a:p>
-                    <a:p>
-                      <a:pPr marL="0" marR="0">
-                        <a:spcBef>
-                          <a:spcPts val="0"/>
-                        </a:spcBef>
-                        <a:spcAft>
-                          <a:spcPts val="0"/>
-                        </a:spcAft>
-                      </a:pPr>
-                      <a:r>
-                        <a:rPr lang="en-US" sz="1800" dirty="0">
-                          <a:effectLst/>
-                        </a:rPr>
-                        <a:t>Analysis 2</a:t>
-                      </a:r>
-                      <a:r>
-                        <a:rPr lang="en-US" sz="1800" baseline="30000" dirty="0">
-                          <a:effectLst/>
-                        </a:rPr>
-                        <a:t>nd</a:t>
-                      </a:r>
-                      <a:r>
-                        <a:rPr lang="en-US" sz="1800" dirty="0">
-                          <a:effectLst/>
-                        </a:rPr>
-                        <a:t> </a:t>
-                      </a:r>
-                      <a:endParaRPr lang="en-US" sz="1800" dirty="0">
-                        <a:effectLst/>
-                        <a:latin typeface="Calibri" panose="020F0502020204030204" pitchFamily="34" charset="0"/>
-                        <a:ea typeface="Calibri" panose="020F0502020204030204" pitchFamily="34" charset="0"/>
-                        <a:cs typeface="Times New Roman" panose="02020603050405020304" pitchFamily="18" charset="0"/>
-                      </a:endParaRPr>
-                    </a:p>
-                  </a:txBody>
-                  <a:tcPr marL="68580" marR="68580" marT="0" marB="0">
-                    <a:solidFill>
-                      <a:srgbClr val="C5E0B4"/>
-                    </a:solidFill>
-                  </a:tcPr>
-                </a:tc>
-                <a:extLst>
-                  <a:ext uri="{0D108BD9-81ED-4DB2-BD59-A6C34878D82A}">
-                    <a16:rowId xmlns:a16="http://schemas.microsoft.com/office/drawing/2014/main" xmlns="" val="3679162104"/>
-                  </a:ext>
-                </a:extLst>
-              </a:tr>
-              <a:tr h="855946">
-                <a:tc>
-                  <a:txBody>
-                    <a:bodyPr/>
-                    <a:lstStyle/>
-                    <a:p>
-                      <a:pPr marL="0" marR="0">
-                        <a:spcBef>
-                          <a:spcPts val="0"/>
-                        </a:spcBef>
-                        <a:spcAft>
-                          <a:spcPts val="0"/>
-                        </a:spcAft>
-                      </a:pPr>
-                      <a:r>
-                        <a:rPr lang="en-US" sz="1800" dirty="0">
-                          <a:effectLst/>
-                        </a:rPr>
-                        <a:t>S4</a:t>
-                      </a:r>
-                      <a:endParaRPr lang="en-US" sz="1800" dirty="0">
-                        <a:effectLst/>
-                        <a:latin typeface="Calibri" panose="020F0502020204030204" pitchFamily="34" charset="0"/>
-                        <a:ea typeface="Calibri" panose="020F0502020204030204" pitchFamily="34" charset="0"/>
-                        <a:cs typeface="Times New Roman" panose="02020603050405020304" pitchFamily="18" charset="0"/>
-                      </a:endParaRPr>
-                    </a:p>
-                  </a:txBody>
-                  <a:tcPr marL="68580" marR="68580" marT="0" marB="0">
-                    <a:solidFill>
-                      <a:srgbClr val="70AD47"/>
-                    </a:solidFill>
-                  </a:tcPr>
-                </a:tc>
-                <a:tc>
-                  <a:txBody>
-                    <a:bodyPr/>
-                    <a:lstStyle/>
-                    <a:p>
-                      <a:pPr marL="0" marR="0">
-                        <a:spcBef>
-                          <a:spcPts val="0"/>
-                        </a:spcBef>
-                        <a:spcAft>
-                          <a:spcPts val="0"/>
-                        </a:spcAft>
-                      </a:pPr>
-                      <a:r>
-                        <a:rPr lang="en-US" sz="1800" dirty="0">
-                          <a:effectLst/>
-                        </a:rPr>
-                        <a:t>Implementation 1</a:t>
-                      </a:r>
-                      <a:r>
-                        <a:rPr lang="en-US" sz="1800" baseline="30000" dirty="0">
-                          <a:effectLst/>
-                        </a:rPr>
-                        <a:t>st</a:t>
-                      </a:r>
-                      <a:r>
-                        <a:rPr lang="en-US" sz="1800" dirty="0">
-                          <a:effectLst/>
-                        </a:rPr>
-                        <a:t> </a:t>
-                      </a:r>
-                    </a:p>
-                    <a:p>
-                      <a:pPr marL="0" marR="0">
-                        <a:spcBef>
-                          <a:spcPts val="0"/>
-                        </a:spcBef>
-                        <a:spcAft>
-                          <a:spcPts val="0"/>
-                        </a:spcAft>
-                      </a:pPr>
-                      <a:r>
-                        <a:rPr lang="en-US" sz="1800" dirty="0">
-                          <a:effectLst/>
-                        </a:rPr>
-                        <a:t>Analysis 3</a:t>
-                      </a:r>
-                      <a:r>
-                        <a:rPr lang="en-US" sz="1800" baseline="30000" dirty="0">
-                          <a:effectLst/>
-                        </a:rPr>
-                        <a:t>rd</a:t>
-                      </a:r>
-                      <a:r>
-                        <a:rPr lang="en-US" sz="1800" dirty="0">
-                          <a:effectLst/>
-                        </a:rPr>
-                        <a:t> </a:t>
-                      </a:r>
-                    </a:p>
-                    <a:p>
-                      <a:pPr marL="0" marR="0">
-                        <a:spcBef>
-                          <a:spcPts val="0"/>
-                        </a:spcBef>
-                        <a:spcAft>
-                          <a:spcPts val="0"/>
-                        </a:spcAft>
-                      </a:pPr>
-                      <a:r>
-                        <a:rPr lang="en-US" sz="1800" dirty="0">
-                          <a:effectLst/>
-                        </a:rPr>
-                        <a:t>Design 2</a:t>
-                      </a:r>
-                      <a:r>
-                        <a:rPr lang="en-US" sz="1800" baseline="30000" dirty="0">
-                          <a:effectLst/>
-                        </a:rPr>
-                        <a:t>nd</a:t>
-                      </a:r>
-                      <a:r>
-                        <a:rPr lang="en-US" sz="1800" dirty="0">
-                          <a:effectLst/>
-                        </a:rPr>
-                        <a:t> </a:t>
-                      </a:r>
-                      <a:endParaRPr lang="en-US" sz="1800" dirty="0">
-                        <a:effectLst/>
-                        <a:latin typeface="Calibri" panose="020F0502020204030204" pitchFamily="34" charset="0"/>
-                        <a:ea typeface="Calibri" panose="020F0502020204030204" pitchFamily="34" charset="0"/>
-                        <a:cs typeface="Times New Roman" panose="02020603050405020304" pitchFamily="18" charset="0"/>
-                      </a:endParaRPr>
-                    </a:p>
-                  </a:txBody>
-                  <a:tcPr marL="68580" marR="68580" marT="0" marB="0">
-                    <a:solidFill>
-                      <a:srgbClr val="E2F0D9"/>
-                    </a:solidFill>
-                  </a:tcPr>
-                </a:tc>
-                <a:extLst>
-                  <a:ext uri="{0D108BD9-81ED-4DB2-BD59-A6C34878D82A}">
-                    <a16:rowId xmlns:a16="http://schemas.microsoft.com/office/drawing/2014/main" xmlns="" val="499935470"/>
-                  </a:ext>
-                </a:extLst>
-              </a:tr>
-              <a:tr h="570629">
-                <a:tc>
-                  <a:txBody>
-                    <a:bodyPr/>
-                    <a:lstStyle/>
-                    <a:p>
-                      <a:pPr marL="0" marR="0">
-                        <a:spcBef>
-                          <a:spcPts val="0"/>
-                        </a:spcBef>
-                        <a:spcAft>
-                          <a:spcPts val="0"/>
-                        </a:spcAft>
-                      </a:pPr>
-                      <a:r>
-                        <a:rPr lang="en-US" sz="1800" dirty="0">
-                          <a:effectLst/>
-                        </a:rPr>
-                        <a:t>S5</a:t>
-                      </a:r>
-                      <a:endParaRPr lang="en-US" sz="1800" dirty="0">
-                        <a:effectLst/>
-                        <a:latin typeface="Calibri" panose="020F0502020204030204" pitchFamily="34" charset="0"/>
-                        <a:ea typeface="Calibri" panose="020F0502020204030204" pitchFamily="34" charset="0"/>
-                        <a:cs typeface="Times New Roman" panose="02020603050405020304" pitchFamily="18" charset="0"/>
-                      </a:endParaRPr>
-                    </a:p>
-                  </a:txBody>
-                  <a:tcPr marL="68580" marR="68580" marT="0" marB="0">
-                    <a:solidFill>
-                      <a:srgbClr val="70AD47"/>
-                    </a:solidFill>
-                  </a:tcPr>
-                </a:tc>
-                <a:tc>
-                  <a:txBody>
-                    <a:bodyPr/>
-                    <a:lstStyle/>
-                    <a:p>
-                      <a:pPr marL="0" marR="0">
-                        <a:spcBef>
-                          <a:spcPts val="0"/>
-                        </a:spcBef>
-                        <a:spcAft>
-                          <a:spcPts val="0"/>
-                        </a:spcAft>
-                      </a:pPr>
-                      <a:r>
-                        <a:rPr lang="en-US" sz="1800" dirty="0">
-                          <a:effectLst/>
-                        </a:rPr>
-                        <a:t>Implementation 2</a:t>
-                      </a:r>
-                      <a:r>
-                        <a:rPr lang="en-US" sz="1800" baseline="30000" dirty="0">
-                          <a:effectLst/>
-                        </a:rPr>
-                        <a:t>nd</a:t>
-                      </a:r>
-                      <a:r>
-                        <a:rPr lang="en-US" sz="1800" dirty="0">
-                          <a:effectLst/>
-                        </a:rPr>
-                        <a:t> </a:t>
-                      </a:r>
-                    </a:p>
-                    <a:p>
-                      <a:pPr marL="0" marR="0">
-                        <a:spcBef>
-                          <a:spcPts val="0"/>
-                        </a:spcBef>
-                        <a:spcAft>
-                          <a:spcPts val="0"/>
-                        </a:spcAft>
-                      </a:pPr>
-                      <a:r>
-                        <a:rPr lang="en-US" sz="1800" dirty="0">
-                          <a:effectLst/>
-                        </a:rPr>
-                        <a:t>Design 3</a:t>
-                      </a:r>
-                      <a:r>
-                        <a:rPr lang="en-US" sz="1800" baseline="30000" dirty="0">
-                          <a:effectLst/>
-                        </a:rPr>
-                        <a:t>rd</a:t>
-                      </a:r>
-                      <a:r>
-                        <a:rPr lang="en-US" sz="1800" dirty="0">
-                          <a:effectLst/>
-                        </a:rPr>
-                        <a:t> </a:t>
-                      </a:r>
-                      <a:endParaRPr lang="en-US" sz="1800" dirty="0">
-                        <a:effectLst/>
-                        <a:latin typeface="Calibri" panose="020F0502020204030204" pitchFamily="34" charset="0"/>
-                        <a:ea typeface="Calibri" panose="020F0502020204030204" pitchFamily="34" charset="0"/>
-                        <a:cs typeface="Times New Roman" panose="02020603050405020304" pitchFamily="18" charset="0"/>
-                      </a:endParaRPr>
-                    </a:p>
-                  </a:txBody>
-                  <a:tcPr marL="68580" marR="68580" marT="0" marB="0">
-                    <a:solidFill>
-                      <a:srgbClr val="C5E0B4"/>
-                    </a:solidFill>
-                  </a:tcPr>
-                </a:tc>
-                <a:extLst>
-                  <a:ext uri="{0D108BD9-81ED-4DB2-BD59-A6C34878D82A}">
-                    <a16:rowId xmlns:a16="http://schemas.microsoft.com/office/drawing/2014/main" xmlns="" val="1840958383"/>
-                  </a:ext>
-                </a:extLst>
-              </a:tr>
-              <a:tr h="285315">
-                <a:tc>
-                  <a:txBody>
-                    <a:bodyPr/>
-                    <a:lstStyle/>
-                    <a:p>
-                      <a:pPr marL="0" marR="0">
-                        <a:spcBef>
-                          <a:spcPts val="0"/>
-                        </a:spcBef>
-                        <a:spcAft>
-                          <a:spcPts val="0"/>
-                        </a:spcAft>
-                      </a:pPr>
-                      <a:r>
-                        <a:rPr lang="en-US" sz="1800" dirty="0">
-                          <a:effectLst/>
-                        </a:rPr>
-                        <a:t>S6</a:t>
-                      </a:r>
-                      <a:endParaRPr lang="en-US" sz="1800" dirty="0">
-                        <a:effectLst/>
-                        <a:latin typeface="Calibri" panose="020F0502020204030204" pitchFamily="34" charset="0"/>
-                        <a:ea typeface="Calibri" panose="020F0502020204030204" pitchFamily="34" charset="0"/>
-                        <a:cs typeface="Times New Roman" panose="02020603050405020304" pitchFamily="18" charset="0"/>
-                      </a:endParaRPr>
-                    </a:p>
-                  </a:txBody>
-                  <a:tcPr marL="68580" marR="68580" marT="0" marB="0">
-                    <a:solidFill>
-                      <a:srgbClr val="70AD47"/>
-                    </a:solidFill>
-                  </a:tcPr>
-                </a:tc>
-                <a:tc>
-                  <a:txBody>
-                    <a:bodyPr/>
-                    <a:lstStyle/>
-                    <a:p>
-                      <a:pPr marL="0" marR="0">
-                        <a:spcBef>
-                          <a:spcPts val="0"/>
-                        </a:spcBef>
-                        <a:spcAft>
-                          <a:spcPts val="0"/>
-                        </a:spcAft>
-                      </a:pPr>
-                      <a:r>
-                        <a:rPr lang="en-US" sz="1800" dirty="0">
-                          <a:effectLst/>
-                        </a:rPr>
-                        <a:t>Implementation 3</a:t>
-                      </a:r>
-                      <a:r>
-                        <a:rPr lang="en-US" sz="1800" baseline="30000" dirty="0">
-                          <a:effectLst/>
-                        </a:rPr>
-                        <a:t>rd</a:t>
-                      </a:r>
-                      <a:r>
-                        <a:rPr lang="en-US" sz="1800" dirty="0">
-                          <a:effectLst/>
-                        </a:rPr>
-                        <a:t> </a:t>
-                      </a:r>
-                      <a:endParaRPr lang="en-US" sz="1800" dirty="0">
-                        <a:effectLst/>
-                        <a:latin typeface="Calibri" panose="020F0502020204030204" pitchFamily="34" charset="0"/>
-                        <a:ea typeface="Calibri" panose="020F0502020204030204" pitchFamily="34" charset="0"/>
-                        <a:cs typeface="Times New Roman" panose="02020603050405020304" pitchFamily="18" charset="0"/>
-                      </a:endParaRPr>
-                    </a:p>
-                  </a:txBody>
-                  <a:tcPr marL="68580" marR="68580" marT="0" marB="0">
-                    <a:solidFill>
-                      <a:srgbClr val="E2F0D9"/>
-                    </a:solidFill>
-                  </a:tcPr>
-                </a:tc>
-                <a:extLst>
-                  <a:ext uri="{0D108BD9-81ED-4DB2-BD59-A6C34878D82A}">
-                    <a16:rowId xmlns:a16="http://schemas.microsoft.com/office/drawing/2014/main" xmlns="" val="3286123127"/>
-                  </a:ext>
-                </a:extLst>
-              </a:tr>
-            </a:tbl>
-          </a:graphicData>
-        </a:graphic>
-      </p:graphicFrame>
-    </p:spTree>
-    <p:extLst>
-      <p:ext uri="{BB962C8B-B14F-4D97-AF65-F5344CB8AC3E}">
-        <p14:creationId xmlns:p14="http://schemas.microsoft.com/office/powerpoint/2010/main" val="2688209683"/>
-      </p:ext>
-    </p:extLst>
-  </p:cSld>
-  <p:clrMapOvr>
-    <a:masterClrMapping/>
-  </p:clrMapOvr>
-  <p:timing>
-    <p:tnLst>
-      <p:par>
-        <p:cTn id="1" dur="indefinite" restart="never" nodeType="tmRoot"/>
-      </p:par>
-    </p:tnLst>
-  </p:timing>
-</p:sld>
-</file>
-
-<file path=ppt/slides/slide9.xml><?xml version="1.0" encoding="utf-8"?>
+<file path=ppt/slides/slide7.xml><?xml version="1.0" encoding="utf-8"?>
 <p:sld xmlns:a="http://schemas.openxmlformats.org/drawingml/2006/main" xmlns:r="http://schemas.openxmlformats.org/officeDocument/2006/relationships" xmlns:p="http://schemas.openxmlformats.org/presentationml/2006/main">
   <p:cSld>
     <p:spTree>
@@ -15245,6 +13816,1297 @@
     <p:extLst>
       <p:ext uri="{BB962C8B-B14F-4D97-AF65-F5344CB8AC3E}">
         <p14:creationId xmlns:p14="http://schemas.microsoft.com/office/powerpoint/2010/main" val="2599566711"/>
+      </p:ext>
+    </p:extLst>
+  </p:cSld>
+  <p:clrMapOvr>
+    <a:masterClrMapping/>
+  </p:clrMapOvr>
+  <p:timing>
+    <p:tnLst>
+      <p:par>
+        <p:cTn id="1" dur="indefinite" restart="never" nodeType="tmRoot"/>
+      </p:par>
+    </p:tnLst>
+  </p:timing>
+</p:sld>
+</file>
+
+<file path=ppt/slides/slide8.xml><?xml version="1.0" encoding="utf-8"?>
+<p:sld xmlns:a="http://schemas.openxmlformats.org/drawingml/2006/main" xmlns:r="http://schemas.openxmlformats.org/officeDocument/2006/relationships" xmlns:p="http://schemas.openxmlformats.org/presentationml/2006/main">
+  <p:cSld>
+    <p:spTree>
+      <p:nvGrpSpPr>
+        <p:cNvPr id="1" name=""/>
+        <p:cNvGrpSpPr/>
+        <p:nvPr/>
+      </p:nvGrpSpPr>
+      <p:grpSpPr>
+        <a:xfrm>
+          <a:off x="0" y="0"/>
+          <a:ext cx="0" cy="0"/>
+          <a:chOff x="0" y="0"/>
+          <a:chExt cx="0" cy="0"/>
+        </a:xfrm>
+      </p:grpSpPr>
+      <p:sp>
+        <p:nvSpPr>
+          <p:cNvPr id="2" name="Title 1"/>
+          <p:cNvSpPr>
+            <a:spLocks noGrp="1"/>
+          </p:cNvSpPr>
+          <p:nvPr>
+            <p:ph type="title"/>
+          </p:nvPr>
+        </p:nvSpPr>
+        <p:spPr/>
+        <p:txBody>
+          <a:bodyPr/>
+          <a:lstStyle/>
+          <a:p>
+            <a:r>
+              <a:rPr lang="en-US" dirty="0"/>
+              <a:t>Grading Scheme</a:t>
+            </a:r>
+          </a:p>
+        </p:txBody>
+      </p:sp>
+      <p:sp>
+        <p:nvSpPr>
+          <p:cNvPr id="3" name="Content Placeholder 2"/>
+          <p:cNvSpPr>
+            <a:spLocks noGrp="1"/>
+          </p:cNvSpPr>
+          <p:nvPr>
+            <p:ph idx="1"/>
+          </p:nvPr>
+        </p:nvSpPr>
+        <p:spPr>
+          <a:xfrm>
+            <a:off x="790769" y="1509637"/>
+            <a:ext cx="10515600" cy="4351338"/>
+          </a:xfrm>
+        </p:spPr>
+        <p:txBody>
+          <a:bodyPr/>
+          <a:lstStyle/>
+          <a:p>
+            <a:pPr marL="0" indent="0">
+              <a:buNone/>
+            </a:pPr>
+            <a:endParaRPr lang="en-US" dirty="0">
+              <a:solidFill>
+                <a:srgbClr val="000000"/>
+              </a:solidFill>
+              <a:latin typeface="Calibri"/>
+              <a:cs typeface="Calibri"/>
+            </a:endParaRPr>
+          </a:p>
+        </p:txBody>
+      </p:sp>
+      <p:pic>
+        <p:nvPicPr>
+          <p:cNvPr id="4" name="Picture 3"/>
+          <p:cNvPicPr>
+            <a:picLocks noChangeAspect="1"/>
+          </p:cNvPicPr>
+          <p:nvPr/>
+        </p:nvPicPr>
+        <p:blipFill>
+          <a:blip r:embed="rId3"/>
+          <a:stretch>
+            <a:fillRect/>
+          </a:stretch>
+        </p:blipFill>
+        <p:spPr>
+          <a:xfrm>
+            <a:off x="7089852" y="2285120"/>
+            <a:ext cx="1749312" cy="316989"/>
+          </a:xfrm>
+          <a:prstGeom prst="rect">
+            <a:avLst/>
+          </a:prstGeom>
+        </p:spPr>
+      </p:pic>
+      <p:pic>
+        <p:nvPicPr>
+          <p:cNvPr id="7" name="Picture 6"/>
+          <p:cNvPicPr>
+            <a:picLocks noChangeAspect="1"/>
+          </p:cNvPicPr>
+          <p:nvPr/>
+        </p:nvPicPr>
+        <p:blipFill>
+          <a:blip r:embed="rId4"/>
+          <a:stretch>
+            <a:fillRect/>
+          </a:stretch>
+        </p:blipFill>
+        <p:spPr>
+          <a:xfrm>
+            <a:off x="7081062" y="2547745"/>
+            <a:ext cx="1498187" cy="357974"/>
+          </a:xfrm>
+          <a:prstGeom prst="rect">
+            <a:avLst/>
+          </a:prstGeom>
+        </p:spPr>
+      </p:pic>
+      <p:pic>
+        <p:nvPicPr>
+          <p:cNvPr id="9" name="Picture 8"/>
+          <p:cNvPicPr>
+            <a:picLocks noChangeAspect="1"/>
+          </p:cNvPicPr>
+          <p:nvPr/>
+        </p:nvPicPr>
+        <p:blipFill>
+          <a:blip r:embed="rId5"/>
+          <a:stretch>
+            <a:fillRect/>
+          </a:stretch>
+        </p:blipFill>
+        <p:spPr>
+          <a:xfrm>
+            <a:off x="7098107" y="2832073"/>
+            <a:ext cx="1410168" cy="424420"/>
+          </a:xfrm>
+          <a:prstGeom prst="rect">
+            <a:avLst/>
+          </a:prstGeom>
+        </p:spPr>
+      </p:pic>
+      <p:pic>
+        <p:nvPicPr>
+          <p:cNvPr id="10" name="Picture 9"/>
+          <p:cNvPicPr>
+            <a:picLocks noChangeAspect="1"/>
+          </p:cNvPicPr>
+          <p:nvPr/>
+        </p:nvPicPr>
+        <p:blipFill>
+          <a:blip r:embed="rId6"/>
+          <a:stretch>
+            <a:fillRect/>
+          </a:stretch>
+        </p:blipFill>
+        <p:spPr>
+          <a:xfrm>
+            <a:off x="7120171" y="3164788"/>
+            <a:ext cx="2066847" cy="397964"/>
+          </a:xfrm>
+          <a:prstGeom prst="rect">
+            <a:avLst/>
+          </a:prstGeom>
+        </p:spPr>
+      </p:pic>
+      <p:pic>
+        <p:nvPicPr>
+          <p:cNvPr id="11" name="Picture 10"/>
+          <p:cNvPicPr>
+            <a:picLocks noChangeAspect="1"/>
+          </p:cNvPicPr>
+          <p:nvPr/>
+        </p:nvPicPr>
+        <p:blipFill>
+          <a:blip r:embed="rId7"/>
+          <a:stretch>
+            <a:fillRect/>
+          </a:stretch>
+        </p:blipFill>
+        <p:spPr>
+          <a:xfrm>
+            <a:off x="7098106" y="3468399"/>
+            <a:ext cx="1932683" cy="372132"/>
+          </a:xfrm>
+          <a:prstGeom prst="rect">
+            <a:avLst/>
+          </a:prstGeom>
+        </p:spPr>
+      </p:pic>
+      <p:pic>
+        <p:nvPicPr>
+          <p:cNvPr id="12" name="Picture 11"/>
+          <p:cNvPicPr>
+            <a:picLocks noChangeAspect="1"/>
+          </p:cNvPicPr>
+          <p:nvPr/>
+        </p:nvPicPr>
+        <p:blipFill>
+          <a:blip r:embed="rId8"/>
+          <a:stretch>
+            <a:fillRect/>
+          </a:stretch>
+        </p:blipFill>
+        <p:spPr>
+          <a:xfrm>
+            <a:off x="7089852" y="3785872"/>
+            <a:ext cx="1866603" cy="370673"/>
+          </a:xfrm>
+          <a:prstGeom prst="rect">
+            <a:avLst/>
+          </a:prstGeom>
+        </p:spPr>
+      </p:pic>
+      <p:pic>
+        <p:nvPicPr>
+          <p:cNvPr id="13" name="Picture 12"/>
+          <p:cNvPicPr>
+            <a:picLocks noChangeAspect="1"/>
+          </p:cNvPicPr>
+          <p:nvPr/>
+        </p:nvPicPr>
+        <p:blipFill>
+          <a:blip r:embed="rId9"/>
+          <a:stretch>
+            <a:fillRect/>
+          </a:stretch>
+        </p:blipFill>
+        <p:spPr>
+          <a:xfrm>
+            <a:off x="1229545" y="1908868"/>
+            <a:ext cx="5442404" cy="3219450"/>
+          </a:xfrm>
+          <a:prstGeom prst="rect">
+            <a:avLst/>
+          </a:prstGeom>
+        </p:spPr>
+      </p:pic>
+      <p:sp>
+        <p:nvSpPr>
+          <p:cNvPr id="5" name="Rectangle 4"/>
+          <p:cNvSpPr/>
+          <p:nvPr/>
+        </p:nvSpPr>
+        <p:spPr>
+          <a:xfrm>
+            <a:off x="4138889" y="2138748"/>
+            <a:ext cx="1509681" cy="461665"/>
+          </a:xfrm>
+          <a:prstGeom prst="rect">
+            <a:avLst/>
+          </a:prstGeom>
+          <a:noFill/>
+        </p:spPr>
+        <p:txBody>
+          <a:bodyPr wrap="square" lIns="91440" tIns="45720" rIns="91440" bIns="45720">
+            <a:spAutoFit/>
+          </a:bodyPr>
+          <a:lstStyle/>
+          <a:p>
+            <a:pPr algn="ctr"/>
+            <a:r>
+              <a:rPr lang="en-US" sz="2400" b="0" cap="none" spc="0" dirty="0" smtClean="0">
+                <a:ln w="0"/>
+                <a:solidFill>
+                  <a:schemeClr val="tx1"/>
+                </a:solidFill>
+                <a:effectLst>
+                  <a:outerShdw blurRad="38100" dist="19050" dir="2700000" algn="tl" rotWithShape="0">
+                    <a:schemeClr val="dk1">
+                      <a:alpha val="40000"/>
+                    </a:schemeClr>
+                  </a:outerShdw>
+                </a:effectLst>
+              </a:rPr>
+              <a:t>20%</a:t>
+            </a:r>
+            <a:endParaRPr lang="en-US" sz="2400" b="0" cap="none" spc="0" dirty="0">
+              <a:ln w="0"/>
+              <a:solidFill>
+                <a:schemeClr val="tx1"/>
+              </a:solidFill>
+              <a:effectLst>
+                <a:outerShdw blurRad="38100" dist="19050" dir="2700000" algn="tl" rotWithShape="0">
+                  <a:schemeClr val="dk1">
+                    <a:alpha val="40000"/>
+                  </a:schemeClr>
+                </a:outerShdw>
+              </a:effectLst>
+            </a:endParaRPr>
+          </a:p>
+        </p:txBody>
+      </p:sp>
+      <p:sp>
+        <p:nvSpPr>
+          <p:cNvPr id="6" name="Rectangle 5"/>
+          <p:cNvSpPr/>
+          <p:nvPr/>
+        </p:nvSpPr>
+        <p:spPr>
+          <a:xfrm>
+            <a:off x="5426645" y="2912698"/>
+            <a:ext cx="692167" cy="461665"/>
+          </a:xfrm>
+          <a:prstGeom prst="rect">
+            <a:avLst/>
+          </a:prstGeom>
+          <a:noFill/>
+        </p:spPr>
+        <p:txBody>
+          <a:bodyPr wrap="none" lIns="91440" tIns="45720" rIns="91440" bIns="45720">
+            <a:spAutoFit/>
+          </a:bodyPr>
+          <a:lstStyle/>
+          <a:p>
+            <a:pPr algn="ctr"/>
+            <a:r>
+              <a:rPr lang="en-US" sz="2400" b="0" cap="none" spc="0" dirty="0" smtClean="0">
+                <a:ln w="0"/>
+                <a:solidFill>
+                  <a:schemeClr val="tx1"/>
+                </a:solidFill>
+                <a:effectLst>
+                  <a:outerShdw blurRad="38100" dist="19050" dir="2700000" algn="tl" rotWithShape="0">
+                    <a:schemeClr val="dk1">
+                      <a:alpha val="40000"/>
+                    </a:schemeClr>
+                  </a:outerShdw>
+                </a:effectLst>
+              </a:rPr>
+              <a:t>15%</a:t>
+            </a:r>
+            <a:endParaRPr lang="en-US" sz="2400" b="0" cap="none" spc="0" dirty="0">
+              <a:ln w="0"/>
+              <a:solidFill>
+                <a:schemeClr val="tx1"/>
+              </a:solidFill>
+              <a:effectLst>
+                <a:outerShdw blurRad="38100" dist="19050" dir="2700000" algn="tl" rotWithShape="0">
+                  <a:schemeClr val="dk1">
+                    <a:alpha val="40000"/>
+                  </a:schemeClr>
+                </a:outerShdw>
+              </a:effectLst>
+            </a:endParaRPr>
+          </a:p>
+        </p:txBody>
+      </p:sp>
+      <p:sp>
+        <p:nvSpPr>
+          <p:cNvPr id="8" name="Rectangle 7"/>
+          <p:cNvSpPr/>
+          <p:nvPr/>
+        </p:nvSpPr>
+        <p:spPr>
+          <a:xfrm>
+            <a:off x="4418531" y="3518593"/>
+            <a:ext cx="692167" cy="461665"/>
+          </a:xfrm>
+          <a:prstGeom prst="rect">
+            <a:avLst/>
+          </a:prstGeom>
+          <a:noFill/>
+        </p:spPr>
+        <p:txBody>
+          <a:bodyPr wrap="none" lIns="91440" tIns="45720" rIns="91440" bIns="45720">
+            <a:spAutoFit/>
+          </a:bodyPr>
+          <a:lstStyle/>
+          <a:p>
+            <a:pPr algn="ctr"/>
+            <a:r>
+              <a:rPr lang="en-US" sz="2400" b="0" cap="none" spc="0" dirty="0" smtClean="0">
+                <a:ln w="0"/>
+                <a:solidFill>
+                  <a:schemeClr val="tx1"/>
+                </a:solidFill>
+                <a:effectLst>
+                  <a:outerShdw blurRad="38100" dist="19050" dir="2700000" algn="tl" rotWithShape="0">
+                    <a:schemeClr val="dk1">
+                      <a:alpha val="40000"/>
+                    </a:schemeClr>
+                  </a:outerShdw>
+                </a:effectLst>
+              </a:rPr>
+              <a:t>15%</a:t>
+            </a:r>
+            <a:endParaRPr lang="en-US" sz="2400" b="0" cap="none" spc="0" dirty="0">
+              <a:ln w="0"/>
+              <a:solidFill>
+                <a:schemeClr val="tx1"/>
+              </a:solidFill>
+              <a:effectLst>
+                <a:outerShdw blurRad="38100" dist="19050" dir="2700000" algn="tl" rotWithShape="0">
+                  <a:schemeClr val="dk1">
+                    <a:alpha val="40000"/>
+                  </a:schemeClr>
+                </a:outerShdw>
+              </a:effectLst>
+            </a:endParaRPr>
+          </a:p>
+        </p:txBody>
+      </p:sp>
+      <p:sp>
+        <p:nvSpPr>
+          <p:cNvPr id="14" name="Rectangle 13"/>
+          <p:cNvSpPr/>
+          <p:nvPr/>
+        </p:nvSpPr>
+        <p:spPr>
+          <a:xfrm>
+            <a:off x="2414738" y="3167134"/>
+            <a:ext cx="692167" cy="461665"/>
+          </a:xfrm>
+          <a:prstGeom prst="rect">
+            <a:avLst/>
+          </a:prstGeom>
+          <a:noFill/>
+        </p:spPr>
+        <p:txBody>
+          <a:bodyPr wrap="none" lIns="91440" tIns="45720" rIns="91440" bIns="45720">
+            <a:spAutoFit/>
+          </a:bodyPr>
+          <a:lstStyle/>
+          <a:p>
+            <a:pPr algn="ctr"/>
+            <a:r>
+              <a:rPr lang="en-US" sz="2400" b="0" cap="none" spc="0" dirty="0" smtClean="0">
+                <a:ln w="0"/>
+                <a:solidFill>
+                  <a:schemeClr val="tx1"/>
+                </a:solidFill>
+                <a:effectLst>
+                  <a:outerShdw blurRad="38100" dist="19050" dir="2700000" algn="tl" rotWithShape="0">
+                    <a:schemeClr val="dk1">
+                      <a:alpha val="40000"/>
+                    </a:schemeClr>
+                  </a:outerShdw>
+                </a:effectLst>
+              </a:rPr>
+              <a:t>30%</a:t>
+            </a:r>
+            <a:endParaRPr lang="en-US" sz="2400" b="0" cap="none" spc="0" dirty="0">
+              <a:ln w="0"/>
+              <a:solidFill>
+                <a:schemeClr val="tx1"/>
+              </a:solidFill>
+              <a:effectLst>
+                <a:outerShdw blurRad="38100" dist="19050" dir="2700000" algn="tl" rotWithShape="0">
+                  <a:schemeClr val="dk1">
+                    <a:alpha val="40000"/>
+                  </a:schemeClr>
+                </a:outerShdw>
+              </a:effectLst>
+            </a:endParaRPr>
+          </a:p>
+        </p:txBody>
+      </p:sp>
+      <p:sp>
+        <p:nvSpPr>
+          <p:cNvPr id="15" name="Rectangle 14"/>
+          <p:cNvSpPr/>
+          <p:nvPr/>
+        </p:nvSpPr>
+        <p:spPr>
+          <a:xfrm>
+            <a:off x="2254173" y="2275169"/>
+            <a:ext cx="692167" cy="461665"/>
+          </a:xfrm>
+          <a:prstGeom prst="rect">
+            <a:avLst/>
+          </a:prstGeom>
+          <a:noFill/>
+        </p:spPr>
+        <p:txBody>
+          <a:bodyPr wrap="none" lIns="91440" tIns="45720" rIns="91440" bIns="45720">
+            <a:spAutoFit/>
+          </a:bodyPr>
+          <a:lstStyle/>
+          <a:p>
+            <a:pPr algn="ctr"/>
+            <a:r>
+              <a:rPr lang="en-US" sz="2400" b="0" cap="none" spc="0" dirty="0" smtClean="0">
+                <a:ln w="0"/>
+                <a:solidFill>
+                  <a:schemeClr val="tx1"/>
+                </a:solidFill>
+                <a:effectLst>
+                  <a:outerShdw blurRad="38100" dist="19050" dir="2700000" algn="tl" rotWithShape="0">
+                    <a:schemeClr val="dk1">
+                      <a:alpha val="40000"/>
+                    </a:schemeClr>
+                  </a:outerShdw>
+                </a:effectLst>
+              </a:rPr>
+              <a:t>10%</a:t>
+            </a:r>
+            <a:endParaRPr lang="en-US" sz="2400" b="0" cap="none" spc="0" dirty="0">
+              <a:ln w="0"/>
+              <a:solidFill>
+                <a:schemeClr val="tx1"/>
+              </a:solidFill>
+              <a:effectLst>
+                <a:outerShdw blurRad="38100" dist="19050" dir="2700000" algn="tl" rotWithShape="0">
+                  <a:schemeClr val="dk1">
+                    <a:alpha val="40000"/>
+                  </a:schemeClr>
+                </a:outerShdw>
+              </a:effectLst>
+            </a:endParaRPr>
+          </a:p>
+        </p:txBody>
+      </p:sp>
+      <p:sp>
+        <p:nvSpPr>
+          <p:cNvPr id="16" name="Rectangle 15"/>
+          <p:cNvSpPr/>
+          <p:nvPr/>
+        </p:nvSpPr>
+        <p:spPr>
+          <a:xfrm>
+            <a:off x="3166330" y="2017900"/>
+            <a:ext cx="692167" cy="461665"/>
+          </a:xfrm>
+          <a:prstGeom prst="rect">
+            <a:avLst/>
+          </a:prstGeom>
+          <a:noFill/>
+        </p:spPr>
+        <p:txBody>
+          <a:bodyPr wrap="none" lIns="91440" tIns="45720" rIns="91440" bIns="45720">
+            <a:spAutoFit/>
+          </a:bodyPr>
+          <a:lstStyle/>
+          <a:p>
+            <a:pPr algn="ctr"/>
+            <a:r>
+              <a:rPr lang="en-US" sz="2400" b="0" cap="none" spc="0" dirty="0" smtClean="0">
+                <a:ln w="0"/>
+                <a:solidFill>
+                  <a:schemeClr val="tx1"/>
+                </a:solidFill>
+                <a:effectLst>
+                  <a:outerShdw blurRad="38100" dist="19050" dir="2700000" algn="tl" rotWithShape="0">
+                    <a:schemeClr val="dk1">
+                      <a:alpha val="40000"/>
+                    </a:schemeClr>
+                  </a:outerShdw>
+                </a:effectLst>
+              </a:rPr>
+              <a:t>10%</a:t>
+            </a:r>
+            <a:endParaRPr lang="en-US" sz="2400" b="0" cap="none" spc="0" dirty="0">
+              <a:ln w="0"/>
+              <a:solidFill>
+                <a:schemeClr val="tx1"/>
+              </a:solidFill>
+              <a:effectLst>
+                <a:outerShdw blurRad="38100" dist="19050" dir="2700000" algn="tl" rotWithShape="0">
+                  <a:schemeClr val="dk1">
+                    <a:alpha val="40000"/>
+                  </a:schemeClr>
+                </a:outerShdw>
+              </a:effectLst>
+            </a:endParaRPr>
+          </a:p>
+        </p:txBody>
+      </p:sp>
+    </p:spTree>
+    <p:extLst>
+      <p:ext uri="{BB962C8B-B14F-4D97-AF65-F5344CB8AC3E}">
+        <p14:creationId xmlns:p14="http://schemas.microsoft.com/office/powerpoint/2010/main" val="1315062242"/>
+      </p:ext>
+    </p:extLst>
+  </p:cSld>
+  <p:clrMapOvr>
+    <a:masterClrMapping/>
+  </p:clrMapOvr>
+  <p:timing>
+    <p:tnLst>
+      <p:par>
+        <p:cTn id="1" dur="indefinite" restart="never" nodeType="tmRoot">
+          <p:childTnLst>
+            <p:seq concurrent="1" nextAc="seek">
+              <p:cTn id="2" dur="indefinite" nodeType="mainSeq">
+                <p:childTnLst>
+                  <p:par>
+                    <p:cTn id="3" fill="hold">
+                      <p:stCondLst>
+                        <p:cond delay="indefinite"/>
+                        <p:cond evt="onBegin" delay="0">
+                          <p:tn val="2"/>
+                        </p:cond>
+                      </p:stCondLst>
+                      <p:childTnLst>
+                        <p:par>
+                          <p:cTn id="4" fill="hold">
+                            <p:stCondLst>
+                              <p:cond delay="0"/>
+                            </p:stCondLst>
+                            <p:childTnLst>
+                              <p:par>
+                                <p:cTn id="5" presetID="10" presetClass="entr" presetSubtype="0" fill="hold" grpId="0" nodeType="afterEffect">
+                                  <p:stCondLst>
+                                    <p:cond delay="500"/>
+                                  </p:stCondLst>
+                                  <p:childTnLst>
+                                    <p:set>
+                                      <p:cBhvr>
+                                        <p:cTn id="6" dur="1" fill="hold">
+                                          <p:stCondLst>
+                                            <p:cond delay="0"/>
+                                          </p:stCondLst>
+                                        </p:cTn>
+                                        <p:tgtEl>
+                                          <p:spTgt spid="5"/>
+                                        </p:tgtEl>
+                                        <p:attrNameLst>
+                                          <p:attrName>style.visibility</p:attrName>
+                                        </p:attrNameLst>
+                                      </p:cBhvr>
+                                      <p:to>
+                                        <p:strVal val="visible"/>
+                                      </p:to>
+                                    </p:set>
+                                    <p:animEffect transition="in" filter="fade">
+                                      <p:cBhvr>
+                                        <p:cTn id="7" dur="500"/>
+                                        <p:tgtEl>
+                                          <p:spTgt spid="5"/>
+                                        </p:tgtEl>
+                                      </p:cBhvr>
+                                    </p:animEffect>
+                                  </p:childTnLst>
+                                </p:cTn>
+                              </p:par>
+                            </p:childTnLst>
+                          </p:cTn>
+                        </p:par>
+                        <p:par>
+                          <p:cTn id="8" fill="hold">
+                            <p:stCondLst>
+                              <p:cond delay="1000"/>
+                            </p:stCondLst>
+                            <p:childTnLst>
+                              <p:par>
+                                <p:cTn id="9" presetID="10" presetClass="entr" presetSubtype="0" fill="hold" nodeType="afterEffect">
+                                  <p:stCondLst>
+                                    <p:cond delay="0"/>
+                                  </p:stCondLst>
+                                  <p:childTnLst>
+                                    <p:set>
+                                      <p:cBhvr>
+                                        <p:cTn id="10" dur="1" fill="hold">
+                                          <p:stCondLst>
+                                            <p:cond delay="0"/>
+                                          </p:stCondLst>
+                                        </p:cTn>
+                                        <p:tgtEl>
+                                          <p:spTgt spid="4"/>
+                                        </p:tgtEl>
+                                        <p:attrNameLst>
+                                          <p:attrName>style.visibility</p:attrName>
+                                        </p:attrNameLst>
+                                      </p:cBhvr>
+                                      <p:to>
+                                        <p:strVal val="visible"/>
+                                      </p:to>
+                                    </p:set>
+                                    <p:animEffect transition="in" filter="fade">
+                                      <p:cBhvr>
+                                        <p:cTn id="11" dur="250"/>
+                                        <p:tgtEl>
+                                          <p:spTgt spid="4"/>
+                                        </p:tgtEl>
+                                      </p:cBhvr>
+                                    </p:animEffect>
+                                  </p:childTnLst>
+                                </p:cTn>
+                              </p:par>
+                            </p:childTnLst>
+                          </p:cTn>
+                        </p:par>
+                      </p:childTnLst>
+                    </p:cTn>
+                  </p:par>
+                  <p:par>
+                    <p:cTn id="12" fill="hold">
+                      <p:stCondLst>
+                        <p:cond delay="indefinite"/>
+                      </p:stCondLst>
+                      <p:childTnLst>
+                        <p:par>
+                          <p:cTn id="13" fill="hold">
+                            <p:stCondLst>
+                              <p:cond delay="0"/>
+                            </p:stCondLst>
+                            <p:childTnLst>
+                              <p:par>
+                                <p:cTn id="14" presetID="10" presetClass="entr" presetSubtype="0" fill="hold" nodeType="clickEffect">
+                                  <p:stCondLst>
+                                    <p:cond delay="0"/>
+                                  </p:stCondLst>
+                                  <p:childTnLst>
+                                    <p:set>
+                                      <p:cBhvr>
+                                        <p:cTn id="15" dur="1" fill="hold">
+                                          <p:stCondLst>
+                                            <p:cond delay="0"/>
+                                          </p:stCondLst>
+                                        </p:cTn>
+                                        <p:tgtEl>
+                                          <p:spTgt spid="7"/>
+                                        </p:tgtEl>
+                                        <p:attrNameLst>
+                                          <p:attrName>style.visibility</p:attrName>
+                                        </p:attrNameLst>
+                                      </p:cBhvr>
+                                      <p:to>
+                                        <p:strVal val="visible"/>
+                                      </p:to>
+                                    </p:set>
+                                    <p:animEffect transition="in" filter="fade">
+                                      <p:cBhvr>
+                                        <p:cTn id="16" dur="500"/>
+                                        <p:tgtEl>
+                                          <p:spTgt spid="7"/>
+                                        </p:tgtEl>
+                                      </p:cBhvr>
+                                    </p:animEffect>
+                                  </p:childTnLst>
+                                </p:cTn>
+                              </p:par>
+                              <p:par>
+                                <p:cTn id="17" presetID="10" presetClass="entr" presetSubtype="0" fill="hold" grpId="0" nodeType="withEffect">
+                                  <p:stCondLst>
+                                    <p:cond delay="0"/>
+                                  </p:stCondLst>
+                                  <p:childTnLst>
+                                    <p:set>
+                                      <p:cBhvr>
+                                        <p:cTn id="18" dur="1" fill="hold">
+                                          <p:stCondLst>
+                                            <p:cond delay="0"/>
+                                          </p:stCondLst>
+                                        </p:cTn>
+                                        <p:tgtEl>
+                                          <p:spTgt spid="6"/>
+                                        </p:tgtEl>
+                                        <p:attrNameLst>
+                                          <p:attrName>style.visibility</p:attrName>
+                                        </p:attrNameLst>
+                                      </p:cBhvr>
+                                      <p:to>
+                                        <p:strVal val="visible"/>
+                                      </p:to>
+                                    </p:set>
+                                    <p:animEffect transition="in" filter="fade">
+                                      <p:cBhvr>
+                                        <p:cTn id="19" dur="500"/>
+                                        <p:tgtEl>
+                                          <p:spTgt spid="6"/>
+                                        </p:tgtEl>
+                                      </p:cBhvr>
+                                    </p:animEffect>
+                                  </p:childTnLst>
+                                </p:cTn>
+                              </p:par>
+                            </p:childTnLst>
+                          </p:cTn>
+                        </p:par>
+                      </p:childTnLst>
+                    </p:cTn>
+                  </p:par>
+                  <p:par>
+                    <p:cTn id="20" fill="hold">
+                      <p:stCondLst>
+                        <p:cond delay="indefinite"/>
+                      </p:stCondLst>
+                      <p:childTnLst>
+                        <p:par>
+                          <p:cTn id="21" fill="hold">
+                            <p:stCondLst>
+                              <p:cond delay="0"/>
+                            </p:stCondLst>
+                            <p:childTnLst>
+                              <p:par>
+                                <p:cTn id="22" presetID="10" presetClass="entr" presetSubtype="0" fill="hold" nodeType="clickEffect">
+                                  <p:stCondLst>
+                                    <p:cond delay="0"/>
+                                  </p:stCondLst>
+                                  <p:childTnLst>
+                                    <p:set>
+                                      <p:cBhvr>
+                                        <p:cTn id="23" dur="1" fill="hold">
+                                          <p:stCondLst>
+                                            <p:cond delay="0"/>
+                                          </p:stCondLst>
+                                        </p:cTn>
+                                        <p:tgtEl>
+                                          <p:spTgt spid="9"/>
+                                        </p:tgtEl>
+                                        <p:attrNameLst>
+                                          <p:attrName>style.visibility</p:attrName>
+                                        </p:attrNameLst>
+                                      </p:cBhvr>
+                                      <p:to>
+                                        <p:strVal val="visible"/>
+                                      </p:to>
+                                    </p:set>
+                                    <p:animEffect transition="in" filter="fade">
+                                      <p:cBhvr>
+                                        <p:cTn id="24" dur="500"/>
+                                        <p:tgtEl>
+                                          <p:spTgt spid="9"/>
+                                        </p:tgtEl>
+                                      </p:cBhvr>
+                                    </p:animEffect>
+                                  </p:childTnLst>
+                                </p:cTn>
+                              </p:par>
+                              <p:par>
+                                <p:cTn id="25" presetID="10" presetClass="entr" presetSubtype="0" fill="hold" grpId="0" nodeType="withEffect">
+                                  <p:stCondLst>
+                                    <p:cond delay="0"/>
+                                  </p:stCondLst>
+                                  <p:childTnLst>
+                                    <p:set>
+                                      <p:cBhvr>
+                                        <p:cTn id="26" dur="1" fill="hold">
+                                          <p:stCondLst>
+                                            <p:cond delay="0"/>
+                                          </p:stCondLst>
+                                        </p:cTn>
+                                        <p:tgtEl>
+                                          <p:spTgt spid="8"/>
+                                        </p:tgtEl>
+                                        <p:attrNameLst>
+                                          <p:attrName>style.visibility</p:attrName>
+                                        </p:attrNameLst>
+                                      </p:cBhvr>
+                                      <p:to>
+                                        <p:strVal val="visible"/>
+                                      </p:to>
+                                    </p:set>
+                                    <p:animEffect transition="in" filter="fade">
+                                      <p:cBhvr>
+                                        <p:cTn id="27" dur="500"/>
+                                        <p:tgtEl>
+                                          <p:spTgt spid="8"/>
+                                        </p:tgtEl>
+                                      </p:cBhvr>
+                                    </p:animEffect>
+                                  </p:childTnLst>
+                                </p:cTn>
+                              </p:par>
+                            </p:childTnLst>
+                          </p:cTn>
+                        </p:par>
+                      </p:childTnLst>
+                    </p:cTn>
+                  </p:par>
+                  <p:par>
+                    <p:cTn id="28" fill="hold">
+                      <p:stCondLst>
+                        <p:cond delay="indefinite"/>
+                      </p:stCondLst>
+                      <p:childTnLst>
+                        <p:par>
+                          <p:cTn id="29" fill="hold">
+                            <p:stCondLst>
+                              <p:cond delay="0"/>
+                            </p:stCondLst>
+                            <p:childTnLst>
+                              <p:par>
+                                <p:cTn id="30" presetID="10" presetClass="entr" presetSubtype="0" fill="hold" nodeType="clickEffect">
+                                  <p:stCondLst>
+                                    <p:cond delay="0"/>
+                                  </p:stCondLst>
+                                  <p:childTnLst>
+                                    <p:set>
+                                      <p:cBhvr>
+                                        <p:cTn id="31" dur="1" fill="hold">
+                                          <p:stCondLst>
+                                            <p:cond delay="0"/>
+                                          </p:stCondLst>
+                                        </p:cTn>
+                                        <p:tgtEl>
+                                          <p:spTgt spid="10"/>
+                                        </p:tgtEl>
+                                        <p:attrNameLst>
+                                          <p:attrName>style.visibility</p:attrName>
+                                        </p:attrNameLst>
+                                      </p:cBhvr>
+                                      <p:to>
+                                        <p:strVal val="visible"/>
+                                      </p:to>
+                                    </p:set>
+                                    <p:animEffect transition="in" filter="fade">
+                                      <p:cBhvr>
+                                        <p:cTn id="32" dur="500"/>
+                                        <p:tgtEl>
+                                          <p:spTgt spid="10"/>
+                                        </p:tgtEl>
+                                      </p:cBhvr>
+                                    </p:animEffect>
+                                  </p:childTnLst>
+                                </p:cTn>
+                              </p:par>
+                              <p:par>
+                                <p:cTn id="33" presetID="10" presetClass="entr" presetSubtype="0" fill="hold" grpId="0" nodeType="withEffect">
+                                  <p:stCondLst>
+                                    <p:cond delay="0"/>
+                                  </p:stCondLst>
+                                  <p:childTnLst>
+                                    <p:set>
+                                      <p:cBhvr>
+                                        <p:cTn id="34" dur="1" fill="hold">
+                                          <p:stCondLst>
+                                            <p:cond delay="0"/>
+                                          </p:stCondLst>
+                                        </p:cTn>
+                                        <p:tgtEl>
+                                          <p:spTgt spid="14"/>
+                                        </p:tgtEl>
+                                        <p:attrNameLst>
+                                          <p:attrName>style.visibility</p:attrName>
+                                        </p:attrNameLst>
+                                      </p:cBhvr>
+                                      <p:to>
+                                        <p:strVal val="visible"/>
+                                      </p:to>
+                                    </p:set>
+                                    <p:animEffect transition="in" filter="fade">
+                                      <p:cBhvr>
+                                        <p:cTn id="35" dur="500"/>
+                                        <p:tgtEl>
+                                          <p:spTgt spid="14"/>
+                                        </p:tgtEl>
+                                      </p:cBhvr>
+                                    </p:animEffect>
+                                  </p:childTnLst>
+                                </p:cTn>
+                              </p:par>
+                            </p:childTnLst>
+                          </p:cTn>
+                        </p:par>
+                      </p:childTnLst>
+                    </p:cTn>
+                  </p:par>
+                  <p:par>
+                    <p:cTn id="36" fill="hold">
+                      <p:stCondLst>
+                        <p:cond delay="indefinite"/>
+                      </p:stCondLst>
+                      <p:childTnLst>
+                        <p:par>
+                          <p:cTn id="37" fill="hold">
+                            <p:stCondLst>
+                              <p:cond delay="0"/>
+                            </p:stCondLst>
+                            <p:childTnLst>
+                              <p:par>
+                                <p:cTn id="38" presetID="10" presetClass="entr" presetSubtype="0" fill="hold" nodeType="clickEffect">
+                                  <p:stCondLst>
+                                    <p:cond delay="0"/>
+                                  </p:stCondLst>
+                                  <p:childTnLst>
+                                    <p:set>
+                                      <p:cBhvr>
+                                        <p:cTn id="39" dur="1" fill="hold">
+                                          <p:stCondLst>
+                                            <p:cond delay="0"/>
+                                          </p:stCondLst>
+                                        </p:cTn>
+                                        <p:tgtEl>
+                                          <p:spTgt spid="11"/>
+                                        </p:tgtEl>
+                                        <p:attrNameLst>
+                                          <p:attrName>style.visibility</p:attrName>
+                                        </p:attrNameLst>
+                                      </p:cBhvr>
+                                      <p:to>
+                                        <p:strVal val="visible"/>
+                                      </p:to>
+                                    </p:set>
+                                    <p:animEffect transition="in" filter="fade">
+                                      <p:cBhvr>
+                                        <p:cTn id="40" dur="500"/>
+                                        <p:tgtEl>
+                                          <p:spTgt spid="11"/>
+                                        </p:tgtEl>
+                                      </p:cBhvr>
+                                    </p:animEffect>
+                                  </p:childTnLst>
+                                </p:cTn>
+                              </p:par>
+                              <p:par>
+                                <p:cTn id="41" presetID="10" presetClass="entr" presetSubtype="0" fill="hold" grpId="0" nodeType="withEffect">
+                                  <p:stCondLst>
+                                    <p:cond delay="0"/>
+                                  </p:stCondLst>
+                                  <p:childTnLst>
+                                    <p:set>
+                                      <p:cBhvr>
+                                        <p:cTn id="42" dur="1" fill="hold">
+                                          <p:stCondLst>
+                                            <p:cond delay="0"/>
+                                          </p:stCondLst>
+                                        </p:cTn>
+                                        <p:tgtEl>
+                                          <p:spTgt spid="15"/>
+                                        </p:tgtEl>
+                                        <p:attrNameLst>
+                                          <p:attrName>style.visibility</p:attrName>
+                                        </p:attrNameLst>
+                                      </p:cBhvr>
+                                      <p:to>
+                                        <p:strVal val="visible"/>
+                                      </p:to>
+                                    </p:set>
+                                    <p:animEffect transition="in" filter="fade">
+                                      <p:cBhvr>
+                                        <p:cTn id="43" dur="500"/>
+                                        <p:tgtEl>
+                                          <p:spTgt spid="15"/>
+                                        </p:tgtEl>
+                                      </p:cBhvr>
+                                    </p:animEffect>
+                                  </p:childTnLst>
+                                </p:cTn>
+                              </p:par>
+                            </p:childTnLst>
+                          </p:cTn>
+                        </p:par>
+                      </p:childTnLst>
+                    </p:cTn>
+                  </p:par>
+                  <p:par>
+                    <p:cTn id="44" fill="hold">
+                      <p:stCondLst>
+                        <p:cond delay="indefinite"/>
+                      </p:stCondLst>
+                      <p:childTnLst>
+                        <p:par>
+                          <p:cTn id="45" fill="hold">
+                            <p:stCondLst>
+                              <p:cond delay="0"/>
+                            </p:stCondLst>
+                            <p:childTnLst>
+                              <p:par>
+                                <p:cTn id="46" presetID="10" presetClass="entr" presetSubtype="0" fill="hold" nodeType="clickEffect">
+                                  <p:stCondLst>
+                                    <p:cond delay="0"/>
+                                  </p:stCondLst>
+                                  <p:childTnLst>
+                                    <p:set>
+                                      <p:cBhvr>
+                                        <p:cTn id="47" dur="1" fill="hold">
+                                          <p:stCondLst>
+                                            <p:cond delay="0"/>
+                                          </p:stCondLst>
+                                        </p:cTn>
+                                        <p:tgtEl>
+                                          <p:spTgt spid="12"/>
+                                        </p:tgtEl>
+                                        <p:attrNameLst>
+                                          <p:attrName>style.visibility</p:attrName>
+                                        </p:attrNameLst>
+                                      </p:cBhvr>
+                                      <p:to>
+                                        <p:strVal val="visible"/>
+                                      </p:to>
+                                    </p:set>
+                                    <p:animEffect transition="in" filter="fade">
+                                      <p:cBhvr>
+                                        <p:cTn id="48" dur="500"/>
+                                        <p:tgtEl>
+                                          <p:spTgt spid="12"/>
+                                        </p:tgtEl>
+                                      </p:cBhvr>
+                                    </p:animEffect>
+                                  </p:childTnLst>
+                                </p:cTn>
+                              </p:par>
+                              <p:par>
+                                <p:cTn id="49" presetID="10" presetClass="entr" presetSubtype="0" fill="hold" grpId="0" nodeType="withEffect">
+                                  <p:stCondLst>
+                                    <p:cond delay="0"/>
+                                  </p:stCondLst>
+                                  <p:childTnLst>
+                                    <p:set>
+                                      <p:cBhvr>
+                                        <p:cTn id="50" dur="1" fill="hold">
+                                          <p:stCondLst>
+                                            <p:cond delay="0"/>
+                                          </p:stCondLst>
+                                        </p:cTn>
+                                        <p:tgtEl>
+                                          <p:spTgt spid="16"/>
+                                        </p:tgtEl>
+                                        <p:attrNameLst>
+                                          <p:attrName>style.visibility</p:attrName>
+                                        </p:attrNameLst>
+                                      </p:cBhvr>
+                                      <p:to>
+                                        <p:strVal val="visible"/>
+                                      </p:to>
+                                    </p:set>
+                                    <p:animEffect transition="in" filter="fade">
+                                      <p:cBhvr>
+                                        <p:cTn id="51" dur="500"/>
+                                        <p:tgtEl>
+                                          <p:spTgt spid="16"/>
+                                        </p:tgtEl>
+                                      </p:cBhvr>
+                                    </p:animEffect>
+                                  </p:childTnLst>
+                                </p:cTn>
+                              </p:par>
+                            </p:childTnLst>
+                          </p:cTn>
+                        </p:par>
+                      </p:childTnLst>
+                    </p:cTn>
+                  </p:par>
+                </p:childTnLst>
+              </p:cTn>
+              <p:prevCondLst>
+                <p:cond evt="onPrev" delay="0">
+                  <p:tgtEl>
+                    <p:sldTgt/>
+                  </p:tgtEl>
+                </p:cond>
+              </p:prevCondLst>
+              <p:nextCondLst>
+                <p:cond evt="onNext" delay="0">
+                  <p:tgtEl>
+                    <p:sldTgt/>
+                  </p:tgtEl>
+                </p:cond>
+              </p:nextCondLst>
+            </p:seq>
+          </p:childTnLst>
+        </p:cTn>
+      </p:par>
+    </p:tnLst>
+    <p:bldLst>
+      <p:bldP spid="5" grpId="0"/>
+      <p:bldP spid="6" grpId="0"/>
+      <p:bldP spid="8" grpId="0"/>
+      <p:bldP spid="14" grpId="0"/>
+      <p:bldP spid="15" grpId="0"/>
+      <p:bldP spid="16" grpId="0"/>
+    </p:bldLst>
+  </p:timing>
+</p:sld>
+</file>
+
+<file path=ppt/slides/slide9.xml><?xml version="1.0" encoding="utf-8"?>
+<p:sld xmlns:a="http://schemas.openxmlformats.org/drawingml/2006/main" xmlns:r="http://schemas.openxmlformats.org/officeDocument/2006/relationships" xmlns:p="http://schemas.openxmlformats.org/presentationml/2006/main">
+  <p:cSld>
+    <p:spTree>
+      <p:nvGrpSpPr>
+        <p:cNvPr id="1" name=""/>
+        <p:cNvGrpSpPr/>
+        <p:nvPr/>
+      </p:nvGrpSpPr>
+      <p:grpSpPr>
+        <a:xfrm>
+          <a:off x="0" y="0"/>
+          <a:ext cx="0" cy="0"/>
+          <a:chOff x="0" y="0"/>
+          <a:chExt cx="0" cy="0"/>
+        </a:xfrm>
+      </p:grpSpPr>
+      <p:sp>
+        <p:nvSpPr>
+          <p:cNvPr id="2" name="Title 1"/>
+          <p:cNvSpPr>
+            <a:spLocks noGrp="1"/>
+          </p:cNvSpPr>
+          <p:nvPr>
+            <p:ph type="ctrTitle"/>
+          </p:nvPr>
+        </p:nvSpPr>
+        <p:spPr>
+          <a:xfrm>
+            <a:off x="1298046" y="1911287"/>
+            <a:ext cx="7766936" cy="1646302"/>
+          </a:xfrm>
+        </p:spPr>
+        <p:txBody>
+          <a:bodyPr>
+            <a:normAutofit/>
+          </a:bodyPr>
+          <a:lstStyle/>
+          <a:p>
+            <a:pPr algn="ctr"/>
+            <a:r>
+              <a:rPr lang="en-US" sz="7200" dirty="0" smtClean="0">
+                <a:latin typeface="Big Caslon"/>
+                <a:cs typeface="Big Caslon"/>
+              </a:rPr>
+              <a:t>Plan</a:t>
+            </a:r>
+            <a:r>
+              <a:rPr lang="en-US" sz="7200" i="1" dirty="0" smtClean="0">
+                <a:solidFill>
+                  <a:srgbClr val="7F7F7F"/>
+                </a:solidFill>
+                <a:latin typeface="Big Caslon"/>
+                <a:cs typeface="Big Caslon"/>
+              </a:rPr>
+              <a:t>it</a:t>
+            </a:r>
+            <a:r>
+              <a:rPr lang="en-US" sz="7200" dirty="0" smtClean="0">
+                <a:solidFill>
+                  <a:srgbClr val="7F7F7F"/>
+                </a:solidFill>
+                <a:latin typeface="Big Caslon"/>
+                <a:cs typeface="Big Caslon"/>
+              </a:rPr>
+              <a:t>!</a:t>
+            </a:r>
+            <a:endParaRPr lang="en-US" sz="7200" dirty="0">
+              <a:solidFill>
+                <a:srgbClr val="7F7F7F"/>
+              </a:solidFill>
+              <a:latin typeface="Big Caslon"/>
+              <a:cs typeface="Big Caslon"/>
+            </a:endParaRPr>
+          </a:p>
+        </p:txBody>
+      </p:sp>
+      <p:sp>
+        <p:nvSpPr>
+          <p:cNvPr id="6" name="Rectangle 5"/>
+          <p:cNvSpPr/>
+          <p:nvPr/>
+        </p:nvSpPr>
+        <p:spPr>
+          <a:xfrm>
+            <a:off x="3919267" y="3393071"/>
+            <a:ext cx="2405850" cy="400110"/>
+          </a:xfrm>
+          <a:prstGeom prst="rect">
+            <a:avLst/>
+          </a:prstGeom>
+        </p:spPr>
+        <p:txBody>
+          <a:bodyPr wrap="none">
+            <a:spAutoFit/>
+          </a:bodyPr>
+          <a:lstStyle/>
+          <a:p>
+            <a:pPr algn="ctr"/>
+            <a:r>
+              <a:rPr lang="en-US" sz="2000" dirty="0">
+                <a:solidFill>
+                  <a:srgbClr val="70AD47"/>
+                </a:solidFill>
+              </a:rPr>
+              <a:t>We’re Here to Help</a:t>
+            </a:r>
+          </a:p>
+        </p:txBody>
+      </p:sp>
+    </p:spTree>
+    <p:extLst>
+      <p:ext uri="{BB962C8B-B14F-4D97-AF65-F5344CB8AC3E}">
+        <p14:creationId xmlns:p14="http://schemas.microsoft.com/office/powerpoint/2010/main" val="2624175973"/>
       </p:ext>
     </p:extLst>
   </p:cSld>

--- a/Final Project Documentation/CSC521.pptx
+++ b/Final Project Documentation/CSC521.pptx
@@ -5,7 +5,7 @@
     <p:sldMasterId id="2147483678" r:id="rId1"/>
   </p:sldMasterIdLst>
   <p:notesMasterIdLst>
-    <p:notesMasterId r:id="rId14"/>
+    <p:notesMasterId r:id="rId16"/>
   </p:notesMasterIdLst>
   <p:sldIdLst>
     <p:sldId id="276" r:id="rId2"/>
@@ -14,12 +14,14 @@
     <p:sldId id="260" r:id="rId5"/>
     <p:sldId id="291" r:id="rId6"/>
     <p:sldId id="261" r:id="rId7"/>
-    <p:sldId id="265" r:id="rId8"/>
-    <p:sldId id="264" r:id="rId9"/>
-    <p:sldId id="290" r:id="rId10"/>
-    <p:sldId id="295" r:id="rId11"/>
-    <p:sldId id="293" r:id="rId12"/>
-    <p:sldId id="294" r:id="rId13"/>
+    <p:sldId id="297" r:id="rId8"/>
+    <p:sldId id="265" r:id="rId9"/>
+    <p:sldId id="264" r:id="rId10"/>
+    <p:sldId id="290" r:id="rId11"/>
+    <p:sldId id="296" r:id="rId12"/>
+    <p:sldId id="295" r:id="rId13"/>
+    <p:sldId id="293" r:id="rId14"/>
+    <p:sldId id="294" r:id="rId15"/>
   </p:sldIdLst>
   <p:sldSz cx="12192000" cy="6858000"/>
   <p:notesSz cx="6858000" cy="9144000"/>
@@ -410,6 +412,109 @@
 </p:notes>
 </file>
 
+<file path=ppt/notesSlides/notesSlide10.xml><?xml version="1.0" encoding="utf-8"?>
+<p:notes xmlns:a="http://schemas.openxmlformats.org/drawingml/2006/main" xmlns:r="http://schemas.openxmlformats.org/officeDocument/2006/relationships" xmlns:p="http://schemas.openxmlformats.org/presentationml/2006/main">
+  <p:cSld>
+    <p:spTree>
+      <p:nvGrpSpPr>
+        <p:cNvPr id="1" name=""/>
+        <p:cNvGrpSpPr/>
+        <p:nvPr/>
+      </p:nvGrpSpPr>
+      <p:grpSpPr>
+        <a:xfrm>
+          <a:off x="0" y="0"/>
+          <a:ext cx="0" cy="0"/>
+          <a:chOff x="0" y="0"/>
+          <a:chExt cx="0" cy="0"/>
+        </a:xfrm>
+      </p:grpSpPr>
+      <p:sp>
+        <p:nvSpPr>
+          <p:cNvPr id="2" name="Slide Image Placeholder 1"/>
+          <p:cNvSpPr>
+            <a:spLocks noGrp="1" noRot="1" noChangeAspect="1"/>
+          </p:cNvSpPr>
+          <p:nvPr>
+            <p:ph type="sldImg"/>
+          </p:nvPr>
+        </p:nvSpPr>
+        <p:spPr>
+          <a:xfrm>
+            <a:off x="685800" y="1143000"/>
+            <a:ext cx="5486400" cy="3086100"/>
+          </a:xfrm>
+          <a:prstGeom prst="rect">
+            <a:avLst/>
+          </a:prstGeom>
+          <a:noFill/>
+          <a:ln w="12700">
+            <a:solidFill>
+              <a:prstClr val="black"/>
+            </a:solidFill>
+          </a:ln>
+        </p:spPr>
+      </p:sp>
+      <p:sp>
+        <p:nvSpPr>
+          <p:cNvPr id="3" name="Notes Placeholder 2"/>
+          <p:cNvSpPr>
+            <a:spLocks noGrp="1"/>
+          </p:cNvSpPr>
+          <p:nvPr>
+            <p:ph type="body" idx="1"/>
+          </p:nvPr>
+        </p:nvSpPr>
+        <p:spPr>
+          <a:xfrm>
+            <a:off x="685800" y="4400550"/>
+            <a:ext cx="5486400" cy="3600450"/>
+          </a:xfrm>
+          <a:prstGeom prst="rect">
+            <a:avLst/>
+          </a:prstGeom>
+        </p:spPr>
+        <p:txBody>
+          <a:bodyPr/>
+          <a:lstStyle/>
+          <a:p>
+            <a:r>
+              <a:rPr lang="en-US" sz="1200" kern="1200" dirty="0" smtClean="0">
+                <a:solidFill>
+                  <a:schemeClr val="tx1"/>
+                </a:solidFill>
+                <a:effectLst/>
+                <a:latin typeface="+mn-lt"/>
+                <a:ea typeface="+mn-ea"/>
+                <a:cs typeface="+mn-cs"/>
+              </a:rPr>
+              <a:t>We would like to thank you for your time, and this brings us to the conclusion of our presentation. Do we have any questions?</a:t>
+            </a:r>
+            <a:endParaRPr lang="en-US" sz="1200" kern="1200" dirty="0">
+              <a:solidFill>
+                <a:schemeClr val="tx1"/>
+              </a:solidFill>
+              <a:effectLst/>
+              <a:latin typeface="+mn-lt"/>
+              <a:ea typeface="+mn-ea"/>
+              <a:cs typeface="+mn-cs"/>
+            </a:endParaRPr>
+          </a:p>
+        </p:txBody>
+      </p:sp>
+    </p:spTree>
+    <p:extLst>
+      <p:ext uri="{BB962C8B-B14F-4D97-AF65-F5344CB8AC3E}">
+        <p14:creationId xmlns:p14="http://schemas.microsoft.com/office/powerpoint/2010/main" val="971011799"/>
+      </p:ext>
+    </p:extLst>
+  </p:cSld>
+  <p:clrMapOvr>
+    <a:masterClrMapping/>
+  </p:clrMapOvr>
+</p:notes>
+</file>
+
 <file path=ppt/notesSlides/notesSlide2.xml><?xml version="1.0" encoding="utf-8"?>
 <p:notes xmlns:a="http://schemas.openxmlformats.org/drawingml/2006/main" xmlns:r="http://schemas.openxmlformats.org/officeDocument/2006/relationships" xmlns:p="http://schemas.openxmlformats.org/presentationml/2006/main">
   <p:cSld>
@@ -1472,7 +1577,58 @@
               <a:rPr lang="en-US">
                 <a:cs typeface="Calibri"/>
               </a:rPr>
-              <a:t>website</a:t>
+              <a:t>workflow chart - </a:t>
+            </a:r>
+            <a:r>
+              <a:rPr lang="en-US" sz="1100">
+                <a:cs typeface="Calibri"/>
+              </a:rPr>
+              <a:t>This work has been released into the </a:t>
+            </a:r>
+            <a:r>
+              <a:rPr lang="en-US" sz="1100" b="1">
+                <a:cs typeface="Calibri"/>
+                <a:hlinkClick r:id="rId3" tooltip="w:en:public domain"/>
+              </a:rPr>
+              <a:t>public domain</a:t>
+            </a:r>
+            <a:r>
+              <a:rPr lang="en-US" sz="1100">
+                <a:cs typeface="Calibri"/>
+              </a:rPr>
+              <a:t> by its author, </a:t>
+            </a:r>
+            <a:r>
+              <a:rPr lang="en-US" sz="1100" b="1">
+                <a:cs typeface="Calibri"/>
+                <a:hlinkClick r:id="rId4" tooltip="Projectcode:User:Dutchguilder (page does not exist)"/>
+              </a:rPr>
+              <a:t>Dutchguilder</a:t>
+            </a:r>
+            <a:r>
+              <a:rPr lang="en-US" sz="1100" b="1">
+                <a:cs typeface="Calibri"/>
+              </a:rPr>
+              <a:t> at the </a:t>
+            </a:r>
+            <a:r>
+              <a:rPr lang="en-US" sz="1100" b="1">
+                <a:cs typeface="Calibri"/>
+                <a:hlinkClick r:id="rId5" tooltip="Projectcode: (page does not exist)"/>
+              </a:rPr>
+              <a:t>projectname</a:t>
+            </a:r>
+            <a:r>
+              <a:rPr lang="en-US" sz="1100" b="1">
+                <a:cs typeface="Calibri"/>
+              </a:rPr>
+              <a:t> project</a:t>
+            </a:r>
+            <a:r>
+              <a:rPr lang="en-US" sz="1100">
+                <a:cs typeface="Calibri"/>
+              </a:rPr>
+              <a:t>. This applies worldwide.</a:t>
             </a:r>
           </a:p>
           <a:p>
@@ -1480,23 +1636,7 @@
               <a:rPr lang="en-US">
                 <a:cs typeface="Calibri"/>
               </a:rPr>
-              <a:t>functionality</a:t>
-            </a:r>
-          </a:p>
-          <a:p>
-            <a:r>
-              <a:rPr lang="en-US">
-                <a:cs typeface="Calibri"/>
-              </a:rPr>
-              <a:t>From Beth:</a:t>
-            </a:r>
-          </a:p>
-          <a:p>
-            <a:r>
-              <a:rPr lang="en-US">
-                <a:cs typeface="Calibri"/>
-              </a:rPr>
-              <a:t>If you explain at the beginning that there are uncertainties and show how there is a range of time that you expect these things to be done in, then when you reevaluate you should be more certain and have a better view of how long it's going to take so that the time range should be more narrow.  We need to acknowledge during the presentation that the first couple of sprints are experimental and will have a better feel of what we can acomplish. </a:t>
+              <a:t>2 week sprints</a:t>
             </a:r>
           </a:p>
           <a:p>
@@ -1520,7 +1660,7 @@
     </p:spTree>
     <p:extLst>
       <p:ext uri="{BB962C8B-B14F-4D97-AF65-F5344CB8AC3E}">
-        <p14:creationId xmlns:p14="http://schemas.microsoft.com/office/powerpoint/2010/main" val="2858488278"/>
+        <p14:creationId xmlns:p14="http://schemas.microsoft.com/office/powerpoint/2010/main" val="2827903348"/>
       </p:ext>
     </p:extLst>
   </p:cSld>
@@ -1597,145 +1737,58 @@
           <a:lstStyle/>
           <a:p>
             <a:r>
-              <a:rPr lang="en-US" dirty="0" smtClean="0"/>
-              <a:t>We </a:t>
-            </a:r>
-            <a:r>
-              <a:rPr lang="en-US" dirty="0"/>
-              <a:t>assigned specification 20% because we felt it was one of the most important parts of our project and considering we all took the software engineering track we were able to understand its importance.</a:t>
-            </a:r>
-          </a:p>
-          <a:p>
-            <a:endParaRPr lang="en-US" dirty="0">
-              <a:solidFill>
-                <a:srgbClr val="FF0000"/>
-              </a:solidFill>
-              <a:latin typeface="Times New Roman"/>
-              <a:cs typeface="Times New Roman"/>
+              <a:rPr lang="en-US">
+                <a:cs typeface="Calibri"/>
+              </a:rPr>
+              <a:t>website</a:t>
+            </a:r>
+          </a:p>
+          <a:p>
+            <a:r>
+              <a:rPr lang="en-US">
+                <a:cs typeface="Calibri"/>
+              </a:rPr>
+              <a:t>functionality</a:t>
+            </a:r>
+          </a:p>
+          <a:p>
+            <a:r>
+              <a:rPr lang="en-US">
+                <a:cs typeface="Calibri"/>
+              </a:rPr>
+              <a:t>From Beth:</a:t>
+            </a:r>
+          </a:p>
+          <a:p>
+            <a:r>
+              <a:rPr lang="en-US">
+                <a:cs typeface="Calibri"/>
+              </a:rPr>
+              <a:t>If you explain at the beginning that there are uncertainties and show how there is a range of time that you expect these things to be done in, then when you reevaluate you should be more certain and have a better view of how long it's going to take so that the time range should be more narrow.  We need to acknowledge during the presentation that the first couple of sprints are experimental and will have a better feel of what we can acomplish. </a:t>
+            </a:r>
+          </a:p>
+          <a:p>
+            <a:r>
+              <a:rPr lang="en-US">
+                <a:cs typeface="Calibri"/>
+              </a:rPr>
+              <a:t/>
+            </a:r>
+            <a:br>
+              <a:rPr lang="en-US">
+                <a:cs typeface="Calibri"/>
+              </a:rPr>
+            </a:br>
+            <a:endParaRPr lang="en-US">
+              <a:cs typeface="Calibri"/>
             </a:endParaRPr>
-          </a:p>
-          <a:p>
-            <a:r>
-              <a:rPr lang="en-US" dirty="0"/>
-              <a:t>&lt;Next/&gt;</a:t>
-            </a:r>
-          </a:p>
-          <a:p>
-            <a:r>
-              <a:rPr lang="en-US" dirty="0"/>
-              <a:t>Following up with analysis we assigned it a slightly smaller number because we didn’t feel it was as important as specifications but at the same time we felt pulling out our classes and having a good understanding of the functional flow was important for scalability and maintainability in later workflows.</a:t>
-            </a:r>
-          </a:p>
-          <a:p>
-            <a:endParaRPr lang="en-US" dirty="0">
-              <a:latin typeface="Times New Roman"/>
-              <a:cs typeface="Times New Roman"/>
-            </a:endParaRPr>
-          </a:p>
-          <a:p>
-            <a:r>
-              <a:rPr lang="en-US" dirty="0"/>
-              <a:t>&lt;Next/&gt;</a:t>
-            </a:r>
-          </a:p>
-          <a:p>
-            <a:r>
-              <a:rPr lang="en-US" dirty="0"/>
-              <a:t>Design was given the same level of effort as analysis because at this point we will have already spent </a:t>
-            </a:r>
-            <a:r>
-              <a:rPr lang="en-US" dirty="0" smtClean="0"/>
-              <a:t>half of</a:t>
-            </a:r>
-            <a:r>
-              <a:rPr lang="en-US" baseline="0" dirty="0" smtClean="0"/>
-              <a:t> our</a:t>
-            </a:r>
-            <a:r>
-              <a:rPr lang="en-US" dirty="0" smtClean="0"/>
-              <a:t> </a:t>
-            </a:r>
-            <a:r>
-              <a:rPr lang="en-US" dirty="0"/>
-              <a:t>time on </a:t>
-            </a:r>
-            <a:r>
-              <a:rPr lang="en-US" dirty="0" smtClean="0"/>
-              <a:t>planning, </a:t>
-            </a:r>
-            <a:r>
-              <a:rPr lang="en-US" dirty="0"/>
-              <a:t>so continuing to make sure we keep on track and work on our design before implementation seemed appropriate. </a:t>
-            </a:r>
-          </a:p>
-          <a:p>
-            <a:endParaRPr lang="en-US" dirty="0">
-              <a:latin typeface="Times New Roman"/>
-              <a:cs typeface="Times New Roman"/>
-            </a:endParaRPr>
-          </a:p>
-          <a:p>
-            <a:r>
-              <a:rPr lang="en-US" dirty="0"/>
-              <a:t>&lt;Next/&gt;</a:t>
-            </a:r>
-          </a:p>
-          <a:p>
-            <a:r>
-              <a:rPr lang="en-US" dirty="0"/>
-              <a:t>Implementation came in at 30%. Although the largest individual assignment, we have still assigned the majority of the project to planning.</a:t>
-            </a:r>
-          </a:p>
-          <a:p>
-            <a:endParaRPr lang="en-US" dirty="0">
-              <a:latin typeface="Times New Roman"/>
-              <a:cs typeface="Times New Roman"/>
-            </a:endParaRPr>
-          </a:p>
-          <a:p>
-            <a:r>
-              <a:rPr lang="en-US" dirty="0"/>
-              <a:t>&lt;Next/&gt;</a:t>
-            </a:r>
-          </a:p>
-          <a:p>
-            <a:r>
-              <a:rPr lang="en-US" dirty="0"/>
-              <a:t>Documentation </a:t>
-            </a:r>
-            <a:r>
-              <a:rPr lang="en-US" dirty="0" smtClean="0"/>
-              <a:t>has earned </a:t>
-            </a:r>
-            <a:r>
-              <a:rPr lang="en-US" dirty="0"/>
-              <a:t>it's self 10% because as a real world software experience we understand that in order for a group to function properly, we can’t be wasting our time trying to understand what our colleague’s code is supposed to do.</a:t>
-            </a:r>
-          </a:p>
-          <a:p>
-            <a:endParaRPr lang="en-US" dirty="0">
-              <a:latin typeface="Times New Roman"/>
-              <a:cs typeface="Times New Roman"/>
-            </a:endParaRPr>
-          </a:p>
-          <a:p>
-            <a:r>
-              <a:rPr lang="en-US" dirty="0"/>
-              <a:t>&lt;Next/&gt;</a:t>
-            </a:r>
-          </a:p>
-          <a:p>
-            <a:r>
-              <a:rPr lang="en-US" dirty="0"/>
-              <a:t>And finally we have assigned our presentation 10% because our goal is to not just to deliver a piece of software but deliver a quality and engaging product presentation. </a:t>
-            </a:r>
           </a:p>
         </p:txBody>
       </p:sp>
     </p:spTree>
     <p:extLst>
       <p:ext uri="{BB962C8B-B14F-4D97-AF65-F5344CB8AC3E}">
-        <p14:creationId xmlns:p14="http://schemas.microsoft.com/office/powerpoint/2010/main" val="3049396755"/>
+        <p14:creationId xmlns:p14="http://schemas.microsoft.com/office/powerpoint/2010/main" val="2858488278"/>
       </p:ext>
     </p:extLst>
   </p:cSld>
@@ -1812,33 +1865,145 @@
           <a:lstStyle/>
           <a:p>
             <a:r>
-              <a:rPr lang="en-US" sz="1200" kern="1200" dirty="0" smtClean="0">
-                <a:solidFill>
-                  <a:schemeClr val="tx1"/>
-                </a:solidFill>
-                <a:effectLst/>
-                <a:latin typeface="+mn-lt"/>
-                <a:ea typeface="+mn-ea"/>
-                <a:cs typeface="+mn-cs"/>
-              </a:rPr>
-              <a:t>We would like to thank you for your time, and this brings us to the conclusion of our presentation. Do we have any questions?</a:t>
-            </a:r>
-            <a:endParaRPr lang="en-US" sz="1200" kern="1200" dirty="0">
+              <a:rPr lang="en-US" dirty="0" smtClean="0"/>
+              <a:t>We </a:t>
+            </a:r>
+            <a:r>
+              <a:rPr lang="en-US" dirty="0"/>
+              <a:t>assigned specification 20% because we felt it was one of the most important parts of our project and considering we all took the software engineering track we were able to understand its importance.</a:t>
+            </a:r>
+          </a:p>
+          <a:p>
+            <a:endParaRPr lang="en-US" dirty="0">
               <a:solidFill>
-                <a:schemeClr val="tx1"/>
+                <a:srgbClr val="FF0000"/>
               </a:solidFill>
-              <a:effectLst/>
-              <a:latin typeface="+mn-lt"/>
-              <a:ea typeface="+mn-ea"/>
-              <a:cs typeface="+mn-cs"/>
+              <a:latin typeface="Times New Roman"/>
+              <a:cs typeface="Times New Roman"/>
             </a:endParaRPr>
+          </a:p>
+          <a:p>
+            <a:r>
+              <a:rPr lang="en-US" dirty="0"/>
+              <a:t>&lt;Next/&gt;</a:t>
+            </a:r>
+          </a:p>
+          <a:p>
+            <a:r>
+              <a:rPr lang="en-US" dirty="0"/>
+              <a:t>Following up with analysis we assigned it a slightly smaller number because we didn’t feel it was as important as specifications but at the same time we felt pulling out our classes and having a good understanding of the functional flow was important for scalability and maintainability in later workflows.</a:t>
+            </a:r>
+          </a:p>
+          <a:p>
+            <a:endParaRPr lang="en-US" dirty="0">
+              <a:latin typeface="Times New Roman"/>
+              <a:cs typeface="Times New Roman"/>
+            </a:endParaRPr>
+          </a:p>
+          <a:p>
+            <a:r>
+              <a:rPr lang="en-US" dirty="0"/>
+              <a:t>&lt;Next/&gt;</a:t>
+            </a:r>
+          </a:p>
+          <a:p>
+            <a:r>
+              <a:rPr lang="en-US" dirty="0"/>
+              <a:t>Design was given the same level of effort as analysis because at this point we will have already spent </a:t>
+            </a:r>
+            <a:r>
+              <a:rPr lang="en-US" dirty="0" smtClean="0"/>
+              <a:t>half of</a:t>
+            </a:r>
+            <a:r>
+              <a:rPr lang="en-US" baseline="0" dirty="0" smtClean="0"/>
+              <a:t> our</a:t>
+            </a:r>
+            <a:r>
+              <a:rPr lang="en-US" dirty="0" smtClean="0"/>
+              <a:t> </a:t>
+            </a:r>
+            <a:r>
+              <a:rPr lang="en-US" dirty="0"/>
+              <a:t>time on </a:t>
+            </a:r>
+            <a:r>
+              <a:rPr lang="en-US" dirty="0" smtClean="0"/>
+              <a:t>planning, </a:t>
+            </a:r>
+            <a:r>
+              <a:rPr lang="en-US" dirty="0"/>
+              <a:t>so continuing to make sure we keep on track and work on our design before implementation seemed appropriate. </a:t>
+            </a:r>
+          </a:p>
+          <a:p>
+            <a:endParaRPr lang="en-US" dirty="0">
+              <a:latin typeface="Times New Roman"/>
+              <a:cs typeface="Times New Roman"/>
+            </a:endParaRPr>
+          </a:p>
+          <a:p>
+            <a:r>
+              <a:rPr lang="en-US" dirty="0"/>
+              <a:t>&lt;Next/&gt;</a:t>
+            </a:r>
+          </a:p>
+          <a:p>
+            <a:r>
+              <a:rPr lang="en-US" dirty="0"/>
+              <a:t>Implementation came in at 30%. Although the largest individual assignment, we have still assigned the majority of the project to planning.</a:t>
+            </a:r>
+          </a:p>
+          <a:p>
+            <a:endParaRPr lang="en-US" dirty="0">
+              <a:latin typeface="Times New Roman"/>
+              <a:cs typeface="Times New Roman"/>
+            </a:endParaRPr>
+          </a:p>
+          <a:p>
+            <a:r>
+              <a:rPr lang="en-US" dirty="0"/>
+              <a:t>&lt;Next/&gt;</a:t>
+            </a:r>
+          </a:p>
+          <a:p>
+            <a:r>
+              <a:rPr lang="en-US" dirty="0"/>
+              <a:t>Documentation </a:t>
+            </a:r>
+            <a:r>
+              <a:rPr lang="en-US" dirty="0" smtClean="0"/>
+              <a:t>has earned </a:t>
+            </a:r>
+            <a:r>
+              <a:rPr lang="en-US" dirty="0"/>
+              <a:t>it's self 10% because as a real world software experience we understand that in order for a group to function properly, we can’t be wasting our time trying to understand what our colleague’s code is supposed to do.</a:t>
+            </a:r>
+          </a:p>
+          <a:p>
+            <a:endParaRPr lang="en-US" dirty="0">
+              <a:latin typeface="Times New Roman"/>
+              <a:cs typeface="Times New Roman"/>
+            </a:endParaRPr>
+          </a:p>
+          <a:p>
+            <a:r>
+              <a:rPr lang="en-US" dirty="0"/>
+              <a:t>&lt;Next/&gt;</a:t>
+            </a:r>
+          </a:p>
+          <a:p>
+            <a:r>
+              <a:rPr lang="en-US" dirty="0"/>
+              <a:t>And finally we have assigned our presentation 10% because our goal is to not just to deliver a piece of software but deliver a quality and engaging product presentation. </a:t>
+            </a:r>
           </a:p>
         </p:txBody>
       </p:sp>
     </p:spTree>
     <p:extLst>
       <p:ext uri="{BB962C8B-B14F-4D97-AF65-F5344CB8AC3E}">
-        <p14:creationId xmlns:p14="http://schemas.microsoft.com/office/powerpoint/2010/main" val="971011799"/>
+        <p14:creationId xmlns:p14="http://schemas.microsoft.com/office/powerpoint/2010/main" val="3049396755"/>
       </p:ext>
     </p:extLst>
   </p:cSld>
@@ -8983,6 +9148,309 @@
 </file>
 
 <file path=ppt/slides/slide10.xml><?xml version="1.0" encoding="utf-8"?>
+<p:sld xmlns:a="http://schemas.openxmlformats.org/drawingml/2006/main" xmlns:r="http://schemas.openxmlformats.org/officeDocument/2006/relationships" xmlns:p="http://schemas.openxmlformats.org/presentationml/2006/main">
+  <p:cSld>
+    <p:spTree>
+      <p:nvGrpSpPr>
+        <p:cNvPr id="1" name=""/>
+        <p:cNvGrpSpPr/>
+        <p:nvPr/>
+      </p:nvGrpSpPr>
+      <p:grpSpPr>
+        <a:xfrm>
+          <a:off x="0" y="0"/>
+          <a:ext cx="0" cy="0"/>
+          <a:chOff x="0" y="0"/>
+          <a:chExt cx="0" cy="0"/>
+        </a:xfrm>
+      </p:grpSpPr>
+      <p:sp>
+        <p:nvSpPr>
+          <p:cNvPr id="2" name="Title 1"/>
+          <p:cNvSpPr>
+            <a:spLocks noGrp="1"/>
+          </p:cNvSpPr>
+          <p:nvPr>
+            <p:ph type="ctrTitle"/>
+          </p:nvPr>
+        </p:nvSpPr>
+        <p:spPr>
+          <a:xfrm>
+            <a:off x="1298046" y="1911287"/>
+            <a:ext cx="7766936" cy="1646302"/>
+          </a:xfrm>
+        </p:spPr>
+        <p:txBody>
+          <a:bodyPr>
+            <a:normAutofit/>
+          </a:bodyPr>
+          <a:lstStyle/>
+          <a:p>
+            <a:pPr algn="ctr"/>
+            <a:r>
+              <a:rPr lang="en-US" sz="7200" dirty="0" smtClean="0">
+                <a:latin typeface="Big Caslon"/>
+                <a:cs typeface="Big Caslon"/>
+              </a:rPr>
+              <a:t>Plan</a:t>
+            </a:r>
+            <a:r>
+              <a:rPr lang="en-US" sz="7200" i="1" dirty="0" smtClean="0">
+                <a:solidFill>
+                  <a:srgbClr val="7F7F7F"/>
+                </a:solidFill>
+                <a:latin typeface="Big Caslon"/>
+                <a:cs typeface="Big Caslon"/>
+              </a:rPr>
+              <a:t>it</a:t>
+            </a:r>
+            <a:r>
+              <a:rPr lang="en-US" sz="7200" dirty="0" smtClean="0">
+                <a:solidFill>
+                  <a:srgbClr val="7F7F7F"/>
+                </a:solidFill>
+                <a:latin typeface="Big Caslon"/>
+                <a:cs typeface="Big Caslon"/>
+              </a:rPr>
+              <a:t>!</a:t>
+            </a:r>
+            <a:endParaRPr lang="en-US" sz="7200" dirty="0">
+              <a:solidFill>
+                <a:srgbClr val="7F7F7F"/>
+              </a:solidFill>
+              <a:latin typeface="Big Caslon"/>
+              <a:cs typeface="Big Caslon"/>
+            </a:endParaRPr>
+          </a:p>
+        </p:txBody>
+      </p:sp>
+      <p:sp>
+        <p:nvSpPr>
+          <p:cNvPr id="6" name="Rectangle 5"/>
+          <p:cNvSpPr/>
+          <p:nvPr/>
+        </p:nvSpPr>
+        <p:spPr>
+          <a:xfrm>
+            <a:off x="3919267" y="3393071"/>
+            <a:ext cx="2405850" cy="400110"/>
+          </a:xfrm>
+          <a:prstGeom prst="rect">
+            <a:avLst/>
+          </a:prstGeom>
+        </p:spPr>
+        <p:txBody>
+          <a:bodyPr wrap="none">
+            <a:spAutoFit/>
+          </a:bodyPr>
+          <a:lstStyle/>
+          <a:p>
+            <a:pPr algn="ctr"/>
+            <a:r>
+              <a:rPr lang="en-US" sz="2000" dirty="0">
+                <a:solidFill>
+                  <a:srgbClr val="70AD47"/>
+                </a:solidFill>
+              </a:rPr>
+              <a:t>We’re Here to Help</a:t>
+            </a:r>
+          </a:p>
+        </p:txBody>
+      </p:sp>
+    </p:spTree>
+    <p:extLst>
+      <p:ext uri="{BB962C8B-B14F-4D97-AF65-F5344CB8AC3E}">
+        <p14:creationId xmlns:p14="http://schemas.microsoft.com/office/powerpoint/2010/main" val="2624175973"/>
+      </p:ext>
+    </p:extLst>
+  </p:cSld>
+  <p:clrMapOvr>
+    <a:masterClrMapping/>
+  </p:clrMapOvr>
+  <p:timing>
+    <p:tnLst>
+      <p:par>
+        <p:cTn id="1" dur="indefinite" restart="never" nodeType="tmRoot"/>
+      </p:par>
+    </p:tnLst>
+  </p:timing>
+</p:sld>
+</file>
+
+<file path=ppt/slides/slide11.xml><?xml version="1.0" encoding="utf-8"?>
+<p:sld xmlns:a="http://schemas.openxmlformats.org/drawingml/2006/main" xmlns:r="http://schemas.openxmlformats.org/officeDocument/2006/relationships" xmlns:p="http://schemas.openxmlformats.org/presentationml/2006/main">
+  <p:cSld>
+    <p:spTree>
+      <p:nvGrpSpPr>
+        <p:cNvPr id="1" name=""/>
+        <p:cNvGrpSpPr/>
+        <p:nvPr/>
+      </p:nvGrpSpPr>
+      <p:grpSpPr>
+        <a:xfrm>
+          <a:off x="0" y="0"/>
+          <a:ext cx="0" cy="0"/>
+          <a:chOff x="0" y="0"/>
+          <a:chExt cx="0" cy="0"/>
+        </a:xfrm>
+      </p:grpSpPr>
+      <p:sp>
+        <p:nvSpPr>
+          <p:cNvPr id="2" name="Title 1"/>
+          <p:cNvSpPr>
+            <a:spLocks noGrp="1"/>
+          </p:cNvSpPr>
+          <p:nvPr>
+            <p:ph type="title"/>
+          </p:nvPr>
+        </p:nvSpPr>
+        <p:spPr/>
+        <p:txBody>
+          <a:bodyPr/>
+          <a:lstStyle/>
+          <a:p>
+            <a:endParaRPr lang="en-US" dirty="0"/>
+          </a:p>
+        </p:txBody>
+      </p:sp>
+      <p:sp>
+        <p:nvSpPr>
+          <p:cNvPr id="3" name="Content Placeholder 2"/>
+          <p:cNvSpPr>
+            <a:spLocks noGrp="1"/>
+          </p:cNvSpPr>
+          <p:nvPr>
+            <p:ph idx="1"/>
+          </p:nvPr>
+        </p:nvSpPr>
+        <p:spPr/>
+        <p:txBody>
+          <a:bodyPr>
+            <a:normAutofit fontScale="85000" lnSpcReduction="20000"/>
+          </a:bodyPr>
+          <a:lstStyle/>
+          <a:p>
+            <a:r>
+              <a:rPr lang="en-US" b="1" dirty="0"/>
+              <a:t>Choosing the Project Framework</a:t>
+            </a:r>
+            <a:endParaRPr lang="en-US" dirty="0"/>
+          </a:p>
+          <a:p>
+            <a:r>
+              <a:rPr lang="en-US" b="1" dirty="0"/>
+              <a:t>Doing the first walkthrough of deploying to Azure</a:t>
+            </a:r>
+            <a:endParaRPr lang="en-US" dirty="0"/>
+          </a:p>
+          <a:p>
+            <a:r>
+              <a:rPr lang="en-US" b="1" dirty="0"/>
+              <a:t>Integrating JQuery plugins into MVC project</a:t>
+            </a:r>
+            <a:endParaRPr lang="en-US" dirty="0"/>
+          </a:p>
+          <a:p>
+            <a:r>
+              <a:rPr lang="en-US" b="1" dirty="0"/>
+              <a:t>Integrating </a:t>
+            </a:r>
+            <a:r>
+              <a:rPr lang="en-US" b="1" dirty="0" err="1"/>
+              <a:t>javascript</a:t>
+            </a:r>
+            <a:r>
+              <a:rPr lang="en-US" b="1" dirty="0"/>
+              <a:t> code into MVC/Razor/Html Model</a:t>
+            </a:r>
+            <a:endParaRPr lang="en-US" dirty="0"/>
+          </a:p>
+          <a:p>
+            <a:r>
+              <a:rPr lang="en-US" b="1" dirty="0"/>
+              <a:t>The GIT Bash Learning curve - Living in </a:t>
+            </a:r>
+            <a:r>
+              <a:rPr lang="en-US" b="1" dirty="0" err="1"/>
+              <a:t>GITHub</a:t>
+            </a:r>
+            <a:r>
+              <a:rPr lang="en-US" b="1" dirty="0"/>
+              <a:t> and working in GIT</a:t>
+            </a:r>
+            <a:endParaRPr lang="en-US" dirty="0"/>
+          </a:p>
+          <a:p>
+            <a:r>
+              <a:rPr lang="en-US" b="1" dirty="0"/>
+              <a:t>Database </a:t>
+            </a:r>
+            <a:endParaRPr lang="en-US" dirty="0"/>
+          </a:p>
+          <a:p>
+            <a:r>
+              <a:rPr lang="en-US" b="1" dirty="0"/>
+              <a:t>Integrating the MVC “free” User Authentication</a:t>
+            </a:r>
+            <a:endParaRPr lang="en-US" dirty="0"/>
+          </a:p>
+          <a:p>
+            <a:r>
+              <a:rPr lang="en-US" b="1" dirty="0"/>
+              <a:t>No change is a standalone change</a:t>
+            </a:r>
+            <a:endParaRPr lang="en-US" dirty="0"/>
+          </a:p>
+          <a:p>
+            <a:r>
+              <a:rPr lang="en-US" b="1" dirty="0"/>
+              <a:t>Sprints, deadlines, formal testing and documentation – not so much….</a:t>
+            </a:r>
+            <a:endParaRPr lang="en-US" dirty="0"/>
+          </a:p>
+          <a:p>
+            <a:r>
+              <a:rPr lang="en-US" b="1" dirty="0"/>
+              <a:t>Scheduling, Teamwork and meetings</a:t>
+            </a:r>
+            <a:endParaRPr lang="en-US" dirty="0"/>
+          </a:p>
+          <a:p>
+            <a:r>
+              <a:rPr lang="en-US" b="1" dirty="0"/>
+              <a:t>Beta Testing by Family and Friends</a:t>
+            </a:r>
+            <a:r>
+              <a:rPr lang="en-US" dirty="0"/>
+              <a:t> </a:t>
+            </a:r>
+          </a:p>
+          <a:p>
+            <a:r>
+              <a:rPr lang="en-US" b="1" dirty="0"/>
+              <a:t>What would we do differently?</a:t>
+            </a:r>
+            <a:endParaRPr lang="en-US" dirty="0"/>
+          </a:p>
+          <a:p>
+            <a:endParaRPr lang="en-US" dirty="0"/>
+          </a:p>
+        </p:txBody>
+      </p:sp>
+    </p:spTree>
+    <p:extLst>
+      <p:ext uri="{BB962C8B-B14F-4D97-AF65-F5344CB8AC3E}">
+        <p14:creationId xmlns:p14="http://schemas.microsoft.com/office/powerpoint/2010/main" val="2116137551"/>
+      </p:ext>
+    </p:extLst>
+  </p:cSld>
+  <p:clrMapOvr>
+    <a:masterClrMapping/>
+  </p:clrMapOvr>
+</p:sld>
+</file>
+
+<file path=ppt/slides/slide12.xml><?xml version="1.0" encoding="utf-8"?>
 <p:sld xmlns:a="http://schemas.openxmlformats.org/drawingml/2006/main" xmlns:r="http://schemas.openxmlformats.org/officeDocument/2006/relationships" xmlns:p="http://schemas.openxmlformats.org/presentationml/2006/main">
   <p:cSld>
     <p:spTree>
@@ -10203,7 +10671,7 @@
 </p:sld>
 </file>
 
-<file path=ppt/slides/slide11.xml><?xml version="1.0" encoding="utf-8"?>
+<file path=ppt/slides/slide13.xml><?xml version="1.0" encoding="utf-8"?>
 <p:sld xmlns:a="http://schemas.openxmlformats.org/drawingml/2006/main" xmlns:r="http://schemas.openxmlformats.org/officeDocument/2006/relationships" xmlns:p="http://schemas.openxmlformats.org/presentationml/2006/main">
   <p:cSld>
     <p:spTree>
@@ -10295,7 +10763,7 @@
 </p:sld>
 </file>
 
-<file path=ppt/slides/slide12.xml><?xml version="1.0" encoding="utf-8"?>
+<file path=ppt/slides/slide14.xml><?xml version="1.0" encoding="utf-8"?>
 <p:sld xmlns:a="http://schemas.openxmlformats.org/drawingml/2006/main" xmlns:r="http://schemas.openxmlformats.org/officeDocument/2006/relationships" xmlns:p="http://schemas.openxmlformats.org/presentationml/2006/main">
   <p:cSld>
     <p:spTree>
@@ -13783,6 +14251,88 @@
           <a:lstStyle/>
           <a:p>
             <a:r>
+              <a:rPr lang="en-US" dirty="0"/>
+              <a:t>Time Schedule</a:t>
+            </a:r>
+          </a:p>
+        </p:txBody>
+      </p:sp>
+      <p:pic>
+        <p:nvPicPr>
+          <p:cNvPr id="7" name="Content Placeholder 6" descr="ScreenCapture 2013-12-06 at 9.18.43 PM.jpg"/>
+          <p:cNvPicPr>
+            <a:picLocks noGrp="1" noChangeAspect="1"/>
+          </p:cNvPicPr>
+          <p:nvPr>
+            <p:ph idx="1"/>
+          </p:nvPr>
+        </p:nvPicPr>
+        <p:blipFill>
+          <a:blip r:embed="rId3"/>
+          <a:stretch>
+            <a:fillRect/>
+          </a:stretch>
+        </p:blipFill>
+        <p:spPr>
+          <a:xfrm>
+            <a:off x="239713" y="1806463"/>
+            <a:ext cx="9311298" cy="3443400"/>
+          </a:xfrm>
+        </p:spPr>
+      </p:pic>
+    </p:spTree>
+    <p:extLst>
+      <p:ext uri="{BB962C8B-B14F-4D97-AF65-F5344CB8AC3E}">
+        <p14:creationId xmlns:p14="http://schemas.microsoft.com/office/powerpoint/2010/main" val="4197266926"/>
+      </p:ext>
+    </p:extLst>
+  </p:cSld>
+  <p:clrMapOvr>
+    <a:masterClrMapping/>
+  </p:clrMapOvr>
+  <p:timing>
+    <p:tnLst>
+      <p:par>
+        <p:cTn id="1" dur="indefinite" restart="never" nodeType="tmRoot"/>
+      </p:par>
+    </p:tnLst>
+  </p:timing>
+</p:sld>
+</file>
+
+<file path=ppt/slides/slide8.xml><?xml version="1.0" encoding="utf-8"?>
+<p:sld xmlns:a="http://schemas.openxmlformats.org/drawingml/2006/main" xmlns:r="http://schemas.openxmlformats.org/officeDocument/2006/relationships" xmlns:p="http://schemas.openxmlformats.org/presentationml/2006/main">
+  <p:cSld>
+    <p:spTree>
+      <p:nvGrpSpPr>
+        <p:cNvPr id="1" name=""/>
+        <p:cNvGrpSpPr/>
+        <p:nvPr/>
+      </p:nvGrpSpPr>
+      <p:grpSpPr>
+        <a:xfrm>
+          <a:off x="0" y="0"/>
+          <a:ext cx="0" cy="0"/>
+          <a:chOff x="0" y="0"/>
+          <a:chExt cx="0" cy="0"/>
+        </a:xfrm>
+      </p:grpSpPr>
+      <p:sp>
+        <p:nvSpPr>
+          <p:cNvPr id="2" name="Title 1"/>
+          <p:cNvSpPr>
+            <a:spLocks noGrp="1"/>
+          </p:cNvSpPr>
+          <p:nvPr>
+            <p:ph type="title"/>
+          </p:nvPr>
+        </p:nvSpPr>
+        <p:spPr/>
+        <p:txBody>
+          <a:bodyPr/>
+          <a:lstStyle/>
+          <a:p>
+            <a:r>
               <a:rPr lang="en-US"/>
               <a:t>List of Deliverables</a:t>
             </a:r>
@@ -13832,7 +14382,7 @@
 </p:sld>
 </file>
 
-<file path=ppt/slides/slide8.xml><?xml version="1.0" encoding="utf-8"?>
+<file path=ppt/slides/slide9.xml><?xml version="1.0" encoding="utf-8"?>
 <p:sld xmlns:a="http://schemas.openxmlformats.org/drawingml/2006/main" xmlns:r="http://schemas.openxmlformats.org/officeDocument/2006/relationships" xmlns:p="http://schemas.openxmlformats.org/presentationml/2006/main">
   <p:cSld>
     <p:spTree>
@@ -14993,136 +15543,6 @@
 </p:sld>
 </file>
 
-<file path=ppt/slides/slide9.xml><?xml version="1.0" encoding="utf-8"?>
-<p:sld xmlns:a="http://schemas.openxmlformats.org/drawingml/2006/main" xmlns:r="http://schemas.openxmlformats.org/officeDocument/2006/relationships" xmlns:p="http://schemas.openxmlformats.org/presentationml/2006/main">
-  <p:cSld>
-    <p:spTree>
-      <p:nvGrpSpPr>
-        <p:cNvPr id="1" name=""/>
-        <p:cNvGrpSpPr/>
-        <p:nvPr/>
-      </p:nvGrpSpPr>
-      <p:grpSpPr>
-        <a:xfrm>
-          <a:off x="0" y="0"/>
-          <a:ext cx="0" cy="0"/>
-          <a:chOff x="0" y="0"/>
-          <a:chExt cx="0" cy="0"/>
-        </a:xfrm>
-      </p:grpSpPr>
-      <p:sp>
-        <p:nvSpPr>
-          <p:cNvPr id="2" name="Title 1"/>
-          <p:cNvSpPr>
-            <a:spLocks noGrp="1"/>
-          </p:cNvSpPr>
-          <p:nvPr>
-            <p:ph type="ctrTitle"/>
-          </p:nvPr>
-        </p:nvSpPr>
-        <p:spPr>
-          <a:xfrm>
-            <a:off x="1298046" y="1911287"/>
-            <a:ext cx="7766936" cy="1646302"/>
-          </a:xfrm>
-        </p:spPr>
-        <p:txBody>
-          <a:bodyPr>
-            <a:normAutofit/>
-          </a:bodyPr>
-          <a:lstStyle/>
-          <a:p>
-            <a:pPr algn="ctr"/>
-            <a:r>
-              <a:rPr lang="en-US" sz="7200" dirty="0" smtClean="0">
-                <a:latin typeface="Big Caslon"/>
-                <a:cs typeface="Big Caslon"/>
-              </a:rPr>
-              <a:t>Plan</a:t>
-            </a:r>
-            <a:r>
-              <a:rPr lang="en-US" sz="7200" i="1" dirty="0" smtClean="0">
-                <a:solidFill>
-                  <a:srgbClr val="7F7F7F"/>
-                </a:solidFill>
-                <a:latin typeface="Big Caslon"/>
-                <a:cs typeface="Big Caslon"/>
-              </a:rPr>
-              <a:t>it</a:t>
-            </a:r>
-            <a:r>
-              <a:rPr lang="en-US" sz="7200" dirty="0" smtClean="0">
-                <a:solidFill>
-                  <a:srgbClr val="7F7F7F"/>
-                </a:solidFill>
-                <a:latin typeface="Big Caslon"/>
-                <a:cs typeface="Big Caslon"/>
-              </a:rPr>
-              <a:t>!</a:t>
-            </a:r>
-            <a:endParaRPr lang="en-US" sz="7200" dirty="0">
-              <a:solidFill>
-                <a:srgbClr val="7F7F7F"/>
-              </a:solidFill>
-              <a:latin typeface="Big Caslon"/>
-              <a:cs typeface="Big Caslon"/>
-            </a:endParaRPr>
-          </a:p>
-        </p:txBody>
-      </p:sp>
-      <p:sp>
-        <p:nvSpPr>
-          <p:cNvPr id="6" name="Rectangle 5"/>
-          <p:cNvSpPr/>
-          <p:nvPr/>
-        </p:nvSpPr>
-        <p:spPr>
-          <a:xfrm>
-            <a:off x="3919267" y="3393071"/>
-            <a:ext cx="2405850" cy="400110"/>
-          </a:xfrm>
-          <a:prstGeom prst="rect">
-            <a:avLst/>
-          </a:prstGeom>
-        </p:spPr>
-        <p:txBody>
-          <a:bodyPr wrap="none">
-            <a:spAutoFit/>
-          </a:bodyPr>
-          <a:lstStyle/>
-          <a:p>
-            <a:pPr algn="ctr"/>
-            <a:r>
-              <a:rPr lang="en-US" sz="2000" dirty="0">
-                <a:solidFill>
-                  <a:srgbClr val="70AD47"/>
-                </a:solidFill>
-              </a:rPr>
-              <a:t>We’re Here to Help</a:t>
-            </a:r>
-          </a:p>
-        </p:txBody>
-      </p:sp>
-    </p:spTree>
-    <p:extLst>
-      <p:ext uri="{BB962C8B-B14F-4D97-AF65-F5344CB8AC3E}">
-        <p14:creationId xmlns:p14="http://schemas.microsoft.com/office/powerpoint/2010/main" val="2624175973"/>
-      </p:ext>
-    </p:extLst>
-  </p:cSld>
-  <p:clrMapOvr>
-    <a:masterClrMapping/>
-  </p:clrMapOvr>
-  <p:timing>
-    <p:tnLst>
-      <p:par>
-        <p:cTn id="1" dur="indefinite" restart="never" nodeType="tmRoot"/>
-      </p:par>
-    </p:tnLst>
-  </p:timing>
-</p:sld>
-</file>
-
 <file path=ppt/theme/theme1.xml><?xml version="1.0" encoding="utf-8"?>
 <a:theme xmlns:a="http://schemas.openxmlformats.org/drawingml/2006/main" name="Facet">
   <a:themeElements>

--- a/Final Project Documentation/CSC521.pptx
+++ b/Final Project Documentation/CSC521.pptx
@@ -2735,7 +2735,7 @@
           <a:p>
             <a:fld id="{F1FA7AC5-6045-4418-8E60-F48788734473}" type="datetimeFigureOut">
               <a:rPr lang="en-US" smtClean="0"/>
-              <a:t>4/28/2014</a:t>
+              <a:t>4/29/2014</a:t>
             </a:fld>
             <a:endParaRPr lang="en-US"/>
           </a:p>
@@ -2986,7 +2986,7 @@
           <a:p>
             <a:fld id="{F1FA7AC5-6045-4418-8E60-F48788734473}" type="datetimeFigureOut">
               <a:rPr lang="en-US" smtClean="0"/>
-              <a:t>4/28/2014</a:t>
+              <a:t>4/29/2014</a:t>
             </a:fld>
             <a:endParaRPr lang="en-US"/>
           </a:p>
@@ -3300,7 +3300,7 @@
           <a:p>
             <a:fld id="{F1FA7AC5-6045-4418-8E60-F48788734473}" type="datetimeFigureOut">
               <a:rPr lang="en-US" smtClean="0"/>
-              <a:t>4/28/2014</a:t>
+              <a:t>4/29/2014</a:t>
             </a:fld>
             <a:endParaRPr lang="en-US"/>
           </a:p>
@@ -3641,7 +3641,7 @@
           <a:p>
             <a:fld id="{F1FA7AC5-6045-4418-8E60-F48788734473}" type="datetimeFigureOut">
               <a:rPr lang="en-US" smtClean="0"/>
-              <a:t>4/28/2014</a:t>
+              <a:t>4/29/2014</a:t>
             </a:fld>
             <a:endParaRPr lang="en-US"/>
           </a:p>
@@ -3955,7 +3955,7 @@
           <a:p>
             <a:fld id="{F1FA7AC5-6045-4418-8E60-F48788734473}" type="datetimeFigureOut">
               <a:rPr lang="en-US" smtClean="0"/>
-              <a:t>4/28/2014</a:t>
+              <a:t>4/29/2014</a:t>
             </a:fld>
             <a:endParaRPr lang="en-US"/>
           </a:p>
@@ -4348,7 +4348,7 @@
           <a:p>
             <a:fld id="{F1FA7AC5-6045-4418-8E60-F48788734473}" type="datetimeFigureOut">
               <a:rPr lang="en-US" smtClean="0"/>
-              <a:t>4/28/2014</a:t>
+              <a:t>4/29/2014</a:t>
             </a:fld>
             <a:endParaRPr lang="en-US"/>
           </a:p>
@@ -4518,7 +4518,7 @@
           <a:p>
             <a:fld id="{F1FA7AC5-6045-4418-8E60-F48788734473}" type="datetimeFigureOut">
               <a:rPr lang="en-US" smtClean="0"/>
-              <a:t>4/28/2014</a:t>
+              <a:t>4/29/2014</a:t>
             </a:fld>
             <a:endParaRPr lang="en-US"/>
           </a:p>
@@ -4698,7 +4698,7 @@
           <a:p>
             <a:fld id="{F1FA7AC5-6045-4418-8E60-F48788734473}" type="datetimeFigureOut">
               <a:rPr lang="en-US" smtClean="0"/>
-              <a:t>4/28/2014</a:t>
+              <a:t>4/29/2014</a:t>
             </a:fld>
             <a:endParaRPr lang="en-US"/>
           </a:p>
@@ -5481,7 +5481,7 @@
           <a:p>
             <a:fld id="{F1FA7AC5-6045-4418-8E60-F48788734473}" type="datetimeFigureOut">
               <a:rPr lang="en-US" smtClean="0"/>
-              <a:t>4/28/2014</a:t>
+              <a:t>4/29/2014</a:t>
             </a:fld>
             <a:endParaRPr lang="en-US"/>
           </a:p>
@@ -5721,7 +5721,7 @@
           <a:p>
             <a:fld id="{F1FA7AC5-6045-4418-8E60-F48788734473}" type="datetimeFigureOut">
               <a:rPr lang="en-US" smtClean="0"/>
-              <a:t>4/28/2014</a:t>
+              <a:t>4/29/2014</a:t>
             </a:fld>
             <a:endParaRPr lang="en-US"/>
           </a:p>
@@ -5968,7 +5968,7 @@
           <a:p>
             <a:fld id="{F1FA7AC5-6045-4418-8E60-F48788734473}" type="datetimeFigureOut">
               <a:rPr lang="en-US" smtClean="0"/>
-              <a:t>4/28/2014</a:t>
+              <a:t>4/29/2014</a:t>
             </a:fld>
             <a:endParaRPr lang="en-US"/>
           </a:p>
@@ -6200,7 +6200,7 @@
           <a:p>
             <a:fld id="{F1FA7AC5-6045-4418-8E60-F48788734473}" type="datetimeFigureOut">
               <a:rPr lang="en-US" smtClean="0"/>
-              <a:t>4/28/2014</a:t>
+              <a:t>4/29/2014</a:t>
             </a:fld>
             <a:endParaRPr lang="en-US"/>
           </a:p>
@@ -6574,7 +6574,7 @@
           <a:p>
             <a:fld id="{F1FA7AC5-6045-4418-8E60-F48788734473}" type="datetimeFigureOut">
               <a:rPr lang="en-US" smtClean="0"/>
-              <a:t>4/28/2014</a:t>
+              <a:t>4/29/2014</a:t>
             </a:fld>
             <a:endParaRPr lang="en-US"/>
           </a:p>
@@ -6697,7 +6697,7 @@
           <a:p>
             <a:fld id="{F1FA7AC5-6045-4418-8E60-F48788734473}" type="datetimeFigureOut">
               <a:rPr lang="en-US" smtClean="0"/>
-              <a:t>4/28/2014</a:t>
+              <a:t>4/29/2014</a:t>
             </a:fld>
             <a:endParaRPr lang="en-US"/>
           </a:p>
@@ -6792,7 +6792,7 @@
           <a:p>
             <a:fld id="{F1FA7AC5-6045-4418-8E60-F48788734473}" type="datetimeFigureOut">
               <a:rPr lang="en-US" smtClean="0"/>
-              <a:t>4/28/2014</a:t>
+              <a:t>4/29/2014</a:t>
             </a:fld>
             <a:endParaRPr lang="en-US"/>
           </a:p>
@@ -7047,7 +7047,7 @@
           <a:p>
             <a:fld id="{F1FA7AC5-6045-4418-8E60-F48788734473}" type="datetimeFigureOut">
               <a:rPr lang="en-US" smtClean="0"/>
-              <a:t>4/28/2014</a:t>
+              <a:t>4/29/2014</a:t>
             </a:fld>
             <a:endParaRPr lang="en-US"/>
           </a:p>
@@ -7310,7 +7310,7 @@
           <a:p>
             <a:fld id="{F1FA7AC5-6045-4418-8E60-F48788734473}" type="datetimeFigureOut">
               <a:rPr lang="en-US" smtClean="0"/>
-              <a:t>4/28/2014</a:t>
+              <a:t>4/29/2014</a:t>
             </a:fld>
             <a:endParaRPr lang="en-US"/>
           </a:p>
@@ -8053,7 +8053,7 @@
           <a:p>
             <a:fld id="{F1FA7AC5-6045-4418-8E60-F48788734473}" type="datetimeFigureOut">
               <a:rPr lang="en-US" smtClean="0"/>
-              <a:t>4/28/2014</a:t>
+              <a:t>4/29/2014</a:t>
             </a:fld>
             <a:endParaRPr lang="en-US"/>
           </a:p>
@@ -14251,15 +14251,16 @@
           <a:lstStyle/>
           <a:p>
             <a:r>
-              <a:rPr lang="en-US" dirty="0"/>
-              <a:t>Time Schedule</a:t>
-            </a:r>
+              <a:rPr lang="en-US" dirty="0" smtClean="0"/>
+              <a:t>Workflow</a:t>
+            </a:r>
+            <a:endParaRPr lang="en-US" dirty="0"/>
           </a:p>
         </p:txBody>
       </p:sp>
       <p:pic>
         <p:nvPicPr>
-          <p:cNvPr id="7" name="Content Placeholder 6" descr="ScreenCapture 2013-12-06 at 9.18.43 PM.jpg"/>
+          <p:cNvPr id="8" name="Content Placeholder 7"/>
           <p:cNvPicPr>
             <a:picLocks noGrp="1" noChangeAspect="1"/>
           </p:cNvPicPr>
@@ -14268,18 +14269,108 @@
           </p:nvPr>
         </p:nvPicPr>
         <p:blipFill>
-          <a:blip r:embed="rId3"/>
+          <a:blip r:embed="rId3" cstate="print">
+            <a:extLst>
+              <a:ext uri="{28A0092B-C50C-407E-A947-70E740481C1C}">
+                <a14:useLocalDpi xmlns:a14="http://schemas.microsoft.com/office/drawing/2010/main" val="0"/>
+              </a:ext>
+            </a:extLst>
+          </a:blip>
           <a:stretch>
             <a:fillRect/>
           </a:stretch>
         </p:blipFill>
         <p:spPr>
           <a:xfrm>
-            <a:off x="239713" y="1806463"/>
-            <a:ext cx="9311298" cy="3443400"/>
+            <a:off x="424422" y="2217148"/>
+            <a:ext cx="4033010" cy="2845045"/>
           </a:xfrm>
         </p:spPr>
       </p:pic>
+      <p:pic>
+        <p:nvPicPr>
+          <p:cNvPr id="9" name="Picture 8"/>
+          <p:cNvPicPr>
+            <a:picLocks noChangeAspect="1"/>
+          </p:cNvPicPr>
+          <p:nvPr/>
+        </p:nvPicPr>
+        <p:blipFill>
+          <a:blip r:embed="rId4"/>
+          <a:stretch>
+            <a:fillRect/>
+          </a:stretch>
+        </p:blipFill>
+        <p:spPr>
+          <a:xfrm>
+            <a:off x="4663030" y="1930400"/>
+            <a:ext cx="4713056" cy="3211482"/>
+          </a:xfrm>
+          <a:prstGeom prst="rect">
+            <a:avLst/>
+          </a:prstGeom>
+        </p:spPr>
+      </p:pic>
+      <p:sp>
+        <p:nvSpPr>
+          <p:cNvPr id="10" name="TextBox 9"/>
+          <p:cNvSpPr txBox="1"/>
+          <p:nvPr/>
+        </p:nvSpPr>
+        <p:spPr>
+          <a:xfrm>
+            <a:off x="677334" y="1612109"/>
+            <a:ext cx="3411582" cy="369332"/>
+          </a:xfrm>
+          <a:prstGeom prst="rect">
+            <a:avLst/>
+          </a:prstGeom>
+          <a:noFill/>
+        </p:spPr>
+        <p:txBody>
+          <a:bodyPr wrap="square" rtlCol="0">
+            <a:spAutoFit/>
+          </a:bodyPr>
+          <a:lstStyle/>
+          <a:p>
+            <a:r>
+              <a:rPr lang="en-US" dirty="0" smtClean="0"/>
+              <a:t>On some level we expected.</a:t>
+            </a:r>
+            <a:endParaRPr lang="en-US" dirty="0"/>
+          </a:p>
+        </p:txBody>
+      </p:sp>
+      <p:sp>
+        <p:nvSpPr>
+          <p:cNvPr id="11" name="TextBox 10"/>
+          <p:cNvSpPr txBox="1"/>
+          <p:nvPr/>
+        </p:nvSpPr>
+        <p:spPr>
+          <a:xfrm>
+            <a:off x="6157006" y="5492218"/>
+            <a:ext cx="2837468" cy="369332"/>
+          </a:xfrm>
+          <a:prstGeom prst="rect">
+            <a:avLst/>
+          </a:prstGeom>
+          <a:noFill/>
+        </p:spPr>
+        <p:txBody>
+          <a:bodyPr wrap="square" rtlCol="0">
+            <a:spAutoFit/>
+          </a:bodyPr>
+          <a:lstStyle/>
+          <a:p>
+            <a:r>
+              <a:rPr lang="en-US" dirty="0" smtClean="0"/>
+              <a:t>What happened.</a:t>
+            </a:r>
+            <a:endParaRPr lang="en-US" dirty="0"/>
+          </a:p>
+        </p:txBody>
+      </p:sp>
     </p:spTree>
     <p:extLst>
       <p:ext uri="{BB962C8B-B14F-4D97-AF65-F5344CB8AC3E}">

--- a/Final Project Documentation/CSC521.pptx
+++ b/Final Project Documentation/CSC521.pptx
@@ -5,7 +5,7 @@
     <p:sldMasterId id="2147483678" r:id="rId1"/>
   </p:sldMasterIdLst>
   <p:notesMasterIdLst>
-    <p:notesMasterId r:id="rId16"/>
+    <p:notesMasterId r:id="rId15"/>
   </p:notesMasterIdLst>
   <p:sldIdLst>
     <p:sldId id="276" r:id="rId2"/>
@@ -20,8 +20,7 @@
     <p:sldId id="290" r:id="rId11"/>
     <p:sldId id="296" r:id="rId12"/>
     <p:sldId id="295" r:id="rId13"/>
-    <p:sldId id="293" r:id="rId14"/>
-    <p:sldId id="294" r:id="rId15"/>
+    <p:sldId id="298" r:id="rId14"/>
   </p:sldIdLst>
   <p:sldSz cx="12192000" cy="6858000"/>
   <p:notesSz cx="6858000" cy="9144000"/>
@@ -2735,7 +2734,7 @@
           <a:p>
             <a:fld id="{F1FA7AC5-6045-4418-8E60-F48788734473}" type="datetimeFigureOut">
               <a:rPr lang="en-US" smtClean="0"/>
-              <a:t>4/29/2014</a:t>
+              <a:t>4/30/2014</a:t>
             </a:fld>
             <a:endParaRPr lang="en-US"/>
           </a:p>
@@ -2986,7 +2985,7 @@
           <a:p>
             <a:fld id="{F1FA7AC5-6045-4418-8E60-F48788734473}" type="datetimeFigureOut">
               <a:rPr lang="en-US" smtClean="0"/>
-              <a:t>4/29/2014</a:t>
+              <a:t>4/30/2014</a:t>
             </a:fld>
             <a:endParaRPr lang="en-US"/>
           </a:p>
@@ -3300,7 +3299,7 @@
           <a:p>
             <a:fld id="{F1FA7AC5-6045-4418-8E60-F48788734473}" type="datetimeFigureOut">
               <a:rPr lang="en-US" smtClean="0"/>
-              <a:t>4/29/2014</a:t>
+              <a:t>4/30/2014</a:t>
             </a:fld>
             <a:endParaRPr lang="en-US"/>
           </a:p>
@@ -3641,7 +3640,7 @@
           <a:p>
             <a:fld id="{F1FA7AC5-6045-4418-8E60-F48788734473}" type="datetimeFigureOut">
               <a:rPr lang="en-US" smtClean="0"/>
-              <a:t>4/29/2014</a:t>
+              <a:t>4/30/2014</a:t>
             </a:fld>
             <a:endParaRPr lang="en-US"/>
           </a:p>
@@ -3955,7 +3954,7 @@
           <a:p>
             <a:fld id="{F1FA7AC5-6045-4418-8E60-F48788734473}" type="datetimeFigureOut">
               <a:rPr lang="en-US" smtClean="0"/>
-              <a:t>4/29/2014</a:t>
+              <a:t>4/30/2014</a:t>
             </a:fld>
             <a:endParaRPr lang="en-US"/>
           </a:p>
@@ -4348,7 +4347,7 @@
           <a:p>
             <a:fld id="{F1FA7AC5-6045-4418-8E60-F48788734473}" type="datetimeFigureOut">
               <a:rPr lang="en-US" smtClean="0"/>
-              <a:t>4/29/2014</a:t>
+              <a:t>4/30/2014</a:t>
             </a:fld>
             <a:endParaRPr lang="en-US"/>
           </a:p>
@@ -4518,7 +4517,7 @@
           <a:p>
             <a:fld id="{F1FA7AC5-6045-4418-8E60-F48788734473}" type="datetimeFigureOut">
               <a:rPr lang="en-US" smtClean="0"/>
-              <a:t>4/29/2014</a:t>
+              <a:t>4/30/2014</a:t>
             </a:fld>
             <a:endParaRPr lang="en-US"/>
           </a:p>
@@ -4698,7 +4697,7 @@
           <a:p>
             <a:fld id="{F1FA7AC5-6045-4418-8E60-F48788734473}" type="datetimeFigureOut">
               <a:rPr lang="en-US" smtClean="0"/>
-              <a:t>4/29/2014</a:t>
+              <a:t>4/30/2014</a:t>
             </a:fld>
             <a:endParaRPr lang="en-US"/>
           </a:p>
@@ -5481,7 +5480,7 @@
           <a:p>
             <a:fld id="{F1FA7AC5-6045-4418-8E60-F48788734473}" type="datetimeFigureOut">
               <a:rPr lang="en-US" smtClean="0"/>
-              <a:t>4/29/2014</a:t>
+              <a:t>4/30/2014</a:t>
             </a:fld>
             <a:endParaRPr lang="en-US"/>
           </a:p>
@@ -5721,7 +5720,7 @@
           <a:p>
             <a:fld id="{F1FA7AC5-6045-4418-8E60-F48788734473}" type="datetimeFigureOut">
               <a:rPr lang="en-US" smtClean="0"/>
-              <a:t>4/29/2014</a:t>
+              <a:t>4/30/2014</a:t>
             </a:fld>
             <a:endParaRPr lang="en-US"/>
           </a:p>
@@ -5968,7 +5967,7 @@
           <a:p>
             <a:fld id="{F1FA7AC5-6045-4418-8E60-F48788734473}" type="datetimeFigureOut">
               <a:rPr lang="en-US" smtClean="0"/>
-              <a:t>4/29/2014</a:t>
+              <a:t>4/30/2014</a:t>
             </a:fld>
             <a:endParaRPr lang="en-US"/>
           </a:p>
@@ -6200,7 +6199,7 @@
           <a:p>
             <a:fld id="{F1FA7AC5-6045-4418-8E60-F48788734473}" type="datetimeFigureOut">
               <a:rPr lang="en-US" smtClean="0"/>
-              <a:t>4/29/2014</a:t>
+              <a:t>4/30/2014</a:t>
             </a:fld>
             <a:endParaRPr lang="en-US"/>
           </a:p>
@@ -6574,7 +6573,7 @@
           <a:p>
             <a:fld id="{F1FA7AC5-6045-4418-8E60-F48788734473}" type="datetimeFigureOut">
               <a:rPr lang="en-US" smtClean="0"/>
-              <a:t>4/29/2014</a:t>
+              <a:t>4/30/2014</a:t>
             </a:fld>
             <a:endParaRPr lang="en-US"/>
           </a:p>
@@ -6697,7 +6696,7 @@
           <a:p>
             <a:fld id="{F1FA7AC5-6045-4418-8E60-F48788734473}" type="datetimeFigureOut">
               <a:rPr lang="en-US" smtClean="0"/>
-              <a:t>4/29/2014</a:t>
+              <a:t>4/30/2014</a:t>
             </a:fld>
             <a:endParaRPr lang="en-US"/>
           </a:p>
@@ -6792,7 +6791,7 @@
           <a:p>
             <a:fld id="{F1FA7AC5-6045-4418-8E60-F48788734473}" type="datetimeFigureOut">
               <a:rPr lang="en-US" smtClean="0"/>
-              <a:t>4/29/2014</a:t>
+              <a:t>4/30/2014</a:t>
             </a:fld>
             <a:endParaRPr lang="en-US"/>
           </a:p>
@@ -7047,7 +7046,7 @@
           <a:p>
             <a:fld id="{F1FA7AC5-6045-4418-8E60-F48788734473}" type="datetimeFigureOut">
               <a:rPr lang="en-US" smtClean="0"/>
-              <a:t>4/29/2014</a:t>
+              <a:t>4/30/2014</a:t>
             </a:fld>
             <a:endParaRPr lang="en-US"/>
           </a:p>
@@ -7310,7 +7309,7 @@
           <a:p>
             <a:fld id="{F1FA7AC5-6045-4418-8E60-F48788734473}" type="datetimeFigureOut">
               <a:rPr lang="en-US" smtClean="0"/>
-              <a:t>4/29/2014</a:t>
+              <a:t>4/30/2014</a:t>
             </a:fld>
             <a:endParaRPr lang="en-US"/>
           </a:p>
@@ -8053,7 +8052,7 @@
           <a:p>
             <a:fld id="{F1FA7AC5-6045-4418-8E60-F48788734473}" type="datetimeFigureOut">
               <a:rPr lang="en-US" smtClean="0"/>
-              <a:t>4/29/2014</a:t>
+              <a:t>4/30/2014</a:t>
             </a:fld>
             <a:endParaRPr lang="en-US"/>
           </a:p>
@@ -8904,12 +8903,12 @@
               <a:t>Beth </a:t>
             </a:r>
             <a:r>
-              <a:rPr lang="en-US" sz="2000" dirty="0" err="1">
+              <a:rPr lang="en-US" sz="2000" dirty="0" smtClean="0">
                 <a:solidFill>
                   <a:srgbClr val="A5A5A5"/>
                 </a:solidFill>
               </a:rPr>
-              <a:t>VanBelle</a:t>
+              <a:t>Van Belle </a:t>
             </a:r>
             <a:r>
               <a:rPr lang="en-US" sz="2000" dirty="0">
@@ -8917,7 +8916,7 @@
                   <a:srgbClr val="A5A5A5"/>
                 </a:solidFill>
               </a:rPr>
-              <a:t>         Devin Gleason-Lambert          Alberto Beltran</a:t>
+              <a:t>        Devin Gleason-Lambert          Alberto Beltran</a:t>
             </a:r>
           </a:p>
         </p:txBody>
@@ -9326,49 +9325,42 @@
         <p:spPr/>
         <p:txBody>
           <a:bodyPr>
-            <a:normAutofit fontScale="85000" lnSpcReduction="20000"/>
+            <a:normAutofit/>
           </a:bodyPr>
           <a:lstStyle/>
           <a:p>
             <a:r>
+              <a:rPr lang="en-US" b="1" dirty="0" smtClean="0"/>
+              <a:t>Doing </a:t>
+            </a:r>
+            <a:r>
               <a:rPr lang="en-US" b="1" dirty="0"/>
-              <a:t>Choosing the Project Framework</a:t>
+              <a:t>the first walkthrough of deploying to </a:t>
+            </a:r>
+            <a:r>
+              <a:rPr lang="en-US" b="1" dirty="0" smtClean="0"/>
+              <a:t>Azure Devin</a:t>
             </a:r>
             <a:endParaRPr lang="en-US" dirty="0"/>
           </a:p>
           <a:p>
             <a:r>
               <a:rPr lang="en-US" b="1" dirty="0"/>
-              <a:t>Doing the first walkthrough of deploying to Azure</a:t>
-            </a:r>
-            <a:endParaRPr lang="en-US" dirty="0"/>
-          </a:p>
-          <a:p>
+              <a:t>Integrating JQuery plugins into MVC </a:t>
+            </a:r>
+            <a:r>
+              <a:rPr lang="en-US" b="1" dirty="0" smtClean="0"/>
+              <a:t>project Albert</a:t>
+            </a:r>
+          </a:p>
+          <a:p>
+            <a:r>
+              <a:rPr lang="en-US" b="1" dirty="0" smtClean="0"/>
+              <a:t>The </a:t>
+            </a:r>
             <a:r>
               <a:rPr lang="en-US" b="1" dirty="0"/>
-              <a:t>Integrating JQuery plugins into MVC project</a:t>
-            </a:r>
-            <a:endParaRPr lang="en-US" dirty="0"/>
-          </a:p>
-          <a:p>
-            <a:r>
-              <a:rPr lang="en-US" b="1" dirty="0"/>
-              <a:t>Integrating </a:t>
-            </a:r>
-            <a:r>
-              <a:rPr lang="en-US" b="1" dirty="0" err="1"/>
-              <a:t>javascript</a:t>
-            </a:r>
-            <a:r>
-              <a:rPr lang="en-US" b="1" dirty="0"/>
-              <a:t> code into MVC/Razor/Html Model</a:t>
-            </a:r>
-            <a:endParaRPr lang="en-US" dirty="0"/>
-          </a:p>
-          <a:p>
-            <a:r>
-              <a:rPr lang="en-US" b="1" dirty="0"/>
-              <a:t>The GIT Bash Learning curve - Living in </a:t>
+              <a:t>GIT Bash Learning curve - Living in </a:t>
             </a:r>
             <a:r>
               <a:rPr lang="en-US" b="1" dirty="0" err="1"/>
@@ -9376,7 +9368,11 @@
             </a:r>
             <a:r>
               <a:rPr lang="en-US" b="1" dirty="0"/>
-              <a:t> and working in GIT</a:t>
+              <a:t> and working in </a:t>
+            </a:r>
+            <a:r>
+              <a:rPr lang="en-US" b="1" dirty="0" smtClean="0"/>
+              <a:t>GIT Albert</a:t>
             </a:r>
             <a:endParaRPr lang="en-US" dirty="0"/>
           </a:p>
@@ -9396,15 +9392,12 @@
           </a:p>
           <a:p>
             <a:r>
+              <a:rPr lang="en-US" b="1" dirty="0" smtClean="0"/>
+              <a:t>Sprints</a:t>
+            </a:r>
+            <a:r>
               <a:rPr lang="en-US" b="1" dirty="0"/>
-              <a:t>No change is a standalone change</a:t>
-            </a:r>
-            <a:endParaRPr lang="en-US" dirty="0"/>
-          </a:p>
-          <a:p>
-            <a:r>
-              <a:rPr lang="en-US" b="1" dirty="0"/>
-              <a:t>Sprints, deadlines, formal testing and documentation – not so much….</a:t>
+              <a:t>, deadlines, formal testing and documentation – not so much….</a:t>
             </a:r>
             <a:endParaRPr lang="en-US" dirty="0"/>
           </a:p>
@@ -9418,12 +9411,21 @@
           <a:p>
             <a:r>
               <a:rPr lang="en-US" b="1" dirty="0"/>
-              <a:t>Beta Testing by Family and Friends</a:t>
-            </a:r>
-            <a:r>
-              <a:rPr lang="en-US" dirty="0"/>
+              <a:t>Beta Testing by Family and </a:t>
+            </a:r>
+            <a:r>
+              <a:rPr lang="en-US" b="1"/>
+              <a:t>Friends</a:t>
+            </a:r>
+            <a:r>
+              <a:rPr lang="en-US"/>
               <a:t> </a:t>
             </a:r>
+            <a:r>
+              <a:rPr lang="en-US" smtClean="0"/>
+              <a:t>Devin</a:t>
+            </a:r>
+            <a:endParaRPr lang="en-US" dirty="0"/>
           </a:p>
           <a:p>
             <a:r>
@@ -9484,1180 +9486,19 @@
           </a:xfrm>
         </p:spPr>
         <p:txBody>
-          <a:bodyPr/>
+          <a:bodyPr>
+            <a:noAutofit/>
+          </a:bodyPr>
           <a:lstStyle/>
           <a:p>
             <a:r>
-              <a:rPr lang="en-US" dirty="0" smtClean="0"/>
+              <a:rPr lang="en-US" sz="5400" dirty="0" smtClean="0"/>
               <a:t>Backlog</a:t>
             </a:r>
-            <a:endParaRPr lang="en-US" dirty="0"/>
+            <a:endParaRPr lang="en-US" sz="5400" dirty="0"/>
           </a:p>
         </p:txBody>
       </p:sp>
-      <p:graphicFrame>
-        <p:nvGraphicFramePr>
-          <p:cNvPr id="6" name="Content Placeholder 5"/>
-          <p:cNvGraphicFramePr>
-            <a:graphicFrameLocks noGrp="1"/>
-          </p:cNvGraphicFramePr>
-          <p:nvPr>
-            <p:ph idx="1"/>
-            <p:extLst>
-              <p:ext uri="{D42A27DB-BD31-4B8C-83A1-F6EECF244321}">
-                <p14:modId xmlns:p14="http://schemas.microsoft.com/office/powerpoint/2010/main" val="68954587"/>
-              </p:ext>
-            </p:extLst>
-          </p:nvPr>
-        </p:nvGraphicFramePr>
-        <p:xfrm>
-          <a:off x="677863" y="1384300"/>
-          <a:ext cx="8596311" cy="4848987"/>
-        </p:xfrm>
-        <a:graphic>
-          <a:graphicData uri="http://schemas.openxmlformats.org/drawingml/2006/table">
-            <a:tbl>
-              <a:tblPr firstRow="1" bandRow="1">
-                <a:tableStyleId>{5C22544A-7EE6-4342-B048-85BDC9FD1C3A}</a:tableStyleId>
-              </a:tblPr>
-              <a:tblGrid>
-                <a:gridCol w="2865437"/>
-                <a:gridCol w="2865437"/>
-                <a:gridCol w="2865437"/>
-              </a:tblGrid>
-              <a:tr h="370840">
-                <a:tc>
-                  <a:txBody>
-                    <a:bodyPr/>
-                    <a:lstStyle/>
-                    <a:p>
-                      <a:endParaRPr lang="en-US" dirty="0"/>
-                    </a:p>
-                  </a:txBody>
-                  <a:tcPr/>
-                </a:tc>
-                <a:tc>
-                  <a:txBody>
-                    <a:bodyPr/>
-                    <a:lstStyle/>
-                    <a:p>
-                      <a:endParaRPr lang="en-US"/>
-                    </a:p>
-                  </a:txBody>
-                  <a:tcPr/>
-                </a:tc>
-                <a:tc>
-                  <a:txBody>
-                    <a:bodyPr/>
-                    <a:lstStyle/>
-                    <a:p>
-                      <a:endParaRPr lang="en-US"/>
-                    </a:p>
-                  </a:txBody>
-                  <a:tcPr/>
-                </a:tc>
-              </a:tr>
-              <a:tr h="370840">
-                <a:tc>
-                  <a:txBody>
-                    <a:bodyPr/>
-                    <a:lstStyle/>
-                    <a:p>
-                      <a:pPr marL="0" marR="0">
-                        <a:lnSpc>
-                          <a:spcPct val="107000"/>
-                        </a:lnSpc>
-                        <a:spcBef>
-                          <a:spcPts val="0"/>
-                        </a:spcBef>
-                        <a:spcAft>
-                          <a:spcPts val="0"/>
-                        </a:spcAft>
-                      </a:pPr>
-                      <a:r>
-                        <a:rPr lang="en-US" sz="1200" dirty="0">
-                          <a:effectLst/>
-                          <a:latin typeface="Arial" panose="020B0604020202020204" pitchFamily="34" charset="0"/>
-                          <a:ea typeface="Times New Roman" panose="02020603050405020304" pitchFamily="18" charset="0"/>
-                          <a:cs typeface="Times New Roman" panose="02020603050405020304" pitchFamily="18" charset="0"/>
-                        </a:rPr>
-                        <a:t>project search box</a:t>
-                      </a:r>
-                      <a:endParaRPr lang="en-US" sz="1100" dirty="0">
-                        <a:effectLst/>
-                        <a:latin typeface="Calibri" panose="020F0502020204030204" pitchFamily="34" charset="0"/>
-                        <a:ea typeface="Calibri" panose="020F0502020204030204" pitchFamily="34" charset="0"/>
-                        <a:cs typeface="Times New Roman" panose="02020603050405020304" pitchFamily="18" charset="0"/>
-                      </a:endParaRPr>
-                    </a:p>
-                  </a:txBody>
-                  <a:tcPr marL="45720" marR="45720" marT="18415" marB="18415"/>
-                </a:tc>
-                <a:tc>
-                  <a:txBody>
-                    <a:bodyPr/>
-                    <a:lstStyle/>
-                    <a:p>
-                      <a:pPr marL="0" marR="0">
-                        <a:lnSpc>
-                          <a:spcPct val="107000"/>
-                        </a:lnSpc>
-                        <a:spcBef>
-                          <a:spcPts val="0"/>
-                        </a:spcBef>
-                        <a:spcAft>
-                          <a:spcPts val="0"/>
-                        </a:spcAft>
-                      </a:pPr>
-                      <a:r>
-                        <a:rPr lang="en-US" sz="1200" dirty="0">
-                          <a:effectLst/>
-                          <a:latin typeface="Arial" panose="020B0604020202020204" pitchFamily="34" charset="0"/>
-                          <a:ea typeface="Times New Roman" panose="02020603050405020304" pitchFamily="18" charset="0"/>
-                          <a:cs typeface="Times New Roman" panose="02020603050405020304" pitchFamily="18" charset="0"/>
-                        </a:rPr>
-                        <a:t>Humorous 404 page...you are not in </a:t>
-                      </a:r>
-                      <a:r>
-                        <a:rPr lang="en-US" sz="1200" dirty="0" err="1">
-                          <a:effectLst/>
-                          <a:latin typeface="Arial" panose="020B0604020202020204" pitchFamily="34" charset="0"/>
-                          <a:ea typeface="Times New Roman" panose="02020603050405020304" pitchFamily="18" charset="0"/>
-                          <a:cs typeface="Times New Roman" panose="02020603050405020304" pitchFamily="18" charset="0"/>
-                        </a:rPr>
-                        <a:t>github</a:t>
-                      </a:r>
-                      <a:r>
-                        <a:rPr lang="en-US" sz="1200" dirty="0">
-                          <a:effectLst/>
-                          <a:latin typeface="Arial" panose="020B0604020202020204" pitchFamily="34" charset="0"/>
-                          <a:ea typeface="Times New Roman" panose="02020603050405020304" pitchFamily="18" charset="0"/>
-                          <a:cs typeface="Times New Roman" panose="02020603050405020304" pitchFamily="18" charset="0"/>
-                        </a:rPr>
-                        <a:t> anymore Dorothy</a:t>
-                      </a:r>
-                      <a:endParaRPr lang="en-US" sz="1100" dirty="0">
-                        <a:effectLst/>
-                        <a:latin typeface="Calibri" panose="020F0502020204030204" pitchFamily="34" charset="0"/>
-                        <a:ea typeface="Calibri" panose="020F0502020204030204" pitchFamily="34" charset="0"/>
-                        <a:cs typeface="Times New Roman" panose="02020603050405020304" pitchFamily="18" charset="0"/>
-                      </a:endParaRPr>
-                    </a:p>
-                  </a:txBody>
-                  <a:tcPr marL="45720" marR="45720" marT="18415" marB="18415"/>
-                </a:tc>
-                <a:tc>
-                  <a:txBody>
-                    <a:bodyPr/>
-                    <a:lstStyle/>
-                    <a:p>
-                      <a:pPr marL="0" marR="0">
-                        <a:lnSpc>
-                          <a:spcPct val="107000"/>
-                        </a:lnSpc>
-                        <a:spcBef>
-                          <a:spcPts val="0"/>
-                        </a:spcBef>
-                        <a:spcAft>
-                          <a:spcPts val="0"/>
-                        </a:spcAft>
-                      </a:pPr>
-                      <a:r>
-                        <a:rPr lang="en-US" sz="1200" dirty="0">
-                          <a:effectLst/>
-                          <a:latin typeface="Arial" panose="020B0604020202020204" pitchFamily="34" charset="0"/>
-                          <a:ea typeface="Times New Roman" panose="02020603050405020304" pitchFamily="18" charset="0"/>
-                          <a:cs typeface="Times New Roman" panose="02020603050405020304" pitchFamily="18" charset="0"/>
-                        </a:rPr>
-                        <a:t>if still logged in, redirect to tree view</a:t>
-                      </a:r>
-                      <a:endParaRPr lang="en-US" sz="1100" dirty="0">
-                        <a:effectLst/>
-                        <a:latin typeface="Calibri" panose="020F0502020204030204" pitchFamily="34" charset="0"/>
-                        <a:ea typeface="Calibri" panose="020F0502020204030204" pitchFamily="34" charset="0"/>
-                        <a:cs typeface="Times New Roman" panose="02020603050405020304" pitchFamily="18" charset="0"/>
-                      </a:endParaRPr>
-                    </a:p>
-                  </a:txBody>
-                  <a:tcPr marL="45720" marR="45720" marT="18415" marB="18415"/>
-                </a:tc>
-              </a:tr>
-              <a:tr h="370840">
-                <a:tc>
-                  <a:txBody>
-                    <a:bodyPr/>
-                    <a:lstStyle/>
-                    <a:p>
-                      <a:pPr marL="0" marR="0">
-                        <a:lnSpc>
-                          <a:spcPct val="107000"/>
-                        </a:lnSpc>
-                        <a:spcBef>
-                          <a:spcPts val="0"/>
-                        </a:spcBef>
-                        <a:spcAft>
-                          <a:spcPts val="0"/>
-                        </a:spcAft>
-                      </a:pPr>
-                      <a:r>
-                        <a:rPr lang="en-US" sz="1200">
-                          <a:effectLst/>
-                          <a:latin typeface="Arial" panose="020B0604020202020204" pitchFamily="34" charset="0"/>
-                          <a:ea typeface="Times New Roman" panose="02020603050405020304" pitchFamily="18" charset="0"/>
-                          <a:cs typeface="Times New Roman" panose="02020603050405020304" pitchFamily="18" charset="0"/>
-                        </a:rPr>
-                        <a:t>zoom in, zoom out project search, think ggogle maps, i know the street the house is on...</a:t>
-                      </a:r>
-                      <a:endParaRPr lang="en-US" sz="1100">
-                        <a:effectLst/>
-                        <a:latin typeface="Calibri" panose="020F0502020204030204" pitchFamily="34" charset="0"/>
-                        <a:ea typeface="Calibri" panose="020F0502020204030204" pitchFamily="34" charset="0"/>
-                        <a:cs typeface="Times New Roman" panose="02020603050405020304" pitchFamily="18" charset="0"/>
-                      </a:endParaRPr>
-                    </a:p>
-                  </a:txBody>
-                  <a:tcPr marL="45720" marR="45720" marT="18415" marB="18415"/>
-                </a:tc>
-                <a:tc>
-                  <a:txBody>
-                    <a:bodyPr/>
-                    <a:lstStyle/>
-                    <a:p>
-                      <a:pPr marL="0" marR="0">
-                        <a:lnSpc>
-                          <a:spcPct val="107000"/>
-                        </a:lnSpc>
-                        <a:spcBef>
-                          <a:spcPts val="0"/>
-                        </a:spcBef>
-                        <a:spcAft>
-                          <a:spcPts val="0"/>
-                        </a:spcAft>
-                      </a:pPr>
-                      <a:r>
-                        <a:rPr lang="en-US" sz="1200">
-                          <a:effectLst/>
-                          <a:latin typeface="Arial" panose="020B0604020202020204" pitchFamily="34" charset="0"/>
-                          <a:ea typeface="Times New Roman" panose="02020603050405020304" pitchFamily="18" charset="0"/>
-                          <a:cs typeface="Times New Roman" panose="02020603050405020304" pitchFamily="18" charset="0"/>
-                        </a:rPr>
-                        <a:t>Create Unit Tests</a:t>
-                      </a:r>
-                      <a:endParaRPr lang="en-US" sz="1100">
-                        <a:effectLst/>
-                        <a:latin typeface="Calibri" panose="020F0502020204030204" pitchFamily="34" charset="0"/>
-                        <a:ea typeface="Calibri" panose="020F0502020204030204" pitchFamily="34" charset="0"/>
-                        <a:cs typeface="Times New Roman" panose="02020603050405020304" pitchFamily="18" charset="0"/>
-                      </a:endParaRPr>
-                    </a:p>
-                  </a:txBody>
-                  <a:tcPr marL="45720" marR="45720" marT="18415" marB="18415"/>
-                </a:tc>
-                <a:tc>
-                  <a:txBody>
-                    <a:bodyPr/>
-                    <a:lstStyle/>
-                    <a:p>
-                      <a:pPr marL="0" marR="0">
-                        <a:lnSpc>
-                          <a:spcPct val="107000"/>
-                        </a:lnSpc>
-                        <a:spcBef>
-                          <a:spcPts val="0"/>
-                        </a:spcBef>
-                        <a:spcAft>
-                          <a:spcPts val="0"/>
-                        </a:spcAft>
-                      </a:pPr>
-                      <a:r>
-                        <a:rPr lang="en-US" sz="1200">
-                          <a:effectLst/>
-                          <a:latin typeface="Arial" panose="020B0604020202020204" pitchFamily="34" charset="0"/>
-                          <a:ea typeface="Times New Roman" panose="02020603050405020304" pitchFamily="18" charset="0"/>
-                          <a:cs typeface="Times New Roman" panose="02020603050405020304" pitchFamily="18" charset="0"/>
-                        </a:rPr>
-                        <a:t>Clean up access modifiers.....</a:t>
-                      </a:r>
-                      <a:endParaRPr lang="en-US" sz="1100">
-                        <a:effectLst/>
-                        <a:latin typeface="Calibri" panose="020F0502020204030204" pitchFamily="34" charset="0"/>
-                        <a:ea typeface="Calibri" panose="020F0502020204030204" pitchFamily="34" charset="0"/>
-                        <a:cs typeface="Times New Roman" panose="02020603050405020304" pitchFamily="18" charset="0"/>
-                      </a:endParaRPr>
-                    </a:p>
-                  </a:txBody>
-                  <a:tcPr marL="45720" marR="45720" marT="18415" marB="18415"/>
-                </a:tc>
-              </a:tr>
-              <a:tr h="370840">
-                <a:tc>
-                  <a:txBody>
-                    <a:bodyPr/>
-                    <a:lstStyle/>
-                    <a:p>
-                      <a:pPr marL="0" marR="0">
-                        <a:lnSpc>
-                          <a:spcPct val="107000"/>
-                        </a:lnSpc>
-                        <a:spcBef>
-                          <a:spcPts val="0"/>
-                        </a:spcBef>
-                        <a:spcAft>
-                          <a:spcPts val="0"/>
-                        </a:spcAft>
-                      </a:pPr>
-                      <a:r>
-                        <a:rPr lang="en-US" sz="1200">
-                          <a:effectLst/>
-                          <a:latin typeface="Arial" panose="020B0604020202020204" pitchFamily="34" charset="0"/>
-                          <a:ea typeface="Times New Roman" panose="02020603050405020304" pitchFamily="18" charset="0"/>
-                          <a:cs typeface="Times New Roman" panose="02020603050405020304" pitchFamily="18" charset="0"/>
-                        </a:rPr>
-                        <a:t>more information in explore area, sample projects</a:t>
-                      </a:r>
-                      <a:endParaRPr lang="en-US" sz="1100">
-                        <a:effectLst/>
-                        <a:latin typeface="Calibri" panose="020F0502020204030204" pitchFamily="34" charset="0"/>
-                        <a:ea typeface="Calibri" panose="020F0502020204030204" pitchFamily="34" charset="0"/>
-                        <a:cs typeface="Times New Roman" panose="02020603050405020304" pitchFamily="18" charset="0"/>
-                      </a:endParaRPr>
-                    </a:p>
-                  </a:txBody>
-                  <a:tcPr marL="45720" marR="45720" marT="18415" marB="18415"/>
-                </a:tc>
-                <a:tc>
-                  <a:txBody>
-                    <a:bodyPr/>
-                    <a:lstStyle/>
-                    <a:p>
-                      <a:pPr marL="0" marR="0">
-                        <a:lnSpc>
-                          <a:spcPct val="107000"/>
-                        </a:lnSpc>
-                        <a:spcBef>
-                          <a:spcPts val="0"/>
-                        </a:spcBef>
-                        <a:spcAft>
-                          <a:spcPts val="0"/>
-                        </a:spcAft>
-                      </a:pPr>
-                      <a:r>
-                        <a:rPr lang="en-US" sz="1200">
-                          <a:effectLst/>
-                          <a:latin typeface="Arial" panose="020B0604020202020204" pitchFamily="34" charset="0"/>
-                          <a:ea typeface="Times New Roman" panose="02020603050405020304" pitchFamily="18" charset="0"/>
-                          <a:cs typeface="Times New Roman" panose="02020603050405020304" pitchFamily="18" charset="0"/>
-                        </a:rPr>
-                        <a:t>Schedule and tree view displays ' as #39</a:t>
-                      </a:r>
-                      <a:endParaRPr lang="en-US" sz="1100">
-                        <a:effectLst/>
-                        <a:latin typeface="Calibri" panose="020F0502020204030204" pitchFamily="34" charset="0"/>
-                        <a:ea typeface="Calibri" panose="020F0502020204030204" pitchFamily="34" charset="0"/>
-                        <a:cs typeface="Times New Roman" panose="02020603050405020304" pitchFamily="18" charset="0"/>
-                      </a:endParaRPr>
-                    </a:p>
-                  </a:txBody>
-                  <a:tcPr marL="45720" marR="45720" marT="18415" marB="18415"/>
-                </a:tc>
-                <a:tc>
-                  <a:txBody>
-                    <a:bodyPr/>
-                    <a:lstStyle/>
-                    <a:p>
-                      <a:pPr marL="0" marR="0">
-                        <a:lnSpc>
-                          <a:spcPct val="107000"/>
-                        </a:lnSpc>
-                        <a:spcBef>
-                          <a:spcPts val="0"/>
-                        </a:spcBef>
-                        <a:spcAft>
-                          <a:spcPts val="0"/>
-                        </a:spcAft>
-                      </a:pPr>
-                      <a:r>
-                        <a:rPr lang="en-US" sz="1200">
-                          <a:effectLst/>
-                          <a:latin typeface="Arial" panose="020B0604020202020204" pitchFamily="34" charset="0"/>
-                          <a:ea typeface="Times New Roman" panose="02020603050405020304" pitchFamily="18" charset="0"/>
-                          <a:cs typeface="Times New Roman" panose="02020603050405020304" pitchFamily="18" charset="0"/>
-                        </a:rPr>
-                        <a:t>Edit View show set dates, don't show date format</a:t>
-                      </a:r>
-                      <a:endParaRPr lang="en-US" sz="1100">
-                        <a:effectLst/>
-                        <a:latin typeface="Calibri" panose="020F0502020204030204" pitchFamily="34" charset="0"/>
-                        <a:ea typeface="Calibri" panose="020F0502020204030204" pitchFamily="34" charset="0"/>
-                        <a:cs typeface="Times New Roman" panose="02020603050405020304" pitchFamily="18" charset="0"/>
-                      </a:endParaRPr>
-                    </a:p>
-                  </a:txBody>
-                  <a:tcPr marL="45720" marR="45720" marT="18415" marB="18415"/>
-                </a:tc>
-              </a:tr>
-              <a:tr h="370840">
-                <a:tc>
-                  <a:txBody>
-                    <a:bodyPr/>
-                    <a:lstStyle/>
-                    <a:p>
-                      <a:pPr marL="0" marR="0">
-                        <a:lnSpc>
-                          <a:spcPct val="107000"/>
-                        </a:lnSpc>
-                        <a:spcBef>
-                          <a:spcPts val="0"/>
-                        </a:spcBef>
-                        <a:spcAft>
-                          <a:spcPts val="0"/>
-                        </a:spcAft>
-                      </a:pPr>
-                      <a:r>
-                        <a:rPr lang="en-US" sz="1200">
-                          <a:effectLst/>
-                          <a:latin typeface="Arial" panose="020B0604020202020204" pitchFamily="34" charset="0"/>
-                          <a:ea typeface="Times New Roman" panose="02020603050405020304" pitchFamily="18" charset="0"/>
-                          <a:cs typeface="Times New Roman" panose="02020603050405020304" pitchFamily="18" charset="0"/>
-                        </a:rPr>
-                        <a:t>Public repository to share projects with other users</a:t>
-                      </a:r>
-                      <a:endParaRPr lang="en-US" sz="1100">
-                        <a:effectLst/>
-                        <a:latin typeface="Calibri" panose="020F0502020204030204" pitchFamily="34" charset="0"/>
-                        <a:ea typeface="Calibri" panose="020F0502020204030204" pitchFamily="34" charset="0"/>
-                        <a:cs typeface="Times New Roman" panose="02020603050405020304" pitchFamily="18" charset="0"/>
-                      </a:endParaRPr>
-                    </a:p>
-                  </a:txBody>
-                  <a:tcPr marL="45720" marR="45720" marT="18415" marB="18415"/>
-                </a:tc>
-                <a:tc>
-                  <a:txBody>
-                    <a:bodyPr/>
-                    <a:lstStyle/>
-                    <a:p>
-                      <a:pPr marL="0" marR="0">
-                        <a:lnSpc>
-                          <a:spcPct val="107000"/>
-                        </a:lnSpc>
-                        <a:spcBef>
-                          <a:spcPts val="0"/>
-                        </a:spcBef>
-                        <a:spcAft>
-                          <a:spcPts val="0"/>
-                        </a:spcAft>
-                      </a:pPr>
-                      <a:r>
-                        <a:rPr lang="en-US" sz="1200">
-                          <a:effectLst/>
-                          <a:latin typeface="Arial" panose="020B0604020202020204" pitchFamily="34" charset="0"/>
-                          <a:ea typeface="Times New Roman" panose="02020603050405020304" pitchFamily="18" charset="0"/>
-                          <a:cs typeface="Times New Roman" panose="02020603050405020304" pitchFamily="18" charset="0"/>
-                        </a:rPr>
-                        <a:t>Create users and data for demo</a:t>
-                      </a:r>
-                      <a:endParaRPr lang="en-US" sz="1100">
-                        <a:effectLst/>
-                        <a:latin typeface="Calibri" panose="020F0502020204030204" pitchFamily="34" charset="0"/>
-                        <a:ea typeface="Calibri" panose="020F0502020204030204" pitchFamily="34" charset="0"/>
-                        <a:cs typeface="Times New Roman" panose="02020603050405020304" pitchFamily="18" charset="0"/>
-                      </a:endParaRPr>
-                    </a:p>
-                  </a:txBody>
-                  <a:tcPr marL="45720" marR="45720" marT="18415" marB="18415"/>
-                </a:tc>
-                <a:tc>
-                  <a:txBody>
-                    <a:bodyPr/>
-                    <a:lstStyle/>
-                    <a:p>
-                      <a:pPr marL="0" marR="0">
-                        <a:lnSpc>
-                          <a:spcPct val="107000"/>
-                        </a:lnSpc>
-                        <a:spcBef>
-                          <a:spcPts val="0"/>
-                        </a:spcBef>
-                        <a:spcAft>
-                          <a:spcPts val="0"/>
-                        </a:spcAft>
-                      </a:pPr>
-                      <a:r>
-                        <a:rPr lang="en-US" sz="1200">
-                          <a:effectLst/>
-                          <a:latin typeface="Arial" panose="020B0604020202020204" pitchFamily="34" charset="0"/>
-                          <a:ea typeface="Times New Roman" panose="02020603050405020304" pitchFamily="18" charset="0"/>
-                          <a:cs typeface="Times New Roman" panose="02020603050405020304" pitchFamily="18" charset="0"/>
-                        </a:rPr>
-                        <a:t>Change Planit.Core from an Application to a Library</a:t>
-                      </a:r>
-                      <a:endParaRPr lang="en-US" sz="1100">
-                        <a:effectLst/>
-                        <a:latin typeface="Calibri" panose="020F0502020204030204" pitchFamily="34" charset="0"/>
-                        <a:ea typeface="Calibri" panose="020F0502020204030204" pitchFamily="34" charset="0"/>
-                        <a:cs typeface="Times New Roman" panose="02020603050405020304" pitchFamily="18" charset="0"/>
-                      </a:endParaRPr>
-                    </a:p>
-                  </a:txBody>
-                  <a:tcPr marL="45720" marR="45720" marT="18415" marB="18415"/>
-                </a:tc>
-              </a:tr>
-              <a:tr h="370840">
-                <a:tc>
-                  <a:txBody>
-                    <a:bodyPr/>
-                    <a:lstStyle/>
-                    <a:p>
-                      <a:pPr marL="0" marR="0">
-                        <a:lnSpc>
-                          <a:spcPct val="107000"/>
-                        </a:lnSpc>
-                        <a:spcBef>
-                          <a:spcPts val="0"/>
-                        </a:spcBef>
-                        <a:spcAft>
-                          <a:spcPts val="0"/>
-                        </a:spcAft>
-                      </a:pPr>
-                      <a:r>
-                        <a:rPr lang="en-US" sz="1200">
-                          <a:effectLst/>
-                          <a:latin typeface="Arial" panose="020B0604020202020204" pitchFamily="34" charset="0"/>
-                          <a:ea typeface="Times New Roman" panose="02020603050405020304" pitchFamily="18" charset="0"/>
-                          <a:cs typeface="Times New Roman" panose="02020603050405020304" pitchFamily="18" charset="0"/>
-                        </a:rPr>
-                        <a:t>space for project in process pictures, notes</a:t>
-                      </a:r>
-                      <a:endParaRPr lang="en-US" sz="1100">
-                        <a:effectLst/>
-                        <a:latin typeface="Calibri" panose="020F0502020204030204" pitchFamily="34" charset="0"/>
-                        <a:ea typeface="Calibri" panose="020F0502020204030204" pitchFamily="34" charset="0"/>
-                        <a:cs typeface="Times New Roman" panose="02020603050405020304" pitchFamily="18" charset="0"/>
-                      </a:endParaRPr>
-                    </a:p>
-                  </a:txBody>
-                  <a:tcPr marL="45720" marR="45720" marT="18415" marB="18415"/>
-                </a:tc>
-                <a:tc>
-                  <a:txBody>
-                    <a:bodyPr/>
-                    <a:lstStyle/>
-                    <a:p>
-                      <a:pPr marL="0" marR="0">
-                        <a:lnSpc>
-                          <a:spcPct val="107000"/>
-                        </a:lnSpc>
-                        <a:spcBef>
-                          <a:spcPts val="0"/>
-                        </a:spcBef>
-                        <a:spcAft>
-                          <a:spcPts val="0"/>
-                        </a:spcAft>
-                      </a:pPr>
-                      <a:r>
-                        <a:rPr lang="en-US" sz="1200">
-                          <a:effectLst/>
-                          <a:latin typeface="Arial" panose="020B0604020202020204" pitchFamily="34" charset="0"/>
-                          <a:ea typeface="Times New Roman" panose="02020603050405020304" pitchFamily="18" charset="0"/>
-                          <a:cs typeface="Times New Roman" panose="02020603050405020304" pitchFamily="18" charset="0"/>
-                        </a:rPr>
-                        <a:t>Data Validation Rules</a:t>
-                      </a:r>
-                      <a:endParaRPr lang="en-US" sz="1100">
-                        <a:effectLst/>
-                        <a:latin typeface="Calibri" panose="020F0502020204030204" pitchFamily="34" charset="0"/>
-                        <a:ea typeface="Calibri" panose="020F0502020204030204" pitchFamily="34" charset="0"/>
-                        <a:cs typeface="Times New Roman" panose="02020603050405020304" pitchFamily="18" charset="0"/>
-                      </a:endParaRPr>
-                    </a:p>
-                  </a:txBody>
-                  <a:tcPr marL="45720" marR="45720" marT="18415" marB="18415"/>
-                </a:tc>
-                <a:tc>
-                  <a:txBody>
-                    <a:bodyPr/>
-                    <a:lstStyle/>
-                    <a:p>
-                      <a:pPr marL="0" marR="0">
-                        <a:lnSpc>
-                          <a:spcPct val="107000"/>
-                        </a:lnSpc>
-                        <a:spcBef>
-                          <a:spcPts val="0"/>
-                        </a:spcBef>
-                        <a:spcAft>
-                          <a:spcPts val="0"/>
-                        </a:spcAft>
-                      </a:pPr>
-                      <a:r>
-                        <a:rPr lang="en-US" sz="1200">
-                          <a:effectLst/>
-                          <a:latin typeface="Arial" panose="020B0604020202020204" pitchFamily="34" charset="0"/>
-                          <a:ea typeface="Times New Roman" panose="02020603050405020304" pitchFamily="18" charset="0"/>
-                          <a:cs typeface="Times New Roman" panose="02020603050405020304" pitchFamily="18" charset="0"/>
-                        </a:rPr>
-                        <a:t>DueDate/StartDate default to 12AM Make improvements</a:t>
-                      </a:r>
-                      <a:endParaRPr lang="en-US" sz="1100">
-                        <a:effectLst/>
-                        <a:latin typeface="Calibri" panose="020F0502020204030204" pitchFamily="34" charset="0"/>
-                        <a:ea typeface="Calibri" panose="020F0502020204030204" pitchFamily="34" charset="0"/>
-                        <a:cs typeface="Times New Roman" panose="02020603050405020304" pitchFamily="18" charset="0"/>
-                      </a:endParaRPr>
-                    </a:p>
-                  </a:txBody>
-                  <a:tcPr marL="45720" marR="45720" marT="18415" marB="18415"/>
-                </a:tc>
-              </a:tr>
-              <a:tr h="370840">
-                <a:tc>
-                  <a:txBody>
-                    <a:bodyPr/>
-                    <a:lstStyle/>
-                    <a:p>
-                      <a:pPr marL="0" marR="0">
-                        <a:lnSpc>
-                          <a:spcPct val="107000"/>
-                        </a:lnSpc>
-                        <a:spcBef>
-                          <a:spcPts val="0"/>
-                        </a:spcBef>
-                        <a:spcAft>
-                          <a:spcPts val="0"/>
-                        </a:spcAft>
-                      </a:pPr>
-                      <a:r>
-                        <a:rPr lang="en-US" sz="1200">
-                          <a:effectLst/>
-                          <a:latin typeface="Arial" panose="020B0604020202020204" pitchFamily="34" charset="0"/>
-                          <a:ea typeface="Times New Roman" panose="02020603050405020304" pitchFamily="18" charset="0"/>
-                          <a:cs typeface="Times New Roman" panose="02020603050405020304" pitchFamily="18" charset="0"/>
-                        </a:rPr>
-                        <a:t>Share completion on facebook</a:t>
-                      </a:r>
-                      <a:endParaRPr lang="en-US" sz="1100">
-                        <a:effectLst/>
-                        <a:latin typeface="Calibri" panose="020F0502020204030204" pitchFamily="34" charset="0"/>
-                        <a:ea typeface="Calibri" panose="020F0502020204030204" pitchFamily="34" charset="0"/>
-                        <a:cs typeface="Times New Roman" panose="02020603050405020304" pitchFamily="18" charset="0"/>
-                      </a:endParaRPr>
-                    </a:p>
-                  </a:txBody>
-                  <a:tcPr marL="45720" marR="45720" marT="18415" marB="18415"/>
-                </a:tc>
-                <a:tc>
-                  <a:txBody>
-                    <a:bodyPr/>
-                    <a:lstStyle/>
-                    <a:p>
-                      <a:pPr marL="0" marR="0">
-                        <a:lnSpc>
-                          <a:spcPct val="107000"/>
-                        </a:lnSpc>
-                        <a:spcBef>
-                          <a:spcPts val="0"/>
-                        </a:spcBef>
-                        <a:spcAft>
-                          <a:spcPts val="0"/>
-                        </a:spcAft>
-                      </a:pPr>
-                      <a:r>
-                        <a:rPr lang="en-US" sz="1200">
-                          <a:effectLst/>
-                          <a:latin typeface="Arial" panose="020B0604020202020204" pitchFamily="34" charset="0"/>
-                          <a:ea typeface="Times New Roman" panose="02020603050405020304" pitchFamily="18" charset="0"/>
-                          <a:cs typeface="Times New Roman" panose="02020603050405020304" pitchFamily="18" charset="0"/>
-                        </a:rPr>
-                        <a:t>Put restrictions on root, can't edit or complete, etc</a:t>
-                      </a:r>
-                      <a:endParaRPr lang="en-US" sz="1100">
-                        <a:effectLst/>
-                        <a:latin typeface="Calibri" panose="020F0502020204030204" pitchFamily="34" charset="0"/>
-                        <a:ea typeface="Calibri" panose="020F0502020204030204" pitchFamily="34" charset="0"/>
-                        <a:cs typeface="Times New Roman" panose="02020603050405020304" pitchFamily="18" charset="0"/>
-                      </a:endParaRPr>
-                    </a:p>
-                  </a:txBody>
-                  <a:tcPr marL="45720" marR="45720" marT="18415" marB="18415"/>
-                </a:tc>
-                <a:tc>
-                  <a:txBody>
-                    <a:bodyPr/>
-                    <a:lstStyle/>
-                    <a:p>
-                      <a:pPr marL="0" marR="0">
-                        <a:lnSpc>
-                          <a:spcPct val="107000"/>
-                        </a:lnSpc>
-                        <a:spcBef>
-                          <a:spcPts val="0"/>
-                        </a:spcBef>
-                        <a:spcAft>
-                          <a:spcPts val="0"/>
-                        </a:spcAft>
-                      </a:pPr>
-                      <a:r>
-                        <a:rPr lang="en-US" sz="1200">
-                          <a:effectLst/>
-                          <a:latin typeface="Arial" panose="020B0604020202020204" pitchFamily="34" charset="0"/>
-                          <a:ea typeface="Times New Roman" panose="02020603050405020304" pitchFamily="18" charset="0"/>
-                          <a:cs typeface="Times New Roman" panose="02020603050405020304" pitchFamily="18" charset="0"/>
-                        </a:rPr>
-                        <a:t>Add horizontal scrolling to Outline view</a:t>
-                      </a:r>
-                      <a:endParaRPr lang="en-US" sz="1100">
-                        <a:effectLst/>
-                        <a:latin typeface="Calibri" panose="020F0502020204030204" pitchFamily="34" charset="0"/>
-                        <a:ea typeface="Calibri" panose="020F0502020204030204" pitchFamily="34" charset="0"/>
-                        <a:cs typeface="Times New Roman" panose="02020603050405020304" pitchFamily="18" charset="0"/>
-                      </a:endParaRPr>
-                    </a:p>
-                  </a:txBody>
-                  <a:tcPr marL="45720" marR="45720" marT="18415" marB="18415"/>
-                </a:tc>
-              </a:tr>
-              <a:tr h="370840">
-                <a:tc>
-                  <a:txBody>
-                    <a:bodyPr/>
-                    <a:lstStyle/>
-                    <a:p>
-                      <a:pPr marL="0" marR="0">
-                        <a:lnSpc>
-                          <a:spcPct val="107000"/>
-                        </a:lnSpc>
-                        <a:spcBef>
-                          <a:spcPts val="0"/>
-                        </a:spcBef>
-                        <a:spcAft>
-                          <a:spcPts val="0"/>
-                        </a:spcAft>
-                      </a:pPr>
-                      <a:r>
-                        <a:rPr lang="en-US" sz="1200">
-                          <a:effectLst/>
-                          <a:latin typeface="Arial" panose="020B0604020202020204" pitchFamily="34" charset="0"/>
-                          <a:ea typeface="Times New Roman" panose="02020603050405020304" pitchFamily="18" charset="0"/>
-                          <a:cs typeface="Times New Roman" panose="02020603050405020304" pitchFamily="18" charset="0"/>
-                        </a:rPr>
-                        <a:t>Oauth facebook, google etc</a:t>
-                      </a:r>
-                      <a:endParaRPr lang="en-US" sz="1100">
-                        <a:effectLst/>
-                        <a:latin typeface="Calibri" panose="020F0502020204030204" pitchFamily="34" charset="0"/>
-                        <a:ea typeface="Calibri" panose="020F0502020204030204" pitchFamily="34" charset="0"/>
-                        <a:cs typeface="Times New Roman" panose="02020603050405020304" pitchFamily="18" charset="0"/>
-                      </a:endParaRPr>
-                    </a:p>
-                  </a:txBody>
-                  <a:tcPr marL="45720" marR="45720" marT="18415" marB="18415"/>
-                </a:tc>
-                <a:tc>
-                  <a:txBody>
-                    <a:bodyPr/>
-                    <a:lstStyle/>
-                    <a:p>
-                      <a:pPr marL="0" marR="0">
-                        <a:lnSpc>
-                          <a:spcPct val="107000"/>
-                        </a:lnSpc>
-                        <a:spcBef>
-                          <a:spcPts val="0"/>
-                        </a:spcBef>
-                        <a:spcAft>
-                          <a:spcPts val="0"/>
-                        </a:spcAft>
-                      </a:pPr>
-                      <a:r>
-                        <a:rPr lang="en-US" sz="1200">
-                          <a:effectLst/>
-                          <a:latin typeface="Arial" panose="020B0604020202020204" pitchFamily="34" charset="0"/>
-                          <a:ea typeface="Times New Roman" panose="02020603050405020304" pitchFamily="18" charset="0"/>
-                          <a:cs typeface="Times New Roman" panose="02020603050405020304" pitchFamily="18" charset="0"/>
-                        </a:rPr>
-                        <a:t>Make Glyphicons in tree/outline/task consistent</a:t>
-                      </a:r>
-                      <a:endParaRPr lang="en-US" sz="1100">
-                        <a:effectLst/>
-                        <a:latin typeface="Calibri" panose="020F0502020204030204" pitchFamily="34" charset="0"/>
-                        <a:ea typeface="Calibri" panose="020F0502020204030204" pitchFamily="34" charset="0"/>
-                        <a:cs typeface="Times New Roman" panose="02020603050405020304" pitchFamily="18" charset="0"/>
-                      </a:endParaRPr>
-                    </a:p>
-                  </a:txBody>
-                  <a:tcPr marL="45720" marR="45720" marT="18415" marB="18415"/>
-                </a:tc>
-                <a:tc>
-                  <a:txBody>
-                    <a:bodyPr/>
-                    <a:lstStyle/>
-                    <a:p>
-                      <a:pPr marL="0" marR="0">
-                        <a:lnSpc>
-                          <a:spcPct val="107000"/>
-                        </a:lnSpc>
-                        <a:spcBef>
-                          <a:spcPts val="0"/>
-                        </a:spcBef>
-                        <a:spcAft>
-                          <a:spcPts val="0"/>
-                        </a:spcAft>
-                      </a:pPr>
-                      <a:r>
-                        <a:rPr lang="en-US" sz="1200">
-                          <a:effectLst/>
-                          <a:latin typeface="Arial" panose="020B0604020202020204" pitchFamily="34" charset="0"/>
-                          <a:ea typeface="Times New Roman" panose="02020603050405020304" pitchFamily="18" charset="0"/>
-                          <a:cs typeface="Times New Roman" panose="02020603050405020304" pitchFamily="18" charset="0"/>
-                        </a:rPr>
-                        <a:t>Dispose Method on projectcontrller is commented out</a:t>
-                      </a:r>
-                      <a:endParaRPr lang="en-US" sz="1100">
-                        <a:effectLst/>
-                        <a:latin typeface="Calibri" panose="020F0502020204030204" pitchFamily="34" charset="0"/>
-                        <a:ea typeface="Calibri" panose="020F0502020204030204" pitchFamily="34" charset="0"/>
-                        <a:cs typeface="Times New Roman" panose="02020603050405020304" pitchFamily="18" charset="0"/>
-                      </a:endParaRPr>
-                    </a:p>
-                  </a:txBody>
-                  <a:tcPr marL="45720" marR="45720" marT="18415" marB="18415"/>
-                </a:tc>
-              </a:tr>
-              <a:tr h="370840">
-                <a:tc>
-                  <a:txBody>
-                    <a:bodyPr/>
-                    <a:lstStyle/>
-                    <a:p>
-                      <a:pPr marL="0" marR="0">
-                        <a:lnSpc>
-                          <a:spcPct val="107000"/>
-                        </a:lnSpc>
-                        <a:spcBef>
-                          <a:spcPts val="0"/>
-                        </a:spcBef>
-                        <a:spcAft>
-                          <a:spcPts val="0"/>
-                        </a:spcAft>
-                      </a:pPr>
-                      <a:r>
-                        <a:rPr lang="en-US" sz="1200">
-                          <a:effectLst/>
-                          <a:latin typeface="Arial" panose="020B0604020202020204" pitchFamily="34" charset="0"/>
-                          <a:ea typeface="Times New Roman" panose="02020603050405020304" pitchFamily="18" charset="0"/>
-                          <a:cs typeface="Times New Roman" panose="02020603050405020304" pitchFamily="18" charset="0"/>
-                        </a:rPr>
-                        <a:t>When task is completed, fireworks, congratulations...</a:t>
-                      </a:r>
-                      <a:endParaRPr lang="en-US" sz="1100">
-                        <a:effectLst/>
-                        <a:latin typeface="Calibri" panose="020F0502020204030204" pitchFamily="34" charset="0"/>
-                        <a:ea typeface="Calibri" panose="020F0502020204030204" pitchFamily="34" charset="0"/>
-                        <a:cs typeface="Times New Roman" panose="02020603050405020304" pitchFamily="18" charset="0"/>
-                      </a:endParaRPr>
-                    </a:p>
-                  </a:txBody>
-                  <a:tcPr marL="45720" marR="45720" marT="18415" marB="18415"/>
-                </a:tc>
-                <a:tc>
-                  <a:txBody>
-                    <a:bodyPr/>
-                    <a:lstStyle/>
-                    <a:p>
-                      <a:pPr marL="0" marR="0">
-                        <a:lnSpc>
-                          <a:spcPct val="107000"/>
-                        </a:lnSpc>
-                        <a:spcBef>
-                          <a:spcPts val="0"/>
-                        </a:spcBef>
-                        <a:spcAft>
-                          <a:spcPts val="0"/>
-                        </a:spcAft>
-                      </a:pPr>
-                      <a:r>
-                        <a:rPr lang="en-US" sz="1200">
-                          <a:effectLst/>
-                          <a:latin typeface="Arial" panose="020B0604020202020204" pitchFamily="34" charset="0"/>
-                          <a:ea typeface="Times New Roman" panose="02020603050405020304" pitchFamily="18" charset="0"/>
-                          <a:cs typeface="Times New Roman" panose="02020603050405020304" pitchFamily="18" charset="0"/>
-                        </a:rPr>
-                        <a:t>Improve Root default values</a:t>
-                      </a:r>
-                      <a:endParaRPr lang="en-US" sz="1100">
-                        <a:effectLst/>
-                        <a:latin typeface="Calibri" panose="020F0502020204030204" pitchFamily="34" charset="0"/>
-                        <a:ea typeface="Calibri" panose="020F0502020204030204" pitchFamily="34" charset="0"/>
-                        <a:cs typeface="Times New Roman" panose="02020603050405020304" pitchFamily="18" charset="0"/>
-                      </a:endParaRPr>
-                    </a:p>
-                  </a:txBody>
-                  <a:tcPr marL="45720" marR="45720" marT="18415" marB="18415"/>
-                </a:tc>
-                <a:tc>
-                  <a:txBody>
-                    <a:bodyPr/>
-                    <a:lstStyle/>
-                    <a:p>
-                      <a:pPr marL="0" marR="0">
-                        <a:lnSpc>
-                          <a:spcPct val="107000"/>
-                        </a:lnSpc>
-                        <a:spcBef>
-                          <a:spcPts val="0"/>
-                        </a:spcBef>
-                        <a:spcAft>
-                          <a:spcPts val="0"/>
-                        </a:spcAft>
-                      </a:pPr>
-                      <a:r>
-                        <a:rPr lang="en-US" sz="1200">
-                          <a:effectLst/>
-                          <a:latin typeface="Arial" panose="020B0604020202020204" pitchFamily="34" charset="0"/>
-                          <a:ea typeface="Times New Roman" panose="02020603050405020304" pitchFamily="18" charset="0"/>
-                          <a:cs typeface="Times New Roman" panose="02020603050405020304" pitchFamily="18" charset="0"/>
-                        </a:rPr>
-                        <a:t>Tree view javascript has maximumId = 500...don't know what this does.</a:t>
-                      </a:r>
-                      <a:endParaRPr lang="en-US" sz="1100">
-                        <a:effectLst/>
-                        <a:latin typeface="Calibri" panose="020F0502020204030204" pitchFamily="34" charset="0"/>
-                        <a:ea typeface="Calibri" panose="020F0502020204030204" pitchFamily="34" charset="0"/>
-                        <a:cs typeface="Times New Roman" panose="02020603050405020304" pitchFamily="18" charset="0"/>
-                      </a:endParaRPr>
-                    </a:p>
-                  </a:txBody>
-                  <a:tcPr marL="45720" marR="45720" marT="18415" marB="18415"/>
-                </a:tc>
-              </a:tr>
-              <a:tr h="370840">
-                <a:tc>
-                  <a:txBody>
-                    <a:bodyPr/>
-                    <a:lstStyle/>
-                    <a:p>
-                      <a:pPr marL="0" marR="0">
-                        <a:lnSpc>
-                          <a:spcPct val="107000"/>
-                        </a:lnSpc>
-                        <a:spcBef>
-                          <a:spcPts val="0"/>
-                        </a:spcBef>
-                        <a:spcAft>
-                          <a:spcPts val="0"/>
-                        </a:spcAft>
-                      </a:pPr>
-                      <a:r>
-                        <a:rPr lang="en-US" sz="1200">
-                          <a:effectLst/>
-                          <a:latin typeface="Arial" panose="020B0604020202020204" pitchFamily="34" charset="0"/>
-                          <a:ea typeface="Times New Roman" panose="02020603050405020304" pitchFamily="18" charset="0"/>
-                          <a:cs typeface="Times New Roman" panose="02020603050405020304" pitchFamily="18" charset="0"/>
-                        </a:rPr>
-                        <a:t>better tree navigation, grab drag and drop</a:t>
-                      </a:r>
-                      <a:endParaRPr lang="en-US" sz="1100">
-                        <a:effectLst/>
-                        <a:latin typeface="Calibri" panose="020F0502020204030204" pitchFamily="34" charset="0"/>
-                        <a:ea typeface="Calibri" panose="020F0502020204030204" pitchFamily="34" charset="0"/>
-                        <a:cs typeface="Times New Roman" panose="02020603050405020304" pitchFamily="18" charset="0"/>
-                      </a:endParaRPr>
-                    </a:p>
-                  </a:txBody>
-                  <a:tcPr marL="45720" marR="45720" marT="18415" marB="18415"/>
-                </a:tc>
-                <a:tc>
-                  <a:txBody>
-                    <a:bodyPr/>
-                    <a:lstStyle/>
-                    <a:p>
-                      <a:pPr marL="0" marR="0">
-                        <a:lnSpc>
-                          <a:spcPct val="107000"/>
-                        </a:lnSpc>
-                        <a:spcBef>
-                          <a:spcPts val="0"/>
-                        </a:spcBef>
-                        <a:spcAft>
-                          <a:spcPts val="0"/>
-                        </a:spcAft>
-                      </a:pPr>
-                      <a:r>
-                        <a:rPr lang="en-US" sz="1200">
-                          <a:effectLst/>
-                          <a:latin typeface="Arial" panose="020B0604020202020204" pitchFamily="34" charset="0"/>
-                          <a:ea typeface="Times New Roman" panose="02020603050405020304" pitchFamily="18" charset="0"/>
-                          <a:cs typeface="Times New Roman" panose="02020603050405020304" pitchFamily="18" charset="0"/>
-                        </a:rPr>
-                        <a:t>Add edit to tree view</a:t>
-                      </a:r>
-                      <a:endParaRPr lang="en-US" sz="1100">
-                        <a:effectLst/>
-                        <a:latin typeface="Calibri" panose="020F0502020204030204" pitchFamily="34" charset="0"/>
-                        <a:ea typeface="Calibri" panose="020F0502020204030204" pitchFamily="34" charset="0"/>
-                        <a:cs typeface="Times New Roman" panose="02020603050405020304" pitchFamily="18" charset="0"/>
-                      </a:endParaRPr>
-                    </a:p>
-                  </a:txBody>
-                  <a:tcPr marL="45720" marR="45720" marT="18415" marB="18415"/>
-                </a:tc>
-                <a:tc>
-                  <a:txBody>
-                    <a:bodyPr/>
-                    <a:lstStyle/>
-                    <a:p>
-                      <a:pPr marL="0" marR="0">
-                        <a:lnSpc>
-                          <a:spcPct val="107000"/>
-                        </a:lnSpc>
-                        <a:spcBef>
-                          <a:spcPts val="0"/>
-                        </a:spcBef>
-                        <a:spcAft>
-                          <a:spcPts val="0"/>
-                        </a:spcAft>
-                      </a:pPr>
-                      <a:r>
-                        <a:rPr lang="en-US" sz="1200">
-                          <a:effectLst/>
-                          <a:latin typeface="Arial" panose="020B0604020202020204" pitchFamily="34" charset="0"/>
-                          <a:ea typeface="Times New Roman" panose="02020603050405020304" pitchFamily="18" charset="0"/>
-                          <a:cs typeface="Times New Roman" panose="02020603050405020304" pitchFamily="18" charset="0"/>
-                        </a:rPr>
-                        <a:t>Project ID count has jumped...is there a max and how do we reset</a:t>
-                      </a:r>
-                      <a:endParaRPr lang="en-US" sz="1100">
-                        <a:effectLst/>
-                        <a:latin typeface="Calibri" panose="020F0502020204030204" pitchFamily="34" charset="0"/>
-                        <a:ea typeface="Calibri" panose="020F0502020204030204" pitchFamily="34" charset="0"/>
-                        <a:cs typeface="Times New Roman" panose="02020603050405020304" pitchFamily="18" charset="0"/>
-                      </a:endParaRPr>
-                    </a:p>
-                  </a:txBody>
-                  <a:tcPr marL="45720" marR="45720" marT="18415" marB="18415"/>
-                </a:tc>
-              </a:tr>
-              <a:tr h="370840">
-                <a:tc>
-                  <a:txBody>
-                    <a:bodyPr/>
-                    <a:lstStyle/>
-                    <a:p>
-                      <a:pPr marL="0" marR="0">
-                        <a:lnSpc>
-                          <a:spcPct val="107000"/>
-                        </a:lnSpc>
-                        <a:spcBef>
-                          <a:spcPts val="0"/>
-                        </a:spcBef>
-                        <a:spcAft>
-                          <a:spcPts val="0"/>
-                        </a:spcAft>
-                      </a:pPr>
-                      <a:r>
-                        <a:rPr lang="en-US" sz="1200" dirty="0">
-                          <a:effectLst/>
-                          <a:latin typeface="Arial" panose="020B0604020202020204" pitchFamily="34" charset="0"/>
-                          <a:ea typeface="Times New Roman" panose="02020603050405020304" pitchFamily="18" charset="0"/>
-                          <a:cs typeface="Times New Roman" panose="02020603050405020304" pitchFamily="18" charset="0"/>
-                        </a:rPr>
-                        <a:t>Project hours invested. So far we only have calendar time</a:t>
-                      </a:r>
-                      <a:endParaRPr lang="en-US" sz="1100" dirty="0">
-                        <a:effectLst/>
-                        <a:latin typeface="Calibri" panose="020F0502020204030204" pitchFamily="34" charset="0"/>
-                        <a:ea typeface="Calibri" panose="020F0502020204030204" pitchFamily="34" charset="0"/>
-                        <a:cs typeface="Times New Roman" panose="02020603050405020304" pitchFamily="18" charset="0"/>
-                      </a:endParaRPr>
-                    </a:p>
-                  </a:txBody>
-                  <a:tcPr marL="45720" marR="45720" marT="18415" marB="18415"/>
-                </a:tc>
-                <a:tc>
-                  <a:txBody>
-                    <a:bodyPr/>
-                    <a:lstStyle/>
-                    <a:p>
-                      <a:pPr marL="0" marR="0">
-                        <a:lnSpc>
-                          <a:spcPct val="107000"/>
-                        </a:lnSpc>
-                        <a:spcBef>
-                          <a:spcPts val="0"/>
-                        </a:spcBef>
-                        <a:spcAft>
-                          <a:spcPts val="0"/>
-                        </a:spcAft>
-                      </a:pPr>
-                      <a:r>
-                        <a:rPr lang="en-US" sz="1200" dirty="0">
-                          <a:effectLst/>
-                          <a:latin typeface="Arial" panose="020B0604020202020204" pitchFamily="34" charset="0"/>
-                          <a:ea typeface="Times New Roman" panose="02020603050405020304" pitchFamily="18" charset="0"/>
-                          <a:cs typeface="Times New Roman" panose="02020603050405020304" pitchFamily="18" charset="0"/>
-                        </a:rPr>
-                        <a:t>Make completed projects View.</a:t>
-                      </a:r>
-                      <a:endParaRPr lang="en-US" sz="1100" dirty="0">
-                        <a:effectLst/>
-                        <a:latin typeface="Calibri" panose="020F0502020204030204" pitchFamily="34" charset="0"/>
-                        <a:ea typeface="Calibri" panose="020F0502020204030204" pitchFamily="34" charset="0"/>
-                        <a:cs typeface="Times New Roman" panose="02020603050405020304" pitchFamily="18" charset="0"/>
-                      </a:endParaRPr>
-                    </a:p>
-                  </a:txBody>
-                  <a:tcPr marL="45720" marR="45720" marT="18415" marB="18415"/>
-                </a:tc>
-                <a:tc>
-                  <a:txBody>
-                    <a:bodyPr/>
-                    <a:lstStyle/>
-                    <a:p>
-                      <a:pPr marL="0" marR="0">
-                        <a:lnSpc>
-                          <a:spcPct val="107000"/>
-                        </a:lnSpc>
-                        <a:spcBef>
-                          <a:spcPts val="0"/>
-                        </a:spcBef>
-                        <a:spcAft>
-                          <a:spcPts val="0"/>
-                        </a:spcAft>
-                      </a:pPr>
-                      <a:r>
-                        <a:rPr lang="en-US" sz="1200" dirty="0">
-                          <a:effectLst/>
-                          <a:latin typeface="Arial" panose="020B0604020202020204" pitchFamily="34" charset="0"/>
-                          <a:ea typeface="Times New Roman" panose="02020603050405020304" pitchFamily="18" charset="0"/>
-                          <a:cs typeface="Times New Roman" panose="02020603050405020304" pitchFamily="18" charset="0"/>
-                        </a:rPr>
-                        <a:t>Organize, Bundle, Minify </a:t>
-                      </a:r>
-                      <a:r>
-                        <a:rPr lang="en-US" sz="1200" dirty="0" err="1">
-                          <a:effectLst/>
-                          <a:latin typeface="Arial" panose="020B0604020202020204" pitchFamily="34" charset="0"/>
-                          <a:ea typeface="Times New Roman" panose="02020603050405020304" pitchFamily="18" charset="0"/>
-                          <a:cs typeface="Times New Roman" panose="02020603050405020304" pitchFamily="18" charset="0"/>
-                        </a:rPr>
-                        <a:t>Javascript</a:t>
-                      </a:r>
-                      <a:endParaRPr lang="en-US" sz="1100" dirty="0">
-                        <a:effectLst/>
-                        <a:latin typeface="Calibri" panose="020F0502020204030204" pitchFamily="34" charset="0"/>
-                        <a:ea typeface="Calibri" panose="020F0502020204030204" pitchFamily="34" charset="0"/>
-                        <a:cs typeface="Times New Roman" panose="02020603050405020304" pitchFamily="18" charset="0"/>
-                      </a:endParaRPr>
-                    </a:p>
-                  </a:txBody>
-                  <a:tcPr marL="45720" marR="45720" marT="18415" marB="18415"/>
-                </a:tc>
-              </a:tr>
-            </a:tbl>
-          </a:graphicData>
-        </a:graphic>
-      </p:graphicFrame>
     </p:spTree>
     <p:extLst>
       <p:ext uri="{BB962C8B-B14F-4D97-AF65-F5344CB8AC3E}">
@@ -10700,94 +9541,42 @@
         </p:nvSpPr>
         <p:spPr/>
         <p:txBody>
-          <a:bodyPr/>
+          <a:bodyPr>
+            <a:normAutofit fontScale="90000"/>
+          </a:bodyPr>
           <a:lstStyle/>
           <a:p>
-            <a:endParaRPr lang="en-US"/>
+            <a:r>
+              <a:rPr lang="en-US" b="1" dirty="0"/>
+              <a:t>Integrating </a:t>
+            </a:r>
+            <a:r>
+              <a:rPr lang="en-US" b="1" dirty="0" err="1"/>
+              <a:t>javascript</a:t>
+            </a:r>
+            <a:r>
+              <a:rPr lang="en-US" b="1" dirty="0"/>
+              <a:t> code into MVC/Razor/Html Model Beth</a:t>
+            </a:r>
+            <a:r>
+              <a:rPr lang="en-US" dirty="0"/>
+              <a:t/>
+            </a:r>
+            <a:br>
+              <a:rPr lang="en-US" dirty="0"/>
+            </a:br>
+            <a:endParaRPr lang="en-US" dirty="0"/>
           </a:p>
         </p:txBody>
       </p:sp>
-      <p:pic>
-        <p:nvPicPr>
-          <p:cNvPr id="1026" name="Picture 2" descr="http://dotnetoffice.files.wordpress.com/2012/01/dotnetframework.png"/>
-          <p:cNvPicPr>
-            <a:picLocks noGrp="1" noChangeAspect="1" noChangeArrowheads="1"/>
-          </p:cNvPicPr>
-          <p:nvPr>
-            <p:ph idx="1"/>
-          </p:nvPr>
-        </p:nvPicPr>
-        <p:blipFill>
-          <a:blip r:embed="rId2">
-            <a:extLst>
-              <a:ext uri="{28A0092B-C50C-407E-A947-70E740481C1C}">
-                <a14:useLocalDpi xmlns:a14="http://schemas.microsoft.com/office/drawing/2010/main" val="0"/>
-              </a:ext>
-            </a:extLst>
-          </a:blip>
-          <a:srcRect/>
-          <a:stretch>
-            <a:fillRect/>
-          </a:stretch>
-        </p:blipFill>
-        <p:spPr bwMode="auto">
-          <a:xfrm>
-            <a:off x="3035300" y="2160588"/>
-            <a:ext cx="3881437" cy="3881437"/>
-          </a:xfrm>
-          <a:prstGeom prst="rect">
-            <a:avLst/>
-          </a:prstGeom>
-          <a:noFill/>
-          <a:extLst>
-            <a:ext uri="{909E8E84-426E-40DD-AFC4-6F175D3DCCD1}">
-              <a14:hiddenFill xmlns:a14="http://schemas.microsoft.com/office/drawing/2010/main">
-                <a:solidFill>
-                  <a:srgbClr val="FFFFFF"/>
-                </a:solidFill>
-              </a14:hiddenFill>
-            </a:ext>
-          </a:extLst>
-        </p:spPr>
-      </p:pic>
-    </p:spTree>
-    <p:extLst>
-      <p:ext uri="{BB962C8B-B14F-4D97-AF65-F5344CB8AC3E}">
-        <p14:creationId xmlns:p14="http://schemas.microsoft.com/office/powerpoint/2010/main" val="3437912808"/>
-      </p:ext>
-    </p:extLst>
-  </p:cSld>
-  <p:clrMapOvr>
-    <a:masterClrMapping/>
-  </p:clrMapOvr>
-</p:sld>
-</file>
-
-<file path=ppt/slides/slide14.xml><?xml version="1.0" encoding="utf-8"?>
-<p:sld xmlns:a="http://schemas.openxmlformats.org/drawingml/2006/main" xmlns:r="http://schemas.openxmlformats.org/officeDocument/2006/relationships" xmlns:p="http://schemas.openxmlformats.org/presentationml/2006/main">
-  <p:cSld>
-    <p:spTree>
-      <p:nvGrpSpPr>
-        <p:cNvPr id="1" name=""/>
-        <p:cNvGrpSpPr/>
-        <p:nvPr/>
-      </p:nvGrpSpPr>
-      <p:grpSpPr>
-        <a:xfrm>
-          <a:off x="0" y="0"/>
-          <a:ext cx="0" cy="0"/>
-          <a:chOff x="0" y="0"/>
-          <a:chExt cx="0" cy="0"/>
-        </a:xfrm>
-      </p:grpSpPr>
-      <p:sp>
-        <p:nvSpPr>
-          <p:cNvPr id="2" name="Title 1"/>
+      <p:sp>
+        <p:nvSpPr>
+          <p:cNvPr id="3" name="Content Placeholder 2"/>
           <p:cNvSpPr>
             <a:spLocks noGrp="1"/>
           </p:cNvSpPr>
           <p:nvPr>
-            <p:ph type="title"/>
+            <p:ph idx="1"/>
           </p:nvPr>
         </p:nvSpPr>
         <p:spPr/>
@@ -10795,57 +9584,21 @@
           <a:bodyPr/>
           <a:lstStyle/>
           <a:p>
-            <a:endParaRPr lang="en-US"/>
+            <a:r>
+              <a:rPr lang="en-US" b="1" dirty="0"/>
+              <a:t>No change is a standalone change Beth</a:t>
+            </a:r>
+            <a:endParaRPr lang="en-US" dirty="0"/>
+          </a:p>
+          <a:p>
+            <a:endParaRPr lang="en-US" dirty="0"/>
           </a:p>
         </p:txBody>
       </p:sp>
-      <p:pic>
-        <p:nvPicPr>
-          <p:cNvPr id="2050" name="Picture 2" descr="http://www.hanselman.com/blog/content/binary/Windows-Live-Writer/Better-Web-Forms_DFB3/image_7.png"/>
-          <p:cNvPicPr>
-            <a:picLocks noGrp="1" noChangeAspect="1" noChangeArrowheads="1"/>
-          </p:cNvPicPr>
-          <p:nvPr>
-            <p:ph idx="1"/>
-          </p:nvPr>
-        </p:nvPicPr>
-        <p:blipFill>
-          <a:blip r:embed="rId2">
-            <a:extLst>
-              <a:ext uri="{28A0092B-C50C-407E-A947-70E740481C1C}">
-                <a14:useLocalDpi xmlns:a14="http://schemas.microsoft.com/office/drawing/2010/main" val="0"/>
-              </a:ext>
-            </a:extLst>
-          </a:blip>
-          <a:srcRect/>
-          <a:stretch>
-            <a:fillRect/>
-          </a:stretch>
-        </p:blipFill>
-        <p:spPr bwMode="auto">
-          <a:xfrm>
-            <a:off x="1789906" y="2248694"/>
-            <a:ext cx="6372225" cy="3705225"/>
-          </a:xfrm>
-          <a:prstGeom prst="rect">
-            <a:avLst/>
-          </a:prstGeom>
-          <a:noFill/>
-          <a:extLst>
-            <a:ext uri="{909E8E84-426E-40DD-AFC4-6F175D3DCCD1}">
-              <a14:hiddenFill xmlns:a14="http://schemas.microsoft.com/office/drawing/2010/main">
-                <a:solidFill>
-                  <a:srgbClr val="FFFFFF"/>
-                </a:solidFill>
-              </a14:hiddenFill>
-            </a:ext>
-          </a:extLst>
-        </p:spPr>
-      </p:pic>
     </p:spTree>
     <p:extLst>
       <p:ext uri="{BB962C8B-B14F-4D97-AF65-F5344CB8AC3E}">
-        <p14:creationId xmlns:p14="http://schemas.microsoft.com/office/powerpoint/2010/main" val="2032094144"/>
+        <p14:creationId xmlns:p14="http://schemas.microsoft.com/office/powerpoint/2010/main" val="165046885"/>
       </p:ext>
     </p:extLst>
   </p:cSld>

--- a/Final Project Documentation/CSC521.pptx
+++ b/Final Project Documentation/CSC521.pptx
@@ -5,22 +5,24 @@
     <p:sldMasterId id="2147483678" r:id="rId1"/>
   </p:sldMasterIdLst>
   <p:notesMasterIdLst>
-    <p:notesMasterId r:id="rId15"/>
+    <p:notesMasterId r:id="rId17"/>
   </p:notesMasterIdLst>
   <p:sldIdLst>
     <p:sldId id="276" r:id="rId2"/>
     <p:sldId id="268" r:id="rId3"/>
     <p:sldId id="259" r:id="rId4"/>
-    <p:sldId id="260" r:id="rId5"/>
-    <p:sldId id="291" r:id="rId6"/>
-    <p:sldId id="261" r:id="rId7"/>
-    <p:sldId id="297" r:id="rId8"/>
-    <p:sldId id="265" r:id="rId9"/>
-    <p:sldId id="264" r:id="rId10"/>
-    <p:sldId id="290" r:id="rId11"/>
-    <p:sldId id="296" r:id="rId12"/>
-    <p:sldId id="295" r:id="rId13"/>
-    <p:sldId id="298" r:id="rId14"/>
+    <p:sldId id="299" r:id="rId5"/>
+    <p:sldId id="260" r:id="rId6"/>
+    <p:sldId id="291" r:id="rId7"/>
+    <p:sldId id="261" r:id="rId8"/>
+    <p:sldId id="297" r:id="rId9"/>
+    <p:sldId id="265" r:id="rId10"/>
+    <p:sldId id="264" r:id="rId11"/>
+    <p:sldId id="290" r:id="rId12"/>
+    <p:sldId id="296" r:id="rId13"/>
+    <p:sldId id="295" r:id="rId14"/>
+    <p:sldId id="298" r:id="rId15"/>
+    <p:sldId id="300" r:id="rId16"/>
   </p:sldIdLst>
   <p:sldSz cx="12192000" cy="6858000"/>
   <p:notesSz cx="6858000" cy="9144000"/>
@@ -2734,7 +2736,7 @@
           <a:p>
             <a:fld id="{F1FA7AC5-6045-4418-8E60-F48788734473}" type="datetimeFigureOut">
               <a:rPr lang="en-US" smtClean="0"/>
-              <a:t>4/30/2014</a:t>
+              <a:t>5/1/2014</a:t>
             </a:fld>
             <a:endParaRPr lang="en-US"/>
           </a:p>
@@ -2985,7 +2987,7 @@
           <a:p>
             <a:fld id="{F1FA7AC5-6045-4418-8E60-F48788734473}" type="datetimeFigureOut">
               <a:rPr lang="en-US" smtClean="0"/>
-              <a:t>4/30/2014</a:t>
+              <a:t>5/1/2014</a:t>
             </a:fld>
             <a:endParaRPr lang="en-US"/>
           </a:p>
@@ -3299,7 +3301,7 @@
           <a:p>
             <a:fld id="{F1FA7AC5-6045-4418-8E60-F48788734473}" type="datetimeFigureOut">
               <a:rPr lang="en-US" smtClean="0"/>
-              <a:t>4/30/2014</a:t>
+              <a:t>5/1/2014</a:t>
             </a:fld>
             <a:endParaRPr lang="en-US"/>
           </a:p>
@@ -3640,7 +3642,7 @@
           <a:p>
             <a:fld id="{F1FA7AC5-6045-4418-8E60-F48788734473}" type="datetimeFigureOut">
               <a:rPr lang="en-US" smtClean="0"/>
-              <a:t>4/30/2014</a:t>
+              <a:t>5/1/2014</a:t>
             </a:fld>
             <a:endParaRPr lang="en-US"/>
           </a:p>
@@ -3954,7 +3956,7 @@
           <a:p>
             <a:fld id="{F1FA7AC5-6045-4418-8E60-F48788734473}" type="datetimeFigureOut">
               <a:rPr lang="en-US" smtClean="0"/>
-              <a:t>4/30/2014</a:t>
+              <a:t>5/1/2014</a:t>
             </a:fld>
             <a:endParaRPr lang="en-US"/>
           </a:p>
@@ -4347,7 +4349,7 @@
           <a:p>
             <a:fld id="{F1FA7AC5-6045-4418-8E60-F48788734473}" type="datetimeFigureOut">
               <a:rPr lang="en-US" smtClean="0"/>
-              <a:t>4/30/2014</a:t>
+              <a:t>5/1/2014</a:t>
             </a:fld>
             <a:endParaRPr lang="en-US"/>
           </a:p>
@@ -4517,7 +4519,7 @@
           <a:p>
             <a:fld id="{F1FA7AC5-6045-4418-8E60-F48788734473}" type="datetimeFigureOut">
               <a:rPr lang="en-US" smtClean="0"/>
-              <a:t>4/30/2014</a:t>
+              <a:t>5/1/2014</a:t>
             </a:fld>
             <a:endParaRPr lang="en-US"/>
           </a:p>
@@ -4697,7 +4699,7 @@
           <a:p>
             <a:fld id="{F1FA7AC5-6045-4418-8E60-F48788734473}" type="datetimeFigureOut">
               <a:rPr lang="en-US" smtClean="0"/>
-              <a:t>4/30/2014</a:t>
+              <a:t>5/1/2014</a:t>
             </a:fld>
             <a:endParaRPr lang="en-US"/>
           </a:p>
@@ -5480,7 +5482,7 @@
           <a:p>
             <a:fld id="{F1FA7AC5-6045-4418-8E60-F48788734473}" type="datetimeFigureOut">
               <a:rPr lang="en-US" smtClean="0"/>
-              <a:t>4/30/2014</a:t>
+              <a:t>5/1/2014</a:t>
             </a:fld>
             <a:endParaRPr lang="en-US"/>
           </a:p>
@@ -5720,7 +5722,7 @@
           <a:p>
             <a:fld id="{F1FA7AC5-6045-4418-8E60-F48788734473}" type="datetimeFigureOut">
               <a:rPr lang="en-US" smtClean="0"/>
-              <a:t>4/30/2014</a:t>
+              <a:t>5/1/2014</a:t>
             </a:fld>
             <a:endParaRPr lang="en-US"/>
           </a:p>
@@ -5967,7 +5969,7 @@
           <a:p>
             <a:fld id="{F1FA7AC5-6045-4418-8E60-F48788734473}" type="datetimeFigureOut">
               <a:rPr lang="en-US" smtClean="0"/>
-              <a:t>4/30/2014</a:t>
+              <a:t>5/1/2014</a:t>
             </a:fld>
             <a:endParaRPr lang="en-US"/>
           </a:p>
@@ -6199,7 +6201,7 @@
           <a:p>
             <a:fld id="{F1FA7AC5-6045-4418-8E60-F48788734473}" type="datetimeFigureOut">
               <a:rPr lang="en-US" smtClean="0"/>
-              <a:t>4/30/2014</a:t>
+              <a:t>5/1/2014</a:t>
             </a:fld>
             <a:endParaRPr lang="en-US"/>
           </a:p>
@@ -6573,7 +6575,7 @@
           <a:p>
             <a:fld id="{F1FA7AC5-6045-4418-8E60-F48788734473}" type="datetimeFigureOut">
               <a:rPr lang="en-US" smtClean="0"/>
-              <a:t>4/30/2014</a:t>
+              <a:t>5/1/2014</a:t>
             </a:fld>
             <a:endParaRPr lang="en-US"/>
           </a:p>
@@ -6696,7 +6698,7 @@
           <a:p>
             <a:fld id="{F1FA7AC5-6045-4418-8E60-F48788734473}" type="datetimeFigureOut">
               <a:rPr lang="en-US" smtClean="0"/>
-              <a:t>4/30/2014</a:t>
+              <a:t>5/1/2014</a:t>
             </a:fld>
             <a:endParaRPr lang="en-US"/>
           </a:p>
@@ -6791,7 +6793,7 @@
           <a:p>
             <a:fld id="{F1FA7AC5-6045-4418-8E60-F48788734473}" type="datetimeFigureOut">
               <a:rPr lang="en-US" smtClean="0"/>
-              <a:t>4/30/2014</a:t>
+              <a:t>5/1/2014</a:t>
             </a:fld>
             <a:endParaRPr lang="en-US"/>
           </a:p>
@@ -7046,7 +7048,7 @@
           <a:p>
             <a:fld id="{F1FA7AC5-6045-4418-8E60-F48788734473}" type="datetimeFigureOut">
               <a:rPr lang="en-US" smtClean="0"/>
-              <a:t>4/30/2014</a:t>
+              <a:t>5/1/2014</a:t>
             </a:fld>
             <a:endParaRPr lang="en-US"/>
           </a:p>
@@ -7309,7 +7311,7 @@
           <a:p>
             <a:fld id="{F1FA7AC5-6045-4418-8E60-F48788734473}" type="datetimeFigureOut">
               <a:rPr lang="en-US" smtClean="0"/>
-              <a:t>4/30/2014</a:t>
+              <a:t>5/1/2014</a:t>
             </a:fld>
             <a:endParaRPr lang="en-US"/>
           </a:p>
@@ -8052,7 +8054,7 @@
           <a:p>
             <a:fld id="{F1FA7AC5-6045-4418-8E60-F48788734473}" type="datetimeFigureOut">
               <a:rPr lang="en-US" smtClean="0"/>
-              <a:t>4/30/2014</a:t>
+              <a:t>5/1/2014</a:t>
             </a:fld>
             <a:endParaRPr lang="en-US"/>
           </a:p>
@@ -9170,6 +9172,1167 @@
             <a:spLocks noGrp="1"/>
           </p:cNvSpPr>
           <p:nvPr>
+            <p:ph type="title"/>
+          </p:nvPr>
+        </p:nvSpPr>
+        <p:spPr/>
+        <p:txBody>
+          <a:bodyPr/>
+          <a:lstStyle/>
+          <a:p>
+            <a:r>
+              <a:rPr lang="en-US" dirty="0"/>
+              <a:t>Grading Scheme</a:t>
+            </a:r>
+          </a:p>
+        </p:txBody>
+      </p:sp>
+      <p:sp>
+        <p:nvSpPr>
+          <p:cNvPr id="3" name="Content Placeholder 2"/>
+          <p:cNvSpPr>
+            <a:spLocks noGrp="1"/>
+          </p:cNvSpPr>
+          <p:nvPr>
+            <p:ph idx="1"/>
+          </p:nvPr>
+        </p:nvSpPr>
+        <p:spPr>
+          <a:xfrm>
+            <a:off x="790769" y="1509637"/>
+            <a:ext cx="10515600" cy="4351338"/>
+          </a:xfrm>
+        </p:spPr>
+        <p:txBody>
+          <a:bodyPr/>
+          <a:lstStyle/>
+          <a:p>
+            <a:pPr marL="0" indent="0">
+              <a:buNone/>
+            </a:pPr>
+            <a:endParaRPr lang="en-US" dirty="0">
+              <a:solidFill>
+                <a:srgbClr val="000000"/>
+              </a:solidFill>
+              <a:latin typeface="Calibri"/>
+              <a:cs typeface="Calibri"/>
+            </a:endParaRPr>
+          </a:p>
+        </p:txBody>
+      </p:sp>
+      <p:pic>
+        <p:nvPicPr>
+          <p:cNvPr id="4" name="Picture 3"/>
+          <p:cNvPicPr>
+            <a:picLocks noChangeAspect="1"/>
+          </p:cNvPicPr>
+          <p:nvPr/>
+        </p:nvPicPr>
+        <p:blipFill>
+          <a:blip r:embed="rId3"/>
+          <a:stretch>
+            <a:fillRect/>
+          </a:stretch>
+        </p:blipFill>
+        <p:spPr>
+          <a:xfrm>
+            <a:off x="7089852" y="2285120"/>
+            <a:ext cx="1749312" cy="316989"/>
+          </a:xfrm>
+          <a:prstGeom prst="rect">
+            <a:avLst/>
+          </a:prstGeom>
+        </p:spPr>
+      </p:pic>
+      <p:pic>
+        <p:nvPicPr>
+          <p:cNvPr id="7" name="Picture 6"/>
+          <p:cNvPicPr>
+            <a:picLocks noChangeAspect="1"/>
+          </p:cNvPicPr>
+          <p:nvPr/>
+        </p:nvPicPr>
+        <p:blipFill>
+          <a:blip r:embed="rId4"/>
+          <a:stretch>
+            <a:fillRect/>
+          </a:stretch>
+        </p:blipFill>
+        <p:spPr>
+          <a:xfrm>
+            <a:off x="7081062" y="2547745"/>
+            <a:ext cx="1498187" cy="357974"/>
+          </a:xfrm>
+          <a:prstGeom prst="rect">
+            <a:avLst/>
+          </a:prstGeom>
+        </p:spPr>
+      </p:pic>
+      <p:pic>
+        <p:nvPicPr>
+          <p:cNvPr id="9" name="Picture 8"/>
+          <p:cNvPicPr>
+            <a:picLocks noChangeAspect="1"/>
+          </p:cNvPicPr>
+          <p:nvPr/>
+        </p:nvPicPr>
+        <p:blipFill>
+          <a:blip r:embed="rId5"/>
+          <a:stretch>
+            <a:fillRect/>
+          </a:stretch>
+        </p:blipFill>
+        <p:spPr>
+          <a:xfrm>
+            <a:off x="7098107" y="2832073"/>
+            <a:ext cx="1410168" cy="424420"/>
+          </a:xfrm>
+          <a:prstGeom prst="rect">
+            <a:avLst/>
+          </a:prstGeom>
+        </p:spPr>
+      </p:pic>
+      <p:pic>
+        <p:nvPicPr>
+          <p:cNvPr id="10" name="Picture 9"/>
+          <p:cNvPicPr>
+            <a:picLocks noChangeAspect="1"/>
+          </p:cNvPicPr>
+          <p:nvPr/>
+        </p:nvPicPr>
+        <p:blipFill>
+          <a:blip r:embed="rId6"/>
+          <a:stretch>
+            <a:fillRect/>
+          </a:stretch>
+        </p:blipFill>
+        <p:spPr>
+          <a:xfrm>
+            <a:off x="7120171" y="3164788"/>
+            <a:ext cx="2066847" cy="397964"/>
+          </a:xfrm>
+          <a:prstGeom prst="rect">
+            <a:avLst/>
+          </a:prstGeom>
+        </p:spPr>
+      </p:pic>
+      <p:pic>
+        <p:nvPicPr>
+          <p:cNvPr id="11" name="Picture 10"/>
+          <p:cNvPicPr>
+            <a:picLocks noChangeAspect="1"/>
+          </p:cNvPicPr>
+          <p:nvPr/>
+        </p:nvPicPr>
+        <p:blipFill>
+          <a:blip r:embed="rId7"/>
+          <a:stretch>
+            <a:fillRect/>
+          </a:stretch>
+        </p:blipFill>
+        <p:spPr>
+          <a:xfrm>
+            <a:off x="7098106" y="3468399"/>
+            <a:ext cx="1932683" cy="372132"/>
+          </a:xfrm>
+          <a:prstGeom prst="rect">
+            <a:avLst/>
+          </a:prstGeom>
+        </p:spPr>
+      </p:pic>
+      <p:pic>
+        <p:nvPicPr>
+          <p:cNvPr id="12" name="Picture 11"/>
+          <p:cNvPicPr>
+            <a:picLocks noChangeAspect="1"/>
+          </p:cNvPicPr>
+          <p:nvPr/>
+        </p:nvPicPr>
+        <p:blipFill>
+          <a:blip r:embed="rId8"/>
+          <a:stretch>
+            <a:fillRect/>
+          </a:stretch>
+        </p:blipFill>
+        <p:spPr>
+          <a:xfrm>
+            <a:off x="7089852" y="3785872"/>
+            <a:ext cx="1866603" cy="370673"/>
+          </a:xfrm>
+          <a:prstGeom prst="rect">
+            <a:avLst/>
+          </a:prstGeom>
+        </p:spPr>
+      </p:pic>
+      <p:pic>
+        <p:nvPicPr>
+          <p:cNvPr id="13" name="Picture 12"/>
+          <p:cNvPicPr>
+            <a:picLocks noChangeAspect="1"/>
+          </p:cNvPicPr>
+          <p:nvPr/>
+        </p:nvPicPr>
+        <p:blipFill>
+          <a:blip r:embed="rId9"/>
+          <a:stretch>
+            <a:fillRect/>
+          </a:stretch>
+        </p:blipFill>
+        <p:spPr>
+          <a:xfrm>
+            <a:off x="1229545" y="1908868"/>
+            <a:ext cx="5442404" cy="3219450"/>
+          </a:xfrm>
+          <a:prstGeom prst="rect">
+            <a:avLst/>
+          </a:prstGeom>
+        </p:spPr>
+      </p:pic>
+      <p:sp>
+        <p:nvSpPr>
+          <p:cNvPr id="5" name="Rectangle 4"/>
+          <p:cNvSpPr/>
+          <p:nvPr/>
+        </p:nvSpPr>
+        <p:spPr>
+          <a:xfrm>
+            <a:off x="4138889" y="2138748"/>
+            <a:ext cx="1509681" cy="461665"/>
+          </a:xfrm>
+          <a:prstGeom prst="rect">
+            <a:avLst/>
+          </a:prstGeom>
+          <a:noFill/>
+        </p:spPr>
+        <p:txBody>
+          <a:bodyPr wrap="square" lIns="91440" tIns="45720" rIns="91440" bIns="45720">
+            <a:spAutoFit/>
+          </a:bodyPr>
+          <a:lstStyle/>
+          <a:p>
+            <a:pPr algn="ctr"/>
+            <a:r>
+              <a:rPr lang="en-US" sz="2400" b="0" cap="none" spc="0" dirty="0" smtClean="0">
+                <a:ln w="0"/>
+                <a:solidFill>
+                  <a:schemeClr val="tx1"/>
+                </a:solidFill>
+                <a:effectLst>
+                  <a:outerShdw blurRad="38100" dist="19050" dir="2700000" algn="tl" rotWithShape="0">
+                    <a:schemeClr val="dk1">
+                      <a:alpha val="40000"/>
+                    </a:schemeClr>
+                  </a:outerShdw>
+                </a:effectLst>
+              </a:rPr>
+              <a:t>20%</a:t>
+            </a:r>
+            <a:endParaRPr lang="en-US" sz="2400" b="0" cap="none" spc="0" dirty="0">
+              <a:ln w="0"/>
+              <a:solidFill>
+                <a:schemeClr val="tx1"/>
+              </a:solidFill>
+              <a:effectLst>
+                <a:outerShdw blurRad="38100" dist="19050" dir="2700000" algn="tl" rotWithShape="0">
+                  <a:schemeClr val="dk1">
+                    <a:alpha val="40000"/>
+                  </a:schemeClr>
+                </a:outerShdw>
+              </a:effectLst>
+            </a:endParaRPr>
+          </a:p>
+        </p:txBody>
+      </p:sp>
+      <p:sp>
+        <p:nvSpPr>
+          <p:cNvPr id="6" name="Rectangle 5"/>
+          <p:cNvSpPr/>
+          <p:nvPr/>
+        </p:nvSpPr>
+        <p:spPr>
+          <a:xfrm>
+            <a:off x="5426645" y="2912698"/>
+            <a:ext cx="692167" cy="461665"/>
+          </a:xfrm>
+          <a:prstGeom prst="rect">
+            <a:avLst/>
+          </a:prstGeom>
+          <a:noFill/>
+        </p:spPr>
+        <p:txBody>
+          <a:bodyPr wrap="none" lIns="91440" tIns="45720" rIns="91440" bIns="45720">
+            <a:spAutoFit/>
+          </a:bodyPr>
+          <a:lstStyle/>
+          <a:p>
+            <a:pPr algn="ctr"/>
+            <a:r>
+              <a:rPr lang="en-US" sz="2400" b="0" cap="none" spc="0" dirty="0" smtClean="0">
+                <a:ln w="0"/>
+                <a:solidFill>
+                  <a:schemeClr val="tx1"/>
+                </a:solidFill>
+                <a:effectLst>
+                  <a:outerShdw blurRad="38100" dist="19050" dir="2700000" algn="tl" rotWithShape="0">
+                    <a:schemeClr val="dk1">
+                      <a:alpha val="40000"/>
+                    </a:schemeClr>
+                  </a:outerShdw>
+                </a:effectLst>
+              </a:rPr>
+              <a:t>15%</a:t>
+            </a:r>
+            <a:endParaRPr lang="en-US" sz="2400" b="0" cap="none" spc="0" dirty="0">
+              <a:ln w="0"/>
+              <a:solidFill>
+                <a:schemeClr val="tx1"/>
+              </a:solidFill>
+              <a:effectLst>
+                <a:outerShdw blurRad="38100" dist="19050" dir="2700000" algn="tl" rotWithShape="0">
+                  <a:schemeClr val="dk1">
+                    <a:alpha val="40000"/>
+                  </a:schemeClr>
+                </a:outerShdw>
+              </a:effectLst>
+            </a:endParaRPr>
+          </a:p>
+        </p:txBody>
+      </p:sp>
+      <p:sp>
+        <p:nvSpPr>
+          <p:cNvPr id="8" name="Rectangle 7"/>
+          <p:cNvSpPr/>
+          <p:nvPr/>
+        </p:nvSpPr>
+        <p:spPr>
+          <a:xfrm>
+            <a:off x="4418531" y="3518593"/>
+            <a:ext cx="692167" cy="461665"/>
+          </a:xfrm>
+          <a:prstGeom prst="rect">
+            <a:avLst/>
+          </a:prstGeom>
+          <a:noFill/>
+        </p:spPr>
+        <p:txBody>
+          <a:bodyPr wrap="none" lIns="91440" tIns="45720" rIns="91440" bIns="45720">
+            <a:spAutoFit/>
+          </a:bodyPr>
+          <a:lstStyle/>
+          <a:p>
+            <a:pPr algn="ctr"/>
+            <a:r>
+              <a:rPr lang="en-US" sz="2400" b="0" cap="none" spc="0" dirty="0" smtClean="0">
+                <a:ln w="0"/>
+                <a:solidFill>
+                  <a:schemeClr val="tx1"/>
+                </a:solidFill>
+                <a:effectLst>
+                  <a:outerShdw blurRad="38100" dist="19050" dir="2700000" algn="tl" rotWithShape="0">
+                    <a:schemeClr val="dk1">
+                      <a:alpha val="40000"/>
+                    </a:schemeClr>
+                  </a:outerShdw>
+                </a:effectLst>
+              </a:rPr>
+              <a:t>15%</a:t>
+            </a:r>
+            <a:endParaRPr lang="en-US" sz="2400" b="0" cap="none" spc="0" dirty="0">
+              <a:ln w="0"/>
+              <a:solidFill>
+                <a:schemeClr val="tx1"/>
+              </a:solidFill>
+              <a:effectLst>
+                <a:outerShdw blurRad="38100" dist="19050" dir="2700000" algn="tl" rotWithShape="0">
+                  <a:schemeClr val="dk1">
+                    <a:alpha val="40000"/>
+                  </a:schemeClr>
+                </a:outerShdw>
+              </a:effectLst>
+            </a:endParaRPr>
+          </a:p>
+        </p:txBody>
+      </p:sp>
+      <p:sp>
+        <p:nvSpPr>
+          <p:cNvPr id="14" name="Rectangle 13"/>
+          <p:cNvSpPr/>
+          <p:nvPr/>
+        </p:nvSpPr>
+        <p:spPr>
+          <a:xfrm>
+            <a:off x="2414738" y="3167134"/>
+            <a:ext cx="692167" cy="461665"/>
+          </a:xfrm>
+          <a:prstGeom prst="rect">
+            <a:avLst/>
+          </a:prstGeom>
+          <a:noFill/>
+        </p:spPr>
+        <p:txBody>
+          <a:bodyPr wrap="none" lIns="91440" tIns="45720" rIns="91440" bIns="45720">
+            <a:spAutoFit/>
+          </a:bodyPr>
+          <a:lstStyle/>
+          <a:p>
+            <a:pPr algn="ctr"/>
+            <a:r>
+              <a:rPr lang="en-US" sz="2400" b="0" cap="none" spc="0" dirty="0" smtClean="0">
+                <a:ln w="0"/>
+                <a:solidFill>
+                  <a:schemeClr val="tx1"/>
+                </a:solidFill>
+                <a:effectLst>
+                  <a:outerShdw blurRad="38100" dist="19050" dir="2700000" algn="tl" rotWithShape="0">
+                    <a:schemeClr val="dk1">
+                      <a:alpha val="40000"/>
+                    </a:schemeClr>
+                  </a:outerShdw>
+                </a:effectLst>
+              </a:rPr>
+              <a:t>30%</a:t>
+            </a:r>
+            <a:endParaRPr lang="en-US" sz="2400" b="0" cap="none" spc="0" dirty="0">
+              <a:ln w="0"/>
+              <a:solidFill>
+                <a:schemeClr val="tx1"/>
+              </a:solidFill>
+              <a:effectLst>
+                <a:outerShdw blurRad="38100" dist="19050" dir="2700000" algn="tl" rotWithShape="0">
+                  <a:schemeClr val="dk1">
+                    <a:alpha val="40000"/>
+                  </a:schemeClr>
+                </a:outerShdw>
+              </a:effectLst>
+            </a:endParaRPr>
+          </a:p>
+        </p:txBody>
+      </p:sp>
+      <p:sp>
+        <p:nvSpPr>
+          <p:cNvPr id="15" name="Rectangle 14"/>
+          <p:cNvSpPr/>
+          <p:nvPr/>
+        </p:nvSpPr>
+        <p:spPr>
+          <a:xfrm>
+            <a:off x="2254173" y="2275169"/>
+            <a:ext cx="692167" cy="461665"/>
+          </a:xfrm>
+          <a:prstGeom prst="rect">
+            <a:avLst/>
+          </a:prstGeom>
+          <a:noFill/>
+        </p:spPr>
+        <p:txBody>
+          <a:bodyPr wrap="none" lIns="91440" tIns="45720" rIns="91440" bIns="45720">
+            <a:spAutoFit/>
+          </a:bodyPr>
+          <a:lstStyle/>
+          <a:p>
+            <a:pPr algn="ctr"/>
+            <a:r>
+              <a:rPr lang="en-US" sz="2400" b="0" cap="none" spc="0" dirty="0" smtClean="0">
+                <a:ln w="0"/>
+                <a:solidFill>
+                  <a:schemeClr val="tx1"/>
+                </a:solidFill>
+                <a:effectLst>
+                  <a:outerShdw blurRad="38100" dist="19050" dir="2700000" algn="tl" rotWithShape="0">
+                    <a:schemeClr val="dk1">
+                      <a:alpha val="40000"/>
+                    </a:schemeClr>
+                  </a:outerShdw>
+                </a:effectLst>
+              </a:rPr>
+              <a:t>10%</a:t>
+            </a:r>
+            <a:endParaRPr lang="en-US" sz="2400" b="0" cap="none" spc="0" dirty="0">
+              <a:ln w="0"/>
+              <a:solidFill>
+                <a:schemeClr val="tx1"/>
+              </a:solidFill>
+              <a:effectLst>
+                <a:outerShdw blurRad="38100" dist="19050" dir="2700000" algn="tl" rotWithShape="0">
+                  <a:schemeClr val="dk1">
+                    <a:alpha val="40000"/>
+                  </a:schemeClr>
+                </a:outerShdw>
+              </a:effectLst>
+            </a:endParaRPr>
+          </a:p>
+        </p:txBody>
+      </p:sp>
+      <p:sp>
+        <p:nvSpPr>
+          <p:cNvPr id="16" name="Rectangle 15"/>
+          <p:cNvSpPr/>
+          <p:nvPr/>
+        </p:nvSpPr>
+        <p:spPr>
+          <a:xfrm>
+            <a:off x="3166330" y="2017900"/>
+            <a:ext cx="692167" cy="461665"/>
+          </a:xfrm>
+          <a:prstGeom prst="rect">
+            <a:avLst/>
+          </a:prstGeom>
+          <a:noFill/>
+        </p:spPr>
+        <p:txBody>
+          <a:bodyPr wrap="none" lIns="91440" tIns="45720" rIns="91440" bIns="45720">
+            <a:spAutoFit/>
+          </a:bodyPr>
+          <a:lstStyle/>
+          <a:p>
+            <a:pPr algn="ctr"/>
+            <a:r>
+              <a:rPr lang="en-US" sz="2400" b="0" cap="none" spc="0" dirty="0" smtClean="0">
+                <a:ln w="0"/>
+                <a:solidFill>
+                  <a:schemeClr val="tx1"/>
+                </a:solidFill>
+                <a:effectLst>
+                  <a:outerShdw blurRad="38100" dist="19050" dir="2700000" algn="tl" rotWithShape="0">
+                    <a:schemeClr val="dk1">
+                      <a:alpha val="40000"/>
+                    </a:schemeClr>
+                  </a:outerShdw>
+                </a:effectLst>
+              </a:rPr>
+              <a:t>10%</a:t>
+            </a:r>
+            <a:endParaRPr lang="en-US" sz="2400" b="0" cap="none" spc="0" dirty="0">
+              <a:ln w="0"/>
+              <a:solidFill>
+                <a:schemeClr val="tx1"/>
+              </a:solidFill>
+              <a:effectLst>
+                <a:outerShdw blurRad="38100" dist="19050" dir="2700000" algn="tl" rotWithShape="0">
+                  <a:schemeClr val="dk1">
+                    <a:alpha val="40000"/>
+                  </a:schemeClr>
+                </a:outerShdw>
+              </a:effectLst>
+            </a:endParaRPr>
+          </a:p>
+        </p:txBody>
+      </p:sp>
+    </p:spTree>
+    <p:extLst>
+      <p:ext uri="{BB962C8B-B14F-4D97-AF65-F5344CB8AC3E}">
+        <p14:creationId xmlns:p14="http://schemas.microsoft.com/office/powerpoint/2010/main" val="1315062242"/>
+      </p:ext>
+    </p:extLst>
+  </p:cSld>
+  <p:clrMapOvr>
+    <a:masterClrMapping/>
+  </p:clrMapOvr>
+  <p:timing>
+    <p:tnLst>
+      <p:par>
+        <p:cTn id="1" dur="indefinite" restart="never" nodeType="tmRoot">
+          <p:childTnLst>
+            <p:seq concurrent="1" nextAc="seek">
+              <p:cTn id="2" dur="indefinite" nodeType="mainSeq">
+                <p:childTnLst>
+                  <p:par>
+                    <p:cTn id="3" fill="hold">
+                      <p:stCondLst>
+                        <p:cond delay="indefinite"/>
+                        <p:cond evt="onBegin" delay="0">
+                          <p:tn val="2"/>
+                        </p:cond>
+                      </p:stCondLst>
+                      <p:childTnLst>
+                        <p:par>
+                          <p:cTn id="4" fill="hold">
+                            <p:stCondLst>
+                              <p:cond delay="0"/>
+                            </p:stCondLst>
+                            <p:childTnLst>
+                              <p:par>
+                                <p:cTn id="5" presetID="10" presetClass="entr" presetSubtype="0" fill="hold" grpId="0" nodeType="afterEffect">
+                                  <p:stCondLst>
+                                    <p:cond delay="500"/>
+                                  </p:stCondLst>
+                                  <p:childTnLst>
+                                    <p:set>
+                                      <p:cBhvr>
+                                        <p:cTn id="6" dur="1" fill="hold">
+                                          <p:stCondLst>
+                                            <p:cond delay="0"/>
+                                          </p:stCondLst>
+                                        </p:cTn>
+                                        <p:tgtEl>
+                                          <p:spTgt spid="5"/>
+                                        </p:tgtEl>
+                                        <p:attrNameLst>
+                                          <p:attrName>style.visibility</p:attrName>
+                                        </p:attrNameLst>
+                                      </p:cBhvr>
+                                      <p:to>
+                                        <p:strVal val="visible"/>
+                                      </p:to>
+                                    </p:set>
+                                    <p:animEffect transition="in" filter="fade">
+                                      <p:cBhvr>
+                                        <p:cTn id="7" dur="500"/>
+                                        <p:tgtEl>
+                                          <p:spTgt spid="5"/>
+                                        </p:tgtEl>
+                                      </p:cBhvr>
+                                    </p:animEffect>
+                                  </p:childTnLst>
+                                </p:cTn>
+                              </p:par>
+                            </p:childTnLst>
+                          </p:cTn>
+                        </p:par>
+                        <p:par>
+                          <p:cTn id="8" fill="hold">
+                            <p:stCondLst>
+                              <p:cond delay="1000"/>
+                            </p:stCondLst>
+                            <p:childTnLst>
+                              <p:par>
+                                <p:cTn id="9" presetID="10" presetClass="entr" presetSubtype="0" fill="hold" nodeType="afterEffect">
+                                  <p:stCondLst>
+                                    <p:cond delay="0"/>
+                                  </p:stCondLst>
+                                  <p:childTnLst>
+                                    <p:set>
+                                      <p:cBhvr>
+                                        <p:cTn id="10" dur="1" fill="hold">
+                                          <p:stCondLst>
+                                            <p:cond delay="0"/>
+                                          </p:stCondLst>
+                                        </p:cTn>
+                                        <p:tgtEl>
+                                          <p:spTgt spid="4"/>
+                                        </p:tgtEl>
+                                        <p:attrNameLst>
+                                          <p:attrName>style.visibility</p:attrName>
+                                        </p:attrNameLst>
+                                      </p:cBhvr>
+                                      <p:to>
+                                        <p:strVal val="visible"/>
+                                      </p:to>
+                                    </p:set>
+                                    <p:animEffect transition="in" filter="fade">
+                                      <p:cBhvr>
+                                        <p:cTn id="11" dur="250"/>
+                                        <p:tgtEl>
+                                          <p:spTgt spid="4"/>
+                                        </p:tgtEl>
+                                      </p:cBhvr>
+                                    </p:animEffect>
+                                  </p:childTnLst>
+                                </p:cTn>
+                              </p:par>
+                            </p:childTnLst>
+                          </p:cTn>
+                        </p:par>
+                      </p:childTnLst>
+                    </p:cTn>
+                  </p:par>
+                  <p:par>
+                    <p:cTn id="12" fill="hold">
+                      <p:stCondLst>
+                        <p:cond delay="indefinite"/>
+                      </p:stCondLst>
+                      <p:childTnLst>
+                        <p:par>
+                          <p:cTn id="13" fill="hold">
+                            <p:stCondLst>
+                              <p:cond delay="0"/>
+                            </p:stCondLst>
+                            <p:childTnLst>
+                              <p:par>
+                                <p:cTn id="14" presetID="10" presetClass="entr" presetSubtype="0" fill="hold" nodeType="clickEffect">
+                                  <p:stCondLst>
+                                    <p:cond delay="0"/>
+                                  </p:stCondLst>
+                                  <p:childTnLst>
+                                    <p:set>
+                                      <p:cBhvr>
+                                        <p:cTn id="15" dur="1" fill="hold">
+                                          <p:stCondLst>
+                                            <p:cond delay="0"/>
+                                          </p:stCondLst>
+                                        </p:cTn>
+                                        <p:tgtEl>
+                                          <p:spTgt spid="7"/>
+                                        </p:tgtEl>
+                                        <p:attrNameLst>
+                                          <p:attrName>style.visibility</p:attrName>
+                                        </p:attrNameLst>
+                                      </p:cBhvr>
+                                      <p:to>
+                                        <p:strVal val="visible"/>
+                                      </p:to>
+                                    </p:set>
+                                    <p:animEffect transition="in" filter="fade">
+                                      <p:cBhvr>
+                                        <p:cTn id="16" dur="500"/>
+                                        <p:tgtEl>
+                                          <p:spTgt spid="7"/>
+                                        </p:tgtEl>
+                                      </p:cBhvr>
+                                    </p:animEffect>
+                                  </p:childTnLst>
+                                </p:cTn>
+                              </p:par>
+                              <p:par>
+                                <p:cTn id="17" presetID="10" presetClass="entr" presetSubtype="0" fill="hold" grpId="0" nodeType="withEffect">
+                                  <p:stCondLst>
+                                    <p:cond delay="0"/>
+                                  </p:stCondLst>
+                                  <p:childTnLst>
+                                    <p:set>
+                                      <p:cBhvr>
+                                        <p:cTn id="18" dur="1" fill="hold">
+                                          <p:stCondLst>
+                                            <p:cond delay="0"/>
+                                          </p:stCondLst>
+                                        </p:cTn>
+                                        <p:tgtEl>
+                                          <p:spTgt spid="6"/>
+                                        </p:tgtEl>
+                                        <p:attrNameLst>
+                                          <p:attrName>style.visibility</p:attrName>
+                                        </p:attrNameLst>
+                                      </p:cBhvr>
+                                      <p:to>
+                                        <p:strVal val="visible"/>
+                                      </p:to>
+                                    </p:set>
+                                    <p:animEffect transition="in" filter="fade">
+                                      <p:cBhvr>
+                                        <p:cTn id="19" dur="500"/>
+                                        <p:tgtEl>
+                                          <p:spTgt spid="6"/>
+                                        </p:tgtEl>
+                                      </p:cBhvr>
+                                    </p:animEffect>
+                                  </p:childTnLst>
+                                </p:cTn>
+                              </p:par>
+                            </p:childTnLst>
+                          </p:cTn>
+                        </p:par>
+                      </p:childTnLst>
+                    </p:cTn>
+                  </p:par>
+                  <p:par>
+                    <p:cTn id="20" fill="hold">
+                      <p:stCondLst>
+                        <p:cond delay="indefinite"/>
+                      </p:stCondLst>
+                      <p:childTnLst>
+                        <p:par>
+                          <p:cTn id="21" fill="hold">
+                            <p:stCondLst>
+                              <p:cond delay="0"/>
+                            </p:stCondLst>
+                            <p:childTnLst>
+                              <p:par>
+                                <p:cTn id="22" presetID="10" presetClass="entr" presetSubtype="0" fill="hold" nodeType="clickEffect">
+                                  <p:stCondLst>
+                                    <p:cond delay="0"/>
+                                  </p:stCondLst>
+                                  <p:childTnLst>
+                                    <p:set>
+                                      <p:cBhvr>
+                                        <p:cTn id="23" dur="1" fill="hold">
+                                          <p:stCondLst>
+                                            <p:cond delay="0"/>
+                                          </p:stCondLst>
+                                        </p:cTn>
+                                        <p:tgtEl>
+                                          <p:spTgt spid="9"/>
+                                        </p:tgtEl>
+                                        <p:attrNameLst>
+                                          <p:attrName>style.visibility</p:attrName>
+                                        </p:attrNameLst>
+                                      </p:cBhvr>
+                                      <p:to>
+                                        <p:strVal val="visible"/>
+                                      </p:to>
+                                    </p:set>
+                                    <p:animEffect transition="in" filter="fade">
+                                      <p:cBhvr>
+                                        <p:cTn id="24" dur="500"/>
+                                        <p:tgtEl>
+                                          <p:spTgt spid="9"/>
+                                        </p:tgtEl>
+                                      </p:cBhvr>
+                                    </p:animEffect>
+                                  </p:childTnLst>
+                                </p:cTn>
+                              </p:par>
+                              <p:par>
+                                <p:cTn id="25" presetID="10" presetClass="entr" presetSubtype="0" fill="hold" grpId="0" nodeType="withEffect">
+                                  <p:stCondLst>
+                                    <p:cond delay="0"/>
+                                  </p:stCondLst>
+                                  <p:childTnLst>
+                                    <p:set>
+                                      <p:cBhvr>
+                                        <p:cTn id="26" dur="1" fill="hold">
+                                          <p:stCondLst>
+                                            <p:cond delay="0"/>
+                                          </p:stCondLst>
+                                        </p:cTn>
+                                        <p:tgtEl>
+                                          <p:spTgt spid="8"/>
+                                        </p:tgtEl>
+                                        <p:attrNameLst>
+                                          <p:attrName>style.visibility</p:attrName>
+                                        </p:attrNameLst>
+                                      </p:cBhvr>
+                                      <p:to>
+                                        <p:strVal val="visible"/>
+                                      </p:to>
+                                    </p:set>
+                                    <p:animEffect transition="in" filter="fade">
+                                      <p:cBhvr>
+                                        <p:cTn id="27" dur="500"/>
+                                        <p:tgtEl>
+                                          <p:spTgt spid="8"/>
+                                        </p:tgtEl>
+                                      </p:cBhvr>
+                                    </p:animEffect>
+                                  </p:childTnLst>
+                                </p:cTn>
+                              </p:par>
+                            </p:childTnLst>
+                          </p:cTn>
+                        </p:par>
+                      </p:childTnLst>
+                    </p:cTn>
+                  </p:par>
+                  <p:par>
+                    <p:cTn id="28" fill="hold">
+                      <p:stCondLst>
+                        <p:cond delay="indefinite"/>
+                      </p:stCondLst>
+                      <p:childTnLst>
+                        <p:par>
+                          <p:cTn id="29" fill="hold">
+                            <p:stCondLst>
+                              <p:cond delay="0"/>
+                            </p:stCondLst>
+                            <p:childTnLst>
+                              <p:par>
+                                <p:cTn id="30" presetID="10" presetClass="entr" presetSubtype="0" fill="hold" nodeType="clickEffect">
+                                  <p:stCondLst>
+                                    <p:cond delay="0"/>
+                                  </p:stCondLst>
+                                  <p:childTnLst>
+                                    <p:set>
+                                      <p:cBhvr>
+                                        <p:cTn id="31" dur="1" fill="hold">
+                                          <p:stCondLst>
+                                            <p:cond delay="0"/>
+                                          </p:stCondLst>
+                                        </p:cTn>
+                                        <p:tgtEl>
+                                          <p:spTgt spid="10"/>
+                                        </p:tgtEl>
+                                        <p:attrNameLst>
+                                          <p:attrName>style.visibility</p:attrName>
+                                        </p:attrNameLst>
+                                      </p:cBhvr>
+                                      <p:to>
+                                        <p:strVal val="visible"/>
+                                      </p:to>
+                                    </p:set>
+                                    <p:animEffect transition="in" filter="fade">
+                                      <p:cBhvr>
+                                        <p:cTn id="32" dur="500"/>
+                                        <p:tgtEl>
+                                          <p:spTgt spid="10"/>
+                                        </p:tgtEl>
+                                      </p:cBhvr>
+                                    </p:animEffect>
+                                  </p:childTnLst>
+                                </p:cTn>
+                              </p:par>
+                              <p:par>
+                                <p:cTn id="33" presetID="10" presetClass="entr" presetSubtype="0" fill="hold" grpId="0" nodeType="withEffect">
+                                  <p:stCondLst>
+                                    <p:cond delay="0"/>
+                                  </p:stCondLst>
+                                  <p:childTnLst>
+                                    <p:set>
+                                      <p:cBhvr>
+                                        <p:cTn id="34" dur="1" fill="hold">
+                                          <p:stCondLst>
+                                            <p:cond delay="0"/>
+                                          </p:stCondLst>
+                                        </p:cTn>
+                                        <p:tgtEl>
+                                          <p:spTgt spid="14"/>
+                                        </p:tgtEl>
+                                        <p:attrNameLst>
+                                          <p:attrName>style.visibility</p:attrName>
+                                        </p:attrNameLst>
+                                      </p:cBhvr>
+                                      <p:to>
+                                        <p:strVal val="visible"/>
+                                      </p:to>
+                                    </p:set>
+                                    <p:animEffect transition="in" filter="fade">
+                                      <p:cBhvr>
+                                        <p:cTn id="35" dur="500"/>
+                                        <p:tgtEl>
+                                          <p:spTgt spid="14"/>
+                                        </p:tgtEl>
+                                      </p:cBhvr>
+                                    </p:animEffect>
+                                  </p:childTnLst>
+                                </p:cTn>
+                              </p:par>
+                            </p:childTnLst>
+                          </p:cTn>
+                        </p:par>
+                      </p:childTnLst>
+                    </p:cTn>
+                  </p:par>
+                  <p:par>
+                    <p:cTn id="36" fill="hold">
+                      <p:stCondLst>
+                        <p:cond delay="indefinite"/>
+                      </p:stCondLst>
+                      <p:childTnLst>
+                        <p:par>
+                          <p:cTn id="37" fill="hold">
+                            <p:stCondLst>
+                              <p:cond delay="0"/>
+                            </p:stCondLst>
+                            <p:childTnLst>
+                              <p:par>
+                                <p:cTn id="38" presetID="10" presetClass="entr" presetSubtype="0" fill="hold" nodeType="clickEffect">
+                                  <p:stCondLst>
+                                    <p:cond delay="0"/>
+                                  </p:stCondLst>
+                                  <p:childTnLst>
+                                    <p:set>
+                                      <p:cBhvr>
+                                        <p:cTn id="39" dur="1" fill="hold">
+                                          <p:stCondLst>
+                                            <p:cond delay="0"/>
+                                          </p:stCondLst>
+                                        </p:cTn>
+                                        <p:tgtEl>
+                                          <p:spTgt spid="11"/>
+                                        </p:tgtEl>
+                                        <p:attrNameLst>
+                                          <p:attrName>style.visibility</p:attrName>
+                                        </p:attrNameLst>
+                                      </p:cBhvr>
+                                      <p:to>
+                                        <p:strVal val="visible"/>
+                                      </p:to>
+                                    </p:set>
+                                    <p:animEffect transition="in" filter="fade">
+                                      <p:cBhvr>
+                                        <p:cTn id="40" dur="500"/>
+                                        <p:tgtEl>
+                                          <p:spTgt spid="11"/>
+                                        </p:tgtEl>
+                                      </p:cBhvr>
+                                    </p:animEffect>
+                                  </p:childTnLst>
+                                </p:cTn>
+                              </p:par>
+                              <p:par>
+                                <p:cTn id="41" presetID="10" presetClass="entr" presetSubtype="0" fill="hold" grpId="0" nodeType="withEffect">
+                                  <p:stCondLst>
+                                    <p:cond delay="0"/>
+                                  </p:stCondLst>
+                                  <p:childTnLst>
+                                    <p:set>
+                                      <p:cBhvr>
+                                        <p:cTn id="42" dur="1" fill="hold">
+                                          <p:stCondLst>
+                                            <p:cond delay="0"/>
+                                          </p:stCondLst>
+                                        </p:cTn>
+                                        <p:tgtEl>
+                                          <p:spTgt spid="15"/>
+                                        </p:tgtEl>
+                                        <p:attrNameLst>
+                                          <p:attrName>style.visibility</p:attrName>
+                                        </p:attrNameLst>
+                                      </p:cBhvr>
+                                      <p:to>
+                                        <p:strVal val="visible"/>
+                                      </p:to>
+                                    </p:set>
+                                    <p:animEffect transition="in" filter="fade">
+                                      <p:cBhvr>
+                                        <p:cTn id="43" dur="500"/>
+                                        <p:tgtEl>
+                                          <p:spTgt spid="15"/>
+                                        </p:tgtEl>
+                                      </p:cBhvr>
+                                    </p:animEffect>
+                                  </p:childTnLst>
+                                </p:cTn>
+                              </p:par>
+                            </p:childTnLst>
+                          </p:cTn>
+                        </p:par>
+                      </p:childTnLst>
+                    </p:cTn>
+                  </p:par>
+                  <p:par>
+                    <p:cTn id="44" fill="hold">
+                      <p:stCondLst>
+                        <p:cond delay="indefinite"/>
+                      </p:stCondLst>
+                      <p:childTnLst>
+                        <p:par>
+                          <p:cTn id="45" fill="hold">
+                            <p:stCondLst>
+                              <p:cond delay="0"/>
+                            </p:stCondLst>
+                            <p:childTnLst>
+                              <p:par>
+                                <p:cTn id="46" presetID="10" presetClass="entr" presetSubtype="0" fill="hold" nodeType="clickEffect">
+                                  <p:stCondLst>
+                                    <p:cond delay="0"/>
+                                  </p:stCondLst>
+                                  <p:childTnLst>
+                                    <p:set>
+                                      <p:cBhvr>
+                                        <p:cTn id="47" dur="1" fill="hold">
+                                          <p:stCondLst>
+                                            <p:cond delay="0"/>
+                                          </p:stCondLst>
+                                        </p:cTn>
+                                        <p:tgtEl>
+                                          <p:spTgt spid="12"/>
+                                        </p:tgtEl>
+                                        <p:attrNameLst>
+                                          <p:attrName>style.visibility</p:attrName>
+                                        </p:attrNameLst>
+                                      </p:cBhvr>
+                                      <p:to>
+                                        <p:strVal val="visible"/>
+                                      </p:to>
+                                    </p:set>
+                                    <p:animEffect transition="in" filter="fade">
+                                      <p:cBhvr>
+                                        <p:cTn id="48" dur="500"/>
+                                        <p:tgtEl>
+                                          <p:spTgt spid="12"/>
+                                        </p:tgtEl>
+                                      </p:cBhvr>
+                                    </p:animEffect>
+                                  </p:childTnLst>
+                                </p:cTn>
+                              </p:par>
+                              <p:par>
+                                <p:cTn id="49" presetID="10" presetClass="entr" presetSubtype="0" fill="hold" grpId="0" nodeType="withEffect">
+                                  <p:stCondLst>
+                                    <p:cond delay="0"/>
+                                  </p:stCondLst>
+                                  <p:childTnLst>
+                                    <p:set>
+                                      <p:cBhvr>
+                                        <p:cTn id="50" dur="1" fill="hold">
+                                          <p:stCondLst>
+                                            <p:cond delay="0"/>
+                                          </p:stCondLst>
+                                        </p:cTn>
+                                        <p:tgtEl>
+                                          <p:spTgt spid="16"/>
+                                        </p:tgtEl>
+                                        <p:attrNameLst>
+                                          <p:attrName>style.visibility</p:attrName>
+                                        </p:attrNameLst>
+                                      </p:cBhvr>
+                                      <p:to>
+                                        <p:strVal val="visible"/>
+                                      </p:to>
+                                    </p:set>
+                                    <p:animEffect transition="in" filter="fade">
+                                      <p:cBhvr>
+                                        <p:cTn id="51" dur="500"/>
+                                        <p:tgtEl>
+                                          <p:spTgt spid="16"/>
+                                        </p:tgtEl>
+                                      </p:cBhvr>
+                                    </p:animEffect>
+                                  </p:childTnLst>
+                                </p:cTn>
+                              </p:par>
+                            </p:childTnLst>
+                          </p:cTn>
+                        </p:par>
+                      </p:childTnLst>
+                    </p:cTn>
+                  </p:par>
+                </p:childTnLst>
+              </p:cTn>
+              <p:prevCondLst>
+                <p:cond evt="onPrev" delay="0">
+                  <p:tgtEl>
+                    <p:sldTgt/>
+                  </p:tgtEl>
+                </p:cond>
+              </p:prevCondLst>
+              <p:nextCondLst>
+                <p:cond evt="onNext" delay="0">
+                  <p:tgtEl>
+                    <p:sldTgt/>
+                  </p:tgtEl>
+                </p:cond>
+              </p:nextCondLst>
+            </p:seq>
+          </p:childTnLst>
+        </p:cTn>
+      </p:par>
+    </p:tnLst>
+    <p:bldLst>
+      <p:bldP spid="5" grpId="0"/>
+      <p:bldP spid="6" grpId="0"/>
+      <p:bldP spid="8" grpId="0"/>
+      <p:bldP spid="14" grpId="0"/>
+      <p:bldP spid="15" grpId="0"/>
+      <p:bldP spid="16" grpId="0"/>
+    </p:bldLst>
+  </p:timing>
+</p:sld>
+</file>
+
+<file path=ppt/slides/slide11.xml><?xml version="1.0" encoding="utf-8"?>
+<p:sld xmlns:a="http://schemas.openxmlformats.org/drawingml/2006/main" xmlns:r="http://schemas.openxmlformats.org/officeDocument/2006/relationships" xmlns:p="http://schemas.openxmlformats.org/presentationml/2006/main">
+  <p:cSld>
+    <p:spTree>
+      <p:nvGrpSpPr>
+        <p:cNvPr id="1" name=""/>
+        <p:cNvGrpSpPr/>
+        <p:nvPr/>
+      </p:nvGrpSpPr>
+      <p:grpSpPr>
+        <a:xfrm>
+          <a:off x="0" y="0"/>
+          <a:ext cx="0" cy="0"/>
+          <a:chOff x="0" y="0"/>
+          <a:chExt cx="0" cy="0"/>
+        </a:xfrm>
+      </p:grpSpPr>
+      <p:sp>
+        <p:nvSpPr>
+          <p:cNvPr id="2" name="Title 1"/>
+          <p:cNvSpPr>
+            <a:spLocks noGrp="1"/>
+          </p:cNvSpPr>
+          <p:nvPr>
             <p:ph type="ctrTitle"/>
           </p:nvPr>
         </p:nvSpPr>
@@ -9276,7 +10439,7 @@
 </p:sld>
 </file>
 
-<file path=ppt/slides/slide11.xml><?xml version="1.0" encoding="utf-8"?>
+<file path=ppt/slides/slide12.xml><?xml version="1.0" encoding="utf-8"?>
 <p:sld xmlns:a="http://schemas.openxmlformats.org/drawingml/2006/main" xmlns:r="http://schemas.openxmlformats.org/officeDocument/2006/relationships" xmlns:p="http://schemas.openxmlformats.org/presentationml/2006/main">
   <p:cSld>
     <p:spTree>
@@ -9452,7 +10615,7 @@
 </p:sld>
 </file>
 
-<file path=ppt/slides/slide12.xml><?xml version="1.0" encoding="utf-8"?>
+<file path=ppt/slides/slide13.xml><?xml version="1.0" encoding="utf-8"?>
 <p:sld xmlns:a="http://schemas.openxmlformats.org/drawingml/2006/main" xmlns:r="http://schemas.openxmlformats.org/officeDocument/2006/relationships" xmlns:p="http://schemas.openxmlformats.org/presentationml/2006/main">
   <p:cSld>
     <p:spTree>
@@ -9512,7 +10675,7 @@
 </p:sld>
 </file>
 
-<file path=ppt/slides/slide13.xml><?xml version="1.0" encoding="utf-8"?>
+<file path=ppt/slides/slide14.xml><?xml version="1.0" encoding="utf-8"?>
 <p:sld xmlns:a="http://schemas.openxmlformats.org/drawingml/2006/main" xmlns:r="http://schemas.openxmlformats.org/officeDocument/2006/relationships" xmlns:p="http://schemas.openxmlformats.org/presentationml/2006/main">
   <p:cSld>
     <p:spTree>
@@ -9547,16 +10710,15 @@
           <a:lstStyle/>
           <a:p>
             <a:r>
+              <a:rPr lang="en-US" dirty="0"/>
+              <a:t/>
+            </a:r>
+            <a:br>
+              <a:rPr lang="en-US" dirty="0"/>
+            </a:br>
+            <a:r>
               <a:rPr lang="en-US" b="1" dirty="0"/>
-              <a:t>Integrating </a:t>
-            </a:r>
-            <a:r>
-              <a:rPr lang="en-US" b="1" dirty="0" err="1"/>
-              <a:t>javascript</a:t>
-            </a:r>
-            <a:r>
-              <a:rPr lang="en-US" b="1" dirty="0"/>
-              <a:t> code into MVC/Razor/Html Model Beth</a:t>
+              <a:t>No change is a standalone change Beth</a:t>
             </a:r>
             <a:r>
               <a:rPr lang="en-US" dirty="0"/>
@@ -9584,13 +10746,6 @@
           <a:bodyPr/>
           <a:lstStyle/>
           <a:p>
-            <a:r>
-              <a:rPr lang="en-US" b="1" dirty="0"/>
-              <a:t>No change is a standalone change Beth</a:t>
-            </a:r>
-            <a:endParaRPr lang="en-US" dirty="0"/>
-          </a:p>
-          <a:p>
             <a:endParaRPr lang="en-US" dirty="0"/>
           </a:p>
         </p:txBody>
@@ -9599,6 +10754,577 @@
     <p:extLst>
       <p:ext uri="{BB962C8B-B14F-4D97-AF65-F5344CB8AC3E}">
         <p14:creationId xmlns:p14="http://schemas.microsoft.com/office/powerpoint/2010/main" val="165046885"/>
+      </p:ext>
+    </p:extLst>
+  </p:cSld>
+  <p:clrMapOvr>
+    <a:masterClrMapping/>
+  </p:clrMapOvr>
+</p:sld>
+</file>
+
+<file path=ppt/slides/slide15.xml><?xml version="1.0" encoding="utf-8"?>
+<p:sld xmlns:a="http://schemas.openxmlformats.org/drawingml/2006/main" xmlns:r="http://schemas.openxmlformats.org/officeDocument/2006/relationships" xmlns:p="http://schemas.openxmlformats.org/presentationml/2006/main">
+  <p:cSld>
+    <p:spTree>
+      <p:nvGrpSpPr>
+        <p:cNvPr id="1" name=""/>
+        <p:cNvGrpSpPr/>
+        <p:nvPr/>
+      </p:nvGrpSpPr>
+      <p:grpSpPr>
+        <a:xfrm>
+          <a:off x="0" y="0"/>
+          <a:ext cx="0" cy="0"/>
+          <a:chOff x="0" y="0"/>
+          <a:chExt cx="0" cy="0"/>
+        </a:xfrm>
+      </p:grpSpPr>
+      <p:sp>
+        <p:nvSpPr>
+          <p:cNvPr id="2" name="Title 1"/>
+          <p:cNvSpPr>
+            <a:spLocks noGrp="1"/>
+          </p:cNvSpPr>
+          <p:nvPr>
+            <p:ph type="title"/>
+          </p:nvPr>
+        </p:nvSpPr>
+        <p:spPr/>
+        <p:txBody>
+          <a:bodyPr/>
+          <a:lstStyle/>
+          <a:p>
+            <a:r>
+              <a:rPr lang="en-US" b="1" dirty="0"/>
+              <a:t>Integrating javascript code into MVC/Razor/Html Model Beth</a:t>
+            </a:r>
+            <a:endParaRPr lang="en-US" dirty="0"/>
+          </a:p>
+        </p:txBody>
+      </p:sp>
+      <p:sp>
+        <p:nvSpPr>
+          <p:cNvPr id="3" name="Content Placeholder 2"/>
+          <p:cNvSpPr>
+            <a:spLocks noGrp="1"/>
+          </p:cNvSpPr>
+          <p:nvPr>
+            <p:ph sz="half" idx="1"/>
+          </p:nvPr>
+        </p:nvSpPr>
+        <p:spPr/>
+        <p:txBody>
+          <a:bodyPr>
+            <a:normAutofit fontScale="25000" lnSpcReduction="20000"/>
+          </a:bodyPr>
+          <a:lstStyle/>
+          <a:p>
+            <a:pPr marL="0" indent="0">
+              <a:buNone/>
+            </a:pPr>
+            <a:r>
+              <a:rPr lang="en-US" sz="4000" b="1" dirty="0"/>
+              <a:t> </a:t>
+            </a:r>
+            <a:r>
+              <a:rPr lang="en-US" sz="4000" dirty="0"/>
+              <a:t>var</a:t>
+            </a:r>
+            <a:r>
+              <a:rPr lang="en-US" sz="4000" b="1" dirty="0"/>
+              <a:t> </a:t>
+            </a:r>
+            <a:r>
+              <a:rPr lang="en-US" sz="4000" dirty="0"/>
+              <a:t>items = [</a:t>
+            </a:r>
+          </a:p>
+          <a:p>
+            <a:pPr marL="0" indent="0">
+              <a:buNone/>
+            </a:pPr>
+            <a:r>
+              <a:rPr lang="en-US" sz="4000" dirty="0"/>
+              <a:t>             new primitives.orgdiagram.ItemConfig({</a:t>
+            </a:r>
+          </a:p>
+          <a:p>
+            <a:pPr marL="0" indent="0">
+              <a:buNone/>
+            </a:pPr>
+            <a:r>
+              <a:rPr lang="en-US" sz="4000" dirty="0"/>
+              <a:t>                    id: 0,</a:t>
+            </a:r>
+          </a:p>
+          <a:p>
+            <a:pPr marL="0" indent="0">
+              <a:buNone/>
+            </a:pPr>
+            <a:r>
+              <a:rPr lang="en-US" sz="4000" dirty="0"/>
+              <a:t>                    parent: </a:t>
+            </a:r>
+            <a:r>
+              <a:rPr lang="en-US" sz="4000" dirty="0"/>
+              <a:t>null</a:t>
+            </a:r>
+            <a:r>
+              <a:rPr lang="en-US" sz="4000" dirty="0"/>
+              <a:t>,</a:t>
+            </a:r>
+          </a:p>
+          <a:p>
+            <a:pPr marL="0" indent="0">
+              <a:buNone/>
+            </a:pPr>
+            <a:r>
+              <a:rPr lang="en-US" sz="4000" dirty="0"/>
+              <a:t>                    title: "Root Project here",</a:t>
+            </a:r>
+          </a:p>
+          <a:p>
+            <a:pPr marL="0" indent="0">
+              <a:buNone/>
+            </a:pPr>
+            <a:r>
+              <a:rPr lang="en-US" sz="4000" dirty="0"/>
+              <a:t>                    description: "Project Tree",</a:t>
+            </a:r>
+          </a:p>
+          <a:p>
+            <a:pPr marL="0" indent="0">
+              <a:buNone/>
+            </a:pPr>
+            <a:r>
+              <a:rPr lang="en-US" sz="4000" dirty="0"/>
+              <a:t>                    image: "demo/images/photos/a.png"</a:t>
+            </a:r>
+          </a:p>
+          <a:p>
+            <a:pPr marL="0" indent="0">
+              <a:buNone/>
+            </a:pPr>
+            <a:r>
+              <a:rPr lang="en-US" sz="4000" dirty="0"/>
+              <a:t>                }),</a:t>
+            </a:r>
+          </a:p>
+          <a:p>
+            <a:pPr marL="0" indent="0">
+              <a:buNone/>
+            </a:pPr>
+            <a:r>
+              <a:rPr lang="en-US" sz="4000" dirty="0"/>
+              <a:t>             new primitives.orgdiagram.ItemConfig({</a:t>
+            </a:r>
+          </a:p>
+          <a:p>
+            <a:pPr marL="0" indent="0">
+              <a:buNone/>
+            </a:pPr>
+            <a:r>
+              <a:rPr lang="en-US" sz="4000" dirty="0"/>
+              <a:t>                    id: 2,</a:t>
+            </a:r>
+          </a:p>
+          <a:p>
+            <a:pPr marL="0" indent="0">
+              <a:buNone/>
+            </a:pPr>
+            <a:r>
+              <a:rPr lang="en-US" sz="4000" dirty="0"/>
+              <a:t>                    parent: 0,</a:t>
+            </a:r>
+          </a:p>
+          <a:p>
+            <a:pPr marL="0" indent="0">
+              <a:buNone/>
+            </a:pPr>
+            <a:r>
+              <a:rPr lang="en-US" sz="4000" dirty="0"/>
+              <a:t>                    title: "Senior Project",</a:t>
+            </a:r>
+          </a:p>
+          <a:p>
+            <a:pPr marL="0" indent="0">
+              <a:buNone/>
+            </a:pPr>
+            <a:r>
+              <a:rPr lang="en-US" sz="4000" dirty="0"/>
+              <a:t>                    description: "Fabulous",</a:t>
+            </a:r>
+          </a:p>
+          <a:p>
+            <a:pPr marL="0" indent="0">
+              <a:buNone/>
+            </a:pPr>
+            <a:r>
+              <a:rPr lang="en-US" sz="4000" dirty="0"/>
+              <a:t>                    image: "demo/images/photos/c.png"</a:t>
+            </a:r>
+          </a:p>
+          <a:p>
+            <a:pPr marL="0" indent="0">
+              <a:buNone/>
+            </a:pPr>
+            <a:r>
+              <a:rPr lang="en-US" sz="4000" dirty="0"/>
+              <a:t>                </a:t>
+            </a:r>
+            <a:r>
+              <a:rPr lang="en-US" sz="4000" dirty="0" smtClean="0"/>
+              <a:t>})</a:t>
+            </a:r>
+            <a:endParaRPr lang="en-US" sz="4000" dirty="0"/>
+          </a:p>
+          <a:p>
+            <a:pPr marL="0" indent="0">
+              <a:buNone/>
+            </a:pPr>
+            <a:r>
+              <a:rPr lang="en-US" sz="4000" dirty="0"/>
+              <a:t>            ];</a:t>
+            </a:r>
+          </a:p>
+          <a:p>
+            <a:pPr marL="0" indent="0">
+              <a:buNone/>
+            </a:pPr>
+            <a:r>
+              <a:rPr lang="en-US" dirty="0"/>
+              <a:t> </a:t>
+            </a:r>
+          </a:p>
+          <a:p>
+            <a:endParaRPr lang="en-US" dirty="0"/>
+          </a:p>
+        </p:txBody>
+      </p:sp>
+      <p:sp>
+        <p:nvSpPr>
+          <p:cNvPr id="4" name="Content Placeholder 3"/>
+          <p:cNvSpPr>
+            <a:spLocks noGrp="1"/>
+          </p:cNvSpPr>
+          <p:nvPr>
+            <p:ph sz="half" idx="2"/>
+          </p:nvPr>
+        </p:nvSpPr>
+        <p:spPr/>
+        <p:txBody>
+          <a:bodyPr>
+            <a:normAutofit fontScale="25000" lnSpcReduction="20000"/>
+          </a:bodyPr>
+          <a:lstStyle/>
+          <a:p>
+            <a:pPr marL="0" indent="0">
+              <a:lnSpc>
+                <a:spcPct val="120000"/>
+              </a:lnSpc>
+              <a:spcBef>
+                <a:spcPts val="600"/>
+              </a:spcBef>
+              <a:buNone/>
+            </a:pPr>
+            <a:r>
+              <a:rPr lang="en-US" sz="4000" dirty="0"/>
+              <a:t>var newItem ;</a:t>
+            </a:r>
+          </a:p>
+          <a:p>
+            <a:pPr marL="0" indent="0">
+              <a:lnSpc>
+                <a:spcPct val="120000"/>
+              </a:lnSpc>
+              <a:spcBef>
+                <a:spcPts val="600"/>
+              </a:spcBef>
+              <a:buNone/>
+            </a:pPr>
+            <a:r>
+              <a:rPr lang="en-US" sz="4000" dirty="0"/>
+              <a:t>var items = [ ];</a:t>
+            </a:r>
+          </a:p>
+          <a:p>
+            <a:pPr marL="0" indent="0">
+              <a:lnSpc>
+                <a:spcPct val="120000"/>
+              </a:lnSpc>
+              <a:spcBef>
+                <a:spcPts val="600"/>
+              </a:spcBef>
+              <a:buNone/>
+            </a:pPr>
+            <a:r>
+              <a:rPr lang="en-US" sz="4000" dirty="0"/>
+              <a:t> </a:t>
+            </a:r>
+            <a:r>
+              <a:rPr lang="en-US" sz="4000" dirty="0"/>
+              <a:t>@foreach(var item in Model)</a:t>
+            </a:r>
+          </a:p>
+          <a:p>
+            <a:pPr marL="0" indent="0">
+              <a:lnSpc>
+                <a:spcPct val="120000"/>
+              </a:lnSpc>
+              <a:spcBef>
+                <a:spcPts val="600"/>
+              </a:spcBef>
+              <a:buNone/>
+            </a:pPr>
+            <a:r>
+              <a:rPr lang="en-US" sz="4000" dirty="0" smtClean="0"/>
+              <a:t>   </a:t>
+            </a:r>
+            <a:r>
+              <a:rPr lang="en-US" sz="4000" dirty="0"/>
+              <a:t>{</a:t>
+            </a:r>
+          </a:p>
+          <a:p>
+            <a:pPr marL="0" indent="0">
+              <a:lnSpc>
+                <a:spcPct val="120000"/>
+              </a:lnSpc>
+              <a:spcBef>
+                <a:spcPts val="600"/>
+              </a:spcBef>
+              <a:buNone/>
+            </a:pPr>
+            <a:r>
+              <a:rPr lang="en-US" sz="4000" dirty="0" smtClean="0"/>
+              <a:t>    </a:t>
+            </a:r>
+            <a:r>
+              <a:rPr lang="en-US" sz="4000" dirty="0"/>
+              <a:t>@:newItem = new primitives.orgdiagram.ItemConfig</a:t>
+            </a:r>
+            <a:r>
+              <a:rPr lang="en-US" sz="4000" dirty="0" smtClean="0"/>
+              <a:t>({</a:t>
+            </a:r>
+          </a:p>
+          <a:p>
+            <a:pPr marL="0" indent="0">
+              <a:lnSpc>
+                <a:spcPct val="120000"/>
+              </a:lnSpc>
+              <a:spcBef>
+                <a:spcPts val="600"/>
+              </a:spcBef>
+              <a:buNone/>
+            </a:pPr>
+            <a:r>
+              <a:rPr lang="en-US" sz="4000" dirty="0" smtClean="0"/>
+              <a:t>          </a:t>
+            </a:r>
+            <a:r>
+              <a:rPr lang="en-US" sz="4000" dirty="0"/>
+              <a:t>id: '@(item.ID</a:t>
+            </a:r>
+            <a:r>
+              <a:rPr lang="en-US" sz="4000" dirty="0" smtClean="0"/>
+              <a:t>)',</a:t>
+            </a:r>
+          </a:p>
+          <a:p>
+            <a:pPr marL="0" indent="0">
+              <a:lnSpc>
+                <a:spcPct val="120000"/>
+              </a:lnSpc>
+              <a:spcBef>
+                <a:spcPts val="600"/>
+              </a:spcBef>
+              <a:buNone/>
+            </a:pPr>
+            <a:r>
+              <a:rPr lang="en-US" sz="4000" dirty="0" smtClean="0"/>
+              <a:t>          parent</a:t>
+            </a:r>
+            <a:r>
+              <a:rPr lang="en-US" sz="4000" dirty="0"/>
+              <a:t>: '@(item.ParentID)', </a:t>
+            </a:r>
+            <a:endParaRPr lang="en-US" sz="4000" dirty="0" smtClean="0"/>
+          </a:p>
+          <a:p>
+            <a:pPr marL="0" indent="0">
+              <a:lnSpc>
+                <a:spcPct val="120000"/>
+              </a:lnSpc>
+              <a:spcBef>
+                <a:spcPts val="600"/>
+              </a:spcBef>
+              <a:buNone/>
+            </a:pPr>
+            <a:r>
+              <a:rPr lang="en-US" sz="4000" dirty="0" smtClean="0"/>
+              <a:t>          title</a:t>
+            </a:r>
+            <a:r>
+              <a:rPr lang="en-US" sz="4000" dirty="0"/>
+              <a:t>: '@(item.Title)', </a:t>
+            </a:r>
+            <a:endParaRPr lang="en-US" sz="4000" dirty="0" smtClean="0"/>
+          </a:p>
+          <a:p>
+            <a:pPr marL="0" indent="0">
+              <a:lnSpc>
+                <a:spcPct val="120000"/>
+              </a:lnSpc>
+              <a:spcBef>
+                <a:spcPts val="600"/>
+              </a:spcBef>
+              <a:buNone/>
+            </a:pPr>
+            <a:r>
+              <a:rPr lang="en-US" sz="4000" dirty="0" smtClean="0"/>
+              <a:t>          description</a:t>
+            </a:r>
+            <a:r>
+              <a:rPr lang="en-US" sz="4000" dirty="0"/>
+              <a:t>: '@(item.Note)' </a:t>
+            </a:r>
+            <a:endParaRPr lang="en-US" sz="4000" dirty="0" smtClean="0"/>
+          </a:p>
+          <a:p>
+            <a:pPr marL="0" indent="0">
+              <a:lnSpc>
+                <a:spcPct val="120000"/>
+              </a:lnSpc>
+              <a:spcBef>
+                <a:spcPts val="600"/>
+              </a:spcBef>
+              <a:buNone/>
+            </a:pPr>
+            <a:r>
+              <a:rPr lang="en-US" sz="4000" dirty="0" smtClean="0"/>
+              <a:t>    });</a:t>
+            </a:r>
+            <a:endParaRPr lang="en-US" sz="4000" dirty="0"/>
+          </a:p>
+          <a:p>
+            <a:pPr marL="0" indent="0">
+              <a:lnSpc>
+                <a:spcPct val="120000"/>
+              </a:lnSpc>
+              <a:spcBef>
+                <a:spcPts val="600"/>
+              </a:spcBef>
+              <a:buNone/>
+            </a:pPr>
+            <a:r>
+              <a:rPr lang="en-US" sz="4000" dirty="0"/>
+              <a:t> @:if('@item.ParentID' == '0') </a:t>
+            </a:r>
+            <a:endParaRPr lang="en-US" sz="4000" dirty="0" smtClean="0"/>
+          </a:p>
+          <a:p>
+            <a:pPr marL="0" indent="0">
+              <a:lnSpc>
+                <a:spcPct val="120000"/>
+              </a:lnSpc>
+              <a:spcBef>
+                <a:spcPts val="600"/>
+              </a:spcBef>
+              <a:buNone/>
+            </a:pPr>
+            <a:r>
+              <a:rPr lang="en-US" sz="4000" dirty="0" smtClean="0"/>
+              <a:t> @: {@: </a:t>
+            </a:r>
+            <a:r>
+              <a:rPr lang="en-US" sz="4000" dirty="0"/>
+              <a:t>var headparent =  0 ;</a:t>
+            </a:r>
+          </a:p>
+          <a:p>
+            <a:pPr marL="0" indent="0">
+              <a:lnSpc>
+                <a:spcPct val="120000"/>
+              </a:lnSpc>
+              <a:spcBef>
+                <a:spcPts val="600"/>
+              </a:spcBef>
+              <a:buNone/>
+            </a:pPr>
+            <a:r>
+              <a:rPr lang="en-US" sz="4000" dirty="0"/>
+              <a:t> @: newItem.parent =  null ;</a:t>
+            </a:r>
+          </a:p>
+          <a:p>
+            <a:pPr marL="0" indent="0">
+              <a:lnSpc>
+                <a:spcPct val="120000"/>
+              </a:lnSpc>
+              <a:spcBef>
+                <a:spcPts val="600"/>
+              </a:spcBef>
+              <a:buNone/>
+            </a:pPr>
+            <a:r>
+              <a:rPr lang="en-US" sz="4000" dirty="0"/>
+              <a:t> @: } </a:t>
+            </a:r>
+          </a:p>
+          <a:p>
+            <a:pPr marL="0" indent="0">
+              <a:lnSpc>
+                <a:spcPct val="120000"/>
+              </a:lnSpc>
+              <a:spcBef>
+                <a:spcPts val="600"/>
+              </a:spcBef>
+              <a:buNone/>
+            </a:pPr>
+            <a:r>
+              <a:rPr lang="en-US" sz="4000" dirty="0"/>
+              <a:t> </a:t>
+            </a:r>
+            <a:r>
+              <a:rPr lang="en-US" sz="4000" dirty="0"/>
+              <a:t>@:items.push(newItem);</a:t>
+            </a:r>
+          </a:p>
+          <a:p>
+            <a:pPr marL="0" indent="0">
+              <a:lnSpc>
+                <a:spcPct val="120000"/>
+              </a:lnSpc>
+              <a:spcBef>
+                <a:spcPts val="600"/>
+              </a:spcBef>
+              <a:buNone/>
+            </a:pPr>
+            <a:r>
+              <a:rPr lang="en-US" sz="4000" dirty="0"/>
+              <a:t> }</a:t>
+            </a:r>
+          </a:p>
+          <a:p>
+            <a:pPr marL="0" indent="0">
+              <a:lnSpc>
+                <a:spcPct val="120000"/>
+              </a:lnSpc>
+              <a:spcBef>
+                <a:spcPts val="600"/>
+              </a:spcBef>
+              <a:buNone/>
+            </a:pPr>
+            <a:endParaRPr lang="en-US" dirty="0"/>
+          </a:p>
+        </p:txBody>
+      </p:sp>
+    </p:spTree>
+    <p:extLst>
+      <p:ext uri="{BB962C8B-B14F-4D97-AF65-F5344CB8AC3E}">
+        <p14:creationId xmlns:p14="http://schemas.microsoft.com/office/powerpoint/2010/main" val="117463408"/>
       </p:ext>
     </p:extLst>
   </p:cSld>
@@ -9655,9 +11381,6 @@
             <a:pPr algn="ctr"/>
             <a:r>
               <a:rPr lang="en-US" sz="3600" dirty="0">
-                <a:solidFill>
-                  <a:srgbClr val="70AD47"/>
-                </a:solidFill>
                 <a:cs typeface="Calibri"/>
               </a:rPr>
               <a:t>Objectives</a:t>
@@ -10659,6 +12382,428 @@
 </file>
 
 <file path=ppt/slides/slide4.xml><?xml version="1.0" encoding="utf-8"?>
+<p:sld xmlns:a="http://schemas.openxmlformats.org/drawingml/2006/main" xmlns:r="http://schemas.openxmlformats.org/officeDocument/2006/relationships" xmlns:p="http://schemas.openxmlformats.org/presentationml/2006/main">
+  <p:cSld>
+    <p:spTree>
+      <p:nvGrpSpPr>
+        <p:cNvPr id="1" name=""/>
+        <p:cNvGrpSpPr/>
+        <p:nvPr/>
+      </p:nvGrpSpPr>
+      <p:grpSpPr>
+        <a:xfrm>
+          <a:off x="0" y="0"/>
+          <a:ext cx="0" cy="0"/>
+          <a:chOff x="0" y="0"/>
+          <a:chExt cx="0" cy="0"/>
+        </a:xfrm>
+      </p:grpSpPr>
+      <p:sp>
+        <p:nvSpPr>
+          <p:cNvPr id="2" name="Title 1"/>
+          <p:cNvSpPr>
+            <a:spLocks noGrp="1"/>
+          </p:cNvSpPr>
+          <p:nvPr>
+            <p:ph type="title"/>
+          </p:nvPr>
+        </p:nvSpPr>
+        <p:spPr/>
+        <p:txBody>
+          <a:bodyPr/>
+          <a:lstStyle/>
+          <a:p>
+            <a:endParaRPr lang="en-US" dirty="0"/>
+          </a:p>
+        </p:txBody>
+      </p:sp>
+      <p:sp>
+        <p:nvSpPr>
+          <p:cNvPr id="3" name="Content Placeholder 2"/>
+          <p:cNvSpPr>
+            <a:spLocks noGrp="1"/>
+          </p:cNvSpPr>
+          <p:nvPr>
+            <p:ph idx="1"/>
+          </p:nvPr>
+        </p:nvSpPr>
+        <p:spPr/>
+        <p:txBody>
+          <a:bodyPr/>
+          <a:lstStyle/>
+          <a:p>
+            <a:pPr marL="0" indent="0">
+              <a:buNone/>
+            </a:pPr>
+            <a:endParaRPr lang="en-US" dirty="0"/>
+          </a:p>
+        </p:txBody>
+      </p:sp>
+      <p:grpSp>
+        <p:nvGrpSpPr>
+          <p:cNvPr id="4" name="Canvas 1"/>
+          <p:cNvGrpSpPr/>
+          <p:nvPr/>
+        </p:nvGrpSpPr>
+        <p:grpSpPr>
+          <a:xfrm>
+            <a:off x="2117125" y="2430162"/>
+            <a:ext cx="5486400" cy="3200400"/>
+            <a:chOff x="0" y="0"/>
+            <a:chExt cx="5486400" cy="3200400"/>
+          </a:xfrm>
+        </p:grpSpPr>
+        <p:sp>
+          <p:nvSpPr>
+            <p:cNvPr id="5" name="Rectangle 4"/>
+            <p:cNvSpPr/>
+            <p:nvPr/>
+          </p:nvSpPr>
+          <p:spPr>
+            <a:xfrm>
+              <a:off x="0" y="0"/>
+              <a:ext cx="5486400" cy="3200400"/>
+            </a:xfrm>
+            <a:prstGeom prst="rect">
+              <a:avLst/>
+            </a:prstGeom>
+          </p:spPr>
+        </p:sp>
+        <p:sp>
+          <p:nvSpPr>
+            <p:cNvPr id="6" name="Rounded Rectangle 5"/>
+            <p:cNvSpPr/>
+            <p:nvPr/>
+          </p:nvSpPr>
+          <p:spPr>
+            <a:xfrm>
+              <a:off x="675861" y="278297"/>
+              <a:ext cx="3116911" cy="516834"/>
+            </a:xfrm>
+            <a:prstGeom prst="roundRect">
+              <a:avLst/>
+            </a:prstGeom>
+          </p:spPr>
+          <p:style>
+            <a:lnRef idx="1">
+              <a:schemeClr val="accent1"/>
+            </a:lnRef>
+            <a:fillRef idx="3">
+              <a:schemeClr val="accent1"/>
+            </a:fillRef>
+            <a:effectRef idx="2">
+              <a:schemeClr val="accent1"/>
+            </a:effectRef>
+            <a:fontRef idx="minor">
+              <a:schemeClr val="lt1"/>
+            </a:fontRef>
+          </p:style>
+          <p:txBody>
+            <a:bodyPr rot="0" spcFirstLastPara="0" vert="horz" wrap="square" lIns="91440" tIns="45720" rIns="91440" bIns="45720" numCol="1" spcCol="0" rtlCol="0" fromWordArt="0" anchor="ctr" anchorCtr="0" forceAA="0" compatLnSpc="1">
+              <a:prstTxWarp prst="textNoShape">
+                <a:avLst/>
+              </a:prstTxWarp>
+              <a:noAutofit/>
+            </a:bodyPr>
+            <a:lstStyle/>
+            <a:p>
+              <a:pPr marL="0" marR="0" algn="ctr">
+                <a:lnSpc>
+                  <a:spcPct val="107000"/>
+                </a:lnSpc>
+                <a:spcBef>
+                  <a:spcPts val="0"/>
+                </a:spcBef>
+                <a:spcAft>
+                  <a:spcPts val="800"/>
+                </a:spcAft>
+              </a:pPr>
+              <a:r>
+                <a:rPr lang="en-US" sz="1100">
+                  <a:effectLst/>
+                  <a:ea typeface="Calibri" panose="020F0502020204030204" pitchFamily="34" charset="0"/>
+                  <a:cs typeface="Times New Roman" panose="02020603050405020304" pitchFamily="18" charset="0"/>
+                </a:rPr>
+                <a:t>View</a:t>
+              </a:r>
+            </a:p>
+          </p:txBody>
+        </p:sp>
+        <p:sp>
+          <p:nvSpPr>
+            <p:cNvPr id="7" name="Rounded Rectangle 6"/>
+            <p:cNvSpPr/>
+            <p:nvPr/>
+          </p:nvSpPr>
+          <p:spPr>
+            <a:xfrm>
+              <a:off x="676192" y="847909"/>
+              <a:ext cx="3116580" cy="516255"/>
+            </a:xfrm>
+            <a:prstGeom prst="roundRect">
+              <a:avLst/>
+            </a:prstGeom>
+          </p:spPr>
+          <p:style>
+            <a:lnRef idx="1">
+              <a:schemeClr val="accent1"/>
+            </a:lnRef>
+            <a:fillRef idx="3">
+              <a:schemeClr val="accent1"/>
+            </a:fillRef>
+            <a:effectRef idx="2">
+              <a:schemeClr val="accent1"/>
+            </a:effectRef>
+            <a:fontRef idx="minor">
+              <a:schemeClr val="lt1"/>
+            </a:fontRef>
+          </p:style>
+          <p:txBody>
+            <a:bodyPr rot="0" spcFirstLastPara="0" vert="horz" wrap="square" lIns="91440" tIns="45720" rIns="91440" bIns="45720" numCol="1" spcCol="0" rtlCol="0" fromWordArt="0" anchor="ctr" anchorCtr="0" forceAA="0" compatLnSpc="1">
+              <a:prstTxWarp prst="textNoShape">
+                <a:avLst/>
+              </a:prstTxWarp>
+              <a:noAutofit/>
+            </a:bodyPr>
+            <a:lstStyle/>
+            <a:p>
+              <a:pPr marL="0" marR="0" algn="ctr">
+                <a:lnSpc>
+                  <a:spcPct val="106000"/>
+                </a:lnSpc>
+                <a:spcBef>
+                  <a:spcPts val="0"/>
+                </a:spcBef>
+                <a:spcAft>
+                  <a:spcPts val="800"/>
+                </a:spcAft>
+              </a:pPr>
+              <a:r>
+                <a:rPr lang="en-US" sz="1100">
+                  <a:effectLst/>
+                  <a:latin typeface="Times New Roman" panose="02020603050405020304" pitchFamily="18" charset="0"/>
+                  <a:ea typeface="Calibri" panose="020F0502020204030204" pitchFamily="34" charset="0"/>
+                </a:rPr>
+                <a:t>Action Controller</a:t>
+              </a:r>
+              <a:endParaRPr lang="en-US" sz="1200">
+                <a:effectLst/>
+                <a:latin typeface="Times New Roman" panose="02020603050405020304" pitchFamily="18" charset="0"/>
+                <a:ea typeface="Times New Roman" panose="02020603050405020304" pitchFamily="18" charset="0"/>
+              </a:endParaRPr>
+            </a:p>
+          </p:txBody>
+        </p:sp>
+        <p:sp>
+          <p:nvSpPr>
+            <p:cNvPr id="8" name="Rounded Rectangle 7"/>
+            <p:cNvSpPr/>
+            <p:nvPr/>
+          </p:nvSpPr>
+          <p:spPr>
+            <a:xfrm>
+              <a:off x="676192" y="1412453"/>
+              <a:ext cx="3116580" cy="516255"/>
+            </a:xfrm>
+            <a:prstGeom prst="roundRect">
+              <a:avLst/>
+            </a:prstGeom>
+          </p:spPr>
+          <p:style>
+            <a:lnRef idx="1">
+              <a:schemeClr val="accent1"/>
+            </a:lnRef>
+            <a:fillRef idx="3">
+              <a:schemeClr val="accent1"/>
+            </a:fillRef>
+            <a:effectRef idx="2">
+              <a:schemeClr val="accent1"/>
+            </a:effectRef>
+            <a:fontRef idx="minor">
+              <a:schemeClr val="lt1"/>
+            </a:fontRef>
+          </p:style>
+          <p:txBody>
+            <a:bodyPr rot="0" spcFirstLastPara="0" vert="horz" wrap="square" lIns="91440" tIns="45720" rIns="91440" bIns="45720" numCol="1" spcCol="0" rtlCol="0" fromWordArt="0" anchor="ctr" anchorCtr="0" forceAA="0" compatLnSpc="1">
+              <a:prstTxWarp prst="textNoShape">
+                <a:avLst/>
+              </a:prstTxWarp>
+              <a:noAutofit/>
+            </a:bodyPr>
+            <a:lstStyle/>
+            <a:p>
+              <a:pPr marL="0" marR="0" algn="ctr">
+                <a:lnSpc>
+                  <a:spcPct val="106000"/>
+                </a:lnSpc>
+                <a:spcBef>
+                  <a:spcPts val="0"/>
+                </a:spcBef>
+                <a:spcAft>
+                  <a:spcPts val="800"/>
+                </a:spcAft>
+              </a:pPr>
+              <a:r>
+                <a:rPr lang="en-US" sz="1100">
+                  <a:effectLst/>
+                  <a:latin typeface="Times New Roman" panose="02020603050405020304" pitchFamily="18" charset="0"/>
+                  <a:ea typeface="Calibri" panose="020F0502020204030204" pitchFamily="34" charset="0"/>
+                </a:rPr>
+                <a:t>Project Business Layer</a:t>
+              </a:r>
+              <a:endParaRPr lang="en-US" sz="1200">
+                <a:effectLst/>
+                <a:latin typeface="Times New Roman" panose="02020603050405020304" pitchFamily="18" charset="0"/>
+                <a:ea typeface="Times New Roman" panose="02020603050405020304" pitchFamily="18" charset="0"/>
+              </a:endParaRPr>
+            </a:p>
+          </p:txBody>
+        </p:sp>
+        <p:sp>
+          <p:nvSpPr>
+            <p:cNvPr id="9" name="Rounded Rectangle 8"/>
+            <p:cNvSpPr/>
+            <p:nvPr/>
+          </p:nvSpPr>
+          <p:spPr>
+            <a:xfrm>
+              <a:off x="676192" y="1976995"/>
+              <a:ext cx="3116580" cy="516255"/>
+            </a:xfrm>
+            <a:prstGeom prst="roundRect">
+              <a:avLst/>
+            </a:prstGeom>
+          </p:spPr>
+          <p:style>
+            <a:lnRef idx="1">
+              <a:schemeClr val="accent1"/>
+            </a:lnRef>
+            <a:fillRef idx="3">
+              <a:schemeClr val="accent1"/>
+            </a:fillRef>
+            <a:effectRef idx="2">
+              <a:schemeClr val="accent1"/>
+            </a:effectRef>
+            <a:fontRef idx="minor">
+              <a:schemeClr val="lt1"/>
+            </a:fontRef>
+          </p:style>
+          <p:txBody>
+            <a:bodyPr rot="0" spcFirstLastPara="0" vert="horz" wrap="square" lIns="91440" tIns="45720" rIns="91440" bIns="45720" numCol="1" spcCol="0" rtlCol="0" fromWordArt="0" anchor="ctr" anchorCtr="0" forceAA="0" compatLnSpc="1">
+              <a:prstTxWarp prst="textNoShape">
+                <a:avLst/>
+              </a:prstTxWarp>
+              <a:noAutofit/>
+            </a:bodyPr>
+            <a:lstStyle/>
+            <a:p>
+              <a:pPr marL="0" marR="0" algn="ctr">
+                <a:lnSpc>
+                  <a:spcPct val="106000"/>
+                </a:lnSpc>
+                <a:spcBef>
+                  <a:spcPts val="0"/>
+                </a:spcBef>
+                <a:spcAft>
+                  <a:spcPts val="800"/>
+                </a:spcAft>
+              </a:pPr>
+              <a:r>
+                <a:rPr lang="en-US" sz="1100">
+                  <a:effectLst/>
+                  <a:latin typeface="Times New Roman" panose="02020603050405020304" pitchFamily="18" charset="0"/>
+                  <a:ea typeface="Calibri" panose="020F0502020204030204" pitchFamily="34" charset="0"/>
+                </a:rPr>
+                <a:t>Project Data Layer</a:t>
+              </a:r>
+              <a:endParaRPr lang="en-US" sz="1200">
+                <a:effectLst/>
+                <a:latin typeface="Times New Roman" panose="02020603050405020304" pitchFamily="18" charset="0"/>
+                <a:ea typeface="Times New Roman" panose="02020603050405020304" pitchFamily="18" charset="0"/>
+              </a:endParaRPr>
+            </a:p>
+          </p:txBody>
+        </p:sp>
+        <p:sp>
+          <p:nvSpPr>
+            <p:cNvPr id="10" name="Rounded Rectangle 9"/>
+            <p:cNvSpPr/>
+            <p:nvPr/>
+          </p:nvSpPr>
+          <p:spPr>
+            <a:xfrm>
+              <a:off x="676192" y="2541537"/>
+              <a:ext cx="3116580" cy="516255"/>
+            </a:xfrm>
+            <a:prstGeom prst="roundRect">
+              <a:avLst/>
+            </a:prstGeom>
+          </p:spPr>
+          <p:style>
+            <a:lnRef idx="1">
+              <a:schemeClr val="accent1"/>
+            </a:lnRef>
+            <a:fillRef idx="3">
+              <a:schemeClr val="accent1"/>
+            </a:fillRef>
+            <a:effectRef idx="2">
+              <a:schemeClr val="accent1"/>
+            </a:effectRef>
+            <a:fontRef idx="minor">
+              <a:schemeClr val="lt1"/>
+            </a:fontRef>
+          </p:style>
+          <p:txBody>
+            <a:bodyPr rot="0" spcFirstLastPara="0" vert="horz" wrap="square" lIns="91440" tIns="45720" rIns="91440" bIns="45720" numCol="1" spcCol="0" rtlCol="0" fromWordArt="0" anchor="ctr" anchorCtr="0" forceAA="0" compatLnSpc="1">
+              <a:prstTxWarp prst="textNoShape">
+                <a:avLst/>
+              </a:prstTxWarp>
+              <a:noAutofit/>
+            </a:bodyPr>
+            <a:lstStyle/>
+            <a:p>
+              <a:pPr marL="0" marR="0" algn="ctr">
+                <a:lnSpc>
+                  <a:spcPct val="106000"/>
+                </a:lnSpc>
+                <a:spcBef>
+                  <a:spcPts val="0"/>
+                </a:spcBef>
+                <a:spcAft>
+                  <a:spcPts val="800"/>
+                </a:spcAft>
+              </a:pPr>
+              <a:r>
+                <a:rPr lang="en-US" sz="1100">
+                  <a:effectLst/>
+                  <a:latin typeface="Times New Roman" panose="02020603050405020304" pitchFamily="18" charset="0"/>
+                  <a:ea typeface="Calibri" panose="020F0502020204030204" pitchFamily="34" charset="0"/>
+                </a:rPr>
+                <a:t>Database</a:t>
+              </a:r>
+              <a:endParaRPr lang="en-US" sz="1200">
+                <a:effectLst/>
+                <a:latin typeface="Times New Roman" panose="02020603050405020304" pitchFamily="18" charset="0"/>
+                <a:ea typeface="Times New Roman" panose="02020603050405020304" pitchFamily="18" charset="0"/>
+              </a:endParaRPr>
+            </a:p>
+          </p:txBody>
+        </p:sp>
+      </p:grpSp>
+    </p:spTree>
+    <p:extLst>
+      <p:ext uri="{BB962C8B-B14F-4D97-AF65-F5344CB8AC3E}">
+        <p14:creationId xmlns:p14="http://schemas.microsoft.com/office/powerpoint/2010/main" val="3732072209"/>
+      </p:ext>
+    </p:extLst>
+  </p:cSld>
+  <p:clrMapOvr>
+    <a:masterClrMapping/>
+  </p:clrMapOvr>
+</p:sld>
+</file>
+
+<file path=ppt/slides/slide5.xml><?xml version="1.0" encoding="utf-8"?>
 <p:sld xmlns:a="http://schemas.openxmlformats.org/drawingml/2006/main" xmlns:r="http://schemas.openxmlformats.org/officeDocument/2006/relationships" xmlns:p="http://schemas.openxmlformats.org/presentationml/2006/main">
   <p:cSld>
     <p:spTree>
@@ -11694,7 +13839,7 @@
 </p:sld>
 </file>
 
-<file path=ppt/slides/slide5.xml><?xml version="1.0" encoding="utf-8"?>
+<file path=ppt/slides/slide6.xml><?xml version="1.0" encoding="utf-8"?>
 <p:sld xmlns:a="http://schemas.openxmlformats.org/drawingml/2006/main" xmlns:r="http://schemas.openxmlformats.org/officeDocument/2006/relationships" xmlns:p="http://schemas.openxmlformats.org/presentationml/2006/main">
   <p:cSld>
     <p:spTree>
@@ -12889,7 +15034,7 @@
 </p:sld>
 </file>
 
-<file path=ppt/slides/slide6.xml><?xml version="1.0" encoding="utf-8"?>
+<file path=ppt/slides/slide7.xml><?xml version="1.0" encoding="utf-8"?>
 <p:sld xmlns:a="http://schemas.openxmlformats.org/drawingml/2006/main" xmlns:r="http://schemas.openxmlformats.org/officeDocument/2006/relationships" xmlns:p="http://schemas.openxmlformats.org/presentationml/2006/main">
   <p:cSld>
     <p:spTree>
@@ -12971,7 +15116,7 @@
 </p:sld>
 </file>
 
-<file path=ppt/slides/slide7.xml><?xml version="1.0" encoding="utf-8"?>
+<file path=ppt/slides/slide8.xml><?xml version="1.0" encoding="utf-8"?>
 <p:sld xmlns:a="http://schemas.openxmlformats.org/drawingml/2006/main" xmlns:r="http://schemas.openxmlformats.org/officeDocument/2006/relationships" xmlns:p="http://schemas.openxmlformats.org/presentationml/2006/main">
   <p:cSld>
     <p:spTree>
@@ -13144,7 +15289,7 @@
 </p:sld>
 </file>
 
-<file path=ppt/slides/slide8.xml><?xml version="1.0" encoding="utf-8"?>
+<file path=ppt/slides/slide9.xml><?xml version="1.0" encoding="utf-8"?>
 <p:sld xmlns:a="http://schemas.openxmlformats.org/drawingml/2006/main" xmlns:r="http://schemas.openxmlformats.org/officeDocument/2006/relationships" xmlns:p="http://schemas.openxmlformats.org/presentationml/2006/main">
   <p:cSld>
     <p:spTree>
@@ -13222,1167 +15367,6 @@
         <p:cTn id="1" dur="indefinite" restart="never" nodeType="tmRoot"/>
       </p:par>
     </p:tnLst>
-  </p:timing>
-</p:sld>
-</file>
-
-<file path=ppt/slides/slide9.xml><?xml version="1.0" encoding="utf-8"?>
-<p:sld xmlns:a="http://schemas.openxmlformats.org/drawingml/2006/main" xmlns:r="http://schemas.openxmlformats.org/officeDocument/2006/relationships" xmlns:p="http://schemas.openxmlformats.org/presentationml/2006/main">
-  <p:cSld>
-    <p:spTree>
-      <p:nvGrpSpPr>
-        <p:cNvPr id="1" name=""/>
-        <p:cNvGrpSpPr/>
-        <p:nvPr/>
-      </p:nvGrpSpPr>
-      <p:grpSpPr>
-        <a:xfrm>
-          <a:off x="0" y="0"/>
-          <a:ext cx="0" cy="0"/>
-          <a:chOff x="0" y="0"/>
-          <a:chExt cx="0" cy="0"/>
-        </a:xfrm>
-      </p:grpSpPr>
-      <p:sp>
-        <p:nvSpPr>
-          <p:cNvPr id="2" name="Title 1"/>
-          <p:cNvSpPr>
-            <a:spLocks noGrp="1"/>
-          </p:cNvSpPr>
-          <p:nvPr>
-            <p:ph type="title"/>
-          </p:nvPr>
-        </p:nvSpPr>
-        <p:spPr/>
-        <p:txBody>
-          <a:bodyPr/>
-          <a:lstStyle/>
-          <a:p>
-            <a:r>
-              <a:rPr lang="en-US" dirty="0"/>
-              <a:t>Grading Scheme</a:t>
-            </a:r>
-          </a:p>
-        </p:txBody>
-      </p:sp>
-      <p:sp>
-        <p:nvSpPr>
-          <p:cNvPr id="3" name="Content Placeholder 2"/>
-          <p:cNvSpPr>
-            <a:spLocks noGrp="1"/>
-          </p:cNvSpPr>
-          <p:nvPr>
-            <p:ph idx="1"/>
-          </p:nvPr>
-        </p:nvSpPr>
-        <p:spPr>
-          <a:xfrm>
-            <a:off x="790769" y="1509637"/>
-            <a:ext cx="10515600" cy="4351338"/>
-          </a:xfrm>
-        </p:spPr>
-        <p:txBody>
-          <a:bodyPr/>
-          <a:lstStyle/>
-          <a:p>
-            <a:pPr marL="0" indent="0">
-              <a:buNone/>
-            </a:pPr>
-            <a:endParaRPr lang="en-US" dirty="0">
-              <a:solidFill>
-                <a:srgbClr val="000000"/>
-              </a:solidFill>
-              <a:latin typeface="Calibri"/>
-              <a:cs typeface="Calibri"/>
-            </a:endParaRPr>
-          </a:p>
-        </p:txBody>
-      </p:sp>
-      <p:pic>
-        <p:nvPicPr>
-          <p:cNvPr id="4" name="Picture 3"/>
-          <p:cNvPicPr>
-            <a:picLocks noChangeAspect="1"/>
-          </p:cNvPicPr>
-          <p:nvPr/>
-        </p:nvPicPr>
-        <p:blipFill>
-          <a:blip r:embed="rId3"/>
-          <a:stretch>
-            <a:fillRect/>
-          </a:stretch>
-        </p:blipFill>
-        <p:spPr>
-          <a:xfrm>
-            <a:off x="7089852" y="2285120"/>
-            <a:ext cx="1749312" cy="316989"/>
-          </a:xfrm>
-          <a:prstGeom prst="rect">
-            <a:avLst/>
-          </a:prstGeom>
-        </p:spPr>
-      </p:pic>
-      <p:pic>
-        <p:nvPicPr>
-          <p:cNvPr id="7" name="Picture 6"/>
-          <p:cNvPicPr>
-            <a:picLocks noChangeAspect="1"/>
-          </p:cNvPicPr>
-          <p:nvPr/>
-        </p:nvPicPr>
-        <p:blipFill>
-          <a:blip r:embed="rId4"/>
-          <a:stretch>
-            <a:fillRect/>
-          </a:stretch>
-        </p:blipFill>
-        <p:spPr>
-          <a:xfrm>
-            <a:off x="7081062" y="2547745"/>
-            <a:ext cx="1498187" cy="357974"/>
-          </a:xfrm>
-          <a:prstGeom prst="rect">
-            <a:avLst/>
-          </a:prstGeom>
-        </p:spPr>
-      </p:pic>
-      <p:pic>
-        <p:nvPicPr>
-          <p:cNvPr id="9" name="Picture 8"/>
-          <p:cNvPicPr>
-            <a:picLocks noChangeAspect="1"/>
-          </p:cNvPicPr>
-          <p:nvPr/>
-        </p:nvPicPr>
-        <p:blipFill>
-          <a:blip r:embed="rId5"/>
-          <a:stretch>
-            <a:fillRect/>
-          </a:stretch>
-        </p:blipFill>
-        <p:spPr>
-          <a:xfrm>
-            <a:off x="7098107" y="2832073"/>
-            <a:ext cx="1410168" cy="424420"/>
-          </a:xfrm>
-          <a:prstGeom prst="rect">
-            <a:avLst/>
-          </a:prstGeom>
-        </p:spPr>
-      </p:pic>
-      <p:pic>
-        <p:nvPicPr>
-          <p:cNvPr id="10" name="Picture 9"/>
-          <p:cNvPicPr>
-            <a:picLocks noChangeAspect="1"/>
-          </p:cNvPicPr>
-          <p:nvPr/>
-        </p:nvPicPr>
-        <p:blipFill>
-          <a:blip r:embed="rId6"/>
-          <a:stretch>
-            <a:fillRect/>
-          </a:stretch>
-        </p:blipFill>
-        <p:spPr>
-          <a:xfrm>
-            <a:off x="7120171" y="3164788"/>
-            <a:ext cx="2066847" cy="397964"/>
-          </a:xfrm>
-          <a:prstGeom prst="rect">
-            <a:avLst/>
-          </a:prstGeom>
-        </p:spPr>
-      </p:pic>
-      <p:pic>
-        <p:nvPicPr>
-          <p:cNvPr id="11" name="Picture 10"/>
-          <p:cNvPicPr>
-            <a:picLocks noChangeAspect="1"/>
-          </p:cNvPicPr>
-          <p:nvPr/>
-        </p:nvPicPr>
-        <p:blipFill>
-          <a:blip r:embed="rId7"/>
-          <a:stretch>
-            <a:fillRect/>
-          </a:stretch>
-        </p:blipFill>
-        <p:spPr>
-          <a:xfrm>
-            <a:off x="7098106" y="3468399"/>
-            <a:ext cx="1932683" cy="372132"/>
-          </a:xfrm>
-          <a:prstGeom prst="rect">
-            <a:avLst/>
-          </a:prstGeom>
-        </p:spPr>
-      </p:pic>
-      <p:pic>
-        <p:nvPicPr>
-          <p:cNvPr id="12" name="Picture 11"/>
-          <p:cNvPicPr>
-            <a:picLocks noChangeAspect="1"/>
-          </p:cNvPicPr>
-          <p:nvPr/>
-        </p:nvPicPr>
-        <p:blipFill>
-          <a:blip r:embed="rId8"/>
-          <a:stretch>
-            <a:fillRect/>
-          </a:stretch>
-        </p:blipFill>
-        <p:spPr>
-          <a:xfrm>
-            <a:off x="7089852" y="3785872"/>
-            <a:ext cx="1866603" cy="370673"/>
-          </a:xfrm>
-          <a:prstGeom prst="rect">
-            <a:avLst/>
-          </a:prstGeom>
-        </p:spPr>
-      </p:pic>
-      <p:pic>
-        <p:nvPicPr>
-          <p:cNvPr id="13" name="Picture 12"/>
-          <p:cNvPicPr>
-            <a:picLocks noChangeAspect="1"/>
-          </p:cNvPicPr>
-          <p:nvPr/>
-        </p:nvPicPr>
-        <p:blipFill>
-          <a:blip r:embed="rId9"/>
-          <a:stretch>
-            <a:fillRect/>
-          </a:stretch>
-        </p:blipFill>
-        <p:spPr>
-          <a:xfrm>
-            <a:off x="1229545" y="1908868"/>
-            <a:ext cx="5442404" cy="3219450"/>
-          </a:xfrm>
-          <a:prstGeom prst="rect">
-            <a:avLst/>
-          </a:prstGeom>
-        </p:spPr>
-      </p:pic>
-      <p:sp>
-        <p:nvSpPr>
-          <p:cNvPr id="5" name="Rectangle 4"/>
-          <p:cNvSpPr/>
-          <p:nvPr/>
-        </p:nvSpPr>
-        <p:spPr>
-          <a:xfrm>
-            <a:off x="4138889" y="2138748"/>
-            <a:ext cx="1509681" cy="461665"/>
-          </a:xfrm>
-          <a:prstGeom prst="rect">
-            <a:avLst/>
-          </a:prstGeom>
-          <a:noFill/>
-        </p:spPr>
-        <p:txBody>
-          <a:bodyPr wrap="square" lIns="91440" tIns="45720" rIns="91440" bIns="45720">
-            <a:spAutoFit/>
-          </a:bodyPr>
-          <a:lstStyle/>
-          <a:p>
-            <a:pPr algn="ctr"/>
-            <a:r>
-              <a:rPr lang="en-US" sz="2400" b="0" cap="none" spc="0" dirty="0" smtClean="0">
-                <a:ln w="0"/>
-                <a:solidFill>
-                  <a:schemeClr val="tx1"/>
-                </a:solidFill>
-                <a:effectLst>
-                  <a:outerShdw blurRad="38100" dist="19050" dir="2700000" algn="tl" rotWithShape="0">
-                    <a:schemeClr val="dk1">
-                      <a:alpha val="40000"/>
-                    </a:schemeClr>
-                  </a:outerShdw>
-                </a:effectLst>
-              </a:rPr>
-              <a:t>20%</a:t>
-            </a:r>
-            <a:endParaRPr lang="en-US" sz="2400" b="0" cap="none" spc="0" dirty="0">
-              <a:ln w="0"/>
-              <a:solidFill>
-                <a:schemeClr val="tx1"/>
-              </a:solidFill>
-              <a:effectLst>
-                <a:outerShdw blurRad="38100" dist="19050" dir="2700000" algn="tl" rotWithShape="0">
-                  <a:schemeClr val="dk1">
-                    <a:alpha val="40000"/>
-                  </a:schemeClr>
-                </a:outerShdw>
-              </a:effectLst>
-            </a:endParaRPr>
-          </a:p>
-        </p:txBody>
-      </p:sp>
-      <p:sp>
-        <p:nvSpPr>
-          <p:cNvPr id="6" name="Rectangle 5"/>
-          <p:cNvSpPr/>
-          <p:nvPr/>
-        </p:nvSpPr>
-        <p:spPr>
-          <a:xfrm>
-            <a:off x="5426645" y="2912698"/>
-            <a:ext cx="692167" cy="461665"/>
-          </a:xfrm>
-          <a:prstGeom prst="rect">
-            <a:avLst/>
-          </a:prstGeom>
-          <a:noFill/>
-        </p:spPr>
-        <p:txBody>
-          <a:bodyPr wrap="none" lIns="91440" tIns="45720" rIns="91440" bIns="45720">
-            <a:spAutoFit/>
-          </a:bodyPr>
-          <a:lstStyle/>
-          <a:p>
-            <a:pPr algn="ctr"/>
-            <a:r>
-              <a:rPr lang="en-US" sz="2400" b="0" cap="none" spc="0" dirty="0" smtClean="0">
-                <a:ln w="0"/>
-                <a:solidFill>
-                  <a:schemeClr val="tx1"/>
-                </a:solidFill>
-                <a:effectLst>
-                  <a:outerShdw blurRad="38100" dist="19050" dir="2700000" algn="tl" rotWithShape="0">
-                    <a:schemeClr val="dk1">
-                      <a:alpha val="40000"/>
-                    </a:schemeClr>
-                  </a:outerShdw>
-                </a:effectLst>
-              </a:rPr>
-              <a:t>15%</a:t>
-            </a:r>
-            <a:endParaRPr lang="en-US" sz="2400" b="0" cap="none" spc="0" dirty="0">
-              <a:ln w="0"/>
-              <a:solidFill>
-                <a:schemeClr val="tx1"/>
-              </a:solidFill>
-              <a:effectLst>
-                <a:outerShdw blurRad="38100" dist="19050" dir="2700000" algn="tl" rotWithShape="0">
-                  <a:schemeClr val="dk1">
-                    <a:alpha val="40000"/>
-                  </a:schemeClr>
-                </a:outerShdw>
-              </a:effectLst>
-            </a:endParaRPr>
-          </a:p>
-        </p:txBody>
-      </p:sp>
-      <p:sp>
-        <p:nvSpPr>
-          <p:cNvPr id="8" name="Rectangle 7"/>
-          <p:cNvSpPr/>
-          <p:nvPr/>
-        </p:nvSpPr>
-        <p:spPr>
-          <a:xfrm>
-            <a:off x="4418531" y="3518593"/>
-            <a:ext cx="692167" cy="461665"/>
-          </a:xfrm>
-          <a:prstGeom prst="rect">
-            <a:avLst/>
-          </a:prstGeom>
-          <a:noFill/>
-        </p:spPr>
-        <p:txBody>
-          <a:bodyPr wrap="none" lIns="91440" tIns="45720" rIns="91440" bIns="45720">
-            <a:spAutoFit/>
-          </a:bodyPr>
-          <a:lstStyle/>
-          <a:p>
-            <a:pPr algn="ctr"/>
-            <a:r>
-              <a:rPr lang="en-US" sz="2400" b="0" cap="none" spc="0" dirty="0" smtClean="0">
-                <a:ln w="0"/>
-                <a:solidFill>
-                  <a:schemeClr val="tx1"/>
-                </a:solidFill>
-                <a:effectLst>
-                  <a:outerShdw blurRad="38100" dist="19050" dir="2700000" algn="tl" rotWithShape="0">
-                    <a:schemeClr val="dk1">
-                      <a:alpha val="40000"/>
-                    </a:schemeClr>
-                  </a:outerShdw>
-                </a:effectLst>
-              </a:rPr>
-              <a:t>15%</a:t>
-            </a:r>
-            <a:endParaRPr lang="en-US" sz="2400" b="0" cap="none" spc="0" dirty="0">
-              <a:ln w="0"/>
-              <a:solidFill>
-                <a:schemeClr val="tx1"/>
-              </a:solidFill>
-              <a:effectLst>
-                <a:outerShdw blurRad="38100" dist="19050" dir="2700000" algn="tl" rotWithShape="0">
-                  <a:schemeClr val="dk1">
-                    <a:alpha val="40000"/>
-                  </a:schemeClr>
-                </a:outerShdw>
-              </a:effectLst>
-            </a:endParaRPr>
-          </a:p>
-        </p:txBody>
-      </p:sp>
-      <p:sp>
-        <p:nvSpPr>
-          <p:cNvPr id="14" name="Rectangle 13"/>
-          <p:cNvSpPr/>
-          <p:nvPr/>
-        </p:nvSpPr>
-        <p:spPr>
-          <a:xfrm>
-            <a:off x="2414738" y="3167134"/>
-            <a:ext cx="692167" cy="461665"/>
-          </a:xfrm>
-          <a:prstGeom prst="rect">
-            <a:avLst/>
-          </a:prstGeom>
-          <a:noFill/>
-        </p:spPr>
-        <p:txBody>
-          <a:bodyPr wrap="none" lIns="91440" tIns="45720" rIns="91440" bIns="45720">
-            <a:spAutoFit/>
-          </a:bodyPr>
-          <a:lstStyle/>
-          <a:p>
-            <a:pPr algn="ctr"/>
-            <a:r>
-              <a:rPr lang="en-US" sz="2400" b="0" cap="none" spc="0" dirty="0" smtClean="0">
-                <a:ln w="0"/>
-                <a:solidFill>
-                  <a:schemeClr val="tx1"/>
-                </a:solidFill>
-                <a:effectLst>
-                  <a:outerShdw blurRad="38100" dist="19050" dir="2700000" algn="tl" rotWithShape="0">
-                    <a:schemeClr val="dk1">
-                      <a:alpha val="40000"/>
-                    </a:schemeClr>
-                  </a:outerShdw>
-                </a:effectLst>
-              </a:rPr>
-              <a:t>30%</a:t>
-            </a:r>
-            <a:endParaRPr lang="en-US" sz="2400" b="0" cap="none" spc="0" dirty="0">
-              <a:ln w="0"/>
-              <a:solidFill>
-                <a:schemeClr val="tx1"/>
-              </a:solidFill>
-              <a:effectLst>
-                <a:outerShdw blurRad="38100" dist="19050" dir="2700000" algn="tl" rotWithShape="0">
-                  <a:schemeClr val="dk1">
-                    <a:alpha val="40000"/>
-                  </a:schemeClr>
-                </a:outerShdw>
-              </a:effectLst>
-            </a:endParaRPr>
-          </a:p>
-        </p:txBody>
-      </p:sp>
-      <p:sp>
-        <p:nvSpPr>
-          <p:cNvPr id="15" name="Rectangle 14"/>
-          <p:cNvSpPr/>
-          <p:nvPr/>
-        </p:nvSpPr>
-        <p:spPr>
-          <a:xfrm>
-            <a:off x="2254173" y="2275169"/>
-            <a:ext cx="692167" cy="461665"/>
-          </a:xfrm>
-          <a:prstGeom prst="rect">
-            <a:avLst/>
-          </a:prstGeom>
-          <a:noFill/>
-        </p:spPr>
-        <p:txBody>
-          <a:bodyPr wrap="none" lIns="91440" tIns="45720" rIns="91440" bIns="45720">
-            <a:spAutoFit/>
-          </a:bodyPr>
-          <a:lstStyle/>
-          <a:p>
-            <a:pPr algn="ctr"/>
-            <a:r>
-              <a:rPr lang="en-US" sz="2400" b="0" cap="none" spc="0" dirty="0" smtClean="0">
-                <a:ln w="0"/>
-                <a:solidFill>
-                  <a:schemeClr val="tx1"/>
-                </a:solidFill>
-                <a:effectLst>
-                  <a:outerShdw blurRad="38100" dist="19050" dir="2700000" algn="tl" rotWithShape="0">
-                    <a:schemeClr val="dk1">
-                      <a:alpha val="40000"/>
-                    </a:schemeClr>
-                  </a:outerShdw>
-                </a:effectLst>
-              </a:rPr>
-              <a:t>10%</a:t>
-            </a:r>
-            <a:endParaRPr lang="en-US" sz="2400" b="0" cap="none" spc="0" dirty="0">
-              <a:ln w="0"/>
-              <a:solidFill>
-                <a:schemeClr val="tx1"/>
-              </a:solidFill>
-              <a:effectLst>
-                <a:outerShdw blurRad="38100" dist="19050" dir="2700000" algn="tl" rotWithShape="0">
-                  <a:schemeClr val="dk1">
-                    <a:alpha val="40000"/>
-                  </a:schemeClr>
-                </a:outerShdw>
-              </a:effectLst>
-            </a:endParaRPr>
-          </a:p>
-        </p:txBody>
-      </p:sp>
-      <p:sp>
-        <p:nvSpPr>
-          <p:cNvPr id="16" name="Rectangle 15"/>
-          <p:cNvSpPr/>
-          <p:nvPr/>
-        </p:nvSpPr>
-        <p:spPr>
-          <a:xfrm>
-            <a:off x="3166330" y="2017900"/>
-            <a:ext cx="692167" cy="461665"/>
-          </a:xfrm>
-          <a:prstGeom prst="rect">
-            <a:avLst/>
-          </a:prstGeom>
-          <a:noFill/>
-        </p:spPr>
-        <p:txBody>
-          <a:bodyPr wrap="none" lIns="91440" tIns="45720" rIns="91440" bIns="45720">
-            <a:spAutoFit/>
-          </a:bodyPr>
-          <a:lstStyle/>
-          <a:p>
-            <a:pPr algn="ctr"/>
-            <a:r>
-              <a:rPr lang="en-US" sz="2400" b="0" cap="none" spc="0" dirty="0" smtClean="0">
-                <a:ln w="0"/>
-                <a:solidFill>
-                  <a:schemeClr val="tx1"/>
-                </a:solidFill>
-                <a:effectLst>
-                  <a:outerShdw blurRad="38100" dist="19050" dir="2700000" algn="tl" rotWithShape="0">
-                    <a:schemeClr val="dk1">
-                      <a:alpha val="40000"/>
-                    </a:schemeClr>
-                  </a:outerShdw>
-                </a:effectLst>
-              </a:rPr>
-              <a:t>10%</a:t>
-            </a:r>
-            <a:endParaRPr lang="en-US" sz="2400" b="0" cap="none" spc="0" dirty="0">
-              <a:ln w="0"/>
-              <a:solidFill>
-                <a:schemeClr val="tx1"/>
-              </a:solidFill>
-              <a:effectLst>
-                <a:outerShdw blurRad="38100" dist="19050" dir="2700000" algn="tl" rotWithShape="0">
-                  <a:schemeClr val="dk1">
-                    <a:alpha val="40000"/>
-                  </a:schemeClr>
-                </a:outerShdw>
-              </a:effectLst>
-            </a:endParaRPr>
-          </a:p>
-        </p:txBody>
-      </p:sp>
-    </p:spTree>
-    <p:extLst>
-      <p:ext uri="{BB962C8B-B14F-4D97-AF65-F5344CB8AC3E}">
-        <p14:creationId xmlns:p14="http://schemas.microsoft.com/office/powerpoint/2010/main" val="1315062242"/>
-      </p:ext>
-    </p:extLst>
-  </p:cSld>
-  <p:clrMapOvr>
-    <a:masterClrMapping/>
-  </p:clrMapOvr>
-  <p:timing>
-    <p:tnLst>
-      <p:par>
-        <p:cTn id="1" dur="indefinite" restart="never" nodeType="tmRoot">
-          <p:childTnLst>
-            <p:seq concurrent="1" nextAc="seek">
-              <p:cTn id="2" dur="indefinite" nodeType="mainSeq">
-                <p:childTnLst>
-                  <p:par>
-                    <p:cTn id="3" fill="hold">
-                      <p:stCondLst>
-                        <p:cond delay="indefinite"/>
-                        <p:cond evt="onBegin" delay="0">
-                          <p:tn val="2"/>
-                        </p:cond>
-                      </p:stCondLst>
-                      <p:childTnLst>
-                        <p:par>
-                          <p:cTn id="4" fill="hold">
-                            <p:stCondLst>
-                              <p:cond delay="0"/>
-                            </p:stCondLst>
-                            <p:childTnLst>
-                              <p:par>
-                                <p:cTn id="5" presetID="10" presetClass="entr" presetSubtype="0" fill="hold" grpId="0" nodeType="afterEffect">
-                                  <p:stCondLst>
-                                    <p:cond delay="500"/>
-                                  </p:stCondLst>
-                                  <p:childTnLst>
-                                    <p:set>
-                                      <p:cBhvr>
-                                        <p:cTn id="6" dur="1" fill="hold">
-                                          <p:stCondLst>
-                                            <p:cond delay="0"/>
-                                          </p:stCondLst>
-                                        </p:cTn>
-                                        <p:tgtEl>
-                                          <p:spTgt spid="5"/>
-                                        </p:tgtEl>
-                                        <p:attrNameLst>
-                                          <p:attrName>style.visibility</p:attrName>
-                                        </p:attrNameLst>
-                                      </p:cBhvr>
-                                      <p:to>
-                                        <p:strVal val="visible"/>
-                                      </p:to>
-                                    </p:set>
-                                    <p:animEffect transition="in" filter="fade">
-                                      <p:cBhvr>
-                                        <p:cTn id="7" dur="500"/>
-                                        <p:tgtEl>
-                                          <p:spTgt spid="5"/>
-                                        </p:tgtEl>
-                                      </p:cBhvr>
-                                    </p:animEffect>
-                                  </p:childTnLst>
-                                </p:cTn>
-                              </p:par>
-                            </p:childTnLst>
-                          </p:cTn>
-                        </p:par>
-                        <p:par>
-                          <p:cTn id="8" fill="hold">
-                            <p:stCondLst>
-                              <p:cond delay="1000"/>
-                            </p:stCondLst>
-                            <p:childTnLst>
-                              <p:par>
-                                <p:cTn id="9" presetID="10" presetClass="entr" presetSubtype="0" fill="hold" nodeType="afterEffect">
-                                  <p:stCondLst>
-                                    <p:cond delay="0"/>
-                                  </p:stCondLst>
-                                  <p:childTnLst>
-                                    <p:set>
-                                      <p:cBhvr>
-                                        <p:cTn id="10" dur="1" fill="hold">
-                                          <p:stCondLst>
-                                            <p:cond delay="0"/>
-                                          </p:stCondLst>
-                                        </p:cTn>
-                                        <p:tgtEl>
-                                          <p:spTgt spid="4"/>
-                                        </p:tgtEl>
-                                        <p:attrNameLst>
-                                          <p:attrName>style.visibility</p:attrName>
-                                        </p:attrNameLst>
-                                      </p:cBhvr>
-                                      <p:to>
-                                        <p:strVal val="visible"/>
-                                      </p:to>
-                                    </p:set>
-                                    <p:animEffect transition="in" filter="fade">
-                                      <p:cBhvr>
-                                        <p:cTn id="11" dur="250"/>
-                                        <p:tgtEl>
-                                          <p:spTgt spid="4"/>
-                                        </p:tgtEl>
-                                      </p:cBhvr>
-                                    </p:animEffect>
-                                  </p:childTnLst>
-                                </p:cTn>
-                              </p:par>
-                            </p:childTnLst>
-                          </p:cTn>
-                        </p:par>
-                      </p:childTnLst>
-                    </p:cTn>
-                  </p:par>
-                  <p:par>
-                    <p:cTn id="12" fill="hold">
-                      <p:stCondLst>
-                        <p:cond delay="indefinite"/>
-                      </p:stCondLst>
-                      <p:childTnLst>
-                        <p:par>
-                          <p:cTn id="13" fill="hold">
-                            <p:stCondLst>
-                              <p:cond delay="0"/>
-                            </p:stCondLst>
-                            <p:childTnLst>
-                              <p:par>
-                                <p:cTn id="14" presetID="10" presetClass="entr" presetSubtype="0" fill="hold" nodeType="clickEffect">
-                                  <p:stCondLst>
-                                    <p:cond delay="0"/>
-                                  </p:stCondLst>
-                                  <p:childTnLst>
-                                    <p:set>
-                                      <p:cBhvr>
-                                        <p:cTn id="15" dur="1" fill="hold">
-                                          <p:stCondLst>
-                                            <p:cond delay="0"/>
-                                          </p:stCondLst>
-                                        </p:cTn>
-                                        <p:tgtEl>
-                                          <p:spTgt spid="7"/>
-                                        </p:tgtEl>
-                                        <p:attrNameLst>
-                                          <p:attrName>style.visibility</p:attrName>
-                                        </p:attrNameLst>
-                                      </p:cBhvr>
-                                      <p:to>
-                                        <p:strVal val="visible"/>
-                                      </p:to>
-                                    </p:set>
-                                    <p:animEffect transition="in" filter="fade">
-                                      <p:cBhvr>
-                                        <p:cTn id="16" dur="500"/>
-                                        <p:tgtEl>
-                                          <p:spTgt spid="7"/>
-                                        </p:tgtEl>
-                                      </p:cBhvr>
-                                    </p:animEffect>
-                                  </p:childTnLst>
-                                </p:cTn>
-                              </p:par>
-                              <p:par>
-                                <p:cTn id="17" presetID="10" presetClass="entr" presetSubtype="0" fill="hold" grpId="0" nodeType="withEffect">
-                                  <p:stCondLst>
-                                    <p:cond delay="0"/>
-                                  </p:stCondLst>
-                                  <p:childTnLst>
-                                    <p:set>
-                                      <p:cBhvr>
-                                        <p:cTn id="18" dur="1" fill="hold">
-                                          <p:stCondLst>
-                                            <p:cond delay="0"/>
-                                          </p:stCondLst>
-                                        </p:cTn>
-                                        <p:tgtEl>
-                                          <p:spTgt spid="6"/>
-                                        </p:tgtEl>
-                                        <p:attrNameLst>
-                                          <p:attrName>style.visibility</p:attrName>
-                                        </p:attrNameLst>
-                                      </p:cBhvr>
-                                      <p:to>
-                                        <p:strVal val="visible"/>
-                                      </p:to>
-                                    </p:set>
-                                    <p:animEffect transition="in" filter="fade">
-                                      <p:cBhvr>
-                                        <p:cTn id="19" dur="500"/>
-                                        <p:tgtEl>
-                                          <p:spTgt spid="6"/>
-                                        </p:tgtEl>
-                                      </p:cBhvr>
-                                    </p:animEffect>
-                                  </p:childTnLst>
-                                </p:cTn>
-                              </p:par>
-                            </p:childTnLst>
-                          </p:cTn>
-                        </p:par>
-                      </p:childTnLst>
-                    </p:cTn>
-                  </p:par>
-                  <p:par>
-                    <p:cTn id="20" fill="hold">
-                      <p:stCondLst>
-                        <p:cond delay="indefinite"/>
-                      </p:stCondLst>
-                      <p:childTnLst>
-                        <p:par>
-                          <p:cTn id="21" fill="hold">
-                            <p:stCondLst>
-                              <p:cond delay="0"/>
-                            </p:stCondLst>
-                            <p:childTnLst>
-                              <p:par>
-                                <p:cTn id="22" presetID="10" presetClass="entr" presetSubtype="0" fill="hold" nodeType="clickEffect">
-                                  <p:stCondLst>
-                                    <p:cond delay="0"/>
-                                  </p:stCondLst>
-                                  <p:childTnLst>
-                                    <p:set>
-                                      <p:cBhvr>
-                                        <p:cTn id="23" dur="1" fill="hold">
-                                          <p:stCondLst>
-                                            <p:cond delay="0"/>
-                                          </p:stCondLst>
-                                        </p:cTn>
-                                        <p:tgtEl>
-                                          <p:spTgt spid="9"/>
-                                        </p:tgtEl>
-                                        <p:attrNameLst>
-                                          <p:attrName>style.visibility</p:attrName>
-                                        </p:attrNameLst>
-                                      </p:cBhvr>
-                                      <p:to>
-                                        <p:strVal val="visible"/>
-                                      </p:to>
-                                    </p:set>
-                                    <p:animEffect transition="in" filter="fade">
-                                      <p:cBhvr>
-                                        <p:cTn id="24" dur="500"/>
-                                        <p:tgtEl>
-                                          <p:spTgt spid="9"/>
-                                        </p:tgtEl>
-                                      </p:cBhvr>
-                                    </p:animEffect>
-                                  </p:childTnLst>
-                                </p:cTn>
-                              </p:par>
-                              <p:par>
-                                <p:cTn id="25" presetID="10" presetClass="entr" presetSubtype="0" fill="hold" grpId="0" nodeType="withEffect">
-                                  <p:stCondLst>
-                                    <p:cond delay="0"/>
-                                  </p:stCondLst>
-                                  <p:childTnLst>
-                                    <p:set>
-                                      <p:cBhvr>
-                                        <p:cTn id="26" dur="1" fill="hold">
-                                          <p:stCondLst>
-                                            <p:cond delay="0"/>
-                                          </p:stCondLst>
-                                        </p:cTn>
-                                        <p:tgtEl>
-                                          <p:spTgt spid="8"/>
-                                        </p:tgtEl>
-                                        <p:attrNameLst>
-                                          <p:attrName>style.visibility</p:attrName>
-                                        </p:attrNameLst>
-                                      </p:cBhvr>
-                                      <p:to>
-                                        <p:strVal val="visible"/>
-                                      </p:to>
-                                    </p:set>
-                                    <p:animEffect transition="in" filter="fade">
-                                      <p:cBhvr>
-                                        <p:cTn id="27" dur="500"/>
-                                        <p:tgtEl>
-                                          <p:spTgt spid="8"/>
-                                        </p:tgtEl>
-                                      </p:cBhvr>
-                                    </p:animEffect>
-                                  </p:childTnLst>
-                                </p:cTn>
-                              </p:par>
-                            </p:childTnLst>
-                          </p:cTn>
-                        </p:par>
-                      </p:childTnLst>
-                    </p:cTn>
-                  </p:par>
-                  <p:par>
-                    <p:cTn id="28" fill="hold">
-                      <p:stCondLst>
-                        <p:cond delay="indefinite"/>
-                      </p:stCondLst>
-                      <p:childTnLst>
-                        <p:par>
-                          <p:cTn id="29" fill="hold">
-                            <p:stCondLst>
-                              <p:cond delay="0"/>
-                            </p:stCondLst>
-                            <p:childTnLst>
-                              <p:par>
-                                <p:cTn id="30" presetID="10" presetClass="entr" presetSubtype="0" fill="hold" nodeType="clickEffect">
-                                  <p:stCondLst>
-                                    <p:cond delay="0"/>
-                                  </p:stCondLst>
-                                  <p:childTnLst>
-                                    <p:set>
-                                      <p:cBhvr>
-                                        <p:cTn id="31" dur="1" fill="hold">
-                                          <p:stCondLst>
-                                            <p:cond delay="0"/>
-                                          </p:stCondLst>
-                                        </p:cTn>
-                                        <p:tgtEl>
-                                          <p:spTgt spid="10"/>
-                                        </p:tgtEl>
-                                        <p:attrNameLst>
-                                          <p:attrName>style.visibility</p:attrName>
-                                        </p:attrNameLst>
-                                      </p:cBhvr>
-                                      <p:to>
-                                        <p:strVal val="visible"/>
-                                      </p:to>
-                                    </p:set>
-                                    <p:animEffect transition="in" filter="fade">
-                                      <p:cBhvr>
-                                        <p:cTn id="32" dur="500"/>
-                                        <p:tgtEl>
-                                          <p:spTgt spid="10"/>
-                                        </p:tgtEl>
-                                      </p:cBhvr>
-                                    </p:animEffect>
-                                  </p:childTnLst>
-                                </p:cTn>
-                              </p:par>
-                              <p:par>
-                                <p:cTn id="33" presetID="10" presetClass="entr" presetSubtype="0" fill="hold" grpId="0" nodeType="withEffect">
-                                  <p:stCondLst>
-                                    <p:cond delay="0"/>
-                                  </p:stCondLst>
-                                  <p:childTnLst>
-                                    <p:set>
-                                      <p:cBhvr>
-                                        <p:cTn id="34" dur="1" fill="hold">
-                                          <p:stCondLst>
-                                            <p:cond delay="0"/>
-                                          </p:stCondLst>
-                                        </p:cTn>
-                                        <p:tgtEl>
-                                          <p:spTgt spid="14"/>
-                                        </p:tgtEl>
-                                        <p:attrNameLst>
-                                          <p:attrName>style.visibility</p:attrName>
-                                        </p:attrNameLst>
-                                      </p:cBhvr>
-                                      <p:to>
-                                        <p:strVal val="visible"/>
-                                      </p:to>
-                                    </p:set>
-                                    <p:animEffect transition="in" filter="fade">
-                                      <p:cBhvr>
-                                        <p:cTn id="35" dur="500"/>
-                                        <p:tgtEl>
-                                          <p:spTgt spid="14"/>
-                                        </p:tgtEl>
-                                      </p:cBhvr>
-                                    </p:animEffect>
-                                  </p:childTnLst>
-                                </p:cTn>
-                              </p:par>
-                            </p:childTnLst>
-                          </p:cTn>
-                        </p:par>
-                      </p:childTnLst>
-                    </p:cTn>
-                  </p:par>
-                  <p:par>
-                    <p:cTn id="36" fill="hold">
-                      <p:stCondLst>
-                        <p:cond delay="indefinite"/>
-                      </p:stCondLst>
-                      <p:childTnLst>
-                        <p:par>
-                          <p:cTn id="37" fill="hold">
-                            <p:stCondLst>
-                              <p:cond delay="0"/>
-                            </p:stCondLst>
-                            <p:childTnLst>
-                              <p:par>
-                                <p:cTn id="38" presetID="10" presetClass="entr" presetSubtype="0" fill="hold" nodeType="clickEffect">
-                                  <p:stCondLst>
-                                    <p:cond delay="0"/>
-                                  </p:stCondLst>
-                                  <p:childTnLst>
-                                    <p:set>
-                                      <p:cBhvr>
-                                        <p:cTn id="39" dur="1" fill="hold">
-                                          <p:stCondLst>
-                                            <p:cond delay="0"/>
-                                          </p:stCondLst>
-                                        </p:cTn>
-                                        <p:tgtEl>
-                                          <p:spTgt spid="11"/>
-                                        </p:tgtEl>
-                                        <p:attrNameLst>
-                                          <p:attrName>style.visibility</p:attrName>
-                                        </p:attrNameLst>
-                                      </p:cBhvr>
-                                      <p:to>
-                                        <p:strVal val="visible"/>
-                                      </p:to>
-                                    </p:set>
-                                    <p:animEffect transition="in" filter="fade">
-                                      <p:cBhvr>
-                                        <p:cTn id="40" dur="500"/>
-                                        <p:tgtEl>
-                                          <p:spTgt spid="11"/>
-                                        </p:tgtEl>
-                                      </p:cBhvr>
-                                    </p:animEffect>
-                                  </p:childTnLst>
-                                </p:cTn>
-                              </p:par>
-                              <p:par>
-                                <p:cTn id="41" presetID="10" presetClass="entr" presetSubtype="0" fill="hold" grpId="0" nodeType="withEffect">
-                                  <p:stCondLst>
-                                    <p:cond delay="0"/>
-                                  </p:stCondLst>
-                                  <p:childTnLst>
-                                    <p:set>
-                                      <p:cBhvr>
-                                        <p:cTn id="42" dur="1" fill="hold">
-                                          <p:stCondLst>
-                                            <p:cond delay="0"/>
-                                          </p:stCondLst>
-                                        </p:cTn>
-                                        <p:tgtEl>
-                                          <p:spTgt spid="15"/>
-                                        </p:tgtEl>
-                                        <p:attrNameLst>
-                                          <p:attrName>style.visibility</p:attrName>
-                                        </p:attrNameLst>
-                                      </p:cBhvr>
-                                      <p:to>
-                                        <p:strVal val="visible"/>
-                                      </p:to>
-                                    </p:set>
-                                    <p:animEffect transition="in" filter="fade">
-                                      <p:cBhvr>
-                                        <p:cTn id="43" dur="500"/>
-                                        <p:tgtEl>
-                                          <p:spTgt spid="15"/>
-                                        </p:tgtEl>
-                                      </p:cBhvr>
-                                    </p:animEffect>
-                                  </p:childTnLst>
-                                </p:cTn>
-                              </p:par>
-                            </p:childTnLst>
-                          </p:cTn>
-                        </p:par>
-                      </p:childTnLst>
-                    </p:cTn>
-                  </p:par>
-                  <p:par>
-                    <p:cTn id="44" fill="hold">
-                      <p:stCondLst>
-                        <p:cond delay="indefinite"/>
-                      </p:stCondLst>
-                      <p:childTnLst>
-                        <p:par>
-                          <p:cTn id="45" fill="hold">
-                            <p:stCondLst>
-                              <p:cond delay="0"/>
-                            </p:stCondLst>
-                            <p:childTnLst>
-                              <p:par>
-                                <p:cTn id="46" presetID="10" presetClass="entr" presetSubtype="0" fill="hold" nodeType="clickEffect">
-                                  <p:stCondLst>
-                                    <p:cond delay="0"/>
-                                  </p:stCondLst>
-                                  <p:childTnLst>
-                                    <p:set>
-                                      <p:cBhvr>
-                                        <p:cTn id="47" dur="1" fill="hold">
-                                          <p:stCondLst>
-                                            <p:cond delay="0"/>
-                                          </p:stCondLst>
-                                        </p:cTn>
-                                        <p:tgtEl>
-                                          <p:spTgt spid="12"/>
-                                        </p:tgtEl>
-                                        <p:attrNameLst>
-                                          <p:attrName>style.visibility</p:attrName>
-                                        </p:attrNameLst>
-                                      </p:cBhvr>
-                                      <p:to>
-                                        <p:strVal val="visible"/>
-                                      </p:to>
-                                    </p:set>
-                                    <p:animEffect transition="in" filter="fade">
-                                      <p:cBhvr>
-                                        <p:cTn id="48" dur="500"/>
-                                        <p:tgtEl>
-                                          <p:spTgt spid="12"/>
-                                        </p:tgtEl>
-                                      </p:cBhvr>
-                                    </p:animEffect>
-                                  </p:childTnLst>
-                                </p:cTn>
-                              </p:par>
-                              <p:par>
-                                <p:cTn id="49" presetID="10" presetClass="entr" presetSubtype="0" fill="hold" grpId="0" nodeType="withEffect">
-                                  <p:stCondLst>
-                                    <p:cond delay="0"/>
-                                  </p:stCondLst>
-                                  <p:childTnLst>
-                                    <p:set>
-                                      <p:cBhvr>
-                                        <p:cTn id="50" dur="1" fill="hold">
-                                          <p:stCondLst>
-                                            <p:cond delay="0"/>
-                                          </p:stCondLst>
-                                        </p:cTn>
-                                        <p:tgtEl>
-                                          <p:spTgt spid="16"/>
-                                        </p:tgtEl>
-                                        <p:attrNameLst>
-                                          <p:attrName>style.visibility</p:attrName>
-                                        </p:attrNameLst>
-                                      </p:cBhvr>
-                                      <p:to>
-                                        <p:strVal val="visible"/>
-                                      </p:to>
-                                    </p:set>
-                                    <p:animEffect transition="in" filter="fade">
-                                      <p:cBhvr>
-                                        <p:cTn id="51" dur="500"/>
-                                        <p:tgtEl>
-                                          <p:spTgt spid="16"/>
-                                        </p:tgtEl>
-                                      </p:cBhvr>
-                                    </p:animEffect>
-                                  </p:childTnLst>
-                                </p:cTn>
-                              </p:par>
-                            </p:childTnLst>
-                          </p:cTn>
-                        </p:par>
-                      </p:childTnLst>
-                    </p:cTn>
-                  </p:par>
-                </p:childTnLst>
-              </p:cTn>
-              <p:prevCondLst>
-                <p:cond evt="onPrev" delay="0">
-                  <p:tgtEl>
-                    <p:sldTgt/>
-                  </p:tgtEl>
-                </p:cond>
-              </p:prevCondLst>
-              <p:nextCondLst>
-                <p:cond evt="onNext" delay="0">
-                  <p:tgtEl>
-                    <p:sldTgt/>
-                  </p:tgtEl>
-                </p:cond>
-              </p:nextCondLst>
-            </p:seq>
-          </p:childTnLst>
-        </p:cTn>
-      </p:par>
-    </p:tnLst>
-    <p:bldLst>
-      <p:bldP spid="5" grpId="0"/>
-      <p:bldP spid="6" grpId="0"/>
-      <p:bldP spid="8" grpId="0"/>
-      <p:bldP spid="14" grpId="0"/>
-      <p:bldP spid="15" grpId="0"/>
-      <p:bldP spid="16" grpId="0"/>
-    </p:bldLst>
   </p:timing>
 </p:sld>
 </file>

--- a/Final Project Documentation/CSC521.pptx
+++ b/Final Project Documentation/CSC521.pptx
@@ -9063,8 +9063,8 @@
         </p:nvSpPr>
         <p:spPr>
           <a:xfrm>
-            <a:off x="3285943" y="3155917"/>
-            <a:ext cx="3297698" cy="1508105"/>
+            <a:off x="3822147" y="3155917"/>
+            <a:ext cx="2225289" cy="1077218"/>
           </a:xfrm>
           <a:prstGeom prst="rect">
             <a:avLst/>
@@ -9078,7 +9078,7 @@
           <a:p>
             <a:pPr algn="ctr"/>
             <a:r>
-              <a:rPr lang="en-US" sz="2000" dirty="0" smtClean="0">
+              <a:rPr lang="en-US" sz="2400" dirty="0" smtClean="0">
                 <a:solidFill>
                   <a:schemeClr val="bg1">
                     <a:lumMod val="50000"/>
@@ -9103,26 +9103,6 @@
             <a:endParaRPr lang="en-US" sz="2000" dirty="0" smtClean="0">
               <a:solidFill>
                 <a:srgbClr val="70AD47"/>
-              </a:solidFill>
-            </a:endParaRPr>
-          </a:p>
-          <a:p>
-            <a:pPr algn="ctr"/>
-            <a:r>
-              <a:rPr lang="en-US" sz="3200" dirty="0" smtClean="0">
-                <a:solidFill>
-                  <a:schemeClr val="bg1">
-                    <a:lumMod val="50000"/>
-                  </a:schemeClr>
-                </a:solidFill>
-              </a:rPr>
-              <a:t>Planit.proj6.com</a:t>
-            </a:r>
-            <a:endParaRPr lang="en-US" sz="3200" dirty="0">
-              <a:solidFill>
-                <a:schemeClr val="bg1">
-                  <a:lumMod val="50000"/>
-                </a:schemeClr>
               </a:solidFill>
             </a:endParaRPr>
           </a:p>
@@ -10864,15 +10844,7 @@
             </a:pPr>
             <a:r>
               <a:rPr lang="en-US" sz="4000" dirty="0"/>
-              <a:t>                    parent: </a:t>
-            </a:r>
-            <a:r>
-              <a:rPr lang="en-US" sz="4000" dirty="0"/>
-              <a:t>null</a:t>
-            </a:r>
-            <a:r>
-              <a:rPr lang="en-US" sz="4000" dirty="0"/>
-              <a:t>,</a:t>
+              <a:t>                    parent: null,</a:t>
             </a:r>
           </a:p>
           <a:p>
@@ -11060,11 +11032,7 @@
             </a:pPr>
             <a:r>
               <a:rPr lang="en-US" sz="4000" dirty="0"/>
-              <a:t> </a:t>
-            </a:r>
-            <a:r>
-              <a:rPr lang="en-US" sz="4000" dirty="0"/>
-              <a:t>@foreach(var item in Model)</a:t>
+              <a:t> @foreach(var item in Model)</a:t>
             </a:r>
           </a:p>
           <a:p>
@@ -11285,11 +11253,7 @@
             </a:pPr>
             <a:r>
               <a:rPr lang="en-US" sz="4000" dirty="0"/>
-              <a:t> </a:t>
-            </a:r>
-            <a:r>
-              <a:rPr lang="en-US" sz="4000" dirty="0"/>
-              <a:t>@:items.push(newItem);</a:t>
+              <a:t> @:items.push(newItem);</a:t>
             </a:r>
           </a:p>
           <a:p>
@@ -11359,7 +11323,7 @@
         </p:nvSpPr>
         <p:spPr>
           <a:xfrm>
-            <a:off x="2206498" y="612845"/>
+            <a:off x="2159363" y="1121892"/>
             <a:ext cx="6033454" cy="5599674"/>
           </a:xfrm>
           <a:prstGeom prst="rect">
@@ -11454,6 +11418,106 @@
             <a:endParaRPr lang="en-US" sz="3600" dirty="0">
               <a:cs typeface="Calibri"/>
             </a:endParaRPr>
+          </a:p>
+        </p:txBody>
+      </p:sp>
+      <p:sp>
+        <p:nvSpPr>
+          <p:cNvPr id="4" name="Title 1"/>
+          <p:cNvSpPr txBox="1">
+            <a:spLocks/>
+          </p:cNvSpPr>
+          <p:nvPr/>
+        </p:nvSpPr>
+        <p:spPr>
+          <a:xfrm>
+            <a:off x="617009" y="677290"/>
+            <a:ext cx="8596668" cy="1320800"/>
+          </a:xfrm>
+          <a:prstGeom prst="rect">
+            <a:avLst/>
+          </a:prstGeom>
+        </p:spPr>
+        <p:txBody>
+          <a:bodyPr/>
+          <a:lstStyle>
+            <a:lvl1pPr algn="l" defTabSz="457200" rtl="0" eaLnBrk="1" latinLnBrk="0" hangingPunct="1">
+              <a:spcBef>
+                <a:spcPct val="0"/>
+              </a:spcBef>
+              <a:buNone/>
+              <a:defRPr sz="3600" kern="1200">
+                <a:solidFill>
+                  <a:schemeClr val="accent1"/>
+                </a:solidFill>
+                <a:latin typeface="+mj-lt"/>
+                <a:ea typeface="+mj-ea"/>
+                <a:cs typeface="+mj-cs"/>
+              </a:defRPr>
+            </a:lvl1pPr>
+            <a:lvl2pPr eaLnBrk="1" hangingPunct="1">
+              <a:defRPr>
+                <a:solidFill>
+                  <a:schemeClr val="tx2"/>
+                </a:solidFill>
+              </a:defRPr>
+            </a:lvl2pPr>
+            <a:lvl3pPr eaLnBrk="1" hangingPunct="1">
+              <a:defRPr>
+                <a:solidFill>
+                  <a:schemeClr val="tx2"/>
+                </a:solidFill>
+              </a:defRPr>
+            </a:lvl3pPr>
+            <a:lvl4pPr eaLnBrk="1" hangingPunct="1">
+              <a:defRPr>
+                <a:solidFill>
+                  <a:schemeClr val="tx2"/>
+                </a:solidFill>
+              </a:defRPr>
+            </a:lvl4pPr>
+            <a:lvl5pPr eaLnBrk="1" hangingPunct="1">
+              <a:defRPr>
+                <a:solidFill>
+                  <a:schemeClr val="tx2"/>
+                </a:solidFill>
+              </a:defRPr>
+            </a:lvl5pPr>
+            <a:lvl6pPr eaLnBrk="1" hangingPunct="1">
+              <a:defRPr>
+                <a:solidFill>
+                  <a:schemeClr val="tx2"/>
+                </a:solidFill>
+              </a:defRPr>
+            </a:lvl6pPr>
+            <a:lvl7pPr eaLnBrk="1" hangingPunct="1">
+              <a:defRPr>
+                <a:solidFill>
+                  <a:schemeClr val="tx2"/>
+                </a:solidFill>
+              </a:defRPr>
+            </a:lvl7pPr>
+            <a:lvl8pPr eaLnBrk="1" hangingPunct="1">
+              <a:defRPr>
+                <a:solidFill>
+                  <a:schemeClr val="tx2"/>
+                </a:solidFill>
+              </a:defRPr>
+            </a:lvl8pPr>
+            <a:lvl9pPr eaLnBrk="1" hangingPunct="1">
+              <a:defRPr>
+                <a:solidFill>
+                  <a:schemeClr val="tx2"/>
+                </a:solidFill>
+              </a:defRPr>
+            </a:lvl9pPr>
+          </a:lstStyle>
+          <a:p>
+            <a:r>
+              <a:rPr lang="en-US" dirty="0" smtClean="0"/>
+              <a:t>Quick Recap of the Proposal</a:t>
+            </a:r>
+            <a:endParaRPr lang="en-US" dirty="0"/>
           </a:p>
         </p:txBody>
       </p:sp>
@@ -13993,7 +14057,7 @@
         </p:blipFill>
         <p:spPr>
           <a:xfrm>
-            <a:off x="9629217" y="3121623"/>
+            <a:off x="9629217" y="3187612"/>
             <a:ext cx="2123153" cy="522134"/>
           </a:xfrm>
           <a:prstGeom prst="rect">
@@ -14173,7 +14237,7 @@
         </p:blipFill>
         <p:spPr>
           <a:xfrm>
-            <a:off x="8922453" y="4400701"/>
+            <a:off x="8922453" y="4334712"/>
             <a:ext cx="2556616" cy="971514"/>
           </a:xfrm>
           <a:prstGeom prst="rect">

--- a/Final Project Documentation/CSC521.pptx
+++ b/Final Project Documentation/CSC521.pptx
@@ -11,16 +11,16 @@
     <p:sldId id="276" r:id="rId2"/>
     <p:sldId id="268" r:id="rId3"/>
     <p:sldId id="259" r:id="rId4"/>
-    <p:sldId id="299" r:id="rId5"/>
-    <p:sldId id="260" r:id="rId6"/>
-    <p:sldId id="291" r:id="rId7"/>
-    <p:sldId id="261" r:id="rId8"/>
-    <p:sldId id="297" r:id="rId9"/>
-    <p:sldId id="265" r:id="rId10"/>
-    <p:sldId id="264" r:id="rId11"/>
-    <p:sldId id="290" r:id="rId12"/>
-    <p:sldId id="296" r:id="rId13"/>
-    <p:sldId id="295" r:id="rId14"/>
+    <p:sldId id="260" r:id="rId5"/>
+    <p:sldId id="291" r:id="rId6"/>
+    <p:sldId id="261" r:id="rId7"/>
+    <p:sldId id="297" r:id="rId8"/>
+    <p:sldId id="265" r:id="rId9"/>
+    <p:sldId id="264" r:id="rId10"/>
+    <p:sldId id="290" r:id="rId11"/>
+    <p:sldId id="296" r:id="rId12"/>
+    <p:sldId id="295" r:id="rId13"/>
+    <p:sldId id="299" r:id="rId14"/>
     <p:sldId id="298" r:id="rId15"/>
     <p:sldId id="300" r:id="rId16"/>
   </p:sldIdLst>
@@ -9172,273 +9172,55 @@
             <a:spLocks noGrp="1"/>
           </p:cNvSpPr>
           <p:nvPr>
-            <p:ph type="title"/>
-          </p:nvPr>
-        </p:nvSpPr>
-        <p:spPr/>
-        <p:txBody>
-          <a:bodyPr/>
-          <a:lstStyle/>
-          <a:p>
-            <a:r>
-              <a:rPr lang="en-US" dirty="0"/>
-              <a:t>Grading Scheme</a:t>
-            </a:r>
-          </a:p>
-        </p:txBody>
-      </p:sp>
-      <p:sp>
-        <p:nvSpPr>
-          <p:cNvPr id="3" name="Content Placeholder 2"/>
-          <p:cNvSpPr>
-            <a:spLocks noGrp="1"/>
-          </p:cNvSpPr>
-          <p:nvPr>
-            <p:ph idx="1"/>
+            <p:ph type="ctrTitle"/>
           </p:nvPr>
         </p:nvSpPr>
         <p:spPr>
           <a:xfrm>
-            <a:off x="790769" y="1509637"/>
-            <a:ext cx="10515600" cy="4351338"/>
+            <a:off x="1298046" y="1911287"/>
+            <a:ext cx="7766936" cy="1646302"/>
           </a:xfrm>
         </p:spPr>
         <p:txBody>
-          <a:bodyPr/>
-          <a:lstStyle/>
-          <a:p>
-            <a:pPr marL="0" indent="0">
-              <a:buNone/>
-            </a:pPr>
-            <a:endParaRPr lang="en-US" dirty="0">
-              <a:solidFill>
-                <a:srgbClr val="000000"/>
-              </a:solidFill>
-              <a:latin typeface="Calibri"/>
-              <a:cs typeface="Calibri"/>
-            </a:endParaRPr>
-          </a:p>
-        </p:txBody>
-      </p:sp>
-      <p:pic>
-        <p:nvPicPr>
-          <p:cNvPr id="4" name="Picture 3"/>
-          <p:cNvPicPr>
-            <a:picLocks noChangeAspect="1"/>
-          </p:cNvPicPr>
-          <p:nvPr/>
-        </p:nvPicPr>
-        <p:blipFill>
-          <a:blip r:embed="rId3"/>
-          <a:stretch>
-            <a:fillRect/>
-          </a:stretch>
-        </p:blipFill>
-        <p:spPr>
-          <a:xfrm>
-            <a:off x="7089852" y="2285120"/>
-            <a:ext cx="1749312" cy="316989"/>
-          </a:xfrm>
-          <a:prstGeom prst="rect">
-            <a:avLst/>
-          </a:prstGeom>
-        </p:spPr>
-      </p:pic>
-      <p:pic>
-        <p:nvPicPr>
-          <p:cNvPr id="7" name="Picture 6"/>
-          <p:cNvPicPr>
-            <a:picLocks noChangeAspect="1"/>
-          </p:cNvPicPr>
-          <p:nvPr/>
-        </p:nvPicPr>
-        <p:blipFill>
-          <a:blip r:embed="rId4"/>
-          <a:stretch>
-            <a:fillRect/>
-          </a:stretch>
-        </p:blipFill>
-        <p:spPr>
-          <a:xfrm>
-            <a:off x="7081062" y="2547745"/>
-            <a:ext cx="1498187" cy="357974"/>
-          </a:xfrm>
-          <a:prstGeom prst="rect">
-            <a:avLst/>
-          </a:prstGeom>
-        </p:spPr>
-      </p:pic>
-      <p:pic>
-        <p:nvPicPr>
-          <p:cNvPr id="9" name="Picture 8"/>
-          <p:cNvPicPr>
-            <a:picLocks noChangeAspect="1"/>
-          </p:cNvPicPr>
-          <p:nvPr/>
-        </p:nvPicPr>
-        <p:blipFill>
-          <a:blip r:embed="rId5"/>
-          <a:stretch>
-            <a:fillRect/>
-          </a:stretch>
-        </p:blipFill>
-        <p:spPr>
-          <a:xfrm>
-            <a:off x="7098107" y="2832073"/>
-            <a:ext cx="1410168" cy="424420"/>
-          </a:xfrm>
-          <a:prstGeom prst="rect">
-            <a:avLst/>
-          </a:prstGeom>
-        </p:spPr>
-      </p:pic>
-      <p:pic>
-        <p:nvPicPr>
-          <p:cNvPr id="10" name="Picture 9"/>
-          <p:cNvPicPr>
-            <a:picLocks noChangeAspect="1"/>
-          </p:cNvPicPr>
-          <p:nvPr/>
-        </p:nvPicPr>
-        <p:blipFill>
-          <a:blip r:embed="rId6"/>
-          <a:stretch>
-            <a:fillRect/>
-          </a:stretch>
-        </p:blipFill>
-        <p:spPr>
-          <a:xfrm>
-            <a:off x="7120171" y="3164788"/>
-            <a:ext cx="2066847" cy="397964"/>
-          </a:xfrm>
-          <a:prstGeom prst="rect">
-            <a:avLst/>
-          </a:prstGeom>
-        </p:spPr>
-      </p:pic>
-      <p:pic>
-        <p:nvPicPr>
-          <p:cNvPr id="11" name="Picture 10"/>
-          <p:cNvPicPr>
-            <a:picLocks noChangeAspect="1"/>
-          </p:cNvPicPr>
-          <p:nvPr/>
-        </p:nvPicPr>
-        <p:blipFill>
-          <a:blip r:embed="rId7"/>
-          <a:stretch>
-            <a:fillRect/>
-          </a:stretch>
-        </p:blipFill>
-        <p:spPr>
-          <a:xfrm>
-            <a:off x="7098106" y="3468399"/>
-            <a:ext cx="1932683" cy="372132"/>
-          </a:xfrm>
-          <a:prstGeom prst="rect">
-            <a:avLst/>
-          </a:prstGeom>
-        </p:spPr>
-      </p:pic>
-      <p:pic>
-        <p:nvPicPr>
-          <p:cNvPr id="12" name="Picture 11"/>
-          <p:cNvPicPr>
-            <a:picLocks noChangeAspect="1"/>
-          </p:cNvPicPr>
-          <p:nvPr/>
-        </p:nvPicPr>
-        <p:blipFill>
-          <a:blip r:embed="rId8"/>
-          <a:stretch>
-            <a:fillRect/>
-          </a:stretch>
-        </p:blipFill>
-        <p:spPr>
-          <a:xfrm>
-            <a:off x="7089852" y="3785872"/>
-            <a:ext cx="1866603" cy="370673"/>
-          </a:xfrm>
-          <a:prstGeom prst="rect">
-            <a:avLst/>
-          </a:prstGeom>
-        </p:spPr>
-      </p:pic>
-      <p:pic>
-        <p:nvPicPr>
-          <p:cNvPr id="13" name="Picture 12"/>
-          <p:cNvPicPr>
-            <a:picLocks noChangeAspect="1"/>
-          </p:cNvPicPr>
-          <p:nvPr/>
-        </p:nvPicPr>
-        <p:blipFill>
-          <a:blip r:embed="rId9"/>
-          <a:stretch>
-            <a:fillRect/>
-          </a:stretch>
-        </p:blipFill>
-        <p:spPr>
-          <a:xfrm>
-            <a:off x="1229545" y="1908868"/>
-            <a:ext cx="5442404" cy="3219450"/>
-          </a:xfrm>
-          <a:prstGeom prst="rect">
-            <a:avLst/>
-          </a:prstGeom>
-        </p:spPr>
-      </p:pic>
-      <p:sp>
-        <p:nvSpPr>
-          <p:cNvPr id="5" name="Rectangle 4"/>
-          <p:cNvSpPr/>
-          <p:nvPr/>
-        </p:nvSpPr>
-        <p:spPr>
-          <a:xfrm>
-            <a:off x="4138889" y="2138748"/>
-            <a:ext cx="1509681" cy="461665"/>
-          </a:xfrm>
-          <a:prstGeom prst="rect">
-            <a:avLst/>
-          </a:prstGeom>
-          <a:noFill/>
-        </p:spPr>
-        <p:txBody>
-          <a:bodyPr wrap="square" lIns="91440" tIns="45720" rIns="91440" bIns="45720">
-            <a:spAutoFit/>
+          <a:bodyPr>
+            <a:normAutofit/>
           </a:bodyPr>
           <a:lstStyle/>
           <a:p>
             <a:pPr algn="ctr"/>
             <a:r>
-              <a:rPr lang="en-US" sz="2400" b="0" cap="none" spc="0" dirty="0" smtClean="0">
-                <a:ln w="0"/>
+              <a:rPr lang="en-US" sz="7200" dirty="0" smtClean="0">
+                <a:latin typeface="Big Caslon"/>
+                <a:cs typeface="Big Caslon"/>
+              </a:rPr>
+              <a:t>Plan</a:t>
+            </a:r>
+            <a:r>
+              <a:rPr lang="en-US" sz="7200" i="1" dirty="0" smtClean="0">
                 <a:solidFill>
-                  <a:schemeClr val="tx1"/>
+                  <a:srgbClr val="7F7F7F"/>
                 </a:solidFill>
-                <a:effectLst>
-                  <a:outerShdw blurRad="38100" dist="19050" dir="2700000" algn="tl" rotWithShape="0">
-                    <a:schemeClr val="dk1">
-                      <a:alpha val="40000"/>
-                    </a:schemeClr>
-                  </a:outerShdw>
-                </a:effectLst>
+                <a:latin typeface="Big Caslon"/>
+                <a:cs typeface="Big Caslon"/>
               </a:rPr>
-              <a:t>20%</a:t>
-            </a:r>
-            <a:endParaRPr lang="en-US" sz="2400" b="0" cap="none" spc="0" dirty="0">
-              <a:ln w="0"/>
+              <a:t>it</a:t>
+            </a:r>
+            <a:r>
+              <a:rPr lang="en-US" sz="7200" dirty="0" smtClean="0">
+                <a:solidFill>
+                  <a:srgbClr val="7F7F7F"/>
+                </a:solidFill>
+                <a:latin typeface="Big Caslon"/>
+                <a:cs typeface="Big Caslon"/>
+              </a:rPr>
+              <a:t>!</a:t>
+            </a:r>
+            <a:endParaRPr lang="en-US" sz="7200" dirty="0">
               <a:solidFill>
-                <a:schemeClr val="tx1"/>
+                <a:srgbClr val="7F7F7F"/>
               </a:solidFill>
-              <a:effectLst>
-                <a:outerShdw blurRad="38100" dist="19050" dir="2700000" algn="tl" rotWithShape="0">
-                  <a:schemeClr val="dk1">
-                    <a:alpha val="40000"/>
-                  </a:schemeClr>
-                </a:outerShdw>
-              </a:effectLst>
+              <a:latin typeface="Big Caslon"/>
+              <a:cs typeface="Big Caslon"/>
             </a:endParaRPr>
           </a:p>
         </p:txBody>
@@ -9451,277 +9233,35 @@
         </p:nvSpPr>
         <p:spPr>
           <a:xfrm>
-            <a:off x="5426645" y="2912698"/>
-            <a:ext cx="692167" cy="461665"/>
+            <a:off x="3919267" y="3393071"/>
+            <a:ext cx="2405850" cy="400110"/>
           </a:xfrm>
           <a:prstGeom prst="rect">
             <a:avLst/>
           </a:prstGeom>
-          <a:noFill/>
         </p:spPr>
         <p:txBody>
-          <a:bodyPr wrap="none" lIns="91440" tIns="45720" rIns="91440" bIns="45720">
+          <a:bodyPr wrap="none">
             <a:spAutoFit/>
           </a:bodyPr>
           <a:lstStyle/>
           <a:p>
             <a:pPr algn="ctr"/>
             <a:r>
-              <a:rPr lang="en-US" sz="2400" b="0" cap="none" spc="0" dirty="0" smtClean="0">
-                <a:ln w="0"/>
+              <a:rPr lang="en-US" sz="2000" dirty="0">
                 <a:solidFill>
-                  <a:schemeClr val="tx1"/>
+                  <a:srgbClr val="70AD47"/>
                 </a:solidFill>
-                <a:effectLst>
-                  <a:outerShdw blurRad="38100" dist="19050" dir="2700000" algn="tl" rotWithShape="0">
-                    <a:schemeClr val="dk1">
-                      <a:alpha val="40000"/>
-                    </a:schemeClr>
-                  </a:outerShdw>
-                </a:effectLst>
               </a:rPr>
-              <a:t>15%</a:t>
-            </a:r>
-            <a:endParaRPr lang="en-US" sz="2400" b="0" cap="none" spc="0" dirty="0">
-              <a:ln w="0"/>
-              <a:solidFill>
-                <a:schemeClr val="tx1"/>
-              </a:solidFill>
-              <a:effectLst>
-                <a:outerShdw blurRad="38100" dist="19050" dir="2700000" algn="tl" rotWithShape="0">
-                  <a:schemeClr val="dk1">
-                    <a:alpha val="40000"/>
-                  </a:schemeClr>
-                </a:outerShdw>
-              </a:effectLst>
-            </a:endParaRPr>
-          </a:p>
-        </p:txBody>
-      </p:sp>
-      <p:sp>
-        <p:nvSpPr>
-          <p:cNvPr id="8" name="Rectangle 7"/>
-          <p:cNvSpPr/>
-          <p:nvPr/>
-        </p:nvSpPr>
-        <p:spPr>
-          <a:xfrm>
-            <a:off x="4418531" y="3518593"/>
-            <a:ext cx="692167" cy="461665"/>
-          </a:xfrm>
-          <a:prstGeom prst="rect">
-            <a:avLst/>
-          </a:prstGeom>
-          <a:noFill/>
-        </p:spPr>
-        <p:txBody>
-          <a:bodyPr wrap="none" lIns="91440" tIns="45720" rIns="91440" bIns="45720">
-            <a:spAutoFit/>
-          </a:bodyPr>
-          <a:lstStyle/>
-          <a:p>
-            <a:pPr algn="ctr"/>
-            <a:r>
-              <a:rPr lang="en-US" sz="2400" b="0" cap="none" spc="0" dirty="0" smtClean="0">
-                <a:ln w="0"/>
-                <a:solidFill>
-                  <a:schemeClr val="tx1"/>
-                </a:solidFill>
-                <a:effectLst>
-                  <a:outerShdw blurRad="38100" dist="19050" dir="2700000" algn="tl" rotWithShape="0">
-                    <a:schemeClr val="dk1">
-                      <a:alpha val="40000"/>
-                    </a:schemeClr>
-                  </a:outerShdw>
-                </a:effectLst>
-              </a:rPr>
-              <a:t>15%</a:t>
-            </a:r>
-            <a:endParaRPr lang="en-US" sz="2400" b="0" cap="none" spc="0" dirty="0">
-              <a:ln w="0"/>
-              <a:solidFill>
-                <a:schemeClr val="tx1"/>
-              </a:solidFill>
-              <a:effectLst>
-                <a:outerShdw blurRad="38100" dist="19050" dir="2700000" algn="tl" rotWithShape="0">
-                  <a:schemeClr val="dk1">
-                    <a:alpha val="40000"/>
-                  </a:schemeClr>
-                </a:outerShdw>
-              </a:effectLst>
-            </a:endParaRPr>
-          </a:p>
-        </p:txBody>
-      </p:sp>
-      <p:sp>
-        <p:nvSpPr>
-          <p:cNvPr id="14" name="Rectangle 13"/>
-          <p:cNvSpPr/>
-          <p:nvPr/>
-        </p:nvSpPr>
-        <p:spPr>
-          <a:xfrm>
-            <a:off x="2414738" y="3167134"/>
-            <a:ext cx="692167" cy="461665"/>
-          </a:xfrm>
-          <a:prstGeom prst="rect">
-            <a:avLst/>
-          </a:prstGeom>
-          <a:noFill/>
-        </p:spPr>
-        <p:txBody>
-          <a:bodyPr wrap="none" lIns="91440" tIns="45720" rIns="91440" bIns="45720">
-            <a:spAutoFit/>
-          </a:bodyPr>
-          <a:lstStyle/>
-          <a:p>
-            <a:pPr algn="ctr"/>
-            <a:r>
-              <a:rPr lang="en-US" sz="2400" b="0" cap="none" spc="0" dirty="0" smtClean="0">
-                <a:ln w="0"/>
-                <a:solidFill>
-                  <a:schemeClr val="tx1"/>
-                </a:solidFill>
-                <a:effectLst>
-                  <a:outerShdw blurRad="38100" dist="19050" dir="2700000" algn="tl" rotWithShape="0">
-                    <a:schemeClr val="dk1">
-                      <a:alpha val="40000"/>
-                    </a:schemeClr>
-                  </a:outerShdw>
-                </a:effectLst>
-              </a:rPr>
-              <a:t>30%</a:t>
-            </a:r>
-            <a:endParaRPr lang="en-US" sz="2400" b="0" cap="none" spc="0" dirty="0">
-              <a:ln w="0"/>
-              <a:solidFill>
-                <a:schemeClr val="tx1"/>
-              </a:solidFill>
-              <a:effectLst>
-                <a:outerShdw blurRad="38100" dist="19050" dir="2700000" algn="tl" rotWithShape="0">
-                  <a:schemeClr val="dk1">
-                    <a:alpha val="40000"/>
-                  </a:schemeClr>
-                </a:outerShdw>
-              </a:effectLst>
-            </a:endParaRPr>
-          </a:p>
-        </p:txBody>
-      </p:sp>
-      <p:sp>
-        <p:nvSpPr>
-          <p:cNvPr id="15" name="Rectangle 14"/>
-          <p:cNvSpPr/>
-          <p:nvPr/>
-        </p:nvSpPr>
-        <p:spPr>
-          <a:xfrm>
-            <a:off x="2254173" y="2275169"/>
-            <a:ext cx="692167" cy="461665"/>
-          </a:xfrm>
-          <a:prstGeom prst="rect">
-            <a:avLst/>
-          </a:prstGeom>
-          <a:noFill/>
-        </p:spPr>
-        <p:txBody>
-          <a:bodyPr wrap="none" lIns="91440" tIns="45720" rIns="91440" bIns="45720">
-            <a:spAutoFit/>
-          </a:bodyPr>
-          <a:lstStyle/>
-          <a:p>
-            <a:pPr algn="ctr"/>
-            <a:r>
-              <a:rPr lang="en-US" sz="2400" b="0" cap="none" spc="0" dirty="0" smtClean="0">
-                <a:ln w="0"/>
-                <a:solidFill>
-                  <a:schemeClr val="tx1"/>
-                </a:solidFill>
-                <a:effectLst>
-                  <a:outerShdw blurRad="38100" dist="19050" dir="2700000" algn="tl" rotWithShape="0">
-                    <a:schemeClr val="dk1">
-                      <a:alpha val="40000"/>
-                    </a:schemeClr>
-                  </a:outerShdw>
-                </a:effectLst>
-              </a:rPr>
-              <a:t>10%</a:t>
-            </a:r>
-            <a:endParaRPr lang="en-US" sz="2400" b="0" cap="none" spc="0" dirty="0">
-              <a:ln w="0"/>
-              <a:solidFill>
-                <a:schemeClr val="tx1"/>
-              </a:solidFill>
-              <a:effectLst>
-                <a:outerShdw blurRad="38100" dist="19050" dir="2700000" algn="tl" rotWithShape="0">
-                  <a:schemeClr val="dk1">
-                    <a:alpha val="40000"/>
-                  </a:schemeClr>
-                </a:outerShdw>
-              </a:effectLst>
-            </a:endParaRPr>
-          </a:p>
-        </p:txBody>
-      </p:sp>
-      <p:sp>
-        <p:nvSpPr>
-          <p:cNvPr id="16" name="Rectangle 15"/>
-          <p:cNvSpPr/>
-          <p:nvPr/>
-        </p:nvSpPr>
-        <p:spPr>
-          <a:xfrm>
-            <a:off x="3166330" y="2017900"/>
-            <a:ext cx="692167" cy="461665"/>
-          </a:xfrm>
-          <a:prstGeom prst="rect">
-            <a:avLst/>
-          </a:prstGeom>
-          <a:noFill/>
-        </p:spPr>
-        <p:txBody>
-          <a:bodyPr wrap="none" lIns="91440" tIns="45720" rIns="91440" bIns="45720">
-            <a:spAutoFit/>
-          </a:bodyPr>
-          <a:lstStyle/>
-          <a:p>
-            <a:pPr algn="ctr"/>
-            <a:r>
-              <a:rPr lang="en-US" sz="2400" b="0" cap="none" spc="0" dirty="0" smtClean="0">
-                <a:ln w="0"/>
-                <a:solidFill>
-                  <a:schemeClr val="tx1"/>
-                </a:solidFill>
-                <a:effectLst>
-                  <a:outerShdw blurRad="38100" dist="19050" dir="2700000" algn="tl" rotWithShape="0">
-                    <a:schemeClr val="dk1">
-                      <a:alpha val="40000"/>
-                    </a:schemeClr>
-                  </a:outerShdw>
-                </a:effectLst>
-              </a:rPr>
-              <a:t>10%</a:t>
-            </a:r>
-            <a:endParaRPr lang="en-US" sz="2400" b="0" cap="none" spc="0" dirty="0">
-              <a:ln w="0"/>
-              <a:solidFill>
-                <a:schemeClr val="tx1"/>
-              </a:solidFill>
-              <a:effectLst>
-                <a:outerShdw blurRad="38100" dist="19050" dir="2700000" algn="tl" rotWithShape="0">
-                  <a:schemeClr val="dk1">
-                    <a:alpha val="40000"/>
-                  </a:schemeClr>
-                </a:outerShdw>
-              </a:effectLst>
-            </a:endParaRPr>
+              <a:t>We’re Here to Help</a:t>
+            </a:r>
           </a:p>
         </p:txBody>
       </p:sp>
     </p:spTree>
     <p:extLst>
       <p:ext uri="{BB962C8B-B14F-4D97-AF65-F5344CB8AC3E}">
-        <p14:creationId xmlns:p14="http://schemas.microsoft.com/office/powerpoint/2010/main" val="1315062242"/>
+        <p14:creationId xmlns:p14="http://schemas.microsoft.com/office/powerpoint/2010/main" val="2624175973"/>
       </p:ext>
     </p:extLst>
   </p:cSld>
@@ -9731,580 +9271,9 @@
   <p:timing>
     <p:tnLst>
       <p:par>
-        <p:cTn id="1" dur="indefinite" restart="never" nodeType="tmRoot">
-          <p:childTnLst>
-            <p:seq concurrent="1" nextAc="seek">
-              <p:cTn id="2" dur="indefinite" nodeType="mainSeq">
-                <p:childTnLst>
-                  <p:par>
-                    <p:cTn id="3" fill="hold">
-                      <p:stCondLst>
-                        <p:cond delay="indefinite"/>
-                        <p:cond evt="onBegin" delay="0">
-                          <p:tn val="2"/>
-                        </p:cond>
-                      </p:stCondLst>
-                      <p:childTnLst>
-                        <p:par>
-                          <p:cTn id="4" fill="hold">
-                            <p:stCondLst>
-                              <p:cond delay="0"/>
-                            </p:stCondLst>
-                            <p:childTnLst>
-                              <p:par>
-                                <p:cTn id="5" presetID="10" presetClass="entr" presetSubtype="0" fill="hold" grpId="0" nodeType="afterEffect">
-                                  <p:stCondLst>
-                                    <p:cond delay="500"/>
-                                  </p:stCondLst>
-                                  <p:childTnLst>
-                                    <p:set>
-                                      <p:cBhvr>
-                                        <p:cTn id="6" dur="1" fill="hold">
-                                          <p:stCondLst>
-                                            <p:cond delay="0"/>
-                                          </p:stCondLst>
-                                        </p:cTn>
-                                        <p:tgtEl>
-                                          <p:spTgt spid="5"/>
-                                        </p:tgtEl>
-                                        <p:attrNameLst>
-                                          <p:attrName>style.visibility</p:attrName>
-                                        </p:attrNameLst>
-                                      </p:cBhvr>
-                                      <p:to>
-                                        <p:strVal val="visible"/>
-                                      </p:to>
-                                    </p:set>
-                                    <p:animEffect transition="in" filter="fade">
-                                      <p:cBhvr>
-                                        <p:cTn id="7" dur="500"/>
-                                        <p:tgtEl>
-                                          <p:spTgt spid="5"/>
-                                        </p:tgtEl>
-                                      </p:cBhvr>
-                                    </p:animEffect>
-                                  </p:childTnLst>
-                                </p:cTn>
-                              </p:par>
-                            </p:childTnLst>
-                          </p:cTn>
-                        </p:par>
-                        <p:par>
-                          <p:cTn id="8" fill="hold">
-                            <p:stCondLst>
-                              <p:cond delay="1000"/>
-                            </p:stCondLst>
-                            <p:childTnLst>
-                              <p:par>
-                                <p:cTn id="9" presetID="10" presetClass="entr" presetSubtype="0" fill="hold" nodeType="afterEffect">
-                                  <p:stCondLst>
-                                    <p:cond delay="0"/>
-                                  </p:stCondLst>
-                                  <p:childTnLst>
-                                    <p:set>
-                                      <p:cBhvr>
-                                        <p:cTn id="10" dur="1" fill="hold">
-                                          <p:stCondLst>
-                                            <p:cond delay="0"/>
-                                          </p:stCondLst>
-                                        </p:cTn>
-                                        <p:tgtEl>
-                                          <p:spTgt spid="4"/>
-                                        </p:tgtEl>
-                                        <p:attrNameLst>
-                                          <p:attrName>style.visibility</p:attrName>
-                                        </p:attrNameLst>
-                                      </p:cBhvr>
-                                      <p:to>
-                                        <p:strVal val="visible"/>
-                                      </p:to>
-                                    </p:set>
-                                    <p:animEffect transition="in" filter="fade">
-                                      <p:cBhvr>
-                                        <p:cTn id="11" dur="250"/>
-                                        <p:tgtEl>
-                                          <p:spTgt spid="4"/>
-                                        </p:tgtEl>
-                                      </p:cBhvr>
-                                    </p:animEffect>
-                                  </p:childTnLst>
-                                </p:cTn>
-                              </p:par>
-                            </p:childTnLst>
-                          </p:cTn>
-                        </p:par>
-                      </p:childTnLst>
-                    </p:cTn>
-                  </p:par>
-                  <p:par>
-                    <p:cTn id="12" fill="hold">
-                      <p:stCondLst>
-                        <p:cond delay="indefinite"/>
-                      </p:stCondLst>
-                      <p:childTnLst>
-                        <p:par>
-                          <p:cTn id="13" fill="hold">
-                            <p:stCondLst>
-                              <p:cond delay="0"/>
-                            </p:stCondLst>
-                            <p:childTnLst>
-                              <p:par>
-                                <p:cTn id="14" presetID="10" presetClass="entr" presetSubtype="0" fill="hold" nodeType="clickEffect">
-                                  <p:stCondLst>
-                                    <p:cond delay="0"/>
-                                  </p:stCondLst>
-                                  <p:childTnLst>
-                                    <p:set>
-                                      <p:cBhvr>
-                                        <p:cTn id="15" dur="1" fill="hold">
-                                          <p:stCondLst>
-                                            <p:cond delay="0"/>
-                                          </p:stCondLst>
-                                        </p:cTn>
-                                        <p:tgtEl>
-                                          <p:spTgt spid="7"/>
-                                        </p:tgtEl>
-                                        <p:attrNameLst>
-                                          <p:attrName>style.visibility</p:attrName>
-                                        </p:attrNameLst>
-                                      </p:cBhvr>
-                                      <p:to>
-                                        <p:strVal val="visible"/>
-                                      </p:to>
-                                    </p:set>
-                                    <p:animEffect transition="in" filter="fade">
-                                      <p:cBhvr>
-                                        <p:cTn id="16" dur="500"/>
-                                        <p:tgtEl>
-                                          <p:spTgt spid="7"/>
-                                        </p:tgtEl>
-                                      </p:cBhvr>
-                                    </p:animEffect>
-                                  </p:childTnLst>
-                                </p:cTn>
-                              </p:par>
-                              <p:par>
-                                <p:cTn id="17" presetID="10" presetClass="entr" presetSubtype="0" fill="hold" grpId="0" nodeType="withEffect">
-                                  <p:stCondLst>
-                                    <p:cond delay="0"/>
-                                  </p:stCondLst>
-                                  <p:childTnLst>
-                                    <p:set>
-                                      <p:cBhvr>
-                                        <p:cTn id="18" dur="1" fill="hold">
-                                          <p:stCondLst>
-                                            <p:cond delay="0"/>
-                                          </p:stCondLst>
-                                        </p:cTn>
-                                        <p:tgtEl>
-                                          <p:spTgt spid="6"/>
-                                        </p:tgtEl>
-                                        <p:attrNameLst>
-                                          <p:attrName>style.visibility</p:attrName>
-                                        </p:attrNameLst>
-                                      </p:cBhvr>
-                                      <p:to>
-                                        <p:strVal val="visible"/>
-                                      </p:to>
-                                    </p:set>
-                                    <p:animEffect transition="in" filter="fade">
-                                      <p:cBhvr>
-                                        <p:cTn id="19" dur="500"/>
-                                        <p:tgtEl>
-                                          <p:spTgt spid="6"/>
-                                        </p:tgtEl>
-                                      </p:cBhvr>
-                                    </p:animEffect>
-                                  </p:childTnLst>
-                                </p:cTn>
-                              </p:par>
-                            </p:childTnLst>
-                          </p:cTn>
-                        </p:par>
-                      </p:childTnLst>
-                    </p:cTn>
-                  </p:par>
-                  <p:par>
-                    <p:cTn id="20" fill="hold">
-                      <p:stCondLst>
-                        <p:cond delay="indefinite"/>
-                      </p:stCondLst>
-                      <p:childTnLst>
-                        <p:par>
-                          <p:cTn id="21" fill="hold">
-                            <p:stCondLst>
-                              <p:cond delay="0"/>
-                            </p:stCondLst>
-                            <p:childTnLst>
-                              <p:par>
-                                <p:cTn id="22" presetID="10" presetClass="entr" presetSubtype="0" fill="hold" nodeType="clickEffect">
-                                  <p:stCondLst>
-                                    <p:cond delay="0"/>
-                                  </p:stCondLst>
-                                  <p:childTnLst>
-                                    <p:set>
-                                      <p:cBhvr>
-                                        <p:cTn id="23" dur="1" fill="hold">
-                                          <p:stCondLst>
-                                            <p:cond delay="0"/>
-                                          </p:stCondLst>
-                                        </p:cTn>
-                                        <p:tgtEl>
-                                          <p:spTgt spid="9"/>
-                                        </p:tgtEl>
-                                        <p:attrNameLst>
-                                          <p:attrName>style.visibility</p:attrName>
-                                        </p:attrNameLst>
-                                      </p:cBhvr>
-                                      <p:to>
-                                        <p:strVal val="visible"/>
-                                      </p:to>
-                                    </p:set>
-                                    <p:animEffect transition="in" filter="fade">
-                                      <p:cBhvr>
-                                        <p:cTn id="24" dur="500"/>
-                                        <p:tgtEl>
-                                          <p:spTgt spid="9"/>
-                                        </p:tgtEl>
-                                      </p:cBhvr>
-                                    </p:animEffect>
-                                  </p:childTnLst>
-                                </p:cTn>
-                              </p:par>
-                              <p:par>
-                                <p:cTn id="25" presetID="10" presetClass="entr" presetSubtype="0" fill="hold" grpId="0" nodeType="withEffect">
-                                  <p:stCondLst>
-                                    <p:cond delay="0"/>
-                                  </p:stCondLst>
-                                  <p:childTnLst>
-                                    <p:set>
-                                      <p:cBhvr>
-                                        <p:cTn id="26" dur="1" fill="hold">
-                                          <p:stCondLst>
-                                            <p:cond delay="0"/>
-                                          </p:stCondLst>
-                                        </p:cTn>
-                                        <p:tgtEl>
-                                          <p:spTgt spid="8"/>
-                                        </p:tgtEl>
-                                        <p:attrNameLst>
-                                          <p:attrName>style.visibility</p:attrName>
-                                        </p:attrNameLst>
-                                      </p:cBhvr>
-                                      <p:to>
-                                        <p:strVal val="visible"/>
-                                      </p:to>
-                                    </p:set>
-                                    <p:animEffect transition="in" filter="fade">
-                                      <p:cBhvr>
-                                        <p:cTn id="27" dur="500"/>
-                                        <p:tgtEl>
-                                          <p:spTgt spid="8"/>
-                                        </p:tgtEl>
-                                      </p:cBhvr>
-                                    </p:animEffect>
-                                  </p:childTnLst>
-                                </p:cTn>
-                              </p:par>
-                            </p:childTnLst>
-                          </p:cTn>
-                        </p:par>
-                      </p:childTnLst>
-                    </p:cTn>
-                  </p:par>
-                  <p:par>
-                    <p:cTn id="28" fill="hold">
-                      <p:stCondLst>
-                        <p:cond delay="indefinite"/>
-                      </p:stCondLst>
-                      <p:childTnLst>
-                        <p:par>
-                          <p:cTn id="29" fill="hold">
-                            <p:stCondLst>
-                              <p:cond delay="0"/>
-                            </p:stCondLst>
-                            <p:childTnLst>
-                              <p:par>
-                                <p:cTn id="30" presetID="10" presetClass="entr" presetSubtype="0" fill="hold" nodeType="clickEffect">
-                                  <p:stCondLst>
-                                    <p:cond delay="0"/>
-                                  </p:stCondLst>
-                                  <p:childTnLst>
-                                    <p:set>
-                                      <p:cBhvr>
-                                        <p:cTn id="31" dur="1" fill="hold">
-                                          <p:stCondLst>
-                                            <p:cond delay="0"/>
-                                          </p:stCondLst>
-                                        </p:cTn>
-                                        <p:tgtEl>
-                                          <p:spTgt spid="10"/>
-                                        </p:tgtEl>
-                                        <p:attrNameLst>
-                                          <p:attrName>style.visibility</p:attrName>
-                                        </p:attrNameLst>
-                                      </p:cBhvr>
-                                      <p:to>
-                                        <p:strVal val="visible"/>
-                                      </p:to>
-                                    </p:set>
-                                    <p:animEffect transition="in" filter="fade">
-                                      <p:cBhvr>
-                                        <p:cTn id="32" dur="500"/>
-                                        <p:tgtEl>
-                                          <p:spTgt spid="10"/>
-                                        </p:tgtEl>
-                                      </p:cBhvr>
-                                    </p:animEffect>
-                                  </p:childTnLst>
-                                </p:cTn>
-                              </p:par>
-                              <p:par>
-                                <p:cTn id="33" presetID="10" presetClass="entr" presetSubtype="0" fill="hold" grpId="0" nodeType="withEffect">
-                                  <p:stCondLst>
-                                    <p:cond delay="0"/>
-                                  </p:stCondLst>
-                                  <p:childTnLst>
-                                    <p:set>
-                                      <p:cBhvr>
-                                        <p:cTn id="34" dur="1" fill="hold">
-                                          <p:stCondLst>
-                                            <p:cond delay="0"/>
-                                          </p:stCondLst>
-                                        </p:cTn>
-                                        <p:tgtEl>
-                                          <p:spTgt spid="14"/>
-                                        </p:tgtEl>
-                                        <p:attrNameLst>
-                                          <p:attrName>style.visibility</p:attrName>
-                                        </p:attrNameLst>
-                                      </p:cBhvr>
-                                      <p:to>
-                                        <p:strVal val="visible"/>
-                                      </p:to>
-                                    </p:set>
-                                    <p:animEffect transition="in" filter="fade">
-                                      <p:cBhvr>
-                                        <p:cTn id="35" dur="500"/>
-                                        <p:tgtEl>
-                                          <p:spTgt spid="14"/>
-                                        </p:tgtEl>
-                                      </p:cBhvr>
-                                    </p:animEffect>
-                                  </p:childTnLst>
-                                </p:cTn>
-                              </p:par>
-                            </p:childTnLst>
-                          </p:cTn>
-                        </p:par>
-                      </p:childTnLst>
-                    </p:cTn>
-                  </p:par>
-                  <p:par>
-                    <p:cTn id="36" fill="hold">
-                      <p:stCondLst>
-                        <p:cond delay="indefinite"/>
-                      </p:stCondLst>
-                      <p:childTnLst>
-                        <p:par>
-                          <p:cTn id="37" fill="hold">
-                            <p:stCondLst>
-                              <p:cond delay="0"/>
-                            </p:stCondLst>
-                            <p:childTnLst>
-                              <p:par>
-                                <p:cTn id="38" presetID="10" presetClass="entr" presetSubtype="0" fill="hold" nodeType="clickEffect">
-                                  <p:stCondLst>
-                                    <p:cond delay="0"/>
-                                  </p:stCondLst>
-                                  <p:childTnLst>
-                                    <p:set>
-                                      <p:cBhvr>
-                                        <p:cTn id="39" dur="1" fill="hold">
-                                          <p:stCondLst>
-                                            <p:cond delay="0"/>
-                                          </p:stCondLst>
-                                        </p:cTn>
-                                        <p:tgtEl>
-                                          <p:spTgt spid="11"/>
-                                        </p:tgtEl>
-                                        <p:attrNameLst>
-                                          <p:attrName>style.visibility</p:attrName>
-                                        </p:attrNameLst>
-                                      </p:cBhvr>
-                                      <p:to>
-                                        <p:strVal val="visible"/>
-                                      </p:to>
-                                    </p:set>
-                                    <p:animEffect transition="in" filter="fade">
-                                      <p:cBhvr>
-                                        <p:cTn id="40" dur="500"/>
-                                        <p:tgtEl>
-                                          <p:spTgt spid="11"/>
-                                        </p:tgtEl>
-                                      </p:cBhvr>
-                                    </p:animEffect>
-                                  </p:childTnLst>
-                                </p:cTn>
-                              </p:par>
-                              <p:par>
-                                <p:cTn id="41" presetID="10" presetClass="entr" presetSubtype="0" fill="hold" grpId="0" nodeType="withEffect">
-                                  <p:stCondLst>
-                                    <p:cond delay="0"/>
-                                  </p:stCondLst>
-                                  <p:childTnLst>
-                                    <p:set>
-                                      <p:cBhvr>
-                                        <p:cTn id="42" dur="1" fill="hold">
-                                          <p:stCondLst>
-                                            <p:cond delay="0"/>
-                                          </p:stCondLst>
-                                        </p:cTn>
-                                        <p:tgtEl>
-                                          <p:spTgt spid="15"/>
-                                        </p:tgtEl>
-                                        <p:attrNameLst>
-                                          <p:attrName>style.visibility</p:attrName>
-                                        </p:attrNameLst>
-                                      </p:cBhvr>
-                                      <p:to>
-                                        <p:strVal val="visible"/>
-                                      </p:to>
-                                    </p:set>
-                                    <p:animEffect transition="in" filter="fade">
-                                      <p:cBhvr>
-                                        <p:cTn id="43" dur="500"/>
-                                        <p:tgtEl>
-                                          <p:spTgt spid="15"/>
-                                        </p:tgtEl>
-                                      </p:cBhvr>
-                                    </p:animEffect>
-                                  </p:childTnLst>
-                                </p:cTn>
-                              </p:par>
-                            </p:childTnLst>
-                          </p:cTn>
-                        </p:par>
-                      </p:childTnLst>
-                    </p:cTn>
-                  </p:par>
-                  <p:par>
-                    <p:cTn id="44" fill="hold">
-                      <p:stCondLst>
-                        <p:cond delay="indefinite"/>
-                      </p:stCondLst>
-                      <p:childTnLst>
-                        <p:par>
-                          <p:cTn id="45" fill="hold">
-                            <p:stCondLst>
-                              <p:cond delay="0"/>
-                            </p:stCondLst>
-                            <p:childTnLst>
-                              <p:par>
-                                <p:cTn id="46" presetID="10" presetClass="entr" presetSubtype="0" fill="hold" nodeType="clickEffect">
-                                  <p:stCondLst>
-                                    <p:cond delay="0"/>
-                                  </p:stCondLst>
-                                  <p:childTnLst>
-                                    <p:set>
-                                      <p:cBhvr>
-                                        <p:cTn id="47" dur="1" fill="hold">
-                                          <p:stCondLst>
-                                            <p:cond delay="0"/>
-                                          </p:stCondLst>
-                                        </p:cTn>
-                                        <p:tgtEl>
-                                          <p:spTgt spid="12"/>
-                                        </p:tgtEl>
-                                        <p:attrNameLst>
-                                          <p:attrName>style.visibility</p:attrName>
-                                        </p:attrNameLst>
-                                      </p:cBhvr>
-                                      <p:to>
-                                        <p:strVal val="visible"/>
-                                      </p:to>
-                                    </p:set>
-                                    <p:animEffect transition="in" filter="fade">
-                                      <p:cBhvr>
-                                        <p:cTn id="48" dur="500"/>
-                                        <p:tgtEl>
-                                          <p:spTgt spid="12"/>
-                                        </p:tgtEl>
-                                      </p:cBhvr>
-                                    </p:animEffect>
-                                  </p:childTnLst>
-                                </p:cTn>
-                              </p:par>
-                              <p:par>
-                                <p:cTn id="49" presetID="10" presetClass="entr" presetSubtype="0" fill="hold" grpId="0" nodeType="withEffect">
-                                  <p:stCondLst>
-                                    <p:cond delay="0"/>
-                                  </p:stCondLst>
-                                  <p:childTnLst>
-                                    <p:set>
-                                      <p:cBhvr>
-                                        <p:cTn id="50" dur="1" fill="hold">
-                                          <p:stCondLst>
-                                            <p:cond delay="0"/>
-                                          </p:stCondLst>
-                                        </p:cTn>
-                                        <p:tgtEl>
-                                          <p:spTgt spid="16"/>
-                                        </p:tgtEl>
-                                        <p:attrNameLst>
-                                          <p:attrName>style.visibility</p:attrName>
-                                        </p:attrNameLst>
-                                      </p:cBhvr>
-                                      <p:to>
-                                        <p:strVal val="visible"/>
-                                      </p:to>
-                                    </p:set>
-                                    <p:animEffect transition="in" filter="fade">
-                                      <p:cBhvr>
-                                        <p:cTn id="51" dur="500"/>
-                                        <p:tgtEl>
-                                          <p:spTgt spid="16"/>
-                                        </p:tgtEl>
-                                      </p:cBhvr>
-                                    </p:animEffect>
-                                  </p:childTnLst>
-                                </p:cTn>
-                              </p:par>
-                            </p:childTnLst>
-                          </p:cTn>
-                        </p:par>
-                      </p:childTnLst>
-                    </p:cTn>
-                  </p:par>
-                </p:childTnLst>
-              </p:cTn>
-              <p:prevCondLst>
-                <p:cond evt="onPrev" delay="0">
-                  <p:tgtEl>
-                    <p:sldTgt/>
-                  </p:tgtEl>
-                </p:cond>
-              </p:prevCondLst>
-              <p:nextCondLst>
-                <p:cond evt="onNext" delay="0">
-                  <p:tgtEl>
-                    <p:sldTgt/>
-                  </p:tgtEl>
-                </p:cond>
-              </p:nextCondLst>
-            </p:seq>
-          </p:childTnLst>
-        </p:cTn>
+        <p:cTn id="1" dur="indefinite" restart="never" nodeType="tmRoot"/>
       </p:par>
     </p:tnLst>
-    <p:bldLst>
-      <p:bldP spid="5" grpId="0"/>
-      <p:bldP spid="6" grpId="0"/>
-      <p:bldP spid="8" grpId="0"/>
-      <p:bldP spid="14" grpId="0"/>
-      <p:bldP spid="15" grpId="0"/>
-      <p:bldP spid="16" grpId="0"/>
-    </p:bldLst>
   </p:timing>
 </p:sld>
 </file>
@@ -10333,96 +9302,149 @@
             <a:spLocks noGrp="1"/>
           </p:cNvSpPr>
           <p:nvPr>
-            <p:ph type="ctrTitle"/>
+            <p:ph type="title"/>
           </p:nvPr>
         </p:nvSpPr>
-        <p:spPr>
-          <a:xfrm>
-            <a:off x="1298046" y="1911287"/>
-            <a:ext cx="7766936" cy="1646302"/>
-          </a:xfrm>
-        </p:spPr>
+        <p:spPr/>
+        <p:txBody>
+          <a:bodyPr/>
+          <a:lstStyle/>
+          <a:p>
+            <a:endParaRPr lang="en-US" dirty="0"/>
+          </a:p>
+        </p:txBody>
+      </p:sp>
+      <p:sp>
+        <p:nvSpPr>
+          <p:cNvPr id="3" name="Content Placeholder 2"/>
+          <p:cNvSpPr>
+            <a:spLocks noGrp="1"/>
+          </p:cNvSpPr>
+          <p:nvPr>
+            <p:ph idx="1"/>
+          </p:nvPr>
+        </p:nvSpPr>
+        <p:spPr/>
         <p:txBody>
           <a:bodyPr>
             <a:normAutofit/>
           </a:bodyPr>
           <a:lstStyle/>
           <a:p>
-            <a:pPr algn="ctr"/>
-            <a:r>
-              <a:rPr lang="en-US" sz="7200" dirty="0" smtClean="0">
-                <a:latin typeface="Big Caslon"/>
-                <a:cs typeface="Big Caslon"/>
-              </a:rPr>
-              <a:t>Plan</a:t>
-            </a:r>
-            <a:r>
-              <a:rPr lang="en-US" sz="7200" i="1" dirty="0" smtClean="0">
-                <a:solidFill>
-                  <a:srgbClr val="7F7F7F"/>
-                </a:solidFill>
-                <a:latin typeface="Big Caslon"/>
-                <a:cs typeface="Big Caslon"/>
-              </a:rPr>
-              <a:t>it</a:t>
-            </a:r>
-            <a:r>
-              <a:rPr lang="en-US" sz="7200" dirty="0" smtClean="0">
-                <a:solidFill>
-                  <a:srgbClr val="7F7F7F"/>
-                </a:solidFill>
-                <a:latin typeface="Big Caslon"/>
-                <a:cs typeface="Big Caslon"/>
-              </a:rPr>
-              <a:t>!</a:t>
-            </a:r>
-            <a:endParaRPr lang="en-US" sz="7200" dirty="0">
-              <a:solidFill>
-                <a:srgbClr val="7F7F7F"/>
-              </a:solidFill>
-              <a:latin typeface="Big Caslon"/>
-              <a:cs typeface="Big Caslon"/>
-            </a:endParaRPr>
-          </a:p>
-        </p:txBody>
-      </p:sp>
-      <p:sp>
-        <p:nvSpPr>
-          <p:cNvPr id="6" name="Rectangle 5"/>
-          <p:cNvSpPr/>
-          <p:nvPr/>
-        </p:nvSpPr>
-        <p:spPr>
-          <a:xfrm>
-            <a:off x="3919267" y="3393071"/>
-            <a:ext cx="2405850" cy="400110"/>
-          </a:xfrm>
-          <a:prstGeom prst="rect">
-            <a:avLst/>
-          </a:prstGeom>
-        </p:spPr>
-        <p:txBody>
-          <a:bodyPr wrap="none">
-            <a:spAutoFit/>
-          </a:bodyPr>
-          <a:lstStyle/>
-          <a:p>
-            <a:pPr algn="ctr"/>
-            <a:r>
-              <a:rPr lang="en-US" sz="2000" dirty="0">
-                <a:solidFill>
-                  <a:srgbClr val="70AD47"/>
-                </a:solidFill>
-              </a:rPr>
-              <a:t>We’re Here to Help</a:t>
-            </a:r>
+            <a:r>
+              <a:rPr lang="en-US" b="1" dirty="0" smtClean="0"/>
+              <a:t>Doing </a:t>
+            </a:r>
+            <a:r>
+              <a:rPr lang="en-US" b="1" dirty="0"/>
+              <a:t>the first walkthrough of deploying to </a:t>
+            </a:r>
+            <a:r>
+              <a:rPr lang="en-US" b="1" dirty="0" smtClean="0"/>
+              <a:t>Azure Devin</a:t>
+            </a:r>
+            <a:endParaRPr lang="en-US" dirty="0"/>
+          </a:p>
+          <a:p>
+            <a:r>
+              <a:rPr lang="en-US" b="1" dirty="0"/>
+              <a:t>Integrating JQuery plugins into MVC </a:t>
+            </a:r>
+            <a:r>
+              <a:rPr lang="en-US" b="1" dirty="0" smtClean="0"/>
+              <a:t>project Albert</a:t>
+            </a:r>
+          </a:p>
+          <a:p>
+            <a:r>
+              <a:rPr lang="en-US" b="1" dirty="0" smtClean="0"/>
+              <a:t>The </a:t>
+            </a:r>
+            <a:r>
+              <a:rPr lang="en-US" b="1" dirty="0"/>
+              <a:t>GIT Bash Learning curve - Living in </a:t>
+            </a:r>
+            <a:r>
+              <a:rPr lang="en-US" b="1" dirty="0" err="1"/>
+              <a:t>GITHub</a:t>
+            </a:r>
+            <a:r>
+              <a:rPr lang="en-US" b="1" dirty="0"/>
+              <a:t> and working in </a:t>
+            </a:r>
+            <a:r>
+              <a:rPr lang="en-US" b="1" dirty="0" smtClean="0"/>
+              <a:t>GIT Albert</a:t>
+            </a:r>
+            <a:endParaRPr lang="en-US" dirty="0"/>
+          </a:p>
+          <a:p>
+            <a:r>
+              <a:rPr lang="en-US" b="1" dirty="0"/>
+              <a:t>Database </a:t>
+            </a:r>
+            <a:endParaRPr lang="en-US" dirty="0"/>
+          </a:p>
+          <a:p>
+            <a:r>
+              <a:rPr lang="en-US" b="1" dirty="0"/>
+              <a:t>Integrating the MVC “free” User Authentication</a:t>
+            </a:r>
+            <a:endParaRPr lang="en-US" dirty="0"/>
+          </a:p>
+          <a:p>
+            <a:r>
+              <a:rPr lang="en-US" b="1" dirty="0" smtClean="0"/>
+              <a:t>Sprints</a:t>
+            </a:r>
+            <a:r>
+              <a:rPr lang="en-US" b="1" dirty="0"/>
+              <a:t>, deadlines, formal testing and documentation – not so much….</a:t>
+            </a:r>
+            <a:endParaRPr lang="en-US" dirty="0"/>
+          </a:p>
+          <a:p>
+            <a:r>
+              <a:rPr lang="en-US" b="1" dirty="0"/>
+              <a:t>Scheduling, Teamwork and meetings</a:t>
+            </a:r>
+            <a:endParaRPr lang="en-US" dirty="0"/>
+          </a:p>
+          <a:p>
+            <a:r>
+              <a:rPr lang="en-US" b="1" dirty="0"/>
+              <a:t>Beta Testing by Family and </a:t>
+            </a:r>
+            <a:r>
+              <a:rPr lang="en-US" b="1"/>
+              <a:t>Friends</a:t>
+            </a:r>
+            <a:r>
+              <a:rPr lang="en-US"/>
+              <a:t> </a:t>
+            </a:r>
+            <a:r>
+              <a:rPr lang="en-US" smtClean="0"/>
+              <a:t>Devin</a:t>
+            </a:r>
+            <a:endParaRPr lang="en-US" dirty="0"/>
+          </a:p>
+          <a:p>
+            <a:r>
+              <a:rPr lang="en-US" b="1" dirty="0"/>
+              <a:t>What would we do differently?</a:t>
+            </a:r>
+            <a:endParaRPr lang="en-US" dirty="0"/>
+          </a:p>
+          <a:p>
+            <a:endParaRPr lang="en-US" dirty="0"/>
           </a:p>
         </p:txBody>
       </p:sp>
     </p:spTree>
     <p:extLst>
       <p:ext uri="{BB962C8B-B14F-4D97-AF65-F5344CB8AC3E}">
-        <p14:creationId xmlns:p14="http://schemas.microsoft.com/office/powerpoint/2010/main" val="2624175973"/>
+        <p14:creationId xmlns:p14="http://schemas.microsoft.com/office/powerpoint/2010/main" val="2116137551"/>
       </p:ext>
     </p:extLst>
   </p:cSld>
@@ -10466,152 +9488,43 @@
             <p:ph type="title"/>
           </p:nvPr>
         </p:nvSpPr>
-        <p:spPr/>
-        <p:txBody>
-          <a:bodyPr/>
-          <a:lstStyle/>
-          <a:p>
-            <a:endParaRPr lang="en-US" dirty="0"/>
-          </a:p>
-        </p:txBody>
-      </p:sp>
-      <p:sp>
-        <p:nvSpPr>
-          <p:cNvPr id="3" name="Content Placeholder 2"/>
-          <p:cNvSpPr>
-            <a:spLocks noGrp="1"/>
-          </p:cNvSpPr>
-          <p:nvPr>
-            <p:ph idx="1"/>
-          </p:nvPr>
-        </p:nvSpPr>
-        <p:spPr/>
+        <p:spPr>
+          <a:xfrm>
+            <a:off x="677334" y="609600"/>
+            <a:ext cx="8596668" cy="774357"/>
+          </a:xfrm>
+        </p:spPr>
         <p:txBody>
           <a:bodyPr>
-            <a:normAutofit/>
+            <a:noAutofit/>
           </a:bodyPr>
           <a:lstStyle/>
           <a:p>
             <a:r>
-              <a:rPr lang="en-US" b="1" dirty="0" smtClean="0"/>
-              <a:t>Doing </a:t>
-            </a:r>
-            <a:r>
-              <a:rPr lang="en-US" b="1" dirty="0"/>
-              <a:t>the first walkthrough of deploying to </a:t>
-            </a:r>
-            <a:r>
-              <a:rPr lang="en-US" b="1" dirty="0" smtClean="0"/>
-              <a:t>Azure Devin</a:t>
-            </a:r>
-            <a:endParaRPr lang="en-US" dirty="0"/>
-          </a:p>
-          <a:p>
-            <a:r>
-              <a:rPr lang="en-US" b="1" dirty="0"/>
-              <a:t>Integrating JQuery plugins into MVC </a:t>
-            </a:r>
-            <a:r>
-              <a:rPr lang="en-US" b="1" dirty="0" smtClean="0"/>
-              <a:t>project Albert</a:t>
-            </a:r>
-          </a:p>
-          <a:p>
-            <a:r>
-              <a:rPr lang="en-US" b="1" dirty="0" smtClean="0"/>
-              <a:t>The </a:t>
-            </a:r>
-            <a:r>
-              <a:rPr lang="en-US" b="1" dirty="0"/>
-              <a:t>GIT Bash Learning curve - Living in </a:t>
-            </a:r>
-            <a:r>
-              <a:rPr lang="en-US" b="1" dirty="0" err="1"/>
-              <a:t>GITHub</a:t>
-            </a:r>
-            <a:r>
-              <a:rPr lang="en-US" b="1" dirty="0"/>
-              <a:t> and working in </a:t>
-            </a:r>
-            <a:r>
-              <a:rPr lang="en-US" b="1" dirty="0" smtClean="0"/>
-              <a:t>GIT Albert</a:t>
-            </a:r>
-            <a:endParaRPr lang="en-US" dirty="0"/>
-          </a:p>
-          <a:p>
-            <a:r>
-              <a:rPr lang="en-US" b="1" dirty="0"/>
-              <a:t>Database </a:t>
-            </a:r>
-            <a:endParaRPr lang="en-US" dirty="0"/>
-          </a:p>
-          <a:p>
-            <a:r>
-              <a:rPr lang="en-US" b="1" dirty="0"/>
-              <a:t>Integrating the MVC “free” User Authentication</a:t>
-            </a:r>
-            <a:endParaRPr lang="en-US" dirty="0"/>
-          </a:p>
-          <a:p>
-            <a:r>
-              <a:rPr lang="en-US" b="1" dirty="0" smtClean="0"/>
-              <a:t>Sprints</a:t>
-            </a:r>
-            <a:r>
-              <a:rPr lang="en-US" b="1" dirty="0"/>
-              <a:t>, deadlines, formal testing and documentation – not so much….</a:t>
-            </a:r>
-            <a:endParaRPr lang="en-US" dirty="0"/>
-          </a:p>
-          <a:p>
-            <a:r>
-              <a:rPr lang="en-US" b="1" dirty="0"/>
-              <a:t>Scheduling, Teamwork and meetings</a:t>
-            </a:r>
-            <a:endParaRPr lang="en-US" dirty="0"/>
-          </a:p>
-          <a:p>
-            <a:r>
-              <a:rPr lang="en-US" b="1" dirty="0"/>
-              <a:t>Beta Testing by Family and </a:t>
-            </a:r>
-            <a:r>
-              <a:rPr lang="en-US" b="1"/>
-              <a:t>Friends</a:t>
-            </a:r>
-            <a:r>
-              <a:rPr lang="en-US"/>
-              <a:t> </a:t>
-            </a:r>
-            <a:r>
-              <a:rPr lang="en-US" smtClean="0"/>
-              <a:t>Devin</a:t>
-            </a:r>
-            <a:endParaRPr lang="en-US" dirty="0"/>
-          </a:p>
-          <a:p>
-            <a:r>
-              <a:rPr lang="en-US" b="1" dirty="0"/>
-              <a:t>What would we do differently?</a:t>
-            </a:r>
-            <a:endParaRPr lang="en-US" dirty="0"/>
-          </a:p>
-          <a:p>
-            <a:endParaRPr lang="en-US" dirty="0"/>
+              <a:rPr lang="en-US" sz="5400" dirty="0" smtClean="0"/>
+              <a:t>Backlog</a:t>
+            </a:r>
+            <a:endParaRPr lang="en-US" sz="5400" dirty="0"/>
           </a:p>
         </p:txBody>
       </p:sp>
     </p:spTree>
     <p:extLst>
       <p:ext uri="{BB962C8B-B14F-4D97-AF65-F5344CB8AC3E}">
-        <p14:creationId xmlns:p14="http://schemas.microsoft.com/office/powerpoint/2010/main" val="2116137551"/>
+        <p14:creationId xmlns:p14="http://schemas.microsoft.com/office/powerpoint/2010/main" val="4221975140"/>
       </p:ext>
     </p:extLst>
   </p:cSld>
   <p:clrMapOvr>
     <a:masterClrMapping/>
   </p:clrMapOvr>
+  <p:timing>
+    <p:tnLst>
+      <p:par>
+        <p:cTn id="1" dur="indefinite" restart="never" nodeType="tmRoot"/>
+      </p:par>
+    </p:tnLst>
+  </p:timing>
 </p:sld>
 </file>
 
@@ -10632,46 +9545,669 @@
           <a:chExt cx="0" cy="0"/>
         </a:xfrm>
       </p:grpSpPr>
+      <p:grpSp>
+        <p:nvGrpSpPr>
+          <p:cNvPr id="4" name="Canvas 1"/>
+          <p:cNvGrpSpPr/>
+          <p:nvPr/>
+        </p:nvGrpSpPr>
+        <p:grpSpPr>
+          <a:xfrm>
+            <a:off x="2158222" y="1700697"/>
+            <a:ext cx="5486400" cy="3200400"/>
+            <a:chOff x="0" y="0"/>
+            <a:chExt cx="5486400" cy="3200400"/>
+          </a:xfrm>
+        </p:grpSpPr>
+        <p:sp>
+          <p:nvSpPr>
+            <p:cNvPr id="5" name="Rectangle 4"/>
+            <p:cNvSpPr/>
+            <p:nvPr/>
+          </p:nvSpPr>
+          <p:spPr>
+            <a:xfrm>
+              <a:off x="0" y="0"/>
+              <a:ext cx="5486400" cy="3200400"/>
+            </a:xfrm>
+            <a:prstGeom prst="rect">
+              <a:avLst/>
+            </a:prstGeom>
+          </p:spPr>
+        </p:sp>
+        <p:sp>
+          <p:nvSpPr>
+            <p:cNvPr id="6" name="Rounded Rectangle 5"/>
+            <p:cNvSpPr/>
+            <p:nvPr/>
+          </p:nvSpPr>
+          <p:spPr>
+            <a:xfrm>
+              <a:off x="675861" y="278297"/>
+              <a:ext cx="3116911" cy="516834"/>
+            </a:xfrm>
+            <a:prstGeom prst="roundRect">
+              <a:avLst/>
+            </a:prstGeom>
+          </p:spPr>
+          <p:style>
+            <a:lnRef idx="1">
+              <a:schemeClr val="accent1"/>
+            </a:lnRef>
+            <a:fillRef idx="3">
+              <a:schemeClr val="accent1"/>
+            </a:fillRef>
+            <a:effectRef idx="2">
+              <a:schemeClr val="accent1"/>
+            </a:effectRef>
+            <a:fontRef idx="minor">
+              <a:schemeClr val="lt1"/>
+            </a:fontRef>
+          </p:style>
+          <p:txBody>
+            <a:bodyPr rot="0" spcFirstLastPara="0" vert="horz" wrap="square" lIns="91440" tIns="45720" rIns="91440" bIns="45720" numCol="1" spcCol="0" rtlCol="0" fromWordArt="0" anchor="ctr" anchorCtr="0" forceAA="0" compatLnSpc="1">
+              <a:prstTxWarp prst="textNoShape">
+                <a:avLst/>
+              </a:prstTxWarp>
+              <a:noAutofit/>
+            </a:bodyPr>
+            <a:lstStyle/>
+            <a:p>
+              <a:pPr marL="0" marR="0" algn="ctr">
+                <a:lnSpc>
+                  <a:spcPct val="107000"/>
+                </a:lnSpc>
+                <a:spcBef>
+                  <a:spcPts val="0"/>
+                </a:spcBef>
+                <a:spcAft>
+                  <a:spcPts val="800"/>
+                </a:spcAft>
+              </a:pPr>
+              <a:r>
+                <a:rPr lang="en-US" sz="1400" dirty="0">
+                  <a:effectLst/>
+                  <a:ea typeface="Calibri" panose="020F0502020204030204" pitchFamily="34" charset="0"/>
+                  <a:cs typeface="Times New Roman" panose="02020603050405020304" pitchFamily="18" charset="0"/>
+                </a:rPr>
+                <a:t>View</a:t>
+              </a:r>
+              <a:endParaRPr lang="en-US" sz="1100" dirty="0">
+                <a:effectLst/>
+                <a:ea typeface="Calibri" panose="020F0502020204030204" pitchFamily="34" charset="0"/>
+                <a:cs typeface="Times New Roman" panose="02020603050405020304" pitchFamily="18" charset="0"/>
+              </a:endParaRPr>
+            </a:p>
+          </p:txBody>
+        </p:sp>
+        <p:sp>
+          <p:nvSpPr>
+            <p:cNvPr id="7" name="Rounded Rectangle 6"/>
+            <p:cNvSpPr/>
+            <p:nvPr/>
+          </p:nvSpPr>
+          <p:spPr>
+            <a:xfrm>
+              <a:off x="676192" y="847909"/>
+              <a:ext cx="3116580" cy="516255"/>
+            </a:xfrm>
+            <a:prstGeom prst="roundRect">
+              <a:avLst/>
+            </a:prstGeom>
+          </p:spPr>
+          <p:style>
+            <a:lnRef idx="1">
+              <a:schemeClr val="accent1"/>
+            </a:lnRef>
+            <a:fillRef idx="3">
+              <a:schemeClr val="accent1"/>
+            </a:fillRef>
+            <a:effectRef idx="2">
+              <a:schemeClr val="accent1"/>
+            </a:effectRef>
+            <a:fontRef idx="minor">
+              <a:schemeClr val="lt1"/>
+            </a:fontRef>
+          </p:style>
+          <p:txBody>
+            <a:bodyPr rot="0" spcFirstLastPara="0" vert="horz" wrap="square" lIns="91440" tIns="45720" rIns="91440" bIns="45720" numCol="1" spcCol="0" rtlCol="0" fromWordArt="0" anchor="ctr" anchorCtr="0" forceAA="0" compatLnSpc="1">
+              <a:prstTxWarp prst="textNoShape">
+                <a:avLst/>
+              </a:prstTxWarp>
+              <a:noAutofit/>
+            </a:bodyPr>
+            <a:lstStyle/>
+            <a:p>
+              <a:pPr marL="0" marR="0" algn="ctr">
+                <a:lnSpc>
+                  <a:spcPct val="106000"/>
+                </a:lnSpc>
+                <a:spcBef>
+                  <a:spcPts val="0"/>
+                </a:spcBef>
+                <a:spcAft>
+                  <a:spcPts val="800"/>
+                </a:spcAft>
+              </a:pPr>
+              <a:r>
+                <a:rPr lang="en-US" sz="1400" dirty="0" smtClean="0">
+                  <a:effectLst/>
+                  <a:latin typeface="Times New Roman" panose="02020603050405020304" pitchFamily="18" charset="0"/>
+                  <a:ea typeface="Calibri" panose="020F0502020204030204" pitchFamily="34" charset="0"/>
+                </a:rPr>
+                <a:t>Controller</a:t>
+              </a:r>
+              <a:endParaRPr lang="en-US" sz="1200" dirty="0">
+                <a:effectLst/>
+                <a:latin typeface="Times New Roman" panose="02020603050405020304" pitchFamily="18" charset="0"/>
+                <a:ea typeface="Times New Roman" panose="02020603050405020304" pitchFamily="18" charset="0"/>
+              </a:endParaRPr>
+            </a:p>
+          </p:txBody>
+        </p:sp>
+        <p:sp>
+          <p:nvSpPr>
+            <p:cNvPr id="8" name="Rounded Rectangle 7"/>
+            <p:cNvSpPr/>
+            <p:nvPr/>
+          </p:nvSpPr>
+          <p:spPr>
+            <a:xfrm>
+              <a:off x="676192" y="1412453"/>
+              <a:ext cx="3116580" cy="516255"/>
+            </a:xfrm>
+            <a:prstGeom prst="roundRect">
+              <a:avLst/>
+            </a:prstGeom>
+          </p:spPr>
+          <p:style>
+            <a:lnRef idx="1">
+              <a:schemeClr val="accent1"/>
+            </a:lnRef>
+            <a:fillRef idx="3">
+              <a:schemeClr val="accent1"/>
+            </a:fillRef>
+            <a:effectRef idx="2">
+              <a:schemeClr val="accent1"/>
+            </a:effectRef>
+            <a:fontRef idx="minor">
+              <a:schemeClr val="lt1"/>
+            </a:fontRef>
+          </p:style>
+          <p:txBody>
+            <a:bodyPr rot="0" spcFirstLastPara="0" vert="horz" wrap="square" lIns="91440" tIns="45720" rIns="91440" bIns="45720" numCol="1" spcCol="0" rtlCol="0" fromWordArt="0" anchor="ctr" anchorCtr="0" forceAA="0" compatLnSpc="1">
+              <a:prstTxWarp prst="textNoShape">
+                <a:avLst/>
+              </a:prstTxWarp>
+              <a:noAutofit/>
+            </a:bodyPr>
+            <a:lstStyle/>
+            <a:p>
+              <a:pPr marL="0" marR="0" algn="ctr">
+                <a:lnSpc>
+                  <a:spcPct val="106000"/>
+                </a:lnSpc>
+                <a:spcBef>
+                  <a:spcPts val="0"/>
+                </a:spcBef>
+                <a:spcAft>
+                  <a:spcPts val="800"/>
+                </a:spcAft>
+              </a:pPr>
+              <a:r>
+                <a:rPr lang="en-US" sz="1400" dirty="0">
+                  <a:effectLst/>
+                  <a:latin typeface="Times New Roman" panose="02020603050405020304" pitchFamily="18" charset="0"/>
+                  <a:ea typeface="Calibri" panose="020F0502020204030204" pitchFamily="34" charset="0"/>
+                </a:rPr>
+                <a:t>Project Business Layer</a:t>
+              </a:r>
+              <a:endParaRPr lang="en-US" sz="1600" dirty="0">
+                <a:effectLst/>
+                <a:latin typeface="Times New Roman" panose="02020603050405020304" pitchFamily="18" charset="0"/>
+                <a:ea typeface="Times New Roman" panose="02020603050405020304" pitchFamily="18" charset="0"/>
+              </a:endParaRPr>
+            </a:p>
+          </p:txBody>
+        </p:sp>
+        <p:sp>
+          <p:nvSpPr>
+            <p:cNvPr id="9" name="Rounded Rectangle 8"/>
+            <p:cNvSpPr/>
+            <p:nvPr/>
+          </p:nvSpPr>
+          <p:spPr>
+            <a:xfrm>
+              <a:off x="676192" y="1976995"/>
+              <a:ext cx="3116580" cy="516255"/>
+            </a:xfrm>
+            <a:prstGeom prst="roundRect">
+              <a:avLst/>
+            </a:prstGeom>
+          </p:spPr>
+          <p:style>
+            <a:lnRef idx="1">
+              <a:schemeClr val="accent1"/>
+            </a:lnRef>
+            <a:fillRef idx="3">
+              <a:schemeClr val="accent1"/>
+            </a:fillRef>
+            <a:effectRef idx="2">
+              <a:schemeClr val="accent1"/>
+            </a:effectRef>
+            <a:fontRef idx="minor">
+              <a:schemeClr val="lt1"/>
+            </a:fontRef>
+          </p:style>
+          <p:txBody>
+            <a:bodyPr rot="0" spcFirstLastPara="0" vert="horz" wrap="square" lIns="91440" tIns="45720" rIns="91440" bIns="45720" numCol="1" spcCol="0" rtlCol="0" fromWordArt="0" anchor="ctr" anchorCtr="0" forceAA="0" compatLnSpc="1">
+              <a:prstTxWarp prst="textNoShape">
+                <a:avLst/>
+              </a:prstTxWarp>
+              <a:noAutofit/>
+            </a:bodyPr>
+            <a:lstStyle/>
+            <a:p>
+              <a:pPr marL="0" marR="0" algn="ctr">
+                <a:lnSpc>
+                  <a:spcPct val="106000"/>
+                </a:lnSpc>
+                <a:spcBef>
+                  <a:spcPts val="0"/>
+                </a:spcBef>
+                <a:spcAft>
+                  <a:spcPts val="800"/>
+                </a:spcAft>
+              </a:pPr>
+              <a:r>
+                <a:rPr lang="en-US" sz="1400" dirty="0">
+                  <a:effectLst/>
+                  <a:latin typeface="Times New Roman" panose="02020603050405020304" pitchFamily="18" charset="0"/>
+                  <a:ea typeface="Calibri" panose="020F0502020204030204" pitchFamily="34" charset="0"/>
+                </a:rPr>
+                <a:t>Project Data Layer</a:t>
+              </a:r>
+              <a:endParaRPr lang="en-US" sz="1600" dirty="0">
+                <a:effectLst/>
+                <a:latin typeface="Times New Roman" panose="02020603050405020304" pitchFamily="18" charset="0"/>
+                <a:ea typeface="Times New Roman" panose="02020603050405020304" pitchFamily="18" charset="0"/>
+              </a:endParaRPr>
+            </a:p>
+          </p:txBody>
+        </p:sp>
+        <p:sp>
+          <p:nvSpPr>
+            <p:cNvPr id="10" name="Rounded Rectangle 9"/>
+            <p:cNvSpPr/>
+            <p:nvPr/>
+          </p:nvSpPr>
+          <p:spPr>
+            <a:xfrm>
+              <a:off x="676192" y="2541537"/>
+              <a:ext cx="3116580" cy="516255"/>
+            </a:xfrm>
+            <a:prstGeom prst="roundRect">
+              <a:avLst/>
+            </a:prstGeom>
+          </p:spPr>
+          <p:style>
+            <a:lnRef idx="1">
+              <a:schemeClr val="accent1"/>
+            </a:lnRef>
+            <a:fillRef idx="3">
+              <a:schemeClr val="accent1"/>
+            </a:fillRef>
+            <a:effectRef idx="2">
+              <a:schemeClr val="accent1"/>
+            </a:effectRef>
+            <a:fontRef idx="minor">
+              <a:schemeClr val="lt1"/>
+            </a:fontRef>
+          </p:style>
+          <p:txBody>
+            <a:bodyPr rot="0" spcFirstLastPara="0" vert="horz" wrap="square" lIns="91440" tIns="45720" rIns="91440" bIns="45720" numCol="1" spcCol="0" rtlCol="0" fromWordArt="0" anchor="ctr" anchorCtr="0" forceAA="0" compatLnSpc="1">
+              <a:prstTxWarp prst="textNoShape">
+                <a:avLst/>
+              </a:prstTxWarp>
+              <a:noAutofit/>
+            </a:bodyPr>
+            <a:lstStyle/>
+            <a:p>
+              <a:pPr marL="0" marR="0" algn="ctr">
+                <a:lnSpc>
+                  <a:spcPct val="106000"/>
+                </a:lnSpc>
+                <a:spcBef>
+                  <a:spcPts val="0"/>
+                </a:spcBef>
+                <a:spcAft>
+                  <a:spcPts val="800"/>
+                </a:spcAft>
+              </a:pPr>
+              <a:r>
+                <a:rPr lang="en-US" sz="1400" dirty="0" smtClean="0">
+                  <a:effectLst/>
+                  <a:latin typeface="Times New Roman" panose="02020603050405020304" pitchFamily="18" charset="0"/>
+                  <a:ea typeface="Calibri" panose="020F0502020204030204" pitchFamily="34" charset="0"/>
+                </a:rPr>
+                <a:t>Entity Framework</a:t>
+              </a:r>
+            </a:p>
+          </p:txBody>
+        </p:sp>
+      </p:grpSp>
       <p:sp>
         <p:nvSpPr>
-          <p:cNvPr id="2" name="Title 1"/>
-          <p:cNvSpPr>
-            <a:spLocks noGrp="1"/>
-          </p:cNvSpPr>
-          <p:nvPr>
-            <p:ph type="title"/>
-          </p:nvPr>
+          <p:cNvPr id="11" name="Rounded Rectangle 10"/>
+          <p:cNvSpPr/>
+          <p:nvPr/>
         </p:nvSpPr>
         <p:spPr>
           <a:xfrm>
-            <a:off x="677334" y="609600"/>
-            <a:ext cx="8596668" cy="774357"/>
+            <a:off x="2834414" y="4806776"/>
+            <a:ext cx="3116580" cy="516255"/>
           </a:xfrm>
+          <a:prstGeom prst="roundRect">
+            <a:avLst/>
+          </a:prstGeom>
         </p:spPr>
+        <p:style>
+          <a:lnRef idx="1">
+            <a:schemeClr val="accent1"/>
+          </a:lnRef>
+          <a:fillRef idx="3">
+            <a:schemeClr val="accent1"/>
+          </a:fillRef>
+          <a:effectRef idx="2">
+            <a:schemeClr val="accent1"/>
+          </a:effectRef>
+          <a:fontRef idx="minor">
+            <a:schemeClr val="lt1"/>
+          </a:fontRef>
+        </p:style>
         <p:txBody>
-          <a:bodyPr>
+          <a:bodyPr rot="0" spcFirstLastPara="0" vert="horz" wrap="square" lIns="91440" tIns="45720" rIns="91440" bIns="45720" numCol="1" spcCol="0" rtlCol="0" fromWordArt="0" anchor="ctr" anchorCtr="0" forceAA="0" compatLnSpc="1">
+            <a:prstTxWarp prst="textNoShape">
+              <a:avLst/>
+            </a:prstTxWarp>
             <a:noAutofit/>
           </a:bodyPr>
           <a:lstStyle/>
           <a:p>
-            <a:r>
-              <a:rPr lang="en-US" sz="5400" dirty="0" smtClean="0"/>
-              <a:t>Backlog</a:t>
-            </a:r>
-            <a:endParaRPr lang="en-US" sz="5400" dirty="0"/>
+            <a:pPr marL="0" marR="0" algn="ctr">
+              <a:lnSpc>
+                <a:spcPct val="106000"/>
+              </a:lnSpc>
+              <a:spcBef>
+                <a:spcPts val="0"/>
+              </a:spcBef>
+              <a:spcAft>
+                <a:spcPts val="800"/>
+              </a:spcAft>
+            </a:pPr>
+            <a:r>
+              <a:rPr lang="en-US" sz="1400" dirty="0">
+                <a:effectLst/>
+                <a:latin typeface="Times New Roman" panose="02020603050405020304" pitchFamily="18" charset="0"/>
+                <a:ea typeface="Calibri" panose="020F0502020204030204" pitchFamily="34" charset="0"/>
+              </a:rPr>
+              <a:t>Database</a:t>
+            </a:r>
+            <a:endParaRPr lang="en-US" sz="1600" dirty="0">
+              <a:effectLst/>
+              <a:latin typeface="Times New Roman" panose="02020603050405020304" pitchFamily="18" charset="0"/>
+              <a:ea typeface="Times New Roman" panose="02020603050405020304" pitchFamily="18" charset="0"/>
+            </a:endParaRPr>
+          </a:p>
+        </p:txBody>
+      </p:sp>
+      <p:sp>
+        <p:nvSpPr>
+          <p:cNvPr id="12" name="Rounded Rectangle 11"/>
+          <p:cNvSpPr/>
+          <p:nvPr/>
+        </p:nvSpPr>
+        <p:spPr>
+          <a:xfrm>
+            <a:off x="6086332" y="4797720"/>
+            <a:ext cx="1558290" cy="516255"/>
+          </a:xfrm>
+          <a:prstGeom prst="roundRect">
+            <a:avLst/>
+          </a:prstGeom>
+          <a:solidFill>
+            <a:schemeClr val="accent2">
+              <a:lumMod val="75000"/>
+            </a:schemeClr>
+          </a:solidFill>
+        </p:spPr>
+        <p:style>
+          <a:lnRef idx="1">
+            <a:schemeClr val="accent1"/>
+          </a:lnRef>
+          <a:fillRef idx="3">
+            <a:schemeClr val="accent1"/>
+          </a:fillRef>
+          <a:effectRef idx="2">
+            <a:schemeClr val="accent1"/>
+          </a:effectRef>
+          <a:fontRef idx="minor">
+            <a:schemeClr val="lt1"/>
+          </a:fontRef>
+        </p:style>
+        <p:txBody>
+          <a:bodyPr rot="0" spcFirstLastPara="0" vert="horz" wrap="square" lIns="91440" tIns="45720" rIns="91440" bIns="45720" numCol="1" spcCol="0" rtlCol="0" fromWordArt="0" anchor="ctr" anchorCtr="0" forceAA="0" compatLnSpc="1">
+            <a:prstTxWarp prst="textNoShape">
+              <a:avLst/>
+            </a:prstTxWarp>
+            <a:noAutofit/>
+          </a:bodyPr>
+          <a:lstStyle/>
+          <a:p>
+            <a:pPr marL="0" marR="0" algn="ctr">
+              <a:lnSpc>
+                <a:spcPct val="106000"/>
+              </a:lnSpc>
+              <a:spcBef>
+                <a:spcPts val="0"/>
+              </a:spcBef>
+              <a:spcAft>
+                <a:spcPts val="800"/>
+              </a:spcAft>
+            </a:pPr>
+            <a:r>
+              <a:rPr lang="en-US" sz="1400" dirty="0" smtClean="0">
+                <a:latin typeface="Times New Roman" panose="02020603050405020304" pitchFamily="18" charset="0"/>
+                <a:ea typeface="Times New Roman" panose="02020603050405020304" pitchFamily="18" charset="0"/>
+              </a:rPr>
+              <a:t>MS SQL </a:t>
+            </a:r>
+            <a:r>
+              <a:rPr lang="en-US" sz="1400" dirty="0" smtClean="0">
+                <a:latin typeface="Times New Roman" panose="02020603050405020304" pitchFamily="18" charset="0"/>
+                <a:ea typeface="Times New Roman" panose="02020603050405020304" pitchFamily="18" charset="0"/>
+              </a:rPr>
+              <a:t>Azure</a:t>
+            </a:r>
+            <a:endParaRPr lang="en-US" sz="1600" dirty="0">
+              <a:effectLst/>
+              <a:latin typeface="Times New Roman" panose="02020603050405020304" pitchFamily="18" charset="0"/>
+              <a:ea typeface="Times New Roman" panose="02020603050405020304" pitchFamily="18" charset="0"/>
+            </a:endParaRPr>
+          </a:p>
+        </p:txBody>
+      </p:sp>
+      <p:sp>
+        <p:nvSpPr>
+          <p:cNvPr id="13" name="Rounded Rectangle 12"/>
+          <p:cNvSpPr/>
+          <p:nvPr/>
+        </p:nvSpPr>
+        <p:spPr>
+          <a:xfrm>
+            <a:off x="6086332" y="2005673"/>
+            <a:ext cx="1558290" cy="2731208"/>
+          </a:xfrm>
+          <a:prstGeom prst="roundRect">
+            <a:avLst/>
+          </a:prstGeom>
+          <a:solidFill>
+            <a:schemeClr val="accent2">
+              <a:lumMod val="75000"/>
+            </a:schemeClr>
+          </a:solidFill>
+        </p:spPr>
+        <p:style>
+          <a:lnRef idx="1">
+            <a:schemeClr val="accent1"/>
+          </a:lnRef>
+          <a:fillRef idx="3">
+            <a:schemeClr val="accent1"/>
+          </a:fillRef>
+          <a:effectRef idx="2">
+            <a:schemeClr val="accent1"/>
+          </a:effectRef>
+          <a:fontRef idx="minor">
+            <a:schemeClr val="lt1"/>
+          </a:fontRef>
+        </p:style>
+        <p:txBody>
+          <a:bodyPr rot="0" spcFirstLastPara="0" vert="horz" wrap="square" lIns="91440" tIns="45720" rIns="91440" bIns="45720" numCol="1" spcCol="0" rtlCol="0" fromWordArt="0" anchor="ctr" anchorCtr="0" forceAA="0" compatLnSpc="1">
+            <a:prstTxWarp prst="textNoShape">
+              <a:avLst/>
+            </a:prstTxWarp>
+            <a:noAutofit/>
+          </a:bodyPr>
+          <a:lstStyle/>
+          <a:p>
+            <a:pPr marL="0" marR="0" algn="ctr">
+              <a:lnSpc>
+                <a:spcPct val="106000"/>
+              </a:lnSpc>
+              <a:spcBef>
+                <a:spcPts val="0"/>
+              </a:spcBef>
+              <a:spcAft>
+                <a:spcPts val="800"/>
+              </a:spcAft>
+            </a:pPr>
+            <a:r>
+              <a:rPr lang="en-US" sz="1400" dirty="0" smtClean="0">
+                <a:latin typeface="Times New Roman" panose="02020603050405020304" pitchFamily="18" charset="0"/>
+                <a:ea typeface="Times New Roman" panose="02020603050405020304" pitchFamily="18" charset="0"/>
+              </a:rPr>
+              <a:t>.NET Framework</a:t>
+            </a:r>
+          </a:p>
+        </p:txBody>
+      </p:sp>
+      <p:sp>
+        <p:nvSpPr>
+          <p:cNvPr id="14" name="Rounded Rectangle 13"/>
+          <p:cNvSpPr/>
+          <p:nvPr/>
+        </p:nvSpPr>
+        <p:spPr>
+          <a:xfrm>
+            <a:off x="7779960" y="1978994"/>
+            <a:ext cx="1558290" cy="1085288"/>
+          </a:xfrm>
+          <a:prstGeom prst="roundRect">
+            <a:avLst/>
+          </a:prstGeom>
+          <a:solidFill>
+            <a:schemeClr val="accent2">
+              <a:lumMod val="75000"/>
+            </a:schemeClr>
+          </a:solidFill>
+        </p:spPr>
+        <p:style>
+          <a:lnRef idx="1">
+            <a:schemeClr val="accent1"/>
+          </a:lnRef>
+          <a:fillRef idx="3">
+            <a:schemeClr val="accent1"/>
+          </a:fillRef>
+          <a:effectRef idx="2">
+            <a:schemeClr val="accent1"/>
+          </a:effectRef>
+          <a:fontRef idx="minor">
+            <a:schemeClr val="lt1"/>
+          </a:fontRef>
+        </p:style>
+        <p:txBody>
+          <a:bodyPr rot="0" spcFirstLastPara="0" vert="horz" wrap="square" lIns="91440" tIns="45720" rIns="91440" bIns="45720" numCol="1" spcCol="0" rtlCol="0" fromWordArt="0" anchor="ctr" anchorCtr="0" forceAA="0" compatLnSpc="1">
+            <a:prstTxWarp prst="textNoShape">
+              <a:avLst/>
+            </a:prstTxWarp>
+            <a:noAutofit/>
+          </a:bodyPr>
+          <a:lstStyle/>
+          <a:p>
+            <a:pPr marL="0" marR="0" algn="ctr">
+              <a:lnSpc>
+                <a:spcPct val="106000"/>
+              </a:lnSpc>
+              <a:spcBef>
+                <a:spcPts val="0"/>
+              </a:spcBef>
+              <a:spcAft>
+                <a:spcPts val="800"/>
+              </a:spcAft>
+            </a:pPr>
+            <a:r>
+              <a:rPr lang="en-US" sz="1400" dirty="0" smtClean="0">
+                <a:latin typeface="Times New Roman" panose="02020603050405020304" pitchFamily="18" charset="0"/>
+                <a:ea typeface="Times New Roman" panose="02020603050405020304" pitchFamily="18" charset="0"/>
+              </a:rPr>
+              <a:t>ASP.NET</a:t>
+            </a:r>
+          </a:p>
+          <a:p>
+            <a:pPr marL="0" marR="0" algn="ctr">
+              <a:lnSpc>
+                <a:spcPct val="106000"/>
+              </a:lnSpc>
+              <a:spcBef>
+                <a:spcPts val="0"/>
+              </a:spcBef>
+              <a:spcAft>
+                <a:spcPts val="800"/>
+              </a:spcAft>
+            </a:pPr>
+            <a:r>
+              <a:rPr lang="en-US" sz="1400" dirty="0" smtClean="0">
+                <a:effectLst/>
+                <a:latin typeface="Times New Roman" panose="02020603050405020304" pitchFamily="18" charset="0"/>
+                <a:ea typeface="Times New Roman" panose="02020603050405020304" pitchFamily="18" charset="0"/>
+              </a:rPr>
+              <a:t>MVC 5</a:t>
+            </a:r>
+            <a:endParaRPr lang="en-US" sz="1200" dirty="0">
+              <a:effectLst/>
+              <a:latin typeface="Times New Roman" panose="02020603050405020304" pitchFamily="18" charset="0"/>
+              <a:ea typeface="Times New Roman" panose="02020603050405020304" pitchFamily="18" charset="0"/>
+            </a:endParaRPr>
           </a:p>
         </p:txBody>
       </p:sp>
     </p:spTree>
     <p:extLst>
       <p:ext uri="{BB962C8B-B14F-4D97-AF65-F5344CB8AC3E}">
-        <p14:creationId xmlns:p14="http://schemas.microsoft.com/office/powerpoint/2010/main" val="4221975140"/>
+        <p14:creationId xmlns:p14="http://schemas.microsoft.com/office/powerpoint/2010/main" val="3732072209"/>
       </p:ext>
     </p:extLst>
   </p:cSld>
   <p:clrMapOvr>
     <a:masterClrMapping/>
   </p:clrMapOvr>
+  <p:timing>
+    <p:tnLst>
+      <p:par>
+        <p:cTn id="1" dur="indefinite" restart="never" nodeType="tmRoot"/>
+      </p:par>
+    </p:tnLst>
+  </p:timing>
 </p:sld>
 </file>
 
@@ -10760,6 +10296,13 @@
   <p:clrMapOvr>
     <a:masterClrMapping/>
   </p:clrMapOvr>
+  <p:timing>
+    <p:tnLst>
+      <p:par>
+        <p:cTn id="1" dur="indefinite" restart="never" nodeType="tmRoot"/>
+      </p:par>
+    </p:tnLst>
+  </p:timing>
 </p:sld>
 </file>
 
@@ -10864,15 +10407,7 @@
             </a:pPr>
             <a:r>
               <a:rPr lang="en-US" sz="4000" dirty="0"/>
-              <a:t>                    parent: </a:t>
-            </a:r>
-            <a:r>
-              <a:rPr lang="en-US" sz="4000" dirty="0"/>
-              <a:t>null</a:t>
-            </a:r>
-            <a:r>
-              <a:rPr lang="en-US" sz="4000" dirty="0"/>
-              <a:t>,</a:t>
+              <a:t>                    parent: null,</a:t>
             </a:r>
           </a:p>
           <a:p>
@@ -11060,11 +10595,7 @@
             </a:pPr>
             <a:r>
               <a:rPr lang="en-US" sz="4000" dirty="0"/>
-              <a:t> </a:t>
-            </a:r>
-            <a:r>
-              <a:rPr lang="en-US" sz="4000" dirty="0"/>
-              <a:t>@foreach(var item in Model)</a:t>
+              <a:t> @foreach(var item in Model)</a:t>
             </a:r>
           </a:p>
           <a:p>
@@ -11285,11 +10816,7 @@
             </a:pPr>
             <a:r>
               <a:rPr lang="en-US" sz="4000" dirty="0"/>
-              <a:t> </a:t>
-            </a:r>
-            <a:r>
-              <a:rPr lang="en-US" sz="4000" dirty="0"/>
-              <a:t>@:items.push(newItem);</a:t>
+              <a:t> @:items.push(newItem);</a:t>
             </a:r>
           </a:p>
           <a:p>
@@ -11331,6 +10858,13 @@
   <p:clrMapOvr>
     <a:masterClrMapping/>
   </p:clrMapOvr>
+  <p:timing>
+    <p:tnLst>
+      <p:par>
+        <p:cTn id="1" dur="indefinite" restart="never" nodeType="tmRoot"/>
+      </p:par>
+    </p:tnLst>
+  </p:timing>
 </p:sld>
 </file>
 
@@ -12382,428 +11916,6 @@
 </file>
 
 <file path=ppt/slides/slide4.xml><?xml version="1.0" encoding="utf-8"?>
-<p:sld xmlns:a="http://schemas.openxmlformats.org/drawingml/2006/main" xmlns:r="http://schemas.openxmlformats.org/officeDocument/2006/relationships" xmlns:p="http://schemas.openxmlformats.org/presentationml/2006/main">
-  <p:cSld>
-    <p:spTree>
-      <p:nvGrpSpPr>
-        <p:cNvPr id="1" name=""/>
-        <p:cNvGrpSpPr/>
-        <p:nvPr/>
-      </p:nvGrpSpPr>
-      <p:grpSpPr>
-        <a:xfrm>
-          <a:off x="0" y="0"/>
-          <a:ext cx="0" cy="0"/>
-          <a:chOff x="0" y="0"/>
-          <a:chExt cx="0" cy="0"/>
-        </a:xfrm>
-      </p:grpSpPr>
-      <p:sp>
-        <p:nvSpPr>
-          <p:cNvPr id="2" name="Title 1"/>
-          <p:cNvSpPr>
-            <a:spLocks noGrp="1"/>
-          </p:cNvSpPr>
-          <p:nvPr>
-            <p:ph type="title"/>
-          </p:nvPr>
-        </p:nvSpPr>
-        <p:spPr/>
-        <p:txBody>
-          <a:bodyPr/>
-          <a:lstStyle/>
-          <a:p>
-            <a:endParaRPr lang="en-US" dirty="0"/>
-          </a:p>
-        </p:txBody>
-      </p:sp>
-      <p:sp>
-        <p:nvSpPr>
-          <p:cNvPr id="3" name="Content Placeholder 2"/>
-          <p:cNvSpPr>
-            <a:spLocks noGrp="1"/>
-          </p:cNvSpPr>
-          <p:nvPr>
-            <p:ph idx="1"/>
-          </p:nvPr>
-        </p:nvSpPr>
-        <p:spPr/>
-        <p:txBody>
-          <a:bodyPr/>
-          <a:lstStyle/>
-          <a:p>
-            <a:pPr marL="0" indent="0">
-              <a:buNone/>
-            </a:pPr>
-            <a:endParaRPr lang="en-US" dirty="0"/>
-          </a:p>
-        </p:txBody>
-      </p:sp>
-      <p:grpSp>
-        <p:nvGrpSpPr>
-          <p:cNvPr id="4" name="Canvas 1"/>
-          <p:cNvGrpSpPr/>
-          <p:nvPr/>
-        </p:nvGrpSpPr>
-        <p:grpSpPr>
-          <a:xfrm>
-            <a:off x="2117125" y="2430162"/>
-            <a:ext cx="5486400" cy="3200400"/>
-            <a:chOff x="0" y="0"/>
-            <a:chExt cx="5486400" cy="3200400"/>
-          </a:xfrm>
-        </p:grpSpPr>
-        <p:sp>
-          <p:nvSpPr>
-            <p:cNvPr id="5" name="Rectangle 4"/>
-            <p:cNvSpPr/>
-            <p:nvPr/>
-          </p:nvSpPr>
-          <p:spPr>
-            <a:xfrm>
-              <a:off x="0" y="0"/>
-              <a:ext cx="5486400" cy="3200400"/>
-            </a:xfrm>
-            <a:prstGeom prst="rect">
-              <a:avLst/>
-            </a:prstGeom>
-          </p:spPr>
-        </p:sp>
-        <p:sp>
-          <p:nvSpPr>
-            <p:cNvPr id="6" name="Rounded Rectangle 5"/>
-            <p:cNvSpPr/>
-            <p:nvPr/>
-          </p:nvSpPr>
-          <p:spPr>
-            <a:xfrm>
-              <a:off x="675861" y="278297"/>
-              <a:ext cx="3116911" cy="516834"/>
-            </a:xfrm>
-            <a:prstGeom prst="roundRect">
-              <a:avLst/>
-            </a:prstGeom>
-          </p:spPr>
-          <p:style>
-            <a:lnRef idx="1">
-              <a:schemeClr val="accent1"/>
-            </a:lnRef>
-            <a:fillRef idx="3">
-              <a:schemeClr val="accent1"/>
-            </a:fillRef>
-            <a:effectRef idx="2">
-              <a:schemeClr val="accent1"/>
-            </a:effectRef>
-            <a:fontRef idx="minor">
-              <a:schemeClr val="lt1"/>
-            </a:fontRef>
-          </p:style>
-          <p:txBody>
-            <a:bodyPr rot="0" spcFirstLastPara="0" vert="horz" wrap="square" lIns="91440" tIns="45720" rIns="91440" bIns="45720" numCol="1" spcCol="0" rtlCol="0" fromWordArt="0" anchor="ctr" anchorCtr="0" forceAA="0" compatLnSpc="1">
-              <a:prstTxWarp prst="textNoShape">
-                <a:avLst/>
-              </a:prstTxWarp>
-              <a:noAutofit/>
-            </a:bodyPr>
-            <a:lstStyle/>
-            <a:p>
-              <a:pPr marL="0" marR="0" algn="ctr">
-                <a:lnSpc>
-                  <a:spcPct val="107000"/>
-                </a:lnSpc>
-                <a:spcBef>
-                  <a:spcPts val="0"/>
-                </a:spcBef>
-                <a:spcAft>
-                  <a:spcPts val="800"/>
-                </a:spcAft>
-              </a:pPr>
-              <a:r>
-                <a:rPr lang="en-US" sz="1100">
-                  <a:effectLst/>
-                  <a:ea typeface="Calibri" panose="020F0502020204030204" pitchFamily="34" charset="0"/>
-                  <a:cs typeface="Times New Roman" panose="02020603050405020304" pitchFamily="18" charset="0"/>
-                </a:rPr>
-                <a:t>View</a:t>
-              </a:r>
-            </a:p>
-          </p:txBody>
-        </p:sp>
-        <p:sp>
-          <p:nvSpPr>
-            <p:cNvPr id="7" name="Rounded Rectangle 6"/>
-            <p:cNvSpPr/>
-            <p:nvPr/>
-          </p:nvSpPr>
-          <p:spPr>
-            <a:xfrm>
-              <a:off x="676192" y="847909"/>
-              <a:ext cx="3116580" cy="516255"/>
-            </a:xfrm>
-            <a:prstGeom prst="roundRect">
-              <a:avLst/>
-            </a:prstGeom>
-          </p:spPr>
-          <p:style>
-            <a:lnRef idx="1">
-              <a:schemeClr val="accent1"/>
-            </a:lnRef>
-            <a:fillRef idx="3">
-              <a:schemeClr val="accent1"/>
-            </a:fillRef>
-            <a:effectRef idx="2">
-              <a:schemeClr val="accent1"/>
-            </a:effectRef>
-            <a:fontRef idx="minor">
-              <a:schemeClr val="lt1"/>
-            </a:fontRef>
-          </p:style>
-          <p:txBody>
-            <a:bodyPr rot="0" spcFirstLastPara="0" vert="horz" wrap="square" lIns="91440" tIns="45720" rIns="91440" bIns="45720" numCol="1" spcCol="0" rtlCol="0" fromWordArt="0" anchor="ctr" anchorCtr="0" forceAA="0" compatLnSpc="1">
-              <a:prstTxWarp prst="textNoShape">
-                <a:avLst/>
-              </a:prstTxWarp>
-              <a:noAutofit/>
-            </a:bodyPr>
-            <a:lstStyle/>
-            <a:p>
-              <a:pPr marL="0" marR="0" algn="ctr">
-                <a:lnSpc>
-                  <a:spcPct val="106000"/>
-                </a:lnSpc>
-                <a:spcBef>
-                  <a:spcPts val="0"/>
-                </a:spcBef>
-                <a:spcAft>
-                  <a:spcPts val="800"/>
-                </a:spcAft>
-              </a:pPr>
-              <a:r>
-                <a:rPr lang="en-US" sz="1100">
-                  <a:effectLst/>
-                  <a:latin typeface="Times New Roman" panose="02020603050405020304" pitchFamily="18" charset="0"/>
-                  <a:ea typeface="Calibri" panose="020F0502020204030204" pitchFamily="34" charset="0"/>
-                </a:rPr>
-                <a:t>Action Controller</a:t>
-              </a:r>
-              <a:endParaRPr lang="en-US" sz="1200">
-                <a:effectLst/>
-                <a:latin typeface="Times New Roman" panose="02020603050405020304" pitchFamily="18" charset="0"/>
-                <a:ea typeface="Times New Roman" panose="02020603050405020304" pitchFamily="18" charset="0"/>
-              </a:endParaRPr>
-            </a:p>
-          </p:txBody>
-        </p:sp>
-        <p:sp>
-          <p:nvSpPr>
-            <p:cNvPr id="8" name="Rounded Rectangle 7"/>
-            <p:cNvSpPr/>
-            <p:nvPr/>
-          </p:nvSpPr>
-          <p:spPr>
-            <a:xfrm>
-              <a:off x="676192" y="1412453"/>
-              <a:ext cx="3116580" cy="516255"/>
-            </a:xfrm>
-            <a:prstGeom prst="roundRect">
-              <a:avLst/>
-            </a:prstGeom>
-          </p:spPr>
-          <p:style>
-            <a:lnRef idx="1">
-              <a:schemeClr val="accent1"/>
-            </a:lnRef>
-            <a:fillRef idx="3">
-              <a:schemeClr val="accent1"/>
-            </a:fillRef>
-            <a:effectRef idx="2">
-              <a:schemeClr val="accent1"/>
-            </a:effectRef>
-            <a:fontRef idx="minor">
-              <a:schemeClr val="lt1"/>
-            </a:fontRef>
-          </p:style>
-          <p:txBody>
-            <a:bodyPr rot="0" spcFirstLastPara="0" vert="horz" wrap="square" lIns="91440" tIns="45720" rIns="91440" bIns="45720" numCol="1" spcCol="0" rtlCol="0" fromWordArt="0" anchor="ctr" anchorCtr="0" forceAA="0" compatLnSpc="1">
-              <a:prstTxWarp prst="textNoShape">
-                <a:avLst/>
-              </a:prstTxWarp>
-              <a:noAutofit/>
-            </a:bodyPr>
-            <a:lstStyle/>
-            <a:p>
-              <a:pPr marL="0" marR="0" algn="ctr">
-                <a:lnSpc>
-                  <a:spcPct val="106000"/>
-                </a:lnSpc>
-                <a:spcBef>
-                  <a:spcPts val="0"/>
-                </a:spcBef>
-                <a:spcAft>
-                  <a:spcPts val="800"/>
-                </a:spcAft>
-              </a:pPr>
-              <a:r>
-                <a:rPr lang="en-US" sz="1100">
-                  <a:effectLst/>
-                  <a:latin typeface="Times New Roman" panose="02020603050405020304" pitchFamily="18" charset="0"/>
-                  <a:ea typeface="Calibri" panose="020F0502020204030204" pitchFamily="34" charset="0"/>
-                </a:rPr>
-                <a:t>Project Business Layer</a:t>
-              </a:r>
-              <a:endParaRPr lang="en-US" sz="1200">
-                <a:effectLst/>
-                <a:latin typeface="Times New Roman" panose="02020603050405020304" pitchFamily="18" charset="0"/>
-                <a:ea typeface="Times New Roman" panose="02020603050405020304" pitchFamily="18" charset="0"/>
-              </a:endParaRPr>
-            </a:p>
-          </p:txBody>
-        </p:sp>
-        <p:sp>
-          <p:nvSpPr>
-            <p:cNvPr id="9" name="Rounded Rectangle 8"/>
-            <p:cNvSpPr/>
-            <p:nvPr/>
-          </p:nvSpPr>
-          <p:spPr>
-            <a:xfrm>
-              <a:off x="676192" y="1976995"/>
-              <a:ext cx="3116580" cy="516255"/>
-            </a:xfrm>
-            <a:prstGeom prst="roundRect">
-              <a:avLst/>
-            </a:prstGeom>
-          </p:spPr>
-          <p:style>
-            <a:lnRef idx="1">
-              <a:schemeClr val="accent1"/>
-            </a:lnRef>
-            <a:fillRef idx="3">
-              <a:schemeClr val="accent1"/>
-            </a:fillRef>
-            <a:effectRef idx="2">
-              <a:schemeClr val="accent1"/>
-            </a:effectRef>
-            <a:fontRef idx="minor">
-              <a:schemeClr val="lt1"/>
-            </a:fontRef>
-          </p:style>
-          <p:txBody>
-            <a:bodyPr rot="0" spcFirstLastPara="0" vert="horz" wrap="square" lIns="91440" tIns="45720" rIns="91440" bIns="45720" numCol="1" spcCol="0" rtlCol="0" fromWordArt="0" anchor="ctr" anchorCtr="0" forceAA="0" compatLnSpc="1">
-              <a:prstTxWarp prst="textNoShape">
-                <a:avLst/>
-              </a:prstTxWarp>
-              <a:noAutofit/>
-            </a:bodyPr>
-            <a:lstStyle/>
-            <a:p>
-              <a:pPr marL="0" marR="0" algn="ctr">
-                <a:lnSpc>
-                  <a:spcPct val="106000"/>
-                </a:lnSpc>
-                <a:spcBef>
-                  <a:spcPts val="0"/>
-                </a:spcBef>
-                <a:spcAft>
-                  <a:spcPts val="800"/>
-                </a:spcAft>
-              </a:pPr>
-              <a:r>
-                <a:rPr lang="en-US" sz="1100">
-                  <a:effectLst/>
-                  <a:latin typeface="Times New Roman" panose="02020603050405020304" pitchFamily="18" charset="0"/>
-                  <a:ea typeface="Calibri" panose="020F0502020204030204" pitchFamily="34" charset="0"/>
-                </a:rPr>
-                <a:t>Project Data Layer</a:t>
-              </a:r>
-              <a:endParaRPr lang="en-US" sz="1200">
-                <a:effectLst/>
-                <a:latin typeface="Times New Roman" panose="02020603050405020304" pitchFamily="18" charset="0"/>
-                <a:ea typeface="Times New Roman" panose="02020603050405020304" pitchFamily="18" charset="0"/>
-              </a:endParaRPr>
-            </a:p>
-          </p:txBody>
-        </p:sp>
-        <p:sp>
-          <p:nvSpPr>
-            <p:cNvPr id="10" name="Rounded Rectangle 9"/>
-            <p:cNvSpPr/>
-            <p:nvPr/>
-          </p:nvSpPr>
-          <p:spPr>
-            <a:xfrm>
-              <a:off x="676192" y="2541537"/>
-              <a:ext cx="3116580" cy="516255"/>
-            </a:xfrm>
-            <a:prstGeom prst="roundRect">
-              <a:avLst/>
-            </a:prstGeom>
-          </p:spPr>
-          <p:style>
-            <a:lnRef idx="1">
-              <a:schemeClr val="accent1"/>
-            </a:lnRef>
-            <a:fillRef idx="3">
-              <a:schemeClr val="accent1"/>
-            </a:fillRef>
-            <a:effectRef idx="2">
-              <a:schemeClr val="accent1"/>
-            </a:effectRef>
-            <a:fontRef idx="minor">
-              <a:schemeClr val="lt1"/>
-            </a:fontRef>
-          </p:style>
-          <p:txBody>
-            <a:bodyPr rot="0" spcFirstLastPara="0" vert="horz" wrap="square" lIns="91440" tIns="45720" rIns="91440" bIns="45720" numCol="1" spcCol="0" rtlCol="0" fromWordArt="0" anchor="ctr" anchorCtr="0" forceAA="0" compatLnSpc="1">
-              <a:prstTxWarp prst="textNoShape">
-                <a:avLst/>
-              </a:prstTxWarp>
-              <a:noAutofit/>
-            </a:bodyPr>
-            <a:lstStyle/>
-            <a:p>
-              <a:pPr marL="0" marR="0" algn="ctr">
-                <a:lnSpc>
-                  <a:spcPct val="106000"/>
-                </a:lnSpc>
-                <a:spcBef>
-                  <a:spcPts val="0"/>
-                </a:spcBef>
-                <a:spcAft>
-                  <a:spcPts val="800"/>
-                </a:spcAft>
-              </a:pPr>
-              <a:r>
-                <a:rPr lang="en-US" sz="1100">
-                  <a:effectLst/>
-                  <a:latin typeface="Times New Roman" panose="02020603050405020304" pitchFamily="18" charset="0"/>
-                  <a:ea typeface="Calibri" panose="020F0502020204030204" pitchFamily="34" charset="0"/>
-                </a:rPr>
-                <a:t>Database</a:t>
-              </a:r>
-              <a:endParaRPr lang="en-US" sz="1200">
-                <a:effectLst/>
-                <a:latin typeface="Times New Roman" panose="02020603050405020304" pitchFamily="18" charset="0"/>
-                <a:ea typeface="Times New Roman" panose="02020603050405020304" pitchFamily="18" charset="0"/>
-              </a:endParaRPr>
-            </a:p>
-          </p:txBody>
-        </p:sp>
-      </p:grpSp>
-    </p:spTree>
-    <p:extLst>
-      <p:ext uri="{BB962C8B-B14F-4D97-AF65-F5344CB8AC3E}">
-        <p14:creationId xmlns:p14="http://schemas.microsoft.com/office/powerpoint/2010/main" val="3732072209"/>
-      </p:ext>
-    </p:extLst>
-  </p:cSld>
-  <p:clrMapOvr>
-    <a:masterClrMapping/>
-  </p:clrMapOvr>
-</p:sld>
-</file>
-
-<file path=ppt/slides/slide5.xml><?xml version="1.0" encoding="utf-8"?>
 <p:sld xmlns:a="http://schemas.openxmlformats.org/drawingml/2006/main" xmlns:r="http://schemas.openxmlformats.org/officeDocument/2006/relationships" xmlns:p="http://schemas.openxmlformats.org/presentationml/2006/main">
   <p:cSld>
     <p:spTree>
@@ -13839,7 +12951,7 @@
 </p:sld>
 </file>
 
-<file path=ppt/slides/slide6.xml><?xml version="1.0" encoding="utf-8"?>
+<file path=ppt/slides/slide5.xml><?xml version="1.0" encoding="utf-8"?>
 <p:sld xmlns:a="http://schemas.openxmlformats.org/drawingml/2006/main" xmlns:r="http://schemas.openxmlformats.org/officeDocument/2006/relationships" xmlns:p="http://schemas.openxmlformats.org/presentationml/2006/main">
   <p:cSld>
     <p:spTree>
@@ -15034,7 +14146,7 @@
 </p:sld>
 </file>
 
-<file path=ppt/slides/slide7.xml><?xml version="1.0" encoding="utf-8"?>
+<file path=ppt/slides/slide6.xml><?xml version="1.0" encoding="utf-8"?>
 <p:sld xmlns:a="http://schemas.openxmlformats.org/drawingml/2006/main" xmlns:r="http://schemas.openxmlformats.org/officeDocument/2006/relationships" xmlns:p="http://schemas.openxmlformats.org/presentationml/2006/main">
   <p:cSld>
     <p:spTree>
@@ -15116,7 +14228,7 @@
 </p:sld>
 </file>
 
-<file path=ppt/slides/slide8.xml><?xml version="1.0" encoding="utf-8"?>
+<file path=ppt/slides/slide7.xml><?xml version="1.0" encoding="utf-8"?>
 <p:sld xmlns:a="http://schemas.openxmlformats.org/drawingml/2006/main" xmlns:r="http://schemas.openxmlformats.org/officeDocument/2006/relationships" xmlns:p="http://schemas.openxmlformats.org/presentationml/2006/main">
   <p:cSld>
     <p:spTree>
@@ -15289,7 +14401,7 @@
 </p:sld>
 </file>
 
-<file path=ppt/slides/slide9.xml><?xml version="1.0" encoding="utf-8"?>
+<file path=ppt/slides/slide8.xml><?xml version="1.0" encoding="utf-8"?>
 <p:sld xmlns:a="http://schemas.openxmlformats.org/drawingml/2006/main" xmlns:r="http://schemas.openxmlformats.org/officeDocument/2006/relationships" xmlns:p="http://schemas.openxmlformats.org/presentationml/2006/main">
   <p:cSld>
     <p:spTree>
@@ -15367,6 +14479,1167 @@
         <p:cTn id="1" dur="indefinite" restart="never" nodeType="tmRoot"/>
       </p:par>
     </p:tnLst>
+  </p:timing>
+</p:sld>
+</file>
+
+<file path=ppt/slides/slide9.xml><?xml version="1.0" encoding="utf-8"?>
+<p:sld xmlns:a="http://schemas.openxmlformats.org/drawingml/2006/main" xmlns:r="http://schemas.openxmlformats.org/officeDocument/2006/relationships" xmlns:p="http://schemas.openxmlformats.org/presentationml/2006/main">
+  <p:cSld>
+    <p:spTree>
+      <p:nvGrpSpPr>
+        <p:cNvPr id="1" name=""/>
+        <p:cNvGrpSpPr/>
+        <p:nvPr/>
+      </p:nvGrpSpPr>
+      <p:grpSpPr>
+        <a:xfrm>
+          <a:off x="0" y="0"/>
+          <a:ext cx="0" cy="0"/>
+          <a:chOff x="0" y="0"/>
+          <a:chExt cx="0" cy="0"/>
+        </a:xfrm>
+      </p:grpSpPr>
+      <p:sp>
+        <p:nvSpPr>
+          <p:cNvPr id="2" name="Title 1"/>
+          <p:cNvSpPr>
+            <a:spLocks noGrp="1"/>
+          </p:cNvSpPr>
+          <p:nvPr>
+            <p:ph type="title"/>
+          </p:nvPr>
+        </p:nvSpPr>
+        <p:spPr/>
+        <p:txBody>
+          <a:bodyPr/>
+          <a:lstStyle/>
+          <a:p>
+            <a:r>
+              <a:rPr lang="en-US" dirty="0"/>
+              <a:t>Grading Scheme</a:t>
+            </a:r>
+          </a:p>
+        </p:txBody>
+      </p:sp>
+      <p:sp>
+        <p:nvSpPr>
+          <p:cNvPr id="3" name="Content Placeholder 2"/>
+          <p:cNvSpPr>
+            <a:spLocks noGrp="1"/>
+          </p:cNvSpPr>
+          <p:nvPr>
+            <p:ph idx="1"/>
+          </p:nvPr>
+        </p:nvSpPr>
+        <p:spPr>
+          <a:xfrm>
+            <a:off x="790769" y="1509637"/>
+            <a:ext cx="10515600" cy="4351338"/>
+          </a:xfrm>
+        </p:spPr>
+        <p:txBody>
+          <a:bodyPr/>
+          <a:lstStyle/>
+          <a:p>
+            <a:pPr marL="0" indent="0">
+              <a:buNone/>
+            </a:pPr>
+            <a:endParaRPr lang="en-US" dirty="0">
+              <a:solidFill>
+                <a:srgbClr val="000000"/>
+              </a:solidFill>
+              <a:latin typeface="Calibri"/>
+              <a:cs typeface="Calibri"/>
+            </a:endParaRPr>
+          </a:p>
+        </p:txBody>
+      </p:sp>
+      <p:pic>
+        <p:nvPicPr>
+          <p:cNvPr id="4" name="Picture 3"/>
+          <p:cNvPicPr>
+            <a:picLocks noChangeAspect="1"/>
+          </p:cNvPicPr>
+          <p:nvPr/>
+        </p:nvPicPr>
+        <p:blipFill>
+          <a:blip r:embed="rId3"/>
+          <a:stretch>
+            <a:fillRect/>
+          </a:stretch>
+        </p:blipFill>
+        <p:spPr>
+          <a:xfrm>
+            <a:off x="7089852" y="2285120"/>
+            <a:ext cx="1749312" cy="316989"/>
+          </a:xfrm>
+          <a:prstGeom prst="rect">
+            <a:avLst/>
+          </a:prstGeom>
+        </p:spPr>
+      </p:pic>
+      <p:pic>
+        <p:nvPicPr>
+          <p:cNvPr id="7" name="Picture 6"/>
+          <p:cNvPicPr>
+            <a:picLocks noChangeAspect="1"/>
+          </p:cNvPicPr>
+          <p:nvPr/>
+        </p:nvPicPr>
+        <p:blipFill>
+          <a:blip r:embed="rId4"/>
+          <a:stretch>
+            <a:fillRect/>
+          </a:stretch>
+        </p:blipFill>
+        <p:spPr>
+          <a:xfrm>
+            <a:off x="7081062" y="2547745"/>
+            <a:ext cx="1498187" cy="357974"/>
+          </a:xfrm>
+          <a:prstGeom prst="rect">
+            <a:avLst/>
+          </a:prstGeom>
+        </p:spPr>
+      </p:pic>
+      <p:pic>
+        <p:nvPicPr>
+          <p:cNvPr id="9" name="Picture 8"/>
+          <p:cNvPicPr>
+            <a:picLocks noChangeAspect="1"/>
+          </p:cNvPicPr>
+          <p:nvPr/>
+        </p:nvPicPr>
+        <p:blipFill>
+          <a:blip r:embed="rId5"/>
+          <a:stretch>
+            <a:fillRect/>
+          </a:stretch>
+        </p:blipFill>
+        <p:spPr>
+          <a:xfrm>
+            <a:off x="7098107" y="2832073"/>
+            <a:ext cx="1410168" cy="424420"/>
+          </a:xfrm>
+          <a:prstGeom prst="rect">
+            <a:avLst/>
+          </a:prstGeom>
+        </p:spPr>
+      </p:pic>
+      <p:pic>
+        <p:nvPicPr>
+          <p:cNvPr id="10" name="Picture 9"/>
+          <p:cNvPicPr>
+            <a:picLocks noChangeAspect="1"/>
+          </p:cNvPicPr>
+          <p:nvPr/>
+        </p:nvPicPr>
+        <p:blipFill>
+          <a:blip r:embed="rId6"/>
+          <a:stretch>
+            <a:fillRect/>
+          </a:stretch>
+        </p:blipFill>
+        <p:spPr>
+          <a:xfrm>
+            <a:off x="7120171" y="3164788"/>
+            <a:ext cx="2066847" cy="397964"/>
+          </a:xfrm>
+          <a:prstGeom prst="rect">
+            <a:avLst/>
+          </a:prstGeom>
+        </p:spPr>
+      </p:pic>
+      <p:pic>
+        <p:nvPicPr>
+          <p:cNvPr id="11" name="Picture 10"/>
+          <p:cNvPicPr>
+            <a:picLocks noChangeAspect="1"/>
+          </p:cNvPicPr>
+          <p:nvPr/>
+        </p:nvPicPr>
+        <p:blipFill>
+          <a:blip r:embed="rId7"/>
+          <a:stretch>
+            <a:fillRect/>
+          </a:stretch>
+        </p:blipFill>
+        <p:spPr>
+          <a:xfrm>
+            <a:off x="7098106" y="3468399"/>
+            <a:ext cx="1932683" cy="372132"/>
+          </a:xfrm>
+          <a:prstGeom prst="rect">
+            <a:avLst/>
+          </a:prstGeom>
+        </p:spPr>
+      </p:pic>
+      <p:pic>
+        <p:nvPicPr>
+          <p:cNvPr id="12" name="Picture 11"/>
+          <p:cNvPicPr>
+            <a:picLocks noChangeAspect="1"/>
+          </p:cNvPicPr>
+          <p:nvPr/>
+        </p:nvPicPr>
+        <p:blipFill>
+          <a:blip r:embed="rId8"/>
+          <a:stretch>
+            <a:fillRect/>
+          </a:stretch>
+        </p:blipFill>
+        <p:spPr>
+          <a:xfrm>
+            <a:off x="7089852" y="3785872"/>
+            <a:ext cx="1866603" cy="370673"/>
+          </a:xfrm>
+          <a:prstGeom prst="rect">
+            <a:avLst/>
+          </a:prstGeom>
+        </p:spPr>
+      </p:pic>
+      <p:pic>
+        <p:nvPicPr>
+          <p:cNvPr id="13" name="Picture 12"/>
+          <p:cNvPicPr>
+            <a:picLocks noChangeAspect="1"/>
+          </p:cNvPicPr>
+          <p:nvPr/>
+        </p:nvPicPr>
+        <p:blipFill>
+          <a:blip r:embed="rId9"/>
+          <a:stretch>
+            <a:fillRect/>
+          </a:stretch>
+        </p:blipFill>
+        <p:spPr>
+          <a:xfrm>
+            <a:off x="1229545" y="1908868"/>
+            <a:ext cx="5442404" cy="3219450"/>
+          </a:xfrm>
+          <a:prstGeom prst="rect">
+            <a:avLst/>
+          </a:prstGeom>
+        </p:spPr>
+      </p:pic>
+      <p:sp>
+        <p:nvSpPr>
+          <p:cNvPr id="5" name="Rectangle 4"/>
+          <p:cNvSpPr/>
+          <p:nvPr/>
+        </p:nvSpPr>
+        <p:spPr>
+          <a:xfrm>
+            <a:off x="4138889" y="2138748"/>
+            <a:ext cx="1509681" cy="461665"/>
+          </a:xfrm>
+          <a:prstGeom prst="rect">
+            <a:avLst/>
+          </a:prstGeom>
+          <a:noFill/>
+        </p:spPr>
+        <p:txBody>
+          <a:bodyPr wrap="square" lIns="91440" tIns="45720" rIns="91440" bIns="45720">
+            <a:spAutoFit/>
+          </a:bodyPr>
+          <a:lstStyle/>
+          <a:p>
+            <a:pPr algn="ctr"/>
+            <a:r>
+              <a:rPr lang="en-US" sz="2400" b="0" cap="none" spc="0" dirty="0" smtClean="0">
+                <a:ln w="0"/>
+                <a:solidFill>
+                  <a:schemeClr val="tx1"/>
+                </a:solidFill>
+                <a:effectLst>
+                  <a:outerShdw blurRad="38100" dist="19050" dir="2700000" algn="tl" rotWithShape="0">
+                    <a:schemeClr val="dk1">
+                      <a:alpha val="40000"/>
+                    </a:schemeClr>
+                  </a:outerShdw>
+                </a:effectLst>
+              </a:rPr>
+              <a:t>20%</a:t>
+            </a:r>
+            <a:endParaRPr lang="en-US" sz="2400" b="0" cap="none" spc="0" dirty="0">
+              <a:ln w="0"/>
+              <a:solidFill>
+                <a:schemeClr val="tx1"/>
+              </a:solidFill>
+              <a:effectLst>
+                <a:outerShdw blurRad="38100" dist="19050" dir="2700000" algn="tl" rotWithShape="0">
+                  <a:schemeClr val="dk1">
+                    <a:alpha val="40000"/>
+                  </a:schemeClr>
+                </a:outerShdw>
+              </a:effectLst>
+            </a:endParaRPr>
+          </a:p>
+        </p:txBody>
+      </p:sp>
+      <p:sp>
+        <p:nvSpPr>
+          <p:cNvPr id="6" name="Rectangle 5"/>
+          <p:cNvSpPr/>
+          <p:nvPr/>
+        </p:nvSpPr>
+        <p:spPr>
+          <a:xfrm>
+            <a:off x="5426645" y="2912698"/>
+            <a:ext cx="692167" cy="461665"/>
+          </a:xfrm>
+          <a:prstGeom prst="rect">
+            <a:avLst/>
+          </a:prstGeom>
+          <a:noFill/>
+        </p:spPr>
+        <p:txBody>
+          <a:bodyPr wrap="none" lIns="91440" tIns="45720" rIns="91440" bIns="45720">
+            <a:spAutoFit/>
+          </a:bodyPr>
+          <a:lstStyle/>
+          <a:p>
+            <a:pPr algn="ctr"/>
+            <a:r>
+              <a:rPr lang="en-US" sz="2400" b="0" cap="none" spc="0" dirty="0" smtClean="0">
+                <a:ln w="0"/>
+                <a:solidFill>
+                  <a:schemeClr val="tx1"/>
+                </a:solidFill>
+                <a:effectLst>
+                  <a:outerShdw blurRad="38100" dist="19050" dir="2700000" algn="tl" rotWithShape="0">
+                    <a:schemeClr val="dk1">
+                      <a:alpha val="40000"/>
+                    </a:schemeClr>
+                  </a:outerShdw>
+                </a:effectLst>
+              </a:rPr>
+              <a:t>15%</a:t>
+            </a:r>
+            <a:endParaRPr lang="en-US" sz="2400" b="0" cap="none" spc="0" dirty="0">
+              <a:ln w="0"/>
+              <a:solidFill>
+                <a:schemeClr val="tx1"/>
+              </a:solidFill>
+              <a:effectLst>
+                <a:outerShdw blurRad="38100" dist="19050" dir="2700000" algn="tl" rotWithShape="0">
+                  <a:schemeClr val="dk1">
+                    <a:alpha val="40000"/>
+                  </a:schemeClr>
+                </a:outerShdw>
+              </a:effectLst>
+            </a:endParaRPr>
+          </a:p>
+        </p:txBody>
+      </p:sp>
+      <p:sp>
+        <p:nvSpPr>
+          <p:cNvPr id="8" name="Rectangle 7"/>
+          <p:cNvSpPr/>
+          <p:nvPr/>
+        </p:nvSpPr>
+        <p:spPr>
+          <a:xfrm>
+            <a:off x="4418531" y="3518593"/>
+            <a:ext cx="692167" cy="461665"/>
+          </a:xfrm>
+          <a:prstGeom prst="rect">
+            <a:avLst/>
+          </a:prstGeom>
+          <a:noFill/>
+        </p:spPr>
+        <p:txBody>
+          <a:bodyPr wrap="none" lIns="91440" tIns="45720" rIns="91440" bIns="45720">
+            <a:spAutoFit/>
+          </a:bodyPr>
+          <a:lstStyle/>
+          <a:p>
+            <a:pPr algn="ctr"/>
+            <a:r>
+              <a:rPr lang="en-US" sz="2400" b="0" cap="none" spc="0" dirty="0" smtClean="0">
+                <a:ln w="0"/>
+                <a:solidFill>
+                  <a:schemeClr val="tx1"/>
+                </a:solidFill>
+                <a:effectLst>
+                  <a:outerShdw blurRad="38100" dist="19050" dir="2700000" algn="tl" rotWithShape="0">
+                    <a:schemeClr val="dk1">
+                      <a:alpha val="40000"/>
+                    </a:schemeClr>
+                  </a:outerShdw>
+                </a:effectLst>
+              </a:rPr>
+              <a:t>15%</a:t>
+            </a:r>
+            <a:endParaRPr lang="en-US" sz="2400" b="0" cap="none" spc="0" dirty="0">
+              <a:ln w="0"/>
+              <a:solidFill>
+                <a:schemeClr val="tx1"/>
+              </a:solidFill>
+              <a:effectLst>
+                <a:outerShdw blurRad="38100" dist="19050" dir="2700000" algn="tl" rotWithShape="0">
+                  <a:schemeClr val="dk1">
+                    <a:alpha val="40000"/>
+                  </a:schemeClr>
+                </a:outerShdw>
+              </a:effectLst>
+            </a:endParaRPr>
+          </a:p>
+        </p:txBody>
+      </p:sp>
+      <p:sp>
+        <p:nvSpPr>
+          <p:cNvPr id="14" name="Rectangle 13"/>
+          <p:cNvSpPr/>
+          <p:nvPr/>
+        </p:nvSpPr>
+        <p:spPr>
+          <a:xfrm>
+            <a:off x="2414738" y="3167134"/>
+            <a:ext cx="692167" cy="461665"/>
+          </a:xfrm>
+          <a:prstGeom prst="rect">
+            <a:avLst/>
+          </a:prstGeom>
+          <a:noFill/>
+        </p:spPr>
+        <p:txBody>
+          <a:bodyPr wrap="none" lIns="91440" tIns="45720" rIns="91440" bIns="45720">
+            <a:spAutoFit/>
+          </a:bodyPr>
+          <a:lstStyle/>
+          <a:p>
+            <a:pPr algn="ctr"/>
+            <a:r>
+              <a:rPr lang="en-US" sz="2400" b="0" cap="none" spc="0" dirty="0" smtClean="0">
+                <a:ln w="0"/>
+                <a:solidFill>
+                  <a:schemeClr val="tx1"/>
+                </a:solidFill>
+                <a:effectLst>
+                  <a:outerShdw blurRad="38100" dist="19050" dir="2700000" algn="tl" rotWithShape="0">
+                    <a:schemeClr val="dk1">
+                      <a:alpha val="40000"/>
+                    </a:schemeClr>
+                  </a:outerShdw>
+                </a:effectLst>
+              </a:rPr>
+              <a:t>30%</a:t>
+            </a:r>
+            <a:endParaRPr lang="en-US" sz="2400" b="0" cap="none" spc="0" dirty="0">
+              <a:ln w="0"/>
+              <a:solidFill>
+                <a:schemeClr val="tx1"/>
+              </a:solidFill>
+              <a:effectLst>
+                <a:outerShdw blurRad="38100" dist="19050" dir="2700000" algn="tl" rotWithShape="0">
+                  <a:schemeClr val="dk1">
+                    <a:alpha val="40000"/>
+                  </a:schemeClr>
+                </a:outerShdw>
+              </a:effectLst>
+            </a:endParaRPr>
+          </a:p>
+        </p:txBody>
+      </p:sp>
+      <p:sp>
+        <p:nvSpPr>
+          <p:cNvPr id="15" name="Rectangle 14"/>
+          <p:cNvSpPr/>
+          <p:nvPr/>
+        </p:nvSpPr>
+        <p:spPr>
+          <a:xfrm>
+            <a:off x="2254173" y="2275169"/>
+            <a:ext cx="692167" cy="461665"/>
+          </a:xfrm>
+          <a:prstGeom prst="rect">
+            <a:avLst/>
+          </a:prstGeom>
+          <a:noFill/>
+        </p:spPr>
+        <p:txBody>
+          <a:bodyPr wrap="none" lIns="91440" tIns="45720" rIns="91440" bIns="45720">
+            <a:spAutoFit/>
+          </a:bodyPr>
+          <a:lstStyle/>
+          <a:p>
+            <a:pPr algn="ctr"/>
+            <a:r>
+              <a:rPr lang="en-US" sz="2400" b="0" cap="none" spc="0" dirty="0" smtClean="0">
+                <a:ln w="0"/>
+                <a:solidFill>
+                  <a:schemeClr val="tx1"/>
+                </a:solidFill>
+                <a:effectLst>
+                  <a:outerShdw blurRad="38100" dist="19050" dir="2700000" algn="tl" rotWithShape="0">
+                    <a:schemeClr val="dk1">
+                      <a:alpha val="40000"/>
+                    </a:schemeClr>
+                  </a:outerShdw>
+                </a:effectLst>
+              </a:rPr>
+              <a:t>10%</a:t>
+            </a:r>
+            <a:endParaRPr lang="en-US" sz="2400" b="0" cap="none" spc="0" dirty="0">
+              <a:ln w="0"/>
+              <a:solidFill>
+                <a:schemeClr val="tx1"/>
+              </a:solidFill>
+              <a:effectLst>
+                <a:outerShdw blurRad="38100" dist="19050" dir="2700000" algn="tl" rotWithShape="0">
+                  <a:schemeClr val="dk1">
+                    <a:alpha val="40000"/>
+                  </a:schemeClr>
+                </a:outerShdw>
+              </a:effectLst>
+            </a:endParaRPr>
+          </a:p>
+        </p:txBody>
+      </p:sp>
+      <p:sp>
+        <p:nvSpPr>
+          <p:cNvPr id="16" name="Rectangle 15"/>
+          <p:cNvSpPr/>
+          <p:nvPr/>
+        </p:nvSpPr>
+        <p:spPr>
+          <a:xfrm>
+            <a:off x="3166330" y="2017900"/>
+            <a:ext cx="692167" cy="461665"/>
+          </a:xfrm>
+          <a:prstGeom prst="rect">
+            <a:avLst/>
+          </a:prstGeom>
+          <a:noFill/>
+        </p:spPr>
+        <p:txBody>
+          <a:bodyPr wrap="none" lIns="91440" tIns="45720" rIns="91440" bIns="45720">
+            <a:spAutoFit/>
+          </a:bodyPr>
+          <a:lstStyle/>
+          <a:p>
+            <a:pPr algn="ctr"/>
+            <a:r>
+              <a:rPr lang="en-US" sz="2400" b="0" cap="none" spc="0" dirty="0" smtClean="0">
+                <a:ln w="0"/>
+                <a:solidFill>
+                  <a:schemeClr val="tx1"/>
+                </a:solidFill>
+                <a:effectLst>
+                  <a:outerShdw blurRad="38100" dist="19050" dir="2700000" algn="tl" rotWithShape="0">
+                    <a:schemeClr val="dk1">
+                      <a:alpha val="40000"/>
+                    </a:schemeClr>
+                  </a:outerShdw>
+                </a:effectLst>
+              </a:rPr>
+              <a:t>10%</a:t>
+            </a:r>
+            <a:endParaRPr lang="en-US" sz="2400" b="0" cap="none" spc="0" dirty="0">
+              <a:ln w="0"/>
+              <a:solidFill>
+                <a:schemeClr val="tx1"/>
+              </a:solidFill>
+              <a:effectLst>
+                <a:outerShdw blurRad="38100" dist="19050" dir="2700000" algn="tl" rotWithShape="0">
+                  <a:schemeClr val="dk1">
+                    <a:alpha val="40000"/>
+                  </a:schemeClr>
+                </a:outerShdw>
+              </a:effectLst>
+            </a:endParaRPr>
+          </a:p>
+        </p:txBody>
+      </p:sp>
+    </p:spTree>
+    <p:extLst>
+      <p:ext uri="{BB962C8B-B14F-4D97-AF65-F5344CB8AC3E}">
+        <p14:creationId xmlns:p14="http://schemas.microsoft.com/office/powerpoint/2010/main" val="1315062242"/>
+      </p:ext>
+    </p:extLst>
+  </p:cSld>
+  <p:clrMapOvr>
+    <a:masterClrMapping/>
+  </p:clrMapOvr>
+  <p:timing>
+    <p:tnLst>
+      <p:par>
+        <p:cTn id="1" dur="indefinite" restart="never" nodeType="tmRoot">
+          <p:childTnLst>
+            <p:seq concurrent="1" nextAc="seek">
+              <p:cTn id="2" dur="indefinite" nodeType="mainSeq">
+                <p:childTnLst>
+                  <p:par>
+                    <p:cTn id="3" fill="hold">
+                      <p:stCondLst>
+                        <p:cond delay="indefinite"/>
+                        <p:cond evt="onBegin" delay="0">
+                          <p:tn val="2"/>
+                        </p:cond>
+                      </p:stCondLst>
+                      <p:childTnLst>
+                        <p:par>
+                          <p:cTn id="4" fill="hold">
+                            <p:stCondLst>
+                              <p:cond delay="0"/>
+                            </p:stCondLst>
+                            <p:childTnLst>
+                              <p:par>
+                                <p:cTn id="5" presetID="10" presetClass="entr" presetSubtype="0" fill="hold" grpId="0" nodeType="afterEffect">
+                                  <p:stCondLst>
+                                    <p:cond delay="500"/>
+                                  </p:stCondLst>
+                                  <p:childTnLst>
+                                    <p:set>
+                                      <p:cBhvr>
+                                        <p:cTn id="6" dur="1" fill="hold">
+                                          <p:stCondLst>
+                                            <p:cond delay="0"/>
+                                          </p:stCondLst>
+                                        </p:cTn>
+                                        <p:tgtEl>
+                                          <p:spTgt spid="5"/>
+                                        </p:tgtEl>
+                                        <p:attrNameLst>
+                                          <p:attrName>style.visibility</p:attrName>
+                                        </p:attrNameLst>
+                                      </p:cBhvr>
+                                      <p:to>
+                                        <p:strVal val="visible"/>
+                                      </p:to>
+                                    </p:set>
+                                    <p:animEffect transition="in" filter="fade">
+                                      <p:cBhvr>
+                                        <p:cTn id="7" dur="500"/>
+                                        <p:tgtEl>
+                                          <p:spTgt spid="5"/>
+                                        </p:tgtEl>
+                                      </p:cBhvr>
+                                    </p:animEffect>
+                                  </p:childTnLst>
+                                </p:cTn>
+                              </p:par>
+                            </p:childTnLst>
+                          </p:cTn>
+                        </p:par>
+                        <p:par>
+                          <p:cTn id="8" fill="hold">
+                            <p:stCondLst>
+                              <p:cond delay="1000"/>
+                            </p:stCondLst>
+                            <p:childTnLst>
+                              <p:par>
+                                <p:cTn id="9" presetID="10" presetClass="entr" presetSubtype="0" fill="hold" nodeType="afterEffect">
+                                  <p:stCondLst>
+                                    <p:cond delay="0"/>
+                                  </p:stCondLst>
+                                  <p:childTnLst>
+                                    <p:set>
+                                      <p:cBhvr>
+                                        <p:cTn id="10" dur="1" fill="hold">
+                                          <p:stCondLst>
+                                            <p:cond delay="0"/>
+                                          </p:stCondLst>
+                                        </p:cTn>
+                                        <p:tgtEl>
+                                          <p:spTgt spid="4"/>
+                                        </p:tgtEl>
+                                        <p:attrNameLst>
+                                          <p:attrName>style.visibility</p:attrName>
+                                        </p:attrNameLst>
+                                      </p:cBhvr>
+                                      <p:to>
+                                        <p:strVal val="visible"/>
+                                      </p:to>
+                                    </p:set>
+                                    <p:animEffect transition="in" filter="fade">
+                                      <p:cBhvr>
+                                        <p:cTn id="11" dur="250"/>
+                                        <p:tgtEl>
+                                          <p:spTgt spid="4"/>
+                                        </p:tgtEl>
+                                      </p:cBhvr>
+                                    </p:animEffect>
+                                  </p:childTnLst>
+                                </p:cTn>
+                              </p:par>
+                            </p:childTnLst>
+                          </p:cTn>
+                        </p:par>
+                      </p:childTnLst>
+                    </p:cTn>
+                  </p:par>
+                  <p:par>
+                    <p:cTn id="12" fill="hold">
+                      <p:stCondLst>
+                        <p:cond delay="indefinite"/>
+                      </p:stCondLst>
+                      <p:childTnLst>
+                        <p:par>
+                          <p:cTn id="13" fill="hold">
+                            <p:stCondLst>
+                              <p:cond delay="0"/>
+                            </p:stCondLst>
+                            <p:childTnLst>
+                              <p:par>
+                                <p:cTn id="14" presetID="10" presetClass="entr" presetSubtype="0" fill="hold" nodeType="clickEffect">
+                                  <p:stCondLst>
+                                    <p:cond delay="0"/>
+                                  </p:stCondLst>
+                                  <p:childTnLst>
+                                    <p:set>
+                                      <p:cBhvr>
+                                        <p:cTn id="15" dur="1" fill="hold">
+                                          <p:stCondLst>
+                                            <p:cond delay="0"/>
+                                          </p:stCondLst>
+                                        </p:cTn>
+                                        <p:tgtEl>
+                                          <p:spTgt spid="7"/>
+                                        </p:tgtEl>
+                                        <p:attrNameLst>
+                                          <p:attrName>style.visibility</p:attrName>
+                                        </p:attrNameLst>
+                                      </p:cBhvr>
+                                      <p:to>
+                                        <p:strVal val="visible"/>
+                                      </p:to>
+                                    </p:set>
+                                    <p:animEffect transition="in" filter="fade">
+                                      <p:cBhvr>
+                                        <p:cTn id="16" dur="500"/>
+                                        <p:tgtEl>
+                                          <p:spTgt spid="7"/>
+                                        </p:tgtEl>
+                                      </p:cBhvr>
+                                    </p:animEffect>
+                                  </p:childTnLst>
+                                </p:cTn>
+                              </p:par>
+                              <p:par>
+                                <p:cTn id="17" presetID="10" presetClass="entr" presetSubtype="0" fill="hold" grpId="0" nodeType="withEffect">
+                                  <p:stCondLst>
+                                    <p:cond delay="0"/>
+                                  </p:stCondLst>
+                                  <p:childTnLst>
+                                    <p:set>
+                                      <p:cBhvr>
+                                        <p:cTn id="18" dur="1" fill="hold">
+                                          <p:stCondLst>
+                                            <p:cond delay="0"/>
+                                          </p:stCondLst>
+                                        </p:cTn>
+                                        <p:tgtEl>
+                                          <p:spTgt spid="6"/>
+                                        </p:tgtEl>
+                                        <p:attrNameLst>
+                                          <p:attrName>style.visibility</p:attrName>
+                                        </p:attrNameLst>
+                                      </p:cBhvr>
+                                      <p:to>
+                                        <p:strVal val="visible"/>
+                                      </p:to>
+                                    </p:set>
+                                    <p:animEffect transition="in" filter="fade">
+                                      <p:cBhvr>
+                                        <p:cTn id="19" dur="500"/>
+                                        <p:tgtEl>
+                                          <p:spTgt spid="6"/>
+                                        </p:tgtEl>
+                                      </p:cBhvr>
+                                    </p:animEffect>
+                                  </p:childTnLst>
+                                </p:cTn>
+                              </p:par>
+                            </p:childTnLst>
+                          </p:cTn>
+                        </p:par>
+                      </p:childTnLst>
+                    </p:cTn>
+                  </p:par>
+                  <p:par>
+                    <p:cTn id="20" fill="hold">
+                      <p:stCondLst>
+                        <p:cond delay="indefinite"/>
+                      </p:stCondLst>
+                      <p:childTnLst>
+                        <p:par>
+                          <p:cTn id="21" fill="hold">
+                            <p:stCondLst>
+                              <p:cond delay="0"/>
+                            </p:stCondLst>
+                            <p:childTnLst>
+                              <p:par>
+                                <p:cTn id="22" presetID="10" presetClass="entr" presetSubtype="0" fill="hold" nodeType="clickEffect">
+                                  <p:stCondLst>
+                                    <p:cond delay="0"/>
+                                  </p:stCondLst>
+                                  <p:childTnLst>
+                                    <p:set>
+                                      <p:cBhvr>
+                                        <p:cTn id="23" dur="1" fill="hold">
+                                          <p:stCondLst>
+                                            <p:cond delay="0"/>
+                                          </p:stCondLst>
+                                        </p:cTn>
+                                        <p:tgtEl>
+                                          <p:spTgt spid="9"/>
+                                        </p:tgtEl>
+                                        <p:attrNameLst>
+                                          <p:attrName>style.visibility</p:attrName>
+                                        </p:attrNameLst>
+                                      </p:cBhvr>
+                                      <p:to>
+                                        <p:strVal val="visible"/>
+                                      </p:to>
+                                    </p:set>
+                                    <p:animEffect transition="in" filter="fade">
+                                      <p:cBhvr>
+                                        <p:cTn id="24" dur="500"/>
+                                        <p:tgtEl>
+                                          <p:spTgt spid="9"/>
+                                        </p:tgtEl>
+                                      </p:cBhvr>
+                                    </p:animEffect>
+                                  </p:childTnLst>
+                                </p:cTn>
+                              </p:par>
+                              <p:par>
+                                <p:cTn id="25" presetID="10" presetClass="entr" presetSubtype="0" fill="hold" grpId="0" nodeType="withEffect">
+                                  <p:stCondLst>
+                                    <p:cond delay="0"/>
+                                  </p:stCondLst>
+                                  <p:childTnLst>
+                                    <p:set>
+                                      <p:cBhvr>
+                                        <p:cTn id="26" dur="1" fill="hold">
+                                          <p:stCondLst>
+                                            <p:cond delay="0"/>
+                                          </p:stCondLst>
+                                        </p:cTn>
+                                        <p:tgtEl>
+                                          <p:spTgt spid="8"/>
+                                        </p:tgtEl>
+                                        <p:attrNameLst>
+                                          <p:attrName>style.visibility</p:attrName>
+                                        </p:attrNameLst>
+                                      </p:cBhvr>
+                                      <p:to>
+                                        <p:strVal val="visible"/>
+                                      </p:to>
+                                    </p:set>
+                                    <p:animEffect transition="in" filter="fade">
+                                      <p:cBhvr>
+                                        <p:cTn id="27" dur="500"/>
+                                        <p:tgtEl>
+                                          <p:spTgt spid="8"/>
+                                        </p:tgtEl>
+                                      </p:cBhvr>
+                                    </p:animEffect>
+                                  </p:childTnLst>
+                                </p:cTn>
+                              </p:par>
+                            </p:childTnLst>
+                          </p:cTn>
+                        </p:par>
+                      </p:childTnLst>
+                    </p:cTn>
+                  </p:par>
+                  <p:par>
+                    <p:cTn id="28" fill="hold">
+                      <p:stCondLst>
+                        <p:cond delay="indefinite"/>
+                      </p:stCondLst>
+                      <p:childTnLst>
+                        <p:par>
+                          <p:cTn id="29" fill="hold">
+                            <p:stCondLst>
+                              <p:cond delay="0"/>
+                            </p:stCondLst>
+                            <p:childTnLst>
+                              <p:par>
+                                <p:cTn id="30" presetID="10" presetClass="entr" presetSubtype="0" fill="hold" nodeType="clickEffect">
+                                  <p:stCondLst>
+                                    <p:cond delay="0"/>
+                                  </p:stCondLst>
+                                  <p:childTnLst>
+                                    <p:set>
+                                      <p:cBhvr>
+                                        <p:cTn id="31" dur="1" fill="hold">
+                                          <p:stCondLst>
+                                            <p:cond delay="0"/>
+                                          </p:stCondLst>
+                                        </p:cTn>
+                                        <p:tgtEl>
+                                          <p:spTgt spid="10"/>
+                                        </p:tgtEl>
+                                        <p:attrNameLst>
+                                          <p:attrName>style.visibility</p:attrName>
+                                        </p:attrNameLst>
+                                      </p:cBhvr>
+                                      <p:to>
+                                        <p:strVal val="visible"/>
+                                      </p:to>
+                                    </p:set>
+                                    <p:animEffect transition="in" filter="fade">
+                                      <p:cBhvr>
+                                        <p:cTn id="32" dur="500"/>
+                                        <p:tgtEl>
+                                          <p:spTgt spid="10"/>
+                                        </p:tgtEl>
+                                      </p:cBhvr>
+                                    </p:animEffect>
+                                  </p:childTnLst>
+                                </p:cTn>
+                              </p:par>
+                              <p:par>
+                                <p:cTn id="33" presetID="10" presetClass="entr" presetSubtype="0" fill="hold" grpId="0" nodeType="withEffect">
+                                  <p:stCondLst>
+                                    <p:cond delay="0"/>
+                                  </p:stCondLst>
+                                  <p:childTnLst>
+                                    <p:set>
+                                      <p:cBhvr>
+                                        <p:cTn id="34" dur="1" fill="hold">
+                                          <p:stCondLst>
+                                            <p:cond delay="0"/>
+                                          </p:stCondLst>
+                                        </p:cTn>
+                                        <p:tgtEl>
+                                          <p:spTgt spid="14"/>
+                                        </p:tgtEl>
+                                        <p:attrNameLst>
+                                          <p:attrName>style.visibility</p:attrName>
+                                        </p:attrNameLst>
+                                      </p:cBhvr>
+                                      <p:to>
+                                        <p:strVal val="visible"/>
+                                      </p:to>
+                                    </p:set>
+                                    <p:animEffect transition="in" filter="fade">
+                                      <p:cBhvr>
+                                        <p:cTn id="35" dur="500"/>
+                                        <p:tgtEl>
+                                          <p:spTgt spid="14"/>
+                                        </p:tgtEl>
+                                      </p:cBhvr>
+                                    </p:animEffect>
+                                  </p:childTnLst>
+                                </p:cTn>
+                              </p:par>
+                            </p:childTnLst>
+                          </p:cTn>
+                        </p:par>
+                      </p:childTnLst>
+                    </p:cTn>
+                  </p:par>
+                  <p:par>
+                    <p:cTn id="36" fill="hold">
+                      <p:stCondLst>
+                        <p:cond delay="indefinite"/>
+                      </p:stCondLst>
+                      <p:childTnLst>
+                        <p:par>
+                          <p:cTn id="37" fill="hold">
+                            <p:stCondLst>
+                              <p:cond delay="0"/>
+                            </p:stCondLst>
+                            <p:childTnLst>
+                              <p:par>
+                                <p:cTn id="38" presetID="10" presetClass="entr" presetSubtype="0" fill="hold" nodeType="clickEffect">
+                                  <p:stCondLst>
+                                    <p:cond delay="0"/>
+                                  </p:stCondLst>
+                                  <p:childTnLst>
+                                    <p:set>
+                                      <p:cBhvr>
+                                        <p:cTn id="39" dur="1" fill="hold">
+                                          <p:stCondLst>
+                                            <p:cond delay="0"/>
+                                          </p:stCondLst>
+                                        </p:cTn>
+                                        <p:tgtEl>
+                                          <p:spTgt spid="11"/>
+                                        </p:tgtEl>
+                                        <p:attrNameLst>
+                                          <p:attrName>style.visibility</p:attrName>
+                                        </p:attrNameLst>
+                                      </p:cBhvr>
+                                      <p:to>
+                                        <p:strVal val="visible"/>
+                                      </p:to>
+                                    </p:set>
+                                    <p:animEffect transition="in" filter="fade">
+                                      <p:cBhvr>
+                                        <p:cTn id="40" dur="500"/>
+                                        <p:tgtEl>
+                                          <p:spTgt spid="11"/>
+                                        </p:tgtEl>
+                                      </p:cBhvr>
+                                    </p:animEffect>
+                                  </p:childTnLst>
+                                </p:cTn>
+                              </p:par>
+                              <p:par>
+                                <p:cTn id="41" presetID="10" presetClass="entr" presetSubtype="0" fill="hold" grpId="0" nodeType="withEffect">
+                                  <p:stCondLst>
+                                    <p:cond delay="0"/>
+                                  </p:stCondLst>
+                                  <p:childTnLst>
+                                    <p:set>
+                                      <p:cBhvr>
+                                        <p:cTn id="42" dur="1" fill="hold">
+                                          <p:stCondLst>
+                                            <p:cond delay="0"/>
+                                          </p:stCondLst>
+                                        </p:cTn>
+                                        <p:tgtEl>
+                                          <p:spTgt spid="15"/>
+                                        </p:tgtEl>
+                                        <p:attrNameLst>
+                                          <p:attrName>style.visibility</p:attrName>
+                                        </p:attrNameLst>
+                                      </p:cBhvr>
+                                      <p:to>
+                                        <p:strVal val="visible"/>
+                                      </p:to>
+                                    </p:set>
+                                    <p:animEffect transition="in" filter="fade">
+                                      <p:cBhvr>
+                                        <p:cTn id="43" dur="500"/>
+                                        <p:tgtEl>
+                                          <p:spTgt spid="15"/>
+                                        </p:tgtEl>
+                                      </p:cBhvr>
+                                    </p:animEffect>
+                                  </p:childTnLst>
+                                </p:cTn>
+                              </p:par>
+                            </p:childTnLst>
+                          </p:cTn>
+                        </p:par>
+                      </p:childTnLst>
+                    </p:cTn>
+                  </p:par>
+                  <p:par>
+                    <p:cTn id="44" fill="hold">
+                      <p:stCondLst>
+                        <p:cond delay="indefinite"/>
+                      </p:stCondLst>
+                      <p:childTnLst>
+                        <p:par>
+                          <p:cTn id="45" fill="hold">
+                            <p:stCondLst>
+                              <p:cond delay="0"/>
+                            </p:stCondLst>
+                            <p:childTnLst>
+                              <p:par>
+                                <p:cTn id="46" presetID="10" presetClass="entr" presetSubtype="0" fill="hold" nodeType="clickEffect">
+                                  <p:stCondLst>
+                                    <p:cond delay="0"/>
+                                  </p:stCondLst>
+                                  <p:childTnLst>
+                                    <p:set>
+                                      <p:cBhvr>
+                                        <p:cTn id="47" dur="1" fill="hold">
+                                          <p:stCondLst>
+                                            <p:cond delay="0"/>
+                                          </p:stCondLst>
+                                        </p:cTn>
+                                        <p:tgtEl>
+                                          <p:spTgt spid="12"/>
+                                        </p:tgtEl>
+                                        <p:attrNameLst>
+                                          <p:attrName>style.visibility</p:attrName>
+                                        </p:attrNameLst>
+                                      </p:cBhvr>
+                                      <p:to>
+                                        <p:strVal val="visible"/>
+                                      </p:to>
+                                    </p:set>
+                                    <p:animEffect transition="in" filter="fade">
+                                      <p:cBhvr>
+                                        <p:cTn id="48" dur="500"/>
+                                        <p:tgtEl>
+                                          <p:spTgt spid="12"/>
+                                        </p:tgtEl>
+                                      </p:cBhvr>
+                                    </p:animEffect>
+                                  </p:childTnLst>
+                                </p:cTn>
+                              </p:par>
+                              <p:par>
+                                <p:cTn id="49" presetID="10" presetClass="entr" presetSubtype="0" fill="hold" grpId="0" nodeType="withEffect">
+                                  <p:stCondLst>
+                                    <p:cond delay="0"/>
+                                  </p:stCondLst>
+                                  <p:childTnLst>
+                                    <p:set>
+                                      <p:cBhvr>
+                                        <p:cTn id="50" dur="1" fill="hold">
+                                          <p:stCondLst>
+                                            <p:cond delay="0"/>
+                                          </p:stCondLst>
+                                        </p:cTn>
+                                        <p:tgtEl>
+                                          <p:spTgt spid="16"/>
+                                        </p:tgtEl>
+                                        <p:attrNameLst>
+                                          <p:attrName>style.visibility</p:attrName>
+                                        </p:attrNameLst>
+                                      </p:cBhvr>
+                                      <p:to>
+                                        <p:strVal val="visible"/>
+                                      </p:to>
+                                    </p:set>
+                                    <p:animEffect transition="in" filter="fade">
+                                      <p:cBhvr>
+                                        <p:cTn id="51" dur="500"/>
+                                        <p:tgtEl>
+                                          <p:spTgt spid="16"/>
+                                        </p:tgtEl>
+                                      </p:cBhvr>
+                                    </p:animEffect>
+                                  </p:childTnLst>
+                                </p:cTn>
+                              </p:par>
+                            </p:childTnLst>
+                          </p:cTn>
+                        </p:par>
+                      </p:childTnLst>
+                    </p:cTn>
+                  </p:par>
+                </p:childTnLst>
+              </p:cTn>
+              <p:prevCondLst>
+                <p:cond evt="onPrev" delay="0">
+                  <p:tgtEl>
+                    <p:sldTgt/>
+                  </p:tgtEl>
+                </p:cond>
+              </p:prevCondLst>
+              <p:nextCondLst>
+                <p:cond evt="onNext" delay="0">
+                  <p:tgtEl>
+                    <p:sldTgt/>
+                  </p:tgtEl>
+                </p:cond>
+              </p:nextCondLst>
+            </p:seq>
+          </p:childTnLst>
+        </p:cTn>
+      </p:par>
+    </p:tnLst>
+    <p:bldLst>
+      <p:bldP spid="5" grpId="0"/>
+      <p:bldP spid="6" grpId="0"/>
+      <p:bldP spid="8" grpId="0"/>
+      <p:bldP spid="14" grpId="0"/>
+      <p:bldP spid="15" grpId="0"/>
+      <p:bldP spid="16" grpId="0"/>
+    </p:bldLst>
   </p:timing>
 </p:sld>
 </file>

--- a/Final Project Documentation/CSC521.pptx
+++ b/Final Project Documentation/CSC521.pptx
@@ -5,7 +5,7 @@
     <p:sldMasterId id="2147483678" r:id="rId1"/>
   </p:sldMasterIdLst>
   <p:notesMasterIdLst>
-    <p:notesMasterId r:id="rId17"/>
+    <p:notesMasterId r:id="rId21"/>
   </p:notesMasterIdLst>
   <p:sldIdLst>
     <p:sldId id="276" r:id="rId2"/>
@@ -15,14 +15,18 @@
     <p:sldId id="291" r:id="rId6"/>
     <p:sldId id="261" r:id="rId7"/>
     <p:sldId id="297" r:id="rId8"/>
-    <p:sldId id="265" r:id="rId9"/>
-    <p:sldId id="264" r:id="rId10"/>
-    <p:sldId id="290" r:id="rId11"/>
-    <p:sldId id="296" r:id="rId12"/>
-    <p:sldId id="295" r:id="rId13"/>
-    <p:sldId id="299" r:id="rId14"/>
-    <p:sldId id="298" r:id="rId15"/>
-    <p:sldId id="300" r:id="rId16"/>
+    <p:sldId id="264" r:id="rId9"/>
+    <p:sldId id="296" r:id="rId10"/>
+    <p:sldId id="299" r:id="rId11"/>
+    <p:sldId id="301" r:id="rId12"/>
+    <p:sldId id="302" r:id="rId13"/>
+    <p:sldId id="303" r:id="rId14"/>
+    <p:sldId id="300" r:id="rId15"/>
+    <p:sldId id="298" r:id="rId16"/>
+    <p:sldId id="295" r:id="rId17"/>
+    <p:sldId id="304" r:id="rId18"/>
+    <p:sldId id="305" r:id="rId19"/>
+    <p:sldId id="290" r:id="rId20"/>
   </p:sldIdLst>
   <p:sldSz cx="12192000" cy="6858000"/>
   <p:notesSz cx="6858000" cy="9144000"/>
@@ -413,109 +417,6 @@
 </p:notes>
 </file>
 
-<file path=ppt/notesSlides/notesSlide10.xml><?xml version="1.0" encoding="utf-8"?>
-<p:notes xmlns:a="http://schemas.openxmlformats.org/drawingml/2006/main" xmlns:r="http://schemas.openxmlformats.org/officeDocument/2006/relationships" xmlns:p="http://schemas.openxmlformats.org/presentationml/2006/main">
-  <p:cSld>
-    <p:spTree>
-      <p:nvGrpSpPr>
-        <p:cNvPr id="1" name=""/>
-        <p:cNvGrpSpPr/>
-        <p:nvPr/>
-      </p:nvGrpSpPr>
-      <p:grpSpPr>
-        <a:xfrm>
-          <a:off x="0" y="0"/>
-          <a:ext cx="0" cy="0"/>
-          <a:chOff x="0" y="0"/>
-          <a:chExt cx="0" cy="0"/>
-        </a:xfrm>
-      </p:grpSpPr>
-      <p:sp>
-        <p:nvSpPr>
-          <p:cNvPr id="2" name="Slide Image Placeholder 1"/>
-          <p:cNvSpPr>
-            <a:spLocks noGrp="1" noRot="1" noChangeAspect="1"/>
-          </p:cNvSpPr>
-          <p:nvPr>
-            <p:ph type="sldImg"/>
-          </p:nvPr>
-        </p:nvSpPr>
-        <p:spPr>
-          <a:xfrm>
-            <a:off x="685800" y="1143000"/>
-            <a:ext cx="5486400" cy="3086100"/>
-          </a:xfrm>
-          <a:prstGeom prst="rect">
-            <a:avLst/>
-          </a:prstGeom>
-          <a:noFill/>
-          <a:ln w="12700">
-            <a:solidFill>
-              <a:prstClr val="black"/>
-            </a:solidFill>
-          </a:ln>
-        </p:spPr>
-      </p:sp>
-      <p:sp>
-        <p:nvSpPr>
-          <p:cNvPr id="3" name="Notes Placeholder 2"/>
-          <p:cNvSpPr>
-            <a:spLocks noGrp="1"/>
-          </p:cNvSpPr>
-          <p:nvPr>
-            <p:ph type="body" idx="1"/>
-          </p:nvPr>
-        </p:nvSpPr>
-        <p:spPr>
-          <a:xfrm>
-            <a:off x="685800" y="4400550"/>
-            <a:ext cx="5486400" cy="3600450"/>
-          </a:xfrm>
-          <a:prstGeom prst="rect">
-            <a:avLst/>
-          </a:prstGeom>
-        </p:spPr>
-        <p:txBody>
-          <a:bodyPr/>
-          <a:lstStyle/>
-          <a:p>
-            <a:r>
-              <a:rPr lang="en-US" sz="1200" kern="1200" dirty="0" smtClean="0">
-                <a:solidFill>
-                  <a:schemeClr val="tx1"/>
-                </a:solidFill>
-                <a:effectLst/>
-                <a:latin typeface="+mn-lt"/>
-                <a:ea typeface="+mn-ea"/>
-                <a:cs typeface="+mn-cs"/>
-              </a:rPr>
-              <a:t>We would like to thank you for your time, and this brings us to the conclusion of our presentation. Do we have any questions?</a:t>
-            </a:r>
-            <a:endParaRPr lang="en-US" sz="1200" kern="1200" dirty="0">
-              <a:solidFill>
-                <a:schemeClr val="tx1"/>
-              </a:solidFill>
-              <a:effectLst/>
-              <a:latin typeface="+mn-lt"/>
-              <a:ea typeface="+mn-ea"/>
-              <a:cs typeface="+mn-cs"/>
-            </a:endParaRPr>
-          </a:p>
-        </p:txBody>
-      </p:sp>
-    </p:spTree>
-    <p:extLst>
-      <p:ext uri="{BB962C8B-B14F-4D97-AF65-F5344CB8AC3E}">
-        <p14:creationId xmlns:p14="http://schemas.microsoft.com/office/powerpoint/2010/main" val="971011799"/>
-      </p:ext>
-    </p:extLst>
-  </p:cSld>
-  <p:clrMapOvr>
-    <a:masterClrMapping/>
-  </p:clrMapOvr>
-</p:notes>
-</file>
-
 <file path=ppt/notesSlides/notesSlide2.xml><?xml version="1.0" encoding="utf-8"?>
 <p:notes xmlns:a="http://schemas.openxmlformats.org/drawingml/2006/main" xmlns:r="http://schemas.openxmlformats.org/officeDocument/2006/relationships" xmlns:p="http://schemas.openxmlformats.org/presentationml/2006/main">
   <p:cSld>
@@ -1738,58 +1639,145 @@
           <a:lstStyle/>
           <a:p>
             <a:r>
-              <a:rPr lang="en-US">
-                <a:cs typeface="Calibri"/>
-              </a:rPr>
-              <a:t>website</a:t>
-            </a:r>
-          </a:p>
-          <a:p>
-            <a:r>
-              <a:rPr lang="en-US">
-                <a:cs typeface="Calibri"/>
-              </a:rPr>
-              <a:t>functionality</a:t>
-            </a:r>
-          </a:p>
-          <a:p>
-            <a:r>
-              <a:rPr lang="en-US">
-                <a:cs typeface="Calibri"/>
-              </a:rPr>
-              <a:t>From Beth:</a:t>
-            </a:r>
-          </a:p>
-          <a:p>
-            <a:r>
-              <a:rPr lang="en-US">
-                <a:cs typeface="Calibri"/>
-              </a:rPr>
-              <a:t>If you explain at the beginning that there are uncertainties and show how there is a range of time that you expect these things to be done in, then when you reevaluate you should be more certain and have a better view of how long it's going to take so that the time range should be more narrow.  We need to acknowledge during the presentation that the first couple of sprints are experimental and will have a better feel of what we can acomplish. </a:t>
-            </a:r>
-          </a:p>
-          <a:p>
-            <a:r>
-              <a:rPr lang="en-US">
-                <a:cs typeface="Calibri"/>
-              </a:rPr>
-              <a:t/>
-            </a:r>
-            <a:br>
-              <a:rPr lang="en-US">
-                <a:cs typeface="Calibri"/>
-              </a:rPr>
-            </a:br>
-            <a:endParaRPr lang="en-US">
-              <a:cs typeface="Calibri"/>
+              <a:rPr lang="en-US" dirty="0" smtClean="0"/>
+              <a:t>We </a:t>
+            </a:r>
+            <a:r>
+              <a:rPr lang="en-US" dirty="0"/>
+              <a:t>assigned specification 20% because we felt it was one of the most important parts of our project and considering we all took the software engineering track we were able to understand its importance.</a:t>
+            </a:r>
+          </a:p>
+          <a:p>
+            <a:endParaRPr lang="en-US" dirty="0">
+              <a:solidFill>
+                <a:srgbClr val="FF0000"/>
+              </a:solidFill>
+              <a:latin typeface="Times New Roman"/>
+              <a:cs typeface="Times New Roman"/>
             </a:endParaRPr>
+          </a:p>
+          <a:p>
+            <a:r>
+              <a:rPr lang="en-US" dirty="0"/>
+              <a:t>&lt;Next/&gt;</a:t>
+            </a:r>
+          </a:p>
+          <a:p>
+            <a:r>
+              <a:rPr lang="en-US" dirty="0"/>
+              <a:t>Following up with analysis we assigned it a slightly smaller number because we didn’t feel it was as important as specifications but at the same time we felt pulling out our classes and having a good understanding of the functional flow was important for scalability and maintainability in later workflows.</a:t>
+            </a:r>
+          </a:p>
+          <a:p>
+            <a:endParaRPr lang="en-US" dirty="0">
+              <a:latin typeface="Times New Roman"/>
+              <a:cs typeface="Times New Roman"/>
+            </a:endParaRPr>
+          </a:p>
+          <a:p>
+            <a:r>
+              <a:rPr lang="en-US" dirty="0"/>
+              <a:t>&lt;Next/&gt;</a:t>
+            </a:r>
+          </a:p>
+          <a:p>
+            <a:r>
+              <a:rPr lang="en-US" dirty="0"/>
+              <a:t>Design was given the same level of effort as analysis because at this point we will have already spent </a:t>
+            </a:r>
+            <a:r>
+              <a:rPr lang="en-US" dirty="0" smtClean="0"/>
+              <a:t>half of</a:t>
+            </a:r>
+            <a:r>
+              <a:rPr lang="en-US" baseline="0" dirty="0" smtClean="0"/>
+              <a:t> our</a:t>
+            </a:r>
+            <a:r>
+              <a:rPr lang="en-US" dirty="0" smtClean="0"/>
+              <a:t> </a:t>
+            </a:r>
+            <a:r>
+              <a:rPr lang="en-US" dirty="0"/>
+              <a:t>time on </a:t>
+            </a:r>
+            <a:r>
+              <a:rPr lang="en-US" dirty="0" smtClean="0"/>
+              <a:t>planning, </a:t>
+            </a:r>
+            <a:r>
+              <a:rPr lang="en-US" dirty="0"/>
+              <a:t>so continuing to make sure we keep on track and work on our design before implementation seemed appropriate. </a:t>
+            </a:r>
+          </a:p>
+          <a:p>
+            <a:endParaRPr lang="en-US" dirty="0">
+              <a:latin typeface="Times New Roman"/>
+              <a:cs typeface="Times New Roman"/>
+            </a:endParaRPr>
+          </a:p>
+          <a:p>
+            <a:r>
+              <a:rPr lang="en-US" dirty="0"/>
+              <a:t>&lt;Next/&gt;</a:t>
+            </a:r>
+          </a:p>
+          <a:p>
+            <a:r>
+              <a:rPr lang="en-US" dirty="0"/>
+              <a:t>Implementation came in at 30%. Although the largest individual assignment, we have still assigned the majority of the project to planning.</a:t>
+            </a:r>
+          </a:p>
+          <a:p>
+            <a:endParaRPr lang="en-US" dirty="0">
+              <a:latin typeface="Times New Roman"/>
+              <a:cs typeface="Times New Roman"/>
+            </a:endParaRPr>
+          </a:p>
+          <a:p>
+            <a:r>
+              <a:rPr lang="en-US" dirty="0"/>
+              <a:t>&lt;Next/&gt;</a:t>
+            </a:r>
+          </a:p>
+          <a:p>
+            <a:r>
+              <a:rPr lang="en-US" dirty="0"/>
+              <a:t>Documentation </a:t>
+            </a:r>
+            <a:r>
+              <a:rPr lang="en-US" dirty="0" smtClean="0"/>
+              <a:t>has earned </a:t>
+            </a:r>
+            <a:r>
+              <a:rPr lang="en-US" dirty="0"/>
+              <a:t>it's self 10% because as a real world software experience we understand that in order for a group to function properly, we can’t be wasting our time trying to understand what our colleague’s code is supposed to do.</a:t>
+            </a:r>
+          </a:p>
+          <a:p>
+            <a:endParaRPr lang="en-US" dirty="0">
+              <a:latin typeface="Times New Roman"/>
+              <a:cs typeface="Times New Roman"/>
+            </a:endParaRPr>
+          </a:p>
+          <a:p>
+            <a:r>
+              <a:rPr lang="en-US" dirty="0"/>
+              <a:t>&lt;Next/&gt;</a:t>
+            </a:r>
+          </a:p>
+          <a:p>
+            <a:r>
+              <a:rPr lang="en-US" dirty="0"/>
+              <a:t>And finally we have assigned our presentation 10% because our goal is to not just to deliver a piece of software but deliver a quality and engaging product presentation. </a:t>
+            </a:r>
           </a:p>
         </p:txBody>
       </p:sp>
     </p:spTree>
     <p:extLst>
       <p:ext uri="{BB962C8B-B14F-4D97-AF65-F5344CB8AC3E}">
-        <p14:creationId xmlns:p14="http://schemas.microsoft.com/office/powerpoint/2010/main" val="2858488278"/>
+        <p14:creationId xmlns:p14="http://schemas.microsoft.com/office/powerpoint/2010/main" val="3049396755"/>
       </p:ext>
     </p:extLst>
   </p:cSld>
@@ -1866,145 +1854,33 @@
           <a:lstStyle/>
           <a:p>
             <a:r>
-              <a:rPr lang="en-US" dirty="0" smtClean="0"/>
-              <a:t>We </a:t>
-            </a:r>
-            <a:r>
-              <a:rPr lang="en-US" dirty="0"/>
-              <a:t>assigned specification 20% because we felt it was one of the most important parts of our project and considering we all took the software engineering track we were able to understand its importance.</a:t>
-            </a:r>
-          </a:p>
-          <a:p>
-            <a:endParaRPr lang="en-US" dirty="0">
+              <a:rPr lang="en-US" sz="1200" kern="1200" dirty="0" smtClean="0">
+                <a:solidFill>
+                  <a:schemeClr val="tx1"/>
+                </a:solidFill>
+                <a:effectLst/>
+                <a:latin typeface="+mn-lt"/>
+                <a:ea typeface="+mn-ea"/>
+                <a:cs typeface="+mn-cs"/>
+              </a:rPr>
+              <a:t>We would like to thank you for your time, and this brings us to the conclusion of our presentation. Do we have any questions?</a:t>
+            </a:r>
+            <a:endParaRPr lang="en-US" sz="1200" kern="1200" dirty="0">
               <a:solidFill>
-                <a:srgbClr val="FF0000"/>
+                <a:schemeClr val="tx1"/>
               </a:solidFill>
-              <a:latin typeface="Times New Roman"/>
-              <a:cs typeface="Times New Roman"/>
+              <a:effectLst/>
+              <a:latin typeface="+mn-lt"/>
+              <a:ea typeface="+mn-ea"/>
+              <a:cs typeface="+mn-cs"/>
             </a:endParaRPr>
-          </a:p>
-          <a:p>
-            <a:r>
-              <a:rPr lang="en-US" dirty="0"/>
-              <a:t>&lt;Next/&gt;</a:t>
-            </a:r>
-          </a:p>
-          <a:p>
-            <a:r>
-              <a:rPr lang="en-US" dirty="0"/>
-              <a:t>Following up with analysis we assigned it a slightly smaller number because we didn’t feel it was as important as specifications but at the same time we felt pulling out our classes and having a good understanding of the functional flow was important for scalability and maintainability in later workflows.</a:t>
-            </a:r>
-          </a:p>
-          <a:p>
-            <a:endParaRPr lang="en-US" dirty="0">
-              <a:latin typeface="Times New Roman"/>
-              <a:cs typeface="Times New Roman"/>
-            </a:endParaRPr>
-          </a:p>
-          <a:p>
-            <a:r>
-              <a:rPr lang="en-US" dirty="0"/>
-              <a:t>&lt;Next/&gt;</a:t>
-            </a:r>
-          </a:p>
-          <a:p>
-            <a:r>
-              <a:rPr lang="en-US" dirty="0"/>
-              <a:t>Design was given the same level of effort as analysis because at this point we will have already spent </a:t>
-            </a:r>
-            <a:r>
-              <a:rPr lang="en-US" dirty="0" smtClean="0"/>
-              <a:t>half of</a:t>
-            </a:r>
-            <a:r>
-              <a:rPr lang="en-US" baseline="0" dirty="0" smtClean="0"/>
-              <a:t> our</a:t>
-            </a:r>
-            <a:r>
-              <a:rPr lang="en-US" dirty="0" smtClean="0"/>
-              <a:t> </a:t>
-            </a:r>
-            <a:r>
-              <a:rPr lang="en-US" dirty="0"/>
-              <a:t>time on </a:t>
-            </a:r>
-            <a:r>
-              <a:rPr lang="en-US" dirty="0" smtClean="0"/>
-              <a:t>planning, </a:t>
-            </a:r>
-            <a:r>
-              <a:rPr lang="en-US" dirty="0"/>
-              <a:t>so continuing to make sure we keep on track and work on our design before implementation seemed appropriate. </a:t>
-            </a:r>
-          </a:p>
-          <a:p>
-            <a:endParaRPr lang="en-US" dirty="0">
-              <a:latin typeface="Times New Roman"/>
-              <a:cs typeface="Times New Roman"/>
-            </a:endParaRPr>
-          </a:p>
-          <a:p>
-            <a:r>
-              <a:rPr lang="en-US" dirty="0"/>
-              <a:t>&lt;Next/&gt;</a:t>
-            </a:r>
-          </a:p>
-          <a:p>
-            <a:r>
-              <a:rPr lang="en-US" dirty="0"/>
-              <a:t>Implementation came in at 30%. Although the largest individual assignment, we have still assigned the majority of the project to planning.</a:t>
-            </a:r>
-          </a:p>
-          <a:p>
-            <a:endParaRPr lang="en-US" dirty="0">
-              <a:latin typeface="Times New Roman"/>
-              <a:cs typeface="Times New Roman"/>
-            </a:endParaRPr>
-          </a:p>
-          <a:p>
-            <a:r>
-              <a:rPr lang="en-US" dirty="0"/>
-              <a:t>&lt;Next/&gt;</a:t>
-            </a:r>
-          </a:p>
-          <a:p>
-            <a:r>
-              <a:rPr lang="en-US" dirty="0"/>
-              <a:t>Documentation </a:t>
-            </a:r>
-            <a:r>
-              <a:rPr lang="en-US" dirty="0" smtClean="0"/>
-              <a:t>has earned </a:t>
-            </a:r>
-            <a:r>
-              <a:rPr lang="en-US" dirty="0"/>
-              <a:t>it's self 10% because as a real world software experience we understand that in order for a group to function properly, we can’t be wasting our time trying to understand what our colleague’s code is supposed to do.</a:t>
-            </a:r>
-          </a:p>
-          <a:p>
-            <a:endParaRPr lang="en-US" dirty="0">
-              <a:latin typeface="Times New Roman"/>
-              <a:cs typeface="Times New Roman"/>
-            </a:endParaRPr>
-          </a:p>
-          <a:p>
-            <a:r>
-              <a:rPr lang="en-US" dirty="0"/>
-              <a:t>&lt;Next/&gt;</a:t>
-            </a:r>
-          </a:p>
-          <a:p>
-            <a:r>
-              <a:rPr lang="en-US" dirty="0"/>
-              <a:t>And finally we have assigned our presentation 10% because our goal is to not just to deliver a piece of software but deliver a quality and engaging product presentation. </a:t>
-            </a:r>
           </a:p>
         </p:txBody>
       </p:sp>
     </p:spTree>
     <p:extLst>
       <p:ext uri="{BB962C8B-B14F-4D97-AF65-F5344CB8AC3E}">
-        <p14:creationId xmlns:p14="http://schemas.microsoft.com/office/powerpoint/2010/main" val="3049396755"/>
+        <p14:creationId xmlns:p14="http://schemas.microsoft.com/office/powerpoint/2010/main" val="971011799"/>
       </p:ext>
     </p:extLst>
   </p:cSld>
@@ -9019,14 +8895,14 @@
           <a:p>
             <a:pPr algn="ctr"/>
             <a:r>
-              <a:rPr lang="en-US" sz="7200" dirty="0" err="1" smtClean="0">
+              <a:rPr lang="en-US" sz="7200" dirty="0" smtClean="0">
                 <a:latin typeface="Big Caslon"/>
                 <a:cs typeface="Big Caslon"/>
               </a:rPr>
               <a:t>Plan</a:t>
             </a:r>
             <a:r>
-              <a:rPr lang="en-US" sz="7200" i="1" dirty="0" err="1" smtClean="0">
+              <a:rPr lang="en-US" sz="7200" i="1" dirty="0" smtClean="0">
                 <a:solidFill>
                   <a:srgbClr val="7F7F7F"/>
                 </a:solidFill>
@@ -9149,386 +9025,6 @@
 </file>
 
 <file path=ppt/slides/slide10.xml><?xml version="1.0" encoding="utf-8"?>
-<p:sld xmlns:a="http://schemas.openxmlformats.org/drawingml/2006/main" xmlns:r="http://schemas.openxmlformats.org/officeDocument/2006/relationships" xmlns:p="http://schemas.openxmlformats.org/presentationml/2006/main">
-  <p:cSld>
-    <p:spTree>
-      <p:nvGrpSpPr>
-        <p:cNvPr id="1" name=""/>
-        <p:cNvGrpSpPr/>
-        <p:nvPr/>
-      </p:nvGrpSpPr>
-      <p:grpSpPr>
-        <a:xfrm>
-          <a:off x="0" y="0"/>
-          <a:ext cx="0" cy="0"/>
-          <a:chOff x="0" y="0"/>
-          <a:chExt cx="0" cy="0"/>
-        </a:xfrm>
-      </p:grpSpPr>
-      <p:sp>
-        <p:nvSpPr>
-          <p:cNvPr id="2" name="Title 1"/>
-          <p:cNvSpPr>
-            <a:spLocks noGrp="1"/>
-          </p:cNvSpPr>
-          <p:nvPr>
-            <p:ph type="ctrTitle"/>
-          </p:nvPr>
-        </p:nvSpPr>
-        <p:spPr>
-          <a:xfrm>
-            <a:off x="1298046" y="1911287"/>
-            <a:ext cx="7766936" cy="1646302"/>
-          </a:xfrm>
-        </p:spPr>
-        <p:txBody>
-          <a:bodyPr>
-            <a:normAutofit/>
-          </a:bodyPr>
-          <a:lstStyle/>
-          <a:p>
-            <a:pPr algn="ctr"/>
-            <a:r>
-              <a:rPr lang="en-US" sz="7200" dirty="0" smtClean="0">
-                <a:latin typeface="Big Caslon"/>
-                <a:cs typeface="Big Caslon"/>
-              </a:rPr>
-              <a:t>Plan</a:t>
-            </a:r>
-            <a:r>
-              <a:rPr lang="en-US" sz="7200" i="1" dirty="0" smtClean="0">
-                <a:solidFill>
-                  <a:srgbClr val="7F7F7F"/>
-                </a:solidFill>
-                <a:latin typeface="Big Caslon"/>
-                <a:cs typeface="Big Caslon"/>
-              </a:rPr>
-              <a:t>it</a:t>
-            </a:r>
-            <a:r>
-              <a:rPr lang="en-US" sz="7200" dirty="0" smtClean="0">
-                <a:solidFill>
-                  <a:srgbClr val="7F7F7F"/>
-                </a:solidFill>
-                <a:latin typeface="Big Caslon"/>
-                <a:cs typeface="Big Caslon"/>
-              </a:rPr>
-              <a:t>!</a:t>
-            </a:r>
-            <a:endParaRPr lang="en-US" sz="7200" dirty="0">
-              <a:solidFill>
-                <a:srgbClr val="7F7F7F"/>
-              </a:solidFill>
-              <a:latin typeface="Big Caslon"/>
-              <a:cs typeface="Big Caslon"/>
-            </a:endParaRPr>
-          </a:p>
-        </p:txBody>
-      </p:sp>
-      <p:sp>
-        <p:nvSpPr>
-          <p:cNvPr id="6" name="Rectangle 5"/>
-          <p:cNvSpPr/>
-          <p:nvPr/>
-        </p:nvSpPr>
-        <p:spPr>
-          <a:xfrm>
-            <a:off x="3919267" y="3393071"/>
-            <a:ext cx="2405850" cy="400110"/>
-          </a:xfrm>
-          <a:prstGeom prst="rect">
-            <a:avLst/>
-          </a:prstGeom>
-        </p:spPr>
-        <p:txBody>
-          <a:bodyPr wrap="none">
-            <a:spAutoFit/>
-          </a:bodyPr>
-          <a:lstStyle/>
-          <a:p>
-            <a:pPr algn="ctr"/>
-            <a:r>
-              <a:rPr lang="en-US" sz="2000" dirty="0">
-                <a:solidFill>
-                  <a:srgbClr val="70AD47"/>
-                </a:solidFill>
-              </a:rPr>
-              <a:t>We’re Here to Help</a:t>
-            </a:r>
-          </a:p>
-        </p:txBody>
-      </p:sp>
-    </p:spTree>
-    <p:extLst>
-      <p:ext uri="{BB962C8B-B14F-4D97-AF65-F5344CB8AC3E}">
-        <p14:creationId xmlns:p14="http://schemas.microsoft.com/office/powerpoint/2010/main" val="2624175973"/>
-      </p:ext>
-    </p:extLst>
-  </p:cSld>
-  <p:clrMapOvr>
-    <a:masterClrMapping/>
-  </p:clrMapOvr>
-  <p:timing>
-    <p:tnLst>
-      <p:par>
-        <p:cTn id="1" dur="indefinite" restart="never" nodeType="tmRoot"/>
-      </p:par>
-    </p:tnLst>
-  </p:timing>
-</p:sld>
-</file>
-
-<file path=ppt/slides/slide11.xml><?xml version="1.0" encoding="utf-8"?>
-<p:sld xmlns:a="http://schemas.openxmlformats.org/drawingml/2006/main" xmlns:r="http://schemas.openxmlformats.org/officeDocument/2006/relationships" xmlns:p="http://schemas.openxmlformats.org/presentationml/2006/main">
-  <p:cSld>
-    <p:spTree>
-      <p:nvGrpSpPr>
-        <p:cNvPr id="1" name=""/>
-        <p:cNvGrpSpPr/>
-        <p:nvPr/>
-      </p:nvGrpSpPr>
-      <p:grpSpPr>
-        <a:xfrm>
-          <a:off x="0" y="0"/>
-          <a:ext cx="0" cy="0"/>
-          <a:chOff x="0" y="0"/>
-          <a:chExt cx="0" cy="0"/>
-        </a:xfrm>
-      </p:grpSpPr>
-      <p:sp>
-        <p:nvSpPr>
-          <p:cNvPr id="2" name="Title 1"/>
-          <p:cNvSpPr>
-            <a:spLocks noGrp="1"/>
-          </p:cNvSpPr>
-          <p:nvPr>
-            <p:ph type="title"/>
-          </p:nvPr>
-        </p:nvSpPr>
-        <p:spPr/>
-        <p:txBody>
-          <a:bodyPr/>
-          <a:lstStyle/>
-          <a:p>
-            <a:endParaRPr lang="en-US" dirty="0"/>
-          </a:p>
-        </p:txBody>
-      </p:sp>
-      <p:sp>
-        <p:nvSpPr>
-          <p:cNvPr id="3" name="Content Placeholder 2"/>
-          <p:cNvSpPr>
-            <a:spLocks noGrp="1"/>
-          </p:cNvSpPr>
-          <p:nvPr>
-            <p:ph idx="1"/>
-          </p:nvPr>
-        </p:nvSpPr>
-        <p:spPr/>
-        <p:txBody>
-          <a:bodyPr>
-            <a:normAutofit/>
-          </a:bodyPr>
-          <a:lstStyle/>
-          <a:p>
-            <a:r>
-              <a:rPr lang="en-US" b="1" dirty="0" smtClean="0"/>
-              <a:t>Doing </a:t>
-            </a:r>
-            <a:r>
-              <a:rPr lang="en-US" b="1" dirty="0"/>
-              <a:t>the first walkthrough of deploying to </a:t>
-            </a:r>
-            <a:r>
-              <a:rPr lang="en-US" b="1" dirty="0" smtClean="0"/>
-              <a:t>Azure Devin</a:t>
-            </a:r>
-            <a:endParaRPr lang="en-US" dirty="0"/>
-          </a:p>
-          <a:p>
-            <a:r>
-              <a:rPr lang="en-US" b="1" dirty="0"/>
-              <a:t>Integrating JQuery plugins into MVC </a:t>
-            </a:r>
-            <a:r>
-              <a:rPr lang="en-US" b="1" dirty="0" smtClean="0"/>
-              <a:t>project Albert</a:t>
-            </a:r>
-          </a:p>
-          <a:p>
-            <a:r>
-              <a:rPr lang="en-US" b="1" dirty="0" smtClean="0"/>
-              <a:t>The </a:t>
-            </a:r>
-            <a:r>
-              <a:rPr lang="en-US" b="1" dirty="0"/>
-              <a:t>GIT Bash Learning curve - Living in </a:t>
-            </a:r>
-            <a:r>
-              <a:rPr lang="en-US" b="1" dirty="0" err="1"/>
-              <a:t>GITHub</a:t>
-            </a:r>
-            <a:r>
-              <a:rPr lang="en-US" b="1" dirty="0"/>
-              <a:t> and working in </a:t>
-            </a:r>
-            <a:r>
-              <a:rPr lang="en-US" b="1" dirty="0" smtClean="0"/>
-              <a:t>GIT Albert</a:t>
-            </a:r>
-            <a:endParaRPr lang="en-US" dirty="0"/>
-          </a:p>
-          <a:p>
-            <a:r>
-              <a:rPr lang="en-US" b="1" dirty="0"/>
-              <a:t>Database </a:t>
-            </a:r>
-            <a:endParaRPr lang="en-US" dirty="0"/>
-          </a:p>
-          <a:p>
-            <a:r>
-              <a:rPr lang="en-US" b="1" dirty="0"/>
-              <a:t>Integrating the MVC “free” User Authentication</a:t>
-            </a:r>
-            <a:endParaRPr lang="en-US" dirty="0"/>
-          </a:p>
-          <a:p>
-            <a:r>
-              <a:rPr lang="en-US" b="1" dirty="0" smtClean="0"/>
-              <a:t>Sprints</a:t>
-            </a:r>
-            <a:r>
-              <a:rPr lang="en-US" b="1" dirty="0"/>
-              <a:t>, deadlines, formal testing and documentation – not so much….</a:t>
-            </a:r>
-            <a:endParaRPr lang="en-US" dirty="0"/>
-          </a:p>
-          <a:p>
-            <a:r>
-              <a:rPr lang="en-US" b="1" dirty="0"/>
-              <a:t>Scheduling, Teamwork and meetings</a:t>
-            </a:r>
-            <a:endParaRPr lang="en-US" dirty="0"/>
-          </a:p>
-          <a:p>
-            <a:r>
-              <a:rPr lang="en-US" b="1" dirty="0"/>
-              <a:t>Beta Testing by Family and </a:t>
-            </a:r>
-            <a:r>
-              <a:rPr lang="en-US" b="1"/>
-              <a:t>Friends</a:t>
-            </a:r>
-            <a:r>
-              <a:rPr lang="en-US"/>
-              <a:t> </a:t>
-            </a:r>
-            <a:r>
-              <a:rPr lang="en-US" smtClean="0"/>
-              <a:t>Devin</a:t>
-            </a:r>
-            <a:endParaRPr lang="en-US" dirty="0"/>
-          </a:p>
-          <a:p>
-            <a:r>
-              <a:rPr lang="en-US" b="1" dirty="0"/>
-              <a:t>What would we do differently?</a:t>
-            </a:r>
-            <a:endParaRPr lang="en-US" dirty="0"/>
-          </a:p>
-          <a:p>
-            <a:endParaRPr lang="en-US" dirty="0"/>
-          </a:p>
-        </p:txBody>
-      </p:sp>
-    </p:spTree>
-    <p:extLst>
-      <p:ext uri="{BB962C8B-B14F-4D97-AF65-F5344CB8AC3E}">
-        <p14:creationId xmlns:p14="http://schemas.microsoft.com/office/powerpoint/2010/main" val="2116137551"/>
-      </p:ext>
-    </p:extLst>
-  </p:cSld>
-  <p:clrMapOvr>
-    <a:masterClrMapping/>
-  </p:clrMapOvr>
-  <p:timing>
-    <p:tnLst>
-      <p:par>
-        <p:cTn id="1" dur="indefinite" restart="never" nodeType="tmRoot"/>
-      </p:par>
-    </p:tnLst>
-  </p:timing>
-</p:sld>
-</file>
-
-<file path=ppt/slides/slide12.xml><?xml version="1.0" encoding="utf-8"?>
-<p:sld xmlns:a="http://schemas.openxmlformats.org/drawingml/2006/main" xmlns:r="http://schemas.openxmlformats.org/officeDocument/2006/relationships" xmlns:p="http://schemas.openxmlformats.org/presentationml/2006/main">
-  <p:cSld>
-    <p:spTree>
-      <p:nvGrpSpPr>
-        <p:cNvPr id="1" name=""/>
-        <p:cNvGrpSpPr/>
-        <p:nvPr/>
-      </p:nvGrpSpPr>
-      <p:grpSpPr>
-        <a:xfrm>
-          <a:off x="0" y="0"/>
-          <a:ext cx="0" cy="0"/>
-          <a:chOff x="0" y="0"/>
-          <a:chExt cx="0" cy="0"/>
-        </a:xfrm>
-      </p:grpSpPr>
-      <p:sp>
-        <p:nvSpPr>
-          <p:cNvPr id="2" name="Title 1"/>
-          <p:cNvSpPr>
-            <a:spLocks noGrp="1"/>
-          </p:cNvSpPr>
-          <p:nvPr>
-            <p:ph type="title"/>
-          </p:nvPr>
-        </p:nvSpPr>
-        <p:spPr>
-          <a:xfrm>
-            <a:off x="677334" y="609600"/>
-            <a:ext cx="8596668" cy="774357"/>
-          </a:xfrm>
-        </p:spPr>
-        <p:txBody>
-          <a:bodyPr>
-            <a:noAutofit/>
-          </a:bodyPr>
-          <a:lstStyle/>
-          <a:p>
-            <a:r>
-              <a:rPr lang="en-US" sz="5400" dirty="0" smtClean="0"/>
-              <a:t>Backlog</a:t>
-            </a:r>
-            <a:endParaRPr lang="en-US" sz="5400" dirty="0"/>
-          </a:p>
-        </p:txBody>
-      </p:sp>
-    </p:spTree>
-    <p:extLst>
-      <p:ext uri="{BB962C8B-B14F-4D97-AF65-F5344CB8AC3E}">
-        <p14:creationId xmlns:p14="http://schemas.microsoft.com/office/powerpoint/2010/main" val="4221975140"/>
-      </p:ext>
-    </p:extLst>
-  </p:cSld>
-  <p:clrMapOvr>
-    <a:masterClrMapping/>
-  </p:clrMapOvr>
-  <p:timing>
-    <p:tnLst>
-      <p:par>
-        <p:cTn id="1" dur="indefinite" restart="never" nodeType="tmRoot"/>
-      </p:par>
-    </p:tnLst>
-  </p:timing>
-</p:sld>
-</file>
-
-<file path=ppt/slides/slide13.xml><?xml version="1.0" encoding="utf-8"?>
 <p:sld xmlns:a="http://schemas.openxmlformats.org/drawingml/2006/main" xmlns:r="http://schemas.openxmlformats.org/officeDocument/2006/relationships" xmlns:p="http://schemas.openxmlformats.org/presentationml/2006/main">
   <p:cSld>
     <p:spTree>
@@ -10020,14 +9516,7 @@
                 <a:latin typeface="Times New Roman" panose="02020603050405020304" pitchFamily="18" charset="0"/>
                 <a:ea typeface="Times New Roman" panose="02020603050405020304" pitchFamily="18" charset="0"/>
               </a:rPr>
-              <a:t>MS SQL </a:t>
-            </a:r>
-            <a:r>
-              <a:rPr lang="en-US" sz="1400" dirty="0" smtClean="0">
-                <a:latin typeface="Times New Roman" panose="02020603050405020304" pitchFamily="18" charset="0"/>
-                <a:ea typeface="Times New Roman" panose="02020603050405020304" pitchFamily="18" charset="0"/>
-              </a:rPr>
-              <a:t>Azure</a:t>
+              <a:t>MS SQL Azure</a:t>
             </a:r>
             <a:endParaRPr lang="en-US" sz="1600" dirty="0">
               <a:effectLst/>
@@ -10211,7 +9700,7 @@
 </p:sld>
 </file>
 
-<file path=ppt/slides/slide14.xml><?xml version="1.0" encoding="utf-8"?>
+<file path=ppt/slides/slide11.xml><?xml version="1.0" encoding="utf-8"?>
 <p:sld xmlns:a="http://schemas.openxmlformats.org/drawingml/2006/main" xmlns:r="http://schemas.openxmlformats.org/officeDocument/2006/relationships" xmlns:p="http://schemas.openxmlformats.org/presentationml/2006/main">
   <p:cSld>
     <p:spTree>
@@ -10246,16 +9735,16 @@
           <a:lstStyle/>
           <a:p>
             <a:r>
+              <a:rPr lang="en-US" b="1" dirty="0"/>
+              <a:t>Doing the first walkthrough of deploying to Azure Devin</a:t>
+            </a:r>
+            <a:r>
               <a:rPr lang="en-US" dirty="0"/>
               <a:t/>
             </a:r>
             <a:br>
               <a:rPr lang="en-US" dirty="0"/>
             </a:br>
-            <a:r>
-              <a:rPr lang="en-US" b="1" dirty="0"/>
-              <a:t>No change is a standalone change Beth</a:t>
-            </a:r>
             <a:r>
               <a:rPr lang="en-US" dirty="0"/>
               <a:t/>
@@ -10282,14 +9771,747 @@
           <a:bodyPr/>
           <a:lstStyle/>
           <a:p>
-            <a:endParaRPr lang="en-US" dirty="0"/>
+            <a:endParaRPr lang="en-US"/>
           </a:p>
         </p:txBody>
       </p:sp>
     </p:spTree>
     <p:extLst>
       <p:ext uri="{BB962C8B-B14F-4D97-AF65-F5344CB8AC3E}">
-        <p14:creationId xmlns:p14="http://schemas.microsoft.com/office/powerpoint/2010/main" val="165046885"/>
+        <p14:creationId xmlns:p14="http://schemas.microsoft.com/office/powerpoint/2010/main" val="284592902"/>
+      </p:ext>
+    </p:extLst>
+  </p:cSld>
+  <p:clrMapOvr>
+    <a:masterClrMapping/>
+  </p:clrMapOvr>
+</p:sld>
+</file>
+
+<file path=ppt/slides/slide12.xml><?xml version="1.0" encoding="utf-8"?>
+<p:sld xmlns:a="http://schemas.openxmlformats.org/drawingml/2006/main" xmlns:r="http://schemas.openxmlformats.org/officeDocument/2006/relationships" xmlns:p="http://schemas.openxmlformats.org/presentationml/2006/main">
+  <p:cSld>
+    <p:spTree>
+      <p:nvGrpSpPr>
+        <p:cNvPr id="1" name=""/>
+        <p:cNvGrpSpPr/>
+        <p:nvPr/>
+      </p:nvGrpSpPr>
+      <p:grpSpPr>
+        <a:xfrm>
+          <a:off x="0" y="0"/>
+          <a:ext cx="0" cy="0"/>
+          <a:chOff x="0" y="0"/>
+          <a:chExt cx="0" cy="0"/>
+        </a:xfrm>
+      </p:grpSpPr>
+      <p:sp>
+        <p:nvSpPr>
+          <p:cNvPr id="2" name="Title 1"/>
+          <p:cNvSpPr>
+            <a:spLocks noGrp="1"/>
+          </p:cNvSpPr>
+          <p:nvPr>
+            <p:ph type="title"/>
+          </p:nvPr>
+        </p:nvSpPr>
+        <p:spPr/>
+        <p:txBody>
+          <a:bodyPr/>
+          <a:lstStyle/>
+          <a:p>
+            <a:endParaRPr lang="en-US"/>
+          </a:p>
+        </p:txBody>
+      </p:sp>
+      <p:sp>
+        <p:nvSpPr>
+          <p:cNvPr id="3" name="Content Placeholder 2"/>
+          <p:cNvSpPr>
+            <a:spLocks noGrp="1"/>
+          </p:cNvSpPr>
+          <p:nvPr>
+            <p:ph sz="half" idx="1"/>
+          </p:nvPr>
+        </p:nvSpPr>
+        <p:spPr/>
+        <p:txBody>
+          <a:bodyPr/>
+          <a:lstStyle/>
+          <a:p>
+            <a:endParaRPr lang="en-US"/>
+          </a:p>
+        </p:txBody>
+      </p:sp>
+      <p:sp>
+        <p:nvSpPr>
+          <p:cNvPr id="4" name="Content Placeholder 3"/>
+          <p:cNvSpPr>
+            <a:spLocks noGrp="1"/>
+          </p:cNvSpPr>
+          <p:nvPr>
+            <p:ph sz="half" idx="2"/>
+          </p:nvPr>
+        </p:nvSpPr>
+        <p:spPr/>
+        <p:txBody>
+          <a:bodyPr/>
+          <a:lstStyle/>
+          <a:p>
+            <a:endParaRPr lang="en-US"/>
+          </a:p>
+        </p:txBody>
+      </p:sp>
+    </p:spTree>
+    <p:extLst>
+      <p:ext uri="{BB962C8B-B14F-4D97-AF65-F5344CB8AC3E}">
+        <p14:creationId xmlns:p14="http://schemas.microsoft.com/office/powerpoint/2010/main" val="3466366651"/>
+      </p:ext>
+    </p:extLst>
+  </p:cSld>
+  <p:clrMapOvr>
+    <a:masterClrMapping/>
+  </p:clrMapOvr>
+</p:sld>
+</file>
+
+<file path=ppt/slides/slide13.xml><?xml version="1.0" encoding="utf-8"?>
+<p:sld xmlns:a="http://schemas.openxmlformats.org/drawingml/2006/main" xmlns:r="http://schemas.openxmlformats.org/officeDocument/2006/relationships" xmlns:p="http://schemas.openxmlformats.org/presentationml/2006/main">
+  <p:cSld>
+    <p:spTree>
+      <p:nvGrpSpPr>
+        <p:cNvPr id="1" name=""/>
+        <p:cNvGrpSpPr/>
+        <p:nvPr/>
+      </p:nvGrpSpPr>
+      <p:grpSpPr>
+        <a:xfrm>
+          <a:off x="0" y="0"/>
+          <a:ext cx="0" cy="0"/>
+          <a:chOff x="0" y="0"/>
+          <a:chExt cx="0" cy="0"/>
+        </a:xfrm>
+      </p:grpSpPr>
+      <p:sp>
+        <p:nvSpPr>
+          <p:cNvPr id="2" name="Title 1"/>
+          <p:cNvSpPr>
+            <a:spLocks noGrp="1"/>
+          </p:cNvSpPr>
+          <p:nvPr>
+            <p:ph type="title"/>
+          </p:nvPr>
+        </p:nvSpPr>
+        <p:spPr/>
+        <p:txBody>
+          <a:bodyPr/>
+          <a:lstStyle/>
+          <a:p>
+            <a:endParaRPr lang="en-US"/>
+          </a:p>
+        </p:txBody>
+      </p:sp>
+      <p:sp>
+        <p:nvSpPr>
+          <p:cNvPr id="3" name="Content Placeholder 2"/>
+          <p:cNvSpPr>
+            <a:spLocks noGrp="1"/>
+          </p:cNvSpPr>
+          <p:nvPr>
+            <p:ph sz="half" idx="1"/>
+          </p:nvPr>
+        </p:nvSpPr>
+        <p:spPr/>
+        <p:txBody>
+          <a:bodyPr/>
+          <a:lstStyle/>
+          <a:p>
+            <a:endParaRPr lang="en-US"/>
+          </a:p>
+        </p:txBody>
+      </p:sp>
+      <p:sp>
+        <p:nvSpPr>
+          <p:cNvPr id="4" name="Content Placeholder 3"/>
+          <p:cNvSpPr>
+            <a:spLocks noGrp="1"/>
+          </p:cNvSpPr>
+          <p:nvPr>
+            <p:ph sz="half" idx="2"/>
+          </p:nvPr>
+        </p:nvSpPr>
+        <p:spPr/>
+        <p:txBody>
+          <a:bodyPr/>
+          <a:lstStyle/>
+          <a:p>
+            <a:endParaRPr lang="en-US"/>
+          </a:p>
+        </p:txBody>
+      </p:sp>
+    </p:spTree>
+    <p:extLst>
+      <p:ext uri="{BB962C8B-B14F-4D97-AF65-F5344CB8AC3E}">
+        <p14:creationId xmlns:p14="http://schemas.microsoft.com/office/powerpoint/2010/main" val="3889570862"/>
+      </p:ext>
+    </p:extLst>
+  </p:cSld>
+  <p:clrMapOvr>
+    <a:masterClrMapping/>
+  </p:clrMapOvr>
+</p:sld>
+</file>
+
+<file path=ppt/slides/slide14.xml><?xml version="1.0" encoding="utf-8"?>
+<p:sld xmlns:a="http://schemas.openxmlformats.org/drawingml/2006/main" xmlns:r="http://schemas.openxmlformats.org/officeDocument/2006/relationships" xmlns:p="http://schemas.openxmlformats.org/presentationml/2006/main">
+  <p:cSld>
+    <p:spTree>
+      <p:nvGrpSpPr>
+        <p:cNvPr id="1" name=""/>
+        <p:cNvGrpSpPr/>
+        <p:nvPr/>
+      </p:nvGrpSpPr>
+      <p:grpSpPr>
+        <a:xfrm>
+          <a:off x="0" y="0"/>
+          <a:ext cx="0" cy="0"/>
+          <a:chOff x="0" y="0"/>
+          <a:chExt cx="0" cy="0"/>
+        </a:xfrm>
+      </p:grpSpPr>
+      <p:sp>
+        <p:nvSpPr>
+          <p:cNvPr id="2" name="Title 1"/>
+          <p:cNvSpPr>
+            <a:spLocks noGrp="1"/>
+          </p:cNvSpPr>
+          <p:nvPr>
+            <p:ph type="title"/>
+          </p:nvPr>
+        </p:nvSpPr>
+        <p:spPr/>
+        <p:txBody>
+          <a:bodyPr/>
+          <a:lstStyle/>
+          <a:p>
+            <a:r>
+              <a:rPr lang="en-US" b="1" dirty="0"/>
+              <a:t>Integrating </a:t>
+            </a:r>
+            <a:r>
+              <a:rPr lang="en-US" b="1" dirty="0" smtClean="0"/>
+              <a:t>JQuery Plugin into MVC/Razor/Html</a:t>
+            </a:r>
+            <a:endParaRPr lang="en-US" dirty="0"/>
+          </a:p>
+        </p:txBody>
+      </p:sp>
+      <p:sp>
+        <p:nvSpPr>
+          <p:cNvPr id="3" name="Content Placeholder 2"/>
+          <p:cNvSpPr>
+            <a:spLocks noGrp="1"/>
+          </p:cNvSpPr>
+          <p:nvPr>
+            <p:ph sz="half" idx="1"/>
+          </p:nvPr>
+        </p:nvSpPr>
+        <p:spPr/>
+        <p:txBody>
+          <a:bodyPr>
+            <a:normAutofit fontScale="25000" lnSpcReduction="20000"/>
+          </a:bodyPr>
+          <a:lstStyle/>
+          <a:p>
+            <a:pPr marL="0" indent="0">
+              <a:buNone/>
+            </a:pPr>
+            <a:r>
+              <a:rPr lang="en-US" sz="4000" b="1" dirty="0"/>
+              <a:t> </a:t>
+            </a:r>
+            <a:r>
+              <a:rPr lang="en-US" sz="4000" dirty="0"/>
+              <a:t>var</a:t>
+            </a:r>
+            <a:r>
+              <a:rPr lang="en-US" sz="4000" b="1" dirty="0"/>
+              <a:t> </a:t>
+            </a:r>
+            <a:r>
+              <a:rPr lang="en-US" sz="4000" dirty="0"/>
+              <a:t>items = [</a:t>
+            </a:r>
+          </a:p>
+          <a:p>
+            <a:pPr marL="0" indent="0">
+              <a:buNone/>
+            </a:pPr>
+            <a:r>
+              <a:rPr lang="en-US" sz="4000" dirty="0"/>
+              <a:t>             new primitives.orgdiagram.ItemConfig({</a:t>
+            </a:r>
+          </a:p>
+          <a:p>
+            <a:pPr marL="0" indent="0">
+              <a:buNone/>
+            </a:pPr>
+            <a:r>
+              <a:rPr lang="en-US" sz="4000" dirty="0"/>
+              <a:t>                    id: 0,</a:t>
+            </a:r>
+          </a:p>
+          <a:p>
+            <a:pPr marL="0" indent="0">
+              <a:buNone/>
+            </a:pPr>
+            <a:r>
+              <a:rPr lang="en-US" sz="4000" dirty="0"/>
+              <a:t>                    parent: null,</a:t>
+            </a:r>
+          </a:p>
+          <a:p>
+            <a:pPr marL="0" indent="0">
+              <a:buNone/>
+            </a:pPr>
+            <a:r>
+              <a:rPr lang="en-US" sz="4000" dirty="0"/>
+              <a:t>                    title: "Root Project here",</a:t>
+            </a:r>
+          </a:p>
+          <a:p>
+            <a:pPr marL="0" indent="0">
+              <a:buNone/>
+            </a:pPr>
+            <a:r>
+              <a:rPr lang="en-US" sz="4000" dirty="0"/>
+              <a:t>                    description: "Project Tree",</a:t>
+            </a:r>
+          </a:p>
+          <a:p>
+            <a:pPr marL="0" indent="0">
+              <a:buNone/>
+            </a:pPr>
+            <a:r>
+              <a:rPr lang="en-US" sz="4000" dirty="0"/>
+              <a:t>                    image: "demo/images/photos/a.png"</a:t>
+            </a:r>
+          </a:p>
+          <a:p>
+            <a:pPr marL="0" indent="0">
+              <a:buNone/>
+            </a:pPr>
+            <a:r>
+              <a:rPr lang="en-US" sz="4000" dirty="0"/>
+              <a:t>                }),</a:t>
+            </a:r>
+          </a:p>
+          <a:p>
+            <a:pPr marL="0" indent="0">
+              <a:buNone/>
+            </a:pPr>
+            <a:r>
+              <a:rPr lang="en-US" sz="4000" dirty="0"/>
+              <a:t>             new primitives.orgdiagram.ItemConfig({</a:t>
+            </a:r>
+          </a:p>
+          <a:p>
+            <a:pPr marL="0" indent="0">
+              <a:buNone/>
+            </a:pPr>
+            <a:r>
+              <a:rPr lang="en-US" sz="4000" dirty="0"/>
+              <a:t>                    id: 2,</a:t>
+            </a:r>
+          </a:p>
+          <a:p>
+            <a:pPr marL="0" indent="0">
+              <a:buNone/>
+            </a:pPr>
+            <a:r>
+              <a:rPr lang="en-US" sz="4000" dirty="0"/>
+              <a:t>                    parent: 0,</a:t>
+            </a:r>
+          </a:p>
+          <a:p>
+            <a:pPr marL="0" indent="0">
+              <a:buNone/>
+            </a:pPr>
+            <a:r>
+              <a:rPr lang="en-US" sz="4000" dirty="0"/>
+              <a:t>                    title: "Senior Project",</a:t>
+            </a:r>
+          </a:p>
+          <a:p>
+            <a:pPr marL="0" indent="0">
+              <a:buNone/>
+            </a:pPr>
+            <a:r>
+              <a:rPr lang="en-US" sz="4000" dirty="0"/>
+              <a:t>                    description: "Fabulous",</a:t>
+            </a:r>
+          </a:p>
+          <a:p>
+            <a:pPr marL="0" indent="0">
+              <a:buNone/>
+            </a:pPr>
+            <a:r>
+              <a:rPr lang="en-US" sz="4000" dirty="0"/>
+              <a:t>                    image: "demo/images/photos/c.png"</a:t>
+            </a:r>
+          </a:p>
+          <a:p>
+            <a:pPr marL="0" indent="0">
+              <a:buNone/>
+            </a:pPr>
+            <a:r>
+              <a:rPr lang="en-US" sz="4000" dirty="0"/>
+              <a:t>                </a:t>
+            </a:r>
+            <a:r>
+              <a:rPr lang="en-US" sz="4000" dirty="0" smtClean="0"/>
+              <a:t>})</a:t>
+            </a:r>
+            <a:endParaRPr lang="en-US" sz="4000" dirty="0"/>
+          </a:p>
+          <a:p>
+            <a:pPr marL="0" indent="0">
+              <a:buNone/>
+            </a:pPr>
+            <a:r>
+              <a:rPr lang="en-US" sz="4000" dirty="0"/>
+              <a:t>            ];</a:t>
+            </a:r>
+          </a:p>
+          <a:p>
+            <a:pPr marL="0" indent="0">
+              <a:buNone/>
+            </a:pPr>
+            <a:r>
+              <a:rPr lang="en-US" dirty="0"/>
+              <a:t> </a:t>
+            </a:r>
+          </a:p>
+          <a:p>
+            <a:endParaRPr lang="en-US" dirty="0"/>
+          </a:p>
+        </p:txBody>
+      </p:sp>
+      <p:sp>
+        <p:nvSpPr>
+          <p:cNvPr id="4" name="Content Placeholder 3"/>
+          <p:cNvSpPr>
+            <a:spLocks noGrp="1"/>
+          </p:cNvSpPr>
+          <p:nvPr>
+            <p:ph sz="half" idx="2"/>
+          </p:nvPr>
+        </p:nvSpPr>
+        <p:spPr/>
+        <p:txBody>
+          <a:bodyPr>
+            <a:normAutofit fontScale="25000" lnSpcReduction="20000"/>
+          </a:bodyPr>
+          <a:lstStyle/>
+          <a:p>
+            <a:pPr marL="0" indent="0">
+              <a:lnSpc>
+                <a:spcPct val="120000"/>
+              </a:lnSpc>
+              <a:spcBef>
+                <a:spcPts val="600"/>
+              </a:spcBef>
+              <a:buNone/>
+            </a:pPr>
+            <a:r>
+              <a:rPr lang="en-US" sz="4000" dirty="0"/>
+              <a:t>var newItem ;</a:t>
+            </a:r>
+          </a:p>
+          <a:p>
+            <a:pPr marL="0" indent="0">
+              <a:lnSpc>
+                <a:spcPct val="120000"/>
+              </a:lnSpc>
+              <a:spcBef>
+                <a:spcPts val="600"/>
+              </a:spcBef>
+              <a:buNone/>
+            </a:pPr>
+            <a:r>
+              <a:rPr lang="en-US" sz="4000" dirty="0"/>
+              <a:t>var items = [ ];</a:t>
+            </a:r>
+          </a:p>
+          <a:p>
+            <a:pPr marL="0" indent="0">
+              <a:lnSpc>
+                <a:spcPct val="120000"/>
+              </a:lnSpc>
+              <a:spcBef>
+                <a:spcPts val="600"/>
+              </a:spcBef>
+              <a:buNone/>
+            </a:pPr>
+            <a:r>
+              <a:rPr lang="en-US" sz="4000" dirty="0"/>
+              <a:t> @foreach(var item in Model)</a:t>
+            </a:r>
+          </a:p>
+          <a:p>
+            <a:pPr marL="0" indent="0">
+              <a:lnSpc>
+                <a:spcPct val="120000"/>
+              </a:lnSpc>
+              <a:spcBef>
+                <a:spcPts val="600"/>
+              </a:spcBef>
+              <a:buNone/>
+            </a:pPr>
+            <a:r>
+              <a:rPr lang="en-US" sz="4000" dirty="0" smtClean="0"/>
+              <a:t>   </a:t>
+            </a:r>
+            <a:r>
+              <a:rPr lang="en-US" sz="4000" dirty="0"/>
+              <a:t>{</a:t>
+            </a:r>
+          </a:p>
+          <a:p>
+            <a:pPr marL="0" indent="0">
+              <a:lnSpc>
+                <a:spcPct val="120000"/>
+              </a:lnSpc>
+              <a:spcBef>
+                <a:spcPts val="600"/>
+              </a:spcBef>
+              <a:buNone/>
+            </a:pPr>
+            <a:r>
+              <a:rPr lang="en-US" sz="4000" dirty="0" smtClean="0"/>
+              <a:t>    </a:t>
+            </a:r>
+            <a:r>
+              <a:rPr lang="en-US" sz="4000" dirty="0"/>
+              <a:t>@:newItem = new primitives.orgdiagram.ItemConfig</a:t>
+            </a:r>
+            <a:r>
+              <a:rPr lang="en-US" sz="4000" dirty="0" smtClean="0"/>
+              <a:t>({</a:t>
+            </a:r>
+          </a:p>
+          <a:p>
+            <a:pPr marL="0" indent="0">
+              <a:lnSpc>
+                <a:spcPct val="120000"/>
+              </a:lnSpc>
+              <a:spcBef>
+                <a:spcPts val="600"/>
+              </a:spcBef>
+              <a:buNone/>
+            </a:pPr>
+            <a:r>
+              <a:rPr lang="en-US" sz="4000" dirty="0" smtClean="0"/>
+              <a:t>          </a:t>
+            </a:r>
+            <a:r>
+              <a:rPr lang="en-US" sz="4000" dirty="0"/>
+              <a:t>id: '@(item.ID</a:t>
+            </a:r>
+            <a:r>
+              <a:rPr lang="en-US" sz="4000" dirty="0" smtClean="0"/>
+              <a:t>)',</a:t>
+            </a:r>
+          </a:p>
+          <a:p>
+            <a:pPr marL="0" indent="0">
+              <a:lnSpc>
+                <a:spcPct val="120000"/>
+              </a:lnSpc>
+              <a:spcBef>
+                <a:spcPts val="600"/>
+              </a:spcBef>
+              <a:buNone/>
+            </a:pPr>
+            <a:r>
+              <a:rPr lang="en-US" sz="4000" dirty="0" smtClean="0"/>
+              <a:t>          parent</a:t>
+            </a:r>
+            <a:r>
+              <a:rPr lang="en-US" sz="4000" dirty="0"/>
+              <a:t>: '@(item.ParentID)', </a:t>
+            </a:r>
+            <a:endParaRPr lang="en-US" sz="4000" dirty="0" smtClean="0"/>
+          </a:p>
+          <a:p>
+            <a:pPr marL="0" indent="0">
+              <a:lnSpc>
+                <a:spcPct val="120000"/>
+              </a:lnSpc>
+              <a:spcBef>
+                <a:spcPts val="600"/>
+              </a:spcBef>
+              <a:buNone/>
+            </a:pPr>
+            <a:r>
+              <a:rPr lang="en-US" sz="4000" dirty="0" smtClean="0"/>
+              <a:t>          title</a:t>
+            </a:r>
+            <a:r>
+              <a:rPr lang="en-US" sz="4000" dirty="0"/>
+              <a:t>: '@(item.Title)', </a:t>
+            </a:r>
+            <a:endParaRPr lang="en-US" sz="4000" dirty="0" smtClean="0"/>
+          </a:p>
+          <a:p>
+            <a:pPr marL="0" indent="0">
+              <a:lnSpc>
+                <a:spcPct val="120000"/>
+              </a:lnSpc>
+              <a:spcBef>
+                <a:spcPts val="600"/>
+              </a:spcBef>
+              <a:buNone/>
+            </a:pPr>
+            <a:r>
+              <a:rPr lang="en-US" sz="4000" dirty="0" smtClean="0"/>
+              <a:t>          description</a:t>
+            </a:r>
+            <a:r>
+              <a:rPr lang="en-US" sz="4000" dirty="0"/>
+              <a:t>: '@(item.Note)' </a:t>
+            </a:r>
+            <a:endParaRPr lang="en-US" sz="4000" dirty="0" smtClean="0"/>
+          </a:p>
+          <a:p>
+            <a:pPr marL="0" indent="0">
+              <a:lnSpc>
+                <a:spcPct val="120000"/>
+              </a:lnSpc>
+              <a:spcBef>
+                <a:spcPts val="600"/>
+              </a:spcBef>
+              <a:buNone/>
+            </a:pPr>
+            <a:r>
+              <a:rPr lang="en-US" sz="4000" dirty="0" smtClean="0"/>
+              <a:t>    });</a:t>
+            </a:r>
+            <a:endParaRPr lang="en-US" sz="4000" dirty="0"/>
+          </a:p>
+          <a:p>
+            <a:pPr marL="0" indent="0">
+              <a:lnSpc>
+                <a:spcPct val="120000"/>
+              </a:lnSpc>
+              <a:spcBef>
+                <a:spcPts val="600"/>
+              </a:spcBef>
+              <a:buNone/>
+            </a:pPr>
+            <a:r>
+              <a:rPr lang="en-US" sz="4000" dirty="0"/>
+              <a:t> @:if('@item.ParentID' == '0') </a:t>
+            </a:r>
+            <a:endParaRPr lang="en-US" sz="4000" dirty="0" smtClean="0"/>
+          </a:p>
+          <a:p>
+            <a:pPr marL="0" indent="0">
+              <a:lnSpc>
+                <a:spcPct val="120000"/>
+              </a:lnSpc>
+              <a:spcBef>
+                <a:spcPts val="600"/>
+              </a:spcBef>
+              <a:buNone/>
+            </a:pPr>
+            <a:r>
+              <a:rPr lang="en-US" sz="4000" dirty="0" smtClean="0"/>
+              <a:t> @: {@: </a:t>
+            </a:r>
+            <a:r>
+              <a:rPr lang="en-US" sz="4000" dirty="0"/>
+              <a:t>var headparent =  0 ;</a:t>
+            </a:r>
+          </a:p>
+          <a:p>
+            <a:pPr marL="0" indent="0">
+              <a:lnSpc>
+                <a:spcPct val="120000"/>
+              </a:lnSpc>
+              <a:spcBef>
+                <a:spcPts val="600"/>
+              </a:spcBef>
+              <a:buNone/>
+            </a:pPr>
+            <a:r>
+              <a:rPr lang="en-US" sz="4000" dirty="0"/>
+              <a:t> @: newItem.parent =  null ;</a:t>
+            </a:r>
+          </a:p>
+          <a:p>
+            <a:pPr marL="0" indent="0">
+              <a:lnSpc>
+                <a:spcPct val="120000"/>
+              </a:lnSpc>
+              <a:spcBef>
+                <a:spcPts val="600"/>
+              </a:spcBef>
+              <a:buNone/>
+            </a:pPr>
+            <a:r>
+              <a:rPr lang="en-US" sz="4000" dirty="0"/>
+              <a:t> @: } </a:t>
+            </a:r>
+          </a:p>
+          <a:p>
+            <a:pPr marL="0" indent="0">
+              <a:lnSpc>
+                <a:spcPct val="120000"/>
+              </a:lnSpc>
+              <a:spcBef>
+                <a:spcPts val="600"/>
+              </a:spcBef>
+              <a:buNone/>
+            </a:pPr>
+            <a:r>
+              <a:rPr lang="en-US" sz="4000" dirty="0"/>
+              <a:t> @:items.push(newItem);</a:t>
+            </a:r>
+          </a:p>
+          <a:p>
+            <a:pPr marL="0" indent="0">
+              <a:lnSpc>
+                <a:spcPct val="120000"/>
+              </a:lnSpc>
+              <a:spcBef>
+                <a:spcPts val="600"/>
+              </a:spcBef>
+              <a:buNone/>
+            </a:pPr>
+            <a:r>
+              <a:rPr lang="en-US" sz="4000" dirty="0"/>
+              <a:t> }</a:t>
+            </a:r>
+          </a:p>
+          <a:p>
+            <a:pPr marL="0" indent="0">
+              <a:lnSpc>
+                <a:spcPct val="120000"/>
+              </a:lnSpc>
+              <a:spcBef>
+                <a:spcPts val="600"/>
+              </a:spcBef>
+              <a:buNone/>
+            </a:pPr>
+            <a:endParaRPr lang="en-US" dirty="0"/>
+          </a:p>
+        </p:txBody>
+      </p:sp>
+    </p:spTree>
+    <p:extLst>
+      <p:ext uri="{BB962C8B-B14F-4D97-AF65-F5344CB8AC3E}">
+        <p14:creationId xmlns:p14="http://schemas.microsoft.com/office/powerpoint/2010/main" val="117463408"/>
       </p:ext>
     </p:extLst>
   </p:cSld>
@@ -10335,13 +10557,29 @@
         </p:nvSpPr>
         <p:spPr/>
         <p:txBody>
-          <a:bodyPr/>
+          <a:bodyPr>
+            <a:normAutofit fontScale="90000"/>
+          </a:bodyPr>
           <a:lstStyle/>
           <a:p>
             <a:r>
-              <a:rPr lang="en-US" b="1" dirty="0"/>
-              <a:t>Integrating javascript code into MVC/Razor/Html Model Beth</a:t>
-            </a:r>
+              <a:rPr lang="en-US" dirty="0"/>
+              <a:t/>
+            </a:r>
+            <a:br>
+              <a:rPr lang="en-US" dirty="0"/>
+            </a:br>
+            <a:r>
+              <a:rPr lang="en-US" b="1" dirty="0" smtClean="0"/>
+              <a:t>No change is a standalone change</a:t>
+            </a:r>
+            <a:r>
+              <a:rPr lang="en-US" dirty="0" smtClean="0"/>
+              <a:t/>
+            </a:r>
+            <a:br>
+              <a:rPr lang="en-US" dirty="0" smtClean="0"/>
+            </a:br>
             <a:endParaRPr lang="en-US" dirty="0"/>
           </a:p>
         </p:txBody>
@@ -10353,497 +10591,14 @@
             <a:spLocks noGrp="1"/>
           </p:cNvSpPr>
           <p:nvPr>
-            <p:ph sz="half" idx="1"/>
+            <p:ph idx="1"/>
           </p:nvPr>
         </p:nvSpPr>
         <p:spPr/>
         <p:txBody>
-          <a:bodyPr>
-            <a:normAutofit fontScale="25000" lnSpcReduction="20000"/>
-          </a:bodyPr>
+          <a:bodyPr/>
           <a:lstStyle/>
           <a:p>
-            <a:pPr marL="0" indent="0">
-              <a:buNone/>
-            </a:pPr>
-            <a:r>
-              <a:rPr lang="en-US" sz="4000" b="1" dirty="0"/>
-              <a:t> </a:t>
-            </a:r>
-            <a:r>
-              <a:rPr lang="en-US" sz="4000" dirty="0"/>
-              <a:t>var</a:t>
-            </a:r>
-            <a:r>
-              <a:rPr lang="en-US" sz="4000" b="1" dirty="0"/>
-              <a:t> </a:t>
-            </a:r>
-            <a:r>
-              <a:rPr lang="en-US" sz="4000" dirty="0"/>
-              <a:t>items = [</a:t>
-            </a:r>
-          </a:p>
-          <a:p>
-            <a:pPr marL="0" indent="0">
-              <a:buNone/>
-            </a:pPr>
-            <a:r>
-              <a:rPr lang="en-US" sz="4000" dirty="0"/>
-              <a:t>             new primitives.orgdiagram.ItemConfig({</a:t>
-            </a:r>
-          </a:p>
-          <a:p>
-            <a:pPr marL="0" indent="0">
-              <a:buNone/>
-            </a:pPr>
-            <a:r>
-              <a:rPr lang="en-US" sz="4000" dirty="0"/>
-              <a:t>                    id: 0,</a:t>
-            </a:r>
-          </a:p>
-          <a:p>
-            <a:pPr marL="0" indent="0">
-              <a:buNone/>
-            </a:pPr>
-            <a:r>
-              <a:rPr lang="en-US" sz="4000" dirty="0"/>
-              <a:t>                    parent: null,</a:t>
-            </a:r>
-          </a:p>
-          <a:p>
-            <a:pPr marL="0" indent="0">
-              <a:buNone/>
-            </a:pPr>
-            <a:r>
-              <a:rPr lang="en-US" sz="4000" dirty="0"/>
-              <a:t>                    title: "Root Project here",</a:t>
-            </a:r>
-          </a:p>
-          <a:p>
-            <a:pPr marL="0" indent="0">
-              <a:buNone/>
-            </a:pPr>
-            <a:r>
-              <a:rPr lang="en-US" sz="4000" dirty="0"/>
-              <a:t>                    description: "Project Tree",</a:t>
-            </a:r>
-          </a:p>
-          <a:p>
-            <a:pPr marL="0" indent="0">
-              <a:buNone/>
-            </a:pPr>
-            <a:r>
-              <a:rPr lang="en-US" sz="4000" dirty="0"/>
-              <a:t>                    image: "demo/images/photos/a.png"</a:t>
-            </a:r>
-          </a:p>
-          <a:p>
-            <a:pPr marL="0" indent="0">
-              <a:buNone/>
-            </a:pPr>
-            <a:r>
-              <a:rPr lang="en-US" sz="4000" dirty="0"/>
-              <a:t>                }),</a:t>
-            </a:r>
-          </a:p>
-          <a:p>
-            <a:pPr marL="0" indent="0">
-              <a:buNone/>
-            </a:pPr>
-            <a:r>
-              <a:rPr lang="en-US" sz="4000" dirty="0"/>
-              <a:t>             new primitives.orgdiagram.ItemConfig({</a:t>
-            </a:r>
-          </a:p>
-          <a:p>
-            <a:pPr marL="0" indent="0">
-              <a:buNone/>
-            </a:pPr>
-            <a:r>
-              <a:rPr lang="en-US" sz="4000" dirty="0"/>
-              <a:t>                    id: 2,</a:t>
-            </a:r>
-          </a:p>
-          <a:p>
-            <a:pPr marL="0" indent="0">
-              <a:buNone/>
-            </a:pPr>
-            <a:r>
-              <a:rPr lang="en-US" sz="4000" dirty="0"/>
-              <a:t>                    parent: 0,</a:t>
-            </a:r>
-          </a:p>
-          <a:p>
-            <a:pPr marL="0" indent="0">
-              <a:buNone/>
-            </a:pPr>
-            <a:r>
-              <a:rPr lang="en-US" sz="4000" dirty="0"/>
-              <a:t>                    title: "Senior Project",</a:t>
-            </a:r>
-          </a:p>
-          <a:p>
-            <a:pPr marL="0" indent="0">
-              <a:buNone/>
-            </a:pPr>
-            <a:r>
-              <a:rPr lang="en-US" sz="4000" dirty="0"/>
-              <a:t>                    description: "Fabulous",</a:t>
-            </a:r>
-          </a:p>
-          <a:p>
-            <a:pPr marL="0" indent="0">
-              <a:buNone/>
-            </a:pPr>
-            <a:r>
-              <a:rPr lang="en-US" sz="4000" dirty="0"/>
-              <a:t>                    image: "demo/images/photos/c.png"</a:t>
-            </a:r>
-          </a:p>
-          <a:p>
-            <a:pPr marL="0" indent="0">
-              <a:buNone/>
-            </a:pPr>
-            <a:r>
-              <a:rPr lang="en-US" sz="4000" dirty="0"/>
-              <a:t>                </a:t>
-            </a:r>
-            <a:r>
-              <a:rPr lang="en-US" sz="4000" dirty="0" smtClean="0"/>
-              <a:t>})</a:t>
-            </a:r>
-            <a:endParaRPr lang="en-US" sz="4000" dirty="0"/>
-          </a:p>
-          <a:p>
-            <a:pPr marL="0" indent="0">
-              <a:buNone/>
-            </a:pPr>
-            <a:r>
-              <a:rPr lang="en-US" sz="4000" dirty="0"/>
-              <a:t>            ];</a:t>
-            </a:r>
-          </a:p>
-          <a:p>
-            <a:pPr marL="0" indent="0">
-              <a:buNone/>
-            </a:pPr>
-            <a:r>
-              <a:rPr lang="en-US" dirty="0"/>
-              <a:t> </a:t>
-            </a:r>
-          </a:p>
-          <a:p>
-            <a:endParaRPr lang="en-US" dirty="0"/>
-          </a:p>
-        </p:txBody>
-      </p:sp>
-      <p:sp>
-        <p:nvSpPr>
-          <p:cNvPr id="4" name="Content Placeholder 3"/>
-          <p:cNvSpPr>
-            <a:spLocks noGrp="1"/>
-          </p:cNvSpPr>
-          <p:nvPr>
-            <p:ph sz="half" idx="2"/>
-          </p:nvPr>
-        </p:nvSpPr>
-        <p:spPr/>
-        <p:txBody>
-          <a:bodyPr>
-            <a:normAutofit fontScale="25000" lnSpcReduction="20000"/>
-          </a:bodyPr>
-          <a:lstStyle/>
-          <a:p>
-            <a:pPr marL="0" indent="0">
-              <a:lnSpc>
-                <a:spcPct val="120000"/>
-              </a:lnSpc>
-              <a:spcBef>
-                <a:spcPts val="600"/>
-              </a:spcBef>
-              <a:buNone/>
-            </a:pPr>
-            <a:r>
-              <a:rPr lang="en-US" sz="4000" dirty="0"/>
-              <a:t>var newItem ;</a:t>
-            </a:r>
-          </a:p>
-          <a:p>
-            <a:pPr marL="0" indent="0">
-              <a:lnSpc>
-                <a:spcPct val="120000"/>
-              </a:lnSpc>
-              <a:spcBef>
-                <a:spcPts val="600"/>
-              </a:spcBef>
-              <a:buNone/>
-            </a:pPr>
-            <a:r>
-              <a:rPr lang="en-US" sz="4000" dirty="0"/>
-              <a:t>var items = [ ];</a:t>
-            </a:r>
-          </a:p>
-          <a:p>
-            <a:pPr marL="0" indent="0">
-              <a:lnSpc>
-                <a:spcPct val="120000"/>
-              </a:lnSpc>
-              <a:spcBef>
-                <a:spcPts val="600"/>
-              </a:spcBef>
-              <a:buNone/>
-            </a:pPr>
-            <a:r>
-              <a:rPr lang="en-US" sz="4000" dirty="0"/>
-              <a:t> @foreach(var item in Model)</a:t>
-            </a:r>
-          </a:p>
-          <a:p>
-            <a:pPr marL="0" indent="0">
-              <a:lnSpc>
-                <a:spcPct val="120000"/>
-              </a:lnSpc>
-              <a:spcBef>
-                <a:spcPts val="600"/>
-              </a:spcBef>
-              <a:buNone/>
-            </a:pPr>
-            <a:r>
-              <a:rPr lang="en-US" sz="4000" dirty="0" smtClean="0"/>
-              <a:t>   </a:t>
-            </a:r>
-            <a:r>
-              <a:rPr lang="en-US" sz="4000" dirty="0"/>
-              <a:t>{</a:t>
-            </a:r>
-          </a:p>
-          <a:p>
-            <a:pPr marL="0" indent="0">
-              <a:lnSpc>
-                <a:spcPct val="120000"/>
-              </a:lnSpc>
-              <a:spcBef>
-                <a:spcPts val="600"/>
-              </a:spcBef>
-              <a:buNone/>
-            </a:pPr>
-            <a:r>
-              <a:rPr lang="en-US" sz="4000" dirty="0" smtClean="0"/>
-              <a:t>    </a:t>
-            </a:r>
-            <a:r>
-              <a:rPr lang="en-US" sz="4000" dirty="0"/>
-              <a:t>@:newItem = new primitives.orgdiagram.ItemConfig</a:t>
-            </a:r>
-            <a:r>
-              <a:rPr lang="en-US" sz="4000" dirty="0" smtClean="0"/>
-              <a:t>({</a:t>
-            </a:r>
-          </a:p>
-          <a:p>
-            <a:pPr marL="0" indent="0">
-              <a:lnSpc>
-                <a:spcPct val="120000"/>
-              </a:lnSpc>
-              <a:spcBef>
-                <a:spcPts val="600"/>
-              </a:spcBef>
-              <a:buNone/>
-            </a:pPr>
-            <a:r>
-              <a:rPr lang="en-US" sz="4000" dirty="0" smtClean="0"/>
-              <a:t>          </a:t>
-            </a:r>
-            <a:r>
-              <a:rPr lang="en-US" sz="4000" dirty="0"/>
-              <a:t>id: '@(item.ID</a:t>
-            </a:r>
-            <a:r>
-              <a:rPr lang="en-US" sz="4000" dirty="0" smtClean="0"/>
-              <a:t>)',</a:t>
-            </a:r>
-          </a:p>
-          <a:p>
-            <a:pPr marL="0" indent="0">
-              <a:lnSpc>
-                <a:spcPct val="120000"/>
-              </a:lnSpc>
-              <a:spcBef>
-                <a:spcPts val="600"/>
-              </a:spcBef>
-              <a:buNone/>
-            </a:pPr>
-            <a:r>
-              <a:rPr lang="en-US" sz="4000" dirty="0" smtClean="0"/>
-              <a:t>          parent</a:t>
-            </a:r>
-            <a:r>
-              <a:rPr lang="en-US" sz="4000" dirty="0"/>
-              <a:t>: '@(item.ParentID)', </a:t>
-            </a:r>
-            <a:endParaRPr lang="en-US" sz="4000" dirty="0" smtClean="0"/>
-          </a:p>
-          <a:p>
-            <a:pPr marL="0" indent="0">
-              <a:lnSpc>
-                <a:spcPct val="120000"/>
-              </a:lnSpc>
-              <a:spcBef>
-                <a:spcPts val="600"/>
-              </a:spcBef>
-              <a:buNone/>
-            </a:pPr>
-            <a:r>
-              <a:rPr lang="en-US" sz="4000" dirty="0" smtClean="0"/>
-              <a:t>          title</a:t>
-            </a:r>
-            <a:r>
-              <a:rPr lang="en-US" sz="4000" dirty="0"/>
-              <a:t>: '@(item.Title)', </a:t>
-            </a:r>
-            <a:endParaRPr lang="en-US" sz="4000" dirty="0" smtClean="0"/>
-          </a:p>
-          <a:p>
-            <a:pPr marL="0" indent="0">
-              <a:lnSpc>
-                <a:spcPct val="120000"/>
-              </a:lnSpc>
-              <a:spcBef>
-                <a:spcPts val="600"/>
-              </a:spcBef>
-              <a:buNone/>
-            </a:pPr>
-            <a:r>
-              <a:rPr lang="en-US" sz="4000" dirty="0" smtClean="0"/>
-              <a:t>          description</a:t>
-            </a:r>
-            <a:r>
-              <a:rPr lang="en-US" sz="4000" dirty="0"/>
-              <a:t>: '@(item.Note)' </a:t>
-            </a:r>
-            <a:endParaRPr lang="en-US" sz="4000" dirty="0" smtClean="0"/>
-          </a:p>
-          <a:p>
-            <a:pPr marL="0" indent="0">
-              <a:lnSpc>
-                <a:spcPct val="120000"/>
-              </a:lnSpc>
-              <a:spcBef>
-                <a:spcPts val="600"/>
-              </a:spcBef>
-              <a:buNone/>
-            </a:pPr>
-            <a:r>
-              <a:rPr lang="en-US" sz="4000" dirty="0" smtClean="0"/>
-              <a:t>    });</a:t>
-            </a:r>
-            <a:endParaRPr lang="en-US" sz="4000" dirty="0"/>
-          </a:p>
-          <a:p>
-            <a:pPr marL="0" indent="0">
-              <a:lnSpc>
-                <a:spcPct val="120000"/>
-              </a:lnSpc>
-              <a:spcBef>
-                <a:spcPts val="600"/>
-              </a:spcBef>
-              <a:buNone/>
-            </a:pPr>
-            <a:r>
-              <a:rPr lang="en-US" sz="4000" dirty="0"/>
-              <a:t> @:if('@item.ParentID' == '0') </a:t>
-            </a:r>
-            <a:endParaRPr lang="en-US" sz="4000" dirty="0" smtClean="0"/>
-          </a:p>
-          <a:p>
-            <a:pPr marL="0" indent="0">
-              <a:lnSpc>
-                <a:spcPct val="120000"/>
-              </a:lnSpc>
-              <a:spcBef>
-                <a:spcPts val="600"/>
-              </a:spcBef>
-              <a:buNone/>
-            </a:pPr>
-            <a:r>
-              <a:rPr lang="en-US" sz="4000" dirty="0" smtClean="0"/>
-              <a:t> @: {@: </a:t>
-            </a:r>
-            <a:r>
-              <a:rPr lang="en-US" sz="4000" dirty="0"/>
-              <a:t>var headparent =  0 ;</a:t>
-            </a:r>
-          </a:p>
-          <a:p>
-            <a:pPr marL="0" indent="0">
-              <a:lnSpc>
-                <a:spcPct val="120000"/>
-              </a:lnSpc>
-              <a:spcBef>
-                <a:spcPts val="600"/>
-              </a:spcBef>
-              <a:buNone/>
-            </a:pPr>
-            <a:r>
-              <a:rPr lang="en-US" sz="4000" dirty="0"/>
-              <a:t> @: newItem.parent =  null ;</a:t>
-            </a:r>
-          </a:p>
-          <a:p>
-            <a:pPr marL="0" indent="0">
-              <a:lnSpc>
-                <a:spcPct val="120000"/>
-              </a:lnSpc>
-              <a:spcBef>
-                <a:spcPts val="600"/>
-              </a:spcBef>
-              <a:buNone/>
-            </a:pPr>
-            <a:r>
-              <a:rPr lang="en-US" sz="4000" dirty="0"/>
-              <a:t> @: } </a:t>
-            </a:r>
-          </a:p>
-          <a:p>
-            <a:pPr marL="0" indent="0">
-              <a:lnSpc>
-                <a:spcPct val="120000"/>
-              </a:lnSpc>
-              <a:spcBef>
-                <a:spcPts val="600"/>
-              </a:spcBef>
-              <a:buNone/>
-            </a:pPr>
-            <a:r>
-              <a:rPr lang="en-US" sz="4000" dirty="0"/>
-              <a:t> @:items.push(newItem);</a:t>
-            </a:r>
-          </a:p>
-          <a:p>
-            <a:pPr marL="0" indent="0">
-              <a:lnSpc>
-                <a:spcPct val="120000"/>
-              </a:lnSpc>
-              <a:spcBef>
-                <a:spcPts val="600"/>
-              </a:spcBef>
-              <a:buNone/>
-            </a:pPr>
-            <a:r>
-              <a:rPr lang="en-US" sz="4000" dirty="0"/>
-              <a:t> }</a:t>
-            </a:r>
-          </a:p>
-          <a:p>
-            <a:pPr marL="0" indent="0">
-              <a:lnSpc>
-                <a:spcPct val="120000"/>
-              </a:lnSpc>
-              <a:spcBef>
-                <a:spcPts val="600"/>
-              </a:spcBef>
-              <a:buNone/>
-            </a:pPr>
             <a:endParaRPr lang="en-US" dirty="0"/>
           </a:p>
         </p:txBody>
@@ -10851,7 +10606,590 @@
     </p:spTree>
     <p:extLst>
       <p:ext uri="{BB962C8B-B14F-4D97-AF65-F5344CB8AC3E}">
-        <p14:creationId xmlns:p14="http://schemas.microsoft.com/office/powerpoint/2010/main" val="117463408"/>
+        <p14:creationId xmlns:p14="http://schemas.microsoft.com/office/powerpoint/2010/main" val="165046885"/>
+      </p:ext>
+    </p:extLst>
+  </p:cSld>
+  <p:clrMapOvr>
+    <a:masterClrMapping/>
+  </p:clrMapOvr>
+  <p:timing>
+    <p:tnLst>
+      <p:par>
+        <p:cTn id="1" dur="indefinite" restart="never" nodeType="tmRoot"/>
+      </p:par>
+    </p:tnLst>
+  </p:timing>
+</p:sld>
+</file>
+
+<file path=ppt/slides/slide16.xml><?xml version="1.0" encoding="utf-8"?>
+<p:sld xmlns:a="http://schemas.openxmlformats.org/drawingml/2006/main" xmlns:r="http://schemas.openxmlformats.org/officeDocument/2006/relationships" xmlns:p="http://schemas.openxmlformats.org/presentationml/2006/main">
+  <p:cSld>
+    <p:spTree>
+      <p:nvGrpSpPr>
+        <p:cNvPr id="1" name=""/>
+        <p:cNvGrpSpPr/>
+        <p:nvPr/>
+      </p:nvGrpSpPr>
+      <p:grpSpPr>
+        <a:xfrm>
+          <a:off x="0" y="0"/>
+          <a:ext cx="0" cy="0"/>
+          <a:chOff x="0" y="0"/>
+          <a:chExt cx="0" cy="0"/>
+        </a:xfrm>
+      </p:grpSpPr>
+      <p:sp>
+        <p:nvSpPr>
+          <p:cNvPr id="2" name="Title 1"/>
+          <p:cNvSpPr>
+            <a:spLocks noGrp="1"/>
+          </p:cNvSpPr>
+          <p:nvPr>
+            <p:ph type="title"/>
+          </p:nvPr>
+        </p:nvSpPr>
+        <p:spPr>
+          <a:xfrm>
+            <a:off x="-105261" y="2232454"/>
+            <a:ext cx="8596668" cy="774357"/>
+          </a:xfrm>
+        </p:spPr>
+        <p:txBody>
+          <a:bodyPr>
+            <a:noAutofit/>
+          </a:bodyPr>
+          <a:lstStyle/>
+          <a:p>
+            <a:pPr algn="ctr"/>
+            <a:r>
+              <a:rPr lang="en-US" sz="5400" dirty="0" smtClean="0"/>
+              <a:t>Demo</a:t>
+            </a:r>
+            <a:br>
+              <a:rPr lang="en-US" sz="5400" dirty="0" smtClean="0"/>
+            </a:br>
+            <a:r>
+              <a:rPr lang="en-US" sz="5400" dirty="0" smtClean="0"/>
+              <a:t>Backlog</a:t>
+            </a:r>
+            <a:endParaRPr lang="en-US" sz="5400" dirty="0"/>
+          </a:p>
+        </p:txBody>
+      </p:sp>
+    </p:spTree>
+    <p:extLst>
+      <p:ext uri="{BB962C8B-B14F-4D97-AF65-F5344CB8AC3E}">
+        <p14:creationId xmlns:p14="http://schemas.microsoft.com/office/powerpoint/2010/main" val="4221975140"/>
+      </p:ext>
+    </p:extLst>
+  </p:cSld>
+  <p:clrMapOvr>
+    <a:masterClrMapping/>
+  </p:clrMapOvr>
+  <p:timing>
+    <p:tnLst>
+      <p:par>
+        <p:cTn id="1" dur="indefinite" restart="never" nodeType="tmRoot"/>
+      </p:par>
+    </p:tnLst>
+  </p:timing>
+</p:sld>
+</file>
+
+<file path=ppt/slides/slide17.xml><?xml version="1.0" encoding="utf-8"?>
+<p:sld xmlns:a="http://schemas.openxmlformats.org/drawingml/2006/main" xmlns:r="http://schemas.openxmlformats.org/officeDocument/2006/relationships" xmlns:p="http://schemas.openxmlformats.org/presentationml/2006/main">
+  <p:cSld>
+    <p:spTree>
+      <p:nvGrpSpPr>
+        <p:cNvPr id="1" name=""/>
+        <p:cNvGrpSpPr/>
+        <p:nvPr/>
+      </p:nvGrpSpPr>
+      <p:grpSpPr>
+        <a:xfrm>
+          <a:off x="0" y="0"/>
+          <a:ext cx="0" cy="0"/>
+          <a:chOff x="0" y="0"/>
+          <a:chExt cx="0" cy="0"/>
+        </a:xfrm>
+      </p:grpSpPr>
+      <p:sp>
+        <p:nvSpPr>
+          <p:cNvPr id="5" name="Rectangle 4"/>
+          <p:cNvSpPr/>
+          <p:nvPr/>
+        </p:nvSpPr>
+        <p:spPr>
+          <a:xfrm>
+            <a:off x="1285103" y="2577381"/>
+            <a:ext cx="6096000" cy="2679836"/>
+          </a:xfrm>
+          <a:prstGeom prst="rect">
+            <a:avLst/>
+          </a:prstGeom>
+        </p:spPr>
+        <p:txBody>
+          <a:bodyPr>
+            <a:spAutoFit/>
+          </a:bodyPr>
+          <a:lstStyle/>
+          <a:p>
+            <a:pPr>
+              <a:lnSpc>
+                <a:spcPct val="107000"/>
+              </a:lnSpc>
+              <a:spcAft>
+                <a:spcPts val="800"/>
+              </a:spcAft>
+            </a:pPr>
+            <a:r>
+              <a:rPr lang="en-US" dirty="0">
+                <a:latin typeface="Calibri" panose="020F0502020204030204" pitchFamily="34" charset="0"/>
+                <a:ea typeface="Calibri" panose="020F0502020204030204" pitchFamily="34" charset="0"/>
+                <a:cs typeface="Times New Roman" panose="02020603050405020304" pitchFamily="18" charset="0"/>
+              </a:rPr>
+              <a:t>Start implementation sooner.</a:t>
+            </a:r>
+          </a:p>
+          <a:p>
+            <a:pPr>
+              <a:lnSpc>
+                <a:spcPct val="107000"/>
+              </a:lnSpc>
+              <a:spcAft>
+                <a:spcPts val="800"/>
+              </a:spcAft>
+            </a:pPr>
+            <a:r>
+              <a:rPr lang="en-US" dirty="0">
+                <a:latin typeface="Calibri" panose="020F0502020204030204" pitchFamily="34" charset="0"/>
+                <a:ea typeface="Calibri" panose="020F0502020204030204" pitchFamily="34" charset="0"/>
+                <a:cs typeface="Times New Roman" panose="02020603050405020304" pitchFamily="18" charset="0"/>
+              </a:rPr>
+              <a:t>Waste less time </a:t>
+            </a:r>
+            <a:r>
+              <a:rPr lang="en-US" strike="sngStrike" dirty="0">
+                <a:latin typeface="Calibri" panose="020F0502020204030204" pitchFamily="34" charset="0"/>
+                <a:ea typeface="Calibri" panose="020F0502020204030204" pitchFamily="34" charset="0"/>
+                <a:cs typeface="Times New Roman" panose="02020603050405020304" pitchFamily="18" charset="0"/>
+              </a:rPr>
+              <a:t>arguing </a:t>
+            </a:r>
+            <a:r>
+              <a:rPr lang="en-US" dirty="0">
+                <a:latin typeface="Calibri" panose="020F0502020204030204" pitchFamily="34" charset="0"/>
+                <a:ea typeface="Calibri" panose="020F0502020204030204" pitchFamily="34" charset="0"/>
+                <a:cs typeface="Times New Roman" panose="02020603050405020304" pitchFamily="18" charset="0"/>
+              </a:rPr>
+              <a:t>discussing details before we’ve actually implemented anything.</a:t>
+            </a:r>
+          </a:p>
+          <a:p>
+            <a:pPr>
+              <a:lnSpc>
+                <a:spcPct val="107000"/>
+              </a:lnSpc>
+              <a:spcAft>
+                <a:spcPts val="800"/>
+              </a:spcAft>
+            </a:pPr>
+            <a:r>
+              <a:rPr lang="en-US" dirty="0">
+                <a:latin typeface="Calibri" panose="020F0502020204030204" pitchFamily="34" charset="0"/>
+                <a:ea typeface="Calibri" panose="020F0502020204030204" pitchFamily="34" charset="0"/>
+                <a:cs typeface="Times New Roman" panose="02020603050405020304" pitchFamily="18" charset="0"/>
+              </a:rPr>
+              <a:t>Use backlog tools sooner.</a:t>
+            </a:r>
+          </a:p>
+          <a:p>
+            <a:pPr>
+              <a:lnSpc>
+                <a:spcPct val="107000"/>
+              </a:lnSpc>
+              <a:spcAft>
+                <a:spcPts val="800"/>
+              </a:spcAft>
+            </a:pPr>
+            <a:r>
+              <a:rPr lang="en-US" dirty="0" smtClean="0">
+                <a:latin typeface="Calibri" panose="020F0502020204030204" pitchFamily="34" charset="0"/>
+                <a:ea typeface="Calibri" panose="020F0502020204030204" pitchFamily="34" charset="0"/>
+                <a:cs typeface="Times New Roman" panose="02020603050405020304" pitchFamily="18" charset="0"/>
+              </a:rPr>
+              <a:t>Work </a:t>
+            </a:r>
+            <a:r>
+              <a:rPr lang="en-US" dirty="0">
+                <a:latin typeface="Calibri" panose="020F0502020204030204" pitchFamily="34" charset="0"/>
+                <a:ea typeface="Calibri" panose="020F0502020204030204" pitchFamily="34" charset="0"/>
+                <a:cs typeface="Times New Roman" panose="02020603050405020304" pitchFamily="18" charset="0"/>
+              </a:rPr>
+              <a:t>hard to prioritize the work effort towards getting functionality before increasing design complexity</a:t>
+            </a:r>
+            <a:r>
+              <a:rPr lang="en-US" dirty="0" smtClean="0">
+                <a:latin typeface="Calibri" panose="020F0502020204030204" pitchFamily="34" charset="0"/>
+                <a:ea typeface="Calibri" panose="020F0502020204030204" pitchFamily="34" charset="0"/>
+                <a:cs typeface="Times New Roman" panose="02020603050405020304" pitchFamily="18" charset="0"/>
+              </a:rPr>
+              <a:t>.</a:t>
+            </a:r>
+          </a:p>
+          <a:p>
+            <a:pPr>
+              <a:lnSpc>
+                <a:spcPct val="107000"/>
+              </a:lnSpc>
+              <a:spcAft>
+                <a:spcPts val="800"/>
+              </a:spcAft>
+            </a:pPr>
+            <a:endParaRPr lang="en-US" dirty="0">
+              <a:latin typeface="Calibri" panose="020F0502020204030204" pitchFamily="34" charset="0"/>
+              <a:ea typeface="Calibri" panose="020F0502020204030204" pitchFamily="34" charset="0"/>
+              <a:cs typeface="Times New Roman" panose="02020603050405020304" pitchFamily="18" charset="0"/>
+            </a:endParaRPr>
+          </a:p>
+        </p:txBody>
+      </p:sp>
+      <p:sp>
+        <p:nvSpPr>
+          <p:cNvPr id="6" name="Title 1"/>
+          <p:cNvSpPr txBox="1">
+            <a:spLocks/>
+          </p:cNvSpPr>
+          <p:nvPr/>
+        </p:nvSpPr>
+        <p:spPr>
+          <a:xfrm>
+            <a:off x="1138653" y="980303"/>
+            <a:ext cx="8596668" cy="1320800"/>
+          </a:xfrm>
+          <a:prstGeom prst="rect">
+            <a:avLst/>
+          </a:prstGeom>
+        </p:spPr>
+        <p:txBody>
+          <a:bodyPr vert="horz" lIns="91440" tIns="45720" rIns="91440" bIns="45720" rtlCol="0" anchor="b">
+            <a:normAutofit fontScale="60000" lnSpcReduction="20000"/>
+          </a:bodyPr>
+          <a:lstStyle>
+            <a:lvl1pPr algn="r" defTabSz="457200" rtl="0" eaLnBrk="1" latinLnBrk="0" hangingPunct="1">
+              <a:spcBef>
+                <a:spcPct val="0"/>
+              </a:spcBef>
+              <a:buNone/>
+              <a:defRPr sz="5400" kern="1200">
+                <a:solidFill>
+                  <a:schemeClr val="accent1"/>
+                </a:solidFill>
+                <a:latin typeface="+mj-lt"/>
+                <a:ea typeface="+mj-ea"/>
+                <a:cs typeface="+mj-cs"/>
+              </a:defRPr>
+            </a:lvl1pPr>
+            <a:lvl2pPr eaLnBrk="1" hangingPunct="1">
+              <a:defRPr>
+                <a:solidFill>
+                  <a:schemeClr val="tx2"/>
+                </a:solidFill>
+              </a:defRPr>
+            </a:lvl2pPr>
+            <a:lvl3pPr eaLnBrk="1" hangingPunct="1">
+              <a:defRPr>
+                <a:solidFill>
+                  <a:schemeClr val="tx2"/>
+                </a:solidFill>
+              </a:defRPr>
+            </a:lvl3pPr>
+            <a:lvl4pPr eaLnBrk="1" hangingPunct="1">
+              <a:defRPr>
+                <a:solidFill>
+                  <a:schemeClr val="tx2"/>
+                </a:solidFill>
+              </a:defRPr>
+            </a:lvl4pPr>
+            <a:lvl5pPr eaLnBrk="1" hangingPunct="1">
+              <a:defRPr>
+                <a:solidFill>
+                  <a:schemeClr val="tx2"/>
+                </a:solidFill>
+              </a:defRPr>
+            </a:lvl5pPr>
+            <a:lvl6pPr eaLnBrk="1" hangingPunct="1">
+              <a:defRPr>
+                <a:solidFill>
+                  <a:schemeClr val="tx2"/>
+                </a:solidFill>
+              </a:defRPr>
+            </a:lvl6pPr>
+            <a:lvl7pPr eaLnBrk="1" hangingPunct="1">
+              <a:defRPr>
+                <a:solidFill>
+                  <a:schemeClr val="tx2"/>
+                </a:solidFill>
+              </a:defRPr>
+            </a:lvl7pPr>
+            <a:lvl8pPr eaLnBrk="1" hangingPunct="1">
+              <a:defRPr>
+                <a:solidFill>
+                  <a:schemeClr val="tx2"/>
+                </a:solidFill>
+              </a:defRPr>
+            </a:lvl8pPr>
+            <a:lvl9pPr eaLnBrk="1" hangingPunct="1">
+              <a:defRPr>
+                <a:solidFill>
+                  <a:schemeClr val="tx2"/>
+                </a:solidFill>
+              </a:defRPr>
+            </a:lvl9pPr>
+          </a:lstStyle>
+          <a:p>
+            <a:pPr algn="l"/>
+            <a:r>
+              <a:rPr lang="en-US" dirty="0" smtClean="0"/>
+              <a:t/>
+            </a:r>
+            <a:br>
+              <a:rPr lang="en-US" dirty="0" smtClean="0"/>
+            </a:br>
+            <a:r>
+              <a:rPr lang="en-US" b="1" dirty="0" smtClean="0"/>
+              <a:t>What we would do differently</a:t>
+            </a:r>
+            <a:r>
+              <a:rPr lang="en-US" dirty="0" smtClean="0"/>
+              <a:t/>
+            </a:r>
+            <a:br>
+              <a:rPr lang="en-US" dirty="0" smtClean="0"/>
+            </a:br>
+            <a:endParaRPr lang="en-US" dirty="0"/>
+          </a:p>
+        </p:txBody>
+      </p:sp>
+    </p:spTree>
+    <p:extLst>
+      <p:ext uri="{BB962C8B-B14F-4D97-AF65-F5344CB8AC3E}">
+        <p14:creationId xmlns:p14="http://schemas.microsoft.com/office/powerpoint/2010/main" val="3775469547"/>
+      </p:ext>
+    </p:extLst>
+  </p:cSld>
+  <p:clrMapOvr>
+    <a:masterClrMapping/>
+  </p:clrMapOvr>
+</p:sld>
+</file>
+
+<file path=ppt/slides/slide18.xml><?xml version="1.0" encoding="utf-8"?>
+<p:sld xmlns:a="http://schemas.openxmlformats.org/drawingml/2006/main" xmlns:r="http://schemas.openxmlformats.org/officeDocument/2006/relationships" xmlns:p="http://schemas.openxmlformats.org/presentationml/2006/main">
+  <p:cSld>
+    <p:spTree>
+      <p:nvGrpSpPr>
+        <p:cNvPr id="1" name=""/>
+        <p:cNvGrpSpPr/>
+        <p:nvPr/>
+      </p:nvGrpSpPr>
+      <p:grpSpPr>
+        <a:xfrm>
+          <a:off x="0" y="0"/>
+          <a:ext cx="0" cy="0"/>
+          <a:chOff x="0" y="0"/>
+          <a:chExt cx="0" cy="0"/>
+        </a:xfrm>
+      </p:grpSpPr>
+      <p:sp>
+        <p:nvSpPr>
+          <p:cNvPr id="2" name="Title 1"/>
+          <p:cNvSpPr>
+            <a:spLocks noGrp="1"/>
+          </p:cNvSpPr>
+          <p:nvPr>
+            <p:ph type="ctrTitle"/>
+          </p:nvPr>
+        </p:nvSpPr>
+        <p:spPr>
+          <a:xfrm>
+            <a:off x="1309359" y="2808188"/>
+            <a:ext cx="7766936" cy="1646302"/>
+          </a:xfrm>
+        </p:spPr>
+        <p:txBody>
+          <a:bodyPr/>
+          <a:lstStyle/>
+          <a:p>
+            <a:pPr lvl="0" algn="l" defTabSz="914400">
+              <a:lnSpc>
+                <a:spcPct val="107000"/>
+              </a:lnSpc>
+              <a:spcBef>
+                <a:spcPts val="0"/>
+              </a:spcBef>
+              <a:spcAft>
+                <a:spcPts val="800"/>
+              </a:spcAft>
+            </a:pPr>
+            <a:r>
+              <a:rPr lang="en-US" sz="2400" dirty="0">
+                <a:solidFill>
+                  <a:srgbClr val="70AD47"/>
+                </a:solidFill>
+                <a:latin typeface="Calibri" panose="020F0502020204030204" pitchFamily="34" charset="0"/>
+                <a:ea typeface="Calibri" panose="020F0502020204030204" pitchFamily="34" charset="0"/>
+                <a:cs typeface="Times New Roman" panose="02020603050405020304" pitchFamily="18" charset="0"/>
+              </a:rPr>
+              <a:t>We spent a lot of time upfront, developing a common vision of what we were doing. That early effort sustained us through some of the more challenging decisions.</a:t>
+            </a:r>
+            <a:br>
+              <a:rPr lang="en-US" sz="2400" dirty="0">
+                <a:solidFill>
+                  <a:srgbClr val="70AD47"/>
+                </a:solidFill>
+                <a:latin typeface="Calibri" panose="020F0502020204030204" pitchFamily="34" charset="0"/>
+                <a:ea typeface="Calibri" panose="020F0502020204030204" pitchFamily="34" charset="0"/>
+                <a:cs typeface="Times New Roman" panose="02020603050405020304" pitchFamily="18" charset="0"/>
+              </a:rPr>
+            </a:br>
+            <a:endParaRPr lang="en-US" sz="2400" dirty="0">
+              <a:solidFill>
+                <a:srgbClr val="70AD47"/>
+              </a:solidFill>
+            </a:endParaRPr>
+          </a:p>
+        </p:txBody>
+      </p:sp>
+    </p:spTree>
+    <p:extLst>
+      <p:ext uri="{BB962C8B-B14F-4D97-AF65-F5344CB8AC3E}">
+        <p14:creationId xmlns:p14="http://schemas.microsoft.com/office/powerpoint/2010/main" val="2797598185"/>
+      </p:ext>
+    </p:extLst>
+  </p:cSld>
+  <p:clrMapOvr>
+    <a:masterClrMapping/>
+  </p:clrMapOvr>
+</p:sld>
+</file>
+
+<file path=ppt/slides/slide19.xml><?xml version="1.0" encoding="utf-8"?>
+<p:sld xmlns:a="http://schemas.openxmlformats.org/drawingml/2006/main" xmlns:r="http://schemas.openxmlformats.org/officeDocument/2006/relationships" xmlns:p="http://schemas.openxmlformats.org/presentationml/2006/main">
+  <p:cSld>
+    <p:spTree>
+      <p:nvGrpSpPr>
+        <p:cNvPr id="1" name=""/>
+        <p:cNvGrpSpPr/>
+        <p:nvPr/>
+      </p:nvGrpSpPr>
+      <p:grpSpPr>
+        <a:xfrm>
+          <a:off x="0" y="0"/>
+          <a:ext cx="0" cy="0"/>
+          <a:chOff x="0" y="0"/>
+          <a:chExt cx="0" cy="0"/>
+        </a:xfrm>
+      </p:grpSpPr>
+      <p:sp>
+        <p:nvSpPr>
+          <p:cNvPr id="2" name="Title 1"/>
+          <p:cNvSpPr>
+            <a:spLocks noGrp="1"/>
+          </p:cNvSpPr>
+          <p:nvPr>
+            <p:ph type="ctrTitle"/>
+          </p:nvPr>
+        </p:nvSpPr>
+        <p:spPr>
+          <a:xfrm>
+            <a:off x="1298046" y="1911287"/>
+            <a:ext cx="7766936" cy="1646302"/>
+          </a:xfrm>
+        </p:spPr>
+        <p:txBody>
+          <a:bodyPr>
+            <a:normAutofit/>
+          </a:bodyPr>
+          <a:lstStyle/>
+          <a:p>
+            <a:pPr algn="ctr"/>
+            <a:r>
+              <a:rPr lang="en-US" sz="7200" dirty="0" smtClean="0">
+                <a:latin typeface="Big Caslon"/>
+                <a:cs typeface="Big Caslon"/>
+              </a:rPr>
+              <a:t>Plan</a:t>
+            </a:r>
+            <a:r>
+              <a:rPr lang="en-US" sz="7200" i="1" dirty="0" smtClean="0">
+                <a:solidFill>
+                  <a:srgbClr val="7F7F7F"/>
+                </a:solidFill>
+                <a:latin typeface="Big Caslon"/>
+                <a:cs typeface="Big Caslon"/>
+              </a:rPr>
+              <a:t>it</a:t>
+            </a:r>
+            <a:r>
+              <a:rPr lang="en-US" sz="7200" dirty="0" smtClean="0">
+                <a:solidFill>
+                  <a:srgbClr val="7F7F7F"/>
+                </a:solidFill>
+                <a:latin typeface="Big Caslon"/>
+                <a:cs typeface="Big Caslon"/>
+              </a:rPr>
+              <a:t>!</a:t>
+            </a:r>
+            <a:endParaRPr lang="en-US" sz="7200" dirty="0">
+              <a:solidFill>
+                <a:srgbClr val="7F7F7F"/>
+              </a:solidFill>
+              <a:latin typeface="Big Caslon"/>
+              <a:cs typeface="Big Caslon"/>
+            </a:endParaRPr>
+          </a:p>
+        </p:txBody>
+      </p:sp>
+      <p:sp>
+        <p:nvSpPr>
+          <p:cNvPr id="6" name="Rectangle 5"/>
+          <p:cNvSpPr/>
+          <p:nvPr/>
+        </p:nvSpPr>
+        <p:spPr>
+          <a:xfrm>
+            <a:off x="3919267" y="3393071"/>
+            <a:ext cx="2405850" cy="400110"/>
+          </a:xfrm>
+          <a:prstGeom prst="rect">
+            <a:avLst/>
+          </a:prstGeom>
+        </p:spPr>
+        <p:txBody>
+          <a:bodyPr wrap="none">
+            <a:spAutoFit/>
+          </a:bodyPr>
+          <a:lstStyle/>
+          <a:p>
+            <a:pPr algn="ctr"/>
+            <a:r>
+              <a:rPr lang="en-US" sz="2000" dirty="0">
+                <a:solidFill>
+                  <a:srgbClr val="70AD47"/>
+                </a:solidFill>
+              </a:rPr>
+              <a:t>We’re Here to Help</a:t>
+            </a:r>
+          </a:p>
+        </p:txBody>
+      </p:sp>
+    </p:spTree>
+    <p:extLst>
+      <p:ext uri="{BB962C8B-B14F-4D97-AF65-F5344CB8AC3E}">
+        <p14:creationId xmlns:p14="http://schemas.microsoft.com/office/powerpoint/2010/main" val="2624175973"/>
       </p:ext>
     </p:extLst>
   </p:cSld>
@@ -10893,8 +11231,8 @@
         </p:nvSpPr>
         <p:spPr>
           <a:xfrm>
-            <a:off x="2206498" y="612845"/>
-            <a:ext cx="6033454" cy="5599674"/>
+            <a:off x="1638087" y="1238921"/>
+            <a:ext cx="6033454" cy="4278094"/>
           </a:xfrm>
           <a:prstGeom prst="rect">
             <a:avLst/>
@@ -10906,82 +11244,110 @@
           </a:bodyPr>
           <a:lstStyle/>
           <a:p>
-            <a:pPr algn="ctr"/>
+            <a:r>
+              <a:rPr lang="en-US" sz="3600" dirty="0" smtClean="0">
+                <a:cs typeface="Calibri"/>
+              </a:rPr>
+              <a:t>Proposal Recap</a:t>
+            </a:r>
             <a:endParaRPr lang="en-US" sz="3600" dirty="0">
               <a:cs typeface="Calibri"/>
             </a:endParaRPr>
           </a:p>
           <a:p>
-            <a:pPr algn="ctr"/>
-            <a:r>
-              <a:rPr lang="en-US" sz="3600" dirty="0">
+            <a:pPr lvl="1"/>
+            <a:r>
+              <a:rPr lang="en-US" sz="3200" dirty="0">
                 <a:cs typeface="Calibri"/>
               </a:rPr>
               <a:t>Objectives</a:t>
             </a:r>
           </a:p>
           <a:p>
-            <a:pPr algn="ctr"/>
-            <a:r>
-              <a:rPr lang="en-US" sz="3600" dirty="0">
+            <a:pPr lvl="1"/>
+            <a:r>
+              <a:rPr lang="en-US" sz="3200" dirty="0" smtClean="0">
                 <a:cs typeface="Calibri"/>
               </a:rPr>
-              <a:t>Problem Specification</a:t>
-            </a:r>
-          </a:p>
-          <a:p>
-            <a:pPr algn="ctr"/>
-            <a:r>
-              <a:rPr lang="en-US" sz="3600" dirty="0">
+              <a:t>Tools </a:t>
+            </a:r>
+            <a:r>
+              <a:rPr lang="en-US" sz="3200" dirty="0">
                 <a:cs typeface="Calibri"/>
               </a:rPr>
-              <a:t>Solution Process/Design</a:t>
-            </a:r>
-          </a:p>
-          <a:p>
-            <a:pPr algn="ctr"/>
-            <a:r>
-              <a:rPr lang="en-US" sz="3600" dirty="0">
-                <a:cs typeface="Calibri"/>
-              </a:rPr>
-              <a:t>Tools List</a:t>
-            </a:r>
-          </a:p>
-          <a:p>
-            <a:pPr algn="ctr"/>
-            <a:r>
-              <a:rPr lang="en-US" sz="3600" dirty="0">
+              <a:t>List</a:t>
+            </a:r>
+          </a:p>
+          <a:p>
+            <a:pPr lvl="1"/>
+            <a:r>
+              <a:rPr lang="en-US" sz="3200" dirty="0">
                 <a:cs typeface="Calibri"/>
               </a:rPr>
               <a:t>Time Schedule</a:t>
             </a:r>
           </a:p>
           <a:p>
-            <a:pPr algn="ctr"/>
-            <a:r>
-              <a:rPr lang="en-US" sz="3600" dirty="0">
-                <a:cs typeface="Calibri"/>
-              </a:rPr>
-              <a:t>List of Deliverables</a:t>
-            </a:r>
-          </a:p>
-          <a:p>
-            <a:pPr algn="ctr"/>
-            <a:r>
-              <a:rPr lang="en-US" sz="3600" dirty="0">
+            <a:pPr lvl="1"/>
+            <a:r>
+              <a:rPr lang="en-US" sz="3200" dirty="0" smtClean="0">
                 <a:cs typeface="Calibri"/>
               </a:rPr>
               <a:t>Grading Scheme</a:t>
             </a:r>
           </a:p>
           <a:p>
-            <a:endParaRPr lang="en-US" sz="3388" dirty="0">
-              <a:solidFill>
-                <a:srgbClr val="000000"/>
-              </a:solidFill>
-              <a:latin typeface="Trebuchet MS"/>
+            <a:r>
+              <a:rPr lang="en-US" sz="3600" dirty="0" smtClean="0">
+                <a:cs typeface="Calibri"/>
+              </a:rPr>
+              <a:t>Project Retrospective</a:t>
+            </a:r>
+            <a:endParaRPr lang="en-US" sz="3600" dirty="0">
               <a:cs typeface="Calibri"/>
             </a:endParaRPr>
+          </a:p>
+          <a:p>
+            <a:r>
+              <a:rPr lang="en-US" sz="3600" dirty="0" smtClean="0">
+                <a:solidFill>
+                  <a:srgbClr val="99CC00"/>
+                </a:solidFill>
+                <a:latin typeface="Big Caslon"/>
+                <a:cs typeface="Big Caslon"/>
+              </a:rPr>
+              <a:t>Plan</a:t>
+            </a:r>
+            <a:r>
+              <a:rPr lang="en-US" sz="3600" i="1" dirty="0" smtClean="0">
+                <a:solidFill>
+                  <a:srgbClr val="7F7F7F"/>
+                </a:solidFill>
+                <a:latin typeface="Big Caslon"/>
+                <a:cs typeface="Big Caslon"/>
+              </a:rPr>
+              <a:t>it</a:t>
+            </a:r>
+            <a:r>
+              <a:rPr lang="en-US" sz="3600" dirty="0" smtClean="0">
+                <a:solidFill>
+                  <a:srgbClr val="7F7F7F"/>
+                </a:solidFill>
+                <a:latin typeface="Big Caslon"/>
+                <a:cs typeface="Big Caslon"/>
+              </a:rPr>
+              <a:t>!</a:t>
+            </a:r>
+            <a:r>
+              <a:rPr lang="en-US" sz="3600" dirty="0" smtClean="0">
+                <a:solidFill>
+                  <a:srgbClr val="000000"/>
+                </a:solidFill>
+                <a:latin typeface="Trebuchet MS"/>
+                <a:cs typeface="Calibri"/>
+              </a:rPr>
+              <a:t> Demo</a:t>
+            </a:r>
           </a:p>
           <a:p>
             <a:pPr algn="ctr"/>
@@ -14434,88 +14800,6 @@
           <a:lstStyle/>
           <a:p>
             <a:r>
-              <a:rPr lang="en-US"/>
-              <a:t>List of Deliverables</a:t>
-            </a:r>
-          </a:p>
-        </p:txBody>
-      </p:sp>
-      <p:pic>
-        <p:nvPicPr>
-          <p:cNvPr id="4" name="Content Placeholder 3" descr="Picture1.png"/>
-          <p:cNvPicPr>
-            <a:picLocks noGrp="1" noChangeAspect="1"/>
-          </p:cNvPicPr>
-          <p:nvPr>
-            <p:ph idx="1"/>
-          </p:nvPr>
-        </p:nvPicPr>
-        <p:blipFill>
-          <a:blip r:embed="rId3"/>
-          <a:stretch>
-            <a:fillRect/>
-          </a:stretch>
-        </p:blipFill>
-        <p:spPr>
-          <a:xfrm>
-            <a:off x="500213" y="1739006"/>
-            <a:ext cx="8547008" cy="3940171"/>
-          </a:xfrm>
-        </p:spPr>
-      </p:pic>
-    </p:spTree>
-    <p:extLst>
-      <p:ext uri="{BB962C8B-B14F-4D97-AF65-F5344CB8AC3E}">
-        <p14:creationId xmlns:p14="http://schemas.microsoft.com/office/powerpoint/2010/main" val="2599566711"/>
-      </p:ext>
-    </p:extLst>
-  </p:cSld>
-  <p:clrMapOvr>
-    <a:masterClrMapping/>
-  </p:clrMapOvr>
-  <p:timing>
-    <p:tnLst>
-      <p:par>
-        <p:cTn id="1" dur="indefinite" restart="never" nodeType="tmRoot"/>
-      </p:par>
-    </p:tnLst>
-  </p:timing>
-</p:sld>
-</file>
-
-<file path=ppt/slides/slide9.xml><?xml version="1.0" encoding="utf-8"?>
-<p:sld xmlns:a="http://schemas.openxmlformats.org/drawingml/2006/main" xmlns:r="http://schemas.openxmlformats.org/officeDocument/2006/relationships" xmlns:p="http://schemas.openxmlformats.org/presentationml/2006/main">
-  <p:cSld>
-    <p:spTree>
-      <p:nvGrpSpPr>
-        <p:cNvPr id="1" name=""/>
-        <p:cNvGrpSpPr/>
-        <p:nvPr/>
-      </p:nvGrpSpPr>
-      <p:grpSpPr>
-        <a:xfrm>
-          <a:off x="0" y="0"/>
-          <a:ext cx="0" cy="0"/>
-          <a:chOff x="0" y="0"/>
-          <a:chExt cx="0" cy="0"/>
-        </a:xfrm>
-      </p:grpSpPr>
-      <p:sp>
-        <p:nvSpPr>
-          <p:cNvPr id="2" name="Title 1"/>
-          <p:cNvSpPr>
-            <a:spLocks noGrp="1"/>
-          </p:cNvSpPr>
-          <p:nvPr>
-            <p:ph type="title"/>
-          </p:nvPr>
-        </p:nvSpPr>
-        <p:spPr/>
-        <p:txBody>
-          <a:bodyPr/>
-          <a:lstStyle/>
-          <a:p>
-            <a:r>
               <a:rPr lang="en-US" dirty="0"/>
               <a:t>Grading Scheme</a:t>
             </a:r>
@@ -15644,6 +15928,188 @@
 </p:sld>
 </file>
 
+<file path=ppt/slides/slide9.xml><?xml version="1.0" encoding="utf-8"?>
+<p:sld xmlns:a="http://schemas.openxmlformats.org/drawingml/2006/main" xmlns:r="http://schemas.openxmlformats.org/officeDocument/2006/relationships" xmlns:p="http://schemas.openxmlformats.org/presentationml/2006/main">
+  <p:cSld>
+    <p:spTree>
+      <p:nvGrpSpPr>
+        <p:cNvPr id="1" name=""/>
+        <p:cNvGrpSpPr/>
+        <p:nvPr/>
+      </p:nvGrpSpPr>
+      <p:grpSpPr>
+        <a:xfrm>
+          <a:off x="0" y="0"/>
+          <a:ext cx="0" cy="0"/>
+          <a:chOff x="0" y="0"/>
+          <a:chExt cx="0" cy="0"/>
+        </a:xfrm>
+      </p:grpSpPr>
+      <p:sp>
+        <p:nvSpPr>
+          <p:cNvPr id="2" name="Title 1"/>
+          <p:cNvSpPr>
+            <a:spLocks noGrp="1"/>
+          </p:cNvSpPr>
+          <p:nvPr>
+            <p:ph type="title"/>
+          </p:nvPr>
+        </p:nvSpPr>
+        <p:spPr/>
+        <p:txBody>
+          <a:bodyPr>
+            <a:normAutofit/>
+          </a:bodyPr>
+          <a:lstStyle/>
+          <a:p>
+            <a:pPr algn="ctr"/>
+            <a:r>
+              <a:rPr lang="en-US" sz="4000" dirty="0"/>
+              <a:t>Retrospective</a:t>
+            </a:r>
+            <a:endParaRPr lang="en-US" sz="4000" dirty="0"/>
+          </a:p>
+        </p:txBody>
+      </p:sp>
+      <p:sp>
+        <p:nvSpPr>
+          <p:cNvPr id="3" name="Content Placeholder 2"/>
+          <p:cNvSpPr>
+            <a:spLocks noGrp="1"/>
+          </p:cNvSpPr>
+          <p:nvPr>
+            <p:ph idx="1"/>
+          </p:nvPr>
+        </p:nvSpPr>
+        <p:spPr/>
+        <p:txBody>
+          <a:bodyPr>
+            <a:normAutofit/>
+          </a:bodyPr>
+          <a:lstStyle/>
+          <a:p>
+            <a:r>
+              <a:rPr lang="en-US" b="1" dirty="0" smtClean="0"/>
+              <a:t>Project Framework</a:t>
+            </a:r>
+          </a:p>
+          <a:p>
+            <a:r>
+              <a:rPr lang="en-US" b="1" dirty="0" smtClean="0"/>
+              <a:t>Doing </a:t>
+            </a:r>
+            <a:r>
+              <a:rPr lang="en-US" b="1" dirty="0"/>
+              <a:t>the first walkthrough of deploying to </a:t>
+            </a:r>
+            <a:r>
+              <a:rPr lang="en-US" b="1" dirty="0" smtClean="0"/>
+              <a:t>Azure </a:t>
+            </a:r>
+            <a:endParaRPr lang="en-US" b="1" dirty="0" smtClean="0"/>
+          </a:p>
+          <a:p>
+            <a:endParaRPr lang="en-US" b="1" dirty="0" smtClean="0"/>
+          </a:p>
+          <a:p>
+            <a:r>
+              <a:rPr lang="en-US" b="1" dirty="0" smtClean="0"/>
+              <a:t>The GIT </a:t>
+            </a:r>
+            <a:r>
+              <a:rPr lang="en-US" b="1" dirty="0"/>
+              <a:t>Bash Learning curve - Living in </a:t>
+            </a:r>
+            <a:r>
+              <a:rPr lang="en-US" b="1" dirty="0" err="1"/>
+              <a:t>GITHub</a:t>
+            </a:r>
+            <a:r>
+              <a:rPr lang="en-US" b="1" dirty="0"/>
+              <a:t> and working in GIT </a:t>
+            </a:r>
+            <a:endParaRPr lang="en-US" b="1" dirty="0" smtClean="0"/>
+          </a:p>
+          <a:p>
+            <a:r>
+              <a:rPr lang="en-US" b="1" dirty="0" smtClean="0"/>
+              <a:t>Using </a:t>
+            </a:r>
+            <a:r>
+              <a:rPr lang="en-US" b="1" dirty="0"/>
+              <a:t>JQuery </a:t>
+            </a:r>
+            <a:r>
+              <a:rPr lang="en-US" b="1" dirty="0" smtClean="0"/>
+              <a:t>plugins</a:t>
+            </a:r>
+          </a:p>
+          <a:p>
+            <a:endParaRPr lang="en-US" b="1" dirty="0" smtClean="0"/>
+          </a:p>
+          <a:p>
+            <a:r>
+              <a:rPr lang="en-US" b="1" dirty="0" smtClean="0"/>
+              <a:t>Integrating </a:t>
+            </a:r>
+            <a:r>
+              <a:rPr lang="en-US" b="1" dirty="0"/>
+              <a:t>JQuery Plugin into </a:t>
+            </a:r>
+            <a:r>
+              <a:rPr lang="en-US" b="1" dirty="0" smtClean="0"/>
+              <a:t>MVC/Razor/Html</a:t>
+            </a:r>
+          </a:p>
+          <a:p>
+            <a:r>
+              <a:rPr lang="en-US" b="1" dirty="0" smtClean="0"/>
+              <a:t>No change is a Stand alone change</a:t>
+            </a:r>
+          </a:p>
+          <a:p>
+            <a:endParaRPr lang="en-US" b="1" dirty="0" smtClean="0"/>
+          </a:p>
+          <a:p>
+            <a:endParaRPr lang="en-US" b="1" dirty="0"/>
+          </a:p>
+          <a:p>
+            <a:pPr marL="0" indent="0">
+              <a:buNone/>
+            </a:pPr>
+            <a:endParaRPr lang="en-US" b="1" dirty="0"/>
+          </a:p>
+          <a:p>
+            <a:endParaRPr lang="en-US" dirty="0"/>
+          </a:p>
+          <a:p>
+            <a:pPr marL="0" indent="0">
+              <a:buNone/>
+            </a:pPr>
+            <a:endParaRPr lang="en-US" dirty="0"/>
+          </a:p>
+        </p:txBody>
+      </p:sp>
+    </p:spTree>
+    <p:extLst>
+      <p:ext uri="{BB962C8B-B14F-4D97-AF65-F5344CB8AC3E}">
+        <p14:creationId xmlns:p14="http://schemas.microsoft.com/office/powerpoint/2010/main" val="2116137551"/>
+      </p:ext>
+    </p:extLst>
+  </p:cSld>
+  <p:clrMapOvr>
+    <a:masterClrMapping/>
+  </p:clrMapOvr>
+  <p:timing>
+    <p:tnLst>
+      <p:par>
+        <p:cTn id="1" dur="indefinite" restart="never" nodeType="tmRoot"/>
+      </p:par>
+    </p:tnLst>
+  </p:timing>
+</p:sld>
+</file>
+
 <file path=ppt/theme/theme1.xml><?xml version="1.0" encoding="utf-8"?>
 <a:theme xmlns:a="http://schemas.openxmlformats.org/drawingml/2006/main" name="Facet">
   <a:themeElements>

--- a/Final Project Documentation/CSC521.pptx
+++ b/Final Project Documentation/CSC521.pptx
@@ -9049,7 +9049,7 @@
         </p:nvGrpSpPr>
         <p:grpSpPr>
           <a:xfrm>
-            <a:off x="2158222" y="1700697"/>
+            <a:off x="802034" y="1700697"/>
             <a:ext cx="5486400" cy="3200400"/>
             <a:chOff x="0" y="0"/>
             <a:chExt cx="5486400" cy="3200400"/>
@@ -9400,7 +9400,7 @@
         </p:nvSpPr>
         <p:spPr>
           <a:xfrm>
-            <a:off x="2834414" y="4806776"/>
+            <a:off x="1478226" y="4806776"/>
             <a:ext cx="3116580" cy="516255"/>
           </a:xfrm>
           <a:prstGeom prst="roundRect">
@@ -9465,7 +9465,7 @@
         </p:nvSpPr>
         <p:spPr>
           <a:xfrm>
-            <a:off x="6086332" y="4797720"/>
+            <a:off x="4730144" y="4797720"/>
             <a:ext cx="1558290" cy="516255"/>
           </a:xfrm>
           <a:prstGeom prst="roundRect">
@@ -9534,7 +9534,7 @@
         </p:nvSpPr>
         <p:spPr>
           <a:xfrm>
-            <a:off x="6086332" y="2005673"/>
+            <a:off x="4730144" y="2005673"/>
             <a:ext cx="1558290" cy="2731208"/>
           </a:xfrm>
           <a:prstGeom prst="roundRect">
@@ -9598,7 +9598,7 @@
         </p:nvSpPr>
         <p:spPr>
           <a:xfrm>
-            <a:off x="7779960" y="1978994"/>
+            <a:off x="6423772" y="1978994"/>
             <a:ext cx="1558290" cy="1085288"/>
           </a:xfrm>
           <a:prstGeom prst="roundRect">
@@ -9677,6 +9677,53 @@
               <a:latin typeface="Times New Roman" panose="02020603050405020304" pitchFamily="18" charset="0"/>
               <a:ea typeface="Times New Roman" panose="02020603050405020304" pitchFamily="18" charset="0"/>
             </a:endParaRPr>
+          </a:p>
+        </p:txBody>
+      </p:sp>
+      <p:sp>
+        <p:nvSpPr>
+          <p:cNvPr id="15" name="Title 1"/>
+          <p:cNvSpPr>
+            <a:spLocks noGrp="1"/>
+          </p:cNvSpPr>
+          <p:nvPr>
+            <p:ph type="title"/>
+          </p:nvPr>
+        </p:nvSpPr>
+        <p:spPr>
+          <a:xfrm>
+            <a:off x="802034" y="654454"/>
+            <a:ext cx="8596668" cy="1320800"/>
+          </a:xfrm>
+        </p:spPr>
+        <p:txBody>
+          <a:bodyPr>
+            <a:normAutofit fontScale="90000"/>
+          </a:bodyPr>
+          <a:lstStyle/>
+          <a:p>
+            <a:r>
+              <a:rPr lang="en-US" b="1" dirty="0" smtClean="0"/>
+              <a:t>Project Framework</a:t>
+            </a:r>
+            <a:br>
+              <a:rPr lang="en-US" b="1" dirty="0" smtClean="0"/>
+            </a:br>
+            <a:r>
+              <a:rPr lang="en-US" dirty="0"/>
+              <a:t/>
+            </a:r>
+            <a:br>
+              <a:rPr lang="en-US" dirty="0"/>
+            </a:br>
+            <a:r>
+              <a:rPr lang="en-US" dirty="0"/>
+              <a:t/>
+            </a:r>
+            <a:br>
+              <a:rPr lang="en-US" dirty="0"/>
+            </a:br>
+            <a:endParaRPr lang="en-US" dirty="0"/>
           </a:p>
         </p:txBody>
       </p:sp>
@@ -9736,15 +9783,12 @@
           <a:p>
             <a:r>
               <a:rPr lang="en-US" b="1" dirty="0"/>
-              <a:t>Doing the first walkthrough of deploying to Azure Devin</a:t>
-            </a:r>
-            <a:r>
-              <a:rPr lang="en-US" dirty="0"/>
-              <a:t/>
-            </a:r>
-            <a:br>
-              <a:rPr lang="en-US" dirty="0"/>
-            </a:br>
+              <a:t>Doing the first walkthrough of deploying to </a:t>
+            </a:r>
+            <a:r>
+              <a:rPr lang="en-US" b="1" dirty="0" smtClean="0"/>
+              <a:t>Azure</a:t>
+            </a:r>
             <a:r>
               <a:rPr lang="en-US" dirty="0"/>
               <a:t/>
@@ -9756,25 +9800,30 @@
           </a:p>
         </p:txBody>
       </p:sp>
-      <p:sp>
-        <p:nvSpPr>
-          <p:cNvPr id="3" name="Content Placeholder 2"/>
-          <p:cNvSpPr>
-            <a:spLocks noGrp="1"/>
-          </p:cNvSpPr>
-          <p:nvPr>
-            <p:ph idx="1"/>
-          </p:nvPr>
-        </p:nvSpPr>
-        <p:spPr/>
-        <p:txBody>
-          <a:bodyPr/>
-          <a:lstStyle/>
-          <a:p>
-            <a:endParaRPr lang="en-US"/>
-          </a:p>
-        </p:txBody>
-      </p:sp>
+      <p:pic>
+        <p:nvPicPr>
+          <p:cNvPr id="4" name="Picture 3"/>
+          <p:cNvPicPr>
+            <a:picLocks noChangeAspect="1"/>
+          </p:cNvPicPr>
+          <p:nvPr/>
+        </p:nvPicPr>
+        <p:blipFill>
+          <a:blip r:embed="rId2"/>
+          <a:stretch>
+            <a:fillRect/>
+          </a:stretch>
+        </p:blipFill>
+        <p:spPr>
+          <a:xfrm>
+            <a:off x="1299200" y="1930400"/>
+            <a:ext cx="7011910" cy="4600629"/>
+          </a:xfrm>
+          <a:prstGeom prst="rect">
+            <a:avLst/>
+          </a:prstGeom>
+        </p:spPr>
+      </p:pic>
     </p:spTree>
     <p:extLst>
       <p:ext uri="{BB962C8B-B14F-4D97-AF65-F5344CB8AC3E}">
@@ -9785,6 +9834,13 @@
   <p:clrMapOvr>
     <a:masterClrMapping/>
   </p:clrMapOvr>
+  <p:timing>
+    <p:tnLst>
+      <p:par>
+        <p:cTn id="1" dur="indefinite" restart="never" nodeType="tmRoot"/>
+      </p:par>
+    </p:tnLst>
+  </p:timing>
 </p:sld>
 </file>
 
@@ -9820,45 +9876,19 @@
           <a:bodyPr/>
           <a:lstStyle/>
           <a:p>
-            <a:endParaRPr lang="en-US"/>
-          </a:p>
-        </p:txBody>
-      </p:sp>
-      <p:sp>
-        <p:nvSpPr>
-          <p:cNvPr id="3" name="Content Placeholder 2"/>
-          <p:cNvSpPr>
-            <a:spLocks noGrp="1"/>
-          </p:cNvSpPr>
-          <p:nvPr>
-            <p:ph sz="half" idx="1"/>
-          </p:nvPr>
-        </p:nvSpPr>
-        <p:spPr/>
-        <p:txBody>
-          <a:bodyPr/>
-          <a:lstStyle/>
-          <a:p>
-            <a:endParaRPr lang="en-US"/>
-          </a:p>
-        </p:txBody>
-      </p:sp>
-      <p:sp>
-        <p:nvSpPr>
-          <p:cNvPr id="4" name="Content Placeholder 3"/>
-          <p:cNvSpPr>
-            <a:spLocks noGrp="1"/>
-          </p:cNvSpPr>
-          <p:nvPr>
-            <p:ph sz="half" idx="2"/>
-          </p:nvPr>
-        </p:nvSpPr>
-        <p:spPr/>
-        <p:txBody>
-          <a:bodyPr/>
-          <a:lstStyle/>
-          <a:p>
-            <a:endParaRPr lang="en-US"/>
+            <a:r>
+              <a:rPr lang="en-US" dirty="0"/>
+              <a:t>The GIT Bash Learning curve - Living in </a:t>
+            </a:r>
+            <a:r>
+              <a:rPr lang="en-US" dirty="0" err="1"/>
+              <a:t>GITHub</a:t>
+            </a:r>
+            <a:r>
+              <a:rPr lang="en-US" dirty="0"/>
+              <a:t> and working in GIT</a:t>
+            </a:r>
+            <a:endParaRPr lang="en-US" dirty="0"/>
           </a:p>
         </p:txBody>
       </p:sp>
@@ -9872,6 +9902,13 @@
   <p:clrMapOvr>
     <a:masterClrMapping/>
   </p:clrMapOvr>
+  <p:timing>
+    <p:tnLst>
+      <p:par>
+        <p:cTn id="1" dur="indefinite" restart="never" nodeType="tmRoot"/>
+      </p:par>
+    </p:tnLst>
+  </p:timing>
 </p:sld>
 </file>
 
@@ -9907,45 +9944,14 @@
           <a:bodyPr/>
           <a:lstStyle/>
           <a:p>
-            <a:endParaRPr lang="en-US"/>
-          </a:p>
-        </p:txBody>
-      </p:sp>
-      <p:sp>
-        <p:nvSpPr>
-          <p:cNvPr id="3" name="Content Placeholder 2"/>
-          <p:cNvSpPr>
-            <a:spLocks noGrp="1"/>
-          </p:cNvSpPr>
-          <p:nvPr>
-            <p:ph sz="half" idx="1"/>
-          </p:nvPr>
-        </p:nvSpPr>
-        <p:spPr/>
-        <p:txBody>
-          <a:bodyPr/>
-          <a:lstStyle/>
-          <a:p>
-            <a:endParaRPr lang="en-US"/>
-          </a:p>
-        </p:txBody>
-      </p:sp>
-      <p:sp>
-        <p:nvSpPr>
-          <p:cNvPr id="4" name="Content Placeholder 3"/>
-          <p:cNvSpPr>
-            <a:spLocks noGrp="1"/>
-          </p:cNvSpPr>
-          <p:nvPr>
-            <p:ph sz="half" idx="2"/>
-          </p:nvPr>
-        </p:nvSpPr>
-        <p:spPr/>
-        <p:txBody>
-          <a:bodyPr/>
-          <a:lstStyle/>
-          <a:p>
-            <a:endParaRPr lang="en-US"/>
+            <a:r>
+              <a:rPr lang="en-US" dirty="0"/>
+              <a:t>Using JQuery plugins</a:t>
+            </a:r>
+            <a:br>
+              <a:rPr lang="en-US" dirty="0"/>
+            </a:br>
+            <a:endParaRPr lang="en-US" dirty="0"/>
           </a:p>
         </p:txBody>
       </p:sp>
@@ -9959,6 +9965,13 @@
   <p:clrMapOvr>
     <a:masterClrMapping/>
   </p:clrMapOvr>
+  <p:timing>
+    <p:tnLst>
+      <p:par>
+        <p:cTn id="1" dur="indefinite" restart="never" nodeType="tmRoot"/>
+      </p:par>
+    </p:tnLst>
+  </p:timing>
 </p:sld>
 </file>
 
@@ -10555,7 +10568,12 @@
             <p:ph type="title"/>
           </p:nvPr>
         </p:nvSpPr>
-        <p:spPr/>
+        <p:spPr>
+          <a:xfrm>
+            <a:off x="308225" y="506858"/>
+            <a:ext cx="8596668" cy="1320800"/>
+          </a:xfrm>
+        </p:spPr>
         <p:txBody>
           <a:bodyPr>
             <a:normAutofit fontScale="90000"/>
@@ -10584,25 +10602,30 @@
           </a:p>
         </p:txBody>
       </p:sp>
-      <p:sp>
-        <p:nvSpPr>
-          <p:cNvPr id="3" name="Content Placeholder 2"/>
-          <p:cNvSpPr>
-            <a:spLocks noGrp="1"/>
-          </p:cNvSpPr>
-          <p:nvPr>
-            <p:ph idx="1"/>
-          </p:nvPr>
-        </p:nvSpPr>
-        <p:spPr/>
-        <p:txBody>
-          <a:bodyPr/>
-          <a:lstStyle/>
-          <a:p>
-            <a:endParaRPr lang="en-US" dirty="0"/>
-          </a:p>
-        </p:txBody>
-      </p:sp>
+      <p:pic>
+        <p:nvPicPr>
+          <p:cNvPr id="4" name="Picture 3"/>
+          <p:cNvPicPr>
+            <a:picLocks noChangeAspect="1"/>
+          </p:cNvPicPr>
+          <p:nvPr/>
+        </p:nvPicPr>
+        <p:blipFill>
+          <a:blip r:embed="rId2"/>
+          <a:stretch>
+            <a:fillRect/>
+          </a:stretch>
+        </p:blipFill>
+        <p:spPr>
+          <a:xfrm>
+            <a:off x="308225" y="1827658"/>
+            <a:ext cx="9509383" cy="3936144"/>
+          </a:xfrm>
+          <a:prstGeom prst="rect">
+            <a:avLst/>
+          </a:prstGeom>
+        </p:spPr>
+      </p:pic>
     </p:spTree>
     <p:extLst>
       <p:ext uri="{BB962C8B-B14F-4D97-AF65-F5344CB8AC3E}">
@@ -11255,7 +11278,10 @@
             </a:endParaRPr>
           </a:p>
           <a:p>
-            <a:pPr lvl="1"/>
+            <a:pPr marL="914400" lvl="1" indent="-457200">
+              <a:buFont typeface="Wingdings" panose="05000000000000000000" pitchFamily="2" charset="2"/>
+              <a:buChar char="ü"/>
+            </a:pPr>
             <a:r>
               <a:rPr lang="en-US" sz="3200" dirty="0">
                 <a:cs typeface="Calibri"/>
@@ -11264,7 +11290,10 @@
             </a:r>
           </a:p>
           <a:p>
-            <a:pPr lvl="1"/>
+            <a:pPr marL="914400" lvl="1" indent="-457200">
+              <a:buFont typeface="Wingdings" panose="05000000000000000000" pitchFamily="2" charset="2"/>
+              <a:buChar char="ü"/>
+            </a:pPr>
             <a:r>
               <a:rPr lang="en-US" sz="3200" dirty="0" smtClean="0">
                 <a:cs typeface="Calibri"/>
@@ -11279,7 +11308,10 @@
             </a:r>
           </a:p>
           <a:p>
-            <a:pPr lvl="1"/>
+            <a:pPr marL="914400" lvl="1" indent="-457200">
+              <a:buFont typeface="Wingdings" panose="05000000000000000000" pitchFamily="2" charset="2"/>
+              <a:buChar char="ü"/>
+            </a:pPr>
             <a:r>
               <a:rPr lang="en-US" sz="3200" dirty="0">
                 <a:cs typeface="Calibri"/>
@@ -11288,7 +11320,10 @@
             </a:r>
           </a:p>
           <a:p>
-            <a:pPr lvl="1"/>
+            <a:pPr marL="914400" lvl="1" indent="-457200">
+              <a:buFont typeface="Wingdings" panose="05000000000000000000" pitchFamily="2" charset="2"/>
+              <a:buChar char="ü"/>
+            </a:pPr>
             <a:r>
               <a:rPr lang="en-US" sz="3200" dirty="0" smtClean="0">
                 <a:cs typeface="Calibri"/>
@@ -15967,7 +16002,6 @@
               <a:rPr lang="en-US" sz="4000" dirty="0"/>
               <a:t>Retrospective</a:t>
             </a:r>
-            <a:endParaRPr lang="en-US" sz="4000" dirty="0"/>
           </a:p>
         </p:txBody>
       </p:sp>
@@ -16006,7 +16040,6 @@
               <a:rPr lang="en-US" b="1" dirty="0" smtClean="0"/>
               <a:t>Azure </a:t>
             </a:r>
-            <a:endParaRPr lang="en-US" b="1" dirty="0" smtClean="0"/>
           </a:p>
           <a:p>
             <a:endParaRPr lang="en-US" b="1" dirty="0" smtClean="0"/>

--- a/Final Project Documentation/CSC521.pptx
+++ b/Final Project Documentation/CSC521.pptx
@@ -19,8 +19,8 @@
     <p:sldId id="296" r:id="rId10"/>
     <p:sldId id="299" r:id="rId11"/>
     <p:sldId id="301" r:id="rId12"/>
-    <p:sldId id="302" r:id="rId13"/>
-    <p:sldId id="303" r:id="rId14"/>
+    <p:sldId id="306" r:id="rId13"/>
+    <p:sldId id="307" r:id="rId14"/>
     <p:sldId id="300" r:id="rId15"/>
     <p:sldId id="298" r:id="rId16"/>
     <p:sldId id="295" r:id="rId17"/>
@@ -9871,31 +9871,144 @@
             <p:ph type="title"/>
           </p:nvPr>
         </p:nvSpPr>
-        <p:spPr/>
+        <p:spPr>
+          <a:xfrm>
+            <a:off x="677334" y="487049"/>
+            <a:ext cx="8596668" cy="1320800"/>
+          </a:xfrm>
+        </p:spPr>
         <p:txBody>
-          <a:bodyPr/>
+          <a:bodyPr>
+            <a:normAutofit fontScale="90000"/>
+          </a:bodyPr>
           <a:lstStyle/>
           <a:p>
             <a:r>
-              <a:rPr lang="en-US" dirty="0"/>
-              <a:t>The GIT Bash Learning curve - Living in </a:t>
-            </a:r>
-            <a:r>
-              <a:rPr lang="en-US" dirty="0" err="1"/>
+              <a:rPr lang="en-US" b="1" dirty="0"/>
+              <a:t>The GIT Bash Learning curve </a:t>
+            </a:r>
+            <a:r>
+              <a:rPr lang="en-US" b="1" dirty="0" smtClean="0"/>
+              <a:t> </a:t>
+            </a:r>
+            <a:br>
+              <a:rPr lang="en-US" b="1" dirty="0" smtClean="0"/>
+            </a:br>
+            <a:r>
+              <a:rPr lang="en-US" b="1" dirty="0" smtClean="0"/>
+              <a:t>Living </a:t>
+            </a:r>
+            <a:r>
+              <a:rPr lang="en-US" b="1" dirty="0"/>
+              <a:t>in </a:t>
+            </a:r>
+            <a:r>
+              <a:rPr lang="en-US" b="1" dirty="0" err="1"/>
               <a:t>GITHub</a:t>
             </a:r>
             <a:r>
-              <a:rPr lang="en-US" dirty="0"/>
-              <a:t> and working in GIT</a:t>
-            </a:r>
+              <a:rPr lang="en-US" b="1" dirty="0"/>
+              <a:t> and working in GIT </a:t>
+            </a:r>
+            <a:br>
+              <a:rPr lang="en-US" b="1" dirty="0"/>
+            </a:br>
             <a:endParaRPr lang="en-US" dirty="0"/>
           </a:p>
         </p:txBody>
       </p:sp>
+      <p:pic>
+        <p:nvPicPr>
+          <p:cNvPr id="5" name="Content Placeholder 4"/>
+          <p:cNvPicPr>
+            <a:picLocks noGrp="1" noChangeAspect="1"/>
+          </p:cNvPicPr>
+          <p:nvPr>
+            <p:ph sz="half" idx="1"/>
+          </p:nvPr>
+        </p:nvPicPr>
+        <p:blipFill>
+          <a:blip r:embed="rId2" cstate="print">
+            <a:extLst>
+              <a:ext uri="{28A0092B-C50C-407E-A947-70E740481C1C}">
+                <a14:useLocalDpi xmlns:a14="http://schemas.microsoft.com/office/drawing/2010/main" val="0"/>
+              </a:ext>
+            </a:extLst>
+          </a:blip>
+          <a:stretch>
+            <a:fillRect/>
+          </a:stretch>
+        </p:blipFill>
+        <p:spPr>
+          <a:xfrm>
+            <a:off x="374915" y="1840076"/>
+            <a:ext cx="4132854" cy="4211932"/>
+          </a:xfrm>
+        </p:spPr>
+      </p:pic>
+      <p:pic>
+        <p:nvPicPr>
+          <p:cNvPr id="6" name="Content Placeholder 5"/>
+          <p:cNvPicPr>
+            <a:picLocks noGrp="1" noChangeAspect="1"/>
+          </p:cNvPicPr>
+          <p:nvPr>
+            <p:ph sz="half" idx="2"/>
+          </p:nvPr>
+        </p:nvPicPr>
+        <p:blipFill>
+          <a:blip r:embed="rId3" cstate="print">
+            <a:extLst>
+              <a:ext uri="{28A0092B-C50C-407E-A947-70E740481C1C}">
+                <a14:useLocalDpi xmlns:a14="http://schemas.microsoft.com/office/drawing/2010/main" val="0"/>
+              </a:ext>
+            </a:extLst>
+          </a:blip>
+          <a:stretch>
+            <a:fillRect/>
+          </a:stretch>
+        </p:blipFill>
+        <p:spPr>
+          <a:xfrm>
+            <a:off x="5051084" y="1745806"/>
+            <a:ext cx="4582901" cy="3520096"/>
+          </a:xfrm>
+        </p:spPr>
+      </p:pic>
+      <p:pic>
+        <p:nvPicPr>
+          <p:cNvPr id="7" name="Picture 6"/>
+          <p:cNvPicPr>
+            <a:picLocks noChangeAspect="1"/>
+          </p:cNvPicPr>
+          <p:nvPr/>
+        </p:nvPicPr>
+        <p:blipFill>
+          <a:blip r:embed="rId4" cstate="print">
+            <a:extLst>
+              <a:ext uri="{28A0092B-C50C-407E-A947-70E740481C1C}">
+                <a14:useLocalDpi xmlns:a14="http://schemas.microsoft.com/office/drawing/2010/main" val="0"/>
+              </a:ext>
+            </a:extLst>
+          </a:blip>
+          <a:stretch>
+            <a:fillRect/>
+          </a:stretch>
+        </p:blipFill>
+        <p:spPr>
+          <a:xfrm>
+            <a:off x="2672330" y="2611224"/>
+            <a:ext cx="4106285" cy="4147795"/>
+          </a:xfrm>
+          <a:prstGeom prst="rect">
+            <a:avLst/>
+          </a:prstGeom>
+        </p:spPr>
+      </p:pic>
     </p:spTree>
     <p:extLst>
       <p:ext uri="{BB962C8B-B14F-4D97-AF65-F5344CB8AC3E}">
-        <p14:creationId xmlns:p14="http://schemas.microsoft.com/office/powerpoint/2010/main" val="3466366651"/>
+        <p14:creationId xmlns:p14="http://schemas.microsoft.com/office/powerpoint/2010/main" val="1388846036"/>
       </p:ext>
     </p:extLst>
   </p:cSld>
@@ -9905,7 +10018,327 @@
   <p:timing>
     <p:tnLst>
       <p:par>
-        <p:cTn id="1" dur="indefinite" restart="never" nodeType="tmRoot"/>
+        <p:cTn id="1" dur="indefinite" restart="never" nodeType="tmRoot">
+          <p:childTnLst>
+            <p:seq concurrent="1" nextAc="seek">
+              <p:cTn id="2" dur="indefinite" nodeType="mainSeq">
+                <p:childTnLst>
+                  <p:par>
+                    <p:cTn id="3" fill="hold">
+                      <p:stCondLst>
+                        <p:cond delay="indefinite"/>
+                      </p:stCondLst>
+                      <p:childTnLst>
+                        <p:par>
+                          <p:cTn id="4" fill="hold">
+                            <p:stCondLst>
+                              <p:cond delay="0"/>
+                            </p:stCondLst>
+                            <p:childTnLst>
+                              <p:par>
+                                <p:cTn id="5" presetID="42" presetClass="entr" presetSubtype="0" fill="hold" nodeType="clickEffect">
+                                  <p:stCondLst>
+                                    <p:cond delay="0"/>
+                                  </p:stCondLst>
+                                  <p:childTnLst>
+                                    <p:set>
+                                      <p:cBhvr>
+                                        <p:cTn id="6" dur="1" fill="hold">
+                                          <p:stCondLst>
+                                            <p:cond delay="0"/>
+                                          </p:stCondLst>
+                                        </p:cTn>
+                                        <p:tgtEl>
+                                          <p:spTgt spid="5"/>
+                                        </p:tgtEl>
+                                        <p:attrNameLst>
+                                          <p:attrName>style.visibility</p:attrName>
+                                        </p:attrNameLst>
+                                      </p:cBhvr>
+                                      <p:to>
+                                        <p:strVal val="visible"/>
+                                      </p:to>
+                                    </p:set>
+                                    <p:animEffect transition="in" filter="fade">
+                                      <p:cBhvr>
+                                        <p:cTn id="7" dur="1000"/>
+                                        <p:tgtEl>
+                                          <p:spTgt spid="5"/>
+                                        </p:tgtEl>
+                                      </p:cBhvr>
+                                    </p:animEffect>
+                                    <p:anim calcmode="lin" valueType="num">
+                                      <p:cBhvr>
+                                        <p:cTn id="8" dur="1000" fill="hold"/>
+                                        <p:tgtEl>
+                                          <p:spTgt spid="5"/>
+                                        </p:tgtEl>
+                                        <p:attrNameLst>
+                                          <p:attrName>ppt_x</p:attrName>
+                                        </p:attrNameLst>
+                                      </p:cBhvr>
+                                      <p:tavLst>
+                                        <p:tav tm="0">
+                                          <p:val>
+                                            <p:strVal val="#ppt_x"/>
+                                          </p:val>
+                                        </p:tav>
+                                        <p:tav tm="100000">
+                                          <p:val>
+                                            <p:strVal val="#ppt_x"/>
+                                          </p:val>
+                                        </p:tav>
+                                      </p:tavLst>
+                                    </p:anim>
+                                    <p:anim calcmode="lin" valueType="num">
+                                      <p:cBhvr>
+                                        <p:cTn id="9" dur="1000" fill="hold"/>
+                                        <p:tgtEl>
+                                          <p:spTgt spid="5"/>
+                                        </p:tgtEl>
+                                        <p:attrNameLst>
+                                          <p:attrName>ppt_y</p:attrName>
+                                        </p:attrNameLst>
+                                      </p:cBhvr>
+                                      <p:tavLst>
+                                        <p:tav tm="0">
+                                          <p:val>
+                                            <p:strVal val="#ppt_y+.1"/>
+                                          </p:val>
+                                        </p:tav>
+                                        <p:tav tm="100000">
+                                          <p:val>
+                                            <p:strVal val="#ppt_y"/>
+                                          </p:val>
+                                        </p:tav>
+                                      </p:tavLst>
+                                    </p:anim>
+                                  </p:childTnLst>
+                                </p:cTn>
+                              </p:par>
+                            </p:childTnLst>
+                          </p:cTn>
+                        </p:par>
+                      </p:childTnLst>
+                    </p:cTn>
+                  </p:par>
+                  <p:par>
+                    <p:cTn id="10" fill="hold">
+                      <p:stCondLst>
+                        <p:cond delay="indefinite"/>
+                      </p:stCondLst>
+                      <p:childTnLst>
+                        <p:par>
+                          <p:cTn id="11" fill="hold">
+                            <p:stCondLst>
+                              <p:cond delay="0"/>
+                            </p:stCondLst>
+                            <p:childTnLst>
+                              <p:par>
+                                <p:cTn id="12" presetID="42" presetClass="entr" presetSubtype="0" fill="hold" nodeType="clickEffect">
+                                  <p:stCondLst>
+                                    <p:cond delay="0"/>
+                                  </p:stCondLst>
+                                  <p:childTnLst>
+                                    <p:set>
+                                      <p:cBhvr>
+                                        <p:cTn id="13" dur="1" fill="hold">
+                                          <p:stCondLst>
+                                            <p:cond delay="0"/>
+                                          </p:stCondLst>
+                                        </p:cTn>
+                                        <p:tgtEl>
+                                          <p:spTgt spid="6"/>
+                                        </p:tgtEl>
+                                        <p:attrNameLst>
+                                          <p:attrName>style.visibility</p:attrName>
+                                        </p:attrNameLst>
+                                      </p:cBhvr>
+                                      <p:to>
+                                        <p:strVal val="visible"/>
+                                      </p:to>
+                                    </p:set>
+                                    <p:animEffect transition="in" filter="fade">
+                                      <p:cBhvr>
+                                        <p:cTn id="14" dur="1000"/>
+                                        <p:tgtEl>
+                                          <p:spTgt spid="6"/>
+                                        </p:tgtEl>
+                                      </p:cBhvr>
+                                    </p:animEffect>
+                                    <p:anim calcmode="lin" valueType="num">
+                                      <p:cBhvr>
+                                        <p:cTn id="15" dur="1000" fill="hold"/>
+                                        <p:tgtEl>
+                                          <p:spTgt spid="6"/>
+                                        </p:tgtEl>
+                                        <p:attrNameLst>
+                                          <p:attrName>ppt_x</p:attrName>
+                                        </p:attrNameLst>
+                                      </p:cBhvr>
+                                      <p:tavLst>
+                                        <p:tav tm="0">
+                                          <p:val>
+                                            <p:strVal val="#ppt_x"/>
+                                          </p:val>
+                                        </p:tav>
+                                        <p:tav tm="100000">
+                                          <p:val>
+                                            <p:strVal val="#ppt_x"/>
+                                          </p:val>
+                                        </p:tav>
+                                      </p:tavLst>
+                                    </p:anim>
+                                    <p:anim calcmode="lin" valueType="num">
+                                      <p:cBhvr>
+                                        <p:cTn id="16" dur="1000" fill="hold"/>
+                                        <p:tgtEl>
+                                          <p:spTgt spid="6"/>
+                                        </p:tgtEl>
+                                        <p:attrNameLst>
+                                          <p:attrName>ppt_y</p:attrName>
+                                        </p:attrNameLst>
+                                      </p:cBhvr>
+                                      <p:tavLst>
+                                        <p:tav tm="0">
+                                          <p:val>
+                                            <p:strVal val="#ppt_y+.1"/>
+                                          </p:val>
+                                        </p:tav>
+                                        <p:tav tm="100000">
+                                          <p:val>
+                                            <p:strVal val="#ppt_y"/>
+                                          </p:val>
+                                        </p:tav>
+                                      </p:tavLst>
+                                    </p:anim>
+                                  </p:childTnLst>
+                                </p:cTn>
+                              </p:par>
+                            </p:childTnLst>
+                          </p:cTn>
+                        </p:par>
+                      </p:childTnLst>
+                    </p:cTn>
+                  </p:par>
+                  <p:par>
+                    <p:cTn id="17" fill="hold">
+                      <p:stCondLst>
+                        <p:cond delay="indefinite"/>
+                      </p:stCondLst>
+                      <p:childTnLst>
+                        <p:par>
+                          <p:cTn id="18" fill="hold">
+                            <p:stCondLst>
+                              <p:cond delay="0"/>
+                            </p:stCondLst>
+                            <p:childTnLst>
+                              <p:par>
+                                <p:cTn id="19" presetID="42" presetClass="entr" presetSubtype="0" fill="hold" nodeType="clickEffect">
+                                  <p:stCondLst>
+                                    <p:cond delay="0"/>
+                                  </p:stCondLst>
+                                  <p:childTnLst>
+                                    <p:set>
+                                      <p:cBhvr>
+                                        <p:cTn id="20" dur="1" fill="hold">
+                                          <p:stCondLst>
+                                            <p:cond delay="0"/>
+                                          </p:stCondLst>
+                                        </p:cTn>
+                                        <p:tgtEl>
+                                          <p:spTgt spid="7"/>
+                                        </p:tgtEl>
+                                        <p:attrNameLst>
+                                          <p:attrName>style.visibility</p:attrName>
+                                        </p:attrNameLst>
+                                      </p:cBhvr>
+                                      <p:to>
+                                        <p:strVal val="visible"/>
+                                      </p:to>
+                                    </p:set>
+                                    <p:animEffect transition="in" filter="fade">
+                                      <p:cBhvr>
+                                        <p:cTn id="21" dur="1000"/>
+                                        <p:tgtEl>
+                                          <p:spTgt spid="7"/>
+                                        </p:tgtEl>
+                                      </p:cBhvr>
+                                    </p:animEffect>
+                                    <p:anim calcmode="lin" valueType="num">
+                                      <p:cBhvr>
+                                        <p:cTn id="22" dur="1000" fill="hold"/>
+                                        <p:tgtEl>
+                                          <p:spTgt spid="7"/>
+                                        </p:tgtEl>
+                                        <p:attrNameLst>
+                                          <p:attrName>ppt_x</p:attrName>
+                                        </p:attrNameLst>
+                                      </p:cBhvr>
+                                      <p:tavLst>
+                                        <p:tav tm="0">
+                                          <p:val>
+                                            <p:strVal val="#ppt_x"/>
+                                          </p:val>
+                                        </p:tav>
+                                        <p:tav tm="100000">
+                                          <p:val>
+                                            <p:strVal val="#ppt_x"/>
+                                          </p:val>
+                                        </p:tav>
+                                      </p:tavLst>
+                                    </p:anim>
+                                    <p:anim calcmode="lin" valueType="num">
+                                      <p:cBhvr>
+                                        <p:cTn id="23" dur="1000" fill="hold"/>
+                                        <p:tgtEl>
+                                          <p:spTgt spid="7"/>
+                                        </p:tgtEl>
+                                        <p:attrNameLst>
+                                          <p:attrName>ppt_y</p:attrName>
+                                        </p:attrNameLst>
+                                      </p:cBhvr>
+                                      <p:tavLst>
+                                        <p:tav tm="0">
+                                          <p:val>
+                                            <p:strVal val="#ppt_y+.1"/>
+                                          </p:val>
+                                        </p:tav>
+                                        <p:tav tm="100000">
+                                          <p:val>
+                                            <p:strVal val="#ppt_y"/>
+                                          </p:val>
+                                        </p:tav>
+                                      </p:tavLst>
+                                    </p:anim>
+                                  </p:childTnLst>
+                                </p:cTn>
+                              </p:par>
+                            </p:childTnLst>
+                          </p:cTn>
+                        </p:par>
+                      </p:childTnLst>
+                    </p:cTn>
+                  </p:par>
+                </p:childTnLst>
+              </p:cTn>
+              <p:prevCondLst>
+                <p:cond evt="onPrev" delay="0">
+                  <p:tgtEl>
+                    <p:sldTgt/>
+                  </p:tgtEl>
+                </p:cond>
+              </p:prevCondLst>
+              <p:nextCondLst>
+                <p:cond evt="onNext" delay="0">
+                  <p:tgtEl>
+                    <p:sldTgt/>
+                  </p:tgtEl>
+                </p:cond>
+              </p:nextCondLst>
+            </p:seq>
+          </p:childTnLst>
+        </p:cTn>
       </p:par>
     </p:tnLst>
   </p:timing>
@@ -9945,20 +10378,138 @@
           <a:lstStyle/>
           <a:p>
             <a:r>
-              <a:rPr lang="en-US" dirty="0"/>
+              <a:rPr lang="en-US" b="1" dirty="0"/>
               <a:t>Using JQuery plugins</a:t>
             </a:r>
             <a:br>
-              <a:rPr lang="en-US" dirty="0"/>
+              <a:rPr lang="en-US" b="1" dirty="0"/>
             </a:br>
             <a:endParaRPr lang="en-US" dirty="0"/>
           </a:p>
         </p:txBody>
       </p:sp>
+      <p:pic>
+        <p:nvPicPr>
+          <p:cNvPr id="6" name="Content Placeholder 5"/>
+          <p:cNvPicPr>
+            <a:picLocks noGrp="1" noChangeAspect="1"/>
+          </p:cNvPicPr>
+          <p:nvPr>
+            <p:ph sz="half" idx="2"/>
+          </p:nvPr>
+        </p:nvPicPr>
+        <p:blipFill>
+          <a:blip r:embed="rId2" cstate="print">
+            <a:extLst>
+              <a:ext uri="{28A0092B-C50C-407E-A947-70E740481C1C}">
+                <a14:useLocalDpi xmlns:a14="http://schemas.microsoft.com/office/drawing/2010/main" val="0"/>
+              </a:ext>
+            </a:extLst>
+          </a:blip>
+          <a:stretch>
+            <a:fillRect/>
+          </a:stretch>
+        </p:blipFill>
+        <p:spPr>
+          <a:xfrm>
+            <a:off x="422177" y="2193673"/>
+            <a:ext cx="3057461" cy="3881437"/>
+          </a:xfrm>
+        </p:spPr>
+      </p:pic>
+      <p:pic>
+        <p:nvPicPr>
+          <p:cNvPr id="7" name="Picture 6"/>
+          <p:cNvPicPr>
+            <a:picLocks noChangeAspect="1"/>
+          </p:cNvPicPr>
+          <p:nvPr/>
+        </p:nvPicPr>
+        <p:blipFill>
+          <a:blip r:embed="rId3" cstate="print">
+            <a:extLst>
+              <a:ext uri="{28A0092B-C50C-407E-A947-70E740481C1C}">
+                <a14:useLocalDpi xmlns:a14="http://schemas.microsoft.com/office/drawing/2010/main" val="0"/>
+              </a:ext>
+            </a:extLst>
+          </a:blip>
+          <a:stretch>
+            <a:fillRect/>
+          </a:stretch>
+        </p:blipFill>
+        <p:spPr>
+          <a:xfrm>
+            <a:off x="2768040" y="1690411"/>
+            <a:ext cx="3894776" cy="3596326"/>
+          </a:xfrm>
+          <a:prstGeom prst="rect">
+            <a:avLst/>
+          </a:prstGeom>
+        </p:spPr>
+      </p:pic>
+      <p:pic>
+        <p:nvPicPr>
+          <p:cNvPr id="5" name="Content Placeholder 4"/>
+          <p:cNvPicPr>
+            <a:picLocks noGrp="1" noChangeAspect="1"/>
+          </p:cNvPicPr>
+          <p:nvPr>
+            <p:ph sz="half" idx="1"/>
+          </p:nvPr>
+        </p:nvPicPr>
+        <p:blipFill>
+          <a:blip r:embed="rId4" cstate="print">
+            <a:extLst>
+              <a:ext uri="{28A0092B-C50C-407E-A947-70E740481C1C}">
+                <a14:useLocalDpi xmlns:a14="http://schemas.microsoft.com/office/drawing/2010/main" val="0"/>
+              </a:ext>
+            </a:extLst>
+          </a:blip>
+          <a:stretch>
+            <a:fillRect/>
+          </a:stretch>
+        </p:blipFill>
+        <p:spPr>
+          <a:xfrm>
+            <a:off x="5940781" y="883184"/>
+            <a:ext cx="3427491" cy="3606384"/>
+          </a:xfrm>
+        </p:spPr>
+      </p:pic>
+      <p:pic>
+        <p:nvPicPr>
+          <p:cNvPr id="8" name="Picture 7"/>
+          <p:cNvPicPr>
+            <a:picLocks noChangeAspect="1"/>
+          </p:cNvPicPr>
+          <p:nvPr/>
+        </p:nvPicPr>
+        <p:blipFill>
+          <a:blip r:embed="rId5">
+            <a:extLst>
+              <a:ext uri="{28A0092B-C50C-407E-A947-70E740481C1C}">
+                <a14:useLocalDpi xmlns:a14="http://schemas.microsoft.com/office/drawing/2010/main" val="0"/>
+              </a:ext>
+            </a:extLst>
+          </a:blip>
+          <a:stretch>
+            <a:fillRect/>
+          </a:stretch>
+        </p:blipFill>
+        <p:spPr>
+          <a:xfrm>
+            <a:off x="2419248" y="3328990"/>
+            <a:ext cx="5857486" cy="2519804"/>
+          </a:xfrm>
+          <a:prstGeom prst="rect">
+            <a:avLst/>
+          </a:prstGeom>
+        </p:spPr>
+      </p:pic>
     </p:spTree>
     <p:extLst>
       <p:ext uri="{BB962C8B-B14F-4D97-AF65-F5344CB8AC3E}">
-        <p14:creationId xmlns:p14="http://schemas.microsoft.com/office/powerpoint/2010/main" val="3889570862"/>
+        <p14:creationId xmlns:p14="http://schemas.microsoft.com/office/powerpoint/2010/main" val="2395182948"/>
       </p:ext>
     </p:extLst>
   </p:cSld>
@@ -9968,7 +10519,426 @@
   <p:timing>
     <p:tnLst>
       <p:par>
-        <p:cTn id="1" dur="indefinite" restart="never" nodeType="tmRoot"/>
+        <p:cTn id="1" dur="indefinite" restart="never" nodeType="tmRoot">
+          <p:childTnLst>
+            <p:seq concurrent="1" nextAc="seek">
+              <p:cTn id="2" dur="indefinite" nodeType="mainSeq">
+                <p:childTnLst>
+                  <p:par>
+                    <p:cTn id="3" fill="hold">
+                      <p:stCondLst>
+                        <p:cond delay="indefinite"/>
+                      </p:stCondLst>
+                      <p:childTnLst>
+                        <p:par>
+                          <p:cTn id="4" fill="hold">
+                            <p:stCondLst>
+                              <p:cond delay="0"/>
+                            </p:stCondLst>
+                            <p:childTnLst>
+                              <p:par>
+                                <p:cTn id="5" presetID="42" presetClass="entr" presetSubtype="0" fill="hold" nodeType="clickEffect">
+                                  <p:stCondLst>
+                                    <p:cond delay="0"/>
+                                  </p:stCondLst>
+                                  <p:childTnLst>
+                                    <p:set>
+                                      <p:cBhvr>
+                                        <p:cTn id="6" dur="1" fill="hold">
+                                          <p:stCondLst>
+                                            <p:cond delay="0"/>
+                                          </p:stCondLst>
+                                        </p:cTn>
+                                        <p:tgtEl>
+                                          <p:spTgt spid="6"/>
+                                        </p:tgtEl>
+                                        <p:attrNameLst>
+                                          <p:attrName>style.visibility</p:attrName>
+                                        </p:attrNameLst>
+                                      </p:cBhvr>
+                                      <p:to>
+                                        <p:strVal val="visible"/>
+                                      </p:to>
+                                    </p:set>
+                                    <p:animEffect transition="in" filter="fade">
+                                      <p:cBhvr>
+                                        <p:cTn id="7" dur="1000"/>
+                                        <p:tgtEl>
+                                          <p:spTgt spid="6"/>
+                                        </p:tgtEl>
+                                      </p:cBhvr>
+                                    </p:animEffect>
+                                    <p:anim calcmode="lin" valueType="num">
+                                      <p:cBhvr>
+                                        <p:cTn id="8" dur="1000" fill="hold"/>
+                                        <p:tgtEl>
+                                          <p:spTgt spid="6"/>
+                                        </p:tgtEl>
+                                        <p:attrNameLst>
+                                          <p:attrName>ppt_x</p:attrName>
+                                        </p:attrNameLst>
+                                      </p:cBhvr>
+                                      <p:tavLst>
+                                        <p:tav tm="0">
+                                          <p:val>
+                                            <p:strVal val="#ppt_x"/>
+                                          </p:val>
+                                        </p:tav>
+                                        <p:tav tm="100000">
+                                          <p:val>
+                                            <p:strVal val="#ppt_x"/>
+                                          </p:val>
+                                        </p:tav>
+                                      </p:tavLst>
+                                    </p:anim>
+                                    <p:anim calcmode="lin" valueType="num">
+                                      <p:cBhvr>
+                                        <p:cTn id="9" dur="1000" fill="hold"/>
+                                        <p:tgtEl>
+                                          <p:spTgt spid="6"/>
+                                        </p:tgtEl>
+                                        <p:attrNameLst>
+                                          <p:attrName>ppt_y</p:attrName>
+                                        </p:attrNameLst>
+                                      </p:cBhvr>
+                                      <p:tavLst>
+                                        <p:tav tm="0">
+                                          <p:val>
+                                            <p:strVal val="#ppt_y+.1"/>
+                                          </p:val>
+                                        </p:tav>
+                                        <p:tav tm="100000">
+                                          <p:val>
+                                            <p:strVal val="#ppt_y"/>
+                                          </p:val>
+                                        </p:tav>
+                                      </p:tavLst>
+                                    </p:anim>
+                                  </p:childTnLst>
+                                </p:cTn>
+                              </p:par>
+                            </p:childTnLst>
+                          </p:cTn>
+                        </p:par>
+                      </p:childTnLst>
+                    </p:cTn>
+                  </p:par>
+                  <p:par>
+                    <p:cTn id="10" fill="hold">
+                      <p:stCondLst>
+                        <p:cond delay="indefinite"/>
+                      </p:stCondLst>
+                      <p:childTnLst>
+                        <p:par>
+                          <p:cTn id="11" fill="hold">
+                            <p:stCondLst>
+                              <p:cond delay="0"/>
+                            </p:stCondLst>
+                            <p:childTnLst>
+                              <p:par>
+                                <p:cTn id="12" presetID="42" presetClass="entr" presetSubtype="0" fill="hold" nodeType="clickEffect">
+                                  <p:stCondLst>
+                                    <p:cond delay="0"/>
+                                  </p:stCondLst>
+                                  <p:childTnLst>
+                                    <p:set>
+                                      <p:cBhvr>
+                                        <p:cTn id="13" dur="1" fill="hold">
+                                          <p:stCondLst>
+                                            <p:cond delay="0"/>
+                                          </p:stCondLst>
+                                        </p:cTn>
+                                        <p:tgtEl>
+                                          <p:spTgt spid="7"/>
+                                        </p:tgtEl>
+                                        <p:attrNameLst>
+                                          <p:attrName>style.visibility</p:attrName>
+                                        </p:attrNameLst>
+                                      </p:cBhvr>
+                                      <p:to>
+                                        <p:strVal val="visible"/>
+                                      </p:to>
+                                    </p:set>
+                                    <p:animEffect transition="in" filter="fade">
+                                      <p:cBhvr>
+                                        <p:cTn id="14" dur="1000"/>
+                                        <p:tgtEl>
+                                          <p:spTgt spid="7"/>
+                                        </p:tgtEl>
+                                      </p:cBhvr>
+                                    </p:animEffect>
+                                    <p:anim calcmode="lin" valueType="num">
+                                      <p:cBhvr>
+                                        <p:cTn id="15" dur="1000" fill="hold"/>
+                                        <p:tgtEl>
+                                          <p:spTgt spid="7"/>
+                                        </p:tgtEl>
+                                        <p:attrNameLst>
+                                          <p:attrName>ppt_x</p:attrName>
+                                        </p:attrNameLst>
+                                      </p:cBhvr>
+                                      <p:tavLst>
+                                        <p:tav tm="0">
+                                          <p:val>
+                                            <p:strVal val="#ppt_x"/>
+                                          </p:val>
+                                        </p:tav>
+                                        <p:tav tm="100000">
+                                          <p:val>
+                                            <p:strVal val="#ppt_x"/>
+                                          </p:val>
+                                        </p:tav>
+                                      </p:tavLst>
+                                    </p:anim>
+                                    <p:anim calcmode="lin" valueType="num">
+                                      <p:cBhvr>
+                                        <p:cTn id="16" dur="1000" fill="hold"/>
+                                        <p:tgtEl>
+                                          <p:spTgt spid="7"/>
+                                        </p:tgtEl>
+                                        <p:attrNameLst>
+                                          <p:attrName>ppt_y</p:attrName>
+                                        </p:attrNameLst>
+                                      </p:cBhvr>
+                                      <p:tavLst>
+                                        <p:tav tm="0">
+                                          <p:val>
+                                            <p:strVal val="#ppt_y+.1"/>
+                                          </p:val>
+                                        </p:tav>
+                                        <p:tav tm="100000">
+                                          <p:val>
+                                            <p:strVal val="#ppt_y"/>
+                                          </p:val>
+                                        </p:tav>
+                                      </p:tavLst>
+                                    </p:anim>
+                                  </p:childTnLst>
+                                </p:cTn>
+                              </p:par>
+                            </p:childTnLst>
+                          </p:cTn>
+                        </p:par>
+                      </p:childTnLst>
+                    </p:cTn>
+                  </p:par>
+                  <p:par>
+                    <p:cTn id="17" fill="hold">
+                      <p:stCondLst>
+                        <p:cond delay="indefinite"/>
+                      </p:stCondLst>
+                      <p:childTnLst>
+                        <p:par>
+                          <p:cTn id="18" fill="hold">
+                            <p:stCondLst>
+                              <p:cond delay="0"/>
+                            </p:stCondLst>
+                            <p:childTnLst>
+                              <p:par>
+                                <p:cTn id="19" presetID="42" presetClass="entr" presetSubtype="0" fill="hold" nodeType="clickEffect">
+                                  <p:stCondLst>
+                                    <p:cond delay="0"/>
+                                  </p:stCondLst>
+                                  <p:childTnLst>
+                                    <p:set>
+                                      <p:cBhvr>
+                                        <p:cTn id="20" dur="1" fill="hold">
+                                          <p:stCondLst>
+                                            <p:cond delay="0"/>
+                                          </p:stCondLst>
+                                        </p:cTn>
+                                        <p:tgtEl>
+                                          <p:spTgt spid="5"/>
+                                        </p:tgtEl>
+                                        <p:attrNameLst>
+                                          <p:attrName>style.visibility</p:attrName>
+                                        </p:attrNameLst>
+                                      </p:cBhvr>
+                                      <p:to>
+                                        <p:strVal val="visible"/>
+                                      </p:to>
+                                    </p:set>
+                                    <p:animEffect transition="in" filter="fade">
+                                      <p:cBhvr>
+                                        <p:cTn id="21" dur="1000"/>
+                                        <p:tgtEl>
+                                          <p:spTgt spid="5"/>
+                                        </p:tgtEl>
+                                      </p:cBhvr>
+                                    </p:animEffect>
+                                    <p:anim calcmode="lin" valueType="num">
+                                      <p:cBhvr>
+                                        <p:cTn id="22" dur="1000" fill="hold"/>
+                                        <p:tgtEl>
+                                          <p:spTgt spid="5"/>
+                                        </p:tgtEl>
+                                        <p:attrNameLst>
+                                          <p:attrName>ppt_x</p:attrName>
+                                        </p:attrNameLst>
+                                      </p:cBhvr>
+                                      <p:tavLst>
+                                        <p:tav tm="0">
+                                          <p:val>
+                                            <p:strVal val="#ppt_x"/>
+                                          </p:val>
+                                        </p:tav>
+                                        <p:tav tm="100000">
+                                          <p:val>
+                                            <p:strVal val="#ppt_x"/>
+                                          </p:val>
+                                        </p:tav>
+                                      </p:tavLst>
+                                    </p:anim>
+                                    <p:anim calcmode="lin" valueType="num">
+                                      <p:cBhvr>
+                                        <p:cTn id="23" dur="1000" fill="hold"/>
+                                        <p:tgtEl>
+                                          <p:spTgt spid="5"/>
+                                        </p:tgtEl>
+                                        <p:attrNameLst>
+                                          <p:attrName>ppt_y</p:attrName>
+                                        </p:attrNameLst>
+                                      </p:cBhvr>
+                                      <p:tavLst>
+                                        <p:tav tm="0">
+                                          <p:val>
+                                            <p:strVal val="#ppt_y+.1"/>
+                                          </p:val>
+                                        </p:tav>
+                                        <p:tav tm="100000">
+                                          <p:val>
+                                            <p:strVal val="#ppt_y"/>
+                                          </p:val>
+                                        </p:tav>
+                                      </p:tavLst>
+                                    </p:anim>
+                                  </p:childTnLst>
+                                </p:cTn>
+                              </p:par>
+                            </p:childTnLst>
+                          </p:cTn>
+                        </p:par>
+                      </p:childTnLst>
+                    </p:cTn>
+                  </p:par>
+                  <p:par>
+                    <p:cTn id="24" fill="hold">
+                      <p:stCondLst>
+                        <p:cond delay="indefinite"/>
+                      </p:stCondLst>
+                      <p:childTnLst>
+                        <p:par>
+                          <p:cTn id="25" fill="hold">
+                            <p:stCondLst>
+                              <p:cond delay="0"/>
+                            </p:stCondLst>
+                            <p:childTnLst>
+                              <p:par>
+                                <p:cTn id="26" presetID="42" presetClass="entr" presetSubtype="0" fill="hold" nodeType="clickEffect">
+                                  <p:stCondLst>
+                                    <p:cond delay="0"/>
+                                  </p:stCondLst>
+                                  <p:childTnLst>
+                                    <p:set>
+                                      <p:cBhvr>
+                                        <p:cTn id="27" dur="1" fill="hold">
+                                          <p:stCondLst>
+                                            <p:cond delay="0"/>
+                                          </p:stCondLst>
+                                        </p:cTn>
+                                        <p:tgtEl>
+                                          <p:spTgt spid="8"/>
+                                        </p:tgtEl>
+                                        <p:attrNameLst>
+                                          <p:attrName>style.visibility</p:attrName>
+                                        </p:attrNameLst>
+                                      </p:cBhvr>
+                                      <p:to>
+                                        <p:strVal val="visible"/>
+                                      </p:to>
+                                    </p:set>
+                                    <p:animEffect transition="in" filter="fade">
+                                      <p:cBhvr>
+                                        <p:cTn id="28" dur="1000"/>
+                                        <p:tgtEl>
+                                          <p:spTgt spid="8"/>
+                                        </p:tgtEl>
+                                      </p:cBhvr>
+                                    </p:animEffect>
+                                    <p:anim calcmode="lin" valueType="num">
+                                      <p:cBhvr>
+                                        <p:cTn id="29" dur="1000" fill="hold"/>
+                                        <p:tgtEl>
+                                          <p:spTgt spid="8"/>
+                                        </p:tgtEl>
+                                        <p:attrNameLst>
+                                          <p:attrName>ppt_x</p:attrName>
+                                        </p:attrNameLst>
+                                      </p:cBhvr>
+                                      <p:tavLst>
+                                        <p:tav tm="0">
+                                          <p:val>
+                                            <p:strVal val="#ppt_x"/>
+                                          </p:val>
+                                        </p:tav>
+                                        <p:tav tm="100000">
+                                          <p:val>
+                                            <p:strVal val="#ppt_x"/>
+                                          </p:val>
+                                        </p:tav>
+                                      </p:tavLst>
+                                    </p:anim>
+                                    <p:anim calcmode="lin" valueType="num">
+                                      <p:cBhvr>
+                                        <p:cTn id="30" dur="1000" fill="hold"/>
+                                        <p:tgtEl>
+                                          <p:spTgt spid="8"/>
+                                        </p:tgtEl>
+                                        <p:attrNameLst>
+                                          <p:attrName>ppt_y</p:attrName>
+                                        </p:attrNameLst>
+                                      </p:cBhvr>
+                                      <p:tavLst>
+                                        <p:tav tm="0">
+                                          <p:val>
+                                            <p:strVal val="#ppt_y+.1"/>
+                                          </p:val>
+                                        </p:tav>
+                                        <p:tav tm="100000">
+                                          <p:val>
+                                            <p:strVal val="#ppt_y"/>
+                                          </p:val>
+                                        </p:tav>
+                                      </p:tavLst>
+                                    </p:anim>
+                                  </p:childTnLst>
+                                </p:cTn>
+                              </p:par>
+                            </p:childTnLst>
+                          </p:cTn>
+                        </p:par>
+                      </p:childTnLst>
+                    </p:cTn>
+                  </p:par>
+                </p:childTnLst>
+              </p:cTn>
+              <p:prevCondLst>
+                <p:cond evt="onPrev" delay="0">
+                  <p:tgtEl>
+                    <p:sldTgt/>
+                  </p:tgtEl>
+                </p:cond>
+              </p:prevCondLst>
+              <p:nextCondLst>
+                <p:cond evt="onNext" delay="0">
+                  <p:tgtEl>
+                    <p:sldTgt/>
+                  </p:tgtEl>
+                </p:cond>
+              </p:nextCondLst>
+            </p:seq>
+          </p:childTnLst>
+        </p:cTn>
       </p:par>
     </p:tnLst>
   </p:timing>
